--- a/Intro to Latex Slides.pptx
+++ b/Intro to Latex Slides.pptx
@@ -5,10 +5,10 @@
     <p:sldMasterId id="2147483648" r:id="rId1"/>
   </p:sldMasterIdLst>
   <p:notesMasterIdLst>
-    <p:notesMasterId r:id="rId24"/>
+    <p:notesMasterId r:id="rId27"/>
   </p:notesMasterIdLst>
   <p:handoutMasterIdLst>
-    <p:handoutMasterId r:id="rId25"/>
+    <p:handoutMasterId r:id="rId28"/>
   </p:handoutMasterIdLst>
   <p:sldIdLst>
     <p:sldId id="264" r:id="rId2"/>
@@ -27,12 +27,15 @@
     <p:sldId id="281" r:id="rId15"/>
     <p:sldId id="282" r:id="rId16"/>
     <p:sldId id="277" r:id="rId17"/>
-    <p:sldId id="276" r:id="rId18"/>
-    <p:sldId id="289" r:id="rId19"/>
-    <p:sldId id="290" r:id="rId20"/>
-    <p:sldId id="328" r:id="rId21"/>
-    <p:sldId id="291" r:id="rId22"/>
-    <p:sldId id="280" r:id="rId23"/>
+    <p:sldId id="319" r:id="rId18"/>
+    <p:sldId id="321" r:id="rId19"/>
+    <p:sldId id="322" r:id="rId20"/>
+    <p:sldId id="289" r:id="rId21"/>
+    <p:sldId id="290" r:id="rId22"/>
+    <p:sldId id="328" r:id="rId23"/>
+    <p:sldId id="291" r:id="rId24"/>
+    <p:sldId id="329" r:id="rId25"/>
+    <p:sldId id="280" r:id="rId26"/>
   </p:sldIdLst>
   <p:sldSz cx="9144000" cy="6858000" type="screen4x3"/>
   <p:notesSz cx="7099300" cy="10234613"/>
@@ -152,11 +155,14 @@
             <p14:sldId id="281"/>
             <p14:sldId id="282"/>
             <p14:sldId id="277"/>
-            <p14:sldId id="276"/>
+            <p14:sldId id="319"/>
+            <p14:sldId id="321"/>
+            <p14:sldId id="322"/>
             <p14:sldId id="289"/>
             <p14:sldId id="290"/>
             <p14:sldId id="328"/>
             <p14:sldId id="291"/>
+            <p14:sldId id="329"/>
             <p14:sldId id="280"/>
           </p14:sldIdLst>
         </p14:section>
@@ -432,7 +438,7 @@
           <a:p>
             <a:fld id="{88EB714B-C3CC-4216-88C1-02913905B1CF}" type="datetimeFigureOut">
               <a:rPr lang="en-GB" smtClean="0"/>
-              <a:t>10/01/2020</a:t>
+              <a:t>20/04/2020</a:t>
             </a:fld>
             <a:endParaRPr lang="en-GB"/>
           </a:p>
@@ -2032,57 +2038,7 @@
           <a:p>
             <a:r>
               <a:rPr lang="en-GB" dirty="0"/>
-              <a:t>There are a couple of ways you can include a bibliography and cite items from it in your document in LaTeX. We’ll be looking at a simple way of achieving this.</a:t>
-            </a:r>
-          </a:p>
-          <a:p>
-            <a:endParaRPr lang="en-GB" dirty="0"/>
-          </a:p>
-          <a:p>
-            <a:r>
-              <a:rPr lang="en-GB" dirty="0"/>
-              <a:t>We begin by including a definition of the bibliography using the “begin the bibliography” command. The number of curly brackets following it specifies the number of items included in the bibliography. Within “</a:t>
-            </a:r>
-            <a:r>
-              <a:rPr lang="en-GB" dirty="0" err="1"/>
-              <a:t>thebibliogrpahy</a:t>
-            </a:r>
-            <a:r>
-              <a:rPr lang="en-GB" dirty="0"/>
-              <a:t>” we define bibliography items using a syntax similar to the list we looked at earlier, using the “</a:t>
-            </a:r>
-            <a:r>
-              <a:rPr lang="en-GB" dirty="0" err="1"/>
-              <a:t>bibitem</a:t>
-            </a:r>
-            <a:r>
-              <a:rPr lang="en-GB" dirty="0"/>
-              <a:t>” command. Here, however, we also specify a label for each item in curly brackets after the “</a:t>
-            </a:r>
-            <a:r>
-              <a:rPr lang="en-GB" dirty="0" err="1"/>
-              <a:t>bibitem</a:t>
-            </a:r>
-            <a:r>
-              <a:rPr lang="en-GB" dirty="0"/>
-              <a:t>” command and before the text we want to appear in the bibliography itself.</a:t>
-            </a:r>
-          </a:p>
-          <a:p>
-            <a:endParaRPr lang="en-GB" dirty="0"/>
-          </a:p>
-          <a:p>
-            <a:r>
-              <a:rPr lang="en-GB" dirty="0"/>
-              <a:t>To cite an item in the bibliography we use the “cite” command followed by the label of the </a:t>
-            </a:r>
-            <a:r>
-              <a:rPr lang="en-GB" dirty="0" err="1"/>
-              <a:t>bibitem</a:t>
-            </a:r>
-            <a:r>
-              <a:rPr lang="en-GB" dirty="0"/>
-              <a:t> in curly brackets. This creates a reference to the bibliography item in the text in a set of square brackets.</a:t>
+              <a:t>Your thesis is likely to have dozens or hundreds of references and so a more advanced way to deal with your references is preferable. There are many ways to deal with your references and many ways to personalise your citations. We’re going to run through one way to achieve a streamlined approach to referencing and introduce a few options you might want to consider for personalising your references.</a:t>
             </a:r>
             <a:br>
               <a:rPr lang="en-GB" dirty="0"/>
@@ -2092,26 +2048,15 @@
             </a:br>
             <a:r>
               <a:rPr lang="en-GB" dirty="0"/>
-              <a:t>There are a variety of other ways of using the bibliography to achieve different effects and to interact with reference management tools. We don’t have time to cover these in this workshop, but we talk about it a bit more in our workshop “Writing Theses in LaTeX”.</a:t>
-            </a:r>
-            <a:br>
-              <a:rPr lang="en-GB" dirty="0"/>
-            </a:br>
-            <a:endParaRPr lang="en-GB" dirty="0"/>
-          </a:p>
-          <a:p>
-            <a:r>
-              <a:rPr lang="en-GB" dirty="0"/>
-              <a:t>Overleaf example: https://www.overleaf.com/read/dmbtbhfjykfq</a:t>
-            </a:r>
-          </a:p>
-          <a:p>
-            <a:br>
-              <a:rPr lang="en-GB" dirty="0"/>
-            </a:br>
-            <a:r>
-              <a:rPr lang="en-GB" dirty="0"/>
-              <a:t>Break for section 8 of Task Sheet.</a:t>
+              <a:t>Many reference managers such as EndNote, Mendeley and </a:t>
+            </a:r>
+            <a:r>
+              <a:rPr lang="en-GB" dirty="0" err="1"/>
+              <a:t>JabRef</a:t>
+            </a:r>
+            <a:r>
+              <a:rPr lang="en-GB" dirty="0"/>
+              <a:t> allow for your database of references to be exported as a “.bib” file. This is essentially a database of your references that LaTeX can interact with directly. This means you only need to enter your reference details once in your reference manager and it will feed through to your LaTeX documents including your thesis. If you combine this with the automatic population of fields in your reference manager you will never need to manually write the author of a reference again. This saves a lot of time and effort you can better spend elsewhere.</a:t>
             </a:r>
           </a:p>
         </p:txBody>
@@ -2142,7 +2087,7 @@
     </p:spTree>
     <p:extLst>
       <p:ext uri="{BB962C8B-B14F-4D97-AF65-F5344CB8AC3E}">
-        <p14:creationId xmlns:p14="http://schemas.microsoft.com/office/powerpoint/2010/main" val="1795592458"/>
+        <p14:creationId xmlns:p14="http://schemas.microsoft.com/office/powerpoint/2010/main" val="1094947271"/>
       </p:ext>
     </p:extLst>
   </p:cSld>
@@ -2198,47 +2143,49 @@
           <a:p>
             <a:r>
               <a:rPr lang="en-GB" dirty="0"/>
-              <a:t>You can chose to make a dedicated title page in many </a:t>
+              <a:t>A “.bib” file consists of one entry for each reference. An new entry is begun with a “@” symbol and the name of the type of entry it is. Here, we have one article and one book. There are many other types such as “report”, “conference” and even “</a:t>
             </a:r>
             <a:r>
               <a:rPr lang="en-GB" dirty="0" err="1"/>
-              <a:t>documentclasses</a:t>
-            </a:r>
-            <a:r>
-              <a:rPr lang="en-GB" dirty="0"/>
-              <a:t> in LaTeX. This is done using the “begin </a:t>
+              <a:t>phdthesis</a:t>
+            </a:r>
+            <a:r>
+              <a:rPr lang="en-GB" dirty="0"/>
+              <a:t>”. See here for some more examples: </a:t>
+            </a:r>
+            <a:r>
+              <a:rPr lang="en-GB" dirty="0">
+                <a:hlinkClick r:id="rId3"/>
+              </a:rPr>
+              <a:t>https://www.verbosus.com/bibtex-style-examples.html</a:t>
+            </a:r>
+            <a:endParaRPr lang="en-GB" dirty="0"/>
+          </a:p>
+          <a:p>
+            <a:endParaRPr lang="en-GB" dirty="0"/>
+          </a:p>
+          <a:p>
+            <a:r>
+              <a:rPr lang="en-GB" dirty="0"/>
+              <a:t> Within curly brackets, the first entry is a label for your reference. Following that, we then have a series of fields which define the contents of the reference. These come in the format “field name = field value” and are separated by commas. Different entries are valid for different entry types. For instance, both our entries here have “author”, “title” and “year” fields but the article has the fields “journal”, “volume”, “number” and “pages” fields whilst the book has a “publisher” field.</a:t>
+            </a:r>
+            <a:br>
+              <a:rPr lang="en-GB" dirty="0"/>
+            </a:br>
+            <a:br>
+              <a:rPr lang="en-GB" dirty="0"/>
+            </a:br>
+            <a:r>
+              <a:rPr lang="en-GB" dirty="0"/>
+              <a:t>When you compile your main .</a:t>
             </a:r>
             <a:r>
               <a:rPr lang="en-GB" dirty="0" err="1"/>
-              <a:t>titlepage</a:t>
-            </a:r>
-            <a:r>
-              <a:rPr lang="en-GB" dirty="0"/>
-              <a:t>” and “end </a:t>
-            </a:r>
-            <a:r>
-              <a:rPr lang="en-GB" dirty="0" err="1"/>
-              <a:t>titlepage</a:t>
-            </a:r>
-            <a:r>
-              <a:rPr lang="en-GB" dirty="0"/>
-              <a:t>” commands which will create a new page. Many of the formatting specifications you make within the </a:t>
-            </a:r>
-            <a:r>
-              <a:rPr lang="en-GB" dirty="0" err="1"/>
-              <a:t>titlepage</a:t>
-            </a:r>
-            <a:r>
-              <a:rPr lang="en-GB" dirty="0"/>
-              <a:t> will not affect the rest of your document outside of the </a:t>
-            </a:r>
-            <a:r>
-              <a:rPr lang="en-GB" dirty="0" err="1"/>
-              <a:t>titelpage</a:t>
-            </a:r>
-            <a:r>
-              <a:rPr lang="en-GB" dirty="0"/>
-              <a:t>.</a:t>
+              <a:t>tex</a:t>
+            </a:r>
+            <a:r>
+              <a:rPr lang="en-GB" dirty="0"/>
+              <a:t> file, your bibliography will appear and any entries that are cited will appear in your bibliography. Entries you have not cited will not be included by default.</a:t>
             </a:r>
           </a:p>
           <a:p>
@@ -2247,98 +2194,7 @@
           <a:p>
             <a:r>
               <a:rPr lang="en-GB" dirty="0"/>
-              <a:t>You may wish to control the alignment of text within your </a:t>
-            </a:r>
-            <a:r>
-              <a:rPr lang="en-GB" dirty="0" err="1"/>
-              <a:t>titlepage</a:t>
-            </a:r>
-            <a:r>
-              <a:rPr lang="en-GB" dirty="0"/>
-              <a:t> and this can be achieved via the “</a:t>
-            </a:r>
-            <a:r>
-              <a:rPr lang="en-GB" dirty="0" err="1"/>
-              <a:t>flushleft</a:t>
-            </a:r>
-            <a:r>
-              <a:rPr lang="en-GB" dirty="0"/>
-              <a:t>”, “centre” and “</a:t>
-            </a:r>
-            <a:r>
-              <a:rPr lang="en-GB" dirty="0" err="1"/>
-              <a:t>flushright</a:t>
-            </a:r>
-            <a:r>
-              <a:rPr lang="en-GB" dirty="0"/>
-              <a:t>” environments. You could also use the “</a:t>
-            </a:r>
-            <a:r>
-              <a:rPr lang="en-GB" dirty="0" err="1"/>
-              <a:t>centering</a:t>
-            </a:r>
-            <a:r>
-              <a:rPr lang="en-GB" dirty="0"/>
-              <a:t>” command as you did with figures earlier to force everything to be centred. You can also use the “</a:t>
-            </a:r>
-            <a:r>
-              <a:rPr lang="en-GB" dirty="0" err="1"/>
-              <a:t>includegraphics</a:t>
-            </a:r>
-            <a:r>
-              <a:rPr lang="en-GB" dirty="0"/>
-              <a:t>” command. Note that this doesn’t create a figure with associated figure number as it’s not inside a “figure” environment. You may also find the “today” command useful for forcing today’s date to be present. This will be updated each time you recompile your pdf. You can use the “</a:t>
-            </a:r>
-            <a:r>
-              <a:rPr lang="en-GB" dirty="0" err="1"/>
-              <a:t>vspace</a:t>
-            </a:r>
-            <a:r>
-              <a:rPr lang="en-GB" dirty="0"/>
-              <a:t>” command to manually specify the vertical distance between items on the page.</a:t>
-            </a:r>
-          </a:p>
-          <a:p>
-            <a:endParaRPr lang="en-GB" dirty="0"/>
-          </a:p>
-          <a:p>
-            <a:r>
-              <a:rPr lang="en-GB" dirty="0"/>
-              <a:t>I’ve deliberately made this </a:t>
-            </a:r>
-            <a:r>
-              <a:rPr lang="en-GB" dirty="0" err="1"/>
-              <a:t>titlepage</a:t>
-            </a:r>
-            <a:r>
-              <a:rPr lang="en-GB" dirty="0"/>
-              <a:t> a bit ugly in order to show off different features you might want to use. Now, you can try and make your own </a:t>
-            </a:r>
-            <a:r>
-              <a:rPr lang="en-GB" dirty="0" err="1"/>
-              <a:t>titlepage</a:t>
-            </a:r>
-            <a:r>
-              <a:rPr lang="en-GB" dirty="0"/>
-              <a:t> using some of these components. Remember you can use underlining, bolding, italics and different sized text as well.</a:t>
-            </a:r>
-          </a:p>
-          <a:p>
-            <a:endParaRPr lang="en-GB" dirty="0"/>
-          </a:p>
-          <a:p>
-            <a:r>
-              <a:rPr lang="en-GB" dirty="0"/>
-              <a:t>Overleaf example: https://www.overleaf.com/read/bbsgxykdmvpb</a:t>
-            </a:r>
-          </a:p>
-          <a:p>
-            <a:endParaRPr lang="en-GB" dirty="0"/>
-          </a:p>
-          <a:p>
-            <a:r>
-              <a:rPr lang="en-GB" dirty="0"/>
-              <a:t>Break for section 9 of Task Sheet.</a:t>
+              <a:t>Overleaf example: https://www.overleaf.com/read/tfrbytxxqszf</a:t>
             </a:r>
           </a:p>
         </p:txBody>
@@ -2369,7 +2225,7 @@
     </p:spTree>
     <p:extLst>
       <p:ext uri="{BB962C8B-B14F-4D97-AF65-F5344CB8AC3E}">
-        <p14:creationId xmlns:p14="http://schemas.microsoft.com/office/powerpoint/2010/main" val="1795592458"/>
+        <p14:creationId xmlns:p14="http://schemas.microsoft.com/office/powerpoint/2010/main" val="2985834625"/>
       </p:ext>
     </p:extLst>
   </p:cSld>
@@ -2425,16 +2281,39 @@
           <a:p>
             <a:r>
               <a:rPr lang="en-GB" dirty="0"/>
-              <a:t>As LaTeX runs, it keeps a log of what it’s doing. Most of these messages can be safely ignored. However, one class of message that is very helpful is the error message. Overleaf, like all LaTeX compilers will keep a log of all messages is generated. When LaTeX hits a section of code with an error, it will typically generate a number of useful messages and then stop progressing further. If you carefully read the messages, they often lead you straight to the source of the error.</a:t>
-            </a:r>
-          </a:p>
-          <a:p>
-            <a:endParaRPr lang="en-GB" dirty="0"/>
-          </a:p>
-          <a:p>
-            <a:r>
-              <a:rPr lang="en-GB" dirty="0"/>
-              <a:t>LaTeX will normally tell you what the error is and on what line of the file the error occurred. Overleaf takes this a step further and shows you a small error symbol next to the line number. You can hover over this to read the error message. The full message log can be read by clicking the “Log and Output Files” button next to the “Recompile” button just above where the Pdf is normally displayed. </a:t>
+              <a:t>In your main .</a:t>
+            </a:r>
+            <a:r>
+              <a:rPr lang="en-GB" dirty="0" err="1"/>
+              <a:t>tex</a:t>
+            </a:r>
+            <a:r>
+              <a:rPr lang="en-GB" dirty="0"/>
+              <a:t> file, you need to use the package “</a:t>
+            </a:r>
+            <a:r>
+              <a:rPr lang="en-GB" dirty="0" err="1"/>
+              <a:t>natbib</a:t>
+            </a:r>
+            <a:r>
+              <a:rPr lang="en-GB" dirty="0"/>
+              <a:t>” in your preamble. You can then cite a reference using the “</a:t>
+            </a:r>
+            <a:r>
+              <a:rPr lang="en-GB" dirty="0" err="1"/>
+              <a:t>citet</a:t>
+            </a:r>
+            <a:r>
+              <a:rPr lang="en-GB" dirty="0"/>
+              <a:t>” command with the label of the reference. This produces a reference which is “textual” in the sense that the author name is written in normal text as if it’s being read as part of the sentence. You can also use “</a:t>
+            </a:r>
+            <a:r>
+              <a:rPr lang="en-GB" dirty="0" err="1"/>
+              <a:t>citep</a:t>
+            </a:r>
+            <a:r>
+              <a:rPr lang="en-GB" dirty="0"/>
+              <a:t>” to include the entire reference within brackets. This can be useful for when you don’t intend for the reference to be read as part of the sentence, but to act as an addendum.</a:t>
             </a:r>
             <a:br>
               <a:rPr lang="en-GB" dirty="0"/>
@@ -2444,45 +2323,45 @@
             </a:br>
             <a:r>
               <a:rPr lang="en-GB" dirty="0"/>
-              <a:t>When you receive an error from LaTeX (in Overleaf or from whatever LaTeX tool you’re using), read the error message, edit the </a:t>
+              <a:t>After the main body of your text, select a bibliography style (we’ll use “</a:t>
             </a:r>
             <a:r>
               <a:rPr lang="en-GB" dirty="0" err="1"/>
-              <a:t>fileto</a:t>
-            </a:r>
-            <a:r>
-              <a:rPr lang="en-GB" dirty="0"/>
-              <a:t> correct the error and recompile the pdf. Hopefully you will have fixed the error. Otherwise, you’ll receive another error message.</a:t>
-            </a:r>
-            <a:br>
-              <a:rPr lang="en-GB" dirty="0"/>
-            </a:br>
-            <a:br>
-              <a:rPr lang="en-GB" dirty="0"/>
-            </a:br>
-            <a:r>
-              <a:rPr lang="en-GB" dirty="0"/>
-              <a:t>LaTeX will also give you warnings, telling you if there was something it wasn’t sure what to do with, but was able to complete the document in any case. It’s also a good idea to look through the entire pdf by eye for anywhere that you’ve given a valid instruction, but one that has produced a different result to what you wanted.</a:t>
-            </a:r>
-            <a:br>
-              <a:rPr lang="en-GB" dirty="0"/>
-            </a:br>
+              <a:t>plainnat</a:t>
+            </a:r>
+            <a:r>
+              <a:rPr lang="en-GB" dirty="0"/>
+              <a:t>” for now). Then, use the “\bibliography” command to actually insert your bibliography into your text. This is followed by the name of your “.bib” file in curly brackets (do not include the “.bib” extension here).</a:t>
+            </a:r>
+          </a:p>
+          <a:p>
             <a:endParaRPr lang="en-GB" dirty="0"/>
           </a:p>
           <a:p>
-            <a:r>
-              <a:rPr lang="en-GB" dirty="0"/>
-              <a:t>Latex example: https://www.overleaf.com/read/gnzphcnqgfvf</a:t>
-            </a:r>
-          </a:p>
-          <a:p>
-            <a:br>
-              <a:rPr lang="en-GB" dirty="0"/>
-            </a:br>
-            <a:r>
-              <a:rPr lang="en-GB" dirty="0"/>
-              <a:t>Break for section 10 of Task Sheet. </a:t>
-            </a:r>
+            <a:pPr marL="0" marR="0" lvl="0" indent="0" algn="l" defTabSz="914400" rtl="0" eaLnBrk="1" fontAlgn="auto" latinLnBrk="0" hangingPunct="1">
+              <a:lnSpc>
+                <a:spcPct val="100000"/>
+              </a:lnSpc>
+              <a:spcBef>
+                <a:spcPts val="0"/>
+              </a:spcBef>
+              <a:spcAft>
+                <a:spcPts val="0"/>
+              </a:spcAft>
+              <a:buClrTx/>
+              <a:buSzTx/>
+              <a:buFontTx/>
+              <a:buNone/>
+              <a:tabLst/>
+              <a:defRPr/>
+            </a:pPr>
+            <a:r>
+              <a:rPr lang="en-GB" dirty="0"/>
+              <a:t>Overleaf example: https://www.overleaf.com/read/tfrbytxxqszf</a:t>
+            </a:r>
+          </a:p>
+          <a:p>
+            <a:endParaRPr lang="en-GB" dirty="0"/>
           </a:p>
         </p:txBody>
       </p:sp>
@@ -2512,7 +2391,7 @@
     </p:spTree>
     <p:extLst>
       <p:ext uri="{BB962C8B-B14F-4D97-AF65-F5344CB8AC3E}">
-        <p14:creationId xmlns:p14="http://schemas.microsoft.com/office/powerpoint/2010/main" val="2643096923"/>
+        <p14:creationId xmlns:p14="http://schemas.microsoft.com/office/powerpoint/2010/main" val="529073958"/>
       </p:ext>
     </p:extLst>
   </p:cSld>
@@ -2652,23 +2531,147 @@
           <a:p>
             <a:r>
               <a:rPr lang="en-GB" dirty="0"/>
-              <a:t>If you want to do something in LaTeX but don’t know how, the first thing to do is to Google it. Somebody has almost certainly had your problem/desire before and you can copy their solution most of the time. On many occasions, you’ll find the answer of </a:t>
+              <a:t>You can chose to make a dedicated title page in many </a:t>
             </a:r>
             <a:r>
               <a:rPr lang="en-GB" dirty="0" err="1"/>
-              <a:t>stackexchange</a:t>
-            </a:r>
-            <a:r>
-              <a:rPr lang="en-GB" dirty="0"/>
-              <a:t>. As well as being a useful environment to develop and run LaTeX, Overleaf has an extensive library of documentation on LaTeX’s functions. There’s also a very good </a:t>
+              <a:t>documentclasses</a:t>
+            </a:r>
+            <a:r>
+              <a:rPr lang="en-GB" dirty="0"/>
+              <a:t> in LaTeX. This is done using the “begin </a:t>
             </a:r>
             <a:r>
               <a:rPr lang="en-GB" dirty="0" err="1"/>
-              <a:t>wikibook</a:t>
-            </a:r>
-            <a:r>
-              <a:rPr lang="en-GB" dirty="0"/>
-              <a:t> that contains a good description of the functionality of LaTeX. There’s also a good table maker which allows you to define tables in a more natural and graphical way and have it return the equivalent LaTeX code. Finally, there’s an equation editor which allows you to define equations in a more graphical fashion and have it return the equivalent LaTeX code.</a:t>
+              <a:t>titlepage</a:t>
+            </a:r>
+            <a:r>
+              <a:rPr lang="en-GB" dirty="0"/>
+              <a:t>” and “end </a:t>
+            </a:r>
+            <a:r>
+              <a:rPr lang="en-GB" dirty="0" err="1"/>
+              <a:t>titlepage</a:t>
+            </a:r>
+            <a:r>
+              <a:rPr lang="en-GB" dirty="0"/>
+              <a:t>” commands which will create a new page. Many of the formatting specifications you make within the </a:t>
+            </a:r>
+            <a:r>
+              <a:rPr lang="en-GB" dirty="0" err="1"/>
+              <a:t>titlepage</a:t>
+            </a:r>
+            <a:r>
+              <a:rPr lang="en-GB" dirty="0"/>
+              <a:t> will not affect the rest of your document outside of the </a:t>
+            </a:r>
+            <a:r>
+              <a:rPr lang="en-GB" dirty="0" err="1"/>
+              <a:t>titelpage</a:t>
+            </a:r>
+            <a:r>
+              <a:rPr lang="en-GB" dirty="0"/>
+              <a:t>.</a:t>
+            </a:r>
+          </a:p>
+          <a:p>
+            <a:endParaRPr lang="en-GB" dirty="0"/>
+          </a:p>
+          <a:p>
+            <a:r>
+              <a:rPr lang="en-GB" dirty="0"/>
+              <a:t>You may wish to control the alignment of text within your </a:t>
+            </a:r>
+            <a:r>
+              <a:rPr lang="en-GB" dirty="0" err="1"/>
+              <a:t>titlepage</a:t>
+            </a:r>
+            <a:r>
+              <a:rPr lang="en-GB" dirty="0"/>
+              <a:t> and this can be achieved via the “</a:t>
+            </a:r>
+            <a:r>
+              <a:rPr lang="en-GB" dirty="0" err="1"/>
+              <a:t>flushleft</a:t>
+            </a:r>
+            <a:r>
+              <a:rPr lang="en-GB" dirty="0"/>
+              <a:t>”, “centre” and “</a:t>
+            </a:r>
+            <a:r>
+              <a:rPr lang="en-GB" dirty="0" err="1"/>
+              <a:t>flushright</a:t>
+            </a:r>
+            <a:r>
+              <a:rPr lang="en-GB" dirty="0"/>
+              <a:t>” environments. You could also use the “</a:t>
+            </a:r>
+            <a:r>
+              <a:rPr lang="en-GB" dirty="0" err="1"/>
+              <a:t>centering</a:t>
+            </a:r>
+            <a:r>
+              <a:rPr lang="en-GB" dirty="0"/>
+              <a:t>” command as you did with figures earlier to force everything to be centred. You can also use the “</a:t>
+            </a:r>
+            <a:r>
+              <a:rPr lang="en-GB" dirty="0" err="1"/>
+              <a:t>includegraphics</a:t>
+            </a:r>
+            <a:r>
+              <a:rPr lang="en-GB" dirty="0"/>
+              <a:t>” command. Note that this doesn’t create a figure with associated figure number as it’s not inside a “figure” environment. You may also find the “today” command useful for forcing today’s date to be present. This will be updated each time you recompile your pdf. You can use the “</a:t>
+            </a:r>
+            <a:r>
+              <a:rPr lang="en-GB" dirty="0" err="1"/>
+              <a:t>vspace</a:t>
+            </a:r>
+            <a:r>
+              <a:rPr lang="en-GB" dirty="0"/>
+              <a:t>” command to manually specify the vertical distance between items on the page.</a:t>
+            </a:r>
+          </a:p>
+          <a:p>
+            <a:endParaRPr lang="en-GB" dirty="0"/>
+          </a:p>
+          <a:p>
+            <a:r>
+              <a:rPr lang="en-GB" dirty="0"/>
+              <a:t>I’ve deliberately made this </a:t>
+            </a:r>
+            <a:r>
+              <a:rPr lang="en-GB" dirty="0" err="1"/>
+              <a:t>titlepage</a:t>
+            </a:r>
+            <a:r>
+              <a:rPr lang="en-GB" dirty="0"/>
+              <a:t> a bit ugly in order to show off different features you might want to use. Now, you can try and make your own </a:t>
+            </a:r>
+            <a:r>
+              <a:rPr lang="en-GB" dirty="0" err="1"/>
+              <a:t>titlepage</a:t>
+            </a:r>
+            <a:r>
+              <a:rPr lang="en-GB" dirty="0"/>
+              <a:t> using some of these components. Remember you can use underlining, bolding, italics and different sized text as well.</a:t>
+            </a:r>
+          </a:p>
+          <a:p>
+            <a:endParaRPr lang="en-GB" dirty="0"/>
+          </a:p>
+          <a:p>
+            <a:r>
+              <a:rPr lang="en-GB" dirty="0"/>
+              <a:t>Overleaf example: https://www.overleaf.com/read/bbsgxykdmvpb</a:t>
+            </a:r>
+          </a:p>
+          <a:p>
+            <a:endParaRPr lang="en-GB" dirty="0"/>
+          </a:p>
+          <a:p>
+            <a:r>
+              <a:rPr lang="en-GB" dirty="0"/>
+              <a:t>Break for section 9 of Task Sheet.</a:t>
             </a:r>
           </a:p>
         </p:txBody>
@@ -2699,7 +2702,7 @@
     </p:spTree>
     <p:extLst>
       <p:ext uri="{BB962C8B-B14F-4D97-AF65-F5344CB8AC3E}">
-        <p14:creationId xmlns:p14="http://schemas.microsoft.com/office/powerpoint/2010/main" val="1445805806"/>
+        <p14:creationId xmlns:p14="http://schemas.microsoft.com/office/powerpoint/2010/main" val="1795592458"/>
       </p:ext>
     </p:extLst>
   </p:cSld>
@@ -2755,23 +2758,16 @@
           <a:p>
             <a:r>
               <a:rPr lang="en-GB" dirty="0"/>
-              <a:t>If you’re working on a document to submit to a journal, there are a number of things to bear in mind. Many journals have custom </a:t>
-            </a:r>
-            <a:r>
-              <a:rPr lang="en-GB" dirty="0" err="1"/>
-              <a:t>documentclasses</a:t>
-            </a:r>
-            <a:r>
-              <a:rPr lang="en-GB" dirty="0"/>
-              <a:t> which they make available and you can chose to use when submitting. Some journals might require you to use their </a:t>
-            </a:r>
-            <a:r>
-              <a:rPr lang="en-GB" dirty="0" err="1"/>
-              <a:t>documentclass</a:t>
-            </a:r>
-            <a:r>
-              <a:rPr lang="en-GB" dirty="0"/>
-              <a:t> when submitting.</a:t>
+              <a:t>As LaTeX runs, it keeps a log of what it’s doing. Most of these messages can be safely ignored. However, one class of message that is very helpful is the error message. Overleaf, like all LaTeX compilers will keep a log of all messages is generated. When LaTeX hits a section of code with an error, it will typically generate a number of useful messages and then stop progressing further. If you carefully read the messages, they often lead you straight to the source of the error.</a:t>
+            </a:r>
+          </a:p>
+          <a:p>
+            <a:endParaRPr lang="en-GB" dirty="0"/>
+          </a:p>
+          <a:p>
+            <a:r>
+              <a:rPr lang="en-GB" dirty="0"/>
+              <a:t>LaTeX will normally tell you what the error is and on what line of the file the error occurred. Overleaf takes this a step further and shows you a small error symbol next to the line number. You can hover over this to read the error message. The full message log can be read by clicking the “Log and Output Files” button next to the “Recompile” button just above where the Pdf is normally displayed. </a:t>
             </a:r>
             <a:br>
               <a:rPr lang="en-GB" dirty="0"/>
@@ -2781,15 +2777,44 @@
             </a:br>
             <a:r>
               <a:rPr lang="en-GB" dirty="0"/>
-              <a:t>In many cases you can submit your LaTeX source files to the journal as well. This aids the typesetters at the journal in working on your document. For many journals, </a:t>
+              <a:t>When you receive an error from LaTeX (in Overleaf or from whatever LaTeX tool you’re using), read the error message, edit the </a:t>
             </a:r>
             <a:r>
               <a:rPr lang="en-GB" dirty="0" err="1"/>
-              <a:t>typsetters</a:t>
-            </a:r>
-            <a:r>
-              <a:rPr lang="en-GB" dirty="0"/>
-              <a:t> will alter your script substantially to make sure it fits the standards and style of the journal. This means that you don’t need to make your document look perfect when you submit it. You need it to be easily legible for the reviewers and editors to read, but spending days tweaking fine details might not be a good use of your time. Check the process and requirements of the journal you’re submitting to so you fulfil all their requirements but don’t put in effort that will ultimately be wasted.</a:t>
+              <a:t>fileto</a:t>
+            </a:r>
+            <a:r>
+              <a:rPr lang="en-GB" dirty="0"/>
+              <a:t> correct the error and recompile the pdf. Hopefully you will have fixed the error. Otherwise, you’ll receive another error message.</a:t>
+            </a:r>
+            <a:br>
+              <a:rPr lang="en-GB" dirty="0"/>
+            </a:br>
+            <a:br>
+              <a:rPr lang="en-GB" dirty="0"/>
+            </a:br>
+            <a:r>
+              <a:rPr lang="en-GB" dirty="0"/>
+              <a:t>LaTeX will also give you warnings, telling you if there was something it wasn’t sure what to do with, but was able to complete the document in any case. It’s also a good idea to look through the entire pdf by eye for anywhere that you’ve given a valid instruction, but one that has produced a different result to what you wanted.</a:t>
+            </a:r>
+            <a:br>
+              <a:rPr lang="en-GB" dirty="0"/>
+            </a:br>
+            <a:endParaRPr lang="en-GB" dirty="0"/>
+          </a:p>
+          <a:p>
+            <a:r>
+              <a:rPr lang="en-GB" dirty="0"/>
+              <a:t>Latex example: https://www.overleaf.com/read/gnzphcnqgfvf</a:t>
+            </a:r>
+          </a:p>
+          <a:p>
+            <a:br>
+              <a:rPr lang="en-GB" dirty="0"/>
+            </a:br>
+            <a:r>
+              <a:rPr lang="en-GB" dirty="0"/>
+              <a:t>Break for section 10 of Task Sheet. </a:t>
             </a:r>
           </a:p>
         </p:txBody>
@@ -2820,7 +2845,7 @@
     </p:spTree>
     <p:extLst>
       <p:ext uri="{BB962C8B-B14F-4D97-AF65-F5344CB8AC3E}">
-        <p14:creationId xmlns:p14="http://schemas.microsoft.com/office/powerpoint/2010/main" val="3430040987"/>
+        <p14:creationId xmlns:p14="http://schemas.microsoft.com/office/powerpoint/2010/main" val="2643096923"/>
       </p:ext>
     </p:extLst>
   </p:cSld>
@@ -2849,6 +2874,314 @@
       </p:grpSpPr>
       <p:sp>
         <p:nvSpPr>
+          <p:cNvPr id="2" name="Slide Image Placeholder 1"/>
+          <p:cNvSpPr>
+            <a:spLocks noGrp="1" noRot="1" noChangeAspect="1"/>
+          </p:cNvSpPr>
+          <p:nvPr>
+            <p:ph type="sldImg"/>
+          </p:nvPr>
+        </p:nvSpPr>
+        <p:spPr/>
+      </p:sp>
+      <p:sp>
+        <p:nvSpPr>
+          <p:cNvPr id="3" name="Notes Placeholder 2"/>
+          <p:cNvSpPr>
+            <a:spLocks noGrp="1"/>
+          </p:cNvSpPr>
+          <p:nvPr>
+            <p:ph type="body" idx="1"/>
+          </p:nvPr>
+        </p:nvSpPr>
+        <p:spPr/>
+        <p:txBody>
+          <a:bodyPr/>
+          <a:lstStyle/>
+          <a:p>
+            <a:r>
+              <a:rPr lang="en-GB" dirty="0"/>
+              <a:t>If you want to do something in LaTeX but don’t know how, the first thing to do is to Google it. Somebody has almost certainly had your problem/desire before and you can copy their solution most of the time. On many occasions, you’ll find the answer of </a:t>
+            </a:r>
+            <a:r>
+              <a:rPr lang="en-GB" dirty="0" err="1"/>
+              <a:t>stackexchange</a:t>
+            </a:r>
+            <a:r>
+              <a:rPr lang="en-GB" dirty="0"/>
+              <a:t>. As well as being a useful environment to develop and run LaTeX, Overleaf has an extensive library of documentation on LaTeX’s functions. There’s also a very good </a:t>
+            </a:r>
+            <a:r>
+              <a:rPr lang="en-GB" dirty="0" err="1"/>
+              <a:t>wikibook</a:t>
+            </a:r>
+            <a:r>
+              <a:rPr lang="en-GB" dirty="0"/>
+              <a:t> that contains a good description of the functionality of LaTeX. There’s also a good table maker which allows you to define tables in a more natural and graphical way and have it return the equivalent LaTeX code. Finally, there’s an equation editor which allows you to define equations in a more graphical fashion and have it return the equivalent LaTeX code.</a:t>
+            </a:r>
+          </a:p>
+        </p:txBody>
+      </p:sp>
+      <p:sp>
+        <p:nvSpPr>
+          <p:cNvPr id="4" name="Slide Number Placeholder 3"/>
+          <p:cNvSpPr>
+            <a:spLocks noGrp="1"/>
+          </p:cNvSpPr>
+          <p:nvPr>
+            <p:ph type="sldNum" sz="quarter" idx="10"/>
+          </p:nvPr>
+        </p:nvSpPr>
+        <p:spPr/>
+        <p:txBody>
+          <a:bodyPr/>
+          <a:lstStyle/>
+          <a:p>
+            <a:fld id="{6A641EC8-C9F8-4A58-A1A7-F7D817526EEC}" type="slidenum">
+              <a:rPr lang="en-GB" smtClean="0"/>
+              <a:t>22</a:t>
+            </a:fld>
+            <a:endParaRPr lang="en-GB"/>
+          </a:p>
+        </p:txBody>
+      </p:sp>
+    </p:spTree>
+    <p:extLst>
+      <p:ext uri="{BB962C8B-B14F-4D97-AF65-F5344CB8AC3E}">
+        <p14:creationId xmlns:p14="http://schemas.microsoft.com/office/powerpoint/2010/main" val="1445805806"/>
+      </p:ext>
+    </p:extLst>
+  </p:cSld>
+  <p:clrMapOvr>
+    <a:masterClrMapping/>
+  </p:clrMapOvr>
+</p:notes>
+</file>
+
+<file path=ppt/notesSlides/notesSlide23.xml><?xml version="1.0" encoding="utf-8"?>
+<p:notes xmlns:a="http://schemas.openxmlformats.org/drawingml/2006/main" xmlns:r="http://schemas.openxmlformats.org/officeDocument/2006/relationships" xmlns:p="http://schemas.openxmlformats.org/presentationml/2006/main">
+  <p:cSld>
+    <p:spTree>
+      <p:nvGrpSpPr>
+        <p:cNvPr id="1" name=""/>
+        <p:cNvGrpSpPr/>
+        <p:nvPr/>
+      </p:nvGrpSpPr>
+      <p:grpSpPr>
+        <a:xfrm>
+          <a:off x="0" y="0"/>
+          <a:ext cx="0" cy="0"/>
+          <a:chOff x="0" y="0"/>
+          <a:chExt cx="0" cy="0"/>
+        </a:xfrm>
+      </p:grpSpPr>
+      <p:sp>
+        <p:nvSpPr>
+          <p:cNvPr id="2" name="Slide Image Placeholder 1"/>
+          <p:cNvSpPr>
+            <a:spLocks noGrp="1" noRot="1" noChangeAspect="1"/>
+          </p:cNvSpPr>
+          <p:nvPr>
+            <p:ph type="sldImg"/>
+          </p:nvPr>
+        </p:nvSpPr>
+        <p:spPr/>
+      </p:sp>
+      <p:sp>
+        <p:nvSpPr>
+          <p:cNvPr id="3" name="Notes Placeholder 2"/>
+          <p:cNvSpPr>
+            <a:spLocks noGrp="1"/>
+          </p:cNvSpPr>
+          <p:nvPr>
+            <p:ph type="body" idx="1"/>
+          </p:nvPr>
+        </p:nvSpPr>
+        <p:spPr/>
+        <p:txBody>
+          <a:bodyPr/>
+          <a:lstStyle/>
+          <a:p>
+            <a:r>
+              <a:rPr lang="en-GB" dirty="0"/>
+              <a:t>If you’re working on a document to submit to a journal, there are a number of things to bear in mind. Many journals have custom </a:t>
+            </a:r>
+            <a:r>
+              <a:rPr lang="en-GB" dirty="0" err="1"/>
+              <a:t>documentclasses</a:t>
+            </a:r>
+            <a:r>
+              <a:rPr lang="en-GB" dirty="0"/>
+              <a:t> which they make available and you can chose to use when submitting. Some journals might require you to use their </a:t>
+            </a:r>
+            <a:r>
+              <a:rPr lang="en-GB" dirty="0" err="1"/>
+              <a:t>documentclass</a:t>
+            </a:r>
+            <a:r>
+              <a:rPr lang="en-GB" dirty="0"/>
+              <a:t> when submitting.</a:t>
+            </a:r>
+            <a:br>
+              <a:rPr lang="en-GB" dirty="0"/>
+            </a:br>
+            <a:br>
+              <a:rPr lang="en-GB" dirty="0"/>
+            </a:br>
+            <a:r>
+              <a:rPr lang="en-GB" dirty="0"/>
+              <a:t>In many cases you can submit your LaTeX source files to the journal as well. This aids the typesetters at the journal in working on your document. For many journals, </a:t>
+            </a:r>
+            <a:r>
+              <a:rPr lang="en-GB" dirty="0" err="1"/>
+              <a:t>typsetters</a:t>
+            </a:r>
+            <a:r>
+              <a:rPr lang="en-GB" dirty="0"/>
+              <a:t> will alter your script substantially to make sure it fits the standards and style of the journal. This means that you don’t need to make your document look perfect when you submit it. You need it to be easily legible for the reviewers and editors to read, but spending days tweaking fine details might not be a good use of your time. Check the process and requirements of the journal you’re submitting to so you fulfil all their requirements but don’t put in effort that will ultimately be wasted.</a:t>
+            </a:r>
+          </a:p>
+        </p:txBody>
+      </p:sp>
+      <p:sp>
+        <p:nvSpPr>
+          <p:cNvPr id="4" name="Slide Number Placeholder 3"/>
+          <p:cNvSpPr>
+            <a:spLocks noGrp="1"/>
+          </p:cNvSpPr>
+          <p:nvPr>
+            <p:ph type="sldNum" sz="quarter" idx="10"/>
+          </p:nvPr>
+        </p:nvSpPr>
+        <p:spPr/>
+        <p:txBody>
+          <a:bodyPr/>
+          <a:lstStyle/>
+          <a:p>
+            <a:fld id="{6A641EC8-C9F8-4A58-A1A7-F7D817526EEC}" type="slidenum">
+              <a:rPr lang="en-GB" smtClean="0"/>
+              <a:t>23</a:t>
+            </a:fld>
+            <a:endParaRPr lang="en-GB"/>
+          </a:p>
+        </p:txBody>
+      </p:sp>
+    </p:spTree>
+    <p:extLst>
+      <p:ext uri="{BB962C8B-B14F-4D97-AF65-F5344CB8AC3E}">
+        <p14:creationId xmlns:p14="http://schemas.microsoft.com/office/powerpoint/2010/main" val="3430040987"/>
+      </p:ext>
+    </p:extLst>
+  </p:cSld>
+  <p:clrMapOvr>
+    <a:masterClrMapping/>
+  </p:clrMapOvr>
+</p:notes>
+</file>
+
+<file path=ppt/notesSlides/notesSlide24.xml><?xml version="1.0" encoding="utf-8"?>
+<p:notes xmlns:a="http://schemas.openxmlformats.org/drawingml/2006/main" xmlns:r="http://schemas.openxmlformats.org/officeDocument/2006/relationships" xmlns:p="http://schemas.openxmlformats.org/presentationml/2006/main">
+  <p:cSld>
+    <p:spTree>
+      <p:nvGrpSpPr>
+        <p:cNvPr id="1" name=""/>
+        <p:cNvGrpSpPr/>
+        <p:nvPr/>
+      </p:nvGrpSpPr>
+      <p:grpSpPr>
+        <a:xfrm>
+          <a:off x="0" y="0"/>
+          <a:ext cx="0" cy="0"/>
+          <a:chOff x="0" y="0"/>
+          <a:chExt cx="0" cy="0"/>
+        </a:xfrm>
+      </p:grpSpPr>
+      <p:sp>
+        <p:nvSpPr>
+          <p:cNvPr id="2" name="Slide Image Placeholder 1"/>
+          <p:cNvSpPr>
+            <a:spLocks noGrp="1" noRot="1" noChangeAspect="1"/>
+          </p:cNvSpPr>
+          <p:nvPr>
+            <p:ph type="sldImg"/>
+          </p:nvPr>
+        </p:nvSpPr>
+        <p:spPr/>
+      </p:sp>
+      <p:sp>
+        <p:nvSpPr>
+          <p:cNvPr id="3" name="Notes Placeholder 2"/>
+          <p:cNvSpPr>
+            <a:spLocks noGrp="1"/>
+          </p:cNvSpPr>
+          <p:nvPr>
+            <p:ph type="body" idx="1"/>
+          </p:nvPr>
+        </p:nvSpPr>
+        <p:spPr/>
+        <p:txBody>
+          <a:bodyPr/>
+          <a:lstStyle/>
+          <a:p>
+            <a:endParaRPr lang="en-GB" dirty="0"/>
+          </a:p>
+        </p:txBody>
+      </p:sp>
+      <p:sp>
+        <p:nvSpPr>
+          <p:cNvPr id="4" name="Slide Number Placeholder 3"/>
+          <p:cNvSpPr>
+            <a:spLocks noGrp="1"/>
+          </p:cNvSpPr>
+          <p:nvPr>
+            <p:ph type="sldNum" sz="quarter" idx="10"/>
+          </p:nvPr>
+        </p:nvSpPr>
+        <p:spPr/>
+        <p:txBody>
+          <a:bodyPr/>
+          <a:lstStyle/>
+          <a:p>
+            <a:fld id="{6A641EC8-C9F8-4A58-A1A7-F7D817526EEC}" type="slidenum">
+              <a:rPr lang="en-GB" smtClean="0"/>
+              <a:t>24</a:t>
+            </a:fld>
+            <a:endParaRPr lang="en-GB"/>
+          </a:p>
+        </p:txBody>
+      </p:sp>
+    </p:spTree>
+    <p:extLst>
+      <p:ext uri="{BB962C8B-B14F-4D97-AF65-F5344CB8AC3E}">
+        <p14:creationId xmlns:p14="http://schemas.microsoft.com/office/powerpoint/2010/main" val="1492413823"/>
+      </p:ext>
+    </p:extLst>
+  </p:cSld>
+  <p:clrMapOvr>
+    <a:masterClrMapping/>
+  </p:clrMapOvr>
+</p:notes>
+</file>
+
+<file path=ppt/notesSlides/notesSlide25.xml><?xml version="1.0" encoding="utf-8"?>
+<p:notes xmlns:a="http://schemas.openxmlformats.org/drawingml/2006/main" xmlns:r="http://schemas.openxmlformats.org/officeDocument/2006/relationships" xmlns:p="http://schemas.openxmlformats.org/presentationml/2006/main">
+  <p:cSld>
+    <p:spTree>
+      <p:nvGrpSpPr>
+        <p:cNvPr id="1" name=""/>
+        <p:cNvGrpSpPr/>
+        <p:nvPr/>
+      </p:nvGrpSpPr>
+      <p:grpSpPr>
+        <a:xfrm>
+          <a:off x="0" y="0"/>
+          <a:ext cx="0" cy="0"/>
+          <a:chOff x="0" y="0"/>
+          <a:chExt cx="0" cy="0"/>
+        </a:xfrm>
+      </p:grpSpPr>
+      <p:sp>
+        <p:nvSpPr>
           <p:cNvPr id="108546" name="Rectangle 7"/>
           <p:cNvSpPr>
             <a:spLocks noGrp="1" noChangeArrowheads="1"/>
@@ -3007,7 +3340,7 @@
                   <a:spcPct val="0"/>
                 </a:spcBef>
               </a:pPr>
-              <a:t>22</a:t>
+              <a:t>25</a:t>
             </a:fld>
             <a:endParaRPr lang="en-US" altLang="en-US"/>
           </a:p>
@@ -4340,7 +4673,7 @@
           <a:p>
             <a:fld id="{EB0080F8-EA1C-491D-963C-2C881B2F918F}" type="datetimeFigureOut">
               <a:rPr lang="en-GB" smtClean="0"/>
-              <a:t>10/01/2020</a:t>
+              <a:t>20/04/2020</a:t>
             </a:fld>
             <a:endParaRPr lang="en-GB"/>
           </a:p>
@@ -4490,7 +4823,7 @@
           <a:p>
             <a:fld id="{EB0080F8-EA1C-491D-963C-2C881B2F918F}" type="datetimeFigureOut">
               <a:rPr lang="en-GB" smtClean="0"/>
-              <a:t>10/01/2020</a:t>
+              <a:t>20/04/2020</a:t>
             </a:fld>
             <a:endParaRPr lang="en-GB"/>
           </a:p>
@@ -6023,7 +6356,7 @@
           <a:p>
             <a:fld id="{EB0080F8-EA1C-491D-963C-2C881B2F918F}" type="datetimeFigureOut">
               <a:rPr lang="en-GB" smtClean="0"/>
-              <a:t>10/01/2020</a:t>
+              <a:t>20/04/2020</a:t>
             </a:fld>
             <a:endParaRPr lang="en-GB"/>
           </a:p>
@@ -10002,269 +10335,75 @@
           <a:p>
             <a:r>
               <a:rPr lang="en-GB" sz="4000" dirty="0"/>
-              <a:t>Bibliography</a:t>
+              <a:t>Bibliography Management</a:t>
             </a:r>
           </a:p>
         </p:txBody>
       </p:sp>
-      <p:cxnSp>
-        <p:nvCxnSpPr>
-          <p:cNvPr id="11" name="Straight Connector 10"/>
-          <p:cNvCxnSpPr/>
-          <p:nvPr/>
-        </p:nvCxnSpPr>
-        <p:spPr>
-          <a:xfrm>
-            <a:off x="4572000" y="1417638"/>
-            <a:ext cx="0" cy="5440362"/>
-          </a:xfrm>
-          <a:prstGeom prst="line">
-            <a:avLst/>
-          </a:prstGeom>
-        </p:spPr>
-        <p:style>
-          <a:lnRef idx="2">
-            <a:schemeClr val="accent1"/>
-          </a:lnRef>
-          <a:fillRef idx="0">
-            <a:schemeClr val="accent1"/>
-          </a:fillRef>
-          <a:effectRef idx="1">
-            <a:schemeClr val="accent1"/>
-          </a:effectRef>
-          <a:fontRef idx="minor">
-            <a:schemeClr val="tx1"/>
-          </a:fontRef>
-        </p:style>
-      </p:cxnSp>
-      <p:sp>
-        <p:nvSpPr>
-          <p:cNvPr id="3" name="Rectangle 2">
+      <p:sp>
+        <p:nvSpPr>
+          <p:cNvPr id="7" name="Content Placeholder 6">
             <a:extLst>
               <a:ext uri="{FF2B5EF4-FFF2-40B4-BE49-F238E27FC236}">
-                <a16:creationId xmlns:a16="http://schemas.microsoft.com/office/drawing/2014/main" id="{603AC519-287E-431C-AC14-B4D6EEF203DB}"/>
+                <a16:creationId xmlns:a16="http://schemas.microsoft.com/office/drawing/2014/main" id="{A4668B92-0976-4E36-A913-C47498FEE667}"/>
               </a:ext>
             </a:extLst>
           </p:cNvPr>
-          <p:cNvSpPr/>
-          <p:nvPr/>
+          <p:cNvSpPr>
+            <a:spLocks noGrp="1"/>
+          </p:cNvSpPr>
+          <p:nvPr>
+            <p:ph idx="1"/>
+          </p:nvPr>
         </p:nvSpPr>
         <p:spPr>
           <a:xfrm>
-            <a:off x="191387" y="2410231"/>
-            <a:ext cx="4572000" cy="2616101"/>
+            <a:off x="457200" y="1417638"/>
+            <a:ext cx="8229600" cy="4525963"/>
           </a:xfrm>
-          <a:prstGeom prst="rect">
-            <a:avLst/>
-          </a:prstGeom>
         </p:spPr>
         <p:txBody>
-          <a:bodyPr>
-            <a:spAutoFit/>
-          </a:bodyPr>
+          <a:bodyPr/>
           <a:lstStyle/>
           <a:p>
             <a:r>
-              <a:rPr lang="en-GB" sz="2400" dirty="0"/>
-              <a:t>ridiculous claim </a:t>
-            </a:r>
-            <a:r>
-              <a:rPr lang="en-GB" sz="2400" dirty="0">
-                <a:solidFill>
-                  <a:schemeClr val="tx2">
-                    <a:lumMod val="50000"/>
-                    <a:lumOff val="50000"/>
-                  </a:schemeClr>
-                </a:solidFill>
-              </a:rPr>
-              <a:t>\cite</a:t>
-            </a:r>
-            <a:r>
-              <a:rPr lang="en-GB" sz="2400" dirty="0"/>
-              <a:t>{</a:t>
-            </a:r>
-            <a:r>
-              <a:rPr lang="en-GB" sz="2400" dirty="0" err="1">
-                <a:solidFill>
-                  <a:schemeClr val="accent4">
-                    <a:lumMod val="75000"/>
-                  </a:schemeClr>
-                </a:solidFill>
-              </a:rPr>
-              <a:t>fakenews</a:t>
-            </a:r>
-            <a:r>
-              <a:rPr lang="en-GB" sz="2400" dirty="0"/>
-              <a:t>}.</a:t>
-            </a:r>
-          </a:p>
-          <a:p>
-            <a:endParaRPr lang="en-GB" sz="2400" dirty="0">
-              <a:solidFill>
-                <a:schemeClr val="accent5"/>
-              </a:solidFill>
-            </a:endParaRPr>
-          </a:p>
-          <a:p>
-            <a:r>
-              <a:rPr lang="en-GB" sz="2400" dirty="0">
-                <a:solidFill>
-                  <a:schemeClr val="tx2">
-                    <a:lumMod val="50000"/>
-                    <a:lumOff val="50000"/>
-                  </a:schemeClr>
-                </a:solidFill>
-              </a:rPr>
-              <a:t>\begin</a:t>
-            </a:r>
-            <a:r>
-              <a:rPr lang="en-GB" sz="2400" dirty="0"/>
-              <a:t>{</a:t>
-            </a:r>
-            <a:r>
-              <a:rPr lang="en-GB" sz="2400" dirty="0" err="1">
-                <a:solidFill>
-                  <a:schemeClr val="accent4">
-                    <a:lumMod val="75000"/>
-                  </a:schemeClr>
-                </a:solidFill>
-              </a:rPr>
-              <a:t>thebibliography</a:t>
-            </a:r>
-            <a:r>
-              <a:rPr lang="en-GB" sz="2400" dirty="0"/>
-              <a:t>}{1}</a:t>
-            </a:r>
-          </a:p>
-          <a:p>
-            <a:endParaRPr lang="en-GB" sz="1000" dirty="0">
-              <a:solidFill>
-                <a:schemeClr val="accent5"/>
-              </a:solidFill>
-            </a:endParaRPr>
-          </a:p>
-          <a:p>
-            <a:r>
-              <a:rPr lang="en-GB" sz="2400" dirty="0">
-                <a:solidFill>
-                  <a:schemeClr val="accent1"/>
-                </a:solidFill>
-              </a:rPr>
-              <a:t>  </a:t>
-            </a:r>
-            <a:r>
-              <a:rPr lang="en-GB" sz="2400" dirty="0">
-                <a:solidFill>
-                  <a:schemeClr val="tx2">
-                    <a:lumMod val="50000"/>
-                    <a:lumOff val="50000"/>
-                  </a:schemeClr>
-                </a:solidFill>
-              </a:rPr>
-              <a:t>\</a:t>
-            </a:r>
-            <a:r>
-              <a:rPr lang="en-GB" sz="2400" dirty="0" err="1">
-                <a:solidFill>
-                  <a:schemeClr val="tx2">
-                    <a:lumMod val="50000"/>
-                    <a:lumOff val="50000"/>
-                  </a:schemeClr>
-                </a:solidFill>
-              </a:rPr>
-              <a:t>bibitem</a:t>
-            </a:r>
-            <a:r>
-              <a:rPr lang="en-GB" sz="2400" dirty="0"/>
-              <a:t>{</a:t>
-            </a:r>
-            <a:r>
-              <a:rPr lang="en-GB" sz="2400" dirty="0" err="1"/>
-              <a:t>fakenews</a:t>
-            </a:r>
-            <a:r>
-              <a:rPr lang="en-GB" sz="2400" dirty="0"/>
-              <a:t>}</a:t>
-            </a:r>
-          </a:p>
-          <a:p>
-            <a:r>
-              <a:rPr lang="en-GB" sz="2400" dirty="0"/>
-              <a:t>  ``Title’’, Year, etc.</a:t>
-            </a:r>
-          </a:p>
-          <a:p>
-            <a:endParaRPr lang="en-GB" sz="1000" dirty="0"/>
-          </a:p>
-          <a:p>
-            <a:r>
-              <a:rPr lang="en-GB" sz="2400" dirty="0">
-                <a:solidFill>
-                  <a:schemeClr val="tx2">
-                    <a:lumMod val="50000"/>
-                    <a:lumOff val="50000"/>
-                  </a:schemeClr>
-                </a:solidFill>
-              </a:rPr>
-              <a:t>\end</a:t>
-            </a:r>
-            <a:r>
-              <a:rPr lang="en-GB" sz="2400" dirty="0"/>
-              <a:t>{</a:t>
-            </a:r>
-            <a:r>
-              <a:rPr lang="en-GB" sz="2400" dirty="0" err="1">
-                <a:solidFill>
-                  <a:schemeClr val="accent4">
-                    <a:lumMod val="75000"/>
-                  </a:schemeClr>
-                </a:solidFill>
-              </a:rPr>
-              <a:t>thebibliography</a:t>
-            </a:r>
-            <a:r>
-              <a:rPr lang="en-GB" sz="2400" dirty="0"/>
-              <a:t>}</a:t>
-            </a:r>
+              <a:rPr lang="en-GB" sz="2800" dirty="0"/>
+              <a:t>Many documents will have a large number of references</a:t>
+            </a:r>
+          </a:p>
+          <a:p>
+            <a:r>
+              <a:rPr lang="en-GB" sz="2800" dirty="0"/>
+              <a:t>There are many ways to include references and citations in LaTeX</a:t>
+            </a:r>
+          </a:p>
+          <a:p>
+            <a:r>
+              <a:rPr lang="en-GB" sz="2800" dirty="0"/>
+              <a:t>Many reference management programs allow the exporting of </a:t>
+            </a:r>
+            <a:r>
+              <a:rPr lang="en-GB" sz="2800" dirty="0" err="1"/>
+              <a:t>bibliogrpahies</a:t>
+            </a:r>
+            <a:r>
+              <a:rPr lang="en-GB" sz="2800" dirty="0"/>
+              <a:t> in a .bib file</a:t>
+            </a:r>
+            <a:endParaRPr lang="en-GB" sz="2400" dirty="0"/>
+          </a:p>
+          <a:p>
+            <a:pPr lvl="1"/>
+            <a:endParaRPr lang="en-GB" sz="1600" dirty="0"/>
           </a:p>
         </p:txBody>
       </p:sp>
-      <p:pic>
-        <p:nvPicPr>
-          <p:cNvPr id="6" name="Picture 5">
+      <p:sp>
+        <p:nvSpPr>
+          <p:cNvPr id="4" name="TextBox 3">
             <a:extLst>
               <a:ext uri="{FF2B5EF4-FFF2-40B4-BE49-F238E27FC236}">
-                <a16:creationId xmlns:a16="http://schemas.microsoft.com/office/drawing/2014/main" id="{BF9F4A30-3376-4F75-85D8-7777D1FCEB00}"/>
-              </a:ext>
-            </a:extLst>
-          </p:cNvPr>
-          <p:cNvPicPr>
-            <a:picLocks noChangeAspect="1"/>
-          </p:cNvPicPr>
-          <p:nvPr/>
-        </p:nvPicPr>
-        <p:blipFill>
-          <a:blip r:embed="rId3"/>
-          <a:stretch>
-            <a:fillRect/>
-          </a:stretch>
-        </p:blipFill>
-        <p:spPr>
-          <a:xfrm>
-            <a:off x="4828162" y="2245263"/>
-            <a:ext cx="4124451" cy="2946036"/>
-          </a:xfrm>
-          <a:prstGeom prst="rect">
-            <a:avLst/>
-          </a:prstGeom>
-        </p:spPr>
-      </p:pic>
-      <p:sp>
-        <p:nvSpPr>
-          <p:cNvPr id="7" name="TextBox 6">
-            <a:extLst>
-              <a:ext uri="{FF2B5EF4-FFF2-40B4-BE49-F238E27FC236}">
-                <a16:creationId xmlns:a16="http://schemas.microsoft.com/office/drawing/2014/main" id="{C56D616C-3811-4549-8790-888D6D3DA4C3}"/>
+                <a16:creationId xmlns:a16="http://schemas.microsoft.com/office/drawing/2014/main" id="{F3312C14-06E7-46C7-BF4D-2073D7393C80}"/>
               </a:ext>
             </a:extLst>
           </p:cNvPr>
@@ -10301,7 +10440,7 @@
     </p:spTree>
     <p:extLst>
       <p:ext uri="{BB962C8B-B14F-4D97-AF65-F5344CB8AC3E}">
-        <p14:creationId xmlns:p14="http://schemas.microsoft.com/office/powerpoint/2010/main" val="2624150507"/>
+        <p14:creationId xmlns:p14="http://schemas.microsoft.com/office/powerpoint/2010/main" val="594696012"/>
       </p:ext>
     </p:extLst>
   </p:cSld>
@@ -10353,7 +10492,7 @@
           <a:p>
             <a:r>
               <a:rPr lang="en-GB" sz="4000" dirty="0"/>
-              <a:t>Making a Title</a:t>
+              <a:t>Bibliography Management</a:t>
             </a:r>
           </a:p>
         </p:txBody>
@@ -10388,398 +10527,362 @@
           </a:fontRef>
         </p:style>
       </p:cxnSp>
-      <p:sp>
-        <p:nvSpPr>
-          <p:cNvPr id="4" name="Rectangle 3"/>
-          <p:cNvSpPr/>
+      <p:grpSp>
+        <p:nvGrpSpPr>
+          <p:cNvPr id="5" name="Group 4">
+            <a:extLst>
+              <a:ext uri="{FF2B5EF4-FFF2-40B4-BE49-F238E27FC236}">
+                <a16:creationId xmlns:a16="http://schemas.microsoft.com/office/drawing/2014/main" id="{F5455341-BD23-481A-BFA7-330F1E8E3283}"/>
+              </a:ext>
+            </a:extLst>
+          </p:cNvPr>
+          <p:cNvGrpSpPr/>
           <p:nvPr/>
-        </p:nvSpPr>
-        <p:spPr>
+        </p:nvGrpSpPr>
+        <p:grpSpPr>
           <a:xfrm>
-            <a:off x="620973" y="1406503"/>
-            <a:ext cx="3843447" cy="5078313"/>
+            <a:off x="191387" y="1530528"/>
+            <a:ext cx="4221830" cy="4796715"/>
+            <a:chOff x="191387" y="1449022"/>
+            <a:chExt cx="4221840" cy="4479216"/>
           </a:xfrm>
-          <a:prstGeom prst="rect">
-            <a:avLst/>
-          </a:prstGeom>
-        </p:spPr>
-        <p:txBody>
-          <a:bodyPr wrap="square">
-            <a:spAutoFit/>
-          </a:bodyPr>
-          <a:lstStyle/>
-          <a:p>
-            <a:r>
-              <a:rPr lang="en-GB" dirty="0">
-                <a:solidFill>
-                  <a:schemeClr val="tx2">
-                    <a:lumMod val="50000"/>
-                    <a:lumOff val="50000"/>
-                  </a:schemeClr>
-                </a:solidFill>
-              </a:rPr>
-              <a:t>\begin</a:t>
-            </a:r>
-            <a:r>
-              <a:rPr lang="en-GB" dirty="0"/>
-              <a:t>{</a:t>
-            </a:r>
-            <a:r>
-              <a:rPr lang="en-GB" dirty="0" err="1">
-                <a:solidFill>
-                  <a:schemeClr val="accent4">
-                    <a:lumMod val="75000"/>
-                  </a:schemeClr>
-                </a:solidFill>
-              </a:rPr>
-              <a:t>titlepage</a:t>
-            </a:r>
-            <a:r>
-              <a:rPr lang="en-GB" dirty="0"/>
-              <a:t>}</a:t>
-            </a:r>
-          </a:p>
-          <a:p>
-            <a:endParaRPr lang="en-GB" dirty="0"/>
-          </a:p>
-          <a:p>
-            <a:r>
-              <a:rPr lang="en-GB" dirty="0">
-                <a:solidFill>
-                  <a:schemeClr val="tx2">
-                    <a:lumMod val="50000"/>
-                    <a:lumOff val="50000"/>
-                  </a:schemeClr>
-                </a:solidFill>
-              </a:rPr>
-              <a:t>\begin</a:t>
-            </a:r>
-            <a:r>
-              <a:rPr lang="en-GB" dirty="0"/>
-              <a:t>{</a:t>
-            </a:r>
-            <a:r>
-              <a:rPr lang="en-GB" dirty="0" err="1">
-                <a:solidFill>
-                  <a:schemeClr val="accent4">
-                    <a:lumMod val="75000"/>
-                  </a:schemeClr>
-                </a:solidFill>
-              </a:rPr>
-              <a:t>flushright</a:t>
-            </a:r>
-            <a:r>
-              <a:rPr lang="en-GB" dirty="0"/>
-              <a:t>}</a:t>
-            </a:r>
-          </a:p>
-          <a:p>
-            <a:r>
-              <a:rPr lang="en-GB" dirty="0"/>
-              <a:t>right</a:t>
-            </a:r>
-          </a:p>
-          <a:p>
-            <a:r>
-              <a:rPr lang="en-GB" dirty="0">
-                <a:solidFill>
-                  <a:schemeClr val="tx2">
-                    <a:lumMod val="50000"/>
-                    <a:lumOff val="50000"/>
-                  </a:schemeClr>
-                </a:solidFill>
-              </a:rPr>
-              <a:t>\end</a:t>
-            </a:r>
-            <a:r>
-              <a:rPr lang="en-GB" dirty="0"/>
-              <a:t>{</a:t>
-            </a:r>
-            <a:r>
-              <a:rPr lang="en-GB" dirty="0" err="1">
-                <a:solidFill>
-                  <a:schemeClr val="accent4">
-                    <a:lumMod val="75000"/>
-                  </a:schemeClr>
-                </a:solidFill>
-              </a:rPr>
-              <a:t>flushright</a:t>
-            </a:r>
-            <a:r>
-              <a:rPr lang="en-GB" dirty="0"/>
-              <a:t>}</a:t>
-            </a:r>
-          </a:p>
-          <a:p>
-            <a:r>
-              <a:rPr lang="en-GB" dirty="0">
-                <a:solidFill>
-                  <a:schemeClr val="tx2">
-                    <a:lumMod val="50000"/>
-                    <a:lumOff val="50000"/>
-                  </a:schemeClr>
-                </a:solidFill>
-              </a:rPr>
-              <a:t>\</a:t>
-            </a:r>
-            <a:r>
-              <a:rPr lang="en-GB" dirty="0" err="1">
-                <a:solidFill>
-                  <a:schemeClr val="tx2">
-                    <a:lumMod val="50000"/>
-                    <a:lumOff val="50000"/>
-                  </a:schemeClr>
-                </a:solidFill>
-              </a:rPr>
-              <a:t>vspace</a:t>
-            </a:r>
-            <a:r>
-              <a:rPr lang="en-GB" dirty="0"/>
-              <a:t>{5cm}</a:t>
-            </a:r>
-          </a:p>
-          <a:p>
-            <a:r>
-              <a:rPr lang="en-GB" dirty="0">
-                <a:solidFill>
-                  <a:schemeClr val="tx2">
-                    <a:lumMod val="50000"/>
-                    <a:lumOff val="50000"/>
-                  </a:schemeClr>
-                </a:solidFill>
-              </a:rPr>
-              <a:t>\</a:t>
-            </a:r>
-            <a:r>
-              <a:rPr lang="en-GB" dirty="0" err="1">
-                <a:solidFill>
-                  <a:schemeClr val="tx2">
-                    <a:lumMod val="50000"/>
-                    <a:lumOff val="50000"/>
-                  </a:schemeClr>
-                </a:solidFill>
-              </a:rPr>
-              <a:t>includegraphics</a:t>
-            </a:r>
-            <a:r>
-              <a:rPr lang="en-GB" dirty="0"/>
-              <a:t>[width=5cm]{</a:t>
-            </a:r>
-            <a:r>
-              <a:rPr lang="en-GB" dirty="0" err="1"/>
-              <a:t>Cat_Box</a:t>
-            </a:r>
-            <a:r>
-              <a:rPr lang="en-GB" dirty="0"/>
-              <a:t>}</a:t>
-            </a:r>
-          </a:p>
-          <a:p>
-            <a:r>
-              <a:rPr lang="en-GB" dirty="0">
-                <a:solidFill>
-                  <a:schemeClr val="tx2">
-                    <a:lumMod val="50000"/>
-                    <a:lumOff val="50000"/>
-                  </a:schemeClr>
-                </a:solidFill>
-              </a:rPr>
-              <a:t>\begin</a:t>
-            </a:r>
-            <a:r>
-              <a:rPr lang="en-GB" dirty="0"/>
-              <a:t>{</a:t>
-            </a:r>
-            <a:r>
-              <a:rPr lang="en-GB" dirty="0" err="1">
-                <a:solidFill>
-                  <a:schemeClr val="accent4">
-                    <a:lumMod val="75000"/>
-                  </a:schemeClr>
-                </a:solidFill>
-              </a:rPr>
-              <a:t>center</a:t>
-            </a:r>
-            <a:r>
-              <a:rPr lang="en-GB" dirty="0"/>
-              <a:t>}</a:t>
-            </a:r>
-          </a:p>
-          <a:p>
-            <a:r>
-              <a:rPr lang="en-GB" dirty="0" err="1"/>
-              <a:t>center</a:t>
-            </a:r>
-            <a:endParaRPr lang="en-GB" dirty="0"/>
-          </a:p>
-          <a:p>
-            <a:r>
-              <a:rPr lang="en-GB" dirty="0">
-                <a:solidFill>
-                  <a:schemeClr val="tx2">
-                    <a:lumMod val="50000"/>
-                    <a:lumOff val="50000"/>
-                  </a:schemeClr>
-                </a:solidFill>
-              </a:rPr>
-              <a:t>\end</a:t>
-            </a:r>
-            <a:r>
-              <a:rPr lang="en-GB" dirty="0"/>
-              <a:t>{</a:t>
-            </a:r>
-            <a:r>
-              <a:rPr lang="en-GB" dirty="0" err="1">
-                <a:solidFill>
-                  <a:schemeClr val="accent4">
-                    <a:lumMod val="75000"/>
-                  </a:schemeClr>
-                </a:solidFill>
-              </a:rPr>
-              <a:t>center</a:t>
-            </a:r>
-            <a:r>
-              <a:rPr lang="en-GB" dirty="0"/>
-              <a:t>}</a:t>
-            </a:r>
-          </a:p>
-          <a:p>
-            <a:endParaRPr lang="en-GB" dirty="0">
+        </p:grpSpPr>
+        <p:sp>
+          <p:nvSpPr>
+            <p:cNvPr id="3" name="Rectangle 2">
+              <a:extLst>
+                <a:ext uri="{FF2B5EF4-FFF2-40B4-BE49-F238E27FC236}">
+                  <a16:creationId xmlns:a16="http://schemas.microsoft.com/office/drawing/2014/main" id="{603AC519-287E-431C-AC14-B4D6EEF203DB}"/>
+                </a:ext>
+              </a:extLst>
+            </p:cNvPr>
+            <p:cNvSpPr/>
+            <p:nvPr/>
+          </p:nvSpPr>
+          <p:spPr>
+            <a:xfrm>
+              <a:off x="191387" y="1818354"/>
+              <a:ext cx="4221840" cy="4109884"/>
+            </a:xfrm>
+            <a:prstGeom prst="rect">
+              <a:avLst/>
+            </a:prstGeom>
+            <a:ln w="28575">
               <a:solidFill>
-                <a:schemeClr val="tx2">
-                  <a:lumMod val="50000"/>
-                  <a:lumOff val="50000"/>
-                </a:schemeClr>
+                <a:schemeClr val="accent1"/>
               </a:solidFill>
-            </a:endParaRPr>
-          </a:p>
-          <a:p>
-            <a:r>
-              <a:rPr lang="en-GB" dirty="0">
-                <a:solidFill>
-                  <a:schemeClr val="tx2">
-                    <a:lumMod val="50000"/>
-                    <a:lumOff val="50000"/>
-                  </a:schemeClr>
-                </a:solidFill>
-              </a:rPr>
-              <a:t>\begin</a:t>
-            </a:r>
-            <a:r>
-              <a:rPr lang="en-GB" dirty="0"/>
-              <a:t>{</a:t>
-            </a:r>
-            <a:r>
-              <a:rPr lang="en-GB" dirty="0" err="1">
-                <a:solidFill>
-                  <a:schemeClr val="accent4">
-                    <a:lumMod val="75000"/>
-                  </a:schemeClr>
-                </a:solidFill>
-              </a:rPr>
-              <a:t>flushleft</a:t>
-            </a:r>
-            <a:r>
-              <a:rPr lang="en-GB" dirty="0"/>
-              <a:t>}</a:t>
-            </a:r>
-          </a:p>
-          <a:p>
-            <a:r>
-              <a:rPr lang="en-GB" dirty="0"/>
-              <a:t>left</a:t>
-            </a:r>
-          </a:p>
-          <a:p>
-            <a:r>
-              <a:rPr lang="en-GB" dirty="0">
-                <a:solidFill>
-                  <a:schemeClr val="tx2">
-                    <a:lumMod val="50000"/>
-                    <a:lumOff val="50000"/>
-                  </a:schemeClr>
-                </a:solidFill>
-              </a:rPr>
-              <a:t>\end</a:t>
-            </a:r>
-            <a:r>
-              <a:rPr lang="en-GB" dirty="0"/>
-              <a:t>{</a:t>
-            </a:r>
-            <a:r>
-              <a:rPr lang="en-GB" dirty="0" err="1">
-                <a:solidFill>
-                  <a:schemeClr val="accent4">
-                    <a:lumMod val="75000"/>
-                  </a:schemeClr>
-                </a:solidFill>
-              </a:rPr>
-              <a:t>flushleft</a:t>
-            </a:r>
-            <a:r>
-              <a:rPr lang="en-GB" dirty="0"/>
-              <a:t>}</a:t>
-            </a:r>
-          </a:p>
-          <a:p>
-            <a:endParaRPr lang="en-GB" dirty="0">
-              <a:solidFill>
-                <a:schemeClr val="tx2">
-                  <a:lumMod val="50000"/>
-                  <a:lumOff val="50000"/>
-                </a:schemeClr>
-              </a:solidFill>
-            </a:endParaRPr>
-          </a:p>
-          <a:p>
-            <a:r>
-              <a:rPr lang="en-GB" dirty="0">
+            </a:ln>
+          </p:spPr>
+          <p:txBody>
+            <a:bodyPr wrap="square">
+              <a:spAutoFit/>
+            </a:bodyPr>
+            <a:lstStyle/>
+            <a:p>
+              <a:r>
+                <a:rPr lang="en-GB" sz="2000" dirty="0">
+                  <a:solidFill>
+                    <a:schemeClr val="tx2">
+                      <a:lumMod val="50000"/>
+                      <a:lumOff val="50000"/>
+                    </a:schemeClr>
+                  </a:solidFill>
+                </a:rPr>
+                <a:t>@article</a:t>
+              </a:r>
+              <a:r>
+                <a:rPr lang="en-GB" sz="2000" dirty="0"/>
+                <a:t>{</a:t>
+              </a:r>
+              <a:r>
+                <a:rPr lang="en-GB" sz="2000" dirty="0">
+                  <a:solidFill>
+                    <a:schemeClr val="accent4">
+                      <a:lumMod val="75000"/>
+                    </a:schemeClr>
+                  </a:solidFill>
+                </a:rPr>
+                <a:t>thor_2011</a:t>
+              </a:r>
+              <a:r>
+                <a:rPr lang="en-GB" sz="2000" dirty="0"/>
+                <a:t>,</a:t>
+              </a:r>
+            </a:p>
+            <a:p>
+              <a:r>
+                <a:rPr lang="en-GB" sz="2000" dirty="0">
+                  <a:solidFill>
+                    <a:schemeClr val="tx2">
+                      <a:lumMod val="50000"/>
+                      <a:lumOff val="50000"/>
+                    </a:schemeClr>
+                  </a:solidFill>
+                </a:rPr>
+                <a:t>author = </a:t>
+              </a:r>
+              <a:r>
+                <a:rPr lang="en-GB" sz="2000" dirty="0"/>
+                <a:t>"A.U. Thor",</a:t>
+              </a:r>
+            </a:p>
+            <a:p>
+              <a:r>
+                <a:rPr lang="en-GB" sz="2000" dirty="0">
+                  <a:solidFill>
+                    <a:schemeClr val="tx2">
+                      <a:lumMod val="50000"/>
+                      <a:lumOff val="50000"/>
+                    </a:schemeClr>
+                  </a:solidFill>
+                </a:rPr>
+                <a:t>title = </a:t>
+              </a:r>
+              <a:r>
+                <a:rPr lang="en-GB" sz="2000" dirty="0"/>
+                <a:t>"{LaTeX} is Great",</a:t>
+              </a:r>
+            </a:p>
+            <a:p>
+              <a:r>
+                <a:rPr lang="en-GB" sz="2000" dirty="0">
+                  <a:solidFill>
+                    <a:schemeClr val="tx2">
+                      <a:lumMod val="50000"/>
+                      <a:lumOff val="50000"/>
+                    </a:schemeClr>
+                  </a:solidFill>
+                </a:rPr>
+                <a:t>year = </a:t>
+              </a:r>
+              <a:r>
+                <a:rPr lang="en-GB" sz="2000" dirty="0"/>
+                <a:t>"2011",</a:t>
+              </a:r>
+            </a:p>
+            <a:p>
+              <a:r>
+                <a:rPr lang="en-GB" sz="2000" dirty="0">
+                  <a:solidFill>
+                    <a:schemeClr val="tx2">
+                      <a:lumMod val="50000"/>
+                      <a:lumOff val="50000"/>
+                    </a:schemeClr>
+                  </a:solidFill>
+                </a:rPr>
+                <a:t>journal = </a:t>
+              </a:r>
+              <a:r>
+                <a:rPr lang="en-GB" sz="2000" dirty="0"/>
+                <a:t>"Typesetting Monthly",</a:t>
+              </a:r>
+            </a:p>
+            <a:p>
+              <a:r>
+                <a:rPr lang="en-GB" sz="2000" dirty="0">
+                  <a:solidFill>
+                    <a:schemeClr val="tx2">
+                      <a:lumMod val="50000"/>
+                      <a:lumOff val="50000"/>
+                    </a:schemeClr>
+                  </a:solidFill>
+                </a:rPr>
+                <a:t>volume = </a:t>
+              </a:r>
+              <a:r>
+                <a:rPr lang="en-GB" sz="2000" dirty="0"/>
+                <a:t>"14",</a:t>
+              </a:r>
+            </a:p>
+            <a:p>
+              <a:r>
+                <a:rPr lang="en-GB" sz="2000" dirty="0">
+                  <a:solidFill>
+                    <a:schemeClr val="tx2">
+                      <a:lumMod val="50000"/>
+                      <a:lumOff val="50000"/>
+                    </a:schemeClr>
+                  </a:solidFill>
+                </a:rPr>
+                <a:t>number = </a:t>
+              </a:r>
+              <a:r>
+                <a:rPr lang="en-GB" sz="2000" dirty="0"/>
+                <a:t>"3",</a:t>
+              </a:r>
+            </a:p>
+            <a:p>
+              <a:r>
+                <a:rPr lang="en-GB" sz="2000" dirty="0">
+                  <a:solidFill>
+                    <a:schemeClr val="tx2">
+                      <a:lumMod val="50000"/>
+                      <a:lumOff val="50000"/>
+                    </a:schemeClr>
+                  </a:solidFill>
+                </a:rPr>
+                <a:t>pages = </a:t>
+              </a:r>
+              <a:r>
+                <a:rPr lang="en-GB" sz="2000" dirty="0"/>
+                <a:t>"342--351" }</a:t>
+              </a:r>
+            </a:p>
+            <a:p>
+              <a:endParaRPr lang="en-GB" sz="2000" dirty="0"/>
+            </a:p>
+            <a:p>
+              <a:r>
+                <a:rPr lang="en-GB" sz="2000" dirty="0">
+                  <a:solidFill>
+                    <a:schemeClr val="tx2">
+                      <a:lumMod val="50000"/>
+                      <a:lumOff val="50000"/>
+                    </a:schemeClr>
+                  </a:solidFill>
+                </a:rPr>
+                <a:t>@book</a:t>
+              </a:r>
+              <a:r>
+                <a:rPr lang="en-GB" sz="2000" dirty="0"/>
+                <a:t>{</a:t>
+              </a:r>
+              <a:r>
+                <a:rPr lang="en-GB" sz="2000" dirty="0">
+                  <a:solidFill>
+                    <a:schemeClr val="accent4">
+                      <a:lumMod val="75000"/>
+                    </a:schemeClr>
+                  </a:solidFill>
+                </a:rPr>
+                <a:t>Rowling_1997</a:t>
+              </a:r>
+              <a:r>
+                <a:rPr lang="en-GB" sz="2000" dirty="0"/>
+                <a:t>,</a:t>
+              </a:r>
+            </a:p>
+            <a:p>
+              <a:r>
+                <a:rPr lang="en-GB" sz="2000" dirty="0">
+                  <a:solidFill>
+                    <a:schemeClr val="tx2">
+                      <a:lumMod val="50000"/>
+                      <a:lumOff val="50000"/>
+                    </a:schemeClr>
+                  </a:solidFill>
+                </a:rPr>
+                <a:t>author = </a:t>
+              </a:r>
+              <a:r>
+                <a:rPr lang="en-GB" sz="2000" dirty="0"/>
+                <a:t>"J.K. Rowling",</a:t>
+              </a:r>
+            </a:p>
+            <a:p>
+              <a:r>
+                <a:rPr lang="en-GB" sz="2000" dirty="0">
+                  <a:solidFill>
+                    <a:schemeClr val="tx2">
+                      <a:lumMod val="50000"/>
+                      <a:lumOff val="50000"/>
+                    </a:schemeClr>
+                  </a:solidFill>
+                </a:rPr>
+                <a:t>title = </a:t>
+              </a:r>
+              <a:r>
+                <a:rPr lang="en-GB" sz="2000" dirty="0"/>
+                <a:t>"Philosopher's Stone",</a:t>
+              </a:r>
+            </a:p>
+            <a:p>
+              <a:r>
+                <a:rPr lang="en-GB" sz="2000" dirty="0">
+                  <a:solidFill>
+                    <a:schemeClr val="tx2">
+                      <a:lumMod val="50000"/>
+                      <a:lumOff val="50000"/>
+                    </a:schemeClr>
+                  </a:solidFill>
+                </a:rPr>
+                <a:t>year = </a:t>
+              </a:r>
+              <a:r>
+                <a:rPr lang="en-GB" sz="2000" dirty="0"/>
+                <a:t>"1997",</a:t>
+              </a:r>
+            </a:p>
+            <a:p>
+              <a:r>
+                <a:rPr lang="en-GB" sz="2000" dirty="0">
+                  <a:solidFill>
+                    <a:schemeClr val="tx2">
+                      <a:lumMod val="50000"/>
+                      <a:lumOff val="50000"/>
+                    </a:schemeClr>
+                  </a:solidFill>
+                </a:rPr>
+                <a:t>publisher = </a:t>
+              </a:r>
+              <a:r>
+                <a:rPr lang="en-GB" sz="2000" dirty="0"/>
+                <a:t>"Bloomsbury"}</a:t>
+              </a:r>
+            </a:p>
+          </p:txBody>
+        </p:sp>
+        <p:sp>
+          <p:nvSpPr>
+            <p:cNvPr id="4" name="TextBox 3">
+              <a:extLst>
+                <a:ext uri="{FF2B5EF4-FFF2-40B4-BE49-F238E27FC236}">
+                  <a16:creationId xmlns:a16="http://schemas.microsoft.com/office/drawing/2014/main" id="{C5CC6226-7951-424D-BA3D-A8C35C092F26}"/>
+                </a:ext>
+              </a:extLst>
+            </p:cNvPr>
+            <p:cNvSpPr txBox="1"/>
+            <p:nvPr/>
+          </p:nvSpPr>
+          <p:spPr>
+            <a:xfrm>
+              <a:off x="191387" y="1449022"/>
+              <a:ext cx="2032523" cy="344886"/>
+            </a:xfrm>
+            <a:prstGeom prst="rect">
+              <a:avLst/>
+            </a:prstGeom>
+            <a:noFill/>
+          </p:spPr>
+          <p:txBody>
+            <a:bodyPr wrap="square" rtlCol="0">
+              <a:spAutoFit/>
+            </a:bodyPr>
+            <a:lstStyle/>
+            <a:p>
+              <a:r>
+                <a:rPr lang="en-GB" dirty="0" err="1">
+                  <a:solidFill>
+                    <a:schemeClr val="accent1"/>
+                  </a:solidFill>
+                </a:rPr>
+                <a:t>myrefs.bib</a:t>
+              </a:r>
+              <a:endParaRPr lang="en-GB" dirty="0">
                 <a:solidFill>
                   <a:schemeClr val="accent1"/>
                 </a:solidFill>
-              </a:rPr>
-              <a:t>\today</a:t>
-            </a:r>
-          </a:p>
-          <a:p>
-            <a:r>
-              <a:rPr lang="en-GB" dirty="0">
-                <a:solidFill>
-                  <a:schemeClr val="tx2">
-                    <a:lumMod val="50000"/>
-                    <a:lumOff val="50000"/>
-                  </a:schemeClr>
-                </a:solidFill>
-              </a:rPr>
-              <a:t>\end</a:t>
-            </a:r>
-            <a:r>
-              <a:rPr lang="en-GB" dirty="0"/>
-              <a:t>{</a:t>
-            </a:r>
-            <a:r>
-              <a:rPr lang="en-GB" dirty="0" err="1">
-                <a:solidFill>
-                  <a:schemeClr val="accent4">
-                    <a:lumMod val="75000"/>
-                  </a:schemeClr>
-                </a:solidFill>
-              </a:rPr>
-              <a:t>titlepage</a:t>
-            </a:r>
-            <a:r>
-              <a:rPr lang="en-GB" dirty="0"/>
-              <a:t>}</a:t>
-            </a:r>
-          </a:p>
-        </p:txBody>
-      </p:sp>
+              </a:endParaRPr>
+            </a:p>
+          </p:txBody>
+        </p:sp>
+      </p:grpSp>
       <p:pic>
         <p:nvPicPr>
-          <p:cNvPr id="14" name="Picture 13">
+          <p:cNvPr id="7" name="Picture 6">
             <a:extLst>
               <a:ext uri="{FF2B5EF4-FFF2-40B4-BE49-F238E27FC236}">
-                <a16:creationId xmlns:a16="http://schemas.microsoft.com/office/drawing/2014/main" id="{C9909296-7A96-4628-82EF-A4C6F3DFB9C8}"/>
+                <a16:creationId xmlns:a16="http://schemas.microsoft.com/office/drawing/2014/main" id="{49A708A5-B26B-476D-9BA0-FA6D6B6DBC6A}"/>
               </a:ext>
             </a:extLst>
           </p:cNvPr>
@@ -10796,57 +10899,18 @@
         </p:blipFill>
         <p:spPr>
           <a:xfrm>
-            <a:off x="5002392" y="1431085"/>
-            <a:ext cx="3684408" cy="5053731"/>
+            <a:off x="4740972" y="3402556"/>
+            <a:ext cx="4040680" cy="1159500"/>
           </a:xfrm>
           <a:prstGeom prst="rect">
             <a:avLst/>
           </a:prstGeom>
         </p:spPr>
       </p:pic>
-      <p:sp>
-        <p:nvSpPr>
-          <p:cNvPr id="6" name="TextBox 5">
-            <a:extLst>
-              <a:ext uri="{FF2B5EF4-FFF2-40B4-BE49-F238E27FC236}">
-                <a16:creationId xmlns:a16="http://schemas.microsoft.com/office/drawing/2014/main" id="{3A91B9AD-3C5E-47C0-B69F-91AD9FD2B7F0}"/>
-              </a:ext>
-            </a:extLst>
-          </p:cNvPr>
-          <p:cNvSpPr txBox="1"/>
-          <p:nvPr/>
-        </p:nvSpPr>
-        <p:spPr>
-          <a:xfrm>
-            <a:off x="7357241" y="6498021"/>
-            <a:ext cx="1697422" cy="369332"/>
-          </a:xfrm>
-          <a:prstGeom prst="rect">
-            <a:avLst/>
-          </a:prstGeom>
-          <a:noFill/>
-        </p:spPr>
-        <p:txBody>
-          <a:bodyPr wrap="square" rtlCol="0">
-            <a:spAutoFit/>
-          </a:bodyPr>
-          <a:lstStyle/>
-          <a:p>
-            <a:r>
-              <a:rPr lang="en-GB" dirty="0">
-                <a:solidFill>
-                  <a:schemeClr val="accent2"/>
-                </a:solidFill>
-              </a:rPr>
-              <a:t>Problem Sheet</a:t>
-            </a:r>
-          </a:p>
-        </p:txBody>
-      </p:sp>
     </p:spTree>
     <p:extLst>
       <p:ext uri="{BB962C8B-B14F-4D97-AF65-F5344CB8AC3E}">
-        <p14:creationId xmlns:p14="http://schemas.microsoft.com/office/powerpoint/2010/main" val="2691561616"/>
+        <p14:creationId xmlns:p14="http://schemas.microsoft.com/office/powerpoint/2010/main" val="46157443"/>
       </p:ext>
     </p:extLst>
   </p:cSld>
@@ -10898,17 +10962,47 @@
           <a:p>
             <a:r>
               <a:rPr lang="en-GB" sz="4000" dirty="0"/>
-              <a:t>LaTeX Errors</a:t>
+              <a:t>Bibliography Management</a:t>
             </a:r>
           </a:p>
         </p:txBody>
       </p:sp>
+      <p:cxnSp>
+        <p:nvCxnSpPr>
+          <p:cNvPr id="11" name="Straight Connector 10"/>
+          <p:cNvCxnSpPr/>
+          <p:nvPr/>
+        </p:nvCxnSpPr>
+        <p:spPr>
+          <a:xfrm>
+            <a:off x="4572000" y="1417638"/>
+            <a:ext cx="0" cy="5440362"/>
+          </a:xfrm>
+          <a:prstGeom prst="line">
+            <a:avLst/>
+          </a:prstGeom>
+        </p:spPr>
+        <p:style>
+          <a:lnRef idx="2">
+            <a:schemeClr val="accent1"/>
+          </a:lnRef>
+          <a:fillRef idx="0">
+            <a:schemeClr val="accent1"/>
+          </a:fillRef>
+          <a:effectRef idx="1">
+            <a:schemeClr val="accent1"/>
+          </a:effectRef>
+          <a:fontRef idx="minor">
+            <a:schemeClr val="tx1"/>
+          </a:fontRef>
+        </p:style>
+      </p:cxnSp>
       <p:pic>
         <p:nvPicPr>
-          <p:cNvPr id="4" name="Picture 3">
+          <p:cNvPr id="10" name="Picture 9" descr="A close up of a logo&#10;&#10;Description automatically generated">
             <a:extLst>
               <a:ext uri="{FF2B5EF4-FFF2-40B4-BE49-F238E27FC236}">
-                <a16:creationId xmlns:a16="http://schemas.microsoft.com/office/drawing/2014/main" id="{827AB96D-2EB9-4E01-B214-E4AAAE6AB1EF}"/>
+                <a16:creationId xmlns:a16="http://schemas.microsoft.com/office/drawing/2014/main" id="{4D78C260-C796-47C0-B4E0-8CBE71F4DAFD}"/>
               </a:ext>
             </a:extLst>
           </p:cNvPr>
@@ -10925,20 +11019,352 @@
         </p:blipFill>
         <p:spPr>
           <a:xfrm>
-            <a:off x="331470" y="1806567"/>
-            <a:ext cx="8481060" cy="3963732"/>
+            <a:off x="4730767" y="3296440"/>
+            <a:ext cx="4221846" cy="861135"/>
           </a:xfrm>
           <a:prstGeom prst="rect">
             <a:avLst/>
           </a:prstGeom>
         </p:spPr>
       </p:pic>
-      <p:sp>
-        <p:nvSpPr>
-          <p:cNvPr id="5" name="TextBox 4">
+      <p:grpSp>
+        <p:nvGrpSpPr>
+          <p:cNvPr id="5" name="Group 4">
             <a:extLst>
               <a:ext uri="{FF2B5EF4-FFF2-40B4-BE49-F238E27FC236}">
-                <a16:creationId xmlns:a16="http://schemas.microsoft.com/office/drawing/2014/main" id="{2CF7A67F-61CE-4D51-AB4D-CA6809C1BE98}"/>
+                <a16:creationId xmlns:a16="http://schemas.microsoft.com/office/drawing/2014/main" id="{F5455341-BD23-481A-BFA7-330F1E8E3283}"/>
+              </a:ext>
+            </a:extLst>
+          </p:cNvPr>
+          <p:cNvGrpSpPr/>
+          <p:nvPr/>
+        </p:nvGrpSpPr>
+        <p:grpSpPr>
+          <a:xfrm>
+            <a:off x="191387" y="1756683"/>
+            <a:ext cx="4221840" cy="4167618"/>
+            <a:chOff x="191387" y="1449022"/>
+            <a:chExt cx="4221840" cy="4167618"/>
+          </a:xfrm>
+        </p:grpSpPr>
+        <p:sp>
+          <p:nvSpPr>
+            <p:cNvPr id="3" name="Rectangle 2">
+              <a:extLst>
+                <a:ext uri="{FF2B5EF4-FFF2-40B4-BE49-F238E27FC236}">
+                  <a16:creationId xmlns:a16="http://schemas.microsoft.com/office/drawing/2014/main" id="{603AC519-287E-431C-AC14-B4D6EEF203DB}"/>
+                </a:ext>
+              </a:extLst>
+            </p:cNvPr>
+            <p:cNvSpPr/>
+            <p:nvPr/>
+          </p:nvSpPr>
+          <p:spPr>
+            <a:xfrm>
+              <a:off x="191387" y="1830988"/>
+              <a:ext cx="4221840" cy="3785652"/>
+            </a:xfrm>
+            <a:prstGeom prst="rect">
+              <a:avLst/>
+            </a:prstGeom>
+            <a:ln w="28575">
+              <a:solidFill>
+                <a:schemeClr val="accent2"/>
+              </a:solidFill>
+            </a:ln>
+          </p:spPr>
+          <p:txBody>
+            <a:bodyPr wrap="square">
+              <a:spAutoFit/>
+            </a:bodyPr>
+            <a:lstStyle/>
+            <a:p>
+              <a:r>
+                <a:rPr lang="en-GB" sz="2400" dirty="0">
+                  <a:solidFill>
+                    <a:schemeClr val="tx2">
+                      <a:lumMod val="50000"/>
+                      <a:lumOff val="50000"/>
+                    </a:schemeClr>
+                  </a:solidFill>
+                </a:rPr>
+                <a:t>\</a:t>
+              </a:r>
+              <a:r>
+                <a:rPr lang="en-GB" sz="2400" dirty="0" err="1">
+                  <a:solidFill>
+                    <a:schemeClr val="tx2">
+                      <a:lumMod val="50000"/>
+                      <a:lumOff val="50000"/>
+                    </a:schemeClr>
+                  </a:solidFill>
+                </a:rPr>
+                <a:t>usepackage</a:t>
+              </a:r>
+              <a:r>
+                <a:rPr lang="en-GB" sz="2400" dirty="0"/>
+                <a:t>{</a:t>
+              </a:r>
+              <a:r>
+                <a:rPr lang="en-GB" sz="2400" dirty="0" err="1">
+                  <a:solidFill>
+                    <a:schemeClr val="tx2">
+                      <a:lumMod val="50000"/>
+                      <a:lumOff val="50000"/>
+                    </a:schemeClr>
+                  </a:solidFill>
+                </a:rPr>
+                <a:t>natbib</a:t>
+              </a:r>
+              <a:r>
+                <a:rPr lang="en-GB" sz="2400" dirty="0"/>
+                <a:t>}</a:t>
+              </a:r>
+            </a:p>
+            <a:p>
+              <a:endParaRPr lang="en-GB" sz="2400" dirty="0"/>
+            </a:p>
+            <a:p>
+              <a:r>
+                <a:rPr lang="en-GB" sz="2400" dirty="0">
+                  <a:solidFill>
+                    <a:schemeClr val="tx2">
+                      <a:lumMod val="50000"/>
+                      <a:lumOff val="50000"/>
+                    </a:schemeClr>
+                  </a:solidFill>
+                </a:rPr>
+                <a:t>\begin</a:t>
+              </a:r>
+              <a:r>
+                <a:rPr lang="en-GB" sz="2400" dirty="0"/>
+                <a:t>{document}</a:t>
+              </a:r>
+            </a:p>
+            <a:p>
+              <a:endParaRPr lang="en-GB" sz="2400" dirty="0"/>
+            </a:p>
+            <a:p>
+              <a:r>
+                <a:rPr lang="en-GB" sz="2400" dirty="0">
+                  <a:solidFill>
+                    <a:schemeClr val="tx2">
+                      <a:lumMod val="50000"/>
+                      <a:lumOff val="50000"/>
+                    </a:schemeClr>
+                  </a:solidFill>
+                </a:rPr>
+                <a:t>\</a:t>
+              </a:r>
+              <a:r>
+                <a:rPr lang="en-GB" sz="2400" dirty="0" err="1">
+                  <a:solidFill>
+                    <a:schemeClr val="tx2">
+                      <a:lumMod val="50000"/>
+                      <a:lumOff val="50000"/>
+                    </a:schemeClr>
+                  </a:solidFill>
+                </a:rPr>
+                <a:t>citet</a:t>
+              </a:r>
+              <a:r>
+                <a:rPr lang="en-GB" sz="2400" dirty="0">
+                  <a:solidFill>
+                    <a:schemeClr val="tx2">
+                      <a:lumMod val="50000"/>
+                      <a:lumOff val="50000"/>
+                    </a:schemeClr>
+                  </a:solidFill>
+                </a:rPr>
+                <a:t> </a:t>
+              </a:r>
+              <a:r>
+                <a:rPr lang="en-GB" sz="2400" dirty="0"/>
+                <a:t>{</a:t>
+              </a:r>
+              <a:r>
+                <a:rPr lang="en-GB" sz="2400" dirty="0">
+                  <a:solidFill>
+                    <a:schemeClr val="accent4">
+                      <a:lumMod val="75000"/>
+                    </a:schemeClr>
+                  </a:solidFill>
+                </a:rPr>
+                <a:t>thor_2011</a:t>
+              </a:r>
+              <a:r>
+                <a:rPr lang="en-GB" sz="2400" dirty="0"/>
+                <a:t>} is much better than its competitor </a:t>
+              </a:r>
+              <a:r>
+                <a:rPr lang="en-GB" sz="2400" dirty="0">
+                  <a:solidFill>
+                    <a:schemeClr val="tx2">
+                      <a:lumMod val="50000"/>
+                      <a:lumOff val="50000"/>
+                    </a:schemeClr>
+                  </a:solidFill>
+                </a:rPr>
+                <a:t>\</a:t>
+              </a:r>
+              <a:r>
+                <a:rPr lang="en-GB" sz="2400" dirty="0" err="1">
+                  <a:solidFill>
+                    <a:schemeClr val="tx2">
+                      <a:lumMod val="50000"/>
+                      <a:lumOff val="50000"/>
+                    </a:schemeClr>
+                  </a:solidFill>
+                </a:rPr>
+                <a:t>citep</a:t>
+              </a:r>
+              <a:r>
+                <a:rPr lang="en-GB" sz="2400" dirty="0">
+                  <a:solidFill>
+                    <a:schemeClr val="tx2">
+                      <a:lumMod val="50000"/>
+                      <a:lumOff val="50000"/>
+                    </a:schemeClr>
+                  </a:solidFill>
+                </a:rPr>
+                <a:t> </a:t>
+              </a:r>
+              <a:r>
+                <a:rPr lang="en-GB" sz="2400" dirty="0"/>
+                <a:t>{</a:t>
+              </a:r>
+              <a:r>
+                <a:rPr lang="en-GB" sz="2400" dirty="0">
+                  <a:solidFill>
+                    <a:schemeClr val="accent4">
+                      <a:lumMod val="75000"/>
+                    </a:schemeClr>
+                  </a:solidFill>
+                </a:rPr>
+                <a:t>rowling_1997</a:t>
+              </a:r>
+              <a:r>
+                <a:rPr lang="en-GB" sz="2400" dirty="0"/>
+                <a:t>}</a:t>
+              </a:r>
+            </a:p>
+            <a:p>
+              <a:endParaRPr lang="en-GB" sz="2400" dirty="0"/>
+            </a:p>
+            <a:p>
+              <a:r>
+                <a:rPr lang="en-GB" sz="2400" dirty="0">
+                  <a:solidFill>
+                    <a:schemeClr val="tx2">
+                      <a:lumMod val="50000"/>
+                      <a:lumOff val="50000"/>
+                    </a:schemeClr>
+                  </a:solidFill>
+                </a:rPr>
+                <a:t>\</a:t>
+              </a:r>
+              <a:r>
+                <a:rPr lang="en-GB" sz="2400" dirty="0" err="1">
+                  <a:solidFill>
+                    <a:schemeClr val="tx2">
+                      <a:lumMod val="50000"/>
+                      <a:lumOff val="50000"/>
+                    </a:schemeClr>
+                  </a:solidFill>
+                </a:rPr>
+                <a:t>bibliographystyle</a:t>
+              </a:r>
+              <a:r>
+                <a:rPr lang="en-GB" sz="2400" dirty="0"/>
+                <a:t>{</a:t>
+              </a:r>
+              <a:r>
+                <a:rPr lang="en-GB" sz="2400" dirty="0" err="1"/>
+                <a:t>plainnat</a:t>
+              </a:r>
+              <a:r>
+                <a:rPr lang="en-GB" sz="2400" dirty="0"/>
+                <a:t>}</a:t>
+              </a:r>
+            </a:p>
+            <a:p>
+              <a:r>
+                <a:rPr lang="en-GB" sz="2400" dirty="0">
+                  <a:solidFill>
+                    <a:schemeClr val="tx2">
+                      <a:lumMod val="50000"/>
+                      <a:lumOff val="50000"/>
+                    </a:schemeClr>
+                  </a:solidFill>
+                </a:rPr>
+                <a:t>\bibliography</a:t>
+              </a:r>
+              <a:r>
+                <a:rPr lang="en-GB" sz="2400" dirty="0"/>
+                <a:t>{</a:t>
+              </a:r>
+              <a:r>
+                <a:rPr lang="en-GB" sz="2400" dirty="0" err="1"/>
+                <a:t>myrefs</a:t>
+              </a:r>
+              <a:r>
+                <a:rPr lang="en-GB" sz="2400" dirty="0"/>
+                <a:t>}</a:t>
+              </a:r>
+            </a:p>
+          </p:txBody>
+        </p:sp>
+        <p:sp>
+          <p:nvSpPr>
+            <p:cNvPr id="4" name="TextBox 3">
+              <a:extLst>
+                <a:ext uri="{FF2B5EF4-FFF2-40B4-BE49-F238E27FC236}">
+                  <a16:creationId xmlns:a16="http://schemas.microsoft.com/office/drawing/2014/main" id="{C5CC6226-7951-424D-BA3D-A8C35C092F26}"/>
+                </a:ext>
+              </a:extLst>
+            </p:cNvPr>
+            <p:cNvSpPr txBox="1"/>
+            <p:nvPr/>
+          </p:nvSpPr>
+          <p:spPr>
+            <a:xfrm>
+              <a:off x="191387" y="1449022"/>
+              <a:ext cx="2032523" cy="369332"/>
+            </a:xfrm>
+            <a:prstGeom prst="rect">
+              <a:avLst/>
+            </a:prstGeom>
+            <a:noFill/>
+          </p:spPr>
+          <p:txBody>
+            <a:bodyPr wrap="square" rtlCol="0">
+              <a:spAutoFit/>
+            </a:bodyPr>
+            <a:lstStyle/>
+            <a:p>
+              <a:r>
+                <a:rPr lang="en-GB" dirty="0" err="1">
+                  <a:solidFill>
+                    <a:schemeClr val="accent2"/>
+                  </a:solidFill>
+                </a:rPr>
+                <a:t>main.tex</a:t>
+              </a:r>
+              <a:endParaRPr lang="en-GB" dirty="0">
+                <a:solidFill>
+                  <a:schemeClr val="accent2"/>
+                </a:solidFill>
+              </a:endParaRPr>
+            </a:p>
+          </p:txBody>
+        </p:sp>
+      </p:grpSp>
+      <p:sp>
+        <p:nvSpPr>
+          <p:cNvPr id="8" name="TextBox 7">
+            <a:extLst>
+              <a:ext uri="{FF2B5EF4-FFF2-40B4-BE49-F238E27FC236}">
+                <a16:creationId xmlns:a16="http://schemas.microsoft.com/office/drawing/2014/main" id="{FD4DF245-9E47-4747-8785-FFADE20129CC}"/>
               </a:ext>
             </a:extLst>
           </p:cNvPr>
@@ -10975,7 +11401,7 @@
     </p:spTree>
     <p:extLst>
       <p:ext uri="{BB962C8B-B14F-4D97-AF65-F5344CB8AC3E}">
-        <p14:creationId xmlns:p14="http://schemas.microsoft.com/office/powerpoint/2010/main" val="3149295078"/>
+        <p14:creationId xmlns:p14="http://schemas.microsoft.com/office/powerpoint/2010/main" val="687175056"/>
       </p:ext>
     </p:extLst>
   </p:cSld>
@@ -11241,6 +11667,680 @@
           <a:p>
             <a:r>
               <a:rPr lang="en-GB" sz="4000" dirty="0"/>
+              <a:t>Making a Title</a:t>
+            </a:r>
+          </a:p>
+        </p:txBody>
+      </p:sp>
+      <p:cxnSp>
+        <p:nvCxnSpPr>
+          <p:cNvPr id="11" name="Straight Connector 10"/>
+          <p:cNvCxnSpPr/>
+          <p:nvPr/>
+        </p:nvCxnSpPr>
+        <p:spPr>
+          <a:xfrm>
+            <a:off x="4572000" y="1417638"/>
+            <a:ext cx="0" cy="5440362"/>
+          </a:xfrm>
+          <a:prstGeom prst="line">
+            <a:avLst/>
+          </a:prstGeom>
+        </p:spPr>
+        <p:style>
+          <a:lnRef idx="2">
+            <a:schemeClr val="accent1"/>
+          </a:lnRef>
+          <a:fillRef idx="0">
+            <a:schemeClr val="accent1"/>
+          </a:fillRef>
+          <a:effectRef idx="1">
+            <a:schemeClr val="accent1"/>
+          </a:effectRef>
+          <a:fontRef idx="minor">
+            <a:schemeClr val="tx1"/>
+          </a:fontRef>
+        </p:style>
+      </p:cxnSp>
+      <p:sp>
+        <p:nvSpPr>
+          <p:cNvPr id="4" name="Rectangle 3"/>
+          <p:cNvSpPr/>
+          <p:nvPr/>
+        </p:nvSpPr>
+        <p:spPr>
+          <a:xfrm>
+            <a:off x="620973" y="1406503"/>
+            <a:ext cx="3843447" cy="5078313"/>
+          </a:xfrm>
+          <a:prstGeom prst="rect">
+            <a:avLst/>
+          </a:prstGeom>
+        </p:spPr>
+        <p:txBody>
+          <a:bodyPr wrap="square">
+            <a:spAutoFit/>
+          </a:bodyPr>
+          <a:lstStyle/>
+          <a:p>
+            <a:r>
+              <a:rPr lang="en-GB" dirty="0">
+                <a:solidFill>
+                  <a:schemeClr val="tx2">
+                    <a:lumMod val="50000"/>
+                    <a:lumOff val="50000"/>
+                  </a:schemeClr>
+                </a:solidFill>
+              </a:rPr>
+              <a:t>\begin</a:t>
+            </a:r>
+            <a:r>
+              <a:rPr lang="en-GB" dirty="0"/>
+              <a:t>{</a:t>
+            </a:r>
+            <a:r>
+              <a:rPr lang="en-GB" dirty="0" err="1">
+                <a:solidFill>
+                  <a:schemeClr val="accent4">
+                    <a:lumMod val="75000"/>
+                  </a:schemeClr>
+                </a:solidFill>
+              </a:rPr>
+              <a:t>titlepage</a:t>
+            </a:r>
+            <a:r>
+              <a:rPr lang="en-GB" dirty="0"/>
+              <a:t>}</a:t>
+            </a:r>
+          </a:p>
+          <a:p>
+            <a:endParaRPr lang="en-GB" dirty="0"/>
+          </a:p>
+          <a:p>
+            <a:r>
+              <a:rPr lang="en-GB" dirty="0">
+                <a:solidFill>
+                  <a:schemeClr val="tx2">
+                    <a:lumMod val="50000"/>
+                    <a:lumOff val="50000"/>
+                  </a:schemeClr>
+                </a:solidFill>
+              </a:rPr>
+              <a:t>\begin</a:t>
+            </a:r>
+            <a:r>
+              <a:rPr lang="en-GB" dirty="0"/>
+              <a:t>{</a:t>
+            </a:r>
+            <a:r>
+              <a:rPr lang="en-GB" dirty="0" err="1">
+                <a:solidFill>
+                  <a:schemeClr val="accent4">
+                    <a:lumMod val="75000"/>
+                  </a:schemeClr>
+                </a:solidFill>
+              </a:rPr>
+              <a:t>flushright</a:t>
+            </a:r>
+            <a:r>
+              <a:rPr lang="en-GB" dirty="0"/>
+              <a:t>}</a:t>
+            </a:r>
+          </a:p>
+          <a:p>
+            <a:r>
+              <a:rPr lang="en-GB" dirty="0"/>
+              <a:t>right</a:t>
+            </a:r>
+          </a:p>
+          <a:p>
+            <a:r>
+              <a:rPr lang="en-GB" dirty="0">
+                <a:solidFill>
+                  <a:schemeClr val="tx2">
+                    <a:lumMod val="50000"/>
+                    <a:lumOff val="50000"/>
+                  </a:schemeClr>
+                </a:solidFill>
+              </a:rPr>
+              <a:t>\end</a:t>
+            </a:r>
+            <a:r>
+              <a:rPr lang="en-GB" dirty="0"/>
+              <a:t>{</a:t>
+            </a:r>
+            <a:r>
+              <a:rPr lang="en-GB" dirty="0" err="1">
+                <a:solidFill>
+                  <a:schemeClr val="accent4">
+                    <a:lumMod val="75000"/>
+                  </a:schemeClr>
+                </a:solidFill>
+              </a:rPr>
+              <a:t>flushright</a:t>
+            </a:r>
+            <a:r>
+              <a:rPr lang="en-GB" dirty="0"/>
+              <a:t>}</a:t>
+            </a:r>
+          </a:p>
+          <a:p>
+            <a:r>
+              <a:rPr lang="en-GB" dirty="0">
+                <a:solidFill>
+                  <a:schemeClr val="tx2">
+                    <a:lumMod val="50000"/>
+                    <a:lumOff val="50000"/>
+                  </a:schemeClr>
+                </a:solidFill>
+              </a:rPr>
+              <a:t>\</a:t>
+            </a:r>
+            <a:r>
+              <a:rPr lang="en-GB" dirty="0" err="1">
+                <a:solidFill>
+                  <a:schemeClr val="tx2">
+                    <a:lumMod val="50000"/>
+                    <a:lumOff val="50000"/>
+                  </a:schemeClr>
+                </a:solidFill>
+              </a:rPr>
+              <a:t>vspace</a:t>
+            </a:r>
+            <a:r>
+              <a:rPr lang="en-GB" dirty="0"/>
+              <a:t>{5cm}</a:t>
+            </a:r>
+          </a:p>
+          <a:p>
+            <a:r>
+              <a:rPr lang="en-GB" dirty="0">
+                <a:solidFill>
+                  <a:schemeClr val="tx2">
+                    <a:lumMod val="50000"/>
+                    <a:lumOff val="50000"/>
+                  </a:schemeClr>
+                </a:solidFill>
+              </a:rPr>
+              <a:t>\</a:t>
+            </a:r>
+            <a:r>
+              <a:rPr lang="en-GB" dirty="0" err="1">
+                <a:solidFill>
+                  <a:schemeClr val="tx2">
+                    <a:lumMod val="50000"/>
+                    <a:lumOff val="50000"/>
+                  </a:schemeClr>
+                </a:solidFill>
+              </a:rPr>
+              <a:t>includegraphics</a:t>
+            </a:r>
+            <a:r>
+              <a:rPr lang="en-GB" dirty="0"/>
+              <a:t>[width=5cm]{</a:t>
+            </a:r>
+            <a:r>
+              <a:rPr lang="en-GB" dirty="0" err="1"/>
+              <a:t>Cat_Box</a:t>
+            </a:r>
+            <a:r>
+              <a:rPr lang="en-GB" dirty="0"/>
+              <a:t>}</a:t>
+            </a:r>
+          </a:p>
+          <a:p>
+            <a:r>
+              <a:rPr lang="en-GB" dirty="0">
+                <a:solidFill>
+                  <a:schemeClr val="tx2">
+                    <a:lumMod val="50000"/>
+                    <a:lumOff val="50000"/>
+                  </a:schemeClr>
+                </a:solidFill>
+              </a:rPr>
+              <a:t>\begin</a:t>
+            </a:r>
+            <a:r>
+              <a:rPr lang="en-GB" dirty="0"/>
+              <a:t>{</a:t>
+            </a:r>
+            <a:r>
+              <a:rPr lang="en-GB" dirty="0" err="1">
+                <a:solidFill>
+                  <a:schemeClr val="accent4">
+                    <a:lumMod val="75000"/>
+                  </a:schemeClr>
+                </a:solidFill>
+              </a:rPr>
+              <a:t>center</a:t>
+            </a:r>
+            <a:r>
+              <a:rPr lang="en-GB" dirty="0"/>
+              <a:t>}</a:t>
+            </a:r>
+          </a:p>
+          <a:p>
+            <a:r>
+              <a:rPr lang="en-GB" dirty="0" err="1"/>
+              <a:t>center</a:t>
+            </a:r>
+            <a:endParaRPr lang="en-GB" dirty="0"/>
+          </a:p>
+          <a:p>
+            <a:r>
+              <a:rPr lang="en-GB" dirty="0">
+                <a:solidFill>
+                  <a:schemeClr val="tx2">
+                    <a:lumMod val="50000"/>
+                    <a:lumOff val="50000"/>
+                  </a:schemeClr>
+                </a:solidFill>
+              </a:rPr>
+              <a:t>\end</a:t>
+            </a:r>
+            <a:r>
+              <a:rPr lang="en-GB" dirty="0"/>
+              <a:t>{</a:t>
+            </a:r>
+            <a:r>
+              <a:rPr lang="en-GB" dirty="0" err="1">
+                <a:solidFill>
+                  <a:schemeClr val="accent4">
+                    <a:lumMod val="75000"/>
+                  </a:schemeClr>
+                </a:solidFill>
+              </a:rPr>
+              <a:t>center</a:t>
+            </a:r>
+            <a:r>
+              <a:rPr lang="en-GB" dirty="0"/>
+              <a:t>}</a:t>
+            </a:r>
+          </a:p>
+          <a:p>
+            <a:endParaRPr lang="en-GB" dirty="0">
+              <a:solidFill>
+                <a:schemeClr val="tx2">
+                  <a:lumMod val="50000"/>
+                  <a:lumOff val="50000"/>
+                </a:schemeClr>
+              </a:solidFill>
+            </a:endParaRPr>
+          </a:p>
+          <a:p>
+            <a:r>
+              <a:rPr lang="en-GB" dirty="0">
+                <a:solidFill>
+                  <a:schemeClr val="tx2">
+                    <a:lumMod val="50000"/>
+                    <a:lumOff val="50000"/>
+                  </a:schemeClr>
+                </a:solidFill>
+              </a:rPr>
+              <a:t>\begin</a:t>
+            </a:r>
+            <a:r>
+              <a:rPr lang="en-GB" dirty="0"/>
+              <a:t>{</a:t>
+            </a:r>
+            <a:r>
+              <a:rPr lang="en-GB" dirty="0" err="1">
+                <a:solidFill>
+                  <a:schemeClr val="accent4">
+                    <a:lumMod val="75000"/>
+                  </a:schemeClr>
+                </a:solidFill>
+              </a:rPr>
+              <a:t>flushleft</a:t>
+            </a:r>
+            <a:r>
+              <a:rPr lang="en-GB" dirty="0"/>
+              <a:t>}</a:t>
+            </a:r>
+          </a:p>
+          <a:p>
+            <a:r>
+              <a:rPr lang="en-GB" dirty="0"/>
+              <a:t>left</a:t>
+            </a:r>
+          </a:p>
+          <a:p>
+            <a:r>
+              <a:rPr lang="en-GB" dirty="0">
+                <a:solidFill>
+                  <a:schemeClr val="tx2">
+                    <a:lumMod val="50000"/>
+                    <a:lumOff val="50000"/>
+                  </a:schemeClr>
+                </a:solidFill>
+              </a:rPr>
+              <a:t>\end</a:t>
+            </a:r>
+            <a:r>
+              <a:rPr lang="en-GB" dirty="0"/>
+              <a:t>{</a:t>
+            </a:r>
+            <a:r>
+              <a:rPr lang="en-GB" dirty="0" err="1">
+                <a:solidFill>
+                  <a:schemeClr val="accent4">
+                    <a:lumMod val="75000"/>
+                  </a:schemeClr>
+                </a:solidFill>
+              </a:rPr>
+              <a:t>flushleft</a:t>
+            </a:r>
+            <a:r>
+              <a:rPr lang="en-GB" dirty="0"/>
+              <a:t>}</a:t>
+            </a:r>
+          </a:p>
+          <a:p>
+            <a:endParaRPr lang="en-GB" dirty="0">
+              <a:solidFill>
+                <a:schemeClr val="tx2">
+                  <a:lumMod val="50000"/>
+                  <a:lumOff val="50000"/>
+                </a:schemeClr>
+              </a:solidFill>
+            </a:endParaRPr>
+          </a:p>
+          <a:p>
+            <a:r>
+              <a:rPr lang="en-GB" dirty="0">
+                <a:solidFill>
+                  <a:schemeClr val="accent1"/>
+                </a:solidFill>
+              </a:rPr>
+              <a:t>\today</a:t>
+            </a:r>
+          </a:p>
+          <a:p>
+            <a:r>
+              <a:rPr lang="en-GB" dirty="0">
+                <a:solidFill>
+                  <a:schemeClr val="tx2">
+                    <a:lumMod val="50000"/>
+                    <a:lumOff val="50000"/>
+                  </a:schemeClr>
+                </a:solidFill>
+              </a:rPr>
+              <a:t>\end</a:t>
+            </a:r>
+            <a:r>
+              <a:rPr lang="en-GB" dirty="0"/>
+              <a:t>{</a:t>
+            </a:r>
+            <a:r>
+              <a:rPr lang="en-GB" dirty="0" err="1">
+                <a:solidFill>
+                  <a:schemeClr val="accent4">
+                    <a:lumMod val="75000"/>
+                  </a:schemeClr>
+                </a:solidFill>
+              </a:rPr>
+              <a:t>titlepage</a:t>
+            </a:r>
+            <a:r>
+              <a:rPr lang="en-GB" dirty="0"/>
+              <a:t>}</a:t>
+            </a:r>
+          </a:p>
+        </p:txBody>
+      </p:sp>
+      <p:pic>
+        <p:nvPicPr>
+          <p:cNvPr id="14" name="Picture 13">
+            <a:extLst>
+              <a:ext uri="{FF2B5EF4-FFF2-40B4-BE49-F238E27FC236}">
+                <a16:creationId xmlns:a16="http://schemas.microsoft.com/office/drawing/2014/main" id="{C9909296-7A96-4628-82EF-A4C6F3DFB9C8}"/>
+              </a:ext>
+            </a:extLst>
+          </p:cNvPr>
+          <p:cNvPicPr>
+            <a:picLocks noChangeAspect="1"/>
+          </p:cNvPicPr>
+          <p:nvPr/>
+        </p:nvPicPr>
+        <p:blipFill>
+          <a:blip r:embed="rId3"/>
+          <a:stretch>
+            <a:fillRect/>
+          </a:stretch>
+        </p:blipFill>
+        <p:spPr>
+          <a:xfrm>
+            <a:off x="5002392" y="1431085"/>
+            <a:ext cx="3684408" cy="5053731"/>
+          </a:xfrm>
+          <a:prstGeom prst="rect">
+            <a:avLst/>
+          </a:prstGeom>
+        </p:spPr>
+      </p:pic>
+      <p:sp>
+        <p:nvSpPr>
+          <p:cNvPr id="6" name="TextBox 5">
+            <a:extLst>
+              <a:ext uri="{FF2B5EF4-FFF2-40B4-BE49-F238E27FC236}">
+                <a16:creationId xmlns:a16="http://schemas.microsoft.com/office/drawing/2014/main" id="{3A91B9AD-3C5E-47C0-B69F-91AD9FD2B7F0}"/>
+              </a:ext>
+            </a:extLst>
+          </p:cNvPr>
+          <p:cNvSpPr txBox="1"/>
+          <p:nvPr/>
+        </p:nvSpPr>
+        <p:spPr>
+          <a:xfrm>
+            <a:off x="7357241" y="6498021"/>
+            <a:ext cx="1697422" cy="369332"/>
+          </a:xfrm>
+          <a:prstGeom prst="rect">
+            <a:avLst/>
+          </a:prstGeom>
+          <a:noFill/>
+        </p:spPr>
+        <p:txBody>
+          <a:bodyPr wrap="square" rtlCol="0">
+            <a:spAutoFit/>
+          </a:bodyPr>
+          <a:lstStyle/>
+          <a:p>
+            <a:r>
+              <a:rPr lang="en-GB" dirty="0">
+                <a:solidFill>
+                  <a:schemeClr val="accent2"/>
+                </a:solidFill>
+              </a:rPr>
+              <a:t>Problem Sheet</a:t>
+            </a:r>
+          </a:p>
+        </p:txBody>
+      </p:sp>
+    </p:spTree>
+    <p:extLst>
+      <p:ext uri="{BB962C8B-B14F-4D97-AF65-F5344CB8AC3E}">
+        <p14:creationId xmlns:p14="http://schemas.microsoft.com/office/powerpoint/2010/main" val="2691561616"/>
+      </p:ext>
+    </p:extLst>
+  </p:cSld>
+  <p:clrMapOvr>
+    <a:masterClrMapping/>
+  </p:clrMapOvr>
+  <mc:AlternateContent xmlns:mc="http://schemas.openxmlformats.org/markup-compatibility/2006" xmlns:p14="http://schemas.microsoft.com/office/powerpoint/2010/main">
+    <mc:Choice Requires="p14">
+      <p:transition p14:dur="10"/>
+    </mc:Choice>
+    <mc:Fallback xmlns="">
+      <p:transition/>
+    </mc:Fallback>
+  </mc:AlternateContent>
+</p:sld>
+</file>
+
+<file path=ppt/slides/slide21.xml><?xml version="1.0" encoding="utf-8"?>
+<p:sld xmlns:a="http://schemas.openxmlformats.org/drawingml/2006/main" xmlns:r="http://schemas.openxmlformats.org/officeDocument/2006/relationships" xmlns:p="http://schemas.openxmlformats.org/presentationml/2006/main">
+  <p:cSld>
+    <p:spTree>
+      <p:nvGrpSpPr>
+        <p:cNvPr id="1" name=""/>
+        <p:cNvGrpSpPr/>
+        <p:nvPr/>
+      </p:nvGrpSpPr>
+      <p:grpSpPr>
+        <a:xfrm>
+          <a:off x="0" y="0"/>
+          <a:ext cx="0" cy="0"/>
+          <a:chOff x="0" y="0"/>
+          <a:chExt cx="0" cy="0"/>
+        </a:xfrm>
+      </p:grpSpPr>
+      <p:sp>
+        <p:nvSpPr>
+          <p:cNvPr id="2" name="Title 1"/>
+          <p:cNvSpPr>
+            <a:spLocks noGrp="1"/>
+          </p:cNvSpPr>
+          <p:nvPr>
+            <p:ph type="title"/>
+          </p:nvPr>
+        </p:nvSpPr>
+        <p:spPr/>
+        <p:txBody>
+          <a:bodyPr/>
+          <a:lstStyle/>
+          <a:p>
+            <a:r>
+              <a:rPr lang="en-GB" sz="4000" dirty="0"/>
+              <a:t>LaTeX Errors</a:t>
+            </a:r>
+          </a:p>
+        </p:txBody>
+      </p:sp>
+      <p:pic>
+        <p:nvPicPr>
+          <p:cNvPr id="4" name="Picture 3">
+            <a:extLst>
+              <a:ext uri="{FF2B5EF4-FFF2-40B4-BE49-F238E27FC236}">
+                <a16:creationId xmlns:a16="http://schemas.microsoft.com/office/drawing/2014/main" id="{827AB96D-2EB9-4E01-B214-E4AAAE6AB1EF}"/>
+              </a:ext>
+            </a:extLst>
+          </p:cNvPr>
+          <p:cNvPicPr>
+            <a:picLocks noChangeAspect="1"/>
+          </p:cNvPicPr>
+          <p:nvPr/>
+        </p:nvPicPr>
+        <p:blipFill>
+          <a:blip r:embed="rId3"/>
+          <a:stretch>
+            <a:fillRect/>
+          </a:stretch>
+        </p:blipFill>
+        <p:spPr>
+          <a:xfrm>
+            <a:off x="331470" y="1806567"/>
+            <a:ext cx="8481060" cy="3963732"/>
+          </a:xfrm>
+          <a:prstGeom prst="rect">
+            <a:avLst/>
+          </a:prstGeom>
+        </p:spPr>
+      </p:pic>
+      <p:sp>
+        <p:nvSpPr>
+          <p:cNvPr id="5" name="TextBox 4">
+            <a:extLst>
+              <a:ext uri="{FF2B5EF4-FFF2-40B4-BE49-F238E27FC236}">
+                <a16:creationId xmlns:a16="http://schemas.microsoft.com/office/drawing/2014/main" id="{2CF7A67F-61CE-4D51-AB4D-CA6809C1BE98}"/>
+              </a:ext>
+            </a:extLst>
+          </p:cNvPr>
+          <p:cNvSpPr txBox="1"/>
+          <p:nvPr/>
+        </p:nvSpPr>
+        <p:spPr>
+          <a:xfrm>
+            <a:off x="7357241" y="6498021"/>
+            <a:ext cx="1697422" cy="369332"/>
+          </a:xfrm>
+          <a:prstGeom prst="rect">
+            <a:avLst/>
+          </a:prstGeom>
+          <a:noFill/>
+        </p:spPr>
+        <p:txBody>
+          <a:bodyPr wrap="square" rtlCol="0">
+            <a:spAutoFit/>
+          </a:bodyPr>
+          <a:lstStyle/>
+          <a:p>
+            <a:r>
+              <a:rPr lang="en-GB" dirty="0">
+                <a:solidFill>
+                  <a:schemeClr val="accent2"/>
+                </a:solidFill>
+              </a:rPr>
+              <a:t>Problem Sheet</a:t>
+            </a:r>
+          </a:p>
+        </p:txBody>
+      </p:sp>
+    </p:spTree>
+    <p:extLst>
+      <p:ext uri="{BB962C8B-B14F-4D97-AF65-F5344CB8AC3E}">
+        <p14:creationId xmlns:p14="http://schemas.microsoft.com/office/powerpoint/2010/main" val="3149295078"/>
+      </p:ext>
+    </p:extLst>
+  </p:cSld>
+  <p:clrMapOvr>
+    <a:masterClrMapping/>
+  </p:clrMapOvr>
+  <mc:AlternateContent xmlns:mc="http://schemas.openxmlformats.org/markup-compatibility/2006" xmlns:p14="http://schemas.microsoft.com/office/powerpoint/2010/main">
+    <mc:Choice Requires="p14">
+      <p:transition p14:dur="10"/>
+    </mc:Choice>
+    <mc:Fallback xmlns="">
+      <p:transition/>
+    </mc:Fallback>
+  </mc:AlternateContent>
+</p:sld>
+</file>
+
+<file path=ppt/slides/slide22.xml><?xml version="1.0" encoding="utf-8"?>
+<p:sld xmlns:a="http://schemas.openxmlformats.org/drawingml/2006/main" xmlns:r="http://schemas.openxmlformats.org/officeDocument/2006/relationships" xmlns:p="http://schemas.openxmlformats.org/presentationml/2006/main">
+  <p:cSld>
+    <p:spTree>
+      <p:nvGrpSpPr>
+        <p:cNvPr id="1" name=""/>
+        <p:cNvGrpSpPr/>
+        <p:nvPr/>
+      </p:nvGrpSpPr>
+      <p:grpSpPr>
+        <a:xfrm>
+          <a:off x="0" y="0"/>
+          <a:ext cx="0" cy="0"/>
+          <a:chOff x="0" y="0"/>
+          <a:chExt cx="0" cy="0"/>
+        </a:xfrm>
+      </p:grpSpPr>
+      <p:sp>
+        <p:nvSpPr>
+          <p:cNvPr id="2" name="Title 1"/>
+          <p:cNvSpPr>
+            <a:spLocks noGrp="1"/>
+          </p:cNvSpPr>
+          <p:nvPr>
+            <p:ph type="title"/>
+          </p:nvPr>
+        </p:nvSpPr>
+        <p:spPr/>
+        <p:txBody>
+          <a:bodyPr/>
+          <a:lstStyle/>
+          <a:p>
+            <a:r>
+              <a:rPr lang="en-GB" sz="4000" dirty="0"/>
               <a:t>Online Tools</a:t>
             </a:r>
           </a:p>
@@ -11429,7 +12529,7 @@
 </p:sld>
 </file>
 
-<file path=ppt/slides/slide21.xml><?xml version="1.0" encoding="utf-8"?>
+<file path=ppt/slides/slide23.xml><?xml version="1.0" encoding="utf-8"?>
 <p:sld xmlns:a="http://schemas.openxmlformats.org/drawingml/2006/main" xmlns:r="http://schemas.openxmlformats.org/officeDocument/2006/relationships" xmlns:p="http://schemas.openxmlformats.org/presentationml/2006/main">
   <p:cSld>
     <p:spTree>
@@ -11553,7 +12653,7 @@
 </p:sld>
 </file>
 
-<file path=ppt/slides/slide22.xml><?xml version="1.0" encoding="utf-8"?>
+<file path=ppt/slides/slide24.xml><?xml version="1.0" encoding="utf-8"?>
 <p:sld xmlns:a="http://schemas.openxmlformats.org/drawingml/2006/main" xmlns:r="http://schemas.openxmlformats.org/officeDocument/2006/relationships" xmlns:p="http://schemas.openxmlformats.org/presentationml/2006/main">
   <p:cSld>
     <p:spTree>
@@ -11572,6 +12672,126 @@
       </p:grpSpPr>
       <p:sp>
         <p:nvSpPr>
+          <p:cNvPr id="2" name="Title 1"/>
+          <p:cNvSpPr>
+            <a:spLocks noGrp="1"/>
+          </p:cNvSpPr>
+          <p:nvPr>
+            <p:ph type="title"/>
+          </p:nvPr>
+        </p:nvSpPr>
+        <p:spPr/>
+        <p:txBody>
+          <a:bodyPr/>
+          <a:lstStyle/>
+          <a:p>
+            <a:r>
+              <a:rPr lang="en-GB" sz="4000" dirty="0"/>
+              <a:t>Feedback</a:t>
+            </a:r>
+          </a:p>
+        </p:txBody>
+      </p:sp>
+      <p:sp>
+        <p:nvSpPr>
+          <p:cNvPr id="3" name="Content Placeholder 2"/>
+          <p:cNvSpPr>
+            <a:spLocks noGrp="1"/>
+          </p:cNvSpPr>
+          <p:nvPr>
+            <p:ph idx="1"/>
+          </p:nvPr>
+        </p:nvSpPr>
+        <p:spPr>
+          <a:xfrm>
+            <a:off x="457200" y="1600200"/>
+            <a:ext cx="8435280" cy="4876800"/>
+          </a:xfrm>
+        </p:spPr>
+        <p:txBody>
+          <a:bodyPr>
+            <a:normAutofit/>
+          </a:bodyPr>
+          <a:lstStyle/>
+          <a:p>
+            <a:r>
+              <a:rPr lang="en-GB" sz="3000" dirty="0"/>
+              <a:t>Once you’ve completed this course, please provide feedback</a:t>
+            </a:r>
+          </a:p>
+          <a:p>
+            <a:pPr lvl="1"/>
+            <a:r>
+              <a:rPr lang="en-GB" sz="2600" dirty="0"/>
+              <a:t>The link is </a:t>
+            </a:r>
+            <a:r>
+              <a:rPr lang="en-GB" sz="2600" dirty="0">
+                <a:hlinkClick r:id="rId3"/>
+              </a:rPr>
+              <a:t>http://bit.ly/computingdatascience1920</a:t>
+            </a:r>
+            <a:endParaRPr lang="en-GB" sz="2600" dirty="0"/>
+          </a:p>
+          <a:p>
+            <a:pPr lvl="1"/>
+            <a:r>
+              <a:rPr lang="en-GB" sz="2600" dirty="0"/>
+              <a:t>You should also have received an email with this link</a:t>
+            </a:r>
+          </a:p>
+          <a:p>
+            <a:pPr lvl="1"/>
+            <a:r>
+              <a:rPr lang="en-GB" sz="2600" dirty="0"/>
+              <a:t>This helps us improve the class for future students</a:t>
+            </a:r>
+          </a:p>
+          <a:p>
+            <a:endParaRPr lang="en-GB" sz="3000" dirty="0"/>
+          </a:p>
+        </p:txBody>
+      </p:sp>
+    </p:spTree>
+    <p:extLst>
+      <p:ext uri="{BB962C8B-B14F-4D97-AF65-F5344CB8AC3E}">
+        <p14:creationId xmlns:p14="http://schemas.microsoft.com/office/powerpoint/2010/main" val="2122788927"/>
+      </p:ext>
+    </p:extLst>
+  </p:cSld>
+  <p:clrMapOvr>
+    <a:masterClrMapping/>
+  </p:clrMapOvr>
+  <mc:AlternateContent xmlns:mc="http://schemas.openxmlformats.org/markup-compatibility/2006" xmlns:p14="http://schemas.microsoft.com/office/powerpoint/2010/main">
+    <mc:Choice Requires="p14">
+      <p:transition p14:dur="10"/>
+    </mc:Choice>
+    <mc:Fallback xmlns="">
+      <p:transition/>
+    </mc:Fallback>
+  </mc:AlternateContent>
+</p:sld>
+</file>
+
+<file path=ppt/slides/slide25.xml><?xml version="1.0" encoding="utf-8"?>
+<p:sld xmlns:a="http://schemas.openxmlformats.org/drawingml/2006/main" xmlns:r="http://schemas.openxmlformats.org/officeDocument/2006/relationships" xmlns:p="http://schemas.openxmlformats.org/presentationml/2006/main">
+  <p:cSld>
+    <p:spTree>
+      <p:nvGrpSpPr>
+        <p:cNvPr id="1" name=""/>
+        <p:cNvGrpSpPr/>
+        <p:nvPr/>
+      </p:nvGrpSpPr>
+      <p:grpSpPr>
+        <a:xfrm>
+          <a:off x="0" y="0"/>
+          <a:ext cx="0" cy="0"/>
+          <a:chOff x="0" y="0"/>
+          <a:chExt cx="0" cy="0"/>
+        </a:xfrm>
+      </p:grpSpPr>
+      <p:sp>
+        <p:nvSpPr>
           <p:cNvPr id="3074" name="Rectangle 2"/>
           <p:cNvSpPr>
             <a:spLocks noGrp="1" noChangeArrowheads="1"/>
@@ -11602,6 +12822,76 @@
               <a:t>LaTeX</a:t>
             </a:r>
             <a:endParaRPr lang="en-GB" sz="4000" b="1" dirty="0"/>
+          </a:p>
+        </p:txBody>
+      </p:sp>
+      <p:sp>
+        <p:nvSpPr>
+          <p:cNvPr id="3" name="Subtitle 2">
+            <a:extLst>
+              <a:ext uri="{FF2B5EF4-FFF2-40B4-BE49-F238E27FC236}">
+                <a16:creationId xmlns:a16="http://schemas.microsoft.com/office/drawing/2014/main" id="{CE966452-9D6D-4DD4-B211-ED0F4A850E6F}"/>
+              </a:ext>
+            </a:extLst>
+          </p:cNvPr>
+          <p:cNvSpPr>
+            <a:spLocks noGrp="1"/>
+          </p:cNvSpPr>
+          <p:nvPr>
+            <p:ph type="subTitle" idx="1"/>
+          </p:nvPr>
+        </p:nvSpPr>
+        <p:spPr>
+          <a:xfrm>
+            <a:off x="401319" y="3386667"/>
+            <a:ext cx="8341362" cy="383822"/>
+          </a:xfrm>
+        </p:spPr>
+        <p:txBody>
+          <a:bodyPr/>
+          <a:lstStyle/>
+          <a:p>
+            <a:r>
+              <a:rPr lang="en-GB" sz="1400" dirty="0"/>
+              <a:t>Distributed under </a:t>
+            </a:r>
+            <a:r>
+              <a:rPr lang="en-GB" sz="1400" dirty="0">
+                <a:hlinkClick r:id="rId3"/>
+              </a:rPr>
+              <a:t>Creative Commons Attribution-</a:t>
+            </a:r>
+            <a:r>
+              <a:rPr lang="en-GB" sz="1400" dirty="0" err="1">
+                <a:hlinkClick r:id="rId3"/>
+              </a:rPr>
+              <a:t>NonCommercial</a:t>
+            </a:r>
+            <a:r>
+              <a:rPr lang="en-GB" sz="1400" dirty="0">
+                <a:hlinkClick r:id="rId3"/>
+              </a:rPr>
+              <a:t>-</a:t>
+            </a:r>
+            <a:r>
+              <a:rPr lang="en-GB" sz="1400" dirty="0" err="1">
+                <a:hlinkClick r:id="rId3"/>
+              </a:rPr>
+              <a:t>ShareAlike</a:t>
+            </a:r>
+            <a:r>
+              <a:rPr lang="en-GB" sz="1400" dirty="0">
+                <a:hlinkClick r:id="rId3"/>
+              </a:rPr>
+              <a:t> 4.0 International</a:t>
+            </a:r>
+            <a:endParaRPr lang="en-GB" sz="1400" dirty="0"/>
+          </a:p>
+          <a:p>
+            <a:r>
+              <a:rPr lang="en-GB" sz="2400" dirty="0"/>
+              <a:t> </a:t>
+            </a:r>
           </a:p>
         </p:txBody>
       </p:sp>

--- a/Intro to Latex Slides.pptx
+++ b/Intro to Latex Slides.pptx
@@ -5,10 +5,10 @@
     <p:sldMasterId id="2147483648" r:id="rId1"/>
   </p:sldMasterIdLst>
   <p:notesMasterIdLst>
-    <p:notesMasterId r:id="rId27"/>
+    <p:notesMasterId r:id="rId26"/>
   </p:notesMasterIdLst>
   <p:handoutMasterIdLst>
-    <p:handoutMasterId r:id="rId28"/>
+    <p:handoutMasterId r:id="rId27"/>
   </p:handoutMasterIdLst>
   <p:sldIdLst>
     <p:sldId id="264" r:id="rId2"/>
@@ -30,12 +30,11 @@
     <p:sldId id="319" r:id="rId18"/>
     <p:sldId id="321" r:id="rId19"/>
     <p:sldId id="322" r:id="rId20"/>
-    <p:sldId id="289" r:id="rId21"/>
-    <p:sldId id="290" r:id="rId22"/>
-    <p:sldId id="328" r:id="rId23"/>
-    <p:sldId id="291" r:id="rId24"/>
-    <p:sldId id="329" r:id="rId25"/>
-    <p:sldId id="280" r:id="rId26"/>
+    <p:sldId id="290" r:id="rId21"/>
+    <p:sldId id="328" r:id="rId22"/>
+    <p:sldId id="291" r:id="rId23"/>
+    <p:sldId id="329" r:id="rId24"/>
+    <p:sldId id="280" r:id="rId25"/>
   </p:sldIdLst>
   <p:sldSz cx="9144000" cy="6858000" type="screen4x3"/>
   <p:notesSz cx="7099300" cy="10234613"/>
@@ -158,7 +157,6 @@
             <p14:sldId id="319"/>
             <p14:sldId id="321"/>
             <p14:sldId id="322"/>
-            <p14:sldId id="289"/>
             <p14:sldId id="290"/>
             <p14:sldId id="328"/>
             <p14:sldId id="291"/>
@@ -438,7 +436,7 @@
           <a:p>
             <a:fld id="{88EB714B-C3CC-4216-88C1-02913905B1CF}" type="datetimeFigureOut">
               <a:rPr lang="en-GB" smtClean="0"/>
-              <a:t>20/04/2020</a:t>
+              <a:t>20/10/2020</a:t>
             </a:fld>
             <a:endParaRPr lang="en-GB"/>
           </a:p>
@@ -2531,147 +2529,63 @@
           <a:p>
             <a:r>
               <a:rPr lang="en-GB" dirty="0"/>
-              <a:t>You can chose to make a dedicated title page in many </a:t>
+              <a:t>As LaTeX runs, it keeps a log of what it’s doing. Most of these messages can be safely ignored. However, one class of message that is very helpful is the error message. Overleaf, like all LaTeX compilers will keep a log of all messages is generated. When LaTeX hits a section of code with an error, it will typically generate a number of useful messages and then stop progressing further. If you carefully read the messages, they often lead you straight to the source of the error.</a:t>
+            </a:r>
+          </a:p>
+          <a:p>
+            <a:endParaRPr lang="en-GB" dirty="0"/>
+          </a:p>
+          <a:p>
+            <a:r>
+              <a:rPr lang="en-GB" dirty="0"/>
+              <a:t>LaTeX will normally tell you what the error is and on what line of the file the error occurred. Overleaf takes this a step further and shows you a small error symbol next to the line number. You can hover over this to read the error message. The full message log can be read by clicking the “Log and Output Files” button next to the “Recompile” button just above where the Pdf is normally displayed. </a:t>
+            </a:r>
+            <a:br>
+              <a:rPr lang="en-GB" dirty="0"/>
+            </a:br>
+            <a:br>
+              <a:rPr lang="en-GB" dirty="0"/>
+            </a:br>
+            <a:r>
+              <a:rPr lang="en-GB" dirty="0"/>
+              <a:t>When you receive an error from LaTeX (in Overleaf or from whatever LaTeX tool you’re using), read the error message, edit the </a:t>
             </a:r>
             <a:r>
               <a:rPr lang="en-GB" dirty="0" err="1"/>
-              <a:t>documentclasses</a:t>
-            </a:r>
-            <a:r>
-              <a:rPr lang="en-GB" dirty="0"/>
-              <a:t> in LaTeX. This is done using the “begin </a:t>
-            </a:r>
-            <a:r>
-              <a:rPr lang="en-GB" dirty="0" err="1"/>
-              <a:t>titlepage</a:t>
-            </a:r>
-            <a:r>
-              <a:rPr lang="en-GB" dirty="0"/>
-              <a:t>” and “end </a:t>
-            </a:r>
-            <a:r>
-              <a:rPr lang="en-GB" dirty="0" err="1"/>
-              <a:t>titlepage</a:t>
-            </a:r>
-            <a:r>
-              <a:rPr lang="en-GB" dirty="0"/>
-              <a:t>” commands which will create a new page. Many of the formatting specifications you make within the </a:t>
-            </a:r>
-            <a:r>
-              <a:rPr lang="en-GB" dirty="0" err="1"/>
-              <a:t>titlepage</a:t>
-            </a:r>
-            <a:r>
-              <a:rPr lang="en-GB" dirty="0"/>
-              <a:t> will not affect the rest of your document outside of the </a:t>
-            </a:r>
-            <a:r>
-              <a:rPr lang="en-GB" dirty="0" err="1"/>
-              <a:t>titelpage</a:t>
-            </a:r>
-            <a:r>
-              <a:rPr lang="en-GB" dirty="0"/>
-              <a:t>.</a:t>
-            </a:r>
-          </a:p>
-          <a:p>
+              <a:t>fileto</a:t>
+            </a:r>
+            <a:r>
+              <a:rPr lang="en-GB" dirty="0"/>
+              <a:t> correct the error and recompile the pdf. Hopefully you will have fixed the error. Otherwise, you’ll receive another error message.</a:t>
+            </a:r>
+            <a:br>
+              <a:rPr lang="en-GB" dirty="0"/>
+            </a:br>
+            <a:br>
+              <a:rPr lang="en-GB" dirty="0"/>
+            </a:br>
+            <a:r>
+              <a:rPr lang="en-GB" dirty="0"/>
+              <a:t>LaTeX will also give you warnings, telling you if there was something it wasn’t sure what to do with, but was able to complete the document in any case. It’s also a good idea to look through the entire pdf by eye for anywhere that you’ve given a valid instruction, but one that has produced a different result to what you wanted.</a:t>
+            </a:r>
+            <a:br>
+              <a:rPr lang="en-GB" dirty="0"/>
+            </a:br>
             <a:endParaRPr lang="en-GB" dirty="0"/>
           </a:p>
           <a:p>
             <a:r>
               <a:rPr lang="en-GB" dirty="0"/>
-              <a:t>You may wish to control the alignment of text within your </a:t>
-            </a:r>
-            <a:r>
-              <a:rPr lang="en-GB" dirty="0" err="1"/>
-              <a:t>titlepage</a:t>
-            </a:r>
-            <a:r>
-              <a:rPr lang="en-GB" dirty="0"/>
-              <a:t> and this can be achieved via the “</a:t>
-            </a:r>
-            <a:r>
-              <a:rPr lang="en-GB" dirty="0" err="1"/>
-              <a:t>flushleft</a:t>
-            </a:r>
-            <a:r>
-              <a:rPr lang="en-GB" dirty="0"/>
-              <a:t>”, “centre” and “</a:t>
-            </a:r>
-            <a:r>
-              <a:rPr lang="en-GB" dirty="0" err="1"/>
-              <a:t>flushright</a:t>
-            </a:r>
-            <a:r>
-              <a:rPr lang="en-GB" dirty="0"/>
-              <a:t>” environments. You could also use the “</a:t>
-            </a:r>
-            <a:r>
-              <a:rPr lang="en-GB" dirty="0" err="1"/>
-              <a:t>centering</a:t>
-            </a:r>
-            <a:r>
-              <a:rPr lang="en-GB" dirty="0"/>
-              <a:t>” command as you did with figures earlier to force everything to be centred. You can also use the “</a:t>
-            </a:r>
-            <a:r>
-              <a:rPr lang="en-GB" dirty="0" err="1"/>
-              <a:t>includegraphics</a:t>
-            </a:r>
-            <a:r>
-              <a:rPr lang="en-GB" dirty="0"/>
-              <a:t>” command. Note that this doesn’t create a figure with associated figure number as it’s not inside a “figure” environment. You may also find the “today” command useful for forcing today’s date to be present. This will be updated each time you recompile your pdf. You can use the “</a:t>
-            </a:r>
-            <a:r>
-              <a:rPr lang="en-GB" dirty="0" err="1"/>
-              <a:t>vspace</a:t>
-            </a:r>
-            <a:r>
-              <a:rPr lang="en-GB" dirty="0"/>
-              <a:t>” command to manually specify the vertical distance between items on the page.</a:t>
-            </a:r>
-          </a:p>
-          <a:p>
-            <a:endParaRPr lang="en-GB" dirty="0"/>
-          </a:p>
-          <a:p>
-            <a:r>
-              <a:rPr lang="en-GB" dirty="0"/>
-              <a:t>I’ve deliberately made this </a:t>
-            </a:r>
-            <a:r>
-              <a:rPr lang="en-GB" dirty="0" err="1"/>
-              <a:t>titlepage</a:t>
-            </a:r>
-            <a:r>
-              <a:rPr lang="en-GB" dirty="0"/>
-              <a:t> a bit ugly in order to show off different features you might want to use. Now, you can try and make your own </a:t>
-            </a:r>
-            <a:r>
-              <a:rPr lang="en-GB" dirty="0" err="1"/>
-              <a:t>titlepage</a:t>
-            </a:r>
-            <a:r>
-              <a:rPr lang="en-GB" dirty="0"/>
-              <a:t> using some of these components. Remember you can use underlining, bolding, italics and different sized text as well.</a:t>
-            </a:r>
-          </a:p>
-          <a:p>
-            <a:endParaRPr lang="en-GB" dirty="0"/>
-          </a:p>
-          <a:p>
-            <a:r>
-              <a:rPr lang="en-GB" dirty="0"/>
-              <a:t>Overleaf example: https://www.overleaf.com/read/bbsgxykdmvpb</a:t>
-            </a:r>
-          </a:p>
-          <a:p>
-            <a:endParaRPr lang="en-GB" dirty="0"/>
-          </a:p>
-          <a:p>
-            <a:r>
-              <a:rPr lang="en-GB" dirty="0"/>
-              <a:t>Break for section 9 of Task Sheet.</a:t>
+              <a:t>Latex example: https://www.overleaf.com/read/gnzphcnqgfvf</a:t>
+            </a:r>
+          </a:p>
+          <a:p>
+            <a:br>
+              <a:rPr lang="en-GB" dirty="0"/>
+            </a:br>
+            <a:r>
+              <a:rPr lang="en-GB" dirty="0"/>
+              <a:t>Break for section 10 of Task Sheet. </a:t>
             </a:r>
           </a:p>
         </p:txBody>
@@ -2702,7 +2616,7 @@
     </p:spTree>
     <p:extLst>
       <p:ext uri="{BB962C8B-B14F-4D97-AF65-F5344CB8AC3E}">
-        <p14:creationId xmlns:p14="http://schemas.microsoft.com/office/powerpoint/2010/main" val="1795592458"/>
+        <p14:creationId xmlns:p14="http://schemas.microsoft.com/office/powerpoint/2010/main" val="2643096923"/>
       </p:ext>
     </p:extLst>
   </p:cSld>
@@ -2758,63 +2672,23 @@
           <a:p>
             <a:r>
               <a:rPr lang="en-GB" dirty="0"/>
-              <a:t>As LaTeX runs, it keeps a log of what it’s doing. Most of these messages can be safely ignored. However, one class of message that is very helpful is the error message. Overleaf, like all LaTeX compilers will keep a log of all messages is generated. When LaTeX hits a section of code with an error, it will typically generate a number of useful messages and then stop progressing further. If you carefully read the messages, they often lead you straight to the source of the error.</a:t>
-            </a:r>
-          </a:p>
-          <a:p>
-            <a:endParaRPr lang="en-GB" dirty="0"/>
-          </a:p>
-          <a:p>
-            <a:r>
-              <a:rPr lang="en-GB" dirty="0"/>
-              <a:t>LaTeX will normally tell you what the error is and on what line of the file the error occurred. Overleaf takes this a step further and shows you a small error symbol next to the line number. You can hover over this to read the error message. The full message log can be read by clicking the “Log and Output Files” button next to the “Recompile” button just above where the Pdf is normally displayed. </a:t>
-            </a:r>
-            <a:br>
-              <a:rPr lang="en-GB" dirty="0"/>
-            </a:br>
-            <a:br>
-              <a:rPr lang="en-GB" dirty="0"/>
-            </a:br>
-            <a:r>
-              <a:rPr lang="en-GB" dirty="0"/>
-              <a:t>When you receive an error from LaTeX (in Overleaf or from whatever LaTeX tool you’re using), read the error message, edit the </a:t>
+              <a:t>If you want to do something in LaTeX but don’t know how, the first thing to do is to Google it. Somebody has almost certainly had your problem/desire before and you can copy their solution most of the time. On many occasions, you’ll find the answer of </a:t>
             </a:r>
             <a:r>
               <a:rPr lang="en-GB" dirty="0" err="1"/>
-              <a:t>fileto</a:t>
-            </a:r>
-            <a:r>
-              <a:rPr lang="en-GB" dirty="0"/>
-              <a:t> correct the error and recompile the pdf. Hopefully you will have fixed the error. Otherwise, you’ll receive another error message.</a:t>
-            </a:r>
-            <a:br>
-              <a:rPr lang="en-GB" dirty="0"/>
-            </a:br>
-            <a:br>
-              <a:rPr lang="en-GB" dirty="0"/>
-            </a:br>
-            <a:r>
-              <a:rPr lang="en-GB" dirty="0"/>
-              <a:t>LaTeX will also give you warnings, telling you if there was something it wasn’t sure what to do with, but was able to complete the document in any case. It’s also a good idea to look through the entire pdf by eye for anywhere that you’ve given a valid instruction, but one that has produced a different result to what you wanted.</a:t>
-            </a:r>
-            <a:br>
-              <a:rPr lang="en-GB" dirty="0"/>
-            </a:br>
-            <a:endParaRPr lang="en-GB" dirty="0"/>
-          </a:p>
-          <a:p>
-            <a:r>
-              <a:rPr lang="en-GB" dirty="0"/>
-              <a:t>Latex example: https://www.overleaf.com/read/gnzphcnqgfvf</a:t>
-            </a:r>
-          </a:p>
-          <a:p>
-            <a:br>
-              <a:rPr lang="en-GB" dirty="0"/>
-            </a:br>
-            <a:r>
-              <a:rPr lang="en-GB" dirty="0"/>
-              <a:t>Break for section 10 of Task Sheet. </a:t>
+              <a:t>stackexchange</a:t>
+            </a:r>
+            <a:r>
+              <a:rPr lang="en-GB" dirty="0"/>
+              <a:t>. As well as being a useful environment to develop and run LaTeX, Overleaf has an extensive library of documentation on LaTeX’s functions. There’s also a very good </a:t>
+            </a:r>
+            <a:r>
+              <a:rPr lang="en-GB" dirty="0" err="1"/>
+              <a:t>wikibook</a:t>
+            </a:r>
+            <a:r>
+              <a:rPr lang="en-GB" dirty="0"/>
+              <a:t> that contains a good description of the functionality of LaTeX. There’s also a good table maker which allows you to define tables in a more natural and graphical way and have it return the equivalent LaTeX code. Finally, there’s an equation editor which allows you to define equations in a more graphical fashion and have it return the equivalent LaTeX code.</a:t>
             </a:r>
           </a:p>
         </p:txBody>
@@ -2845,7 +2719,7 @@
     </p:spTree>
     <p:extLst>
       <p:ext uri="{BB962C8B-B14F-4D97-AF65-F5344CB8AC3E}">
-        <p14:creationId xmlns:p14="http://schemas.microsoft.com/office/powerpoint/2010/main" val="2643096923"/>
+        <p14:creationId xmlns:p14="http://schemas.microsoft.com/office/powerpoint/2010/main" val="1445805806"/>
       </p:ext>
     </p:extLst>
   </p:cSld>
@@ -2901,23 +2775,41 @@
           <a:p>
             <a:r>
               <a:rPr lang="en-GB" dirty="0"/>
-              <a:t>If you want to do something in LaTeX but don’t know how, the first thing to do is to Google it. Somebody has almost certainly had your problem/desire before and you can copy their solution most of the time. On many occasions, you’ll find the answer of </a:t>
+              <a:t>If you’re working on a document to submit to a journal, there are a number of things to bear in mind. Many journals have custom </a:t>
             </a:r>
             <a:r>
               <a:rPr lang="en-GB" dirty="0" err="1"/>
-              <a:t>stackexchange</a:t>
-            </a:r>
-            <a:r>
-              <a:rPr lang="en-GB" dirty="0"/>
-              <a:t>. As well as being a useful environment to develop and run LaTeX, Overleaf has an extensive library of documentation on LaTeX’s functions. There’s also a very good </a:t>
+              <a:t>documentclasses</a:t>
+            </a:r>
+            <a:r>
+              <a:rPr lang="en-GB" dirty="0"/>
+              <a:t> which they make available and you can chose to use when submitting. Some journals might require you to use their </a:t>
             </a:r>
             <a:r>
               <a:rPr lang="en-GB" dirty="0" err="1"/>
-              <a:t>wikibook</a:t>
-            </a:r>
-            <a:r>
-              <a:rPr lang="en-GB" dirty="0"/>
-              <a:t> that contains a good description of the functionality of LaTeX. There’s also a good table maker which allows you to define tables in a more natural and graphical way and have it return the equivalent LaTeX code. Finally, there’s an equation editor which allows you to define equations in a more graphical fashion and have it return the equivalent LaTeX code.</a:t>
+              <a:t>documentclass</a:t>
+            </a:r>
+            <a:r>
+              <a:rPr lang="en-GB" dirty="0"/>
+              <a:t> when submitting.</a:t>
+            </a:r>
+            <a:br>
+              <a:rPr lang="en-GB" dirty="0"/>
+            </a:br>
+            <a:br>
+              <a:rPr lang="en-GB" dirty="0"/>
+            </a:br>
+            <a:r>
+              <a:rPr lang="en-GB" dirty="0"/>
+              <a:t>In many cases you can submit your LaTeX source files to the journal as well. This aids the typesetters at the journal in working on your document. For many journals, </a:t>
+            </a:r>
+            <a:r>
+              <a:rPr lang="en-GB" dirty="0" err="1"/>
+              <a:t>typsetters</a:t>
+            </a:r>
+            <a:r>
+              <a:rPr lang="en-GB" dirty="0"/>
+              <a:t> will alter your script substantially to make sure it fits the standards and style of the journal. This means that you don’t need to make your document look perfect when you submit it. You need it to be easily legible for the reviewers and editors to read, but spending days tweaking fine details might not be a good use of your time. Check the process and requirements of the journal you’re submitting to so you fulfil all their requirements but don’t put in effort that will ultimately be wasted.</a:t>
             </a:r>
           </a:p>
         </p:txBody>
@@ -2948,7 +2840,7 @@
     </p:spTree>
     <p:extLst>
       <p:ext uri="{BB962C8B-B14F-4D97-AF65-F5344CB8AC3E}">
-        <p14:creationId xmlns:p14="http://schemas.microsoft.com/office/powerpoint/2010/main" val="1445805806"/>
+        <p14:creationId xmlns:p14="http://schemas.microsoft.com/office/powerpoint/2010/main" val="3430040987"/>
       </p:ext>
     </p:extLst>
   </p:cSld>
@@ -3002,44 +2894,7 @@
           <a:bodyPr/>
           <a:lstStyle/>
           <a:p>
-            <a:r>
-              <a:rPr lang="en-GB" dirty="0"/>
-              <a:t>If you’re working on a document to submit to a journal, there are a number of things to bear in mind. Many journals have custom </a:t>
-            </a:r>
-            <a:r>
-              <a:rPr lang="en-GB" dirty="0" err="1"/>
-              <a:t>documentclasses</a:t>
-            </a:r>
-            <a:r>
-              <a:rPr lang="en-GB" dirty="0"/>
-              <a:t> which they make available and you can chose to use when submitting. Some journals might require you to use their </a:t>
-            </a:r>
-            <a:r>
-              <a:rPr lang="en-GB" dirty="0" err="1"/>
-              <a:t>documentclass</a:t>
-            </a:r>
-            <a:r>
-              <a:rPr lang="en-GB" dirty="0"/>
-              <a:t> when submitting.</a:t>
-            </a:r>
-            <a:br>
-              <a:rPr lang="en-GB" dirty="0"/>
-            </a:br>
-            <a:br>
-              <a:rPr lang="en-GB" dirty="0"/>
-            </a:br>
-            <a:r>
-              <a:rPr lang="en-GB" dirty="0"/>
-              <a:t>In many cases you can submit your LaTeX source files to the journal as well. This aids the typesetters at the journal in working on your document. For many journals, </a:t>
-            </a:r>
-            <a:r>
-              <a:rPr lang="en-GB" dirty="0" err="1"/>
-              <a:t>typsetters</a:t>
-            </a:r>
-            <a:r>
-              <a:rPr lang="en-GB" dirty="0"/>
-              <a:t> will alter your script substantially to make sure it fits the standards and style of the journal. This means that you don’t need to make your document look perfect when you submit it. You need it to be easily legible for the reviewers and editors to read, but spending days tweaking fine details might not be a good use of your time. Check the process and requirements of the journal you’re submitting to so you fulfil all their requirements but don’t put in effort that will ultimately be wasted.</a:t>
-            </a:r>
+            <a:endParaRPr lang="en-GB" dirty="0"/>
           </a:p>
         </p:txBody>
       </p:sp>
@@ -3069,7 +2924,7 @@
     </p:spTree>
     <p:extLst>
       <p:ext uri="{BB962C8B-B14F-4D97-AF65-F5344CB8AC3E}">
-        <p14:creationId xmlns:p14="http://schemas.microsoft.com/office/powerpoint/2010/main" val="3430040987"/>
+        <p14:creationId xmlns:p14="http://schemas.microsoft.com/office/powerpoint/2010/main" val="1492413823"/>
       </p:ext>
     </p:extLst>
   </p:cSld>
@@ -3098,90 +2953,6 @@
       </p:grpSpPr>
       <p:sp>
         <p:nvSpPr>
-          <p:cNvPr id="2" name="Slide Image Placeholder 1"/>
-          <p:cNvSpPr>
-            <a:spLocks noGrp="1" noRot="1" noChangeAspect="1"/>
-          </p:cNvSpPr>
-          <p:nvPr>
-            <p:ph type="sldImg"/>
-          </p:nvPr>
-        </p:nvSpPr>
-        <p:spPr/>
-      </p:sp>
-      <p:sp>
-        <p:nvSpPr>
-          <p:cNvPr id="3" name="Notes Placeholder 2"/>
-          <p:cNvSpPr>
-            <a:spLocks noGrp="1"/>
-          </p:cNvSpPr>
-          <p:nvPr>
-            <p:ph type="body" idx="1"/>
-          </p:nvPr>
-        </p:nvSpPr>
-        <p:spPr/>
-        <p:txBody>
-          <a:bodyPr/>
-          <a:lstStyle/>
-          <a:p>
-            <a:endParaRPr lang="en-GB" dirty="0"/>
-          </a:p>
-        </p:txBody>
-      </p:sp>
-      <p:sp>
-        <p:nvSpPr>
-          <p:cNvPr id="4" name="Slide Number Placeholder 3"/>
-          <p:cNvSpPr>
-            <a:spLocks noGrp="1"/>
-          </p:cNvSpPr>
-          <p:nvPr>
-            <p:ph type="sldNum" sz="quarter" idx="10"/>
-          </p:nvPr>
-        </p:nvSpPr>
-        <p:spPr/>
-        <p:txBody>
-          <a:bodyPr/>
-          <a:lstStyle/>
-          <a:p>
-            <a:fld id="{6A641EC8-C9F8-4A58-A1A7-F7D817526EEC}" type="slidenum">
-              <a:rPr lang="en-GB" smtClean="0"/>
-              <a:t>24</a:t>
-            </a:fld>
-            <a:endParaRPr lang="en-GB"/>
-          </a:p>
-        </p:txBody>
-      </p:sp>
-    </p:spTree>
-    <p:extLst>
-      <p:ext uri="{BB962C8B-B14F-4D97-AF65-F5344CB8AC3E}">
-        <p14:creationId xmlns:p14="http://schemas.microsoft.com/office/powerpoint/2010/main" val="1492413823"/>
-      </p:ext>
-    </p:extLst>
-  </p:cSld>
-  <p:clrMapOvr>
-    <a:masterClrMapping/>
-  </p:clrMapOvr>
-</p:notes>
-</file>
-
-<file path=ppt/notesSlides/notesSlide25.xml><?xml version="1.0" encoding="utf-8"?>
-<p:notes xmlns:a="http://schemas.openxmlformats.org/drawingml/2006/main" xmlns:r="http://schemas.openxmlformats.org/officeDocument/2006/relationships" xmlns:p="http://schemas.openxmlformats.org/presentationml/2006/main">
-  <p:cSld>
-    <p:spTree>
-      <p:nvGrpSpPr>
-        <p:cNvPr id="1" name=""/>
-        <p:cNvGrpSpPr/>
-        <p:nvPr/>
-      </p:nvGrpSpPr>
-      <p:grpSpPr>
-        <a:xfrm>
-          <a:off x="0" y="0"/>
-          <a:ext cx="0" cy="0"/>
-          <a:chOff x="0" y="0"/>
-          <a:chExt cx="0" cy="0"/>
-        </a:xfrm>
-      </p:grpSpPr>
-      <p:sp>
-        <p:nvSpPr>
           <p:cNvPr id="108546" name="Rectangle 7"/>
           <p:cNvSpPr>
             <a:spLocks noGrp="1" noChangeArrowheads="1"/>
@@ -3340,7 +3111,7 @@
                   <a:spcPct val="0"/>
                 </a:spcBef>
               </a:pPr>
-              <a:t>25</a:t>
+              <a:t>24</a:t>
             </a:fld>
             <a:endParaRPr lang="en-US" altLang="en-US"/>
           </a:p>
@@ -4673,7 +4444,7 @@
           <a:p>
             <a:fld id="{EB0080F8-EA1C-491D-963C-2C881B2F918F}" type="datetimeFigureOut">
               <a:rPr lang="en-GB" smtClean="0"/>
-              <a:t>20/04/2020</a:t>
+              <a:t>20/10/2020</a:t>
             </a:fld>
             <a:endParaRPr lang="en-GB"/>
           </a:p>
@@ -4823,7 +4594,7 @@
           <a:p>
             <a:fld id="{EB0080F8-EA1C-491D-963C-2C881B2F918F}" type="datetimeFigureOut">
               <a:rPr lang="en-GB" smtClean="0"/>
-              <a:t>20/04/2020</a:t>
+              <a:t>20/10/2020</a:t>
             </a:fld>
             <a:endParaRPr lang="en-GB"/>
           </a:p>
@@ -6356,7 +6127,7 @@
           <a:p>
             <a:fld id="{EB0080F8-EA1C-491D-963C-2C881B2F918F}" type="datetimeFigureOut">
               <a:rPr lang="en-GB" smtClean="0"/>
-              <a:t>20/04/2020</a:t>
+              <a:t>20/10/2020</a:t>
             </a:fld>
             <a:endParaRPr lang="en-GB"/>
           </a:p>
@@ -9960,7 +9731,7 @@
         <p:spPr>
           <a:xfrm>
             <a:off x="457200" y="1844063"/>
-            <a:ext cx="4190101" cy="4401205"/>
+            <a:ext cx="4190101" cy="4093428"/>
           </a:xfrm>
           <a:prstGeom prst="rect">
             <a:avLst/>
@@ -10104,58 +9875,6 @@
               <a:rPr lang="en-GB" sz="2000" dirty="0"/>
               <a:t>}</a:t>
             </a:r>
-          </a:p>
-          <a:p>
-            <a:br>
-              <a:rPr lang="en-GB" sz="2000" dirty="0"/>
-            </a:br>
-            <a:endParaRPr lang="en-GB" sz="2000" dirty="0"/>
-          </a:p>
-          <a:p>
-            <a:r>
-              <a:rPr lang="en-GB" sz="2000" dirty="0"/>
-              <a:t>...see </a:t>
-            </a:r>
-            <a:r>
-              <a:rPr lang="en-GB" sz="2000" dirty="0">
-                <a:solidFill>
-                  <a:schemeClr val="tx2">
-                    <a:lumMod val="50000"/>
-                    <a:lumOff val="50000"/>
-                  </a:schemeClr>
-                </a:solidFill>
-              </a:rPr>
-              <a:t>\</a:t>
-            </a:r>
-            <a:r>
-              <a:rPr lang="en-GB" sz="2000" dirty="0" err="1">
-                <a:solidFill>
-                  <a:schemeClr val="tx2">
-                    <a:lumMod val="50000"/>
-                    <a:lumOff val="50000"/>
-                  </a:schemeClr>
-                </a:solidFill>
-              </a:rPr>
-              <a:t>eqref</a:t>
-            </a:r>
-            <a:r>
-              <a:rPr lang="en-GB" sz="2000" dirty="0"/>
-              <a:t>{</a:t>
-            </a:r>
-            <a:r>
-              <a:rPr lang="en-GB" sz="2000" dirty="0">
-                <a:solidFill>
-                  <a:schemeClr val="accent4">
-                    <a:lumMod val="75000"/>
-                  </a:schemeClr>
-                </a:solidFill>
-              </a:rPr>
-              <a:t>keyword1</a:t>
-            </a:r>
-            <a:r>
-              <a:rPr lang="en-GB" sz="2000" dirty="0"/>
-              <a:t>}</a:t>
-            </a:r>
             <a:br>
               <a:rPr lang="en-GB" sz="2000" dirty="0"/>
             </a:br>
@@ -10248,14 +9967,102 @@
               <a:t>}</a:t>
             </a:r>
           </a:p>
+          <a:p>
+            <a:endParaRPr lang="en-GB" sz="2000" dirty="0"/>
+          </a:p>
+          <a:p>
+            <a:r>
+              <a:rPr lang="en-GB" sz="2000" dirty="0"/>
+              <a:t>...see </a:t>
+            </a:r>
+            <a:r>
+              <a:rPr lang="en-GB" sz="2000" dirty="0">
+                <a:solidFill>
+                  <a:schemeClr val="tx2">
+                    <a:lumMod val="50000"/>
+                    <a:lumOff val="50000"/>
+                  </a:schemeClr>
+                </a:solidFill>
+              </a:rPr>
+              <a:t>\</a:t>
+            </a:r>
+            <a:r>
+              <a:rPr lang="en-GB" sz="2000" dirty="0" err="1">
+                <a:solidFill>
+                  <a:schemeClr val="tx2">
+                    <a:lumMod val="50000"/>
+                    <a:lumOff val="50000"/>
+                  </a:schemeClr>
+                </a:solidFill>
+              </a:rPr>
+              <a:t>eqref</a:t>
+            </a:r>
+            <a:r>
+              <a:rPr lang="en-GB" sz="2000" dirty="0"/>
+              <a:t>{</a:t>
+            </a:r>
+            <a:r>
+              <a:rPr lang="en-GB" sz="2000" dirty="0">
+                <a:solidFill>
+                  <a:schemeClr val="accent4">
+                    <a:lumMod val="75000"/>
+                  </a:schemeClr>
+                </a:solidFill>
+              </a:rPr>
+              <a:t>keyword1</a:t>
+            </a:r>
+            <a:r>
+              <a:rPr lang="en-GB" sz="2000" dirty="0"/>
+              <a:t>}</a:t>
+            </a:r>
+          </a:p>
+        </p:txBody>
+      </p:sp>
+      <p:sp>
+        <p:nvSpPr>
+          <p:cNvPr id="6" name="TextBox 5">
+            <a:extLst>
+              <a:ext uri="{FF2B5EF4-FFF2-40B4-BE49-F238E27FC236}">
+                <a16:creationId xmlns:a16="http://schemas.microsoft.com/office/drawing/2014/main" id="{148088E0-FA71-469E-97F0-9EC955878AF6}"/>
+              </a:ext>
+            </a:extLst>
+          </p:cNvPr>
+          <p:cNvSpPr txBox="1"/>
+          <p:nvPr/>
+        </p:nvSpPr>
+        <p:spPr>
+          <a:xfrm>
+            <a:off x="7357241" y="6498021"/>
+            <a:ext cx="1697422" cy="369332"/>
+          </a:xfrm>
+          <a:prstGeom prst="rect">
+            <a:avLst/>
+          </a:prstGeom>
+          <a:noFill/>
+        </p:spPr>
+        <p:txBody>
+          <a:bodyPr wrap="square" rtlCol="0">
+            <a:spAutoFit/>
+          </a:bodyPr>
+          <a:lstStyle/>
+          <a:p>
+            <a:r>
+              <a:rPr lang="en-GB" dirty="0">
+                <a:solidFill>
+                  <a:schemeClr val="accent2"/>
+                </a:solidFill>
+              </a:rPr>
+              <a:t>Problem Sheet</a:t>
+            </a:r>
+          </a:p>
         </p:txBody>
       </p:sp>
       <p:pic>
         <p:nvPicPr>
-          <p:cNvPr id="4" name="Picture 3">
+          <p:cNvPr id="3" name="Picture 2">
             <a:extLst>
               <a:ext uri="{FF2B5EF4-FFF2-40B4-BE49-F238E27FC236}">
-                <a16:creationId xmlns:a16="http://schemas.microsoft.com/office/drawing/2014/main" id="{B8020C96-50B4-4565-A113-837AB0F4BBA9}"/>
+                <a16:creationId xmlns:a16="http://schemas.microsoft.com/office/drawing/2014/main" id="{89372AAC-BE38-4F5A-AC56-DBE110E0A753}"/>
               </a:ext>
             </a:extLst>
           </p:cNvPr>
@@ -10272,8 +10079,8 @@
         </p:blipFill>
         <p:spPr>
           <a:xfrm>
-            <a:off x="4630602" y="2990627"/>
-            <a:ext cx="4425687" cy="2108498"/>
+            <a:off x="4756076" y="2628899"/>
+            <a:ext cx="4006025" cy="2356485"/>
           </a:xfrm>
           <a:prstGeom prst="rect">
             <a:avLst/>
@@ -10395,45 +10202,6 @@
           <a:p>
             <a:pPr lvl="1"/>
             <a:endParaRPr lang="en-GB" sz="1600" dirty="0"/>
-          </a:p>
-        </p:txBody>
-      </p:sp>
-      <p:sp>
-        <p:nvSpPr>
-          <p:cNvPr id="4" name="TextBox 3">
-            <a:extLst>
-              <a:ext uri="{FF2B5EF4-FFF2-40B4-BE49-F238E27FC236}">
-                <a16:creationId xmlns:a16="http://schemas.microsoft.com/office/drawing/2014/main" id="{F3312C14-06E7-46C7-BF4D-2073D7393C80}"/>
-              </a:ext>
-            </a:extLst>
-          </p:cNvPr>
-          <p:cNvSpPr txBox="1"/>
-          <p:nvPr/>
-        </p:nvSpPr>
-        <p:spPr>
-          <a:xfrm>
-            <a:off x="7357241" y="6498021"/>
-            <a:ext cx="1697422" cy="369332"/>
-          </a:xfrm>
-          <a:prstGeom prst="rect">
-            <a:avLst/>
-          </a:prstGeom>
-          <a:noFill/>
-        </p:spPr>
-        <p:txBody>
-          <a:bodyPr wrap="square" rtlCol="0">
-            <a:spAutoFit/>
-          </a:bodyPr>
-          <a:lstStyle/>
-          <a:p>
-            <a:r>
-              <a:rPr lang="en-GB" dirty="0">
-                <a:solidFill>
-                  <a:schemeClr val="accent2"/>
-                </a:solidFill>
-              </a:rPr>
-              <a:t>Problem Sheet</a:t>
-            </a:r>
           </a:p>
         </p:txBody>
       </p:sp>
@@ -11667,551 +11435,6 @@
           <a:p>
             <a:r>
               <a:rPr lang="en-GB" sz="4000" dirty="0"/>
-              <a:t>Making a Title</a:t>
-            </a:r>
-          </a:p>
-        </p:txBody>
-      </p:sp>
-      <p:cxnSp>
-        <p:nvCxnSpPr>
-          <p:cNvPr id="11" name="Straight Connector 10"/>
-          <p:cNvCxnSpPr/>
-          <p:nvPr/>
-        </p:nvCxnSpPr>
-        <p:spPr>
-          <a:xfrm>
-            <a:off x="4572000" y="1417638"/>
-            <a:ext cx="0" cy="5440362"/>
-          </a:xfrm>
-          <a:prstGeom prst="line">
-            <a:avLst/>
-          </a:prstGeom>
-        </p:spPr>
-        <p:style>
-          <a:lnRef idx="2">
-            <a:schemeClr val="accent1"/>
-          </a:lnRef>
-          <a:fillRef idx="0">
-            <a:schemeClr val="accent1"/>
-          </a:fillRef>
-          <a:effectRef idx="1">
-            <a:schemeClr val="accent1"/>
-          </a:effectRef>
-          <a:fontRef idx="minor">
-            <a:schemeClr val="tx1"/>
-          </a:fontRef>
-        </p:style>
-      </p:cxnSp>
-      <p:sp>
-        <p:nvSpPr>
-          <p:cNvPr id="4" name="Rectangle 3"/>
-          <p:cNvSpPr/>
-          <p:nvPr/>
-        </p:nvSpPr>
-        <p:spPr>
-          <a:xfrm>
-            <a:off x="620973" y="1406503"/>
-            <a:ext cx="3843447" cy="5078313"/>
-          </a:xfrm>
-          <a:prstGeom prst="rect">
-            <a:avLst/>
-          </a:prstGeom>
-        </p:spPr>
-        <p:txBody>
-          <a:bodyPr wrap="square">
-            <a:spAutoFit/>
-          </a:bodyPr>
-          <a:lstStyle/>
-          <a:p>
-            <a:r>
-              <a:rPr lang="en-GB" dirty="0">
-                <a:solidFill>
-                  <a:schemeClr val="tx2">
-                    <a:lumMod val="50000"/>
-                    <a:lumOff val="50000"/>
-                  </a:schemeClr>
-                </a:solidFill>
-              </a:rPr>
-              <a:t>\begin</a:t>
-            </a:r>
-            <a:r>
-              <a:rPr lang="en-GB" dirty="0"/>
-              <a:t>{</a:t>
-            </a:r>
-            <a:r>
-              <a:rPr lang="en-GB" dirty="0" err="1">
-                <a:solidFill>
-                  <a:schemeClr val="accent4">
-                    <a:lumMod val="75000"/>
-                  </a:schemeClr>
-                </a:solidFill>
-              </a:rPr>
-              <a:t>titlepage</a:t>
-            </a:r>
-            <a:r>
-              <a:rPr lang="en-GB" dirty="0"/>
-              <a:t>}</a:t>
-            </a:r>
-          </a:p>
-          <a:p>
-            <a:endParaRPr lang="en-GB" dirty="0"/>
-          </a:p>
-          <a:p>
-            <a:r>
-              <a:rPr lang="en-GB" dirty="0">
-                <a:solidFill>
-                  <a:schemeClr val="tx2">
-                    <a:lumMod val="50000"/>
-                    <a:lumOff val="50000"/>
-                  </a:schemeClr>
-                </a:solidFill>
-              </a:rPr>
-              <a:t>\begin</a:t>
-            </a:r>
-            <a:r>
-              <a:rPr lang="en-GB" dirty="0"/>
-              <a:t>{</a:t>
-            </a:r>
-            <a:r>
-              <a:rPr lang="en-GB" dirty="0" err="1">
-                <a:solidFill>
-                  <a:schemeClr val="accent4">
-                    <a:lumMod val="75000"/>
-                  </a:schemeClr>
-                </a:solidFill>
-              </a:rPr>
-              <a:t>flushright</a:t>
-            </a:r>
-            <a:r>
-              <a:rPr lang="en-GB" dirty="0"/>
-              <a:t>}</a:t>
-            </a:r>
-          </a:p>
-          <a:p>
-            <a:r>
-              <a:rPr lang="en-GB" dirty="0"/>
-              <a:t>right</a:t>
-            </a:r>
-          </a:p>
-          <a:p>
-            <a:r>
-              <a:rPr lang="en-GB" dirty="0">
-                <a:solidFill>
-                  <a:schemeClr val="tx2">
-                    <a:lumMod val="50000"/>
-                    <a:lumOff val="50000"/>
-                  </a:schemeClr>
-                </a:solidFill>
-              </a:rPr>
-              <a:t>\end</a:t>
-            </a:r>
-            <a:r>
-              <a:rPr lang="en-GB" dirty="0"/>
-              <a:t>{</a:t>
-            </a:r>
-            <a:r>
-              <a:rPr lang="en-GB" dirty="0" err="1">
-                <a:solidFill>
-                  <a:schemeClr val="accent4">
-                    <a:lumMod val="75000"/>
-                  </a:schemeClr>
-                </a:solidFill>
-              </a:rPr>
-              <a:t>flushright</a:t>
-            </a:r>
-            <a:r>
-              <a:rPr lang="en-GB" dirty="0"/>
-              <a:t>}</a:t>
-            </a:r>
-          </a:p>
-          <a:p>
-            <a:r>
-              <a:rPr lang="en-GB" dirty="0">
-                <a:solidFill>
-                  <a:schemeClr val="tx2">
-                    <a:lumMod val="50000"/>
-                    <a:lumOff val="50000"/>
-                  </a:schemeClr>
-                </a:solidFill>
-              </a:rPr>
-              <a:t>\</a:t>
-            </a:r>
-            <a:r>
-              <a:rPr lang="en-GB" dirty="0" err="1">
-                <a:solidFill>
-                  <a:schemeClr val="tx2">
-                    <a:lumMod val="50000"/>
-                    <a:lumOff val="50000"/>
-                  </a:schemeClr>
-                </a:solidFill>
-              </a:rPr>
-              <a:t>vspace</a:t>
-            </a:r>
-            <a:r>
-              <a:rPr lang="en-GB" dirty="0"/>
-              <a:t>{5cm}</a:t>
-            </a:r>
-          </a:p>
-          <a:p>
-            <a:r>
-              <a:rPr lang="en-GB" dirty="0">
-                <a:solidFill>
-                  <a:schemeClr val="tx2">
-                    <a:lumMod val="50000"/>
-                    <a:lumOff val="50000"/>
-                  </a:schemeClr>
-                </a:solidFill>
-              </a:rPr>
-              <a:t>\</a:t>
-            </a:r>
-            <a:r>
-              <a:rPr lang="en-GB" dirty="0" err="1">
-                <a:solidFill>
-                  <a:schemeClr val="tx2">
-                    <a:lumMod val="50000"/>
-                    <a:lumOff val="50000"/>
-                  </a:schemeClr>
-                </a:solidFill>
-              </a:rPr>
-              <a:t>includegraphics</a:t>
-            </a:r>
-            <a:r>
-              <a:rPr lang="en-GB" dirty="0"/>
-              <a:t>[width=5cm]{</a:t>
-            </a:r>
-            <a:r>
-              <a:rPr lang="en-GB" dirty="0" err="1"/>
-              <a:t>Cat_Box</a:t>
-            </a:r>
-            <a:r>
-              <a:rPr lang="en-GB" dirty="0"/>
-              <a:t>}</a:t>
-            </a:r>
-          </a:p>
-          <a:p>
-            <a:r>
-              <a:rPr lang="en-GB" dirty="0">
-                <a:solidFill>
-                  <a:schemeClr val="tx2">
-                    <a:lumMod val="50000"/>
-                    <a:lumOff val="50000"/>
-                  </a:schemeClr>
-                </a:solidFill>
-              </a:rPr>
-              <a:t>\begin</a:t>
-            </a:r>
-            <a:r>
-              <a:rPr lang="en-GB" dirty="0"/>
-              <a:t>{</a:t>
-            </a:r>
-            <a:r>
-              <a:rPr lang="en-GB" dirty="0" err="1">
-                <a:solidFill>
-                  <a:schemeClr val="accent4">
-                    <a:lumMod val="75000"/>
-                  </a:schemeClr>
-                </a:solidFill>
-              </a:rPr>
-              <a:t>center</a:t>
-            </a:r>
-            <a:r>
-              <a:rPr lang="en-GB" dirty="0"/>
-              <a:t>}</a:t>
-            </a:r>
-          </a:p>
-          <a:p>
-            <a:r>
-              <a:rPr lang="en-GB" dirty="0" err="1"/>
-              <a:t>center</a:t>
-            </a:r>
-            <a:endParaRPr lang="en-GB" dirty="0"/>
-          </a:p>
-          <a:p>
-            <a:r>
-              <a:rPr lang="en-GB" dirty="0">
-                <a:solidFill>
-                  <a:schemeClr val="tx2">
-                    <a:lumMod val="50000"/>
-                    <a:lumOff val="50000"/>
-                  </a:schemeClr>
-                </a:solidFill>
-              </a:rPr>
-              <a:t>\end</a:t>
-            </a:r>
-            <a:r>
-              <a:rPr lang="en-GB" dirty="0"/>
-              <a:t>{</a:t>
-            </a:r>
-            <a:r>
-              <a:rPr lang="en-GB" dirty="0" err="1">
-                <a:solidFill>
-                  <a:schemeClr val="accent4">
-                    <a:lumMod val="75000"/>
-                  </a:schemeClr>
-                </a:solidFill>
-              </a:rPr>
-              <a:t>center</a:t>
-            </a:r>
-            <a:r>
-              <a:rPr lang="en-GB" dirty="0"/>
-              <a:t>}</a:t>
-            </a:r>
-          </a:p>
-          <a:p>
-            <a:endParaRPr lang="en-GB" dirty="0">
-              <a:solidFill>
-                <a:schemeClr val="tx2">
-                  <a:lumMod val="50000"/>
-                  <a:lumOff val="50000"/>
-                </a:schemeClr>
-              </a:solidFill>
-            </a:endParaRPr>
-          </a:p>
-          <a:p>
-            <a:r>
-              <a:rPr lang="en-GB" dirty="0">
-                <a:solidFill>
-                  <a:schemeClr val="tx2">
-                    <a:lumMod val="50000"/>
-                    <a:lumOff val="50000"/>
-                  </a:schemeClr>
-                </a:solidFill>
-              </a:rPr>
-              <a:t>\begin</a:t>
-            </a:r>
-            <a:r>
-              <a:rPr lang="en-GB" dirty="0"/>
-              <a:t>{</a:t>
-            </a:r>
-            <a:r>
-              <a:rPr lang="en-GB" dirty="0" err="1">
-                <a:solidFill>
-                  <a:schemeClr val="accent4">
-                    <a:lumMod val="75000"/>
-                  </a:schemeClr>
-                </a:solidFill>
-              </a:rPr>
-              <a:t>flushleft</a:t>
-            </a:r>
-            <a:r>
-              <a:rPr lang="en-GB" dirty="0"/>
-              <a:t>}</a:t>
-            </a:r>
-          </a:p>
-          <a:p>
-            <a:r>
-              <a:rPr lang="en-GB" dirty="0"/>
-              <a:t>left</a:t>
-            </a:r>
-          </a:p>
-          <a:p>
-            <a:r>
-              <a:rPr lang="en-GB" dirty="0">
-                <a:solidFill>
-                  <a:schemeClr val="tx2">
-                    <a:lumMod val="50000"/>
-                    <a:lumOff val="50000"/>
-                  </a:schemeClr>
-                </a:solidFill>
-              </a:rPr>
-              <a:t>\end</a:t>
-            </a:r>
-            <a:r>
-              <a:rPr lang="en-GB" dirty="0"/>
-              <a:t>{</a:t>
-            </a:r>
-            <a:r>
-              <a:rPr lang="en-GB" dirty="0" err="1">
-                <a:solidFill>
-                  <a:schemeClr val="accent4">
-                    <a:lumMod val="75000"/>
-                  </a:schemeClr>
-                </a:solidFill>
-              </a:rPr>
-              <a:t>flushleft</a:t>
-            </a:r>
-            <a:r>
-              <a:rPr lang="en-GB" dirty="0"/>
-              <a:t>}</a:t>
-            </a:r>
-          </a:p>
-          <a:p>
-            <a:endParaRPr lang="en-GB" dirty="0">
-              <a:solidFill>
-                <a:schemeClr val="tx2">
-                  <a:lumMod val="50000"/>
-                  <a:lumOff val="50000"/>
-                </a:schemeClr>
-              </a:solidFill>
-            </a:endParaRPr>
-          </a:p>
-          <a:p>
-            <a:r>
-              <a:rPr lang="en-GB" dirty="0">
-                <a:solidFill>
-                  <a:schemeClr val="accent1"/>
-                </a:solidFill>
-              </a:rPr>
-              <a:t>\today</a:t>
-            </a:r>
-          </a:p>
-          <a:p>
-            <a:r>
-              <a:rPr lang="en-GB" dirty="0">
-                <a:solidFill>
-                  <a:schemeClr val="tx2">
-                    <a:lumMod val="50000"/>
-                    <a:lumOff val="50000"/>
-                  </a:schemeClr>
-                </a:solidFill>
-              </a:rPr>
-              <a:t>\end</a:t>
-            </a:r>
-            <a:r>
-              <a:rPr lang="en-GB" dirty="0"/>
-              <a:t>{</a:t>
-            </a:r>
-            <a:r>
-              <a:rPr lang="en-GB" dirty="0" err="1">
-                <a:solidFill>
-                  <a:schemeClr val="accent4">
-                    <a:lumMod val="75000"/>
-                  </a:schemeClr>
-                </a:solidFill>
-              </a:rPr>
-              <a:t>titlepage</a:t>
-            </a:r>
-            <a:r>
-              <a:rPr lang="en-GB" dirty="0"/>
-              <a:t>}</a:t>
-            </a:r>
-          </a:p>
-        </p:txBody>
-      </p:sp>
-      <p:pic>
-        <p:nvPicPr>
-          <p:cNvPr id="14" name="Picture 13">
-            <a:extLst>
-              <a:ext uri="{FF2B5EF4-FFF2-40B4-BE49-F238E27FC236}">
-                <a16:creationId xmlns:a16="http://schemas.microsoft.com/office/drawing/2014/main" id="{C9909296-7A96-4628-82EF-A4C6F3DFB9C8}"/>
-              </a:ext>
-            </a:extLst>
-          </p:cNvPr>
-          <p:cNvPicPr>
-            <a:picLocks noChangeAspect="1"/>
-          </p:cNvPicPr>
-          <p:nvPr/>
-        </p:nvPicPr>
-        <p:blipFill>
-          <a:blip r:embed="rId3"/>
-          <a:stretch>
-            <a:fillRect/>
-          </a:stretch>
-        </p:blipFill>
-        <p:spPr>
-          <a:xfrm>
-            <a:off x="5002392" y="1431085"/>
-            <a:ext cx="3684408" cy="5053731"/>
-          </a:xfrm>
-          <a:prstGeom prst="rect">
-            <a:avLst/>
-          </a:prstGeom>
-        </p:spPr>
-      </p:pic>
-      <p:sp>
-        <p:nvSpPr>
-          <p:cNvPr id="6" name="TextBox 5">
-            <a:extLst>
-              <a:ext uri="{FF2B5EF4-FFF2-40B4-BE49-F238E27FC236}">
-                <a16:creationId xmlns:a16="http://schemas.microsoft.com/office/drawing/2014/main" id="{3A91B9AD-3C5E-47C0-B69F-91AD9FD2B7F0}"/>
-              </a:ext>
-            </a:extLst>
-          </p:cNvPr>
-          <p:cNvSpPr txBox="1"/>
-          <p:nvPr/>
-        </p:nvSpPr>
-        <p:spPr>
-          <a:xfrm>
-            <a:off x="7357241" y="6498021"/>
-            <a:ext cx="1697422" cy="369332"/>
-          </a:xfrm>
-          <a:prstGeom prst="rect">
-            <a:avLst/>
-          </a:prstGeom>
-          <a:noFill/>
-        </p:spPr>
-        <p:txBody>
-          <a:bodyPr wrap="square" rtlCol="0">
-            <a:spAutoFit/>
-          </a:bodyPr>
-          <a:lstStyle/>
-          <a:p>
-            <a:r>
-              <a:rPr lang="en-GB" dirty="0">
-                <a:solidFill>
-                  <a:schemeClr val="accent2"/>
-                </a:solidFill>
-              </a:rPr>
-              <a:t>Problem Sheet</a:t>
-            </a:r>
-          </a:p>
-        </p:txBody>
-      </p:sp>
-    </p:spTree>
-    <p:extLst>
-      <p:ext uri="{BB962C8B-B14F-4D97-AF65-F5344CB8AC3E}">
-        <p14:creationId xmlns:p14="http://schemas.microsoft.com/office/powerpoint/2010/main" val="2691561616"/>
-      </p:ext>
-    </p:extLst>
-  </p:cSld>
-  <p:clrMapOvr>
-    <a:masterClrMapping/>
-  </p:clrMapOvr>
-  <mc:AlternateContent xmlns:mc="http://schemas.openxmlformats.org/markup-compatibility/2006" xmlns:p14="http://schemas.microsoft.com/office/powerpoint/2010/main">
-    <mc:Choice Requires="p14">
-      <p:transition p14:dur="10"/>
-    </mc:Choice>
-    <mc:Fallback xmlns="">
-      <p:transition/>
-    </mc:Fallback>
-  </mc:AlternateContent>
-</p:sld>
-</file>
-
-<file path=ppt/slides/slide21.xml><?xml version="1.0" encoding="utf-8"?>
-<p:sld xmlns:a="http://schemas.openxmlformats.org/drawingml/2006/main" xmlns:r="http://schemas.openxmlformats.org/officeDocument/2006/relationships" xmlns:p="http://schemas.openxmlformats.org/presentationml/2006/main">
-  <p:cSld>
-    <p:spTree>
-      <p:nvGrpSpPr>
-        <p:cNvPr id="1" name=""/>
-        <p:cNvGrpSpPr/>
-        <p:nvPr/>
-      </p:nvGrpSpPr>
-      <p:grpSpPr>
-        <a:xfrm>
-          <a:off x="0" y="0"/>
-          <a:ext cx="0" cy="0"/>
-          <a:chOff x="0" y="0"/>
-          <a:chExt cx="0" cy="0"/>
-        </a:xfrm>
-      </p:grpSpPr>
-      <p:sp>
-        <p:nvSpPr>
-          <p:cNvPr id="2" name="Title 1"/>
-          <p:cNvSpPr>
-            <a:spLocks noGrp="1"/>
-          </p:cNvSpPr>
-          <p:nvPr>
-            <p:ph type="title"/>
-          </p:nvPr>
-        </p:nvSpPr>
-        <p:spPr/>
-        <p:txBody>
-          <a:bodyPr/>
-          <a:lstStyle/>
-          <a:p>
-            <a:r>
-              <a:rPr lang="en-GB" sz="4000" dirty="0"/>
               <a:t>LaTeX Errors</a:t>
             </a:r>
           </a:p>
@@ -12307,7 +11530,7 @@
 </p:sld>
 </file>
 
-<file path=ppt/slides/slide22.xml><?xml version="1.0" encoding="utf-8"?>
+<file path=ppt/slides/slide21.xml><?xml version="1.0" encoding="utf-8"?>
 <p:sld xmlns:a="http://schemas.openxmlformats.org/drawingml/2006/main" xmlns:r="http://schemas.openxmlformats.org/officeDocument/2006/relationships" xmlns:p="http://schemas.openxmlformats.org/presentationml/2006/main">
   <p:cSld>
     <p:spTree>
@@ -12529,7 +11752,7 @@
 </p:sld>
 </file>
 
-<file path=ppt/slides/slide23.xml><?xml version="1.0" encoding="utf-8"?>
+<file path=ppt/slides/slide22.xml><?xml version="1.0" encoding="utf-8"?>
 <p:sld xmlns:a="http://schemas.openxmlformats.org/drawingml/2006/main" xmlns:r="http://schemas.openxmlformats.org/officeDocument/2006/relationships" xmlns:p="http://schemas.openxmlformats.org/presentationml/2006/main">
   <p:cSld>
     <p:spTree>
@@ -12653,7 +11876,7 @@
 </p:sld>
 </file>
 
-<file path=ppt/slides/slide24.xml><?xml version="1.0" encoding="utf-8"?>
+<file path=ppt/slides/slide23.xml><?xml version="1.0" encoding="utf-8"?>
 <p:sld xmlns:a="http://schemas.openxmlformats.org/drawingml/2006/main" xmlns:r="http://schemas.openxmlformats.org/officeDocument/2006/relationships" xmlns:p="http://schemas.openxmlformats.org/presentationml/2006/main">
   <p:cSld>
     <p:spTree>
@@ -12773,7 +11996,7 @@
 </p:sld>
 </file>
 
-<file path=ppt/slides/slide25.xml><?xml version="1.0" encoding="utf-8"?>
+<file path=ppt/slides/slide24.xml><?xml version="1.0" encoding="utf-8"?>
 <p:sld xmlns:a="http://schemas.openxmlformats.org/drawingml/2006/main" xmlns:r="http://schemas.openxmlformats.org/officeDocument/2006/relationships" xmlns:p="http://schemas.openxmlformats.org/presentationml/2006/main">
   <p:cSld>
     <p:spTree>

--- a/Intro to Latex Slides.pptx
+++ b/Intro to Latex Slides.pptx
@@ -436,7 +436,7 @@
           <a:p>
             <a:fld id="{88EB714B-C3CC-4216-88C1-02913905B1CF}" type="datetimeFigureOut">
               <a:rPr lang="en-GB" smtClean="0"/>
-              <a:t>20/10/2020</a:t>
+              <a:t>27/10/2020</a:t>
             </a:fld>
             <a:endParaRPr lang="en-GB"/>
           </a:p>
@@ -4444,7 +4444,7 @@
           <a:p>
             <a:fld id="{EB0080F8-EA1C-491D-963C-2C881B2F918F}" type="datetimeFigureOut">
               <a:rPr lang="en-GB" smtClean="0"/>
-              <a:t>20/10/2020</a:t>
+              <a:t>27/10/2020</a:t>
             </a:fld>
             <a:endParaRPr lang="en-GB"/>
           </a:p>
@@ -4594,7 +4594,7 @@
           <a:p>
             <a:fld id="{EB0080F8-EA1C-491D-963C-2C881B2F918F}" type="datetimeFigureOut">
               <a:rPr lang="en-GB" smtClean="0"/>
-              <a:t>20/10/2020</a:t>
+              <a:t>27/10/2020</a:t>
             </a:fld>
             <a:endParaRPr lang="en-GB"/>
           </a:p>
@@ -6127,7 +6127,7 @@
           <a:p>
             <a:fld id="{EB0080F8-EA1C-491D-963C-2C881B2F918F}" type="datetimeFigureOut">
               <a:rPr lang="en-GB" smtClean="0"/>
-              <a:t>20/10/2020</a:t>
+              <a:t>27/10/2020</a:t>
             </a:fld>
             <a:endParaRPr lang="en-GB"/>
           </a:p>
@@ -11949,10 +11949,14 @@
               <a:t>The link is </a:t>
             </a:r>
             <a:r>
-              <a:rPr lang="en-GB" sz="2600" dirty="0">
+              <a:rPr lang="en-GB" sz="2600" b="0" i="0" u="sng" dirty="0">
+                <a:solidFill>
+                  <a:srgbClr val="954F72"/>
+                </a:solidFill>
+                <a:effectLst/>
                 <a:hlinkClick r:id="rId3"/>
               </a:rPr>
-              <a:t>http://bit.ly/computingdatascience1920</a:t>
+              <a:t>http://bit.ly/rcds2021</a:t>
             </a:r>
             <a:endParaRPr lang="en-GB" sz="2600" dirty="0"/>
           </a:p>

--- a/Intro to Latex Slides.pptx
+++ b/Intro to Latex Slides.pptx
@@ -436,7 +436,7 @@
           <a:p>
             <a:fld id="{88EB714B-C3CC-4216-88C1-02913905B1CF}" type="datetimeFigureOut">
               <a:rPr lang="en-GB" smtClean="0"/>
-              <a:t>27/10/2020</a:t>
+              <a:t>13/01/2021</a:t>
             </a:fld>
             <a:endParaRPr lang="en-GB"/>
           </a:p>
@@ -4444,7 +4444,7 @@
           <a:p>
             <a:fld id="{EB0080F8-EA1C-491D-963C-2C881B2F918F}" type="datetimeFigureOut">
               <a:rPr lang="en-GB" smtClean="0"/>
-              <a:t>27/10/2020</a:t>
+              <a:t>13/01/2021</a:t>
             </a:fld>
             <a:endParaRPr lang="en-GB"/>
           </a:p>
@@ -4594,7 +4594,7 @@
           <a:p>
             <a:fld id="{EB0080F8-EA1C-491D-963C-2C881B2F918F}" type="datetimeFigureOut">
               <a:rPr lang="en-GB" smtClean="0"/>
-              <a:t>27/10/2020</a:t>
+              <a:t>13/01/2021</a:t>
             </a:fld>
             <a:endParaRPr lang="en-GB"/>
           </a:p>
@@ -6127,7 +6127,7 @@
           <a:p>
             <a:fld id="{EB0080F8-EA1C-491D-963C-2C881B2F918F}" type="datetimeFigureOut">
               <a:rPr lang="en-GB" smtClean="0"/>
-              <a:t>27/10/2020</a:t>
+              <a:t>13/01/2021</a:t>
             </a:fld>
             <a:endParaRPr lang="en-GB"/>
           </a:p>
@@ -9400,21 +9400,13 @@
             </a:r>
             <a:r>
               <a:rPr lang="en-GB" sz="2400" dirty="0"/>
-              <a:t>}{ l | c </a:t>
-            </a:r>
-            <a:r>
-              <a:rPr lang="en-GB" sz="2400" dirty="0" err="1"/>
-              <a:t>c</a:t>
-            </a:r>
+              <a:t>}{ l |  c  r }</a:t>
+            </a:r>
+          </a:p>
+          <a:p>
             <a:r>
               <a:rPr lang="en-GB" sz="2400" dirty="0"/>
-              <a:t> }    </a:t>
-            </a:r>
-          </a:p>
-          <a:p>
-            <a:r>
-              <a:rPr lang="en-GB" sz="2400" dirty="0"/>
-              <a:t>      	&amp;  X  &amp;  Y  </a:t>
+              <a:t>      	&amp; Column A	&amp; B</a:t>
             </a:r>
             <a:r>
               <a:rPr lang="en-GB" sz="2400" dirty="0">
@@ -9449,15 +9441,7 @@
           <a:p>
             <a:r>
               <a:rPr lang="en-GB" sz="2400" dirty="0"/>
-              <a:t>    A	&amp;  </a:t>
-            </a:r>
-            <a:r>
-              <a:rPr lang="en-GB" sz="2400" dirty="0" err="1"/>
-              <a:t>ax</a:t>
-            </a:r>
-            <a:r>
-              <a:rPr lang="en-GB" sz="2400" dirty="0"/>
-              <a:t>  &amp; ay  </a:t>
+              <a:t>    Row 1	&amp; 	&amp; C </a:t>
             </a:r>
             <a:r>
               <a:rPr lang="en-GB" sz="2400" dirty="0">
@@ -9474,18 +9458,8 @@
           <a:p>
             <a:r>
               <a:rPr lang="en-GB" sz="2400" dirty="0"/>
-              <a:t>    B	&amp;  </a:t>
-            </a:r>
-            <a:r>
-              <a:rPr lang="en-GB" sz="2400" dirty="0" err="1"/>
-              <a:t>bx</a:t>
-            </a:r>
-            <a:r>
-              <a:rPr lang="en-GB" sz="2400" dirty="0"/>
-              <a:t>  &amp; by </a:t>
-            </a:r>
-          </a:p>
-          <a:p>
+              <a:t>    2	&amp; D	&amp; Big cell</a:t>
+            </a:r>
             <a:r>
               <a:rPr lang="en-GB" sz="2400" dirty="0">
                 <a:solidFill>
@@ -9557,12 +9531,51 @@
           </a:p>
         </p:txBody>
       </p:sp>
+      <p:sp>
+        <p:nvSpPr>
+          <p:cNvPr id="6" name="TextBox 5">
+            <a:extLst>
+              <a:ext uri="{FF2B5EF4-FFF2-40B4-BE49-F238E27FC236}">
+                <a16:creationId xmlns:a16="http://schemas.microsoft.com/office/drawing/2014/main" id="{6C21A305-CB6A-402B-9431-49E2CBF07E9D}"/>
+              </a:ext>
+            </a:extLst>
+          </p:cNvPr>
+          <p:cNvSpPr txBox="1"/>
+          <p:nvPr/>
+        </p:nvSpPr>
+        <p:spPr>
+          <a:xfrm>
+            <a:off x="7357241" y="6498021"/>
+            <a:ext cx="1697422" cy="369332"/>
+          </a:xfrm>
+          <a:prstGeom prst="rect">
+            <a:avLst/>
+          </a:prstGeom>
+          <a:noFill/>
+        </p:spPr>
+        <p:txBody>
+          <a:bodyPr wrap="square" rtlCol="0">
+            <a:spAutoFit/>
+          </a:bodyPr>
+          <a:lstStyle/>
+          <a:p>
+            <a:r>
+              <a:rPr lang="en-GB" dirty="0">
+                <a:solidFill>
+                  <a:schemeClr val="accent2"/>
+                </a:solidFill>
+              </a:rPr>
+              <a:t>Problem Sheet</a:t>
+            </a:r>
+          </a:p>
+        </p:txBody>
+      </p:sp>
       <p:pic>
         <p:nvPicPr>
-          <p:cNvPr id="8" name="Picture 7">
+          <p:cNvPr id="5" name="Picture 4">
             <a:extLst>
               <a:ext uri="{FF2B5EF4-FFF2-40B4-BE49-F238E27FC236}">
-                <a16:creationId xmlns:a16="http://schemas.microsoft.com/office/drawing/2014/main" id="{3E8941E6-38B3-4FBC-8113-81501DC267E6}"/>
+                <a16:creationId xmlns:a16="http://schemas.microsoft.com/office/drawing/2014/main" id="{1D7E3869-0666-4A0A-8502-E7FC4F98CAA6}"/>
               </a:ext>
             </a:extLst>
           </p:cNvPr>
@@ -9579,53 +9592,14 @@
         </p:blipFill>
         <p:spPr>
           <a:xfrm>
-            <a:off x="4980795" y="2078341"/>
-            <a:ext cx="3939630" cy="2701318"/>
+            <a:off x="4876125" y="3125010"/>
+            <a:ext cx="3909167" cy="1187195"/>
           </a:xfrm>
           <a:prstGeom prst="rect">
             <a:avLst/>
           </a:prstGeom>
         </p:spPr>
       </p:pic>
-      <p:sp>
-        <p:nvSpPr>
-          <p:cNvPr id="6" name="TextBox 5">
-            <a:extLst>
-              <a:ext uri="{FF2B5EF4-FFF2-40B4-BE49-F238E27FC236}">
-                <a16:creationId xmlns:a16="http://schemas.microsoft.com/office/drawing/2014/main" id="{6C21A305-CB6A-402B-9431-49E2CBF07E9D}"/>
-              </a:ext>
-            </a:extLst>
-          </p:cNvPr>
-          <p:cNvSpPr txBox="1"/>
-          <p:nvPr/>
-        </p:nvSpPr>
-        <p:spPr>
-          <a:xfrm>
-            <a:off x="7357241" y="6498021"/>
-            <a:ext cx="1697422" cy="369332"/>
-          </a:xfrm>
-          <a:prstGeom prst="rect">
-            <a:avLst/>
-          </a:prstGeom>
-          <a:noFill/>
-        </p:spPr>
-        <p:txBody>
-          <a:bodyPr wrap="square" rtlCol="0">
-            <a:spAutoFit/>
-          </a:bodyPr>
-          <a:lstStyle/>
-          <a:p>
-            <a:r>
-              <a:rPr lang="en-GB" dirty="0">
-                <a:solidFill>
-                  <a:schemeClr val="accent2"/>
-                </a:solidFill>
-              </a:rPr>
-              <a:t>Problem Sheet</a:t>
-            </a:r>
-          </a:p>
-        </p:txBody>
-      </p:sp>
     </p:spTree>
     <p:extLst>
       <p:ext uri="{BB962C8B-B14F-4D97-AF65-F5344CB8AC3E}">
@@ -10523,7 +10497,7 @@
                     </a:schemeClr>
                   </a:solidFill>
                 </a:rPr>
-                <a:t>Rowling_1997</a:t>
+                <a:t>rowling_1997</a:t>
               </a:r>
               <a:r>
                 <a:rPr lang="en-GB" sz="2000" dirty="0"/>

--- a/Intro to Latex Slides.pptx
+++ b/Intro to Latex Slides.pptx
@@ -436,7 +436,7 @@
           <a:p>
             <a:fld id="{88EB714B-C3CC-4216-88C1-02913905B1CF}" type="datetimeFigureOut">
               <a:rPr lang="en-GB" smtClean="0"/>
-              <a:t>13/01/2021</a:t>
+              <a:t>11/02/2021</a:t>
             </a:fld>
             <a:endParaRPr lang="en-GB"/>
           </a:p>
@@ -1005,15 +1005,7 @@
             </a:r>
             <a:r>
               <a:rPr lang="en-GB" dirty="0"/>
-              <a:t> and numbered lists can be created easily in LaTeX using the “itemize” and “enumerate” commands respectively. In each case the environment is begun and ended using the “begin” and “end” commands. New items belonging to the list are then </a:t>
-            </a:r>
-            <a:r>
-              <a:rPr lang="en-GB" dirty="0" err="1"/>
-              <a:t>signfied</a:t>
-            </a:r>
-            <a:r>
-              <a:rPr lang="en-GB" dirty="0"/>
-              <a:t> using the “item” command which is followed by the text associated with that item.</a:t>
+              <a:t> and numbered lists can be created easily in LaTeX using the “itemize” and “enumerate” commands respectively. In each case the environment is begun and ended using the “begin” and “end” commands. New items belonging to the list are then signified using the “item” command which is followed by the text associated with that item.</a:t>
             </a:r>
           </a:p>
           <a:p>
@@ -1554,7 +1546,7 @@
             </a:br>
             <a:r>
               <a:rPr lang="en-GB" dirty="0"/>
-              <a:t>The “begin figure” command tells LaTeX you’re about to use a figure. The “t” in square brackets is an optional argument which tells LaTeX where you would like to put the figure. In this case, you’re asking for the figure to be put on the top of the next page if possible. Conflicts can occur, such as when multiple figures are requested to be included at the same location. LaTeX will do its best to position figures conforming to the locations you’ve specified and also to try and reduce the amount of white space in the document.</a:t>
+              <a:t>The “\begin{figure}” command tells LaTeX you’re about to define a figure. The “t” in square brackets is an optional argument which tells LaTeX where you would like to put the figure. In this case, you’re asking for the figure to be put on the top of the next page if possible. Conflicts can occur, such as when multiple figures are requested to be included at the same location. LaTeX will do its best to position figures conforming to the locations you’ve specified and also to try and reduce the amount of white space in the document.</a:t>
             </a:r>
           </a:p>
           <a:p>
@@ -1597,7 +1589,7 @@
             </a:r>
             <a:r>
               <a:rPr lang="en-GB" dirty="0"/>
-              <a:t>” in this case. By default, this file should be in the same directory as your .</a:t>
+              <a:t>” in this case. Note the file extension is excluded – LaTeX will search for standard image files, e.g. Cat_Box.jpg, Cat_Box.png, etc. By default, this file should be in the same directory as your .</a:t>
             </a:r>
             <a:r>
               <a:rPr lang="en-GB" dirty="0" err="1"/>
@@ -1623,7 +1615,7 @@
           <a:p>
             <a:r>
               <a:rPr lang="en-GB" dirty="0"/>
-              <a:t>Finally, the “end figure” command ends the specification of the figure.</a:t>
+              <a:t>Finally, the “\end{figure}” command ends the specification of the figure.</a:t>
             </a:r>
             <a:br>
               <a:rPr lang="en-GB" dirty="0"/>
@@ -1729,7 +1721,7 @@
           <a:p>
             <a:r>
               <a:rPr lang="en-GB" dirty="0"/>
-              <a:t>Tables can be included in LaTeX documents in a similar way to figures. The first command “begin table” tells LaTeX to expect a table. In this case, we’ve chosen to include a “h” in square brackets to tell LaTeX to put the table as close as possible to the location it’s been specified in the text. Again, the “</a:t>
+              <a:t>Tables can be included in LaTeX documents in a similar way to figures. The first command “\begin{table}” tells LaTeX to expect a table. In this case, we’ve chosen to include a “h” in square brackets to tell LaTeX to put the table as close as possible to the location it’s been specified in the text. Again, the “</a:t>
             </a:r>
             <a:r>
               <a:rPr lang="en-GB" dirty="0" err="1"/>
@@ -1755,7 +1747,7 @@
             </a:br>
             <a:r>
               <a:rPr lang="en-GB" dirty="0"/>
-              <a:t>Within the “tabular” environment we specify the contents of the table. In the curly brackets immediately after we begin this environment we specify the columns, their alignment and any lines between the columns. Here we have specified that we want text in the left column to be left aligned within the column and text in columns 2 and 3 to be centred within those columns. The vertical line between the specification of the first and second column specifies that a vertical line is to be included in the table. If we don’t want a vertical line, as between columns 2 and 3, we don’t include a line.</a:t>
+              <a:t>Within the “tabular” environment we specify the contents of the table. In the curly brackets immediately after we begin this environment we specify the columns, their alignment and any lines between the columns. Here we have specified that we want text in the left column to be left aligned within the column, text in the middle column to be centre-aligned and text in the rightmost column to be right-aligned within that column. The vertical line between the specification of the first and second column specifies that a vertical line is to be included in the table. If we don’t want a vertical line, as between columns 2 and 3, we don’t include a line.</a:t>
             </a:r>
             <a:br>
               <a:rPr lang="en-GB" dirty="0"/>
@@ -1765,7 +1757,7 @@
             </a:br>
             <a:r>
               <a:rPr lang="en-GB" dirty="0"/>
-              <a:t>Next, we begin to specify the contents of the table itself. We do this line by line, with lines separated by a double backslash. It’s not required to put each line of the table on a new line of your .</a:t>
+              <a:t>Next, we begin to specify the contents of the table itself. We do this row by row, with rows separated by a double backslash. It’s not required to put each line of the table on a new line of your .</a:t>
             </a:r>
             <a:r>
               <a:rPr lang="en-GB" dirty="0" err="1"/>
@@ -1906,7 +1898,7 @@
           <a:p>
             <a:r>
               <a:rPr lang="en-GB" dirty="0"/>
-              <a:t>The next step is to reference the entity you labelled. This is typically done using the “ref” command, which is followed by the label of the entity you wish to reference in curly brackets. In the text, this is replaced by the number of the entity referenced. For instance, if you reference the second section, the label command will be replaced by the number “2”. You may also use the “</a:t>
+              <a:t>The next step is to reference the entity you labelled. This is typically done using the “ref” command, which is followed by the label of the entity you wish to reference in curly brackets. In the text, this is replaced by the number of the entity referenced. For instance, if you reference the second section, the label command will be replaced by the number “2”. Using “</a:t>
             </a:r>
             <a:r>
               <a:rPr lang="en-GB" dirty="0" err="1"/>
@@ -1914,7 +1906,23 @@
             </a:r>
             <a:r>
               <a:rPr lang="en-GB" dirty="0"/>
-              <a:t>” command to cause the reference to have the same appearance as the equation number, but this isn’t mandatory and you may use the “ref” command even for equations.</a:t>
+              <a:t>” to reference equations isn’t mandatory – you may use the “ref” command for equations and the reference number would appear without parentheses. To use the “</a:t>
+            </a:r>
+            <a:r>
+              <a:rPr lang="en-GB" dirty="0" err="1"/>
+              <a:t>eqref</a:t>
+            </a:r>
+            <a:r>
+              <a:rPr lang="en-GB" dirty="0"/>
+              <a:t>” command, you must have used the “</a:t>
+            </a:r>
+            <a:r>
+              <a:rPr lang="en-GB" dirty="0" err="1"/>
+              <a:t>amsmath</a:t>
+            </a:r>
+            <a:r>
+              <a:rPr lang="en-GB" dirty="0"/>
+              <a:t>” package in the preamble.</a:t>
             </a:r>
             <a:br>
               <a:rPr lang="en-GB" dirty="0"/>
@@ -2036,7 +2044,7 @@
           <a:p>
             <a:r>
               <a:rPr lang="en-GB" dirty="0"/>
-              <a:t>Your thesis is likely to have dozens or hundreds of references and so a more advanced way to deal with your references is preferable. There are many ways to deal with your references and many ways to personalise your citations. We’re going to run through one way to achieve a streamlined approach to referencing and introduce a few options you might want to consider for personalising your references.</a:t>
+              <a:t>Publications often have dozens of citations and your thesis is likely to have dozens or hundreds of references and so a good way to manage with your references is desirable. There are many ways to manage your references and many ways to personalise your citations. We’re going to run through one way to achieve a streamlined approach to referencing.</a:t>
             </a:r>
             <a:br>
               <a:rPr lang="en-GB" dirty="0"/>
@@ -2183,7 +2191,7 @@
             </a:r>
             <a:r>
               <a:rPr lang="en-GB" dirty="0"/>
-              <a:t> file, your bibliography will appear and any entries that are cited will appear in your bibliography. Entries you have not cited will not be included by default.</a:t>
+              <a:t> file, your bibliography will appear and any entries that are cited will appear in your bibliography. By default, entries you have not cited will not be included.</a:t>
             </a:r>
           </a:p>
           <a:p>
@@ -2538,7 +2546,7 @@
           <a:p>
             <a:r>
               <a:rPr lang="en-GB" dirty="0"/>
-              <a:t>LaTeX will normally tell you what the error is and on what line of the file the error occurred. Overleaf takes this a step further and shows you a small error symbol next to the line number. You can hover over this to read the error message. The full message log can be read by clicking the “Log and Output Files” button next to the “Recompile” button just above where the Pdf is normally displayed. </a:t>
+              <a:t>LaTeX will normally tell you what the error is and on what line of the file the error occurred. Overleaf takes this a step further and shows you a small error symbol next to the line number. You can hover over this to read the error message. The full message log can be read by clicking the “Log and Output Files” button next to the “Recompile” button just above where the pdf is normally displayed. </a:t>
             </a:r>
             <a:br>
               <a:rPr lang="en-GB" dirty="0"/>
@@ -2548,15 +2556,15 @@
             </a:br>
             <a:r>
               <a:rPr lang="en-GB" dirty="0"/>
-              <a:t>When you receive an error from LaTeX (in Overleaf or from whatever LaTeX tool you’re using), read the error message, edit the </a:t>
+              <a:t>When you receive an error from LaTeX (in Overleaf, or from whatever LaTeX compiler you’re using), read the error message, edit your </a:t>
             </a:r>
             <a:r>
               <a:rPr lang="en-GB" dirty="0" err="1"/>
-              <a:t>fileto</a:t>
-            </a:r>
-            <a:r>
-              <a:rPr lang="en-GB" dirty="0"/>
-              <a:t> correct the error and recompile the pdf. Hopefully you will have fixed the error. Otherwise, you’ll receive another error message.</a:t>
+              <a:t>tex</a:t>
+            </a:r>
+            <a:r>
+              <a:rPr lang="en-GB" dirty="0"/>
+              <a:t> file to correct the error and recompile the pdf. Hopefully you will have fixed the error. Otherwise, you’ll receive another error message.</a:t>
             </a:r>
             <a:br>
               <a:rPr lang="en-GB" dirty="0"/>
@@ -2567,6 +2575,15 @@
             <a:r>
               <a:rPr lang="en-GB" dirty="0"/>
               <a:t>LaTeX will also give you warnings, telling you if there was something it wasn’t sure what to do with, but was able to complete the document in any case. It’s also a good idea to look through the entire pdf by eye for anywhere that you’ve given a valid instruction, but one that has produced a different result to what you wanted.</a:t>
+            </a:r>
+          </a:p>
+          <a:p>
+            <a:endParaRPr lang="en-GB" dirty="0"/>
+          </a:p>
+          <a:p>
+            <a:r>
+              <a:rPr lang="en-GB" dirty="0"/>
+              <a:t>When tackling errors, it’s often worth correcting the earliest error first – sometimes doing so will fix subsequent errors.</a:t>
             </a:r>
             <a:br>
               <a:rPr lang="en-GB" dirty="0"/>
@@ -3257,7 +3274,7 @@
             </a:r>
             <a:r>
               <a:rPr lang="en-GB" dirty="0"/>
-              <a:t>, which you should all have installed on your machines as per the pre-course instructions. You may then edit the </a:t>
+              <a:t> which can be installed locally on your machine or through an online editor such as Overleaf. You may then edit the </a:t>
             </a:r>
             <a:r>
               <a:rPr lang="en-GB" dirty="0" err="1"/>
@@ -3366,7 +3383,7 @@
           <a:p>
             <a:r>
               <a:rPr lang="en-GB" dirty="0"/>
-              <a:t>Overleaf is the online environment which we’ll be using to create and compile your LaTeX documents. College has a subscription to it so, if you sign up with your college email address, you can get the pro-version. You should have already signed up, made an account and compiled a pdf as indicated in the pre-course instructions.</a:t>
+              <a:t>Overleaf is the online environment which we’ll be using to create and compile your LaTeX documents. College has a subscription to it so, if you sign up with your college email address, you can get the pro-version. You should have already created an account as indicated in the pre-course instructions.</a:t>
             </a:r>
             <a:br>
               <a:rPr lang="en-GB" dirty="0"/>
@@ -3489,15 +3506,15 @@
             </a:r>
             <a:r>
               <a:rPr lang="en-GB" dirty="0"/>
-              <a:t> document is split into two sections – the preamble and the main body. The preamble will always include a declaration of the </a:t>
+              <a:t> document is split into two sections – the preamble and the main body. The preamble includes specification of settings for LaTeX to use in your document, but does not include any content which will appear in the document. The preamble will always include a declaration of the </a:t>
             </a:r>
             <a:r>
               <a:rPr lang="en-GB" dirty="0" err="1"/>
-              <a:t>documentclas</a:t>
-            </a:r>
-            <a:r>
-              <a:rPr lang="en-GB" dirty="0"/>
-              <a:t>. This tells LaTeX what type of document you are creating, which enables certain features and help define how your final pdf will look. Common </a:t>
+              <a:t>documentclass</a:t>
+            </a:r>
+            <a:r>
+              <a:rPr lang="en-GB" dirty="0"/>
+              <a:t>. This tells LaTeX what type of document you are creating, which enables certain features and helps define how your final pdf will look. Common </a:t>
             </a:r>
             <a:r>
               <a:rPr lang="en-GB" dirty="0" err="1"/>
@@ -3659,11 +3676,8 @@
           <a:p>
             <a:r>
               <a:rPr lang="en-GB" dirty="0"/>
-              <a:t>You can use sections and subsections to break up and categorise your document. Using the commands “section”, “subsection” and so on allows you to specify the name of a section and then specify the content to be contained within the section.</a:t>
-            </a:r>
-          </a:p>
-          <a:p>
-            <a:endParaRPr lang="en-GB" dirty="0"/>
+              <a:t>You can use sections and subsections to break up and categorise your document. Using the commands “section”, “subsection” and so on allows you to specify the name of a section and then specify the content to be contained within the (sub)section.</a:t>
+            </a:r>
           </a:p>
         </p:txBody>
       </p:sp>
@@ -3765,7 +3779,7 @@
             </a:r>
             <a:r>
               <a:rPr lang="en-GB" dirty="0"/>
-              <a:t> but not in the “article” or “slides” document class. Different document classes may also handle chapters, sections and paragraphs differently by default, such as which begins a new page.</a:t>
+              <a:t> but not in the “article” or “slides” document class. Different document classes may also handle chapters, sections and paragraphs differently by default, such as which (if any) begins a new page.</a:t>
             </a:r>
           </a:p>
           <a:p>
@@ -4444,7 +4458,7 @@
           <a:p>
             <a:fld id="{EB0080F8-EA1C-491D-963C-2C881B2F918F}" type="datetimeFigureOut">
               <a:rPr lang="en-GB" smtClean="0"/>
-              <a:t>13/01/2021</a:t>
+              <a:t>11/02/2021</a:t>
             </a:fld>
             <a:endParaRPr lang="en-GB"/>
           </a:p>
@@ -4594,7 +4608,7 @@
           <a:p>
             <a:fld id="{EB0080F8-EA1C-491D-963C-2C881B2F918F}" type="datetimeFigureOut">
               <a:rPr lang="en-GB" smtClean="0"/>
-              <a:t>13/01/2021</a:t>
+              <a:t>11/02/2021</a:t>
             </a:fld>
             <a:endParaRPr lang="en-GB"/>
           </a:p>
@@ -6127,7 +6141,7 @@
           <a:p>
             <a:fld id="{EB0080F8-EA1C-491D-963C-2C881B2F918F}" type="datetimeFigureOut">
               <a:rPr lang="en-GB" smtClean="0"/>
-              <a:t>13/01/2021</a:t>
+              <a:t>11/02/2021</a:t>
             </a:fld>
             <a:endParaRPr lang="en-GB"/>
           </a:p>
@@ -12191,7 +12205,6 @@
               <a:rPr lang="en-GB" sz="2400" dirty="0"/>
               <a:t>What is LaTeX?</a:t>
             </a:r>
-            <a:endParaRPr lang="en-US" sz="2400" dirty="0"/>
           </a:p>
           <a:p>
             <a:pPr fontAlgn="base">
@@ -12204,7 +12217,7 @@
             </a:pPr>
             <a:r>
               <a:rPr lang="en-US" sz="2400" dirty="0"/>
-              <a:t>Why would I use it?</a:t>
+              <a:t>How do I use it?</a:t>
             </a:r>
           </a:p>
           <a:p>
@@ -12218,7 +12231,7 @@
             </a:pPr>
             <a:r>
               <a:rPr lang="en-US" sz="2400" dirty="0"/>
-              <a:t>How do I use it?</a:t>
+              <a:t>Why would I use it?</a:t>
             </a:r>
           </a:p>
           <a:p>

--- a/Intro to Latex Slides.pptx
+++ b/Intro to Latex Slides.pptx
@@ -436,7 +436,7 @@
           <a:p>
             <a:fld id="{88EB714B-C3CC-4216-88C1-02913905B1CF}" type="datetimeFigureOut">
               <a:rPr lang="en-GB" smtClean="0"/>
-              <a:t>11/02/2021</a:t>
+              <a:t>17/02/2021</a:t>
             </a:fld>
             <a:endParaRPr lang="en-GB"/>
           </a:p>
@@ -4458,7 +4458,7 @@
           <a:p>
             <a:fld id="{EB0080F8-EA1C-491D-963C-2C881B2F918F}" type="datetimeFigureOut">
               <a:rPr lang="en-GB" smtClean="0"/>
-              <a:t>11/02/2021</a:t>
+              <a:t>17/02/2021</a:t>
             </a:fld>
             <a:endParaRPr lang="en-GB"/>
           </a:p>
@@ -4608,7 +4608,7 @@
           <a:p>
             <a:fld id="{EB0080F8-EA1C-491D-963C-2C881B2F918F}" type="datetimeFigureOut">
               <a:rPr lang="en-GB" smtClean="0"/>
-              <a:t>11/02/2021</a:t>
+              <a:t>17/02/2021</a:t>
             </a:fld>
             <a:endParaRPr lang="en-GB"/>
           </a:p>
@@ -6141,7 +6141,7 @@
           <a:p>
             <a:fld id="{EB0080F8-EA1C-491D-963C-2C881B2F918F}" type="datetimeFigureOut">
               <a:rPr lang="en-GB" smtClean="0"/>
-              <a:t>11/02/2021</a:t>
+              <a:t>17/02/2021</a:t>
             </a:fld>
             <a:endParaRPr lang="en-GB"/>
           </a:p>
@@ -9074,22 +9074,11 @@
                   </a:schemeClr>
                 </a:solidFill>
               </a:rPr>
-              <a:t>\caption{</a:t>
+              <a:t>\caption</a:t>
             </a:r>
             <a:r>
               <a:rPr lang="en-GB" sz="2500" dirty="0"/>
-              <a:t>Cats!</a:t>
-            </a:r>
-            <a:r>
-              <a:rPr lang="en-GB" sz="2500" dirty="0">
-                <a:solidFill>
-                  <a:schemeClr val="tx2">
-                    <a:lumMod val="50000"/>
-                    <a:lumOff val="50000"/>
-                  </a:schemeClr>
-                </a:solidFill>
-              </a:rPr>
-              <a:t>}</a:t>
+              <a:t>{Cats!}</a:t>
             </a:r>
           </a:p>
           <a:p>
@@ -9309,7 +9298,7 @@
         <p:spPr>
           <a:xfrm>
             <a:off x="457200" y="1844063"/>
-            <a:ext cx="3899643" cy="3416320"/>
+            <a:ext cx="3899643" cy="4154984"/>
           </a:xfrm>
           <a:prstGeom prst="rect">
             <a:avLst/>
@@ -9474,6 +9463,8 @@
               <a:rPr lang="en-GB" sz="2400" dirty="0"/>
               <a:t>    2	&amp; D	&amp; Big cell</a:t>
             </a:r>
+          </a:p>
+          <a:p>
             <a:r>
               <a:rPr lang="en-GB" sz="2400" dirty="0">
                 <a:solidFill>
@@ -9509,7 +9500,28 @@
             </a:r>
             <a:r>
               <a:rPr lang="en-GB" sz="2400" dirty="0"/>
-              <a:t>}  </a:t>
+              <a:t>}</a:t>
+            </a:r>
+          </a:p>
+          <a:p>
+            <a:r>
+              <a:rPr lang="en-GB" sz="2400" dirty="0"/>
+              <a:t>  </a:t>
+            </a:r>
+            <a:r>
+              <a:rPr lang="en-GB" sz="2400" dirty="0">
+                <a:solidFill>
+                  <a:schemeClr val="tx2">
+                    <a:lumMod val="50000"/>
+                    <a:lumOff val="50000"/>
+                  </a:schemeClr>
+                </a:solidFill>
+              </a:rPr>
+              <a:t>\caption</a:t>
+            </a:r>
+            <a:r>
+              <a:rPr lang="en-GB" sz="2400" dirty="0"/>
+              <a:t>{An arbitrary table}</a:t>
             </a:r>
           </a:p>
           <a:p>
@@ -9586,10 +9598,10 @@
       </p:sp>
       <p:pic>
         <p:nvPicPr>
-          <p:cNvPr id="5" name="Picture 4">
+          <p:cNvPr id="7" name="Picture 6">
             <a:extLst>
               <a:ext uri="{FF2B5EF4-FFF2-40B4-BE49-F238E27FC236}">
-                <a16:creationId xmlns:a16="http://schemas.microsoft.com/office/drawing/2014/main" id="{1D7E3869-0666-4A0A-8502-E7FC4F98CAA6}"/>
+                <a16:creationId xmlns:a16="http://schemas.microsoft.com/office/drawing/2014/main" id="{68365574-040D-4652-9C6D-207C456D91F1}"/>
               </a:ext>
             </a:extLst>
           </p:cNvPr>
@@ -9606,8 +9618,8 @@
         </p:blipFill>
         <p:spPr>
           <a:xfrm>
-            <a:off x="4876125" y="3125010"/>
-            <a:ext cx="3909167" cy="1187195"/>
+            <a:off x="4599355" y="2880359"/>
+            <a:ext cx="4455308" cy="1903095"/>
           </a:xfrm>
           <a:prstGeom prst="rect">
             <a:avLst/>
@@ -10924,17 +10936,6 @@
                 <a:t>citet</a:t>
               </a:r>
               <a:r>
-                <a:rPr lang="en-GB" sz="2400" dirty="0">
-                  <a:solidFill>
-                    <a:schemeClr val="tx2">
-                      <a:lumMod val="50000"/>
-                      <a:lumOff val="50000"/>
-                    </a:schemeClr>
-                  </a:solidFill>
-                </a:rPr>
-                <a:t> </a:t>
-              </a:r>
-              <a:r>
                 <a:rPr lang="en-GB" sz="2400" dirty="0"/>
                 <a:t>{</a:t>
               </a:r>
@@ -10973,17 +10974,6 @@
                   </a:solidFill>
                 </a:rPr>
                 <a:t>citep</a:t>
-              </a:r>
-              <a:r>
-                <a:rPr lang="en-GB" sz="2400" dirty="0">
-                  <a:solidFill>
-                    <a:schemeClr val="tx2">
-                      <a:lumMod val="50000"/>
-                      <a:lumOff val="50000"/>
-                    </a:schemeClr>
-                  </a:solidFill>
-                </a:rPr>
-                <a:t> </a:t>
               </a:r>
               <a:r>
                 <a:rPr lang="en-GB" sz="2400" dirty="0"/>

--- a/Intro to Latex Slides.pptx
+++ b/Intro to Latex Slides.pptx
@@ -436,7 +436,7 @@
           <a:p>
             <a:fld id="{88EB714B-C3CC-4216-88C1-02913905B1CF}" type="datetimeFigureOut">
               <a:rPr lang="en-GB" smtClean="0"/>
-              <a:t>17/02/2021</a:t>
+              <a:t>19/02/2021</a:t>
             </a:fld>
             <a:endParaRPr lang="en-GB"/>
           </a:p>
@@ -3401,7 +3401,15 @@
             </a:r>
             <a:r>
               <a:rPr lang="en-GB" dirty="0"/>
-              <a:t> which can allow you carry on working on your documents offline using an offline editor.</a:t>
+              <a:t> which can allow you carry on working on your documents offline using an offline editor. Overleaf also has an integrated “review system” which might allow your supervisor or collaborator to review </a:t>
+            </a:r>
+            <a:r>
+              <a:rPr lang="en-GB"/>
+              <a:t>your document </a:t>
+            </a:r>
+            <a:r>
+              <a:rPr lang="en-GB" dirty="0"/>
+              <a:t>in the same place that you’re writing it, saving a lot of flipping between documents.</a:t>
             </a:r>
             <a:br>
               <a:rPr lang="en-GB" dirty="0"/>
@@ -4458,7 +4466,7 @@
           <a:p>
             <a:fld id="{EB0080F8-EA1C-491D-963C-2C881B2F918F}" type="datetimeFigureOut">
               <a:rPr lang="en-GB" smtClean="0"/>
-              <a:t>17/02/2021</a:t>
+              <a:t>19/02/2021</a:t>
             </a:fld>
             <a:endParaRPr lang="en-GB"/>
           </a:p>
@@ -4608,7 +4616,7 @@
           <a:p>
             <a:fld id="{EB0080F8-EA1C-491D-963C-2C881B2F918F}" type="datetimeFigureOut">
               <a:rPr lang="en-GB" smtClean="0"/>
-              <a:t>17/02/2021</a:t>
+              <a:t>19/02/2021</a:t>
             </a:fld>
             <a:endParaRPr lang="en-GB"/>
           </a:p>
@@ -6141,7 +6149,7 @@
           <a:p>
             <a:fld id="{EB0080F8-EA1C-491D-963C-2C881B2F918F}" type="datetimeFigureOut">
               <a:rPr lang="en-GB" smtClean="0"/>
-              <a:t>17/02/2021</a:t>
+              <a:t>19/02/2021</a:t>
             </a:fld>
             <a:endParaRPr lang="en-GB"/>
           </a:p>
@@ -12319,7 +12327,7 @@
         <p:spPr>
           <a:xfrm>
             <a:off x="457200" y="1957138"/>
-            <a:ext cx="7840980" cy="5078313"/>
+            <a:ext cx="7840980" cy="5447645"/>
           </a:xfrm>
           <a:prstGeom prst="rect">
             <a:avLst/>
@@ -12405,6 +12413,16 @@
               <a:t>Github</a:t>
             </a:r>
             <a:endParaRPr lang="en-GB" sz="2400" dirty="0"/>
+          </a:p>
+          <a:p>
+            <a:pPr marL="914400" lvl="1" indent="-457200">
+              <a:buFont typeface="Arial" panose="020B0604020202020204" pitchFamily="34" charset="0"/>
+              <a:buChar char="•"/>
+            </a:pPr>
+            <a:r>
+              <a:rPr lang="en-GB" sz="2400" dirty="0"/>
+              <a:t>Integrated “review” system for feedback</a:t>
+            </a:r>
           </a:p>
           <a:p>
             <a:pPr marL="457200" indent="-457200">

--- a/Intro to Latex Slides.pptx
+++ b/Intro to Latex Slides.pptx
@@ -5,10 +5,10 @@
     <p:sldMasterId id="2147483648" r:id="rId1"/>
   </p:sldMasterIdLst>
   <p:notesMasterIdLst>
-    <p:notesMasterId r:id="rId26"/>
+    <p:notesMasterId r:id="rId24"/>
   </p:notesMasterIdLst>
   <p:handoutMasterIdLst>
-    <p:handoutMasterId r:id="rId27"/>
+    <p:handoutMasterId r:id="rId25"/>
   </p:handoutMasterIdLst>
   <p:sldIdLst>
     <p:sldId id="264" r:id="rId2"/>
@@ -31,10 +31,8 @@
     <p:sldId id="321" r:id="rId19"/>
     <p:sldId id="322" r:id="rId20"/>
     <p:sldId id="290" r:id="rId21"/>
-    <p:sldId id="328" r:id="rId22"/>
-    <p:sldId id="291" r:id="rId23"/>
-    <p:sldId id="329" r:id="rId24"/>
-    <p:sldId id="280" r:id="rId25"/>
+    <p:sldId id="291" r:id="rId22"/>
+    <p:sldId id="280" r:id="rId23"/>
   </p:sldIdLst>
   <p:sldSz cx="9144000" cy="6858000" type="screen4x3"/>
   <p:notesSz cx="7099300" cy="10234613"/>
@@ -158,9 +156,7 @@
             <p14:sldId id="321"/>
             <p14:sldId id="322"/>
             <p14:sldId id="290"/>
-            <p14:sldId id="328"/>
             <p14:sldId id="291"/>
-            <p14:sldId id="329"/>
             <p14:sldId id="280"/>
           </p14:sldIdLst>
         </p14:section>
@@ -436,7 +432,7 @@
           <a:p>
             <a:fld id="{88EB714B-C3CC-4216-88C1-02913905B1CF}" type="datetimeFigureOut">
               <a:rPr lang="en-GB" smtClean="0"/>
-              <a:t>19/02/2021</a:t>
+              <a:t>24/02/2021</a:t>
             </a:fld>
             <a:endParaRPr lang="en-GB"/>
           </a:p>
@@ -2689,23 +2685,41 @@
           <a:p>
             <a:r>
               <a:rPr lang="en-GB" dirty="0"/>
-              <a:t>If you want to do something in LaTeX but don’t know how, the first thing to do is to Google it. Somebody has almost certainly had your problem/desire before and you can copy their solution most of the time. On many occasions, you’ll find the answer of </a:t>
+              <a:t>If you’re working on a document to submit to a journal, there are a number of things to bear in mind. Many journals have custom </a:t>
             </a:r>
             <a:r>
               <a:rPr lang="en-GB" dirty="0" err="1"/>
-              <a:t>stackexchange</a:t>
-            </a:r>
-            <a:r>
-              <a:rPr lang="en-GB" dirty="0"/>
-              <a:t>. As well as being a useful environment to develop and run LaTeX, Overleaf has an extensive library of documentation on LaTeX’s functions. There’s also a very good </a:t>
+              <a:t>documentclasses</a:t>
+            </a:r>
+            <a:r>
+              <a:rPr lang="en-GB" dirty="0"/>
+              <a:t> which they make available and you can chose to use when submitting. Some journals might require you to use their </a:t>
             </a:r>
             <a:r>
               <a:rPr lang="en-GB" dirty="0" err="1"/>
-              <a:t>wikibook</a:t>
-            </a:r>
-            <a:r>
-              <a:rPr lang="en-GB" dirty="0"/>
-              <a:t> that contains a good description of the functionality of LaTeX. There’s also a good table maker which allows you to define tables in a more natural and graphical way and have it return the equivalent LaTeX code. Finally, there’s an equation editor which allows you to define equations in a more graphical fashion and have it return the equivalent LaTeX code.</a:t>
+              <a:t>documentclass</a:t>
+            </a:r>
+            <a:r>
+              <a:rPr lang="en-GB" dirty="0"/>
+              <a:t> when submitting.</a:t>
+            </a:r>
+            <a:br>
+              <a:rPr lang="en-GB" dirty="0"/>
+            </a:br>
+            <a:br>
+              <a:rPr lang="en-GB" dirty="0"/>
+            </a:br>
+            <a:r>
+              <a:rPr lang="en-GB" dirty="0"/>
+              <a:t>In many cases you can submit your LaTeX source files to the journal as well. This aids the typesetters at the journal in working on your document. For many journals, </a:t>
+            </a:r>
+            <a:r>
+              <a:rPr lang="en-GB" dirty="0" err="1"/>
+              <a:t>typsetters</a:t>
+            </a:r>
+            <a:r>
+              <a:rPr lang="en-GB" dirty="0"/>
+              <a:t> will alter your script substantially to make sure it fits the standards and style of the journal. This means that you don’t need to make your document look perfect when you submit it. You need it to be easily legible for the reviewers and editors to read, but spending days tweaking fine details might not be a good use of your time. Check the process and requirements of the journal you’re submitting to so you fulfil all their requirements but don’t put in effort that will ultimately be wasted.</a:t>
             </a:r>
           </a:p>
         </p:txBody>
@@ -2736,7 +2750,7 @@
     </p:spTree>
     <p:extLst>
       <p:ext uri="{BB962C8B-B14F-4D97-AF65-F5344CB8AC3E}">
-        <p14:creationId xmlns:p14="http://schemas.microsoft.com/office/powerpoint/2010/main" val="1445805806"/>
+        <p14:creationId xmlns:p14="http://schemas.microsoft.com/office/powerpoint/2010/main" val="3430040987"/>
       </p:ext>
     </p:extLst>
   </p:cSld>
@@ -2765,211 +2779,6 @@
       </p:grpSpPr>
       <p:sp>
         <p:nvSpPr>
-          <p:cNvPr id="2" name="Slide Image Placeholder 1"/>
-          <p:cNvSpPr>
-            <a:spLocks noGrp="1" noRot="1" noChangeAspect="1"/>
-          </p:cNvSpPr>
-          <p:nvPr>
-            <p:ph type="sldImg"/>
-          </p:nvPr>
-        </p:nvSpPr>
-        <p:spPr/>
-      </p:sp>
-      <p:sp>
-        <p:nvSpPr>
-          <p:cNvPr id="3" name="Notes Placeholder 2"/>
-          <p:cNvSpPr>
-            <a:spLocks noGrp="1"/>
-          </p:cNvSpPr>
-          <p:nvPr>
-            <p:ph type="body" idx="1"/>
-          </p:nvPr>
-        </p:nvSpPr>
-        <p:spPr/>
-        <p:txBody>
-          <a:bodyPr/>
-          <a:lstStyle/>
-          <a:p>
-            <a:r>
-              <a:rPr lang="en-GB" dirty="0"/>
-              <a:t>If you’re working on a document to submit to a journal, there are a number of things to bear in mind. Many journals have custom </a:t>
-            </a:r>
-            <a:r>
-              <a:rPr lang="en-GB" dirty="0" err="1"/>
-              <a:t>documentclasses</a:t>
-            </a:r>
-            <a:r>
-              <a:rPr lang="en-GB" dirty="0"/>
-              <a:t> which they make available and you can chose to use when submitting. Some journals might require you to use their </a:t>
-            </a:r>
-            <a:r>
-              <a:rPr lang="en-GB" dirty="0" err="1"/>
-              <a:t>documentclass</a:t>
-            </a:r>
-            <a:r>
-              <a:rPr lang="en-GB" dirty="0"/>
-              <a:t> when submitting.</a:t>
-            </a:r>
-            <a:br>
-              <a:rPr lang="en-GB" dirty="0"/>
-            </a:br>
-            <a:br>
-              <a:rPr lang="en-GB" dirty="0"/>
-            </a:br>
-            <a:r>
-              <a:rPr lang="en-GB" dirty="0"/>
-              <a:t>In many cases you can submit your LaTeX source files to the journal as well. This aids the typesetters at the journal in working on your document. For many journals, </a:t>
-            </a:r>
-            <a:r>
-              <a:rPr lang="en-GB" dirty="0" err="1"/>
-              <a:t>typsetters</a:t>
-            </a:r>
-            <a:r>
-              <a:rPr lang="en-GB" dirty="0"/>
-              <a:t> will alter your script substantially to make sure it fits the standards and style of the journal. This means that you don’t need to make your document look perfect when you submit it. You need it to be easily legible for the reviewers and editors to read, but spending days tweaking fine details might not be a good use of your time. Check the process and requirements of the journal you’re submitting to so you fulfil all their requirements but don’t put in effort that will ultimately be wasted.</a:t>
-            </a:r>
-          </a:p>
-        </p:txBody>
-      </p:sp>
-      <p:sp>
-        <p:nvSpPr>
-          <p:cNvPr id="4" name="Slide Number Placeholder 3"/>
-          <p:cNvSpPr>
-            <a:spLocks noGrp="1"/>
-          </p:cNvSpPr>
-          <p:nvPr>
-            <p:ph type="sldNum" sz="quarter" idx="10"/>
-          </p:nvPr>
-        </p:nvSpPr>
-        <p:spPr/>
-        <p:txBody>
-          <a:bodyPr/>
-          <a:lstStyle/>
-          <a:p>
-            <a:fld id="{6A641EC8-C9F8-4A58-A1A7-F7D817526EEC}" type="slidenum">
-              <a:rPr lang="en-GB" smtClean="0"/>
-              <a:t>22</a:t>
-            </a:fld>
-            <a:endParaRPr lang="en-GB"/>
-          </a:p>
-        </p:txBody>
-      </p:sp>
-    </p:spTree>
-    <p:extLst>
-      <p:ext uri="{BB962C8B-B14F-4D97-AF65-F5344CB8AC3E}">
-        <p14:creationId xmlns:p14="http://schemas.microsoft.com/office/powerpoint/2010/main" val="3430040987"/>
-      </p:ext>
-    </p:extLst>
-  </p:cSld>
-  <p:clrMapOvr>
-    <a:masterClrMapping/>
-  </p:clrMapOvr>
-</p:notes>
-</file>
-
-<file path=ppt/notesSlides/notesSlide23.xml><?xml version="1.0" encoding="utf-8"?>
-<p:notes xmlns:a="http://schemas.openxmlformats.org/drawingml/2006/main" xmlns:r="http://schemas.openxmlformats.org/officeDocument/2006/relationships" xmlns:p="http://schemas.openxmlformats.org/presentationml/2006/main">
-  <p:cSld>
-    <p:spTree>
-      <p:nvGrpSpPr>
-        <p:cNvPr id="1" name=""/>
-        <p:cNvGrpSpPr/>
-        <p:nvPr/>
-      </p:nvGrpSpPr>
-      <p:grpSpPr>
-        <a:xfrm>
-          <a:off x="0" y="0"/>
-          <a:ext cx="0" cy="0"/>
-          <a:chOff x="0" y="0"/>
-          <a:chExt cx="0" cy="0"/>
-        </a:xfrm>
-      </p:grpSpPr>
-      <p:sp>
-        <p:nvSpPr>
-          <p:cNvPr id="2" name="Slide Image Placeholder 1"/>
-          <p:cNvSpPr>
-            <a:spLocks noGrp="1" noRot="1" noChangeAspect="1"/>
-          </p:cNvSpPr>
-          <p:nvPr>
-            <p:ph type="sldImg"/>
-          </p:nvPr>
-        </p:nvSpPr>
-        <p:spPr/>
-      </p:sp>
-      <p:sp>
-        <p:nvSpPr>
-          <p:cNvPr id="3" name="Notes Placeholder 2"/>
-          <p:cNvSpPr>
-            <a:spLocks noGrp="1"/>
-          </p:cNvSpPr>
-          <p:nvPr>
-            <p:ph type="body" idx="1"/>
-          </p:nvPr>
-        </p:nvSpPr>
-        <p:spPr/>
-        <p:txBody>
-          <a:bodyPr/>
-          <a:lstStyle/>
-          <a:p>
-            <a:endParaRPr lang="en-GB" dirty="0"/>
-          </a:p>
-        </p:txBody>
-      </p:sp>
-      <p:sp>
-        <p:nvSpPr>
-          <p:cNvPr id="4" name="Slide Number Placeholder 3"/>
-          <p:cNvSpPr>
-            <a:spLocks noGrp="1"/>
-          </p:cNvSpPr>
-          <p:nvPr>
-            <p:ph type="sldNum" sz="quarter" idx="10"/>
-          </p:nvPr>
-        </p:nvSpPr>
-        <p:spPr/>
-        <p:txBody>
-          <a:bodyPr/>
-          <a:lstStyle/>
-          <a:p>
-            <a:fld id="{6A641EC8-C9F8-4A58-A1A7-F7D817526EEC}" type="slidenum">
-              <a:rPr lang="en-GB" smtClean="0"/>
-              <a:t>23</a:t>
-            </a:fld>
-            <a:endParaRPr lang="en-GB"/>
-          </a:p>
-        </p:txBody>
-      </p:sp>
-    </p:spTree>
-    <p:extLst>
-      <p:ext uri="{BB962C8B-B14F-4D97-AF65-F5344CB8AC3E}">
-        <p14:creationId xmlns:p14="http://schemas.microsoft.com/office/powerpoint/2010/main" val="1492413823"/>
-      </p:ext>
-    </p:extLst>
-  </p:cSld>
-  <p:clrMapOvr>
-    <a:masterClrMapping/>
-  </p:clrMapOvr>
-</p:notes>
-</file>
-
-<file path=ppt/notesSlides/notesSlide24.xml><?xml version="1.0" encoding="utf-8"?>
-<p:notes xmlns:a="http://schemas.openxmlformats.org/drawingml/2006/main" xmlns:r="http://schemas.openxmlformats.org/officeDocument/2006/relationships" xmlns:p="http://schemas.openxmlformats.org/presentationml/2006/main">
-  <p:cSld>
-    <p:spTree>
-      <p:nvGrpSpPr>
-        <p:cNvPr id="1" name=""/>
-        <p:cNvGrpSpPr/>
-        <p:nvPr/>
-      </p:nvGrpSpPr>
-      <p:grpSpPr>
-        <a:xfrm>
-          <a:off x="0" y="0"/>
-          <a:ext cx="0" cy="0"/>
-          <a:chOff x="0" y="0"/>
-          <a:chExt cx="0" cy="0"/>
-        </a:xfrm>
-      </p:grpSpPr>
-      <p:sp>
-        <p:nvSpPr>
           <p:cNvPr id="108546" name="Rectangle 7"/>
           <p:cNvSpPr>
             <a:spLocks noGrp="1" noChangeArrowheads="1"/>
@@ -3128,7 +2937,7 @@
                   <a:spcPct val="0"/>
                 </a:spcBef>
               </a:pPr>
-              <a:t>24</a:t>
+              <a:t>22</a:t>
             </a:fld>
             <a:endParaRPr lang="en-US" altLang="en-US"/>
           </a:p>
@@ -3383,7 +3192,7 @@
           <a:p>
             <a:r>
               <a:rPr lang="en-GB" dirty="0"/>
-              <a:t>Overleaf is the online environment which we’ll be using to create and compile your LaTeX documents. College has a subscription to it so, if you sign up with your college email address, you can get the pro-version. You should have already created an account as indicated in the pre-course instructions.</a:t>
+              <a:t>Overleaf is the online environment which we’ll be using to create and compile your LaTeX documents. You should have already created an account as indicated in the pre-course instructions.</a:t>
             </a:r>
             <a:br>
               <a:rPr lang="en-GB" dirty="0"/>
@@ -3401,15 +3210,7 @@
             </a:r>
             <a:r>
               <a:rPr lang="en-GB" dirty="0"/>
-              <a:t> which can allow you carry on working on your documents offline using an offline editor. Overleaf also has an integrated “review system” which might allow your supervisor or collaborator to review </a:t>
-            </a:r>
-            <a:r>
-              <a:rPr lang="en-GB"/>
-              <a:t>your document </a:t>
-            </a:r>
-            <a:r>
-              <a:rPr lang="en-GB" dirty="0"/>
-              <a:t>in the same place that you’re writing it, saving a lot of flipping between documents.</a:t>
+              <a:t> which can allow you carry on working on your documents offline using an offline editor. Overleaf also has an integrated “review system” which might allow your supervisor or collaborator to review your document in the same place that you’re writing it, saving a lot of flipping between documents.</a:t>
             </a:r>
             <a:br>
               <a:rPr lang="en-GB" dirty="0"/>
@@ -4466,7 +4267,7 @@
           <a:p>
             <a:fld id="{EB0080F8-EA1C-491D-963C-2C881B2F918F}" type="datetimeFigureOut">
               <a:rPr lang="en-GB" smtClean="0"/>
-              <a:t>19/02/2021</a:t>
+              <a:t>24/02/2021</a:t>
             </a:fld>
             <a:endParaRPr lang="en-GB"/>
           </a:p>
@@ -4616,7 +4417,7 @@
           <a:p>
             <a:fld id="{EB0080F8-EA1C-491D-963C-2C881B2F918F}" type="datetimeFigureOut">
               <a:rPr lang="en-GB" smtClean="0"/>
-              <a:t>19/02/2021</a:t>
+              <a:t>24/02/2021</a:t>
             </a:fld>
             <a:endParaRPr lang="en-GB"/>
           </a:p>
@@ -6149,7 +5950,7 @@
           <a:p>
             <a:fld id="{EB0080F8-EA1C-491D-963C-2C881B2F918F}" type="datetimeFigureOut">
               <a:rPr lang="en-GB" smtClean="0"/>
-              <a:t>19/02/2021</a:t>
+              <a:t>24/02/2021</a:t>
             </a:fld>
             <a:endParaRPr lang="en-GB"/>
           </a:p>
@@ -6624,18 +6425,14 @@
           <a:lstStyle/>
           <a:p>
             <a:r>
-              <a:rPr lang="en-GB"/>
-              <a:t>Chris </a:t>
-            </a:r>
-            <a:r>
-              <a:rPr lang="en-GB" dirty="0"/>
-              <a:t>Cooling</a:t>
+              <a:rPr lang="en-GB" dirty="0"/>
+              <a:t>Chris Cooling</a:t>
             </a:r>
           </a:p>
           <a:p>
             <a:r>
               <a:rPr lang="en-GB" sz="2400" dirty="0"/>
-              <a:t>Graduate School Teaching Fellow</a:t>
+              <a:t>Imperial College London Graduate School Teaching Fellow</a:t>
             </a:r>
           </a:p>
           <a:p>
@@ -11550,228 +11347,6 @@
           <a:p>
             <a:r>
               <a:rPr lang="en-GB" sz="4000" dirty="0"/>
-              <a:t>Online Tools</a:t>
-            </a:r>
-          </a:p>
-        </p:txBody>
-      </p:sp>
-      <p:pic>
-        <p:nvPicPr>
-          <p:cNvPr id="5" name="Picture 4">
-            <a:extLst>
-              <a:ext uri="{FF2B5EF4-FFF2-40B4-BE49-F238E27FC236}">
-                <a16:creationId xmlns:a16="http://schemas.microsoft.com/office/drawing/2014/main" id="{7024B7B7-0AE3-46F6-B545-576352E8C718}"/>
-              </a:ext>
-            </a:extLst>
-          </p:cNvPr>
-          <p:cNvPicPr>
-            <a:picLocks noChangeAspect="1"/>
-          </p:cNvPicPr>
-          <p:nvPr/>
-        </p:nvPicPr>
-        <p:blipFill>
-          <a:blip r:embed="rId3">
-            <a:extLst>
-              <a:ext uri="{837473B0-CC2E-450A-ABE3-18F120FF3D39}">
-                <a1611:picAttrSrcUrl xmlns:a1611="http://schemas.microsoft.com/office/drawing/2016/11/main" r:id="rId4"/>
-              </a:ext>
-            </a:extLst>
-          </a:blip>
-          <a:stretch>
-            <a:fillRect/>
-          </a:stretch>
-        </p:blipFill>
-        <p:spPr>
-          <a:xfrm>
-            <a:off x="4895582" y="2233493"/>
-            <a:ext cx="4248418" cy="4624507"/>
-          </a:xfrm>
-          <a:prstGeom prst="rect">
-            <a:avLst/>
-          </a:prstGeom>
-        </p:spPr>
-      </p:pic>
-      <p:sp>
-        <p:nvSpPr>
-          <p:cNvPr id="6" name="TextBox 5">
-            <a:extLst>
-              <a:ext uri="{FF2B5EF4-FFF2-40B4-BE49-F238E27FC236}">
-                <a16:creationId xmlns:a16="http://schemas.microsoft.com/office/drawing/2014/main" id="{AECABD07-43E4-4B9D-9B24-AB9E83B2215F}"/>
-              </a:ext>
-            </a:extLst>
-          </p:cNvPr>
-          <p:cNvSpPr txBox="1"/>
-          <p:nvPr/>
-        </p:nvSpPr>
-        <p:spPr>
-          <a:xfrm>
-            <a:off x="457200" y="1957138"/>
-            <a:ext cx="3422732" cy="4247317"/>
-          </a:xfrm>
-          <a:prstGeom prst="rect">
-            <a:avLst/>
-          </a:prstGeom>
-          <a:noFill/>
-        </p:spPr>
-        <p:txBody>
-          <a:bodyPr wrap="none" rtlCol="0">
-            <a:spAutoFit/>
-          </a:bodyPr>
-          <a:lstStyle/>
-          <a:p>
-            <a:pPr marL="457200" indent="-457200">
-              <a:buFont typeface="Arial" panose="020B0604020202020204" pitchFamily="34" charset="0"/>
-              <a:buChar char="•"/>
-            </a:pPr>
-            <a:r>
-              <a:rPr lang="en-GB" sz="3000" dirty="0">
-                <a:hlinkClick r:id="rId5"/>
-              </a:rPr>
-              <a:t>Google</a:t>
-            </a:r>
-            <a:endParaRPr lang="en-GB" sz="3000" dirty="0"/>
-          </a:p>
-          <a:p>
-            <a:pPr marL="457200" indent="-457200">
-              <a:buFont typeface="Arial" panose="020B0604020202020204" pitchFamily="34" charset="0"/>
-              <a:buChar char="•"/>
-            </a:pPr>
-            <a:r>
-              <a:rPr lang="en-GB" sz="3000" dirty="0">
-                <a:hlinkClick r:id="rId6"/>
-              </a:rPr>
-              <a:t>Stack Exchange</a:t>
-            </a:r>
-            <a:endParaRPr lang="en-GB" sz="3000" dirty="0"/>
-          </a:p>
-          <a:p>
-            <a:pPr marL="457200" indent="-457200">
-              <a:buFont typeface="Arial" panose="020B0604020202020204" pitchFamily="34" charset="0"/>
-              <a:buChar char="•"/>
-            </a:pPr>
-            <a:r>
-              <a:rPr lang="en-GB" sz="3000" dirty="0">
-                <a:hlinkClick r:id="rId7"/>
-              </a:rPr>
-              <a:t>Overleaf</a:t>
-            </a:r>
-            <a:endParaRPr lang="en-GB" sz="3000" dirty="0"/>
-          </a:p>
-          <a:p>
-            <a:pPr marL="457200" indent="-457200">
-              <a:buFont typeface="Arial" panose="020B0604020202020204" pitchFamily="34" charset="0"/>
-              <a:buChar char="•"/>
-            </a:pPr>
-            <a:r>
-              <a:rPr lang="en-GB" sz="3000" dirty="0" err="1">
-                <a:hlinkClick r:id="rId8"/>
-              </a:rPr>
-              <a:t>Wikibook</a:t>
-            </a:r>
-            <a:endParaRPr lang="en-GB" sz="3000" dirty="0"/>
-          </a:p>
-          <a:p>
-            <a:pPr marL="457200" indent="-457200">
-              <a:buFont typeface="Arial" panose="020B0604020202020204" pitchFamily="34" charset="0"/>
-              <a:buChar char="•"/>
-            </a:pPr>
-            <a:r>
-              <a:rPr lang="en-GB" sz="3000" dirty="0">
-                <a:hlinkClick r:id="rId9"/>
-              </a:rPr>
-              <a:t>Table Maker</a:t>
-            </a:r>
-            <a:endParaRPr lang="en-GB" sz="3000" dirty="0"/>
-          </a:p>
-          <a:p>
-            <a:pPr marL="457200" indent="-457200">
-              <a:buFont typeface="Arial" panose="020B0604020202020204" pitchFamily="34" charset="0"/>
-              <a:buChar char="•"/>
-            </a:pPr>
-            <a:r>
-              <a:rPr lang="en-GB" sz="3000" dirty="0">
-                <a:hlinkClick r:id="rId10"/>
-              </a:rPr>
-              <a:t>Equation Editor</a:t>
-            </a:r>
-            <a:endParaRPr lang="en-GB" sz="3000" dirty="0"/>
-          </a:p>
-          <a:p>
-            <a:pPr marL="457200" indent="-457200">
-              <a:buFont typeface="Arial" panose="020B0604020202020204" pitchFamily="34" charset="0"/>
-              <a:buChar char="•"/>
-            </a:pPr>
-            <a:r>
-              <a:rPr lang="en-GB" sz="3000" dirty="0">
-                <a:hlinkClick r:id="rId11"/>
-              </a:rPr>
-              <a:t>Detexify</a:t>
-            </a:r>
-            <a:endParaRPr lang="en-GB" sz="3000" dirty="0"/>
-          </a:p>
-          <a:p>
-            <a:endParaRPr lang="en-GB" sz="3000" dirty="0"/>
-          </a:p>
-          <a:p>
-            <a:endParaRPr lang="en-GB" sz="3000" dirty="0"/>
-          </a:p>
-        </p:txBody>
-      </p:sp>
-    </p:spTree>
-    <p:extLst>
-      <p:ext uri="{BB962C8B-B14F-4D97-AF65-F5344CB8AC3E}">
-        <p14:creationId xmlns:p14="http://schemas.microsoft.com/office/powerpoint/2010/main" val="1331705178"/>
-      </p:ext>
-    </p:extLst>
-  </p:cSld>
-  <p:clrMapOvr>
-    <a:masterClrMapping/>
-  </p:clrMapOvr>
-  <mc:AlternateContent xmlns:mc="http://schemas.openxmlformats.org/markup-compatibility/2006" xmlns:p14="http://schemas.microsoft.com/office/powerpoint/2010/main">
-    <mc:Choice Requires="p14">
-      <p:transition p14:dur="10"/>
-    </mc:Choice>
-    <mc:Fallback xmlns="">
-      <p:transition/>
-    </mc:Fallback>
-  </mc:AlternateContent>
-</p:sld>
-</file>
-
-<file path=ppt/slides/slide22.xml><?xml version="1.0" encoding="utf-8"?>
-<p:sld xmlns:a="http://schemas.openxmlformats.org/drawingml/2006/main" xmlns:r="http://schemas.openxmlformats.org/officeDocument/2006/relationships" xmlns:p="http://schemas.openxmlformats.org/presentationml/2006/main">
-  <p:cSld>
-    <p:spTree>
-      <p:nvGrpSpPr>
-        <p:cNvPr id="1" name=""/>
-        <p:cNvGrpSpPr/>
-        <p:nvPr/>
-      </p:nvGrpSpPr>
-      <p:grpSpPr>
-        <a:xfrm>
-          <a:off x="0" y="0"/>
-          <a:ext cx="0" cy="0"/>
-          <a:chOff x="0" y="0"/>
-          <a:chExt cx="0" cy="0"/>
-        </a:xfrm>
-      </p:grpSpPr>
-      <p:sp>
-        <p:nvSpPr>
-          <p:cNvPr id="2" name="Title 1"/>
-          <p:cNvSpPr>
-            <a:spLocks noGrp="1"/>
-          </p:cNvSpPr>
-          <p:nvPr>
-            <p:ph type="title"/>
-          </p:nvPr>
-        </p:nvSpPr>
-        <p:spPr/>
-        <p:txBody>
-          <a:bodyPr/>
-          <a:lstStyle/>
-          <a:p>
-            <a:r>
-              <a:rPr lang="en-GB" sz="4000" dirty="0"/>
               <a:t>Journal Submission</a:t>
             </a:r>
           </a:p>
@@ -11862,131 +11437,7 @@
 </p:sld>
 </file>
 
-<file path=ppt/slides/slide23.xml><?xml version="1.0" encoding="utf-8"?>
-<p:sld xmlns:a="http://schemas.openxmlformats.org/drawingml/2006/main" xmlns:r="http://schemas.openxmlformats.org/officeDocument/2006/relationships" xmlns:p="http://schemas.openxmlformats.org/presentationml/2006/main">
-  <p:cSld>
-    <p:spTree>
-      <p:nvGrpSpPr>
-        <p:cNvPr id="1" name=""/>
-        <p:cNvGrpSpPr/>
-        <p:nvPr/>
-      </p:nvGrpSpPr>
-      <p:grpSpPr>
-        <a:xfrm>
-          <a:off x="0" y="0"/>
-          <a:ext cx="0" cy="0"/>
-          <a:chOff x="0" y="0"/>
-          <a:chExt cx="0" cy="0"/>
-        </a:xfrm>
-      </p:grpSpPr>
-      <p:sp>
-        <p:nvSpPr>
-          <p:cNvPr id="2" name="Title 1"/>
-          <p:cNvSpPr>
-            <a:spLocks noGrp="1"/>
-          </p:cNvSpPr>
-          <p:nvPr>
-            <p:ph type="title"/>
-          </p:nvPr>
-        </p:nvSpPr>
-        <p:spPr/>
-        <p:txBody>
-          <a:bodyPr/>
-          <a:lstStyle/>
-          <a:p>
-            <a:r>
-              <a:rPr lang="en-GB" sz="4000" dirty="0"/>
-              <a:t>Feedback</a:t>
-            </a:r>
-          </a:p>
-        </p:txBody>
-      </p:sp>
-      <p:sp>
-        <p:nvSpPr>
-          <p:cNvPr id="3" name="Content Placeholder 2"/>
-          <p:cNvSpPr>
-            <a:spLocks noGrp="1"/>
-          </p:cNvSpPr>
-          <p:nvPr>
-            <p:ph idx="1"/>
-          </p:nvPr>
-        </p:nvSpPr>
-        <p:spPr>
-          <a:xfrm>
-            <a:off x="457200" y="1600200"/>
-            <a:ext cx="8435280" cy="4876800"/>
-          </a:xfrm>
-        </p:spPr>
-        <p:txBody>
-          <a:bodyPr>
-            <a:normAutofit/>
-          </a:bodyPr>
-          <a:lstStyle/>
-          <a:p>
-            <a:r>
-              <a:rPr lang="en-GB" sz="3000" dirty="0"/>
-              <a:t>Once you’ve completed this course, please provide feedback</a:t>
-            </a:r>
-          </a:p>
-          <a:p>
-            <a:pPr lvl="1"/>
-            <a:r>
-              <a:rPr lang="en-GB" sz="2600" dirty="0"/>
-              <a:t>The link is </a:t>
-            </a:r>
-            <a:r>
-              <a:rPr lang="en-GB" sz="2600" b="0" i="0" u="sng" dirty="0">
-                <a:solidFill>
-                  <a:srgbClr val="954F72"/>
-                </a:solidFill>
-                <a:effectLst/>
-                <a:hlinkClick r:id="rId3"/>
-              </a:rPr>
-              <a:t>http://bit.ly/rcds2021</a:t>
-            </a:r>
-            <a:endParaRPr lang="en-GB" sz="2600" dirty="0"/>
-          </a:p>
-          <a:p>
-            <a:pPr lvl="1"/>
-            <a:r>
-              <a:rPr lang="en-GB" sz="2600" dirty="0"/>
-              <a:t>You should also have received an email with this link</a:t>
-            </a:r>
-          </a:p>
-          <a:p>
-            <a:pPr lvl="1"/>
-            <a:r>
-              <a:rPr lang="en-GB" sz="2600" dirty="0"/>
-              <a:t>This helps us improve the class for future students</a:t>
-            </a:r>
-          </a:p>
-          <a:p>
-            <a:endParaRPr lang="en-GB" sz="3000" dirty="0"/>
-          </a:p>
-        </p:txBody>
-      </p:sp>
-    </p:spTree>
-    <p:extLst>
-      <p:ext uri="{BB962C8B-B14F-4D97-AF65-F5344CB8AC3E}">
-        <p14:creationId xmlns:p14="http://schemas.microsoft.com/office/powerpoint/2010/main" val="2122788927"/>
-      </p:ext>
-    </p:extLst>
-  </p:cSld>
-  <p:clrMapOvr>
-    <a:masterClrMapping/>
-  </p:clrMapOvr>
-  <mc:AlternateContent xmlns:mc="http://schemas.openxmlformats.org/markup-compatibility/2006" xmlns:p14="http://schemas.microsoft.com/office/powerpoint/2010/main">
-    <mc:Choice Requires="p14">
-      <p:transition p14:dur="10"/>
-    </mc:Choice>
-    <mc:Fallback xmlns="">
-      <p:transition/>
-    </mc:Fallback>
-  </mc:AlternateContent>
-</p:sld>
-</file>
-
-<file path=ppt/slides/slide24.xml><?xml version="1.0" encoding="utf-8"?>
+<file path=ppt/slides/slide22.xml><?xml version="1.0" encoding="utf-8"?>
 <p:sld xmlns:a="http://schemas.openxmlformats.org/drawingml/2006/main" xmlns:r="http://schemas.openxmlformats.org/officeDocument/2006/relationships" xmlns:p="http://schemas.openxmlformats.org/presentationml/2006/main">
   <p:cSld>
     <p:spTree>
@@ -12451,7 +11902,7 @@
             </a:pPr>
             <a:r>
               <a:rPr lang="en-GB" sz="2400" dirty="0"/>
-              <a:t>Data stored online</a:t>
+              <a:t>Data stored online – implications for patient data</a:t>
             </a:r>
           </a:p>
           <a:p>

--- a/Intro to Latex Slides.pptx
+++ b/Intro to Latex Slides.pptx
@@ -5,10 +5,10 @@
     <p:sldMasterId id="2147483648" r:id="rId1"/>
   </p:sldMasterIdLst>
   <p:notesMasterIdLst>
-    <p:notesMasterId r:id="rId24"/>
+    <p:notesMasterId r:id="rId25"/>
   </p:notesMasterIdLst>
   <p:handoutMasterIdLst>
-    <p:handoutMasterId r:id="rId25"/>
+    <p:handoutMasterId r:id="rId26"/>
   </p:handoutMasterIdLst>
   <p:sldIdLst>
     <p:sldId id="264" r:id="rId2"/>
@@ -32,7 +32,8 @@
     <p:sldId id="322" r:id="rId20"/>
     <p:sldId id="290" r:id="rId21"/>
     <p:sldId id="291" r:id="rId22"/>
-    <p:sldId id="280" r:id="rId23"/>
+    <p:sldId id="331" r:id="rId23"/>
+    <p:sldId id="280" r:id="rId24"/>
   </p:sldIdLst>
   <p:sldSz cx="9144000" cy="6858000" type="screen4x3"/>
   <p:notesSz cx="7099300" cy="10234613"/>
@@ -157,6 +158,7 @@
             <p14:sldId id="322"/>
             <p14:sldId id="290"/>
             <p14:sldId id="291"/>
+            <p14:sldId id="331"/>
             <p14:sldId id="280"/>
           </p14:sldIdLst>
         </p14:section>
@@ -432,7 +434,7 @@
           <a:p>
             <a:fld id="{88EB714B-C3CC-4216-88C1-02913905B1CF}" type="datetimeFigureOut">
               <a:rPr lang="en-GB" smtClean="0"/>
-              <a:t>24/02/2021</a:t>
+              <a:t>16/03/2021</a:t>
             </a:fld>
             <a:endParaRPr lang="en-GB"/>
           </a:p>
@@ -2779,6 +2781,90 @@
       </p:grpSpPr>
       <p:sp>
         <p:nvSpPr>
+          <p:cNvPr id="2" name="Slide Image Placeholder 1"/>
+          <p:cNvSpPr>
+            <a:spLocks noGrp="1" noRot="1" noChangeAspect="1"/>
+          </p:cNvSpPr>
+          <p:nvPr>
+            <p:ph type="sldImg"/>
+          </p:nvPr>
+        </p:nvSpPr>
+        <p:spPr/>
+      </p:sp>
+      <p:sp>
+        <p:nvSpPr>
+          <p:cNvPr id="3" name="Notes Placeholder 2"/>
+          <p:cNvSpPr>
+            <a:spLocks noGrp="1"/>
+          </p:cNvSpPr>
+          <p:nvPr>
+            <p:ph type="body" idx="1"/>
+          </p:nvPr>
+        </p:nvSpPr>
+        <p:spPr/>
+        <p:txBody>
+          <a:bodyPr/>
+          <a:lstStyle/>
+          <a:p>
+            <a:endParaRPr lang="en-GB" dirty="0"/>
+          </a:p>
+        </p:txBody>
+      </p:sp>
+      <p:sp>
+        <p:nvSpPr>
+          <p:cNvPr id="4" name="Slide Number Placeholder 3"/>
+          <p:cNvSpPr>
+            <a:spLocks noGrp="1"/>
+          </p:cNvSpPr>
+          <p:nvPr>
+            <p:ph type="sldNum" sz="quarter" idx="10"/>
+          </p:nvPr>
+        </p:nvSpPr>
+        <p:spPr/>
+        <p:txBody>
+          <a:bodyPr/>
+          <a:lstStyle/>
+          <a:p>
+            <a:fld id="{6A641EC8-C9F8-4A58-A1A7-F7D817526EEC}" type="slidenum">
+              <a:rPr lang="en-GB" smtClean="0"/>
+              <a:t>22</a:t>
+            </a:fld>
+            <a:endParaRPr lang="en-GB"/>
+          </a:p>
+        </p:txBody>
+      </p:sp>
+    </p:spTree>
+    <p:extLst>
+      <p:ext uri="{BB962C8B-B14F-4D97-AF65-F5344CB8AC3E}">
+        <p14:creationId xmlns:p14="http://schemas.microsoft.com/office/powerpoint/2010/main" val="1492413823"/>
+      </p:ext>
+    </p:extLst>
+  </p:cSld>
+  <p:clrMapOvr>
+    <a:masterClrMapping/>
+  </p:clrMapOvr>
+</p:notes>
+</file>
+
+<file path=ppt/notesSlides/notesSlide23.xml><?xml version="1.0" encoding="utf-8"?>
+<p:notes xmlns:a="http://schemas.openxmlformats.org/drawingml/2006/main" xmlns:r="http://schemas.openxmlformats.org/officeDocument/2006/relationships" xmlns:p="http://schemas.openxmlformats.org/presentationml/2006/main">
+  <p:cSld>
+    <p:spTree>
+      <p:nvGrpSpPr>
+        <p:cNvPr id="1" name=""/>
+        <p:cNvGrpSpPr/>
+        <p:nvPr/>
+      </p:nvGrpSpPr>
+      <p:grpSpPr>
+        <a:xfrm>
+          <a:off x="0" y="0"/>
+          <a:ext cx="0" cy="0"/>
+          <a:chOff x="0" y="0"/>
+          <a:chExt cx="0" cy="0"/>
+        </a:xfrm>
+      </p:grpSpPr>
+      <p:sp>
+        <p:nvSpPr>
           <p:cNvPr id="108546" name="Rectangle 7"/>
           <p:cNvSpPr>
             <a:spLocks noGrp="1" noChangeArrowheads="1"/>
@@ -2937,7 +3023,7 @@
                   <a:spcPct val="0"/>
                 </a:spcBef>
               </a:pPr>
-              <a:t>22</a:t>
+              <a:t>23</a:t>
             </a:fld>
             <a:endParaRPr lang="en-US" altLang="en-US"/>
           </a:p>
@@ -3192,7 +3278,11 @@
           <a:p>
             <a:r>
               <a:rPr lang="en-GB" dirty="0"/>
-              <a:t>Overleaf is the online environment which we’ll be using to create and compile your LaTeX documents. You should have already created an account as indicated in the pre-course instructions.</a:t>
+              <a:t>Overleaf is the online environment which we’ll be using to create and compile your LaTeX documents. College has a subscription to it so, if you sign up with your college email address, you can get the pro-version. </a:t>
+            </a:r>
+            <a:r>
+              <a:rPr lang="en-GB"/>
+              <a:t>You should have already made an account as indicated in the pre-course instructions.</a:t>
             </a:r>
             <a:br>
               <a:rPr lang="en-GB" dirty="0"/>
@@ -4267,7 +4357,7 @@
           <a:p>
             <a:fld id="{EB0080F8-EA1C-491D-963C-2C881B2F918F}" type="datetimeFigureOut">
               <a:rPr lang="en-GB" smtClean="0"/>
-              <a:t>24/02/2021</a:t>
+              <a:t>16/03/2021</a:t>
             </a:fld>
             <a:endParaRPr lang="en-GB"/>
           </a:p>
@@ -4417,7 +4507,7 @@
           <a:p>
             <a:fld id="{EB0080F8-EA1C-491D-963C-2C881B2F918F}" type="datetimeFigureOut">
               <a:rPr lang="en-GB" smtClean="0"/>
-              <a:t>24/02/2021</a:t>
+              <a:t>16/03/2021</a:t>
             </a:fld>
             <a:endParaRPr lang="en-GB"/>
           </a:p>
@@ -5950,7 +6040,7 @@
           <a:p>
             <a:fld id="{EB0080F8-EA1C-491D-963C-2C881B2F918F}" type="datetimeFigureOut">
               <a:rPr lang="en-GB" smtClean="0"/>
-              <a:t>24/02/2021</a:t>
+              <a:t>16/03/2021</a:t>
             </a:fld>
             <a:endParaRPr lang="en-GB"/>
           </a:p>
@@ -6432,7 +6522,7 @@
           <a:p>
             <a:r>
               <a:rPr lang="en-GB" sz="2400" dirty="0"/>
-              <a:t>Imperial College London Graduate School Teaching Fellow</a:t>
+              <a:t>Graduate School Teaching Fellow</a:t>
             </a:r>
           </a:p>
           <a:p>
@@ -11438,6 +11528,130 @@
 </file>
 
 <file path=ppt/slides/slide22.xml><?xml version="1.0" encoding="utf-8"?>
+<p:sld xmlns:a="http://schemas.openxmlformats.org/drawingml/2006/main" xmlns:r="http://schemas.openxmlformats.org/officeDocument/2006/relationships" xmlns:p="http://schemas.openxmlformats.org/presentationml/2006/main">
+  <p:cSld>
+    <p:spTree>
+      <p:nvGrpSpPr>
+        <p:cNvPr id="1" name=""/>
+        <p:cNvGrpSpPr/>
+        <p:nvPr/>
+      </p:nvGrpSpPr>
+      <p:grpSpPr>
+        <a:xfrm>
+          <a:off x="0" y="0"/>
+          <a:ext cx="0" cy="0"/>
+          <a:chOff x="0" y="0"/>
+          <a:chExt cx="0" cy="0"/>
+        </a:xfrm>
+      </p:grpSpPr>
+      <p:sp>
+        <p:nvSpPr>
+          <p:cNvPr id="2" name="Title 1"/>
+          <p:cNvSpPr>
+            <a:spLocks noGrp="1"/>
+          </p:cNvSpPr>
+          <p:nvPr>
+            <p:ph type="title"/>
+          </p:nvPr>
+        </p:nvSpPr>
+        <p:spPr/>
+        <p:txBody>
+          <a:bodyPr/>
+          <a:lstStyle/>
+          <a:p>
+            <a:r>
+              <a:rPr lang="en-GB" sz="4000" dirty="0"/>
+              <a:t>Feedback</a:t>
+            </a:r>
+          </a:p>
+        </p:txBody>
+      </p:sp>
+      <p:sp>
+        <p:nvSpPr>
+          <p:cNvPr id="3" name="Content Placeholder 2"/>
+          <p:cNvSpPr>
+            <a:spLocks noGrp="1"/>
+          </p:cNvSpPr>
+          <p:nvPr>
+            <p:ph idx="1"/>
+          </p:nvPr>
+        </p:nvSpPr>
+        <p:spPr>
+          <a:xfrm>
+            <a:off x="457200" y="1600200"/>
+            <a:ext cx="8435280" cy="4876800"/>
+          </a:xfrm>
+        </p:spPr>
+        <p:txBody>
+          <a:bodyPr>
+            <a:normAutofit/>
+          </a:bodyPr>
+          <a:lstStyle/>
+          <a:p>
+            <a:r>
+              <a:rPr lang="en-GB" sz="3000" dirty="0"/>
+              <a:t>Once you’ve completed this course, please provide feedback</a:t>
+            </a:r>
+          </a:p>
+          <a:p>
+            <a:pPr lvl="1"/>
+            <a:r>
+              <a:rPr lang="en-GB" sz="2600" dirty="0"/>
+              <a:t>The link is </a:t>
+            </a:r>
+            <a:r>
+              <a:rPr lang="en-GB" sz="2600" b="0" i="0" u="sng" dirty="0">
+                <a:solidFill>
+                  <a:srgbClr val="954F72"/>
+                </a:solidFill>
+                <a:effectLst/>
+                <a:hlinkClick r:id="rId3"/>
+              </a:rPr>
+              <a:t>http://bit.ly/rcds2021</a:t>
+            </a:r>
+            <a:endParaRPr lang="en-GB" sz="2600" dirty="0"/>
+          </a:p>
+          <a:p>
+            <a:pPr lvl="1"/>
+            <a:r>
+              <a:rPr lang="en-GB" sz="2600" dirty="0"/>
+              <a:t>You should also have received an email with this link</a:t>
+            </a:r>
+          </a:p>
+          <a:p>
+            <a:pPr lvl="1"/>
+            <a:r>
+              <a:rPr lang="en-GB" sz="2600" dirty="0"/>
+              <a:t>This helps us improve the class for future students</a:t>
+            </a:r>
+          </a:p>
+          <a:p>
+            <a:endParaRPr lang="en-GB" sz="3000" dirty="0"/>
+          </a:p>
+        </p:txBody>
+      </p:sp>
+    </p:spTree>
+    <p:extLst>
+      <p:ext uri="{BB962C8B-B14F-4D97-AF65-F5344CB8AC3E}">
+        <p14:creationId xmlns:p14="http://schemas.microsoft.com/office/powerpoint/2010/main" val="2122788927"/>
+      </p:ext>
+    </p:extLst>
+  </p:cSld>
+  <p:clrMapOvr>
+    <a:masterClrMapping/>
+  </p:clrMapOvr>
+  <mc:AlternateContent xmlns:mc="http://schemas.openxmlformats.org/markup-compatibility/2006" xmlns:p14="http://schemas.microsoft.com/office/powerpoint/2010/main">
+    <mc:Choice Requires="p14">
+      <p:transition p14:dur="10"/>
+    </mc:Choice>
+    <mc:Fallback xmlns="">
+      <p:transition/>
+    </mc:Fallback>
+  </mc:AlternateContent>
+</p:sld>
+</file>
+
+<file path=ppt/slides/slide23.xml><?xml version="1.0" encoding="utf-8"?>
 <p:sld xmlns:a="http://schemas.openxmlformats.org/drawingml/2006/main" xmlns:r="http://schemas.openxmlformats.org/officeDocument/2006/relationships" xmlns:p="http://schemas.openxmlformats.org/presentationml/2006/main">
   <p:cSld>
     <p:spTree>

--- a/Intro to Latex Slides.pptx
+++ b/Intro to Latex Slides.pptx
@@ -5,10 +5,10 @@
     <p:sldMasterId id="2147483648" r:id="rId1"/>
   </p:sldMasterIdLst>
   <p:notesMasterIdLst>
-    <p:notesMasterId r:id="rId25"/>
+    <p:notesMasterId r:id="rId26"/>
   </p:notesMasterIdLst>
   <p:handoutMasterIdLst>
-    <p:handoutMasterId r:id="rId26"/>
+    <p:handoutMasterId r:id="rId27"/>
   </p:handoutMasterIdLst>
   <p:sldIdLst>
     <p:sldId id="264" r:id="rId2"/>
@@ -32,8 +32,9 @@
     <p:sldId id="322" r:id="rId20"/>
     <p:sldId id="290" r:id="rId21"/>
     <p:sldId id="291" r:id="rId22"/>
-    <p:sldId id="331" r:id="rId23"/>
-    <p:sldId id="280" r:id="rId24"/>
+    <p:sldId id="328" r:id="rId23"/>
+    <p:sldId id="331" r:id="rId24"/>
+    <p:sldId id="280" r:id="rId25"/>
   </p:sldIdLst>
   <p:sldSz cx="9144000" cy="6858000" type="screen4x3"/>
   <p:notesSz cx="7099300" cy="10234613"/>
@@ -158,6 +159,7 @@
             <p14:sldId id="322"/>
             <p14:sldId id="290"/>
             <p14:sldId id="291"/>
+            <p14:sldId id="328"/>
             <p14:sldId id="331"/>
             <p14:sldId id="280"/>
           </p14:sldIdLst>
@@ -2806,7 +2808,26 @@
           <a:bodyPr/>
           <a:lstStyle/>
           <a:p>
-            <a:endParaRPr lang="en-GB" dirty="0"/>
+            <a:r>
+              <a:rPr lang="en-GB" dirty="0"/>
+              <a:t>If you want to do something in LaTeX but don’t know how, the first thing to do is to Google it. Somebody has almost certainly had your problem/desire before and you can copy their solution most of the time. On many occasions, you’ll find the answer of </a:t>
+            </a:r>
+            <a:r>
+              <a:rPr lang="en-GB" dirty="0" err="1"/>
+              <a:t>stackexchange</a:t>
+            </a:r>
+            <a:r>
+              <a:rPr lang="en-GB" dirty="0"/>
+              <a:t>. As well as being a useful environment to develop and run LaTeX, Overleaf has an extensive library of documentation on LaTeX’s functions. There’s also a very good </a:t>
+            </a:r>
+            <a:r>
+              <a:rPr lang="en-GB" dirty="0" err="1"/>
+              <a:t>wikibook</a:t>
+            </a:r>
+            <a:r>
+              <a:rPr lang="en-GB" dirty="0"/>
+              <a:t> that contains a good description of the functionality of LaTeX. There’s also a good table maker which allows you to define tables in a more natural and graphical way and have it return the equivalent LaTeX code. Finally, there’s an equation editor which allows you to define equations in a more graphical fashion and have it return the equivalent LaTeX code.</a:t>
+            </a:r>
           </a:p>
         </p:txBody>
       </p:sp>
@@ -2836,7 +2857,7 @@
     </p:spTree>
     <p:extLst>
       <p:ext uri="{BB962C8B-B14F-4D97-AF65-F5344CB8AC3E}">
-        <p14:creationId xmlns:p14="http://schemas.microsoft.com/office/powerpoint/2010/main" val="1492413823"/>
+        <p14:creationId xmlns:p14="http://schemas.microsoft.com/office/powerpoint/2010/main" val="1445805806"/>
       </p:ext>
     </p:extLst>
   </p:cSld>
@@ -2865,6 +2886,90 @@
       </p:grpSpPr>
       <p:sp>
         <p:nvSpPr>
+          <p:cNvPr id="2" name="Slide Image Placeholder 1"/>
+          <p:cNvSpPr>
+            <a:spLocks noGrp="1" noRot="1" noChangeAspect="1"/>
+          </p:cNvSpPr>
+          <p:nvPr>
+            <p:ph type="sldImg"/>
+          </p:nvPr>
+        </p:nvSpPr>
+        <p:spPr/>
+      </p:sp>
+      <p:sp>
+        <p:nvSpPr>
+          <p:cNvPr id="3" name="Notes Placeholder 2"/>
+          <p:cNvSpPr>
+            <a:spLocks noGrp="1"/>
+          </p:cNvSpPr>
+          <p:nvPr>
+            <p:ph type="body" idx="1"/>
+          </p:nvPr>
+        </p:nvSpPr>
+        <p:spPr/>
+        <p:txBody>
+          <a:bodyPr/>
+          <a:lstStyle/>
+          <a:p>
+            <a:endParaRPr lang="en-GB" dirty="0"/>
+          </a:p>
+        </p:txBody>
+      </p:sp>
+      <p:sp>
+        <p:nvSpPr>
+          <p:cNvPr id="4" name="Slide Number Placeholder 3"/>
+          <p:cNvSpPr>
+            <a:spLocks noGrp="1"/>
+          </p:cNvSpPr>
+          <p:nvPr>
+            <p:ph type="sldNum" sz="quarter" idx="10"/>
+          </p:nvPr>
+        </p:nvSpPr>
+        <p:spPr/>
+        <p:txBody>
+          <a:bodyPr/>
+          <a:lstStyle/>
+          <a:p>
+            <a:fld id="{6A641EC8-C9F8-4A58-A1A7-F7D817526EEC}" type="slidenum">
+              <a:rPr lang="en-GB" smtClean="0"/>
+              <a:t>23</a:t>
+            </a:fld>
+            <a:endParaRPr lang="en-GB"/>
+          </a:p>
+        </p:txBody>
+      </p:sp>
+    </p:spTree>
+    <p:extLst>
+      <p:ext uri="{BB962C8B-B14F-4D97-AF65-F5344CB8AC3E}">
+        <p14:creationId xmlns:p14="http://schemas.microsoft.com/office/powerpoint/2010/main" val="1492413823"/>
+      </p:ext>
+    </p:extLst>
+  </p:cSld>
+  <p:clrMapOvr>
+    <a:masterClrMapping/>
+  </p:clrMapOvr>
+</p:notes>
+</file>
+
+<file path=ppt/notesSlides/notesSlide24.xml><?xml version="1.0" encoding="utf-8"?>
+<p:notes xmlns:a="http://schemas.openxmlformats.org/drawingml/2006/main" xmlns:r="http://schemas.openxmlformats.org/officeDocument/2006/relationships" xmlns:p="http://schemas.openxmlformats.org/presentationml/2006/main">
+  <p:cSld>
+    <p:spTree>
+      <p:nvGrpSpPr>
+        <p:cNvPr id="1" name=""/>
+        <p:cNvGrpSpPr/>
+        <p:nvPr/>
+      </p:nvGrpSpPr>
+      <p:grpSpPr>
+        <a:xfrm>
+          <a:off x="0" y="0"/>
+          <a:ext cx="0" cy="0"/>
+          <a:chOff x="0" y="0"/>
+          <a:chExt cx="0" cy="0"/>
+        </a:xfrm>
+      </p:grpSpPr>
+      <p:sp>
+        <p:nvSpPr>
           <p:cNvPr id="108546" name="Rectangle 7"/>
           <p:cNvSpPr>
             <a:spLocks noGrp="1" noChangeArrowheads="1"/>
@@ -3023,7 +3128,7 @@
                   <a:spcPct val="0"/>
                 </a:spcBef>
               </a:pPr>
-              <a:t>23</a:t>
+              <a:t>24</a:t>
             </a:fld>
             <a:endParaRPr lang="en-US" altLang="en-US"/>
           </a:p>
@@ -9830,7 +9935,7 @@
             </a:r>
             <a:r>
               <a:rPr lang="en-GB" sz="2000" dirty="0"/>
-              <a:t>{...Sections}\</a:t>
+              <a:t>{...Sections}</a:t>
             </a:r>
             <a:r>
               <a:rPr lang="en-GB" sz="2000" dirty="0">
@@ -9841,7 +9946,7 @@
                   </a:schemeClr>
                 </a:solidFill>
               </a:rPr>
-              <a:t>label</a:t>
+              <a:t>\label</a:t>
             </a:r>
             <a:r>
               <a:rPr lang="en-GB" sz="2000" dirty="0"/>
@@ -11561,6 +11666,222 @@
           <a:p>
             <a:r>
               <a:rPr lang="en-GB" sz="4000" dirty="0"/>
+              <a:t>Online Tools</a:t>
+            </a:r>
+          </a:p>
+        </p:txBody>
+      </p:sp>
+      <p:sp>
+        <p:nvSpPr>
+          <p:cNvPr id="3" name="TextBox 2"/>
+          <p:cNvSpPr txBox="1"/>
+          <p:nvPr/>
+        </p:nvSpPr>
+        <p:spPr>
+          <a:xfrm>
+            <a:off x="457200" y="1957138"/>
+            <a:ext cx="3422732" cy="4247317"/>
+          </a:xfrm>
+          <a:prstGeom prst="rect">
+            <a:avLst/>
+          </a:prstGeom>
+          <a:noFill/>
+        </p:spPr>
+        <p:txBody>
+          <a:bodyPr wrap="none" rtlCol="0">
+            <a:spAutoFit/>
+          </a:bodyPr>
+          <a:lstStyle/>
+          <a:p>
+            <a:pPr marL="457200" indent="-457200">
+              <a:buFont typeface="Arial" panose="020B0604020202020204" pitchFamily="34" charset="0"/>
+              <a:buChar char="•"/>
+            </a:pPr>
+            <a:r>
+              <a:rPr lang="en-GB" sz="3000" dirty="0">
+                <a:hlinkClick r:id="rId3"/>
+              </a:rPr>
+              <a:t>Google</a:t>
+            </a:r>
+            <a:endParaRPr lang="en-GB" sz="3000" dirty="0"/>
+          </a:p>
+          <a:p>
+            <a:pPr marL="457200" indent="-457200">
+              <a:buFont typeface="Arial" panose="020B0604020202020204" pitchFamily="34" charset="0"/>
+              <a:buChar char="•"/>
+            </a:pPr>
+            <a:r>
+              <a:rPr lang="en-GB" sz="3000" dirty="0">
+                <a:hlinkClick r:id="rId4"/>
+              </a:rPr>
+              <a:t>Stack Exchange</a:t>
+            </a:r>
+            <a:endParaRPr lang="en-GB" sz="3000" dirty="0"/>
+          </a:p>
+          <a:p>
+            <a:pPr marL="457200" indent="-457200">
+              <a:buFont typeface="Arial" panose="020B0604020202020204" pitchFamily="34" charset="0"/>
+              <a:buChar char="•"/>
+            </a:pPr>
+            <a:r>
+              <a:rPr lang="en-GB" sz="3000" dirty="0">
+                <a:hlinkClick r:id="rId5"/>
+              </a:rPr>
+              <a:t>Overleaf</a:t>
+            </a:r>
+            <a:endParaRPr lang="en-GB" sz="3000" dirty="0"/>
+          </a:p>
+          <a:p>
+            <a:pPr marL="457200" indent="-457200">
+              <a:buFont typeface="Arial" panose="020B0604020202020204" pitchFamily="34" charset="0"/>
+              <a:buChar char="•"/>
+            </a:pPr>
+            <a:r>
+              <a:rPr lang="en-GB" sz="3000" dirty="0" err="1">
+                <a:hlinkClick r:id="rId6"/>
+              </a:rPr>
+              <a:t>Wikibook</a:t>
+            </a:r>
+            <a:endParaRPr lang="en-GB" sz="3000" dirty="0"/>
+          </a:p>
+          <a:p>
+            <a:pPr marL="457200" indent="-457200">
+              <a:buFont typeface="Arial" panose="020B0604020202020204" pitchFamily="34" charset="0"/>
+              <a:buChar char="•"/>
+            </a:pPr>
+            <a:r>
+              <a:rPr lang="en-GB" sz="3000" dirty="0">
+                <a:hlinkClick r:id="rId7"/>
+              </a:rPr>
+              <a:t>Table Maker</a:t>
+            </a:r>
+            <a:endParaRPr lang="en-GB" sz="3000" dirty="0"/>
+          </a:p>
+          <a:p>
+            <a:pPr marL="457200" indent="-457200">
+              <a:buFont typeface="Arial" panose="020B0604020202020204" pitchFamily="34" charset="0"/>
+              <a:buChar char="•"/>
+            </a:pPr>
+            <a:r>
+              <a:rPr lang="en-GB" sz="3000" dirty="0">
+                <a:hlinkClick r:id="rId8"/>
+              </a:rPr>
+              <a:t>Equation Editor</a:t>
+            </a:r>
+            <a:endParaRPr lang="en-GB" sz="3000" dirty="0"/>
+          </a:p>
+          <a:p>
+            <a:pPr marL="457200" indent="-457200">
+              <a:buFont typeface="Arial" panose="020B0604020202020204" pitchFamily="34" charset="0"/>
+              <a:buChar char="•"/>
+            </a:pPr>
+            <a:r>
+              <a:rPr lang="en-GB" sz="3000" dirty="0">
+                <a:hlinkClick r:id="rId9"/>
+              </a:rPr>
+              <a:t>Detexify</a:t>
+            </a:r>
+            <a:endParaRPr lang="en-GB" sz="3000" dirty="0"/>
+          </a:p>
+          <a:p>
+            <a:endParaRPr lang="en-GB" sz="3000" dirty="0"/>
+          </a:p>
+          <a:p>
+            <a:endParaRPr lang="en-GB" sz="3000" dirty="0"/>
+          </a:p>
+        </p:txBody>
+      </p:sp>
+      <p:pic>
+        <p:nvPicPr>
+          <p:cNvPr id="5" name="Picture 4">
+            <a:extLst>
+              <a:ext uri="{FF2B5EF4-FFF2-40B4-BE49-F238E27FC236}">
+                <a16:creationId xmlns:a16="http://schemas.microsoft.com/office/drawing/2014/main" id="{7024B7B7-0AE3-46F6-B545-576352E8C718}"/>
+              </a:ext>
+            </a:extLst>
+          </p:cNvPr>
+          <p:cNvPicPr>
+            <a:picLocks noChangeAspect="1"/>
+          </p:cNvPicPr>
+          <p:nvPr/>
+        </p:nvPicPr>
+        <p:blipFill>
+          <a:blip r:embed="rId10">
+            <a:extLst>
+              <a:ext uri="{837473B0-CC2E-450A-ABE3-18F120FF3D39}">
+                <a1611:picAttrSrcUrl xmlns:a1611="http://schemas.microsoft.com/office/drawing/2016/11/main" r:id="rId11"/>
+              </a:ext>
+            </a:extLst>
+          </a:blip>
+          <a:stretch>
+            <a:fillRect/>
+          </a:stretch>
+        </p:blipFill>
+        <p:spPr>
+          <a:xfrm>
+            <a:off x="4895582" y="2233493"/>
+            <a:ext cx="4248418" cy="4624507"/>
+          </a:xfrm>
+          <a:prstGeom prst="rect">
+            <a:avLst/>
+          </a:prstGeom>
+        </p:spPr>
+      </p:pic>
+    </p:spTree>
+    <p:extLst>
+      <p:ext uri="{BB962C8B-B14F-4D97-AF65-F5344CB8AC3E}">
+        <p14:creationId xmlns:p14="http://schemas.microsoft.com/office/powerpoint/2010/main" val="1331705178"/>
+      </p:ext>
+    </p:extLst>
+  </p:cSld>
+  <p:clrMapOvr>
+    <a:masterClrMapping/>
+  </p:clrMapOvr>
+  <mc:AlternateContent xmlns:mc="http://schemas.openxmlformats.org/markup-compatibility/2006" xmlns:p14="http://schemas.microsoft.com/office/powerpoint/2010/main">
+    <mc:Choice Requires="p14">
+      <p:transition p14:dur="10"/>
+    </mc:Choice>
+    <mc:Fallback xmlns="">
+      <p:transition/>
+    </mc:Fallback>
+  </mc:AlternateContent>
+</p:sld>
+</file>
+
+<file path=ppt/slides/slide23.xml><?xml version="1.0" encoding="utf-8"?>
+<p:sld xmlns:a="http://schemas.openxmlformats.org/drawingml/2006/main" xmlns:r="http://schemas.openxmlformats.org/officeDocument/2006/relationships" xmlns:p="http://schemas.openxmlformats.org/presentationml/2006/main">
+  <p:cSld>
+    <p:spTree>
+      <p:nvGrpSpPr>
+        <p:cNvPr id="1" name=""/>
+        <p:cNvGrpSpPr/>
+        <p:nvPr/>
+      </p:nvGrpSpPr>
+      <p:grpSpPr>
+        <a:xfrm>
+          <a:off x="0" y="0"/>
+          <a:ext cx="0" cy="0"/>
+          <a:chOff x="0" y="0"/>
+          <a:chExt cx="0" cy="0"/>
+        </a:xfrm>
+      </p:grpSpPr>
+      <p:sp>
+        <p:nvSpPr>
+          <p:cNvPr id="2" name="Title 1"/>
+          <p:cNvSpPr>
+            <a:spLocks noGrp="1"/>
+          </p:cNvSpPr>
+          <p:nvPr>
+            <p:ph type="title"/>
+          </p:nvPr>
+        </p:nvSpPr>
+        <p:spPr/>
+        <p:txBody>
+          <a:bodyPr/>
+          <a:lstStyle/>
+          <a:p>
+            <a:r>
+              <a:rPr lang="en-GB" sz="4000" dirty="0"/>
               <a:t>Feedback</a:t>
             </a:r>
           </a:p>
@@ -11651,7 +11972,7 @@
 </p:sld>
 </file>
 
-<file path=ppt/slides/slide23.xml><?xml version="1.0" encoding="utf-8"?>
+<file path=ppt/slides/slide24.xml><?xml version="1.0" encoding="utf-8"?>
 <p:sld xmlns:a="http://schemas.openxmlformats.org/drawingml/2006/main" xmlns:r="http://schemas.openxmlformats.org/officeDocument/2006/relationships" xmlns:p="http://schemas.openxmlformats.org/presentationml/2006/main">
   <p:cSld>
     <p:spTree>

--- a/Intro to Latex Slides.pptx
+++ b/Intro to Latex Slides.pptx
@@ -436,7 +436,7 @@
           <a:p>
             <a:fld id="{88EB714B-C3CC-4216-88C1-02913905B1CF}" type="datetimeFigureOut">
               <a:rPr lang="en-GB" smtClean="0"/>
-              <a:t>16/03/2021</a:t>
+              <a:t>04/10/2021</a:t>
             </a:fld>
             <a:endParaRPr lang="en-GB"/>
           </a:p>
@@ -4462,7 +4462,7 @@
           <a:p>
             <a:fld id="{EB0080F8-EA1C-491D-963C-2C881B2F918F}" type="datetimeFigureOut">
               <a:rPr lang="en-GB" smtClean="0"/>
-              <a:t>16/03/2021</a:t>
+              <a:t>04/10/2021</a:t>
             </a:fld>
             <a:endParaRPr lang="en-GB"/>
           </a:p>
@@ -4612,7 +4612,7 @@
           <a:p>
             <a:fld id="{EB0080F8-EA1C-491D-963C-2C881B2F918F}" type="datetimeFigureOut">
               <a:rPr lang="en-GB" smtClean="0"/>
-              <a:t>16/03/2021</a:t>
+              <a:t>04/10/2021</a:t>
             </a:fld>
             <a:endParaRPr lang="en-GB"/>
           </a:p>
@@ -6145,7 +6145,7 @@
           <a:p>
             <a:fld id="{EB0080F8-EA1C-491D-963C-2C881B2F918F}" type="datetimeFigureOut">
               <a:rPr lang="en-GB" smtClean="0"/>
-              <a:t>16/03/2021</a:t>
+              <a:t>04/10/2021</a:t>
             </a:fld>
             <a:endParaRPr lang="en-GB"/>
           </a:p>
@@ -6627,7 +6627,15 @@
           <a:p>
             <a:r>
               <a:rPr lang="en-GB" sz="2400" dirty="0"/>
-              <a:t>Graduate School Teaching Fellow</a:t>
+              <a:t>Graduate </a:t>
+            </a:r>
+            <a:r>
+              <a:rPr lang="en-GB" sz="2400"/>
+              <a:t>School Senior Teaching </a:t>
+            </a:r>
+            <a:r>
+              <a:rPr lang="en-GB" sz="2400" dirty="0"/>
+              <a:t>Fellow</a:t>
             </a:r>
           </a:p>
           <a:p>
@@ -11921,16 +11929,27 @@
               <a:t>The link is </a:t>
             </a:r>
             <a:r>
-              <a:rPr lang="en-GB" sz="2600" b="0" i="0" u="sng" dirty="0">
-                <a:solidFill>
-                  <a:srgbClr val="954F72"/>
+              <a:rPr lang="en-GB" sz="2600" u="sng" dirty="0">
+                <a:solidFill>
+                  <a:srgbClr val="000000"/>
                 </a:solidFill>
                 <a:effectLst/>
+                <a:latin typeface="Arial" panose="020B0604020202020204" pitchFamily="34" charset="0"/>
+                <a:ea typeface="Times New Roman" panose="02020603050405020304" pitchFamily="18" charset="0"/>
+                <a:cs typeface="Arial" panose="020B0604020202020204" pitchFamily="34" charset="0"/>
                 <a:hlinkClick r:id="rId3"/>
               </a:rPr>
-              <a:t>http://bit.ly/rcds2021</a:t>
-            </a:r>
-            <a:endParaRPr lang="en-GB" sz="2600" dirty="0"/>
+              <a:t>tinyurl.com/rcds2021-22</a:t>
+            </a:r>
+            <a:endParaRPr lang="en-GB" sz="2600" u="sng" dirty="0">
+              <a:solidFill>
+                <a:srgbClr val="000000"/>
+              </a:solidFill>
+              <a:effectLst/>
+              <a:latin typeface="Arial" panose="020B0604020202020204" pitchFamily="34" charset="0"/>
+              <a:ea typeface="Times New Roman" panose="02020603050405020304" pitchFamily="18" charset="0"/>
+              <a:cs typeface="Arial" panose="020B0604020202020204" pitchFamily="34" charset="0"/>
+            </a:endParaRPr>
           </a:p>
           <a:p>
             <a:pPr lvl="1"/>

--- a/Intro to Latex Slides.pptx
+++ b/Intro to Latex Slides.pptx
@@ -5,36 +5,38 @@
     <p:sldMasterId id="2147483648" r:id="rId1"/>
   </p:sldMasterIdLst>
   <p:notesMasterIdLst>
-    <p:notesMasterId r:id="rId26"/>
+    <p:notesMasterId r:id="rId28"/>
   </p:notesMasterIdLst>
   <p:handoutMasterIdLst>
-    <p:handoutMasterId r:id="rId27"/>
+    <p:handoutMasterId r:id="rId29"/>
   </p:handoutMasterIdLst>
   <p:sldIdLst>
     <p:sldId id="264" r:id="rId2"/>
-    <p:sldId id="267" r:id="rId3"/>
-    <p:sldId id="268" r:id="rId4"/>
-    <p:sldId id="292" r:id="rId5"/>
-    <p:sldId id="269" r:id="rId6"/>
-    <p:sldId id="271" r:id="rId7"/>
-    <p:sldId id="278" r:id="rId8"/>
-    <p:sldId id="288" r:id="rId9"/>
-    <p:sldId id="270" r:id="rId10"/>
-    <p:sldId id="284" r:id="rId11"/>
-    <p:sldId id="285" r:id="rId12"/>
-    <p:sldId id="287" r:id="rId13"/>
-    <p:sldId id="286" r:id="rId14"/>
-    <p:sldId id="281" r:id="rId15"/>
-    <p:sldId id="282" r:id="rId16"/>
-    <p:sldId id="277" r:id="rId17"/>
-    <p:sldId id="319" r:id="rId18"/>
-    <p:sldId id="321" r:id="rId19"/>
-    <p:sldId id="322" r:id="rId20"/>
-    <p:sldId id="290" r:id="rId21"/>
-    <p:sldId id="291" r:id="rId22"/>
-    <p:sldId id="328" r:id="rId23"/>
-    <p:sldId id="331" r:id="rId24"/>
-    <p:sldId id="280" r:id="rId25"/>
+    <p:sldId id="258" r:id="rId3"/>
+    <p:sldId id="257" r:id="rId4"/>
+    <p:sldId id="267" r:id="rId5"/>
+    <p:sldId id="268" r:id="rId6"/>
+    <p:sldId id="292" r:id="rId7"/>
+    <p:sldId id="269" r:id="rId8"/>
+    <p:sldId id="271" r:id="rId9"/>
+    <p:sldId id="278" r:id="rId10"/>
+    <p:sldId id="288" r:id="rId11"/>
+    <p:sldId id="270" r:id="rId12"/>
+    <p:sldId id="284" r:id="rId13"/>
+    <p:sldId id="285" r:id="rId14"/>
+    <p:sldId id="287" r:id="rId15"/>
+    <p:sldId id="286" r:id="rId16"/>
+    <p:sldId id="281" r:id="rId17"/>
+    <p:sldId id="282" r:id="rId18"/>
+    <p:sldId id="277" r:id="rId19"/>
+    <p:sldId id="319" r:id="rId20"/>
+    <p:sldId id="321" r:id="rId21"/>
+    <p:sldId id="322" r:id="rId22"/>
+    <p:sldId id="290" r:id="rId23"/>
+    <p:sldId id="291" r:id="rId24"/>
+    <p:sldId id="328" r:id="rId25"/>
+    <p:sldId id="331" r:id="rId26"/>
+    <p:sldId id="280" r:id="rId27"/>
   </p:sldIdLst>
   <p:sldSz cx="9144000" cy="6858000" type="screen4x3"/>
   <p:notesSz cx="7099300" cy="10234613"/>
@@ -139,6 +141,8 @@
         <p14:section name="Introduction" id="{45EEEAF5-8C61-4410-A3AB-B2CD0B57ECF0}">
           <p14:sldIdLst>
             <p14:sldId id="264"/>
+            <p14:sldId id="258"/>
+            <p14:sldId id="257"/>
             <p14:sldId id="267"/>
             <p14:sldId id="268"/>
             <p14:sldId id="292"/>
@@ -1045,7 +1049,7 @@
           <a:p>
             <a:fld id="{6A641EC8-C9F8-4A58-A1A7-F7D817526EEC}" type="slidenum">
               <a:rPr lang="en-GB" smtClean="0"/>
-              <a:t>10</a:t>
+              <a:t>12</a:t>
             </a:fld>
             <a:endParaRPr lang="en-GB"/>
           </a:p>
@@ -1175,7 +1179,7 @@
           <a:p>
             <a:fld id="{6A641EC8-C9F8-4A58-A1A7-F7D817526EEC}" type="slidenum">
               <a:rPr lang="en-GB" smtClean="0"/>
-              <a:t>11</a:t>
+              <a:t>13</a:t>
             </a:fld>
             <a:endParaRPr lang="en-GB"/>
           </a:p>
@@ -1367,7 +1371,7 @@
           <a:p>
             <a:fld id="{6A641EC8-C9F8-4A58-A1A7-F7D817526EEC}" type="slidenum">
               <a:rPr lang="en-GB" smtClean="0"/>
-              <a:t>12</a:t>
+              <a:t>14</a:t>
             </a:fld>
             <a:endParaRPr lang="en-GB"/>
           </a:p>
@@ -1471,7 +1475,7 @@
           <a:p>
             <a:fld id="{6A641EC8-C9F8-4A58-A1A7-F7D817526EEC}" type="slidenum">
               <a:rPr lang="en-GB" smtClean="0"/>
-              <a:t>13</a:t>
+              <a:t>15</a:t>
             </a:fld>
             <a:endParaRPr lang="en-GB"/>
           </a:p>
@@ -1656,7 +1660,7 @@
           <a:p>
             <a:fld id="{6A641EC8-C9F8-4A58-A1A7-F7D817526EEC}" type="slidenum">
               <a:rPr lang="en-GB" smtClean="0"/>
-              <a:t>14</a:t>
+              <a:t>16</a:t>
             </a:fld>
             <a:endParaRPr lang="en-GB"/>
           </a:p>
@@ -1824,7 +1828,7 @@
           <a:p>
             <a:fld id="{6A641EC8-C9F8-4A58-A1A7-F7D817526EEC}" type="slidenum">
               <a:rPr lang="en-GB" smtClean="0"/>
-              <a:t>15</a:t>
+              <a:t>17</a:t>
             </a:fld>
             <a:endParaRPr lang="en-GB"/>
           </a:p>
@@ -1979,7 +1983,7 @@
           <a:p>
             <a:fld id="{6A641EC8-C9F8-4A58-A1A7-F7D817526EEC}" type="slidenum">
               <a:rPr lang="en-GB" smtClean="0"/>
-              <a:t>16</a:t>
+              <a:t>18</a:t>
             </a:fld>
             <a:endParaRPr lang="en-GB"/>
           </a:p>
@@ -2084,7 +2088,7 @@
           <a:p>
             <a:fld id="{6A641EC8-C9F8-4A58-A1A7-F7D817526EEC}" type="slidenum">
               <a:rPr lang="en-GB" smtClean="0"/>
-              <a:t>17</a:t>
+              <a:t>19</a:t>
             </a:fld>
             <a:endParaRPr lang="en-GB"/>
           </a:p>
@@ -2222,7 +2226,7 @@
           <a:p>
             <a:fld id="{6A641EC8-C9F8-4A58-A1A7-F7D817526EEC}" type="slidenum">
               <a:rPr lang="en-GB" smtClean="0"/>
-              <a:t>18</a:t>
+              <a:t>20</a:t>
             </a:fld>
             <a:endParaRPr lang="en-GB"/>
           </a:p>
@@ -2388,7 +2392,7 @@
           <a:p>
             <a:fld id="{6A641EC8-C9F8-4A58-A1A7-F7D817526EEC}" type="slidenum">
               <a:rPr lang="en-GB" smtClean="0"/>
-              <a:t>19</a:t>
+              <a:t>21</a:t>
             </a:fld>
             <a:endParaRPr lang="en-GB"/>
           </a:p>
@@ -2472,7 +2476,7 @@
           <a:p>
             <a:fld id="{6A641EC8-C9F8-4A58-A1A7-F7D817526EEC}" type="slidenum">
               <a:rPr lang="en-GB" smtClean="0"/>
-              <a:t>2</a:t>
+              <a:t>4</a:t>
             </a:fld>
             <a:endParaRPr lang="en-GB"/>
           </a:p>
@@ -2624,7 +2628,7 @@
           <a:p>
             <a:fld id="{6A641EC8-C9F8-4A58-A1A7-F7D817526EEC}" type="slidenum">
               <a:rPr lang="en-GB" smtClean="0"/>
-              <a:t>20</a:t>
+              <a:t>22</a:t>
             </a:fld>
             <a:endParaRPr lang="en-GB"/>
           </a:p>
@@ -2745,7 +2749,7 @@
           <a:p>
             <a:fld id="{6A641EC8-C9F8-4A58-A1A7-F7D817526EEC}" type="slidenum">
               <a:rPr lang="en-GB" smtClean="0"/>
-              <a:t>21</a:t>
+              <a:t>23</a:t>
             </a:fld>
             <a:endParaRPr lang="en-GB"/>
           </a:p>
@@ -2848,7 +2852,7 @@
           <a:p>
             <a:fld id="{6A641EC8-C9F8-4A58-A1A7-F7D817526EEC}" type="slidenum">
               <a:rPr lang="en-GB" smtClean="0"/>
-              <a:t>22</a:t>
+              <a:t>24</a:t>
             </a:fld>
             <a:endParaRPr lang="en-GB"/>
           </a:p>
@@ -2932,7 +2936,7 @@
           <a:p>
             <a:fld id="{6A641EC8-C9F8-4A58-A1A7-F7D817526EEC}" type="slidenum">
               <a:rPr lang="en-GB" smtClean="0"/>
-              <a:t>23</a:t>
+              <a:t>25</a:t>
             </a:fld>
             <a:endParaRPr lang="en-GB"/>
           </a:p>
@@ -3128,7 +3132,7 @@
                   <a:spcPct val="0"/>
                 </a:spcBef>
               </a:pPr>
-              <a:t>24</a:t>
+              <a:t>26</a:t>
             </a:fld>
             <a:endParaRPr lang="en-US" altLang="en-US"/>
           </a:p>
@@ -3318,7 +3322,7 @@
           <a:p>
             <a:fld id="{6A641EC8-C9F8-4A58-A1A7-F7D817526EEC}" type="slidenum">
               <a:rPr lang="en-GB" smtClean="0"/>
-              <a:t>3</a:t>
+              <a:t>5</a:t>
             </a:fld>
             <a:endParaRPr lang="en-GB"/>
           </a:p>
@@ -3437,7 +3441,7 @@
           <a:p>
             <a:fld id="{6A641EC8-C9F8-4A58-A1A7-F7D817526EEC}" type="slidenum">
               <a:rPr lang="en-GB" smtClean="0"/>
-              <a:t>4</a:t>
+              <a:t>6</a:t>
             </a:fld>
             <a:endParaRPr lang="en-GB"/>
           </a:p>
@@ -3615,7 +3619,7 @@
           <a:p>
             <a:fld id="{6A641EC8-C9F8-4A58-A1A7-F7D817526EEC}" type="slidenum">
               <a:rPr lang="en-GB" smtClean="0"/>
-              <a:t>5</a:t>
+              <a:t>7</a:t>
             </a:fld>
             <a:endParaRPr lang="en-GB"/>
           </a:p>
@@ -3702,7 +3706,7 @@
           <a:p>
             <a:fld id="{6A641EC8-C9F8-4A58-A1A7-F7D817526EEC}" type="slidenum">
               <a:rPr lang="en-GB" smtClean="0"/>
-              <a:t>6</a:t>
+              <a:t>8</a:t>
             </a:fld>
             <a:endParaRPr lang="en-GB"/>
           </a:p>
@@ -3814,7 +3818,7 @@
           <a:p>
             <a:fld id="{6A641EC8-C9F8-4A58-A1A7-F7D817526EEC}" type="slidenum">
               <a:rPr lang="en-GB" smtClean="0"/>
-              <a:t>7</a:t>
+              <a:t>9</a:t>
             </a:fld>
             <a:endParaRPr lang="en-GB"/>
           </a:p>
@@ -3927,7 +3931,7 @@
           <a:p>
             <a:fld id="{6A641EC8-C9F8-4A58-A1A7-F7D817526EEC}" type="slidenum">
               <a:rPr lang="en-GB" smtClean="0"/>
-              <a:t>8</a:t>
+              <a:t>10</a:t>
             </a:fld>
             <a:endParaRPr lang="en-GB"/>
           </a:p>
@@ -4084,7 +4088,7 @@
           <a:p>
             <a:fld id="{6A641EC8-C9F8-4A58-A1A7-F7D817526EEC}" type="slidenum">
               <a:rPr lang="en-GB" smtClean="0"/>
-              <a:t>9</a:t>
+              <a:t>11</a:t>
             </a:fld>
             <a:endParaRPr lang="en-GB"/>
           </a:p>
@@ -6712,8 +6716,69 @@
           <a:p>
             <a:r>
               <a:rPr lang="en-GB" sz="4000" dirty="0"/>
-              <a:t>Lists</a:t>
-            </a:r>
+              <a:t>Table of Contents</a:t>
+            </a:r>
+          </a:p>
+        </p:txBody>
+      </p:sp>
+      <p:sp>
+        <p:nvSpPr>
+          <p:cNvPr id="4" name="TextBox 3"/>
+          <p:cNvSpPr txBox="1"/>
+          <p:nvPr/>
+        </p:nvSpPr>
+        <p:spPr>
+          <a:xfrm>
+            <a:off x="746438" y="3245892"/>
+            <a:ext cx="2896947" cy="553998"/>
+          </a:xfrm>
+          <a:prstGeom prst="rect">
+            <a:avLst/>
+          </a:prstGeom>
+          <a:noFill/>
+        </p:spPr>
+        <p:txBody>
+          <a:bodyPr wrap="none" rtlCol="0">
+            <a:spAutoFit/>
+          </a:bodyPr>
+          <a:lstStyle/>
+          <a:p>
+            <a:r>
+              <a:rPr lang="en-GB" sz="3000" dirty="0">
+                <a:solidFill>
+                  <a:schemeClr val="tx2">
+                    <a:lumMod val="50000"/>
+                    <a:lumOff val="50000"/>
+                  </a:schemeClr>
+                </a:solidFill>
+                <a:latin typeface="+mj-lt"/>
+                <a:cs typeface="Courier New" panose="02070309020205020404" pitchFamily="49" charset="0"/>
+              </a:rPr>
+              <a:t>\</a:t>
+            </a:r>
+            <a:r>
+              <a:rPr lang="en-GB" sz="3000" dirty="0" err="1">
+                <a:solidFill>
+                  <a:schemeClr val="tx2">
+                    <a:lumMod val="50000"/>
+                    <a:lumOff val="50000"/>
+                  </a:schemeClr>
+                </a:solidFill>
+                <a:latin typeface="+mj-lt"/>
+                <a:cs typeface="Courier New" panose="02070309020205020404" pitchFamily="49" charset="0"/>
+              </a:rPr>
+              <a:t>tableofcontents</a:t>
+            </a:r>
+            <a:endParaRPr lang="en-GB" sz="3000" dirty="0">
+              <a:solidFill>
+                <a:schemeClr val="tx2">
+                  <a:lumMod val="50000"/>
+                  <a:lumOff val="50000"/>
+                </a:schemeClr>
+              </a:solidFill>
+              <a:latin typeface="+mj-lt"/>
+              <a:cs typeface="Courier New" panose="02070309020205020404" pitchFamily="49" charset="0"/>
+            </a:endParaRPr>
           </a:p>
         </p:txBody>
       </p:sp>
@@ -6749,6 +6814,653 @@
       </p:cxnSp>
       <p:sp>
         <p:nvSpPr>
+          <p:cNvPr id="3" name="TextBox 2"/>
+          <p:cNvSpPr txBox="1"/>
+          <p:nvPr/>
+        </p:nvSpPr>
+        <p:spPr>
+          <a:xfrm>
+            <a:off x="4735773" y="2130202"/>
+            <a:ext cx="4189863" cy="2246769"/>
+          </a:xfrm>
+          <a:prstGeom prst="rect">
+            <a:avLst/>
+          </a:prstGeom>
+          <a:noFill/>
+        </p:spPr>
+        <p:txBody>
+          <a:bodyPr wrap="square" rtlCol="0">
+            <a:spAutoFit/>
+          </a:bodyPr>
+          <a:lstStyle/>
+          <a:p>
+            <a:r>
+              <a:rPr lang="en-US" sz="4000" dirty="0">
+                <a:latin typeface="Times New Roman" panose="02020603050405020304" pitchFamily="18" charset="0"/>
+                <a:cs typeface="Times New Roman" panose="02020603050405020304" pitchFamily="18" charset="0"/>
+              </a:rPr>
+              <a:t>Contents</a:t>
+            </a:r>
+          </a:p>
+          <a:p>
+            <a:endParaRPr lang="en-US" sz="1000" dirty="0">
+              <a:latin typeface="Times New Roman" panose="02020603050405020304" pitchFamily="18" charset="0"/>
+              <a:cs typeface="Times New Roman" panose="02020603050405020304" pitchFamily="18" charset="0"/>
+            </a:endParaRPr>
+          </a:p>
+          <a:p>
+            <a:r>
+              <a:rPr lang="en-US" sz="3000" dirty="0">
+                <a:latin typeface="Times New Roman" panose="02020603050405020304" pitchFamily="18" charset="0"/>
+                <a:cs typeface="Times New Roman" panose="02020603050405020304" pitchFamily="18" charset="0"/>
+              </a:rPr>
+              <a:t>1		 The Cat				1</a:t>
+            </a:r>
+          </a:p>
+          <a:p>
+            <a:r>
+              <a:rPr lang="en-US" sz="3000" dirty="0">
+                <a:latin typeface="Times New Roman" panose="02020603050405020304" pitchFamily="18" charset="0"/>
+                <a:cs typeface="Times New Roman" panose="02020603050405020304" pitchFamily="18" charset="0"/>
+              </a:rPr>
+              <a:t>	1.1	 Sat On……...	2</a:t>
+            </a:r>
+          </a:p>
+          <a:p>
+            <a:r>
+              <a:rPr lang="en-US" sz="3000" dirty="0">
+                <a:latin typeface="Times New Roman" panose="02020603050405020304" pitchFamily="18" charset="0"/>
+                <a:cs typeface="Times New Roman" panose="02020603050405020304" pitchFamily="18" charset="0"/>
+              </a:rPr>
+              <a:t>		1.1.1   The Mat…	3</a:t>
+            </a:r>
+            <a:endParaRPr lang="en-GB" sz="3000" dirty="0">
+              <a:latin typeface="Times New Roman" panose="02020603050405020304" pitchFamily="18" charset="0"/>
+              <a:cs typeface="Times New Roman" panose="02020603050405020304" pitchFamily="18" charset="0"/>
+            </a:endParaRPr>
+          </a:p>
+        </p:txBody>
+      </p:sp>
+      <p:sp>
+        <p:nvSpPr>
+          <p:cNvPr id="6" name="TextBox 5">
+            <a:extLst>
+              <a:ext uri="{FF2B5EF4-FFF2-40B4-BE49-F238E27FC236}">
+                <a16:creationId xmlns:a16="http://schemas.microsoft.com/office/drawing/2014/main" id="{016B593D-9671-4306-AC3D-C3E5EF3900E6}"/>
+              </a:ext>
+            </a:extLst>
+          </p:cNvPr>
+          <p:cNvSpPr txBox="1"/>
+          <p:nvPr/>
+        </p:nvSpPr>
+        <p:spPr>
+          <a:xfrm>
+            <a:off x="7357241" y="6498021"/>
+            <a:ext cx="1697422" cy="369332"/>
+          </a:xfrm>
+          <a:prstGeom prst="rect">
+            <a:avLst/>
+          </a:prstGeom>
+          <a:noFill/>
+        </p:spPr>
+        <p:txBody>
+          <a:bodyPr wrap="square" rtlCol="0">
+            <a:spAutoFit/>
+          </a:bodyPr>
+          <a:lstStyle/>
+          <a:p>
+            <a:r>
+              <a:rPr lang="en-GB" dirty="0">
+                <a:solidFill>
+                  <a:schemeClr val="accent2"/>
+                </a:solidFill>
+              </a:rPr>
+              <a:t>Problem Sheet</a:t>
+            </a:r>
+          </a:p>
+        </p:txBody>
+      </p:sp>
+    </p:spTree>
+    <p:extLst>
+      <p:ext uri="{BB962C8B-B14F-4D97-AF65-F5344CB8AC3E}">
+        <p14:creationId xmlns:p14="http://schemas.microsoft.com/office/powerpoint/2010/main" val="2980091057"/>
+      </p:ext>
+    </p:extLst>
+  </p:cSld>
+  <p:clrMapOvr>
+    <a:masterClrMapping/>
+  </p:clrMapOvr>
+  <mc:AlternateContent xmlns:mc="http://schemas.openxmlformats.org/markup-compatibility/2006" xmlns:p14="http://schemas.microsoft.com/office/powerpoint/2010/main">
+    <mc:Choice Requires="p14">
+      <p:transition p14:dur="10"/>
+    </mc:Choice>
+    <mc:Fallback xmlns="">
+      <p:transition/>
+    </mc:Fallback>
+  </mc:AlternateContent>
+</p:sld>
+</file>
+
+<file path=ppt/slides/slide11.xml><?xml version="1.0" encoding="utf-8"?>
+<p:sld xmlns:a="http://schemas.openxmlformats.org/drawingml/2006/main" xmlns:r="http://schemas.openxmlformats.org/officeDocument/2006/relationships" xmlns:p="http://schemas.openxmlformats.org/presentationml/2006/main">
+  <p:cSld>
+    <p:spTree>
+      <p:nvGrpSpPr>
+        <p:cNvPr id="1" name=""/>
+        <p:cNvGrpSpPr/>
+        <p:nvPr/>
+      </p:nvGrpSpPr>
+      <p:grpSpPr>
+        <a:xfrm>
+          <a:off x="0" y="0"/>
+          <a:ext cx="0" cy="0"/>
+          <a:chOff x="0" y="0"/>
+          <a:chExt cx="0" cy="0"/>
+        </a:xfrm>
+      </p:grpSpPr>
+      <p:sp>
+        <p:nvSpPr>
+          <p:cNvPr id="2" name="Title 1"/>
+          <p:cNvSpPr>
+            <a:spLocks noGrp="1"/>
+          </p:cNvSpPr>
+          <p:nvPr>
+            <p:ph type="title"/>
+          </p:nvPr>
+        </p:nvSpPr>
+        <p:spPr/>
+        <p:txBody>
+          <a:bodyPr/>
+          <a:lstStyle/>
+          <a:p>
+            <a:r>
+              <a:rPr lang="en-GB" sz="4000" dirty="0"/>
+              <a:t>Modifying Text</a:t>
+            </a:r>
+          </a:p>
+        </p:txBody>
+      </p:sp>
+      <p:sp>
+        <p:nvSpPr>
+          <p:cNvPr id="3" name="TextBox 2"/>
+          <p:cNvSpPr txBox="1"/>
+          <p:nvPr/>
+        </p:nvSpPr>
+        <p:spPr>
+          <a:xfrm>
+            <a:off x="268972" y="1710769"/>
+            <a:ext cx="4206706" cy="4154984"/>
+          </a:xfrm>
+          <a:prstGeom prst="rect">
+            <a:avLst/>
+          </a:prstGeom>
+          <a:noFill/>
+        </p:spPr>
+        <p:txBody>
+          <a:bodyPr wrap="square" rtlCol="0">
+            <a:spAutoFit/>
+          </a:bodyPr>
+          <a:lstStyle/>
+          <a:p>
+            <a:r>
+              <a:rPr lang="en-GB" sz="2400" dirty="0">
+                <a:latin typeface="+mj-lt"/>
+                <a:cs typeface="Courier New" panose="02070309020205020404" pitchFamily="49" charset="0"/>
+              </a:rPr>
+              <a:t>The </a:t>
+            </a:r>
+            <a:r>
+              <a:rPr lang="en-GB" sz="2400" dirty="0">
+                <a:solidFill>
+                  <a:schemeClr val="tx2">
+                    <a:lumMod val="50000"/>
+                    <a:lumOff val="50000"/>
+                  </a:schemeClr>
+                </a:solidFill>
+                <a:latin typeface="+mj-lt"/>
+                <a:cs typeface="Courier New" panose="02070309020205020404" pitchFamily="49" charset="0"/>
+              </a:rPr>
+              <a:t>\</a:t>
+            </a:r>
+            <a:r>
+              <a:rPr lang="en-GB" sz="2400" dirty="0" err="1">
+                <a:solidFill>
+                  <a:schemeClr val="tx2">
+                    <a:lumMod val="50000"/>
+                    <a:lumOff val="50000"/>
+                  </a:schemeClr>
+                </a:solidFill>
+                <a:latin typeface="+mj-lt"/>
+                <a:cs typeface="Courier New" panose="02070309020205020404" pitchFamily="49" charset="0"/>
+              </a:rPr>
+              <a:t>emph</a:t>
+            </a:r>
+            <a:r>
+              <a:rPr lang="en-GB" sz="2400" dirty="0">
+                <a:latin typeface="+mj-lt"/>
+                <a:cs typeface="Courier New" panose="02070309020205020404" pitchFamily="49" charset="0"/>
+              </a:rPr>
+              <a:t>{</a:t>
+            </a:r>
+            <a:r>
+              <a:rPr lang="en-GB" sz="2400" dirty="0" err="1">
+                <a:latin typeface="+mj-lt"/>
+                <a:cs typeface="Courier New" panose="02070309020205020404" pitchFamily="49" charset="0"/>
+              </a:rPr>
+              <a:t>slanty</a:t>
+            </a:r>
+            <a:r>
+              <a:rPr lang="en-GB" sz="2400" dirty="0">
+                <a:latin typeface="+mj-lt"/>
+                <a:cs typeface="Courier New" panose="02070309020205020404" pitchFamily="49" charset="0"/>
+              </a:rPr>
+              <a:t> cat}</a:t>
+            </a:r>
+          </a:p>
+          <a:p>
+            <a:endParaRPr lang="en-GB" sz="2400" dirty="0">
+              <a:latin typeface="+mj-lt"/>
+              <a:cs typeface="Courier New" panose="02070309020205020404" pitchFamily="49" charset="0"/>
+            </a:endParaRPr>
+          </a:p>
+          <a:p>
+            <a:r>
+              <a:rPr lang="en-GB" sz="2400" dirty="0">
+                <a:latin typeface="+mj-lt"/>
+                <a:cs typeface="Courier New" panose="02070309020205020404" pitchFamily="49" charset="0"/>
+              </a:rPr>
+              <a:t>The </a:t>
+            </a:r>
+            <a:r>
+              <a:rPr lang="en-GB" sz="2400" dirty="0">
+                <a:solidFill>
+                  <a:schemeClr val="tx2">
+                    <a:lumMod val="50000"/>
+                    <a:lumOff val="50000"/>
+                  </a:schemeClr>
+                </a:solidFill>
+                <a:latin typeface="+mj-lt"/>
+                <a:cs typeface="Courier New" panose="02070309020205020404" pitchFamily="49" charset="0"/>
+              </a:rPr>
+              <a:t>\</a:t>
+            </a:r>
+            <a:r>
+              <a:rPr lang="en-GB" sz="2400" dirty="0" err="1">
+                <a:solidFill>
+                  <a:schemeClr val="tx2">
+                    <a:lumMod val="50000"/>
+                    <a:lumOff val="50000"/>
+                  </a:schemeClr>
+                </a:solidFill>
+                <a:latin typeface="+mj-lt"/>
+                <a:cs typeface="Courier New" panose="02070309020205020404" pitchFamily="49" charset="0"/>
+              </a:rPr>
+              <a:t>textbf</a:t>
+            </a:r>
+            <a:r>
+              <a:rPr lang="en-GB" sz="2400" dirty="0">
+                <a:latin typeface="+mj-lt"/>
+                <a:cs typeface="Courier New" panose="02070309020205020404" pitchFamily="49" charset="0"/>
+              </a:rPr>
+              <a:t>{fat cat}</a:t>
+            </a:r>
+          </a:p>
+          <a:p>
+            <a:endParaRPr lang="en-GB" sz="2400" dirty="0">
+              <a:latin typeface="+mj-lt"/>
+              <a:cs typeface="Courier New" panose="02070309020205020404" pitchFamily="49" charset="0"/>
+            </a:endParaRPr>
+          </a:p>
+          <a:p>
+            <a:r>
+              <a:rPr lang="en-GB" sz="2400" dirty="0">
+                <a:latin typeface="+mj-lt"/>
+                <a:cs typeface="Courier New" panose="02070309020205020404" pitchFamily="49" charset="0"/>
+              </a:rPr>
+              <a:t>The </a:t>
+            </a:r>
+            <a:r>
+              <a:rPr lang="en-GB" sz="2400" dirty="0">
+                <a:solidFill>
+                  <a:schemeClr val="tx2">
+                    <a:lumMod val="50000"/>
+                    <a:lumOff val="50000"/>
+                  </a:schemeClr>
+                </a:solidFill>
+                <a:latin typeface="+mj-lt"/>
+                <a:cs typeface="Courier New" panose="02070309020205020404" pitchFamily="49" charset="0"/>
+              </a:rPr>
+              <a:t>\underline</a:t>
+            </a:r>
+            <a:r>
+              <a:rPr lang="en-GB" sz="2400" dirty="0">
+                <a:latin typeface="+mj-lt"/>
+                <a:cs typeface="Courier New" panose="02070309020205020404" pitchFamily="49" charset="0"/>
+              </a:rPr>
+              <a:t>{important cat}</a:t>
+            </a:r>
+          </a:p>
+          <a:p>
+            <a:endParaRPr lang="en-GB" sz="2400" dirty="0">
+              <a:latin typeface="+mj-lt"/>
+              <a:cs typeface="Courier New" panose="02070309020205020404" pitchFamily="49" charset="0"/>
+            </a:endParaRPr>
+          </a:p>
+          <a:p>
+            <a:r>
+              <a:rPr lang="en-GB" sz="2400" dirty="0">
+                <a:latin typeface="+mj-lt"/>
+                <a:cs typeface="Courier New" panose="02070309020205020404" pitchFamily="49" charset="0"/>
+              </a:rPr>
+              <a:t>The {</a:t>
+            </a:r>
+            <a:r>
+              <a:rPr lang="en-GB" sz="2400" dirty="0">
+                <a:solidFill>
+                  <a:schemeClr val="tx2">
+                    <a:lumMod val="50000"/>
+                    <a:lumOff val="50000"/>
+                  </a:schemeClr>
+                </a:solidFill>
+                <a:latin typeface="+mj-lt"/>
+                <a:cs typeface="Courier New" panose="02070309020205020404" pitchFamily="49" charset="0"/>
+              </a:rPr>
+              <a:t>\huge </a:t>
+            </a:r>
+            <a:r>
+              <a:rPr lang="en-GB" sz="2400" dirty="0" err="1">
+                <a:latin typeface="+mj-lt"/>
+                <a:cs typeface="Courier New" panose="02070309020205020404" pitchFamily="49" charset="0"/>
+              </a:rPr>
+              <a:t>huge</a:t>
+            </a:r>
+            <a:r>
+              <a:rPr lang="en-GB" sz="2400" dirty="0">
+                <a:latin typeface="+mj-lt"/>
+                <a:cs typeface="Courier New" panose="02070309020205020404" pitchFamily="49" charset="0"/>
+              </a:rPr>
+              <a:t> cat}</a:t>
+            </a:r>
+          </a:p>
+          <a:p>
+            <a:endParaRPr lang="en-GB" sz="2400" dirty="0">
+              <a:latin typeface="+mj-lt"/>
+              <a:cs typeface="Courier New" panose="02070309020205020404" pitchFamily="49" charset="0"/>
+            </a:endParaRPr>
+          </a:p>
+          <a:p>
+            <a:r>
+              <a:rPr lang="en-GB" sz="2400" dirty="0">
+                <a:latin typeface="+mj-lt"/>
+                <a:cs typeface="Courier New" panose="02070309020205020404" pitchFamily="49" charset="0"/>
+              </a:rPr>
+              <a:t>The {</a:t>
+            </a:r>
+            <a:r>
+              <a:rPr lang="en-GB" sz="2400" dirty="0">
+                <a:solidFill>
+                  <a:schemeClr val="tx2">
+                    <a:lumMod val="50000"/>
+                    <a:lumOff val="50000"/>
+                  </a:schemeClr>
+                </a:solidFill>
+                <a:latin typeface="+mj-lt"/>
+                <a:cs typeface="Courier New" panose="02070309020205020404" pitchFamily="49" charset="0"/>
+              </a:rPr>
+              <a:t>\large </a:t>
+            </a:r>
+            <a:r>
+              <a:rPr lang="en-GB" sz="2400" dirty="0" err="1">
+                <a:latin typeface="+mj-lt"/>
+                <a:cs typeface="Courier New" panose="02070309020205020404" pitchFamily="49" charset="0"/>
+              </a:rPr>
+              <a:t>large</a:t>
+            </a:r>
+            <a:r>
+              <a:rPr lang="en-GB" sz="2400" dirty="0">
+                <a:latin typeface="+mj-lt"/>
+                <a:cs typeface="Courier New" panose="02070309020205020404" pitchFamily="49" charset="0"/>
+              </a:rPr>
+              <a:t> cat}</a:t>
+            </a:r>
+          </a:p>
+          <a:p>
+            <a:endParaRPr lang="en-GB" sz="2400" dirty="0">
+              <a:latin typeface="+mj-lt"/>
+              <a:cs typeface="Courier New" panose="02070309020205020404" pitchFamily="49" charset="0"/>
+            </a:endParaRPr>
+          </a:p>
+          <a:p>
+            <a:r>
+              <a:rPr lang="en-GB" sz="2400" dirty="0">
+                <a:latin typeface="+mj-lt"/>
+                <a:cs typeface="Courier New" panose="02070309020205020404" pitchFamily="49" charset="0"/>
+              </a:rPr>
+              <a:t>The {</a:t>
+            </a:r>
+            <a:r>
+              <a:rPr lang="en-GB" sz="2400" dirty="0">
+                <a:solidFill>
+                  <a:schemeClr val="tx2">
+                    <a:lumMod val="50000"/>
+                    <a:lumOff val="50000"/>
+                  </a:schemeClr>
+                </a:solidFill>
+                <a:latin typeface="+mj-lt"/>
+                <a:cs typeface="Courier New" panose="02070309020205020404" pitchFamily="49" charset="0"/>
+              </a:rPr>
+              <a:t>\small </a:t>
+            </a:r>
+            <a:r>
+              <a:rPr lang="en-GB" sz="2400" dirty="0" err="1">
+                <a:latin typeface="+mj-lt"/>
+                <a:cs typeface="Courier New" panose="02070309020205020404" pitchFamily="49" charset="0"/>
+              </a:rPr>
+              <a:t>small</a:t>
+            </a:r>
+            <a:r>
+              <a:rPr lang="en-GB" sz="2400" dirty="0">
+                <a:latin typeface="+mj-lt"/>
+                <a:cs typeface="Courier New" panose="02070309020205020404" pitchFamily="49" charset="0"/>
+              </a:rPr>
+              <a:t> cat}</a:t>
+            </a:r>
+          </a:p>
+        </p:txBody>
+      </p:sp>
+      <p:cxnSp>
+        <p:nvCxnSpPr>
+          <p:cNvPr id="11" name="Straight Connector 10"/>
+          <p:cNvCxnSpPr>
+            <a:stCxn id="2" idx="2"/>
+          </p:cNvCxnSpPr>
+          <p:nvPr/>
+        </p:nvCxnSpPr>
+        <p:spPr>
+          <a:xfrm>
+            <a:off x="4572000" y="1417638"/>
+            <a:ext cx="0" cy="5440362"/>
+          </a:xfrm>
+          <a:prstGeom prst="line">
+            <a:avLst/>
+          </a:prstGeom>
+        </p:spPr>
+        <p:style>
+          <a:lnRef idx="2">
+            <a:schemeClr val="accent1"/>
+          </a:lnRef>
+          <a:fillRef idx="0">
+            <a:schemeClr val="accent1"/>
+          </a:fillRef>
+          <a:effectRef idx="1">
+            <a:schemeClr val="accent1"/>
+          </a:effectRef>
+          <a:fontRef idx="minor">
+            <a:schemeClr val="tx1"/>
+          </a:fontRef>
+        </p:style>
+      </p:cxnSp>
+      <p:pic>
+        <p:nvPicPr>
+          <p:cNvPr id="5" name="Picture 4">
+            <a:extLst>
+              <a:ext uri="{FF2B5EF4-FFF2-40B4-BE49-F238E27FC236}">
+                <a16:creationId xmlns:a16="http://schemas.microsoft.com/office/drawing/2014/main" id="{AB2F844D-984E-4649-B0FB-9BC12F9B424F}"/>
+              </a:ext>
+            </a:extLst>
+          </p:cNvPr>
+          <p:cNvPicPr>
+            <a:picLocks noChangeAspect="1"/>
+          </p:cNvPicPr>
+          <p:nvPr/>
+        </p:nvPicPr>
+        <p:blipFill>
+          <a:blip r:embed="rId3"/>
+          <a:stretch>
+            <a:fillRect/>
+          </a:stretch>
+        </p:blipFill>
+        <p:spPr>
+          <a:xfrm>
+            <a:off x="4668323" y="2025574"/>
+            <a:ext cx="4206705" cy="3525374"/>
+          </a:xfrm>
+          <a:prstGeom prst="rect">
+            <a:avLst/>
+          </a:prstGeom>
+        </p:spPr>
+      </p:pic>
+      <p:sp>
+        <p:nvSpPr>
+          <p:cNvPr id="6" name="TextBox 5">
+            <a:extLst>
+              <a:ext uri="{FF2B5EF4-FFF2-40B4-BE49-F238E27FC236}">
+                <a16:creationId xmlns:a16="http://schemas.microsoft.com/office/drawing/2014/main" id="{7A10A9CE-6A22-4E2E-A35F-53E4CDDCABB4}"/>
+              </a:ext>
+            </a:extLst>
+          </p:cNvPr>
+          <p:cNvSpPr txBox="1"/>
+          <p:nvPr/>
+        </p:nvSpPr>
+        <p:spPr>
+          <a:xfrm>
+            <a:off x="7357241" y="6498021"/>
+            <a:ext cx="1697422" cy="369332"/>
+          </a:xfrm>
+          <a:prstGeom prst="rect">
+            <a:avLst/>
+          </a:prstGeom>
+          <a:noFill/>
+        </p:spPr>
+        <p:txBody>
+          <a:bodyPr wrap="square" rtlCol="0">
+            <a:spAutoFit/>
+          </a:bodyPr>
+          <a:lstStyle/>
+          <a:p>
+            <a:r>
+              <a:rPr lang="en-GB" dirty="0">
+                <a:solidFill>
+                  <a:schemeClr val="accent2"/>
+                </a:solidFill>
+              </a:rPr>
+              <a:t>Problem Sheet</a:t>
+            </a:r>
+          </a:p>
+        </p:txBody>
+      </p:sp>
+    </p:spTree>
+    <p:extLst>
+      <p:ext uri="{BB962C8B-B14F-4D97-AF65-F5344CB8AC3E}">
+        <p14:creationId xmlns:p14="http://schemas.microsoft.com/office/powerpoint/2010/main" val="3434731930"/>
+      </p:ext>
+    </p:extLst>
+  </p:cSld>
+  <p:clrMapOvr>
+    <a:masterClrMapping/>
+  </p:clrMapOvr>
+  <mc:AlternateContent xmlns:mc="http://schemas.openxmlformats.org/markup-compatibility/2006" xmlns:p14="http://schemas.microsoft.com/office/powerpoint/2010/main">
+    <mc:Choice Requires="p14">
+      <p:transition p14:dur="10"/>
+    </mc:Choice>
+    <mc:Fallback xmlns="">
+      <p:transition/>
+    </mc:Fallback>
+  </mc:AlternateContent>
+</p:sld>
+</file>
+
+<file path=ppt/slides/slide12.xml><?xml version="1.0" encoding="utf-8"?>
+<p:sld xmlns:a="http://schemas.openxmlformats.org/drawingml/2006/main" xmlns:r="http://schemas.openxmlformats.org/officeDocument/2006/relationships" xmlns:p="http://schemas.openxmlformats.org/presentationml/2006/main">
+  <p:cSld>
+    <p:spTree>
+      <p:nvGrpSpPr>
+        <p:cNvPr id="1" name=""/>
+        <p:cNvGrpSpPr/>
+        <p:nvPr/>
+      </p:nvGrpSpPr>
+      <p:grpSpPr>
+        <a:xfrm>
+          <a:off x="0" y="0"/>
+          <a:ext cx="0" cy="0"/>
+          <a:chOff x="0" y="0"/>
+          <a:chExt cx="0" cy="0"/>
+        </a:xfrm>
+      </p:grpSpPr>
+      <p:sp>
+        <p:nvSpPr>
+          <p:cNvPr id="2" name="Title 1"/>
+          <p:cNvSpPr>
+            <a:spLocks noGrp="1"/>
+          </p:cNvSpPr>
+          <p:nvPr>
+            <p:ph type="title"/>
+          </p:nvPr>
+        </p:nvSpPr>
+        <p:spPr/>
+        <p:txBody>
+          <a:bodyPr/>
+          <a:lstStyle/>
+          <a:p>
+            <a:r>
+              <a:rPr lang="en-GB" sz="4000" dirty="0"/>
+              <a:t>Lists</a:t>
+            </a:r>
+          </a:p>
+        </p:txBody>
+      </p:sp>
+      <p:cxnSp>
+        <p:nvCxnSpPr>
+          <p:cNvPr id="11" name="Straight Connector 10"/>
+          <p:cNvCxnSpPr/>
+          <p:nvPr/>
+        </p:nvCxnSpPr>
+        <p:spPr>
+          <a:xfrm>
+            <a:off x="4572000" y="1417638"/>
+            <a:ext cx="0" cy="5440362"/>
+          </a:xfrm>
+          <a:prstGeom prst="line">
+            <a:avLst/>
+          </a:prstGeom>
+        </p:spPr>
+        <p:style>
+          <a:lnRef idx="2">
+            <a:schemeClr val="accent1"/>
+          </a:lnRef>
+          <a:fillRef idx="0">
+            <a:schemeClr val="accent1"/>
+          </a:fillRef>
+          <a:effectRef idx="1">
+            <a:schemeClr val="accent1"/>
+          </a:effectRef>
+          <a:fontRef idx="minor">
+            <a:schemeClr val="tx1"/>
+          </a:fontRef>
+        </p:style>
+      </p:cxnSp>
+      <p:sp>
+        <p:nvSpPr>
           <p:cNvPr id="7" name="Rectangle 1"/>
           <p:cNvSpPr>
             <a:spLocks noChangeArrowheads="1"/>
@@ -7499,7 +8211,7 @@
 </p:sld>
 </file>
 
-<file path=ppt/slides/slide11.xml><?xml version="1.0" encoding="utf-8"?>
+<file path=ppt/slides/slide13.xml><?xml version="1.0" encoding="utf-8"?>
 <p:sld xmlns:a="http://schemas.openxmlformats.org/drawingml/2006/main" xmlns:r="http://schemas.openxmlformats.org/officeDocument/2006/relationships" xmlns:p="http://schemas.openxmlformats.org/presentationml/2006/main">
   <p:cSld>
     <p:spTree>
@@ -7784,7 +8496,7 @@
 </p:sld>
 </file>
 
-<file path=ppt/slides/slide12.xml><?xml version="1.0" encoding="utf-8"?>
+<file path=ppt/slides/slide14.xml><?xml version="1.0" encoding="utf-8"?>
 <p:sld xmlns:a="http://schemas.openxmlformats.org/drawingml/2006/main" xmlns:r="http://schemas.openxmlformats.org/officeDocument/2006/relationships" xmlns:p="http://schemas.openxmlformats.org/presentationml/2006/main">
   <p:cSld>
     <p:spTree>
@@ -8349,7 +9061,7 @@
 </p:sld>
 </file>
 
-<file path=ppt/slides/slide13.xml><?xml version="1.0" encoding="utf-8"?>
+<file path=ppt/slides/slide15.xml><?xml version="1.0" encoding="utf-8"?>
 <p:sld xmlns:a="http://schemas.openxmlformats.org/drawingml/2006/main" xmlns:r="http://schemas.openxmlformats.org/officeDocument/2006/relationships" xmlns:p="http://schemas.openxmlformats.org/presentationml/2006/main">
   <p:cSld>
     <p:spTree>
@@ -8848,7 +9560,7 @@
 </p:sld>
 </file>
 
-<file path=ppt/slides/slide14.xml><?xml version="1.0" encoding="utf-8"?>
+<file path=ppt/slides/slide16.xml><?xml version="1.0" encoding="utf-8"?>
 <p:sld xmlns:a="http://schemas.openxmlformats.org/drawingml/2006/main" xmlns:r="http://schemas.openxmlformats.org/officeDocument/2006/relationships" xmlns:p="http://schemas.openxmlformats.org/presentationml/2006/main">
   <p:cSld>
     <p:spTree>
@@ -9222,7 +9934,7 @@
 </p:sld>
 </file>
 
-<file path=ppt/slides/slide15.xml><?xml version="1.0" encoding="utf-8"?>
+<file path=ppt/slides/slide17.xml><?xml version="1.0" encoding="utf-8"?>
 <p:sld xmlns:a="http://schemas.openxmlformats.org/drawingml/2006/main" xmlns:r="http://schemas.openxmlformats.org/officeDocument/2006/relationships" xmlns:p="http://schemas.openxmlformats.org/presentationml/2006/main">
   <p:cSld>
     <p:spTree>
@@ -9655,7 +10367,7 @@
 </p:sld>
 </file>
 
-<file path=ppt/slides/slide16.xml><?xml version="1.0" encoding="utf-8"?>
+<file path=ppt/slides/slide18.xml><?xml version="1.0" encoding="utf-8"?>
 <p:sld xmlns:a="http://schemas.openxmlformats.org/drawingml/2006/main" xmlns:r="http://schemas.openxmlformats.org/officeDocument/2006/relationships" xmlns:p="http://schemas.openxmlformats.org/presentationml/2006/main">
   <p:cSld>
     <p:spTree>
@@ -10116,7 +10828,7 @@
 </p:sld>
 </file>
 
-<file path=ppt/slides/slide17.xml><?xml version="1.0" encoding="utf-8"?>
+<file path=ppt/slides/slide19.xml><?xml version="1.0" encoding="utf-8"?>
 <p:sld xmlns:a="http://schemas.openxmlformats.org/drawingml/2006/main" xmlns:r="http://schemas.openxmlformats.org/officeDocument/2006/relationships" xmlns:p="http://schemas.openxmlformats.org/presentationml/2006/main">
   <p:cSld>
     <p:spTree>
@@ -10234,7 +10946,213 @@
 </p:sld>
 </file>
 
-<file path=ppt/slides/slide18.xml><?xml version="1.0" encoding="utf-8"?>
+<file path=ppt/slides/slide2.xml><?xml version="1.0" encoding="utf-8"?>
+<p:sld xmlns:a="http://schemas.openxmlformats.org/drawingml/2006/main" xmlns:r="http://schemas.openxmlformats.org/officeDocument/2006/relationships" xmlns:p="http://schemas.openxmlformats.org/presentationml/2006/main">
+  <p:cSld>
+    <p:spTree>
+      <p:nvGrpSpPr>
+        <p:cNvPr id="1" name=""/>
+        <p:cNvGrpSpPr/>
+        <p:nvPr/>
+      </p:nvGrpSpPr>
+      <p:grpSpPr>
+        <a:xfrm>
+          <a:off x="0" y="0"/>
+          <a:ext cx="0" cy="0"/>
+          <a:chOff x="0" y="0"/>
+          <a:chExt cx="0" cy="0"/>
+        </a:xfrm>
+      </p:grpSpPr>
+      <p:sp>
+        <p:nvSpPr>
+          <p:cNvPr id="4" name="Title 1"/>
+          <p:cNvSpPr txBox="1">
+            <a:spLocks/>
+          </p:cNvSpPr>
+          <p:nvPr/>
+        </p:nvSpPr>
+        <p:spPr>
+          <a:xfrm>
+            <a:off x="401320" y="472966"/>
+            <a:ext cx="5778764" cy="961696"/>
+          </a:xfrm>
+          <a:prstGeom prst="rect">
+            <a:avLst/>
+          </a:prstGeom>
+        </p:spPr>
+        <p:txBody>
+          <a:bodyPr anchor="b"/>
+          <a:lstStyle>
+            <a:lvl1pPr algn="l" defTabSz="457200" rtl="0" eaLnBrk="1" latinLnBrk="0" hangingPunct="1">
+              <a:lnSpc>
+                <a:spcPct val="90000"/>
+              </a:lnSpc>
+              <a:spcBef>
+                <a:spcPct val="0"/>
+              </a:spcBef>
+              <a:buNone/>
+              <a:defRPr sz="4000" b="1" i="0" kern="1200" baseline="0">
+                <a:solidFill>
+                  <a:schemeClr val="tx2"/>
+                </a:solidFill>
+                <a:latin typeface="+mj-lt"/>
+                <a:ea typeface="+mj-ea"/>
+                <a:cs typeface="MetaOT-Bold"/>
+              </a:defRPr>
+            </a:lvl1pPr>
+          </a:lstStyle>
+          <a:p>
+            <a:r>
+              <a:rPr lang="en-US" sz="3200" dirty="0">
+                <a:solidFill>
+                  <a:schemeClr val="accent3"/>
+                </a:solidFill>
+              </a:rPr>
+              <a:t>Expectations:  Covid-safe teaching environments</a:t>
+            </a:r>
+          </a:p>
+        </p:txBody>
+      </p:sp>
+      <p:sp>
+        <p:nvSpPr>
+          <p:cNvPr id="5" name="Subtitle 2"/>
+          <p:cNvSpPr>
+            <a:spLocks noGrp="1"/>
+          </p:cNvSpPr>
+          <p:nvPr>
+            <p:ph type="subTitle" idx="1"/>
+          </p:nvPr>
+        </p:nvSpPr>
+        <p:spPr>
+          <a:xfrm>
+            <a:off x="401320" y="1631731"/>
+            <a:ext cx="8490432" cy="4548352"/>
+          </a:xfrm>
+        </p:spPr>
+        <p:txBody>
+          <a:bodyPr lIns="91440" tIns="45720" rIns="91440" bIns="45720" anchor="t"/>
+          <a:lstStyle/>
+          <a:p>
+            <a:r>
+              <a:rPr lang="en-US" sz="2200" u="sng" dirty="0">
+                <a:ea typeface="+mj-lt"/>
+                <a:cs typeface="+mj-lt"/>
+              </a:rPr>
+              <a:t>Face coverings</a:t>
+            </a:r>
+          </a:p>
+          <a:p>
+            <a:pPr marL="457200" indent="-457200">
+              <a:buFont typeface="Arial" panose="020B0604020202020204" pitchFamily="34" charset="0"/>
+              <a:buChar char="•"/>
+            </a:pPr>
+            <a:r>
+              <a:rPr lang="en-GB" sz="2200" dirty="0">
+                <a:latin typeface="+mn-lt"/>
+                <a:ea typeface="Calibri" panose="020F0502020204030204" pitchFamily="34" charset="0"/>
+                <a:cs typeface="Times New Roman"/>
+              </a:rPr>
+              <a:t>You are expected to wear a face covering </a:t>
+            </a:r>
+            <a:endParaRPr lang="en-GB" sz="2200" dirty="0"/>
+          </a:p>
+          <a:p>
+            <a:pPr marL="457200" indent="-457200">
+              <a:buFont typeface="Arial" panose="020B0604020202020204" pitchFamily="34" charset="0"/>
+              <a:buChar char="•"/>
+            </a:pPr>
+            <a:r>
+              <a:rPr lang="en-US" sz="2200" dirty="0">
+                <a:ea typeface="+mj-lt"/>
+                <a:cs typeface="+mj-lt"/>
+              </a:rPr>
+              <a:t>Tutors will deliver their workshop 2 meters distance from </a:t>
+            </a:r>
+            <a:r>
+              <a:rPr lang="en-US" sz="2200">
+                <a:ea typeface="+mj-lt"/>
+                <a:cs typeface="+mj-lt"/>
+              </a:rPr>
+              <a:t>you </a:t>
+            </a:r>
+            <a:endParaRPr lang="en-US" sz="2200" dirty="0">
+              <a:ea typeface="+mj-lt"/>
+              <a:cs typeface="+mj-lt"/>
+            </a:endParaRPr>
+          </a:p>
+          <a:p>
+            <a:endParaRPr lang="en-US" sz="2200" u="sng" dirty="0">
+              <a:latin typeface="+mn-lt"/>
+              <a:ea typeface="+mj-lt"/>
+              <a:cs typeface="+mj-lt"/>
+            </a:endParaRPr>
+          </a:p>
+          <a:p>
+            <a:r>
+              <a:rPr lang="en-US" sz="2200" u="sng" dirty="0">
+                <a:latin typeface="+mn-lt"/>
+                <a:ea typeface="+mj-lt"/>
+                <a:cs typeface="+mj-lt"/>
+              </a:rPr>
+              <a:t>Hygiene</a:t>
+            </a:r>
+            <a:endParaRPr lang="en-GB" sz="2200" u="sng" dirty="0">
+              <a:latin typeface="+mn-lt"/>
+              <a:ea typeface="Calibri" panose="020F0502020204030204" pitchFamily="34" charset="0"/>
+              <a:cs typeface="Times New Roman"/>
+            </a:endParaRPr>
+          </a:p>
+          <a:p>
+            <a:pPr marL="457200" indent="-457200">
+              <a:buFont typeface="Arial" panose="020B0604020202020204" pitchFamily="34" charset="0"/>
+              <a:buChar char="•"/>
+            </a:pPr>
+            <a:r>
+              <a:rPr lang="en-US" sz="2200" dirty="0"/>
+              <a:t>Where hand </a:t>
+            </a:r>
+            <a:r>
+              <a:rPr lang="en-US" sz="2200" dirty="0" err="1"/>
+              <a:t>sanitiser</a:t>
+            </a:r>
+            <a:r>
+              <a:rPr lang="en-US" sz="2200" dirty="0"/>
+              <a:t> is available, please use it</a:t>
+            </a:r>
+          </a:p>
+          <a:p>
+            <a:pPr marL="457200" indent="-457200">
+              <a:buFont typeface="Arial" panose="020B0604020202020204" pitchFamily="34" charset="0"/>
+              <a:buChar char="•"/>
+            </a:pPr>
+            <a:r>
+              <a:rPr lang="en-US" sz="2200" dirty="0"/>
+              <a:t>Please wipe down any communal/shared course materials/equipment </a:t>
+            </a:r>
+          </a:p>
+          <a:p>
+            <a:pPr marL="457200" indent="-457200">
+              <a:buFont typeface="Arial" panose="020B0604020202020204" pitchFamily="34" charset="0"/>
+              <a:buChar char="•"/>
+            </a:pPr>
+            <a:endParaRPr lang="en-US" sz="2400" dirty="0"/>
+          </a:p>
+        </p:txBody>
+      </p:sp>
+    </p:spTree>
+    <p:extLst>
+      <p:ext uri="{BB962C8B-B14F-4D97-AF65-F5344CB8AC3E}">
+        <p14:creationId xmlns:p14="http://schemas.microsoft.com/office/powerpoint/2010/main" val="70908208"/>
+      </p:ext>
+    </p:extLst>
+  </p:cSld>
+  <p:clrMapOvr>
+    <a:masterClrMapping/>
+  </p:clrMapOvr>
+</p:sld>
+</file>
+
+<file path=ppt/slides/slide20.xml><?xml version="1.0" encoding="utf-8"?>
 <p:sld xmlns:a="http://schemas.openxmlformats.org/drawingml/2006/main" xmlns:r="http://schemas.openxmlformats.org/officeDocument/2006/relationships" xmlns:p="http://schemas.openxmlformats.org/presentationml/2006/main">
   <p:cSld>
     <p:spTree>
@@ -10704,7 +11622,7 @@
 </p:sld>
 </file>
 
-<file path=ppt/slides/slide19.xml><?xml version="1.0" encoding="utf-8"?>
+<file path=ppt/slides/slide21.xml><?xml version="1.0" encoding="utf-8"?>
 <p:sld xmlns:a="http://schemas.openxmlformats.org/drawingml/2006/main" xmlns:r="http://schemas.openxmlformats.org/officeDocument/2006/relationships" xmlns:p="http://schemas.openxmlformats.org/presentationml/2006/main">
   <p:cSld>
     <p:spTree>
@@ -11173,221 +12091,7 @@
 </p:sld>
 </file>
 
-<file path=ppt/slides/slide2.xml><?xml version="1.0" encoding="utf-8"?>
-<p:sld xmlns:a="http://schemas.openxmlformats.org/drawingml/2006/main" xmlns:r="http://schemas.openxmlformats.org/officeDocument/2006/relationships" xmlns:p="http://schemas.openxmlformats.org/presentationml/2006/main">
-  <p:cSld>
-    <p:spTree>
-      <p:nvGrpSpPr>
-        <p:cNvPr id="1" name=""/>
-        <p:cNvGrpSpPr/>
-        <p:nvPr/>
-      </p:nvGrpSpPr>
-      <p:grpSpPr>
-        <a:xfrm>
-          <a:off x="0" y="0"/>
-          <a:ext cx="0" cy="0"/>
-          <a:chOff x="0" y="0"/>
-          <a:chExt cx="0" cy="0"/>
-        </a:xfrm>
-      </p:grpSpPr>
-      <p:sp>
-        <p:nvSpPr>
-          <p:cNvPr id="2" name="Title 1"/>
-          <p:cNvSpPr>
-            <a:spLocks noGrp="1"/>
-          </p:cNvSpPr>
-          <p:nvPr>
-            <p:ph type="title"/>
-          </p:nvPr>
-        </p:nvSpPr>
-        <p:spPr/>
-        <p:txBody>
-          <a:bodyPr/>
-          <a:lstStyle/>
-          <a:p>
-            <a:r>
-              <a:rPr lang="en-GB" sz="4000" dirty="0"/>
-              <a:t>Learning Outcomes</a:t>
-            </a:r>
-          </a:p>
-        </p:txBody>
-      </p:sp>
-      <p:sp>
-        <p:nvSpPr>
-          <p:cNvPr id="3" name="Content Placeholder 2"/>
-          <p:cNvSpPr>
-            <a:spLocks noGrp="1"/>
-          </p:cNvSpPr>
-          <p:nvPr>
-            <p:ph idx="1"/>
-          </p:nvPr>
-        </p:nvSpPr>
-        <p:spPr>
-          <a:xfrm>
-            <a:off x="457200" y="1600200"/>
-            <a:ext cx="8435280" cy="4876800"/>
-          </a:xfrm>
-        </p:spPr>
-        <p:txBody>
-          <a:bodyPr>
-            <a:normAutofit/>
-          </a:bodyPr>
-          <a:lstStyle/>
-          <a:p>
-            <a:pPr marL="0" lvl="0" indent="0" fontAlgn="base">
-              <a:spcBef>
-                <a:spcPts val="600"/>
-              </a:spcBef>
-              <a:spcAft>
-                <a:spcPts val="600"/>
-              </a:spcAft>
-              <a:buNone/>
-            </a:pPr>
-            <a:r>
-              <a:rPr lang="en-GB" sz="100" dirty="0"/>
-              <a:t> </a:t>
-            </a:r>
-          </a:p>
-          <a:p>
-            <a:r>
-              <a:rPr lang="en-GB" sz="2400" b="1" dirty="0"/>
-              <a:t>Recognise</a:t>
-            </a:r>
-            <a:r>
-              <a:rPr lang="en-GB" sz="2400" dirty="0"/>
-              <a:t> the advantages of </a:t>
-            </a:r>
-            <a:r>
-              <a:rPr lang="en-GB" sz="2400" dirty="0" err="1"/>
-              <a:t>LaTeX</a:t>
-            </a:r>
-            <a:r>
-              <a:rPr lang="en-GB" sz="2400" dirty="0"/>
-              <a:t> and its applications in the wider context of typesetting</a:t>
-            </a:r>
-          </a:p>
-          <a:p>
-            <a:endParaRPr lang="en-GB" sz="100" dirty="0"/>
-          </a:p>
-          <a:p>
-            <a:endParaRPr lang="en-GB" sz="100" dirty="0"/>
-          </a:p>
-          <a:p>
-            <a:endParaRPr lang="en-GB" sz="100" dirty="0"/>
-          </a:p>
-          <a:p>
-            <a:r>
-              <a:rPr lang="en-GB" sz="2400" b="1" dirty="0"/>
-              <a:t>Identify</a:t>
-            </a:r>
-            <a:r>
-              <a:rPr lang="en-GB" sz="2400" dirty="0"/>
-              <a:t> the key features for reading and compiling an existing .</a:t>
-            </a:r>
-            <a:r>
-              <a:rPr lang="en-GB" sz="2400" dirty="0" err="1"/>
-              <a:t>tex</a:t>
-            </a:r>
-            <a:r>
-              <a:rPr lang="en-GB" sz="2400" dirty="0"/>
-              <a:t> document</a:t>
-            </a:r>
-          </a:p>
-          <a:p>
-            <a:endParaRPr lang="en-GB" sz="100" dirty="0"/>
-          </a:p>
-          <a:p>
-            <a:endParaRPr lang="en-GB" sz="100" dirty="0"/>
-          </a:p>
-          <a:p>
-            <a:endParaRPr lang="en-GB" sz="100" dirty="0"/>
-          </a:p>
-          <a:p>
-            <a:r>
-              <a:rPr lang="en-GB" sz="2400" b="1" dirty="0"/>
-              <a:t>Develop</a:t>
-            </a:r>
-            <a:r>
-              <a:rPr lang="en-GB" sz="2400" dirty="0"/>
-              <a:t> new technical documents from simple templates</a:t>
-            </a:r>
-          </a:p>
-          <a:p>
-            <a:endParaRPr lang="en-GB" sz="100" dirty="0"/>
-          </a:p>
-          <a:p>
-            <a:endParaRPr lang="en-GB" sz="100" dirty="0"/>
-          </a:p>
-          <a:p>
-            <a:endParaRPr lang="en-GB" sz="100" dirty="0"/>
-          </a:p>
-          <a:p>
-            <a:r>
-              <a:rPr lang="en-GB" sz="2400" b="1" dirty="0"/>
-              <a:t>Create</a:t>
-            </a:r>
-            <a:r>
-              <a:rPr lang="en-GB" sz="2400" dirty="0"/>
-              <a:t> simple equations, figures, tables, lists and references within </a:t>
-            </a:r>
-            <a:r>
-              <a:rPr lang="en-GB" sz="2400" dirty="0" err="1"/>
-              <a:t>LaTeX</a:t>
-            </a:r>
-            <a:endParaRPr lang="en-GB" sz="2400" dirty="0"/>
-          </a:p>
-          <a:p>
-            <a:endParaRPr lang="en-GB" sz="400" dirty="0"/>
-          </a:p>
-          <a:p>
-            <a:endParaRPr lang="en-GB" sz="400" dirty="0"/>
-          </a:p>
-          <a:p>
-            <a:r>
-              <a:rPr lang="en-GB" sz="2400" b="1" dirty="0"/>
-              <a:t>Assess</a:t>
-            </a:r>
-            <a:r>
-              <a:rPr lang="en-GB" sz="2400" dirty="0"/>
-              <a:t> and troubleshoot common compiler problems and use online aid tools</a:t>
-            </a:r>
-          </a:p>
-          <a:p>
-            <a:pPr marL="0" lvl="0" indent="0" fontAlgn="base">
-              <a:spcBef>
-                <a:spcPts val="600"/>
-              </a:spcBef>
-              <a:spcAft>
-                <a:spcPts val="600"/>
-              </a:spcAft>
-              <a:buNone/>
-            </a:pPr>
-            <a:endParaRPr lang="en-GB" sz="2400" dirty="0"/>
-          </a:p>
-        </p:txBody>
-      </p:sp>
-    </p:spTree>
-    <p:extLst>
-      <p:ext uri="{BB962C8B-B14F-4D97-AF65-F5344CB8AC3E}">
-        <p14:creationId xmlns:p14="http://schemas.microsoft.com/office/powerpoint/2010/main" val="3248724752"/>
-      </p:ext>
-    </p:extLst>
-  </p:cSld>
-  <p:clrMapOvr>
-    <a:masterClrMapping/>
-  </p:clrMapOvr>
-  <mc:AlternateContent xmlns:mc="http://schemas.openxmlformats.org/markup-compatibility/2006" xmlns:p14="http://schemas.microsoft.com/office/powerpoint/2010/main">
-    <mc:Choice Requires="p14">
-      <p:transition p14:dur="10"/>
-    </mc:Choice>
-    <mc:Fallback xmlns="">
-      <p:transition/>
-    </mc:Fallback>
-  </mc:AlternateContent>
-</p:sld>
-</file>
-
-<file path=ppt/slides/slide20.xml><?xml version="1.0" encoding="utf-8"?>
+<file path=ppt/slides/slide22.xml><?xml version="1.0" encoding="utf-8"?>
 <p:sld xmlns:a="http://schemas.openxmlformats.org/drawingml/2006/main" xmlns:r="http://schemas.openxmlformats.org/officeDocument/2006/relationships" xmlns:p="http://schemas.openxmlformats.org/presentationml/2006/main">
   <p:cSld>
     <p:spTree>
@@ -11516,7 +12220,7 @@
 </p:sld>
 </file>
 
-<file path=ppt/slides/slide21.xml><?xml version="1.0" encoding="utf-8"?>
+<file path=ppt/slides/slide23.xml><?xml version="1.0" encoding="utf-8"?>
 <p:sld xmlns:a="http://schemas.openxmlformats.org/drawingml/2006/main" xmlns:r="http://schemas.openxmlformats.org/officeDocument/2006/relationships" xmlns:p="http://schemas.openxmlformats.org/presentationml/2006/main">
   <p:cSld>
     <p:spTree>
@@ -11640,7 +12344,7 @@
 </p:sld>
 </file>
 
-<file path=ppt/slides/slide22.xml><?xml version="1.0" encoding="utf-8"?>
+<file path=ppt/slides/slide24.xml><?xml version="1.0" encoding="utf-8"?>
 <p:sld xmlns:a="http://schemas.openxmlformats.org/drawingml/2006/main" xmlns:r="http://schemas.openxmlformats.org/officeDocument/2006/relationships" xmlns:p="http://schemas.openxmlformats.org/presentationml/2006/main">
   <p:cSld>
     <p:spTree>
@@ -11856,7 +12560,7 @@
 </p:sld>
 </file>
 
-<file path=ppt/slides/slide23.xml><?xml version="1.0" encoding="utf-8"?>
+<file path=ppt/slides/slide25.xml><?xml version="1.0" encoding="utf-8"?>
 <p:sld xmlns:a="http://schemas.openxmlformats.org/drawingml/2006/main" xmlns:r="http://schemas.openxmlformats.org/officeDocument/2006/relationships" xmlns:p="http://schemas.openxmlformats.org/presentationml/2006/main">
   <p:cSld>
     <p:spTree>
@@ -11991,7 +12695,7 @@
 </p:sld>
 </file>
 
-<file path=ppt/slides/slide24.xml><?xml version="1.0" encoding="utf-8"?>
+<file path=ppt/slides/slide26.xml><?xml version="1.0" encoding="utf-8"?>
 <p:sld xmlns:a="http://schemas.openxmlformats.org/drawingml/2006/main" xmlns:r="http://schemas.openxmlformats.org/officeDocument/2006/relationships" xmlns:p="http://schemas.openxmlformats.org/presentationml/2006/main">
   <p:cSld>
     <p:spTree>
@@ -12153,6 +12857,377 @@
       </p:grpSpPr>
       <p:sp>
         <p:nvSpPr>
+          <p:cNvPr id="4" name="Title 1"/>
+          <p:cNvSpPr txBox="1">
+            <a:spLocks/>
+          </p:cNvSpPr>
+          <p:nvPr/>
+        </p:nvSpPr>
+        <p:spPr>
+          <a:xfrm>
+            <a:off x="401319" y="472966"/>
+            <a:ext cx="5558047" cy="930165"/>
+          </a:xfrm>
+          <a:prstGeom prst="rect">
+            <a:avLst/>
+          </a:prstGeom>
+        </p:spPr>
+        <p:txBody>
+          <a:bodyPr anchor="b"/>
+          <a:lstStyle>
+            <a:lvl1pPr algn="l" defTabSz="457200" rtl="0" eaLnBrk="1" latinLnBrk="0" hangingPunct="1">
+              <a:lnSpc>
+                <a:spcPct val="90000"/>
+              </a:lnSpc>
+              <a:spcBef>
+                <a:spcPct val="0"/>
+              </a:spcBef>
+              <a:buNone/>
+              <a:defRPr sz="4000" b="1" i="0" kern="1200" baseline="0">
+                <a:solidFill>
+                  <a:schemeClr val="tx2"/>
+                </a:solidFill>
+                <a:latin typeface="+mj-lt"/>
+                <a:ea typeface="+mj-ea"/>
+                <a:cs typeface="MetaOT-Bold"/>
+              </a:defRPr>
+            </a:lvl1pPr>
+          </a:lstStyle>
+          <a:p>
+            <a:r>
+              <a:rPr lang="en-US" sz="3200" dirty="0">
+                <a:solidFill>
+                  <a:schemeClr val="accent3"/>
+                </a:solidFill>
+              </a:rPr>
+              <a:t>Expectations:  Covid-safe teaching environments</a:t>
+            </a:r>
+          </a:p>
+        </p:txBody>
+      </p:sp>
+      <p:sp>
+        <p:nvSpPr>
+          <p:cNvPr id="5" name="Subtitle 2"/>
+          <p:cNvSpPr>
+            <a:spLocks noGrp="1"/>
+          </p:cNvSpPr>
+          <p:nvPr>
+            <p:ph type="subTitle" idx="1"/>
+          </p:nvPr>
+        </p:nvSpPr>
+        <p:spPr>
+          <a:xfrm>
+            <a:off x="189186" y="1450427"/>
+            <a:ext cx="8797158" cy="4020208"/>
+          </a:xfrm>
+        </p:spPr>
+        <p:txBody>
+          <a:bodyPr lIns="91440" tIns="45720" rIns="91440" bIns="45720" anchor="t"/>
+          <a:lstStyle/>
+          <a:p>
+            <a:r>
+              <a:rPr lang="en-US" sz="2200" u="sng" dirty="0"/>
+              <a:t>For the purpose of contact tracing</a:t>
+            </a:r>
+            <a:endParaRPr lang="en-US" sz="2200" dirty="0"/>
+          </a:p>
+          <a:p>
+            <a:endParaRPr lang="en-US" sz="2200" dirty="0"/>
+          </a:p>
+          <a:p>
+            <a:r>
+              <a:rPr lang="en-US" sz="2200" dirty="0"/>
+              <a:t>For our standard workshops:</a:t>
+            </a:r>
+          </a:p>
+          <a:p>
+            <a:pPr marL="342900" indent="-342900">
+              <a:buFont typeface="Arial" panose="020B0604020202020204" pitchFamily="34" charset="0"/>
+              <a:buChar char="•"/>
+            </a:pPr>
+            <a:r>
+              <a:rPr lang="en-US" sz="2200" dirty="0"/>
+              <a:t>We will provide the CCT Hub with the complete list of attendees at this workshop</a:t>
+            </a:r>
+          </a:p>
+          <a:p>
+            <a:endParaRPr lang="en-US" sz="2200" dirty="0"/>
+          </a:p>
+          <a:p>
+            <a:r>
+              <a:rPr lang="en-US" sz="2200" dirty="0"/>
+              <a:t>Where our workshops are held in lecture theatres:</a:t>
+            </a:r>
+          </a:p>
+          <a:p>
+            <a:pPr marL="342900" indent="-342900">
+              <a:buFont typeface="Arial" panose="020B0604020202020204" pitchFamily="34" charset="0"/>
+              <a:buChar char="•"/>
+            </a:pPr>
+            <a:r>
+              <a:rPr lang="en-US" sz="2200" dirty="0"/>
+              <a:t>You should keep a record of colleagues that you are sat in </a:t>
+            </a:r>
+            <a:r>
+              <a:rPr lang="en-US" sz="2200"/>
+              <a:t>close contact with </a:t>
+            </a:r>
+            <a:r>
+              <a:rPr lang="en-US" sz="2200" dirty="0"/>
+              <a:t>(within 2 meters)</a:t>
+            </a:r>
+          </a:p>
+          <a:p>
+            <a:endParaRPr lang="en-US" dirty="0"/>
+          </a:p>
+        </p:txBody>
+      </p:sp>
+    </p:spTree>
+    <p:extLst>
+      <p:ext uri="{BB962C8B-B14F-4D97-AF65-F5344CB8AC3E}">
+        <p14:creationId xmlns:p14="http://schemas.microsoft.com/office/powerpoint/2010/main" val="3238657636"/>
+      </p:ext>
+    </p:extLst>
+  </p:cSld>
+  <p:clrMapOvr>
+    <a:masterClrMapping/>
+  </p:clrMapOvr>
+</p:sld>
+</file>
+
+<file path=ppt/slides/slide4.xml><?xml version="1.0" encoding="utf-8"?>
+<p:sld xmlns:a="http://schemas.openxmlformats.org/drawingml/2006/main" xmlns:r="http://schemas.openxmlformats.org/officeDocument/2006/relationships" xmlns:p="http://schemas.openxmlformats.org/presentationml/2006/main">
+  <p:cSld>
+    <p:spTree>
+      <p:nvGrpSpPr>
+        <p:cNvPr id="1" name=""/>
+        <p:cNvGrpSpPr/>
+        <p:nvPr/>
+      </p:nvGrpSpPr>
+      <p:grpSpPr>
+        <a:xfrm>
+          <a:off x="0" y="0"/>
+          <a:ext cx="0" cy="0"/>
+          <a:chOff x="0" y="0"/>
+          <a:chExt cx="0" cy="0"/>
+        </a:xfrm>
+      </p:grpSpPr>
+      <p:sp>
+        <p:nvSpPr>
+          <p:cNvPr id="2" name="Title 1"/>
+          <p:cNvSpPr>
+            <a:spLocks noGrp="1"/>
+          </p:cNvSpPr>
+          <p:nvPr>
+            <p:ph type="title"/>
+          </p:nvPr>
+        </p:nvSpPr>
+        <p:spPr/>
+        <p:txBody>
+          <a:bodyPr/>
+          <a:lstStyle/>
+          <a:p>
+            <a:r>
+              <a:rPr lang="en-GB" sz="4000" dirty="0"/>
+              <a:t>Learning Outcomes</a:t>
+            </a:r>
+          </a:p>
+        </p:txBody>
+      </p:sp>
+      <p:sp>
+        <p:nvSpPr>
+          <p:cNvPr id="3" name="Content Placeholder 2"/>
+          <p:cNvSpPr>
+            <a:spLocks noGrp="1"/>
+          </p:cNvSpPr>
+          <p:nvPr>
+            <p:ph idx="1"/>
+          </p:nvPr>
+        </p:nvSpPr>
+        <p:spPr>
+          <a:xfrm>
+            <a:off x="457200" y="1600200"/>
+            <a:ext cx="8435280" cy="4876800"/>
+          </a:xfrm>
+        </p:spPr>
+        <p:txBody>
+          <a:bodyPr>
+            <a:normAutofit/>
+          </a:bodyPr>
+          <a:lstStyle/>
+          <a:p>
+            <a:pPr marL="0" lvl="0" indent="0" fontAlgn="base">
+              <a:spcBef>
+                <a:spcPts val="600"/>
+              </a:spcBef>
+              <a:spcAft>
+                <a:spcPts val="600"/>
+              </a:spcAft>
+              <a:buNone/>
+            </a:pPr>
+            <a:r>
+              <a:rPr lang="en-GB" sz="100" dirty="0"/>
+              <a:t> </a:t>
+            </a:r>
+          </a:p>
+          <a:p>
+            <a:r>
+              <a:rPr lang="en-GB" sz="2400" b="1" dirty="0"/>
+              <a:t>Recognise</a:t>
+            </a:r>
+            <a:r>
+              <a:rPr lang="en-GB" sz="2400" dirty="0"/>
+              <a:t> the advantages of </a:t>
+            </a:r>
+            <a:r>
+              <a:rPr lang="en-GB" sz="2400" dirty="0" err="1"/>
+              <a:t>LaTeX</a:t>
+            </a:r>
+            <a:r>
+              <a:rPr lang="en-GB" sz="2400" dirty="0"/>
+              <a:t> and its applications in the wider context of typesetting</a:t>
+            </a:r>
+          </a:p>
+          <a:p>
+            <a:endParaRPr lang="en-GB" sz="100" dirty="0"/>
+          </a:p>
+          <a:p>
+            <a:endParaRPr lang="en-GB" sz="100" dirty="0"/>
+          </a:p>
+          <a:p>
+            <a:endParaRPr lang="en-GB" sz="100" dirty="0"/>
+          </a:p>
+          <a:p>
+            <a:r>
+              <a:rPr lang="en-GB" sz="2400" b="1" dirty="0"/>
+              <a:t>Identify</a:t>
+            </a:r>
+            <a:r>
+              <a:rPr lang="en-GB" sz="2400" dirty="0"/>
+              <a:t> the key features for reading and compiling an existing .</a:t>
+            </a:r>
+            <a:r>
+              <a:rPr lang="en-GB" sz="2400" dirty="0" err="1"/>
+              <a:t>tex</a:t>
+            </a:r>
+            <a:r>
+              <a:rPr lang="en-GB" sz="2400" dirty="0"/>
+              <a:t> document</a:t>
+            </a:r>
+          </a:p>
+          <a:p>
+            <a:endParaRPr lang="en-GB" sz="100" dirty="0"/>
+          </a:p>
+          <a:p>
+            <a:endParaRPr lang="en-GB" sz="100" dirty="0"/>
+          </a:p>
+          <a:p>
+            <a:endParaRPr lang="en-GB" sz="100" dirty="0"/>
+          </a:p>
+          <a:p>
+            <a:r>
+              <a:rPr lang="en-GB" sz="2400" b="1" dirty="0"/>
+              <a:t>Develop</a:t>
+            </a:r>
+            <a:r>
+              <a:rPr lang="en-GB" sz="2400" dirty="0"/>
+              <a:t> new technical documents from simple templates</a:t>
+            </a:r>
+          </a:p>
+          <a:p>
+            <a:endParaRPr lang="en-GB" sz="100" dirty="0"/>
+          </a:p>
+          <a:p>
+            <a:endParaRPr lang="en-GB" sz="100" dirty="0"/>
+          </a:p>
+          <a:p>
+            <a:endParaRPr lang="en-GB" sz="100" dirty="0"/>
+          </a:p>
+          <a:p>
+            <a:r>
+              <a:rPr lang="en-GB" sz="2400" b="1" dirty="0"/>
+              <a:t>Create</a:t>
+            </a:r>
+            <a:r>
+              <a:rPr lang="en-GB" sz="2400" dirty="0"/>
+              <a:t> simple equations, figures, tables, lists and references within </a:t>
+            </a:r>
+            <a:r>
+              <a:rPr lang="en-GB" sz="2400" dirty="0" err="1"/>
+              <a:t>LaTeX</a:t>
+            </a:r>
+            <a:endParaRPr lang="en-GB" sz="2400" dirty="0"/>
+          </a:p>
+          <a:p>
+            <a:endParaRPr lang="en-GB" sz="400" dirty="0"/>
+          </a:p>
+          <a:p>
+            <a:endParaRPr lang="en-GB" sz="400" dirty="0"/>
+          </a:p>
+          <a:p>
+            <a:r>
+              <a:rPr lang="en-GB" sz="2400" b="1" dirty="0"/>
+              <a:t>Assess</a:t>
+            </a:r>
+            <a:r>
+              <a:rPr lang="en-GB" sz="2400" dirty="0"/>
+              <a:t> and troubleshoot common compiler problems and use online aid tools</a:t>
+            </a:r>
+          </a:p>
+          <a:p>
+            <a:pPr marL="0" lvl="0" indent="0" fontAlgn="base">
+              <a:spcBef>
+                <a:spcPts val="600"/>
+              </a:spcBef>
+              <a:spcAft>
+                <a:spcPts val="600"/>
+              </a:spcAft>
+              <a:buNone/>
+            </a:pPr>
+            <a:endParaRPr lang="en-GB" sz="2400" dirty="0"/>
+          </a:p>
+        </p:txBody>
+      </p:sp>
+    </p:spTree>
+    <p:extLst>
+      <p:ext uri="{BB962C8B-B14F-4D97-AF65-F5344CB8AC3E}">
+        <p14:creationId xmlns:p14="http://schemas.microsoft.com/office/powerpoint/2010/main" val="3248724752"/>
+      </p:ext>
+    </p:extLst>
+  </p:cSld>
+  <p:clrMapOvr>
+    <a:masterClrMapping/>
+  </p:clrMapOvr>
+  <mc:AlternateContent xmlns:mc="http://schemas.openxmlformats.org/markup-compatibility/2006" xmlns:p14="http://schemas.microsoft.com/office/powerpoint/2010/main">
+    <mc:Choice Requires="p14">
+      <p:transition p14:dur="10"/>
+    </mc:Choice>
+    <mc:Fallback xmlns="">
+      <p:transition/>
+    </mc:Fallback>
+  </mc:AlternateContent>
+</p:sld>
+</file>
+
+<file path=ppt/slides/slide5.xml><?xml version="1.0" encoding="utf-8"?>
+<p:sld xmlns:a="http://schemas.openxmlformats.org/drawingml/2006/main" xmlns:r="http://schemas.openxmlformats.org/officeDocument/2006/relationships" xmlns:p="http://schemas.openxmlformats.org/presentationml/2006/main">
+  <p:cSld>
+    <p:spTree>
+      <p:nvGrpSpPr>
+        <p:cNvPr id="1" name=""/>
+        <p:cNvGrpSpPr/>
+        <p:nvPr/>
+      </p:nvGrpSpPr>
+      <p:grpSpPr>
+        <a:xfrm>
+          <a:off x="0" y="0"/>
+          <a:ext cx="0" cy="0"/>
+          <a:chOff x="0" y="0"/>
+          <a:chExt cx="0" cy="0"/>
+        </a:xfrm>
+      </p:grpSpPr>
+      <p:sp>
+        <p:nvSpPr>
           <p:cNvPr id="2" name="Title 1"/>
           <p:cNvSpPr>
             <a:spLocks noGrp="1"/>
@@ -12284,7 +13359,7 @@
 </p:sld>
 </file>
 
-<file path=ppt/slides/slide4.xml><?xml version="1.0" encoding="utf-8"?>
+<file path=ppt/slides/slide6.xml><?xml version="1.0" encoding="utf-8"?>
 <p:sld xmlns:a="http://schemas.openxmlformats.org/drawingml/2006/main" xmlns:r="http://schemas.openxmlformats.org/officeDocument/2006/relationships" xmlns:p="http://schemas.openxmlformats.org/presentationml/2006/main">
   <p:cSld>
     <p:spTree>
@@ -12488,7 +13563,7 @@
 </p:sld>
 </file>
 
-<file path=ppt/slides/slide5.xml><?xml version="1.0" encoding="utf-8"?>
+<file path=ppt/slides/slide7.xml><?xml version="1.0" encoding="utf-8"?>
 <p:sld xmlns:a="http://schemas.openxmlformats.org/drawingml/2006/main" xmlns:r="http://schemas.openxmlformats.org/officeDocument/2006/relationships" xmlns:p="http://schemas.openxmlformats.org/presentationml/2006/main">
   <p:cSld>
     <p:spTree>
@@ -13167,7 +14242,7 @@
 </p:sld>
 </file>
 
-<file path=ppt/slides/slide6.xml><?xml version="1.0" encoding="utf-8"?>
+<file path=ppt/slides/slide8.xml><?xml version="1.0" encoding="utf-8"?>
 <p:sld xmlns:a="http://schemas.openxmlformats.org/drawingml/2006/main" xmlns:r="http://schemas.openxmlformats.org/officeDocument/2006/relationships" xmlns:p="http://schemas.openxmlformats.org/presentationml/2006/main">
   <p:cSld>
     <p:spTree>
@@ -13475,7 +14550,7 @@
 </p:sld>
 </file>
 
-<file path=ppt/slides/slide7.xml><?xml version="1.0" encoding="utf-8"?>
+<file path=ppt/slides/slide9.xml><?xml version="1.0" encoding="utf-8"?>
 <p:sld xmlns:a="http://schemas.openxmlformats.org/drawingml/2006/main" xmlns:r="http://schemas.openxmlformats.org/officeDocument/2006/relationships" xmlns:p="http://schemas.openxmlformats.org/presentationml/2006/main">
   <p:cSld>
     <p:spTree>
@@ -13790,714 +14865,6 @@
     <p:extLst>
       <p:ext uri="{BB962C8B-B14F-4D97-AF65-F5344CB8AC3E}">
         <p14:creationId xmlns:p14="http://schemas.microsoft.com/office/powerpoint/2010/main" val="3436705082"/>
-      </p:ext>
-    </p:extLst>
-  </p:cSld>
-  <p:clrMapOvr>
-    <a:masterClrMapping/>
-  </p:clrMapOvr>
-  <mc:AlternateContent xmlns:mc="http://schemas.openxmlformats.org/markup-compatibility/2006" xmlns:p14="http://schemas.microsoft.com/office/powerpoint/2010/main">
-    <mc:Choice Requires="p14">
-      <p:transition p14:dur="10"/>
-    </mc:Choice>
-    <mc:Fallback xmlns="">
-      <p:transition/>
-    </mc:Fallback>
-  </mc:AlternateContent>
-</p:sld>
-</file>
-
-<file path=ppt/slides/slide8.xml><?xml version="1.0" encoding="utf-8"?>
-<p:sld xmlns:a="http://schemas.openxmlformats.org/drawingml/2006/main" xmlns:r="http://schemas.openxmlformats.org/officeDocument/2006/relationships" xmlns:p="http://schemas.openxmlformats.org/presentationml/2006/main">
-  <p:cSld>
-    <p:spTree>
-      <p:nvGrpSpPr>
-        <p:cNvPr id="1" name=""/>
-        <p:cNvGrpSpPr/>
-        <p:nvPr/>
-      </p:nvGrpSpPr>
-      <p:grpSpPr>
-        <a:xfrm>
-          <a:off x="0" y="0"/>
-          <a:ext cx="0" cy="0"/>
-          <a:chOff x="0" y="0"/>
-          <a:chExt cx="0" cy="0"/>
-        </a:xfrm>
-      </p:grpSpPr>
-      <p:sp>
-        <p:nvSpPr>
-          <p:cNvPr id="2" name="Title 1"/>
-          <p:cNvSpPr>
-            <a:spLocks noGrp="1"/>
-          </p:cNvSpPr>
-          <p:nvPr>
-            <p:ph type="title"/>
-          </p:nvPr>
-        </p:nvSpPr>
-        <p:spPr/>
-        <p:txBody>
-          <a:bodyPr/>
-          <a:lstStyle/>
-          <a:p>
-            <a:r>
-              <a:rPr lang="en-GB" sz="4000" dirty="0"/>
-              <a:t>Table of Contents</a:t>
-            </a:r>
-          </a:p>
-        </p:txBody>
-      </p:sp>
-      <p:sp>
-        <p:nvSpPr>
-          <p:cNvPr id="4" name="TextBox 3"/>
-          <p:cNvSpPr txBox="1"/>
-          <p:nvPr/>
-        </p:nvSpPr>
-        <p:spPr>
-          <a:xfrm>
-            <a:off x="746438" y="3245892"/>
-            <a:ext cx="2896947" cy="553998"/>
-          </a:xfrm>
-          <a:prstGeom prst="rect">
-            <a:avLst/>
-          </a:prstGeom>
-          <a:noFill/>
-        </p:spPr>
-        <p:txBody>
-          <a:bodyPr wrap="none" rtlCol="0">
-            <a:spAutoFit/>
-          </a:bodyPr>
-          <a:lstStyle/>
-          <a:p>
-            <a:r>
-              <a:rPr lang="en-GB" sz="3000" dirty="0">
-                <a:solidFill>
-                  <a:schemeClr val="tx2">
-                    <a:lumMod val="50000"/>
-                    <a:lumOff val="50000"/>
-                  </a:schemeClr>
-                </a:solidFill>
-                <a:latin typeface="+mj-lt"/>
-                <a:cs typeface="Courier New" panose="02070309020205020404" pitchFamily="49" charset="0"/>
-              </a:rPr>
-              <a:t>\</a:t>
-            </a:r>
-            <a:r>
-              <a:rPr lang="en-GB" sz="3000" dirty="0" err="1">
-                <a:solidFill>
-                  <a:schemeClr val="tx2">
-                    <a:lumMod val="50000"/>
-                    <a:lumOff val="50000"/>
-                  </a:schemeClr>
-                </a:solidFill>
-                <a:latin typeface="+mj-lt"/>
-                <a:cs typeface="Courier New" panose="02070309020205020404" pitchFamily="49" charset="0"/>
-              </a:rPr>
-              <a:t>tableofcontents</a:t>
-            </a:r>
-            <a:endParaRPr lang="en-GB" sz="3000" dirty="0">
-              <a:solidFill>
-                <a:schemeClr val="tx2">
-                  <a:lumMod val="50000"/>
-                  <a:lumOff val="50000"/>
-                </a:schemeClr>
-              </a:solidFill>
-              <a:latin typeface="+mj-lt"/>
-              <a:cs typeface="Courier New" panose="02070309020205020404" pitchFamily="49" charset="0"/>
-            </a:endParaRPr>
-          </a:p>
-        </p:txBody>
-      </p:sp>
-      <p:cxnSp>
-        <p:nvCxnSpPr>
-          <p:cNvPr id="11" name="Straight Connector 10"/>
-          <p:cNvCxnSpPr/>
-          <p:nvPr/>
-        </p:nvCxnSpPr>
-        <p:spPr>
-          <a:xfrm>
-            <a:off x="4572000" y="1417638"/>
-            <a:ext cx="0" cy="5440362"/>
-          </a:xfrm>
-          <a:prstGeom prst="line">
-            <a:avLst/>
-          </a:prstGeom>
-        </p:spPr>
-        <p:style>
-          <a:lnRef idx="2">
-            <a:schemeClr val="accent1"/>
-          </a:lnRef>
-          <a:fillRef idx="0">
-            <a:schemeClr val="accent1"/>
-          </a:fillRef>
-          <a:effectRef idx="1">
-            <a:schemeClr val="accent1"/>
-          </a:effectRef>
-          <a:fontRef idx="minor">
-            <a:schemeClr val="tx1"/>
-          </a:fontRef>
-        </p:style>
-      </p:cxnSp>
-      <p:sp>
-        <p:nvSpPr>
-          <p:cNvPr id="3" name="TextBox 2"/>
-          <p:cNvSpPr txBox="1"/>
-          <p:nvPr/>
-        </p:nvSpPr>
-        <p:spPr>
-          <a:xfrm>
-            <a:off x="4735773" y="2130202"/>
-            <a:ext cx="4189863" cy="2246769"/>
-          </a:xfrm>
-          <a:prstGeom prst="rect">
-            <a:avLst/>
-          </a:prstGeom>
-          <a:noFill/>
-        </p:spPr>
-        <p:txBody>
-          <a:bodyPr wrap="square" rtlCol="0">
-            <a:spAutoFit/>
-          </a:bodyPr>
-          <a:lstStyle/>
-          <a:p>
-            <a:r>
-              <a:rPr lang="en-US" sz="4000" dirty="0">
-                <a:latin typeface="Times New Roman" panose="02020603050405020304" pitchFamily="18" charset="0"/>
-                <a:cs typeface="Times New Roman" panose="02020603050405020304" pitchFamily="18" charset="0"/>
-              </a:rPr>
-              <a:t>Contents</a:t>
-            </a:r>
-          </a:p>
-          <a:p>
-            <a:endParaRPr lang="en-US" sz="1000" dirty="0">
-              <a:latin typeface="Times New Roman" panose="02020603050405020304" pitchFamily="18" charset="0"/>
-              <a:cs typeface="Times New Roman" panose="02020603050405020304" pitchFamily="18" charset="0"/>
-            </a:endParaRPr>
-          </a:p>
-          <a:p>
-            <a:r>
-              <a:rPr lang="en-US" sz="3000" dirty="0">
-                <a:latin typeface="Times New Roman" panose="02020603050405020304" pitchFamily="18" charset="0"/>
-                <a:cs typeface="Times New Roman" panose="02020603050405020304" pitchFamily="18" charset="0"/>
-              </a:rPr>
-              <a:t>1		 The Cat				1</a:t>
-            </a:r>
-          </a:p>
-          <a:p>
-            <a:r>
-              <a:rPr lang="en-US" sz="3000" dirty="0">
-                <a:latin typeface="Times New Roman" panose="02020603050405020304" pitchFamily="18" charset="0"/>
-                <a:cs typeface="Times New Roman" panose="02020603050405020304" pitchFamily="18" charset="0"/>
-              </a:rPr>
-              <a:t>	1.1	 Sat On……...	2</a:t>
-            </a:r>
-          </a:p>
-          <a:p>
-            <a:r>
-              <a:rPr lang="en-US" sz="3000" dirty="0">
-                <a:latin typeface="Times New Roman" panose="02020603050405020304" pitchFamily="18" charset="0"/>
-                <a:cs typeface="Times New Roman" panose="02020603050405020304" pitchFamily="18" charset="0"/>
-              </a:rPr>
-              <a:t>		1.1.1   The Mat…	3</a:t>
-            </a:r>
-            <a:endParaRPr lang="en-GB" sz="3000" dirty="0">
-              <a:latin typeface="Times New Roman" panose="02020603050405020304" pitchFamily="18" charset="0"/>
-              <a:cs typeface="Times New Roman" panose="02020603050405020304" pitchFamily="18" charset="0"/>
-            </a:endParaRPr>
-          </a:p>
-        </p:txBody>
-      </p:sp>
-      <p:sp>
-        <p:nvSpPr>
-          <p:cNvPr id="6" name="TextBox 5">
-            <a:extLst>
-              <a:ext uri="{FF2B5EF4-FFF2-40B4-BE49-F238E27FC236}">
-                <a16:creationId xmlns:a16="http://schemas.microsoft.com/office/drawing/2014/main" id="{016B593D-9671-4306-AC3D-C3E5EF3900E6}"/>
-              </a:ext>
-            </a:extLst>
-          </p:cNvPr>
-          <p:cNvSpPr txBox="1"/>
-          <p:nvPr/>
-        </p:nvSpPr>
-        <p:spPr>
-          <a:xfrm>
-            <a:off x="7357241" y="6498021"/>
-            <a:ext cx="1697422" cy="369332"/>
-          </a:xfrm>
-          <a:prstGeom prst="rect">
-            <a:avLst/>
-          </a:prstGeom>
-          <a:noFill/>
-        </p:spPr>
-        <p:txBody>
-          <a:bodyPr wrap="square" rtlCol="0">
-            <a:spAutoFit/>
-          </a:bodyPr>
-          <a:lstStyle/>
-          <a:p>
-            <a:r>
-              <a:rPr lang="en-GB" dirty="0">
-                <a:solidFill>
-                  <a:schemeClr val="accent2"/>
-                </a:solidFill>
-              </a:rPr>
-              <a:t>Problem Sheet</a:t>
-            </a:r>
-          </a:p>
-        </p:txBody>
-      </p:sp>
-    </p:spTree>
-    <p:extLst>
-      <p:ext uri="{BB962C8B-B14F-4D97-AF65-F5344CB8AC3E}">
-        <p14:creationId xmlns:p14="http://schemas.microsoft.com/office/powerpoint/2010/main" val="2980091057"/>
-      </p:ext>
-    </p:extLst>
-  </p:cSld>
-  <p:clrMapOvr>
-    <a:masterClrMapping/>
-  </p:clrMapOvr>
-  <mc:AlternateContent xmlns:mc="http://schemas.openxmlformats.org/markup-compatibility/2006" xmlns:p14="http://schemas.microsoft.com/office/powerpoint/2010/main">
-    <mc:Choice Requires="p14">
-      <p:transition p14:dur="10"/>
-    </mc:Choice>
-    <mc:Fallback xmlns="">
-      <p:transition/>
-    </mc:Fallback>
-  </mc:AlternateContent>
-</p:sld>
-</file>
-
-<file path=ppt/slides/slide9.xml><?xml version="1.0" encoding="utf-8"?>
-<p:sld xmlns:a="http://schemas.openxmlformats.org/drawingml/2006/main" xmlns:r="http://schemas.openxmlformats.org/officeDocument/2006/relationships" xmlns:p="http://schemas.openxmlformats.org/presentationml/2006/main">
-  <p:cSld>
-    <p:spTree>
-      <p:nvGrpSpPr>
-        <p:cNvPr id="1" name=""/>
-        <p:cNvGrpSpPr/>
-        <p:nvPr/>
-      </p:nvGrpSpPr>
-      <p:grpSpPr>
-        <a:xfrm>
-          <a:off x="0" y="0"/>
-          <a:ext cx="0" cy="0"/>
-          <a:chOff x="0" y="0"/>
-          <a:chExt cx="0" cy="0"/>
-        </a:xfrm>
-      </p:grpSpPr>
-      <p:sp>
-        <p:nvSpPr>
-          <p:cNvPr id="2" name="Title 1"/>
-          <p:cNvSpPr>
-            <a:spLocks noGrp="1"/>
-          </p:cNvSpPr>
-          <p:nvPr>
-            <p:ph type="title"/>
-          </p:nvPr>
-        </p:nvSpPr>
-        <p:spPr/>
-        <p:txBody>
-          <a:bodyPr/>
-          <a:lstStyle/>
-          <a:p>
-            <a:r>
-              <a:rPr lang="en-GB" sz="4000" dirty="0"/>
-              <a:t>Modifying Text</a:t>
-            </a:r>
-          </a:p>
-        </p:txBody>
-      </p:sp>
-      <p:sp>
-        <p:nvSpPr>
-          <p:cNvPr id="3" name="TextBox 2"/>
-          <p:cNvSpPr txBox="1"/>
-          <p:nvPr/>
-        </p:nvSpPr>
-        <p:spPr>
-          <a:xfrm>
-            <a:off x="268972" y="1710769"/>
-            <a:ext cx="4206706" cy="4154984"/>
-          </a:xfrm>
-          <a:prstGeom prst="rect">
-            <a:avLst/>
-          </a:prstGeom>
-          <a:noFill/>
-        </p:spPr>
-        <p:txBody>
-          <a:bodyPr wrap="square" rtlCol="0">
-            <a:spAutoFit/>
-          </a:bodyPr>
-          <a:lstStyle/>
-          <a:p>
-            <a:r>
-              <a:rPr lang="en-GB" sz="2400" dirty="0">
-                <a:latin typeface="+mj-lt"/>
-                <a:cs typeface="Courier New" panose="02070309020205020404" pitchFamily="49" charset="0"/>
-              </a:rPr>
-              <a:t>The </a:t>
-            </a:r>
-            <a:r>
-              <a:rPr lang="en-GB" sz="2400" dirty="0">
-                <a:solidFill>
-                  <a:schemeClr val="tx2">
-                    <a:lumMod val="50000"/>
-                    <a:lumOff val="50000"/>
-                  </a:schemeClr>
-                </a:solidFill>
-                <a:latin typeface="+mj-lt"/>
-                <a:cs typeface="Courier New" panose="02070309020205020404" pitchFamily="49" charset="0"/>
-              </a:rPr>
-              <a:t>\</a:t>
-            </a:r>
-            <a:r>
-              <a:rPr lang="en-GB" sz="2400" dirty="0" err="1">
-                <a:solidFill>
-                  <a:schemeClr val="tx2">
-                    <a:lumMod val="50000"/>
-                    <a:lumOff val="50000"/>
-                  </a:schemeClr>
-                </a:solidFill>
-                <a:latin typeface="+mj-lt"/>
-                <a:cs typeface="Courier New" panose="02070309020205020404" pitchFamily="49" charset="0"/>
-              </a:rPr>
-              <a:t>emph</a:t>
-            </a:r>
-            <a:r>
-              <a:rPr lang="en-GB" sz="2400" dirty="0">
-                <a:latin typeface="+mj-lt"/>
-                <a:cs typeface="Courier New" panose="02070309020205020404" pitchFamily="49" charset="0"/>
-              </a:rPr>
-              <a:t>{</a:t>
-            </a:r>
-            <a:r>
-              <a:rPr lang="en-GB" sz="2400" dirty="0" err="1">
-                <a:latin typeface="+mj-lt"/>
-                <a:cs typeface="Courier New" panose="02070309020205020404" pitchFamily="49" charset="0"/>
-              </a:rPr>
-              <a:t>slanty</a:t>
-            </a:r>
-            <a:r>
-              <a:rPr lang="en-GB" sz="2400" dirty="0">
-                <a:latin typeface="+mj-lt"/>
-                <a:cs typeface="Courier New" panose="02070309020205020404" pitchFamily="49" charset="0"/>
-              </a:rPr>
-              <a:t> cat}</a:t>
-            </a:r>
-          </a:p>
-          <a:p>
-            <a:endParaRPr lang="en-GB" sz="2400" dirty="0">
-              <a:latin typeface="+mj-lt"/>
-              <a:cs typeface="Courier New" panose="02070309020205020404" pitchFamily="49" charset="0"/>
-            </a:endParaRPr>
-          </a:p>
-          <a:p>
-            <a:r>
-              <a:rPr lang="en-GB" sz="2400" dirty="0">
-                <a:latin typeface="+mj-lt"/>
-                <a:cs typeface="Courier New" panose="02070309020205020404" pitchFamily="49" charset="0"/>
-              </a:rPr>
-              <a:t>The </a:t>
-            </a:r>
-            <a:r>
-              <a:rPr lang="en-GB" sz="2400" dirty="0">
-                <a:solidFill>
-                  <a:schemeClr val="tx2">
-                    <a:lumMod val="50000"/>
-                    <a:lumOff val="50000"/>
-                  </a:schemeClr>
-                </a:solidFill>
-                <a:latin typeface="+mj-lt"/>
-                <a:cs typeface="Courier New" panose="02070309020205020404" pitchFamily="49" charset="0"/>
-              </a:rPr>
-              <a:t>\</a:t>
-            </a:r>
-            <a:r>
-              <a:rPr lang="en-GB" sz="2400" dirty="0" err="1">
-                <a:solidFill>
-                  <a:schemeClr val="tx2">
-                    <a:lumMod val="50000"/>
-                    <a:lumOff val="50000"/>
-                  </a:schemeClr>
-                </a:solidFill>
-                <a:latin typeface="+mj-lt"/>
-                <a:cs typeface="Courier New" panose="02070309020205020404" pitchFamily="49" charset="0"/>
-              </a:rPr>
-              <a:t>textbf</a:t>
-            </a:r>
-            <a:r>
-              <a:rPr lang="en-GB" sz="2400" dirty="0">
-                <a:latin typeface="+mj-lt"/>
-                <a:cs typeface="Courier New" panose="02070309020205020404" pitchFamily="49" charset="0"/>
-              </a:rPr>
-              <a:t>{fat cat}</a:t>
-            </a:r>
-          </a:p>
-          <a:p>
-            <a:endParaRPr lang="en-GB" sz="2400" dirty="0">
-              <a:latin typeface="+mj-lt"/>
-              <a:cs typeface="Courier New" panose="02070309020205020404" pitchFamily="49" charset="0"/>
-            </a:endParaRPr>
-          </a:p>
-          <a:p>
-            <a:r>
-              <a:rPr lang="en-GB" sz="2400" dirty="0">
-                <a:latin typeface="+mj-lt"/>
-                <a:cs typeface="Courier New" panose="02070309020205020404" pitchFamily="49" charset="0"/>
-              </a:rPr>
-              <a:t>The </a:t>
-            </a:r>
-            <a:r>
-              <a:rPr lang="en-GB" sz="2400" dirty="0">
-                <a:solidFill>
-                  <a:schemeClr val="tx2">
-                    <a:lumMod val="50000"/>
-                    <a:lumOff val="50000"/>
-                  </a:schemeClr>
-                </a:solidFill>
-                <a:latin typeface="+mj-lt"/>
-                <a:cs typeface="Courier New" panose="02070309020205020404" pitchFamily="49" charset="0"/>
-              </a:rPr>
-              <a:t>\underline</a:t>
-            </a:r>
-            <a:r>
-              <a:rPr lang="en-GB" sz="2400" dirty="0">
-                <a:latin typeface="+mj-lt"/>
-                <a:cs typeface="Courier New" panose="02070309020205020404" pitchFamily="49" charset="0"/>
-              </a:rPr>
-              <a:t>{important cat}</a:t>
-            </a:r>
-          </a:p>
-          <a:p>
-            <a:endParaRPr lang="en-GB" sz="2400" dirty="0">
-              <a:latin typeface="+mj-lt"/>
-              <a:cs typeface="Courier New" panose="02070309020205020404" pitchFamily="49" charset="0"/>
-            </a:endParaRPr>
-          </a:p>
-          <a:p>
-            <a:r>
-              <a:rPr lang="en-GB" sz="2400" dirty="0">
-                <a:latin typeface="+mj-lt"/>
-                <a:cs typeface="Courier New" panose="02070309020205020404" pitchFamily="49" charset="0"/>
-              </a:rPr>
-              <a:t>The {</a:t>
-            </a:r>
-            <a:r>
-              <a:rPr lang="en-GB" sz="2400" dirty="0">
-                <a:solidFill>
-                  <a:schemeClr val="tx2">
-                    <a:lumMod val="50000"/>
-                    <a:lumOff val="50000"/>
-                  </a:schemeClr>
-                </a:solidFill>
-                <a:latin typeface="+mj-lt"/>
-                <a:cs typeface="Courier New" panose="02070309020205020404" pitchFamily="49" charset="0"/>
-              </a:rPr>
-              <a:t>\huge </a:t>
-            </a:r>
-            <a:r>
-              <a:rPr lang="en-GB" sz="2400" dirty="0" err="1">
-                <a:latin typeface="+mj-lt"/>
-                <a:cs typeface="Courier New" panose="02070309020205020404" pitchFamily="49" charset="0"/>
-              </a:rPr>
-              <a:t>huge</a:t>
-            </a:r>
-            <a:r>
-              <a:rPr lang="en-GB" sz="2400" dirty="0">
-                <a:latin typeface="+mj-lt"/>
-                <a:cs typeface="Courier New" panose="02070309020205020404" pitchFamily="49" charset="0"/>
-              </a:rPr>
-              <a:t> cat}</a:t>
-            </a:r>
-          </a:p>
-          <a:p>
-            <a:endParaRPr lang="en-GB" sz="2400" dirty="0">
-              <a:latin typeface="+mj-lt"/>
-              <a:cs typeface="Courier New" panose="02070309020205020404" pitchFamily="49" charset="0"/>
-            </a:endParaRPr>
-          </a:p>
-          <a:p>
-            <a:r>
-              <a:rPr lang="en-GB" sz="2400" dirty="0">
-                <a:latin typeface="+mj-lt"/>
-                <a:cs typeface="Courier New" panose="02070309020205020404" pitchFamily="49" charset="0"/>
-              </a:rPr>
-              <a:t>The {</a:t>
-            </a:r>
-            <a:r>
-              <a:rPr lang="en-GB" sz="2400" dirty="0">
-                <a:solidFill>
-                  <a:schemeClr val="tx2">
-                    <a:lumMod val="50000"/>
-                    <a:lumOff val="50000"/>
-                  </a:schemeClr>
-                </a:solidFill>
-                <a:latin typeface="+mj-lt"/>
-                <a:cs typeface="Courier New" panose="02070309020205020404" pitchFamily="49" charset="0"/>
-              </a:rPr>
-              <a:t>\large </a:t>
-            </a:r>
-            <a:r>
-              <a:rPr lang="en-GB" sz="2400" dirty="0" err="1">
-                <a:latin typeface="+mj-lt"/>
-                <a:cs typeface="Courier New" panose="02070309020205020404" pitchFamily="49" charset="0"/>
-              </a:rPr>
-              <a:t>large</a:t>
-            </a:r>
-            <a:r>
-              <a:rPr lang="en-GB" sz="2400" dirty="0">
-                <a:latin typeface="+mj-lt"/>
-                <a:cs typeface="Courier New" panose="02070309020205020404" pitchFamily="49" charset="0"/>
-              </a:rPr>
-              <a:t> cat}</a:t>
-            </a:r>
-          </a:p>
-          <a:p>
-            <a:endParaRPr lang="en-GB" sz="2400" dirty="0">
-              <a:latin typeface="+mj-lt"/>
-              <a:cs typeface="Courier New" panose="02070309020205020404" pitchFamily="49" charset="0"/>
-            </a:endParaRPr>
-          </a:p>
-          <a:p>
-            <a:r>
-              <a:rPr lang="en-GB" sz="2400" dirty="0">
-                <a:latin typeface="+mj-lt"/>
-                <a:cs typeface="Courier New" panose="02070309020205020404" pitchFamily="49" charset="0"/>
-              </a:rPr>
-              <a:t>The {</a:t>
-            </a:r>
-            <a:r>
-              <a:rPr lang="en-GB" sz="2400" dirty="0">
-                <a:solidFill>
-                  <a:schemeClr val="tx2">
-                    <a:lumMod val="50000"/>
-                    <a:lumOff val="50000"/>
-                  </a:schemeClr>
-                </a:solidFill>
-                <a:latin typeface="+mj-lt"/>
-                <a:cs typeface="Courier New" panose="02070309020205020404" pitchFamily="49" charset="0"/>
-              </a:rPr>
-              <a:t>\small </a:t>
-            </a:r>
-            <a:r>
-              <a:rPr lang="en-GB" sz="2400" dirty="0" err="1">
-                <a:latin typeface="+mj-lt"/>
-                <a:cs typeface="Courier New" panose="02070309020205020404" pitchFamily="49" charset="0"/>
-              </a:rPr>
-              <a:t>small</a:t>
-            </a:r>
-            <a:r>
-              <a:rPr lang="en-GB" sz="2400" dirty="0">
-                <a:latin typeface="+mj-lt"/>
-                <a:cs typeface="Courier New" panose="02070309020205020404" pitchFamily="49" charset="0"/>
-              </a:rPr>
-              <a:t> cat}</a:t>
-            </a:r>
-          </a:p>
-        </p:txBody>
-      </p:sp>
-      <p:cxnSp>
-        <p:nvCxnSpPr>
-          <p:cNvPr id="11" name="Straight Connector 10"/>
-          <p:cNvCxnSpPr>
-            <a:stCxn id="2" idx="2"/>
-          </p:cNvCxnSpPr>
-          <p:nvPr/>
-        </p:nvCxnSpPr>
-        <p:spPr>
-          <a:xfrm>
-            <a:off x="4572000" y="1417638"/>
-            <a:ext cx="0" cy="5440362"/>
-          </a:xfrm>
-          <a:prstGeom prst="line">
-            <a:avLst/>
-          </a:prstGeom>
-        </p:spPr>
-        <p:style>
-          <a:lnRef idx="2">
-            <a:schemeClr val="accent1"/>
-          </a:lnRef>
-          <a:fillRef idx="0">
-            <a:schemeClr val="accent1"/>
-          </a:fillRef>
-          <a:effectRef idx="1">
-            <a:schemeClr val="accent1"/>
-          </a:effectRef>
-          <a:fontRef idx="minor">
-            <a:schemeClr val="tx1"/>
-          </a:fontRef>
-        </p:style>
-      </p:cxnSp>
-      <p:pic>
-        <p:nvPicPr>
-          <p:cNvPr id="5" name="Picture 4">
-            <a:extLst>
-              <a:ext uri="{FF2B5EF4-FFF2-40B4-BE49-F238E27FC236}">
-                <a16:creationId xmlns:a16="http://schemas.microsoft.com/office/drawing/2014/main" id="{AB2F844D-984E-4649-B0FB-9BC12F9B424F}"/>
-              </a:ext>
-            </a:extLst>
-          </p:cNvPr>
-          <p:cNvPicPr>
-            <a:picLocks noChangeAspect="1"/>
-          </p:cNvPicPr>
-          <p:nvPr/>
-        </p:nvPicPr>
-        <p:blipFill>
-          <a:blip r:embed="rId3"/>
-          <a:stretch>
-            <a:fillRect/>
-          </a:stretch>
-        </p:blipFill>
-        <p:spPr>
-          <a:xfrm>
-            <a:off x="4668323" y="2025574"/>
-            <a:ext cx="4206705" cy="3525374"/>
-          </a:xfrm>
-          <a:prstGeom prst="rect">
-            <a:avLst/>
-          </a:prstGeom>
-        </p:spPr>
-      </p:pic>
-      <p:sp>
-        <p:nvSpPr>
-          <p:cNvPr id="6" name="TextBox 5">
-            <a:extLst>
-              <a:ext uri="{FF2B5EF4-FFF2-40B4-BE49-F238E27FC236}">
-                <a16:creationId xmlns:a16="http://schemas.microsoft.com/office/drawing/2014/main" id="{7A10A9CE-6A22-4E2E-A35F-53E4CDDCABB4}"/>
-              </a:ext>
-            </a:extLst>
-          </p:cNvPr>
-          <p:cNvSpPr txBox="1"/>
-          <p:nvPr/>
-        </p:nvSpPr>
-        <p:spPr>
-          <a:xfrm>
-            <a:off x="7357241" y="6498021"/>
-            <a:ext cx="1697422" cy="369332"/>
-          </a:xfrm>
-          <a:prstGeom prst="rect">
-            <a:avLst/>
-          </a:prstGeom>
-          <a:noFill/>
-        </p:spPr>
-        <p:txBody>
-          <a:bodyPr wrap="square" rtlCol="0">
-            <a:spAutoFit/>
-          </a:bodyPr>
-          <a:lstStyle/>
-          <a:p>
-            <a:r>
-              <a:rPr lang="en-GB" dirty="0">
-                <a:solidFill>
-                  <a:schemeClr val="accent2"/>
-                </a:solidFill>
-              </a:rPr>
-              <a:t>Problem Sheet</a:t>
-            </a:r>
-          </a:p>
-        </p:txBody>
-      </p:sp>
-    </p:spTree>
-    <p:extLst>
-      <p:ext uri="{BB962C8B-B14F-4D97-AF65-F5344CB8AC3E}">
-        <p14:creationId xmlns:p14="http://schemas.microsoft.com/office/powerpoint/2010/main" val="3434731930"/>
       </p:ext>
     </p:extLst>
   </p:cSld>

--- a/Intro to Latex Slides.pptx
+++ b/Intro to Latex Slides.pptx
@@ -5,38 +5,39 @@
     <p:sldMasterId id="2147483648" r:id="rId1"/>
   </p:sldMasterIdLst>
   <p:notesMasterIdLst>
-    <p:notesMasterId r:id="rId28"/>
+    <p:notesMasterId r:id="rId29"/>
   </p:notesMasterIdLst>
   <p:handoutMasterIdLst>
-    <p:handoutMasterId r:id="rId29"/>
+    <p:handoutMasterId r:id="rId30"/>
   </p:handoutMasterIdLst>
   <p:sldIdLst>
     <p:sldId id="264" r:id="rId2"/>
-    <p:sldId id="258" r:id="rId3"/>
-    <p:sldId id="257" r:id="rId4"/>
-    <p:sldId id="267" r:id="rId5"/>
-    <p:sldId id="268" r:id="rId6"/>
-    <p:sldId id="292" r:id="rId7"/>
-    <p:sldId id="269" r:id="rId8"/>
-    <p:sldId id="271" r:id="rId9"/>
-    <p:sldId id="278" r:id="rId10"/>
-    <p:sldId id="288" r:id="rId11"/>
-    <p:sldId id="270" r:id="rId12"/>
-    <p:sldId id="284" r:id="rId13"/>
-    <p:sldId id="285" r:id="rId14"/>
-    <p:sldId id="287" r:id="rId15"/>
-    <p:sldId id="286" r:id="rId16"/>
-    <p:sldId id="281" r:id="rId17"/>
-    <p:sldId id="282" r:id="rId18"/>
-    <p:sldId id="277" r:id="rId19"/>
-    <p:sldId id="319" r:id="rId20"/>
-    <p:sldId id="321" r:id="rId21"/>
-    <p:sldId id="322" r:id="rId22"/>
-    <p:sldId id="290" r:id="rId23"/>
-    <p:sldId id="291" r:id="rId24"/>
-    <p:sldId id="328" r:id="rId25"/>
-    <p:sldId id="331" r:id="rId26"/>
-    <p:sldId id="280" r:id="rId27"/>
+    <p:sldId id="504" r:id="rId3"/>
+    <p:sldId id="258" r:id="rId4"/>
+    <p:sldId id="257" r:id="rId5"/>
+    <p:sldId id="267" r:id="rId6"/>
+    <p:sldId id="268" r:id="rId7"/>
+    <p:sldId id="292" r:id="rId8"/>
+    <p:sldId id="269" r:id="rId9"/>
+    <p:sldId id="271" r:id="rId10"/>
+    <p:sldId id="278" r:id="rId11"/>
+    <p:sldId id="288" r:id="rId12"/>
+    <p:sldId id="270" r:id="rId13"/>
+    <p:sldId id="284" r:id="rId14"/>
+    <p:sldId id="285" r:id="rId15"/>
+    <p:sldId id="287" r:id="rId16"/>
+    <p:sldId id="286" r:id="rId17"/>
+    <p:sldId id="281" r:id="rId18"/>
+    <p:sldId id="282" r:id="rId19"/>
+    <p:sldId id="277" r:id="rId20"/>
+    <p:sldId id="319" r:id="rId21"/>
+    <p:sldId id="321" r:id="rId22"/>
+    <p:sldId id="322" r:id="rId23"/>
+    <p:sldId id="290" r:id="rId24"/>
+    <p:sldId id="291" r:id="rId25"/>
+    <p:sldId id="328" r:id="rId26"/>
+    <p:sldId id="331" r:id="rId27"/>
+    <p:sldId id="280" r:id="rId28"/>
   </p:sldIdLst>
   <p:sldSz cx="9144000" cy="6858000" type="screen4x3"/>
   <p:notesSz cx="7099300" cy="10234613"/>
@@ -141,6 +142,7 @@
         <p14:section name="Introduction" id="{45EEEAF5-8C61-4410-A3AB-B2CD0B57ECF0}">
           <p14:sldIdLst>
             <p14:sldId id="264"/>
+            <p14:sldId id="504"/>
             <p14:sldId id="258"/>
             <p14:sldId id="257"/>
             <p14:sldId id="267"/>
@@ -440,7 +442,7 @@
           <a:p>
             <a:fld id="{88EB714B-C3CC-4216-88C1-02913905B1CF}" type="datetimeFigureOut">
               <a:rPr lang="en-GB" smtClean="0"/>
-              <a:t>04/10/2021</a:t>
+              <a:t>12/10/2021</a:t>
             </a:fld>
             <a:endParaRPr lang="en-GB"/>
           </a:p>
@@ -1049,7 +1051,7 @@
           <a:p>
             <a:fld id="{6A641EC8-C9F8-4A58-A1A7-F7D817526EEC}" type="slidenum">
               <a:rPr lang="en-GB" smtClean="0"/>
-              <a:t>12</a:t>
+              <a:t>13</a:t>
             </a:fld>
             <a:endParaRPr lang="en-GB"/>
           </a:p>
@@ -1179,7 +1181,7 @@
           <a:p>
             <a:fld id="{6A641EC8-C9F8-4A58-A1A7-F7D817526EEC}" type="slidenum">
               <a:rPr lang="en-GB" smtClean="0"/>
-              <a:t>13</a:t>
+              <a:t>14</a:t>
             </a:fld>
             <a:endParaRPr lang="en-GB"/>
           </a:p>
@@ -1371,7 +1373,7 @@
           <a:p>
             <a:fld id="{6A641EC8-C9F8-4A58-A1A7-F7D817526EEC}" type="slidenum">
               <a:rPr lang="en-GB" smtClean="0"/>
-              <a:t>14</a:t>
+              <a:t>15</a:t>
             </a:fld>
             <a:endParaRPr lang="en-GB"/>
           </a:p>
@@ -1475,7 +1477,7 @@
           <a:p>
             <a:fld id="{6A641EC8-C9F8-4A58-A1A7-F7D817526EEC}" type="slidenum">
               <a:rPr lang="en-GB" smtClean="0"/>
-              <a:t>15</a:t>
+              <a:t>16</a:t>
             </a:fld>
             <a:endParaRPr lang="en-GB"/>
           </a:p>
@@ -1660,7 +1662,7 @@
           <a:p>
             <a:fld id="{6A641EC8-C9F8-4A58-A1A7-F7D817526EEC}" type="slidenum">
               <a:rPr lang="en-GB" smtClean="0"/>
-              <a:t>16</a:t>
+              <a:t>17</a:t>
             </a:fld>
             <a:endParaRPr lang="en-GB"/>
           </a:p>
@@ -1828,7 +1830,7 @@
           <a:p>
             <a:fld id="{6A641EC8-C9F8-4A58-A1A7-F7D817526EEC}" type="slidenum">
               <a:rPr lang="en-GB" smtClean="0"/>
-              <a:t>17</a:t>
+              <a:t>18</a:t>
             </a:fld>
             <a:endParaRPr lang="en-GB"/>
           </a:p>
@@ -1983,7 +1985,7 @@
           <a:p>
             <a:fld id="{6A641EC8-C9F8-4A58-A1A7-F7D817526EEC}" type="slidenum">
               <a:rPr lang="en-GB" smtClean="0"/>
-              <a:t>18</a:t>
+              <a:t>19</a:t>
             </a:fld>
             <a:endParaRPr lang="en-GB"/>
           </a:p>
@@ -2088,7 +2090,7 @@
           <a:p>
             <a:fld id="{6A641EC8-C9F8-4A58-A1A7-F7D817526EEC}" type="slidenum">
               <a:rPr lang="en-GB" smtClean="0"/>
-              <a:t>19</a:t>
+              <a:t>20</a:t>
             </a:fld>
             <a:endParaRPr lang="en-GB"/>
           </a:p>
@@ -2226,7 +2228,7 @@
           <a:p>
             <a:fld id="{6A641EC8-C9F8-4A58-A1A7-F7D817526EEC}" type="slidenum">
               <a:rPr lang="en-GB" smtClean="0"/>
-              <a:t>20</a:t>
+              <a:t>21</a:t>
             </a:fld>
             <a:endParaRPr lang="en-GB"/>
           </a:p>
@@ -2392,7 +2394,7 @@
           <a:p>
             <a:fld id="{6A641EC8-C9F8-4A58-A1A7-F7D817526EEC}" type="slidenum">
               <a:rPr lang="en-GB" smtClean="0"/>
-              <a:t>21</a:t>
+              <a:t>22</a:t>
             </a:fld>
             <a:endParaRPr lang="en-GB"/>
           </a:p>
@@ -2476,7 +2478,7 @@
           <a:p>
             <a:fld id="{6A641EC8-C9F8-4A58-A1A7-F7D817526EEC}" type="slidenum">
               <a:rPr lang="en-GB" smtClean="0"/>
-              <a:t>4</a:t>
+              <a:t>5</a:t>
             </a:fld>
             <a:endParaRPr lang="en-GB"/>
           </a:p>
@@ -2628,7 +2630,7 @@
           <a:p>
             <a:fld id="{6A641EC8-C9F8-4A58-A1A7-F7D817526EEC}" type="slidenum">
               <a:rPr lang="en-GB" smtClean="0"/>
-              <a:t>22</a:t>
+              <a:t>23</a:t>
             </a:fld>
             <a:endParaRPr lang="en-GB"/>
           </a:p>
@@ -2749,7 +2751,7 @@
           <a:p>
             <a:fld id="{6A641EC8-C9F8-4A58-A1A7-F7D817526EEC}" type="slidenum">
               <a:rPr lang="en-GB" smtClean="0"/>
-              <a:t>23</a:t>
+              <a:t>24</a:t>
             </a:fld>
             <a:endParaRPr lang="en-GB"/>
           </a:p>
@@ -2852,7 +2854,7 @@
           <a:p>
             <a:fld id="{6A641EC8-C9F8-4A58-A1A7-F7D817526EEC}" type="slidenum">
               <a:rPr lang="en-GB" smtClean="0"/>
-              <a:t>24</a:t>
+              <a:t>25</a:t>
             </a:fld>
             <a:endParaRPr lang="en-GB"/>
           </a:p>
@@ -2936,7 +2938,7 @@
           <a:p>
             <a:fld id="{6A641EC8-C9F8-4A58-A1A7-F7D817526EEC}" type="slidenum">
               <a:rPr lang="en-GB" smtClean="0"/>
-              <a:t>25</a:t>
+              <a:t>26</a:t>
             </a:fld>
             <a:endParaRPr lang="en-GB"/>
           </a:p>
@@ -3132,7 +3134,7 @@
                   <a:spcPct val="0"/>
                 </a:spcBef>
               </a:pPr>
-              <a:t>26</a:t>
+              <a:t>27</a:t>
             </a:fld>
             <a:endParaRPr lang="en-US" altLang="en-US"/>
           </a:p>
@@ -3322,7 +3324,7 @@
           <a:p>
             <a:fld id="{6A641EC8-C9F8-4A58-A1A7-F7D817526EEC}" type="slidenum">
               <a:rPr lang="en-GB" smtClean="0"/>
-              <a:t>5</a:t>
+              <a:t>6</a:t>
             </a:fld>
             <a:endParaRPr lang="en-GB"/>
           </a:p>
@@ -3441,7 +3443,7 @@
           <a:p>
             <a:fld id="{6A641EC8-C9F8-4A58-A1A7-F7D817526EEC}" type="slidenum">
               <a:rPr lang="en-GB" smtClean="0"/>
-              <a:t>6</a:t>
+              <a:t>7</a:t>
             </a:fld>
             <a:endParaRPr lang="en-GB"/>
           </a:p>
@@ -3619,7 +3621,7 @@
           <a:p>
             <a:fld id="{6A641EC8-C9F8-4A58-A1A7-F7D817526EEC}" type="slidenum">
               <a:rPr lang="en-GB" smtClean="0"/>
-              <a:t>7</a:t>
+              <a:t>8</a:t>
             </a:fld>
             <a:endParaRPr lang="en-GB"/>
           </a:p>
@@ -3706,7 +3708,7 @@
           <a:p>
             <a:fld id="{6A641EC8-C9F8-4A58-A1A7-F7D817526EEC}" type="slidenum">
               <a:rPr lang="en-GB" smtClean="0"/>
-              <a:t>8</a:t>
+              <a:t>9</a:t>
             </a:fld>
             <a:endParaRPr lang="en-GB"/>
           </a:p>
@@ -3818,7 +3820,7 @@
           <a:p>
             <a:fld id="{6A641EC8-C9F8-4A58-A1A7-F7D817526EEC}" type="slidenum">
               <a:rPr lang="en-GB" smtClean="0"/>
-              <a:t>9</a:t>
+              <a:t>10</a:t>
             </a:fld>
             <a:endParaRPr lang="en-GB"/>
           </a:p>
@@ -3931,7 +3933,7 @@
           <a:p>
             <a:fld id="{6A641EC8-C9F8-4A58-A1A7-F7D817526EEC}" type="slidenum">
               <a:rPr lang="en-GB" smtClean="0"/>
-              <a:t>10</a:t>
+              <a:t>11</a:t>
             </a:fld>
             <a:endParaRPr lang="en-GB"/>
           </a:p>
@@ -4088,7 +4090,7 @@
           <a:p>
             <a:fld id="{6A641EC8-C9F8-4A58-A1A7-F7D817526EEC}" type="slidenum">
               <a:rPr lang="en-GB" smtClean="0"/>
-              <a:t>11</a:t>
+              <a:t>12</a:t>
             </a:fld>
             <a:endParaRPr lang="en-GB"/>
           </a:p>
@@ -4466,7 +4468,7 @@
           <a:p>
             <a:fld id="{EB0080F8-EA1C-491D-963C-2C881B2F918F}" type="datetimeFigureOut">
               <a:rPr lang="en-GB" smtClean="0"/>
-              <a:t>04/10/2021</a:t>
+              <a:t>12/10/2021</a:t>
             </a:fld>
             <a:endParaRPr lang="en-GB"/>
           </a:p>
@@ -4616,7 +4618,7 @@
           <a:p>
             <a:fld id="{EB0080F8-EA1C-491D-963C-2C881B2F918F}" type="datetimeFigureOut">
               <a:rPr lang="en-GB" smtClean="0"/>
-              <a:t>04/10/2021</a:t>
+              <a:t>12/10/2021</a:t>
             </a:fld>
             <a:endParaRPr lang="en-GB"/>
           </a:p>
@@ -6149,7 +6151,7 @@
           <a:p>
             <a:fld id="{EB0080F8-EA1C-491D-963C-2C881B2F918F}" type="datetimeFigureOut">
               <a:rPr lang="en-GB" smtClean="0"/>
-              <a:t>04/10/2021</a:t>
+              <a:t>12/10/2021</a:t>
             </a:fld>
             <a:endParaRPr lang="en-GB"/>
           </a:p>
@@ -6716,69 +6718,8 @@
           <a:p>
             <a:r>
               <a:rPr lang="en-GB" sz="4000" dirty="0"/>
-              <a:t>Table of Contents</a:t>
-            </a:r>
-          </a:p>
-        </p:txBody>
-      </p:sp>
-      <p:sp>
-        <p:nvSpPr>
-          <p:cNvPr id="4" name="TextBox 3"/>
-          <p:cNvSpPr txBox="1"/>
-          <p:nvPr/>
-        </p:nvSpPr>
-        <p:spPr>
-          <a:xfrm>
-            <a:off x="746438" y="3245892"/>
-            <a:ext cx="2896947" cy="553998"/>
-          </a:xfrm>
-          <a:prstGeom prst="rect">
-            <a:avLst/>
-          </a:prstGeom>
-          <a:noFill/>
-        </p:spPr>
-        <p:txBody>
-          <a:bodyPr wrap="none" rtlCol="0">
-            <a:spAutoFit/>
-          </a:bodyPr>
-          <a:lstStyle/>
-          <a:p>
-            <a:r>
-              <a:rPr lang="en-GB" sz="3000" dirty="0">
-                <a:solidFill>
-                  <a:schemeClr val="tx2">
-                    <a:lumMod val="50000"/>
-                    <a:lumOff val="50000"/>
-                  </a:schemeClr>
-                </a:solidFill>
-                <a:latin typeface="+mj-lt"/>
-                <a:cs typeface="Courier New" panose="02070309020205020404" pitchFamily="49" charset="0"/>
-              </a:rPr>
-              <a:t>\</a:t>
-            </a:r>
-            <a:r>
-              <a:rPr lang="en-GB" sz="3000" dirty="0" err="1">
-                <a:solidFill>
-                  <a:schemeClr val="tx2">
-                    <a:lumMod val="50000"/>
-                    <a:lumOff val="50000"/>
-                  </a:schemeClr>
-                </a:solidFill>
-                <a:latin typeface="+mj-lt"/>
-                <a:cs typeface="Courier New" panose="02070309020205020404" pitchFamily="49" charset="0"/>
-              </a:rPr>
-              <a:t>tableofcontents</a:t>
-            </a:r>
-            <a:endParaRPr lang="en-GB" sz="3000" dirty="0">
-              <a:solidFill>
-                <a:schemeClr val="tx2">
-                  <a:lumMod val="50000"/>
-                  <a:lumOff val="50000"/>
-                </a:schemeClr>
-              </a:solidFill>
-              <a:latin typeface="+mj-lt"/>
-              <a:cs typeface="Courier New" panose="02070309020205020404" pitchFamily="49" charset="0"/>
-            </a:endParaRPr>
+              <a:t>Chapters and Paragraphs</a:t>
+            </a:r>
           </a:p>
         </p:txBody>
       </p:sp>
@@ -6814,6 +6755,399 @@
       </p:cxnSp>
       <p:sp>
         <p:nvSpPr>
+          <p:cNvPr id="8" name="TextBox 7"/>
+          <p:cNvSpPr txBox="1"/>
+          <p:nvPr/>
+        </p:nvSpPr>
+        <p:spPr>
+          <a:xfrm>
+            <a:off x="200528" y="2398061"/>
+            <a:ext cx="4263894" cy="2708434"/>
+          </a:xfrm>
+          <a:prstGeom prst="rect">
+            <a:avLst/>
+          </a:prstGeom>
+          <a:noFill/>
+        </p:spPr>
+        <p:txBody>
+          <a:bodyPr wrap="square" rtlCol="0">
+            <a:spAutoFit/>
+          </a:bodyPr>
+          <a:lstStyle/>
+          <a:p>
+            <a:r>
+              <a:rPr lang="en-GB" sz="2800" dirty="0">
+                <a:solidFill>
+                  <a:schemeClr val="tx2">
+                    <a:lumMod val="50000"/>
+                    <a:lumOff val="50000"/>
+                  </a:schemeClr>
+                </a:solidFill>
+                <a:latin typeface="+mj-lt"/>
+                <a:cs typeface="Courier New" panose="02070309020205020404" pitchFamily="49" charset="0"/>
+              </a:rPr>
+              <a:t>\chapter{</a:t>
+            </a:r>
+            <a:r>
+              <a:rPr lang="en-GB" sz="2800" dirty="0">
+                <a:latin typeface="+mj-lt"/>
+                <a:cs typeface="Courier New" panose="02070309020205020404" pitchFamily="49" charset="0"/>
+              </a:rPr>
+              <a:t>A Poem</a:t>
+            </a:r>
+            <a:r>
+              <a:rPr lang="en-GB" sz="2800" dirty="0">
+                <a:solidFill>
+                  <a:schemeClr val="tx2">
+                    <a:lumMod val="50000"/>
+                    <a:lumOff val="50000"/>
+                  </a:schemeClr>
+                </a:solidFill>
+                <a:latin typeface="+mj-lt"/>
+                <a:cs typeface="Courier New" panose="02070309020205020404" pitchFamily="49" charset="0"/>
+              </a:rPr>
+              <a:t>}</a:t>
+            </a:r>
+          </a:p>
+          <a:p>
+            <a:r>
+              <a:rPr lang="en-GB" sz="2800" dirty="0">
+                <a:solidFill>
+                  <a:schemeClr val="tx2">
+                    <a:lumMod val="50000"/>
+                    <a:lumOff val="50000"/>
+                  </a:schemeClr>
+                </a:solidFill>
+                <a:latin typeface="+mj-lt"/>
+                <a:cs typeface="Courier New" panose="02070309020205020404" pitchFamily="49" charset="0"/>
+              </a:rPr>
+              <a:t>\section{</a:t>
+            </a:r>
+            <a:r>
+              <a:rPr lang="en-GB" sz="2800" dirty="0">
+                <a:latin typeface="+mj-lt"/>
+                <a:cs typeface="Courier New" panose="02070309020205020404" pitchFamily="49" charset="0"/>
+              </a:rPr>
+              <a:t>The Cat</a:t>
+            </a:r>
+            <a:r>
+              <a:rPr lang="en-GB" sz="2800" dirty="0">
+                <a:solidFill>
+                  <a:schemeClr val="tx2">
+                    <a:lumMod val="50000"/>
+                    <a:lumOff val="50000"/>
+                  </a:schemeClr>
+                </a:solidFill>
+                <a:latin typeface="+mj-lt"/>
+                <a:cs typeface="Courier New" panose="02070309020205020404" pitchFamily="49" charset="0"/>
+              </a:rPr>
+              <a:t>}</a:t>
+            </a:r>
+          </a:p>
+          <a:p>
+            <a:r>
+              <a:rPr lang="en-GB" sz="2800" dirty="0">
+                <a:solidFill>
+                  <a:schemeClr val="tx2">
+                    <a:lumMod val="50000"/>
+                    <a:lumOff val="50000"/>
+                  </a:schemeClr>
+                </a:solidFill>
+                <a:latin typeface="+mj-lt"/>
+                <a:cs typeface="Courier New" panose="02070309020205020404" pitchFamily="49" charset="0"/>
+              </a:rPr>
+              <a:t>\subsection{</a:t>
+            </a:r>
+            <a:r>
+              <a:rPr lang="en-GB" sz="2800" dirty="0">
+                <a:latin typeface="+mj-lt"/>
+                <a:cs typeface="Courier New" panose="02070309020205020404" pitchFamily="49" charset="0"/>
+              </a:rPr>
+              <a:t>Sat On</a:t>
+            </a:r>
+            <a:r>
+              <a:rPr lang="en-GB" sz="2800" dirty="0">
+                <a:solidFill>
+                  <a:schemeClr val="tx2">
+                    <a:lumMod val="50000"/>
+                    <a:lumOff val="50000"/>
+                  </a:schemeClr>
+                </a:solidFill>
+                <a:latin typeface="+mj-lt"/>
+                <a:cs typeface="Courier New" panose="02070309020205020404" pitchFamily="49" charset="0"/>
+              </a:rPr>
+              <a:t>}</a:t>
+            </a:r>
+          </a:p>
+          <a:p>
+            <a:r>
+              <a:rPr lang="en-GB" sz="2800" dirty="0">
+                <a:solidFill>
+                  <a:schemeClr val="tx2">
+                    <a:lumMod val="50000"/>
+                    <a:lumOff val="50000"/>
+                  </a:schemeClr>
+                </a:solidFill>
+                <a:latin typeface="+mj-lt"/>
+                <a:cs typeface="Courier New" panose="02070309020205020404" pitchFamily="49" charset="0"/>
+              </a:rPr>
+              <a:t>\subsubsection{</a:t>
+            </a:r>
+            <a:r>
+              <a:rPr lang="en-GB" sz="2800" dirty="0">
+                <a:latin typeface="+mj-lt"/>
+                <a:cs typeface="Courier New" panose="02070309020205020404" pitchFamily="49" charset="0"/>
+              </a:rPr>
+              <a:t>The Mat</a:t>
+            </a:r>
+            <a:r>
+              <a:rPr lang="en-GB" sz="2800" dirty="0">
+                <a:solidFill>
+                  <a:schemeClr val="tx2">
+                    <a:lumMod val="50000"/>
+                    <a:lumOff val="50000"/>
+                  </a:schemeClr>
+                </a:solidFill>
+                <a:latin typeface="+mj-lt"/>
+                <a:cs typeface="Courier New" panose="02070309020205020404" pitchFamily="49" charset="0"/>
+              </a:rPr>
+              <a:t>}</a:t>
+            </a:r>
+          </a:p>
+          <a:p>
+            <a:r>
+              <a:rPr lang="en-GB" sz="2800" dirty="0">
+                <a:solidFill>
+                  <a:schemeClr val="tx2">
+                    <a:lumMod val="50000"/>
+                    <a:lumOff val="50000"/>
+                  </a:schemeClr>
+                </a:solidFill>
+                <a:latin typeface="+mj-lt"/>
+                <a:cs typeface="Courier New" panose="02070309020205020404" pitchFamily="49" charset="0"/>
+              </a:rPr>
+              <a:t>\paragraph{</a:t>
+            </a:r>
+            <a:r>
+              <a:rPr lang="en-GB" sz="2800" dirty="0">
+                <a:latin typeface="+mj-lt"/>
+                <a:cs typeface="Courier New" panose="02070309020205020404" pitchFamily="49" charset="0"/>
+              </a:rPr>
+              <a:t>Author</a:t>
+            </a:r>
+            <a:r>
+              <a:rPr lang="en-GB" sz="2800" dirty="0">
+                <a:solidFill>
+                  <a:schemeClr val="tx2">
+                    <a:lumMod val="50000"/>
+                    <a:lumOff val="50000"/>
+                  </a:schemeClr>
+                </a:solidFill>
+                <a:latin typeface="+mj-lt"/>
+                <a:cs typeface="Courier New" panose="02070309020205020404" pitchFamily="49" charset="0"/>
+              </a:rPr>
+              <a:t>}</a:t>
+            </a:r>
+            <a:r>
+              <a:rPr lang="en-GB" sz="2800" dirty="0">
+                <a:latin typeface="+mj-lt"/>
+                <a:cs typeface="Courier New" panose="02070309020205020404" pitchFamily="49" charset="0"/>
+              </a:rPr>
+              <a:t>Chris</a:t>
+            </a:r>
+          </a:p>
+          <a:p>
+            <a:endParaRPr lang="en-GB" sz="3000" dirty="0">
+              <a:solidFill>
+                <a:srgbClr val="0070C0"/>
+              </a:solidFill>
+            </a:endParaRPr>
+          </a:p>
+        </p:txBody>
+      </p:sp>
+      <p:pic>
+        <p:nvPicPr>
+          <p:cNvPr id="10" name="Picture 9">
+            <a:extLst>
+              <a:ext uri="{FF2B5EF4-FFF2-40B4-BE49-F238E27FC236}">
+                <a16:creationId xmlns:a16="http://schemas.microsoft.com/office/drawing/2014/main" id="{15508FF3-872A-4118-8CCE-C4035BAE22CB}"/>
+              </a:ext>
+            </a:extLst>
+          </p:cNvPr>
+          <p:cNvPicPr>
+            <a:picLocks noChangeAspect="1"/>
+          </p:cNvPicPr>
+          <p:nvPr/>
+        </p:nvPicPr>
+        <p:blipFill>
+          <a:blip r:embed="rId3"/>
+          <a:stretch>
+            <a:fillRect/>
+          </a:stretch>
+        </p:blipFill>
+        <p:spPr>
+          <a:xfrm>
+            <a:off x="5132068" y="1109041"/>
+            <a:ext cx="3528668" cy="5440362"/>
+          </a:xfrm>
+          <a:prstGeom prst="rect">
+            <a:avLst/>
+          </a:prstGeom>
+        </p:spPr>
+      </p:pic>
+    </p:spTree>
+    <p:extLst>
+      <p:ext uri="{BB962C8B-B14F-4D97-AF65-F5344CB8AC3E}">
+        <p14:creationId xmlns:p14="http://schemas.microsoft.com/office/powerpoint/2010/main" val="3436705082"/>
+      </p:ext>
+    </p:extLst>
+  </p:cSld>
+  <p:clrMapOvr>
+    <a:masterClrMapping/>
+  </p:clrMapOvr>
+  <mc:AlternateContent xmlns:mc="http://schemas.openxmlformats.org/markup-compatibility/2006" xmlns:p14="http://schemas.microsoft.com/office/powerpoint/2010/main">
+    <mc:Choice Requires="p14">
+      <p:transition p14:dur="10"/>
+    </mc:Choice>
+    <mc:Fallback xmlns="">
+      <p:transition/>
+    </mc:Fallback>
+  </mc:AlternateContent>
+</p:sld>
+</file>
+
+<file path=ppt/slides/slide11.xml><?xml version="1.0" encoding="utf-8"?>
+<p:sld xmlns:a="http://schemas.openxmlformats.org/drawingml/2006/main" xmlns:r="http://schemas.openxmlformats.org/officeDocument/2006/relationships" xmlns:p="http://schemas.openxmlformats.org/presentationml/2006/main">
+  <p:cSld>
+    <p:spTree>
+      <p:nvGrpSpPr>
+        <p:cNvPr id="1" name=""/>
+        <p:cNvGrpSpPr/>
+        <p:nvPr/>
+      </p:nvGrpSpPr>
+      <p:grpSpPr>
+        <a:xfrm>
+          <a:off x="0" y="0"/>
+          <a:ext cx="0" cy="0"/>
+          <a:chOff x="0" y="0"/>
+          <a:chExt cx="0" cy="0"/>
+        </a:xfrm>
+      </p:grpSpPr>
+      <p:sp>
+        <p:nvSpPr>
+          <p:cNvPr id="2" name="Title 1"/>
+          <p:cNvSpPr>
+            <a:spLocks noGrp="1"/>
+          </p:cNvSpPr>
+          <p:nvPr>
+            <p:ph type="title"/>
+          </p:nvPr>
+        </p:nvSpPr>
+        <p:spPr/>
+        <p:txBody>
+          <a:bodyPr/>
+          <a:lstStyle/>
+          <a:p>
+            <a:r>
+              <a:rPr lang="en-GB" sz="4000" dirty="0"/>
+              <a:t>Table of Contents</a:t>
+            </a:r>
+          </a:p>
+        </p:txBody>
+      </p:sp>
+      <p:sp>
+        <p:nvSpPr>
+          <p:cNvPr id="4" name="TextBox 3"/>
+          <p:cNvSpPr txBox="1"/>
+          <p:nvPr/>
+        </p:nvSpPr>
+        <p:spPr>
+          <a:xfrm>
+            <a:off x="746438" y="3245892"/>
+            <a:ext cx="2896947" cy="553998"/>
+          </a:xfrm>
+          <a:prstGeom prst="rect">
+            <a:avLst/>
+          </a:prstGeom>
+          <a:noFill/>
+        </p:spPr>
+        <p:txBody>
+          <a:bodyPr wrap="none" rtlCol="0">
+            <a:spAutoFit/>
+          </a:bodyPr>
+          <a:lstStyle/>
+          <a:p>
+            <a:r>
+              <a:rPr lang="en-GB" sz="3000" dirty="0">
+                <a:solidFill>
+                  <a:schemeClr val="tx2">
+                    <a:lumMod val="50000"/>
+                    <a:lumOff val="50000"/>
+                  </a:schemeClr>
+                </a:solidFill>
+                <a:latin typeface="+mj-lt"/>
+                <a:cs typeface="Courier New" panose="02070309020205020404" pitchFamily="49" charset="0"/>
+              </a:rPr>
+              <a:t>\</a:t>
+            </a:r>
+            <a:r>
+              <a:rPr lang="en-GB" sz="3000" dirty="0" err="1">
+                <a:solidFill>
+                  <a:schemeClr val="tx2">
+                    <a:lumMod val="50000"/>
+                    <a:lumOff val="50000"/>
+                  </a:schemeClr>
+                </a:solidFill>
+                <a:latin typeface="+mj-lt"/>
+                <a:cs typeface="Courier New" panose="02070309020205020404" pitchFamily="49" charset="0"/>
+              </a:rPr>
+              <a:t>tableofcontents</a:t>
+            </a:r>
+            <a:endParaRPr lang="en-GB" sz="3000" dirty="0">
+              <a:solidFill>
+                <a:schemeClr val="tx2">
+                  <a:lumMod val="50000"/>
+                  <a:lumOff val="50000"/>
+                </a:schemeClr>
+              </a:solidFill>
+              <a:latin typeface="+mj-lt"/>
+              <a:cs typeface="Courier New" panose="02070309020205020404" pitchFamily="49" charset="0"/>
+            </a:endParaRPr>
+          </a:p>
+        </p:txBody>
+      </p:sp>
+      <p:cxnSp>
+        <p:nvCxnSpPr>
+          <p:cNvPr id="11" name="Straight Connector 10"/>
+          <p:cNvCxnSpPr/>
+          <p:nvPr/>
+        </p:nvCxnSpPr>
+        <p:spPr>
+          <a:xfrm>
+            <a:off x="4572000" y="1417638"/>
+            <a:ext cx="0" cy="5440362"/>
+          </a:xfrm>
+          <a:prstGeom prst="line">
+            <a:avLst/>
+          </a:prstGeom>
+        </p:spPr>
+        <p:style>
+          <a:lnRef idx="2">
+            <a:schemeClr val="accent1"/>
+          </a:lnRef>
+          <a:fillRef idx="0">
+            <a:schemeClr val="accent1"/>
+          </a:fillRef>
+          <a:effectRef idx="1">
+            <a:schemeClr val="accent1"/>
+          </a:effectRef>
+          <a:fontRef idx="minor">
+            <a:schemeClr val="tx1"/>
+          </a:fontRef>
+        </p:style>
+      </p:cxnSp>
+      <p:sp>
+        <p:nvSpPr>
           <p:cNvPr id="3" name="TextBox 2"/>
           <p:cNvSpPr txBox="1"/>
           <p:nvPr/>
@@ -6941,7 +7275,7 @@
 </p:sld>
 </file>
 
-<file path=ppt/slides/slide11.xml><?xml version="1.0" encoding="utf-8"?>
+<file path=ppt/slides/slide12.xml><?xml version="1.0" encoding="utf-8"?>
 <p:sld xmlns:a="http://schemas.openxmlformats.org/drawingml/2006/main" xmlns:r="http://schemas.openxmlformats.org/officeDocument/2006/relationships" xmlns:p="http://schemas.openxmlformats.org/presentationml/2006/main">
   <p:cSld>
     <p:spTree>
@@ -7390,7 +7724,7 @@
 </p:sld>
 </file>
 
-<file path=ppt/slides/slide12.xml><?xml version="1.0" encoding="utf-8"?>
+<file path=ppt/slides/slide13.xml><?xml version="1.0" encoding="utf-8"?>
 <p:sld xmlns:a="http://schemas.openxmlformats.org/drawingml/2006/main" xmlns:r="http://schemas.openxmlformats.org/officeDocument/2006/relationships" xmlns:p="http://schemas.openxmlformats.org/presentationml/2006/main">
   <p:cSld>
     <p:spTree>
@@ -8211,7 +8545,7 @@
 </p:sld>
 </file>
 
-<file path=ppt/slides/slide13.xml><?xml version="1.0" encoding="utf-8"?>
+<file path=ppt/slides/slide14.xml><?xml version="1.0" encoding="utf-8"?>
 <p:sld xmlns:a="http://schemas.openxmlformats.org/drawingml/2006/main" xmlns:r="http://schemas.openxmlformats.org/officeDocument/2006/relationships" xmlns:p="http://schemas.openxmlformats.org/presentationml/2006/main">
   <p:cSld>
     <p:spTree>
@@ -8496,7 +8830,7 @@
 </p:sld>
 </file>
 
-<file path=ppt/slides/slide14.xml><?xml version="1.0" encoding="utf-8"?>
+<file path=ppt/slides/slide15.xml><?xml version="1.0" encoding="utf-8"?>
 <p:sld xmlns:a="http://schemas.openxmlformats.org/drawingml/2006/main" xmlns:r="http://schemas.openxmlformats.org/officeDocument/2006/relationships" xmlns:p="http://schemas.openxmlformats.org/presentationml/2006/main">
   <p:cSld>
     <p:spTree>
@@ -9061,7 +9395,7 @@
 </p:sld>
 </file>
 
-<file path=ppt/slides/slide15.xml><?xml version="1.0" encoding="utf-8"?>
+<file path=ppt/slides/slide16.xml><?xml version="1.0" encoding="utf-8"?>
 <p:sld xmlns:a="http://schemas.openxmlformats.org/drawingml/2006/main" xmlns:r="http://schemas.openxmlformats.org/officeDocument/2006/relationships" xmlns:p="http://schemas.openxmlformats.org/presentationml/2006/main">
   <p:cSld>
     <p:spTree>
@@ -9560,7 +9894,7 @@
 </p:sld>
 </file>
 
-<file path=ppt/slides/slide16.xml><?xml version="1.0" encoding="utf-8"?>
+<file path=ppt/slides/slide17.xml><?xml version="1.0" encoding="utf-8"?>
 <p:sld xmlns:a="http://schemas.openxmlformats.org/drawingml/2006/main" xmlns:r="http://schemas.openxmlformats.org/officeDocument/2006/relationships" xmlns:p="http://schemas.openxmlformats.org/presentationml/2006/main">
   <p:cSld>
     <p:spTree>
@@ -9934,7 +10268,7 @@
 </p:sld>
 </file>
 
-<file path=ppt/slides/slide17.xml><?xml version="1.0" encoding="utf-8"?>
+<file path=ppt/slides/slide18.xml><?xml version="1.0" encoding="utf-8"?>
 <p:sld xmlns:a="http://schemas.openxmlformats.org/drawingml/2006/main" xmlns:r="http://schemas.openxmlformats.org/officeDocument/2006/relationships" xmlns:p="http://schemas.openxmlformats.org/presentationml/2006/main">
   <p:cSld>
     <p:spTree>
@@ -10367,7 +10701,7 @@
 </p:sld>
 </file>
 
-<file path=ppt/slides/slide18.xml><?xml version="1.0" encoding="utf-8"?>
+<file path=ppt/slides/slide19.xml><?xml version="1.0" encoding="utf-8"?>
 <p:sld xmlns:a="http://schemas.openxmlformats.org/drawingml/2006/main" xmlns:r="http://schemas.openxmlformats.org/officeDocument/2006/relationships" xmlns:p="http://schemas.openxmlformats.org/presentationml/2006/main">
   <p:cSld>
     <p:spTree>
@@ -10828,7 +11162,133 @@
 </p:sld>
 </file>
 
-<file path=ppt/slides/slide19.xml><?xml version="1.0" encoding="utf-8"?>
+<file path=ppt/slides/slide2.xml><?xml version="1.0" encoding="utf-8"?>
+<p:sld xmlns:a="http://schemas.openxmlformats.org/drawingml/2006/main" xmlns:r="http://schemas.openxmlformats.org/officeDocument/2006/relationships" xmlns:p="http://schemas.openxmlformats.org/presentationml/2006/main">
+  <p:cSld>
+    <p:spTree>
+      <p:nvGrpSpPr>
+        <p:cNvPr id="1" name=""/>
+        <p:cNvGrpSpPr/>
+        <p:nvPr/>
+      </p:nvGrpSpPr>
+      <p:grpSpPr>
+        <a:xfrm>
+          <a:off x="0" y="0"/>
+          <a:ext cx="0" cy="0"/>
+          <a:chOff x="0" y="0"/>
+          <a:chExt cx="0" cy="0"/>
+        </a:xfrm>
+      </p:grpSpPr>
+      <p:sp>
+        <p:nvSpPr>
+          <p:cNvPr id="2" name="Title 1"/>
+          <p:cNvSpPr>
+            <a:spLocks noGrp="1"/>
+          </p:cNvSpPr>
+          <p:nvPr>
+            <p:ph type="title"/>
+          </p:nvPr>
+        </p:nvSpPr>
+        <p:spPr>
+          <a:xfrm>
+            <a:off x="401319" y="1431416"/>
+            <a:ext cx="8388117" cy="4549506"/>
+          </a:xfrm>
+        </p:spPr>
+        <p:txBody>
+          <a:bodyPr/>
+          <a:lstStyle/>
+          <a:p>
+            <a:pPr algn="ctr"/>
+            <a:r>
+              <a:rPr lang="en-GB" sz="2800" u="sng" dirty="0"/>
+              <a:t>Important Information on Marking your Attendance on Inkpath</a:t>
+            </a:r>
+            <a:br>
+              <a:rPr lang="en-GB" sz="2800" u="sng" dirty="0"/>
+            </a:br>
+            <a:br>
+              <a:rPr lang="en-GB" sz="2800" u="sng" dirty="0"/>
+            </a:br>
+            <a:br>
+              <a:rPr lang="en-GB" sz="2800" dirty="0"/>
+            </a:br>
+            <a:r>
+              <a:rPr lang="en-GB" sz="2800" dirty="0"/>
+              <a:t>After this course you will receive an email from the Graduate School administration team which will provide you with a QR code and instructions to mark your attendance at this course on Inkpath. </a:t>
+            </a:r>
+            <a:br>
+              <a:rPr lang="en-GB" sz="2800" dirty="0"/>
+            </a:br>
+            <a:br>
+              <a:rPr lang="en-GB" sz="2800" dirty="0"/>
+            </a:br>
+            <a:r>
+              <a:rPr lang="en-GB" sz="2800" dirty="0"/>
+              <a:t>Please </a:t>
+            </a:r>
+            <a:r>
+              <a:rPr lang="en-GB" sz="2800" u="sng" dirty="0"/>
+              <a:t>do not</a:t>
+            </a:r>
+            <a:r>
+              <a:rPr lang="en-GB" sz="2800" dirty="0"/>
+              <a:t> mark your attendance until you have received an email from the Graduate School. </a:t>
+            </a:r>
+          </a:p>
+        </p:txBody>
+      </p:sp>
+      <p:sp>
+        <p:nvSpPr>
+          <p:cNvPr id="7" name="TextBox 6"/>
+          <p:cNvSpPr txBox="1"/>
+          <p:nvPr/>
+        </p:nvSpPr>
+        <p:spPr>
+          <a:xfrm>
+            <a:off x="552450" y="3214433"/>
+            <a:ext cx="2171700" cy="830997"/>
+          </a:xfrm>
+          <a:prstGeom prst="rect">
+            <a:avLst/>
+          </a:prstGeom>
+          <a:noFill/>
+        </p:spPr>
+        <p:txBody>
+          <a:bodyPr wrap="square" rtlCol="0">
+            <a:spAutoFit/>
+          </a:bodyPr>
+          <a:lstStyle/>
+          <a:p>
+            <a:endParaRPr lang="en-GB" sz="2400" dirty="0">
+              <a:solidFill>
+                <a:srgbClr val="002060"/>
+              </a:solidFill>
+            </a:endParaRPr>
+          </a:p>
+          <a:p>
+            <a:endParaRPr lang="en-GB" sz="2400" dirty="0">
+              <a:solidFill>
+                <a:srgbClr val="002060"/>
+              </a:solidFill>
+            </a:endParaRPr>
+          </a:p>
+        </p:txBody>
+      </p:sp>
+    </p:spTree>
+    <p:extLst>
+      <p:ext uri="{BB962C8B-B14F-4D97-AF65-F5344CB8AC3E}">
+        <p14:creationId xmlns:p14="http://schemas.microsoft.com/office/powerpoint/2010/main" val="3686223621"/>
+      </p:ext>
+    </p:extLst>
+  </p:cSld>
+  <p:clrMapOvr>
+    <a:masterClrMapping/>
+  </p:clrMapOvr>
+</p:sld>
+</file>
+
+<file path=ppt/slides/slide20.xml><?xml version="1.0" encoding="utf-8"?>
 <p:sld xmlns:a="http://schemas.openxmlformats.org/drawingml/2006/main" xmlns:r="http://schemas.openxmlformats.org/officeDocument/2006/relationships" xmlns:p="http://schemas.openxmlformats.org/presentationml/2006/main">
   <p:cSld>
     <p:spTree>
@@ -10946,213 +11406,7 @@
 </p:sld>
 </file>
 
-<file path=ppt/slides/slide2.xml><?xml version="1.0" encoding="utf-8"?>
-<p:sld xmlns:a="http://schemas.openxmlformats.org/drawingml/2006/main" xmlns:r="http://schemas.openxmlformats.org/officeDocument/2006/relationships" xmlns:p="http://schemas.openxmlformats.org/presentationml/2006/main">
-  <p:cSld>
-    <p:spTree>
-      <p:nvGrpSpPr>
-        <p:cNvPr id="1" name=""/>
-        <p:cNvGrpSpPr/>
-        <p:nvPr/>
-      </p:nvGrpSpPr>
-      <p:grpSpPr>
-        <a:xfrm>
-          <a:off x="0" y="0"/>
-          <a:ext cx="0" cy="0"/>
-          <a:chOff x="0" y="0"/>
-          <a:chExt cx="0" cy="0"/>
-        </a:xfrm>
-      </p:grpSpPr>
-      <p:sp>
-        <p:nvSpPr>
-          <p:cNvPr id="4" name="Title 1"/>
-          <p:cNvSpPr txBox="1">
-            <a:spLocks/>
-          </p:cNvSpPr>
-          <p:nvPr/>
-        </p:nvSpPr>
-        <p:spPr>
-          <a:xfrm>
-            <a:off x="401320" y="472966"/>
-            <a:ext cx="5778764" cy="961696"/>
-          </a:xfrm>
-          <a:prstGeom prst="rect">
-            <a:avLst/>
-          </a:prstGeom>
-        </p:spPr>
-        <p:txBody>
-          <a:bodyPr anchor="b"/>
-          <a:lstStyle>
-            <a:lvl1pPr algn="l" defTabSz="457200" rtl="0" eaLnBrk="1" latinLnBrk="0" hangingPunct="1">
-              <a:lnSpc>
-                <a:spcPct val="90000"/>
-              </a:lnSpc>
-              <a:spcBef>
-                <a:spcPct val="0"/>
-              </a:spcBef>
-              <a:buNone/>
-              <a:defRPr sz="4000" b="1" i="0" kern="1200" baseline="0">
-                <a:solidFill>
-                  <a:schemeClr val="tx2"/>
-                </a:solidFill>
-                <a:latin typeface="+mj-lt"/>
-                <a:ea typeface="+mj-ea"/>
-                <a:cs typeface="MetaOT-Bold"/>
-              </a:defRPr>
-            </a:lvl1pPr>
-          </a:lstStyle>
-          <a:p>
-            <a:r>
-              <a:rPr lang="en-US" sz="3200" dirty="0">
-                <a:solidFill>
-                  <a:schemeClr val="accent3"/>
-                </a:solidFill>
-              </a:rPr>
-              <a:t>Expectations:  Covid-safe teaching environments</a:t>
-            </a:r>
-          </a:p>
-        </p:txBody>
-      </p:sp>
-      <p:sp>
-        <p:nvSpPr>
-          <p:cNvPr id="5" name="Subtitle 2"/>
-          <p:cNvSpPr>
-            <a:spLocks noGrp="1"/>
-          </p:cNvSpPr>
-          <p:nvPr>
-            <p:ph type="subTitle" idx="1"/>
-          </p:nvPr>
-        </p:nvSpPr>
-        <p:spPr>
-          <a:xfrm>
-            <a:off x="401320" y="1631731"/>
-            <a:ext cx="8490432" cy="4548352"/>
-          </a:xfrm>
-        </p:spPr>
-        <p:txBody>
-          <a:bodyPr lIns="91440" tIns="45720" rIns="91440" bIns="45720" anchor="t"/>
-          <a:lstStyle/>
-          <a:p>
-            <a:r>
-              <a:rPr lang="en-US" sz="2200" u="sng" dirty="0">
-                <a:ea typeface="+mj-lt"/>
-                <a:cs typeface="+mj-lt"/>
-              </a:rPr>
-              <a:t>Face coverings</a:t>
-            </a:r>
-          </a:p>
-          <a:p>
-            <a:pPr marL="457200" indent="-457200">
-              <a:buFont typeface="Arial" panose="020B0604020202020204" pitchFamily="34" charset="0"/>
-              <a:buChar char="•"/>
-            </a:pPr>
-            <a:r>
-              <a:rPr lang="en-GB" sz="2200" dirty="0">
-                <a:latin typeface="+mn-lt"/>
-                <a:ea typeface="Calibri" panose="020F0502020204030204" pitchFamily="34" charset="0"/>
-                <a:cs typeface="Times New Roman"/>
-              </a:rPr>
-              <a:t>You are expected to wear a face covering </a:t>
-            </a:r>
-            <a:endParaRPr lang="en-GB" sz="2200" dirty="0"/>
-          </a:p>
-          <a:p>
-            <a:pPr marL="457200" indent="-457200">
-              <a:buFont typeface="Arial" panose="020B0604020202020204" pitchFamily="34" charset="0"/>
-              <a:buChar char="•"/>
-            </a:pPr>
-            <a:r>
-              <a:rPr lang="en-US" sz="2200" dirty="0">
-                <a:ea typeface="+mj-lt"/>
-                <a:cs typeface="+mj-lt"/>
-              </a:rPr>
-              <a:t>Tutors will deliver their workshop 2 meters distance from </a:t>
-            </a:r>
-            <a:r>
-              <a:rPr lang="en-US" sz="2200">
-                <a:ea typeface="+mj-lt"/>
-                <a:cs typeface="+mj-lt"/>
-              </a:rPr>
-              <a:t>you </a:t>
-            </a:r>
-            <a:endParaRPr lang="en-US" sz="2200" dirty="0">
-              <a:ea typeface="+mj-lt"/>
-              <a:cs typeface="+mj-lt"/>
-            </a:endParaRPr>
-          </a:p>
-          <a:p>
-            <a:endParaRPr lang="en-US" sz="2200" u="sng" dirty="0">
-              <a:latin typeface="+mn-lt"/>
-              <a:ea typeface="+mj-lt"/>
-              <a:cs typeface="+mj-lt"/>
-            </a:endParaRPr>
-          </a:p>
-          <a:p>
-            <a:r>
-              <a:rPr lang="en-US" sz="2200" u="sng" dirty="0">
-                <a:latin typeface="+mn-lt"/>
-                <a:ea typeface="+mj-lt"/>
-                <a:cs typeface="+mj-lt"/>
-              </a:rPr>
-              <a:t>Hygiene</a:t>
-            </a:r>
-            <a:endParaRPr lang="en-GB" sz="2200" u="sng" dirty="0">
-              <a:latin typeface="+mn-lt"/>
-              <a:ea typeface="Calibri" panose="020F0502020204030204" pitchFamily="34" charset="0"/>
-              <a:cs typeface="Times New Roman"/>
-            </a:endParaRPr>
-          </a:p>
-          <a:p>
-            <a:pPr marL="457200" indent="-457200">
-              <a:buFont typeface="Arial" panose="020B0604020202020204" pitchFamily="34" charset="0"/>
-              <a:buChar char="•"/>
-            </a:pPr>
-            <a:r>
-              <a:rPr lang="en-US" sz="2200" dirty="0"/>
-              <a:t>Where hand </a:t>
-            </a:r>
-            <a:r>
-              <a:rPr lang="en-US" sz="2200" dirty="0" err="1"/>
-              <a:t>sanitiser</a:t>
-            </a:r>
-            <a:r>
-              <a:rPr lang="en-US" sz="2200" dirty="0"/>
-              <a:t> is available, please use it</a:t>
-            </a:r>
-          </a:p>
-          <a:p>
-            <a:pPr marL="457200" indent="-457200">
-              <a:buFont typeface="Arial" panose="020B0604020202020204" pitchFamily="34" charset="0"/>
-              <a:buChar char="•"/>
-            </a:pPr>
-            <a:r>
-              <a:rPr lang="en-US" sz="2200" dirty="0"/>
-              <a:t>Please wipe down any communal/shared course materials/equipment </a:t>
-            </a:r>
-          </a:p>
-          <a:p>
-            <a:pPr marL="457200" indent="-457200">
-              <a:buFont typeface="Arial" panose="020B0604020202020204" pitchFamily="34" charset="0"/>
-              <a:buChar char="•"/>
-            </a:pPr>
-            <a:endParaRPr lang="en-US" sz="2400" dirty="0"/>
-          </a:p>
-        </p:txBody>
-      </p:sp>
-    </p:spTree>
-    <p:extLst>
-      <p:ext uri="{BB962C8B-B14F-4D97-AF65-F5344CB8AC3E}">
-        <p14:creationId xmlns:p14="http://schemas.microsoft.com/office/powerpoint/2010/main" val="70908208"/>
-      </p:ext>
-    </p:extLst>
-  </p:cSld>
-  <p:clrMapOvr>
-    <a:masterClrMapping/>
-  </p:clrMapOvr>
-</p:sld>
-</file>
-
-<file path=ppt/slides/slide20.xml><?xml version="1.0" encoding="utf-8"?>
+<file path=ppt/slides/slide21.xml><?xml version="1.0" encoding="utf-8"?>
 <p:sld xmlns:a="http://schemas.openxmlformats.org/drawingml/2006/main" xmlns:r="http://schemas.openxmlformats.org/officeDocument/2006/relationships" xmlns:p="http://schemas.openxmlformats.org/presentationml/2006/main">
   <p:cSld>
     <p:spTree>
@@ -11622,7 +11876,7 @@
 </p:sld>
 </file>
 
-<file path=ppt/slides/slide21.xml><?xml version="1.0" encoding="utf-8"?>
+<file path=ppt/slides/slide22.xml><?xml version="1.0" encoding="utf-8"?>
 <p:sld xmlns:a="http://schemas.openxmlformats.org/drawingml/2006/main" xmlns:r="http://schemas.openxmlformats.org/officeDocument/2006/relationships" xmlns:p="http://schemas.openxmlformats.org/presentationml/2006/main">
   <p:cSld>
     <p:spTree>
@@ -12091,7 +12345,7 @@
 </p:sld>
 </file>
 
-<file path=ppt/slides/slide22.xml><?xml version="1.0" encoding="utf-8"?>
+<file path=ppt/slides/slide23.xml><?xml version="1.0" encoding="utf-8"?>
 <p:sld xmlns:a="http://schemas.openxmlformats.org/drawingml/2006/main" xmlns:r="http://schemas.openxmlformats.org/officeDocument/2006/relationships" xmlns:p="http://schemas.openxmlformats.org/presentationml/2006/main">
   <p:cSld>
     <p:spTree>
@@ -12220,7 +12474,7 @@
 </p:sld>
 </file>
 
-<file path=ppt/slides/slide23.xml><?xml version="1.0" encoding="utf-8"?>
+<file path=ppt/slides/slide24.xml><?xml version="1.0" encoding="utf-8"?>
 <p:sld xmlns:a="http://schemas.openxmlformats.org/drawingml/2006/main" xmlns:r="http://schemas.openxmlformats.org/officeDocument/2006/relationships" xmlns:p="http://schemas.openxmlformats.org/presentationml/2006/main">
   <p:cSld>
     <p:spTree>
@@ -12344,7 +12598,7 @@
 </p:sld>
 </file>
 
-<file path=ppt/slides/slide24.xml><?xml version="1.0" encoding="utf-8"?>
+<file path=ppt/slides/slide25.xml><?xml version="1.0" encoding="utf-8"?>
 <p:sld xmlns:a="http://schemas.openxmlformats.org/drawingml/2006/main" xmlns:r="http://schemas.openxmlformats.org/officeDocument/2006/relationships" xmlns:p="http://schemas.openxmlformats.org/presentationml/2006/main">
   <p:cSld>
     <p:spTree>
@@ -12560,7 +12814,7 @@
 </p:sld>
 </file>
 
-<file path=ppt/slides/slide25.xml><?xml version="1.0" encoding="utf-8"?>
+<file path=ppt/slides/slide26.xml><?xml version="1.0" encoding="utf-8"?>
 <p:sld xmlns:a="http://schemas.openxmlformats.org/drawingml/2006/main" xmlns:r="http://schemas.openxmlformats.org/officeDocument/2006/relationships" xmlns:p="http://schemas.openxmlformats.org/presentationml/2006/main">
   <p:cSld>
     <p:spTree>
@@ -12695,7 +12949,7 @@
 </p:sld>
 </file>
 
-<file path=ppt/slides/slide26.xml><?xml version="1.0" encoding="utf-8"?>
+<file path=ppt/slides/slide27.xml><?xml version="1.0" encoding="utf-8"?>
 <p:sld xmlns:a="http://schemas.openxmlformats.org/drawingml/2006/main" xmlns:r="http://schemas.openxmlformats.org/officeDocument/2006/relationships" xmlns:p="http://schemas.openxmlformats.org/presentationml/2006/main">
   <p:cSld>
     <p:spTree>
@@ -12865,8 +13119,8 @@
         </p:nvSpPr>
         <p:spPr>
           <a:xfrm>
-            <a:off x="401319" y="472966"/>
-            <a:ext cx="5558047" cy="930165"/>
+            <a:off x="401320" y="472966"/>
+            <a:ext cx="5778764" cy="961696"/>
           </a:xfrm>
           <a:prstGeom prst="rect">
             <a:avLst/>
@@ -12917,8 +13171,8 @@
         </p:nvSpPr>
         <p:spPr>
           <a:xfrm>
-            <a:off x="189186" y="1450427"/>
-            <a:ext cx="8797158" cy="4020208"/>
+            <a:off x="401320" y="1631731"/>
+            <a:ext cx="8490432" cy="4548352"/>
           </a:xfrm>
         </p:spPr>
         <p:txBody>
@@ -12926,66 +13180,115 @@
           <a:lstStyle/>
           <a:p>
             <a:r>
-              <a:rPr lang="en-US" sz="2200" u="sng" dirty="0"/>
-              <a:t>For the purpose of contact tracing</a:t>
-            </a:r>
-            <a:endParaRPr lang="en-US" sz="2200" dirty="0"/>
-          </a:p>
-          <a:p>
-            <a:endParaRPr lang="en-US" sz="2200" dirty="0"/>
-          </a:p>
-          <a:p>
-            <a:r>
-              <a:rPr lang="en-US" sz="2200" dirty="0"/>
-              <a:t>For our standard workshops:</a:t>
-            </a:r>
-          </a:p>
-          <a:p>
-            <a:pPr marL="342900" indent="-342900">
+              <a:rPr lang="en-US" sz="2200" u="sng" dirty="0">
+                <a:ea typeface="+mj-lt"/>
+                <a:cs typeface="+mj-lt"/>
+              </a:rPr>
+              <a:t>Face coverings</a:t>
+            </a:r>
+          </a:p>
+          <a:p>
+            <a:pPr marL="457200" indent="-457200">
               <a:buFont typeface="Arial" panose="020B0604020202020204" pitchFamily="34" charset="0"/>
               <a:buChar char="•"/>
             </a:pPr>
             <a:r>
-              <a:rPr lang="en-US" sz="2200" dirty="0"/>
-              <a:t>We will provide the CCT Hub with the complete list of attendees at this workshop</a:t>
-            </a:r>
-          </a:p>
-          <a:p>
-            <a:endParaRPr lang="en-US" sz="2200" dirty="0"/>
-          </a:p>
-          <a:p>
-            <a:r>
-              <a:rPr lang="en-US" sz="2200" dirty="0"/>
-              <a:t>Where our workshops are held in lecture theatres:</a:t>
-            </a:r>
-          </a:p>
-          <a:p>
-            <a:pPr marL="342900" indent="-342900">
+              <a:rPr lang="en-GB" sz="2200" dirty="0">
+                <a:latin typeface="+mn-lt"/>
+                <a:ea typeface="Calibri" panose="020F0502020204030204" pitchFamily="34" charset="0"/>
+                <a:cs typeface="Times New Roman"/>
+              </a:rPr>
+              <a:t>You are expected to wear a face covering </a:t>
+            </a:r>
+            <a:endParaRPr lang="en-GB" sz="2200" dirty="0"/>
+          </a:p>
+          <a:p>
+            <a:pPr marL="457200" indent="-457200">
               <a:buFont typeface="Arial" panose="020B0604020202020204" pitchFamily="34" charset="0"/>
               <a:buChar char="•"/>
             </a:pPr>
             <a:r>
+              <a:rPr lang="en-US" sz="2200" dirty="0">
+                <a:ea typeface="+mj-lt"/>
+                <a:cs typeface="+mj-lt"/>
+              </a:rPr>
+              <a:t>Tutors will deliver their workshop 2 meters distance from </a:t>
+            </a:r>
+            <a:r>
+              <a:rPr lang="en-US" sz="2200">
+                <a:ea typeface="+mj-lt"/>
+                <a:cs typeface="+mj-lt"/>
+              </a:rPr>
+              <a:t>you </a:t>
+            </a:r>
+            <a:endParaRPr lang="en-US" sz="2200" dirty="0">
+              <a:ea typeface="+mj-lt"/>
+              <a:cs typeface="+mj-lt"/>
+            </a:endParaRPr>
+          </a:p>
+          <a:p>
+            <a:endParaRPr lang="en-US" sz="2200" u="sng" dirty="0">
+              <a:latin typeface="+mn-lt"/>
+              <a:ea typeface="+mj-lt"/>
+              <a:cs typeface="+mj-lt"/>
+            </a:endParaRPr>
+          </a:p>
+          <a:p>
+            <a:r>
+              <a:rPr lang="en-US" sz="2200" u="sng" dirty="0">
+                <a:latin typeface="+mn-lt"/>
+                <a:ea typeface="+mj-lt"/>
+                <a:cs typeface="+mj-lt"/>
+              </a:rPr>
+              <a:t>Hygiene</a:t>
+            </a:r>
+            <a:endParaRPr lang="en-GB" sz="2200" u="sng" dirty="0">
+              <a:latin typeface="+mn-lt"/>
+              <a:ea typeface="Calibri" panose="020F0502020204030204" pitchFamily="34" charset="0"/>
+              <a:cs typeface="Times New Roman"/>
+            </a:endParaRPr>
+          </a:p>
+          <a:p>
+            <a:pPr marL="457200" indent="-457200">
+              <a:buFont typeface="Arial" panose="020B0604020202020204" pitchFamily="34" charset="0"/>
+              <a:buChar char="•"/>
+            </a:pPr>
+            <a:r>
               <a:rPr lang="en-US" sz="2200" dirty="0"/>
-              <a:t>You should keep a record of colleagues that you are sat in </a:t>
-            </a:r>
-            <a:r>
-              <a:rPr lang="en-US" sz="2200"/>
-              <a:t>close contact with </a:t>
+              <a:t>Where hand </a:t>
+            </a:r>
+            <a:r>
+              <a:rPr lang="en-US" sz="2200" dirty="0" err="1"/>
+              <a:t>sanitiser</a:t>
             </a:r>
             <a:r>
               <a:rPr lang="en-US" sz="2200" dirty="0"/>
-              <a:t>(within 2 meters)</a:t>
-            </a:r>
-          </a:p>
-          <a:p>
-            <a:endParaRPr lang="en-US" dirty="0"/>
+              <a:t> is available, please use it</a:t>
+            </a:r>
+          </a:p>
+          <a:p>
+            <a:pPr marL="457200" indent="-457200">
+              <a:buFont typeface="Arial" panose="020B0604020202020204" pitchFamily="34" charset="0"/>
+              <a:buChar char="•"/>
+            </a:pPr>
+            <a:r>
+              <a:rPr lang="en-US" sz="2200" dirty="0"/>
+              <a:t>Please wipe down any communal/shared course materials/equipment </a:t>
+            </a:r>
+          </a:p>
+          <a:p>
+            <a:pPr marL="457200" indent="-457200">
+              <a:buFont typeface="Arial" panose="020B0604020202020204" pitchFamily="34" charset="0"/>
+              <a:buChar char="•"/>
+            </a:pPr>
+            <a:endParaRPr lang="en-US" sz="2400" dirty="0"/>
           </a:p>
         </p:txBody>
       </p:sp>
     </p:spTree>
     <p:extLst>
       <p:ext uri="{BB962C8B-B14F-4D97-AF65-F5344CB8AC3E}">
-        <p14:creationId xmlns:p14="http://schemas.microsoft.com/office/powerpoint/2010/main" val="3238657636"/>
+        <p14:creationId xmlns:p14="http://schemas.microsoft.com/office/powerpoint/2010/main" val="70908208"/>
       </p:ext>
     </p:extLst>
   </p:cSld>
@@ -13014,198 +13317,141 @@
       </p:grpSpPr>
       <p:sp>
         <p:nvSpPr>
-          <p:cNvPr id="2" name="Title 1"/>
+          <p:cNvPr id="4" name="Title 1"/>
+          <p:cNvSpPr txBox="1">
+            <a:spLocks/>
+          </p:cNvSpPr>
+          <p:nvPr/>
+        </p:nvSpPr>
+        <p:spPr>
+          <a:xfrm>
+            <a:off x="401319" y="472966"/>
+            <a:ext cx="5558047" cy="930165"/>
+          </a:xfrm>
+          <a:prstGeom prst="rect">
+            <a:avLst/>
+          </a:prstGeom>
+        </p:spPr>
+        <p:txBody>
+          <a:bodyPr anchor="b"/>
+          <a:lstStyle>
+            <a:lvl1pPr algn="l" defTabSz="457200" rtl="0" eaLnBrk="1" latinLnBrk="0" hangingPunct="1">
+              <a:lnSpc>
+                <a:spcPct val="90000"/>
+              </a:lnSpc>
+              <a:spcBef>
+                <a:spcPct val="0"/>
+              </a:spcBef>
+              <a:buNone/>
+              <a:defRPr sz="4000" b="1" i="0" kern="1200" baseline="0">
+                <a:solidFill>
+                  <a:schemeClr val="tx2"/>
+                </a:solidFill>
+                <a:latin typeface="+mj-lt"/>
+                <a:ea typeface="+mj-ea"/>
+                <a:cs typeface="MetaOT-Bold"/>
+              </a:defRPr>
+            </a:lvl1pPr>
+          </a:lstStyle>
+          <a:p>
+            <a:r>
+              <a:rPr lang="en-US" sz="3200" dirty="0">
+                <a:solidFill>
+                  <a:schemeClr val="accent3"/>
+                </a:solidFill>
+              </a:rPr>
+              <a:t>Expectations:  Covid-safe teaching environments</a:t>
+            </a:r>
+          </a:p>
+        </p:txBody>
+      </p:sp>
+      <p:sp>
+        <p:nvSpPr>
+          <p:cNvPr id="5" name="Subtitle 2"/>
           <p:cNvSpPr>
             <a:spLocks noGrp="1"/>
           </p:cNvSpPr>
           <p:nvPr>
-            <p:ph type="title"/>
-          </p:nvPr>
-        </p:nvSpPr>
-        <p:spPr/>
-        <p:txBody>
-          <a:bodyPr/>
-          <a:lstStyle/>
-          <a:p>
-            <a:r>
-              <a:rPr lang="en-GB" sz="4000" dirty="0"/>
-              <a:t>Learning Outcomes</a:t>
-            </a:r>
-          </a:p>
-        </p:txBody>
-      </p:sp>
-      <p:sp>
-        <p:nvSpPr>
-          <p:cNvPr id="3" name="Content Placeholder 2"/>
-          <p:cNvSpPr>
-            <a:spLocks noGrp="1"/>
-          </p:cNvSpPr>
-          <p:nvPr>
-            <p:ph idx="1"/>
+            <p:ph type="subTitle" idx="1"/>
           </p:nvPr>
         </p:nvSpPr>
         <p:spPr>
           <a:xfrm>
-            <a:off x="457200" y="1600200"/>
-            <a:ext cx="8435280" cy="4876800"/>
+            <a:off x="189186" y="1450427"/>
+            <a:ext cx="8797158" cy="4020208"/>
           </a:xfrm>
         </p:spPr>
         <p:txBody>
-          <a:bodyPr>
-            <a:normAutofit/>
-          </a:bodyPr>
+          <a:bodyPr lIns="91440" tIns="45720" rIns="91440" bIns="45720" anchor="t"/>
           <a:lstStyle/>
           <a:p>
-            <a:pPr marL="0" lvl="0" indent="0" fontAlgn="base">
-              <a:spcBef>
-                <a:spcPts val="600"/>
-              </a:spcBef>
-              <a:spcAft>
-                <a:spcPts val="600"/>
-              </a:spcAft>
-              <a:buNone/>
+            <a:r>
+              <a:rPr lang="en-US" sz="2200" u="sng" dirty="0"/>
+              <a:t>For the purpose of contact tracing</a:t>
+            </a:r>
+            <a:endParaRPr lang="en-US" sz="2200" dirty="0"/>
+          </a:p>
+          <a:p>
+            <a:endParaRPr lang="en-US" sz="2200" dirty="0"/>
+          </a:p>
+          <a:p>
+            <a:r>
+              <a:rPr lang="en-US" sz="2200" dirty="0"/>
+              <a:t>For our standard workshops:</a:t>
+            </a:r>
+          </a:p>
+          <a:p>
+            <a:pPr marL="342900" indent="-342900">
+              <a:buFont typeface="Arial" panose="020B0604020202020204" pitchFamily="34" charset="0"/>
+              <a:buChar char="•"/>
             </a:pPr>
             <a:r>
-              <a:rPr lang="en-GB" sz="100" dirty="0"/>
-              <a:t> </a:t>
-            </a:r>
-          </a:p>
-          <a:p>
-            <a:r>
-              <a:rPr lang="en-GB" sz="2400" b="1" dirty="0"/>
-              <a:t>Recognise</a:t>
-            </a:r>
-            <a:r>
-              <a:rPr lang="en-GB" sz="2400" dirty="0"/>
-              <a:t> the advantages of </a:t>
-            </a:r>
-            <a:r>
-              <a:rPr lang="en-GB" sz="2400" dirty="0" err="1"/>
-              <a:t>LaTeX</a:t>
-            </a:r>
-            <a:r>
-              <a:rPr lang="en-GB" sz="2400" dirty="0"/>
-              <a:t> and its applications in the wider context of typesetting</a:t>
-            </a:r>
-          </a:p>
-          <a:p>
-            <a:endParaRPr lang="en-GB" sz="100" dirty="0"/>
-          </a:p>
-          <a:p>
-            <a:endParaRPr lang="en-GB" sz="100" dirty="0"/>
-          </a:p>
-          <a:p>
-            <a:endParaRPr lang="en-GB" sz="100" dirty="0"/>
-          </a:p>
-          <a:p>
-            <a:r>
-              <a:rPr lang="en-GB" sz="2400" b="1" dirty="0"/>
-              <a:t>Identify</a:t>
-            </a:r>
-            <a:r>
-              <a:rPr lang="en-GB" sz="2400" dirty="0"/>
-              <a:t> the key features for reading and compiling an existing .</a:t>
-            </a:r>
-            <a:r>
-              <a:rPr lang="en-GB" sz="2400" dirty="0" err="1"/>
-              <a:t>tex</a:t>
-            </a:r>
-            <a:r>
-              <a:rPr lang="en-GB" sz="2400" dirty="0"/>
-              <a:t> document</a:t>
-            </a:r>
-          </a:p>
-          <a:p>
-            <a:endParaRPr lang="en-GB" sz="100" dirty="0"/>
-          </a:p>
-          <a:p>
-            <a:endParaRPr lang="en-GB" sz="100" dirty="0"/>
-          </a:p>
-          <a:p>
-            <a:endParaRPr lang="en-GB" sz="100" dirty="0"/>
-          </a:p>
-          <a:p>
-            <a:r>
-              <a:rPr lang="en-GB" sz="2400" b="1" dirty="0"/>
-              <a:t>Develop</a:t>
-            </a:r>
-            <a:r>
-              <a:rPr lang="en-GB" sz="2400" dirty="0"/>
-              <a:t> new technical documents from simple templates</a:t>
-            </a:r>
-          </a:p>
-          <a:p>
-            <a:endParaRPr lang="en-GB" sz="100" dirty="0"/>
-          </a:p>
-          <a:p>
-            <a:endParaRPr lang="en-GB" sz="100" dirty="0"/>
-          </a:p>
-          <a:p>
-            <a:endParaRPr lang="en-GB" sz="100" dirty="0"/>
-          </a:p>
-          <a:p>
-            <a:r>
-              <a:rPr lang="en-GB" sz="2400" b="1" dirty="0"/>
-              <a:t>Create</a:t>
-            </a:r>
-            <a:r>
-              <a:rPr lang="en-GB" sz="2400" dirty="0"/>
-              <a:t> simple equations, figures, tables, lists and references within </a:t>
-            </a:r>
-            <a:r>
-              <a:rPr lang="en-GB" sz="2400" dirty="0" err="1"/>
-              <a:t>LaTeX</a:t>
-            </a:r>
-            <a:endParaRPr lang="en-GB" sz="2400" dirty="0"/>
-          </a:p>
-          <a:p>
-            <a:endParaRPr lang="en-GB" sz="400" dirty="0"/>
-          </a:p>
-          <a:p>
-            <a:endParaRPr lang="en-GB" sz="400" dirty="0"/>
-          </a:p>
-          <a:p>
-            <a:r>
-              <a:rPr lang="en-GB" sz="2400" b="1" dirty="0"/>
-              <a:t>Assess</a:t>
-            </a:r>
-            <a:r>
-              <a:rPr lang="en-GB" sz="2400" dirty="0"/>
-              <a:t> and troubleshoot common compiler problems and use online aid tools</a:t>
-            </a:r>
-          </a:p>
-          <a:p>
-            <a:pPr marL="0" lvl="0" indent="0" fontAlgn="base">
-              <a:spcBef>
-                <a:spcPts val="600"/>
-              </a:spcBef>
-              <a:spcAft>
-                <a:spcPts val="600"/>
-              </a:spcAft>
-              <a:buNone/>
+              <a:rPr lang="en-US" sz="2200" dirty="0"/>
+              <a:t>We will provide the CCT Hub with the complete list of attendees at this workshop</a:t>
+            </a:r>
+          </a:p>
+          <a:p>
+            <a:endParaRPr lang="en-US" sz="2200" dirty="0"/>
+          </a:p>
+          <a:p>
+            <a:r>
+              <a:rPr lang="en-US" sz="2200" dirty="0"/>
+              <a:t>Where our workshops are held in lecture theatres:</a:t>
+            </a:r>
+          </a:p>
+          <a:p>
+            <a:pPr marL="342900" indent="-342900">
+              <a:buFont typeface="Arial" panose="020B0604020202020204" pitchFamily="34" charset="0"/>
+              <a:buChar char="•"/>
             </a:pPr>
-            <a:endParaRPr lang="en-GB" sz="2400" dirty="0"/>
+            <a:r>
+              <a:rPr lang="en-US" sz="2200" dirty="0"/>
+              <a:t>You should keep a record of colleagues that you are sat in </a:t>
+            </a:r>
+            <a:r>
+              <a:rPr lang="en-US" sz="2200"/>
+              <a:t>close contact with </a:t>
+            </a:r>
+            <a:r>
+              <a:rPr lang="en-US" sz="2200" dirty="0"/>
+              <a:t>(within 2 meters)</a:t>
+            </a:r>
+          </a:p>
+          <a:p>
+            <a:endParaRPr lang="en-US" dirty="0"/>
           </a:p>
         </p:txBody>
       </p:sp>
     </p:spTree>
     <p:extLst>
       <p:ext uri="{BB962C8B-B14F-4D97-AF65-F5344CB8AC3E}">
-        <p14:creationId xmlns:p14="http://schemas.microsoft.com/office/powerpoint/2010/main" val="3248724752"/>
+        <p14:creationId xmlns:p14="http://schemas.microsoft.com/office/powerpoint/2010/main" val="3238657636"/>
       </p:ext>
     </p:extLst>
   </p:cSld>
   <p:clrMapOvr>
     <a:masterClrMapping/>
   </p:clrMapOvr>
-  <mc:AlternateContent xmlns:mc="http://schemas.openxmlformats.org/markup-compatibility/2006" xmlns:p14="http://schemas.microsoft.com/office/powerpoint/2010/main">
-    <mc:Choice Requires="p14">
-      <p:transition p14:dur="10"/>
-    </mc:Choice>
-    <mc:Fallback xmlns="">
-      <p:transition/>
-    </mc:Fallback>
-  </mc:AlternateContent>
 </p:sld>
 </file>
 
@@ -13242,10 +13488,9 @@
           <a:lstStyle/>
           <a:p>
             <a:r>
-              <a:rPr lang="en-GB" sz="4000" dirty="0" err="1"/>
-              <a:t>LaTeX</a:t>
-            </a:r>
-            <a:endParaRPr lang="en-GB" sz="4000" dirty="0"/>
+              <a:rPr lang="en-GB" sz="4000" dirty="0"/>
+              <a:t>Learning Outcomes</a:t>
+            </a:r>
           </a:p>
         </p:txBody>
       </p:sp>
@@ -13271,48 +13516,6 @@
           </a:bodyPr>
           <a:lstStyle/>
           <a:p>
-            <a:pPr fontAlgn="base">
-              <a:spcBef>
-                <a:spcPts val="600"/>
-              </a:spcBef>
-              <a:spcAft>
-                <a:spcPts val="600"/>
-              </a:spcAft>
-            </a:pPr>
-            <a:r>
-              <a:rPr lang="en-GB" sz="2400" dirty="0"/>
-              <a:t>What is LaTeX?</a:t>
-            </a:r>
-          </a:p>
-          <a:p>
-            <a:pPr fontAlgn="base">
-              <a:spcBef>
-                <a:spcPts val="600"/>
-              </a:spcBef>
-              <a:spcAft>
-                <a:spcPts val="600"/>
-              </a:spcAft>
-            </a:pPr>
-            <a:r>
-              <a:rPr lang="en-US" sz="2400" dirty="0"/>
-              <a:t>How do I use it?</a:t>
-            </a:r>
-          </a:p>
-          <a:p>
-            <a:pPr fontAlgn="base">
-              <a:spcBef>
-                <a:spcPts val="600"/>
-              </a:spcBef>
-              <a:spcAft>
-                <a:spcPts val="600"/>
-              </a:spcAft>
-            </a:pPr>
-            <a:r>
-              <a:rPr lang="en-US" sz="2400" dirty="0"/>
-              <a:t>Why would I use it?</a:t>
-            </a:r>
-          </a:p>
-          <a:p>
             <a:pPr marL="0" lvl="0" indent="0" fontAlgn="base">
               <a:spcBef>
                 <a:spcPts val="600"/>
@@ -13322,7 +13525,114 @@
               </a:spcAft>
               <a:buNone/>
             </a:pPr>
-            <a:endParaRPr lang="en-US" sz="2400" dirty="0"/>
+            <a:r>
+              <a:rPr lang="en-GB" sz="100" dirty="0"/>
+              <a:t> </a:t>
+            </a:r>
+          </a:p>
+          <a:p>
+            <a:r>
+              <a:rPr lang="en-GB" sz="2400" b="1" dirty="0"/>
+              <a:t>Recognise</a:t>
+            </a:r>
+            <a:r>
+              <a:rPr lang="en-GB" sz="2400" dirty="0"/>
+              <a:t> the advantages of </a:t>
+            </a:r>
+            <a:r>
+              <a:rPr lang="en-GB" sz="2400" dirty="0" err="1"/>
+              <a:t>LaTeX</a:t>
+            </a:r>
+            <a:r>
+              <a:rPr lang="en-GB" sz="2400" dirty="0"/>
+              <a:t> and its applications in the wider context of typesetting</a:t>
+            </a:r>
+          </a:p>
+          <a:p>
+            <a:endParaRPr lang="en-GB" sz="100" dirty="0"/>
+          </a:p>
+          <a:p>
+            <a:endParaRPr lang="en-GB" sz="100" dirty="0"/>
+          </a:p>
+          <a:p>
+            <a:endParaRPr lang="en-GB" sz="100" dirty="0"/>
+          </a:p>
+          <a:p>
+            <a:r>
+              <a:rPr lang="en-GB" sz="2400" b="1" dirty="0"/>
+              <a:t>Identify</a:t>
+            </a:r>
+            <a:r>
+              <a:rPr lang="en-GB" sz="2400" dirty="0"/>
+              <a:t> the key features for reading and compiling an existing .</a:t>
+            </a:r>
+            <a:r>
+              <a:rPr lang="en-GB" sz="2400" dirty="0" err="1"/>
+              <a:t>tex</a:t>
+            </a:r>
+            <a:r>
+              <a:rPr lang="en-GB" sz="2400" dirty="0"/>
+              <a:t> document</a:t>
+            </a:r>
+          </a:p>
+          <a:p>
+            <a:endParaRPr lang="en-GB" sz="100" dirty="0"/>
+          </a:p>
+          <a:p>
+            <a:endParaRPr lang="en-GB" sz="100" dirty="0"/>
+          </a:p>
+          <a:p>
+            <a:endParaRPr lang="en-GB" sz="100" dirty="0"/>
+          </a:p>
+          <a:p>
+            <a:r>
+              <a:rPr lang="en-GB" sz="2400" b="1" dirty="0"/>
+              <a:t>Develop</a:t>
+            </a:r>
+            <a:r>
+              <a:rPr lang="en-GB" sz="2400" dirty="0"/>
+              <a:t> new technical documents from simple templates</a:t>
+            </a:r>
+          </a:p>
+          <a:p>
+            <a:endParaRPr lang="en-GB" sz="100" dirty="0"/>
+          </a:p>
+          <a:p>
+            <a:endParaRPr lang="en-GB" sz="100" dirty="0"/>
+          </a:p>
+          <a:p>
+            <a:endParaRPr lang="en-GB" sz="100" dirty="0"/>
+          </a:p>
+          <a:p>
+            <a:r>
+              <a:rPr lang="en-GB" sz="2400" b="1" dirty="0"/>
+              <a:t>Create</a:t>
+            </a:r>
+            <a:r>
+              <a:rPr lang="en-GB" sz="2400" dirty="0"/>
+              <a:t> simple equations, figures, tables, lists and references within </a:t>
+            </a:r>
+            <a:r>
+              <a:rPr lang="en-GB" sz="2400" dirty="0" err="1"/>
+              <a:t>LaTeX</a:t>
+            </a:r>
+            <a:endParaRPr lang="en-GB" sz="2400" dirty="0"/>
+          </a:p>
+          <a:p>
+            <a:endParaRPr lang="en-GB" sz="400" dirty="0"/>
+          </a:p>
+          <a:p>
+            <a:endParaRPr lang="en-GB" sz="400" dirty="0"/>
+          </a:p>
+          <a:p>
+            <a:r>
+              <a:rPr lang="en-GB" sz="2400" b="1" dirty="0"/>
+              <a:t>Assess</a:t>
+            </a:r>
+            <a:r>
+              <a:rPr lang="en-GB" sz="2400" dirty="0"/>
+              <a:t> and troubleshoot common compiler problems and use online aid tools</a:t>
+            </a:r>
           </a:p>
           <a:p>
             <a:pPr marL="0" lvl="0" indent="0" fontAlgn="base">
@@ -13341,7 +13651,7 @@
     </p:spTree>
     <p:extLst>
       <p:ext uri="{BB962C8B-B14F-4D97-AF65-F5344CB8AC3E}">
-        <p14:creationId xmlns:p14="http://schemas.microsoft.com/office/powerpoint/2010/main" val="764725023"/>
+        <p14:creationId xmlns:p14="http://schemas.microsoft.com/office/powerpoint/2010/main" val="3248724752"/>
       </p:ext>
     </p:extLst>
   </p:cSld>
@@ -13392,6 +13702,156 @@
           <a:lstStyle/>
           <a:p>
             <a:r>
+              <a:rPr lang="en-GB" sz="4000" dirty="0" err="1"/>
+              <a:t>LaTeX</a:t>
+            </a:r>
+            <a:endParaRPr lang="en-GB" sz="4000" dirty="0"/>
+          </a:p>
+        </p:txBody>
+      </p:sp>
+      <p:sp>
+        <p:nvSpPr>
+          <p:cNvPr id="3" name="Content Placeholder 2"/>
+          <p:cNvSpPr>
+            <a:spLocks noGrp="1"/>
+          </p:cNvSpPr>
+          <p:nvPr>
+            <p:ph idx="1"/>
+          </p:nvPr>
+        </p:nvSpPr>
+        <p:spPr>
+          <a:xfrm>
+            <a:off x="457200" y="1600200"/>
+            <a:ext cx="8435280" cy="4876800"/>
+          </a:xfrm>
+        </p:spPr>
+        <p:txBody>
+          <a:bodyPr>
+            <a:normAutofit/>
+          </a:bodyPr>
+          <a:lstStyle/>
+          <a:p>
+            <a:pPr fontAlgn="base">
+              <a:spcBef>
+                <a:spcPts val="600"/>
+              </a:spcBef>
+              <a:spcAft>
+                <a:spcPts val="600"/>
+              </a:spcAft>
+            </a:pPr>
+            <a:r>
+              <a:rPr lang="en-GB" sz="2400" dirty="0"/>
+              <a:t>What is LaTeX?</a:t>
+            </a:r>
+          </a:p>
+          <a:p>
+            <a:pPr fontAlgn="base">
+              <a:spcBef>
+                <a:spcPts val="600"/>
+              </a:spcBef>
+              <a:spcAft>
+                <a:spcPts val="600"/>
+              </a:spcAft>
+            </a:pPr>
+            <a:r>
+              <a:rPr lang="en-US" sz="2400" dirty="0"/>
+              <a:t>How do I use it?</a:t>
+            </a:r>
+          </a:p>
+          <a:p>
+            <a:pPr fontAlgn="base">
+              <a:spcBef>
+                <a:spcPts val="600"/>
+              </a:spcBef>
+              <a:spcAft>
+                <a:spcPts val="600"/>
+              </a:spcAft>
+            </a:pPr>
+            <a:r>
+              <a:rPr lang="en-US" sz="2400" dirty="0"/>
+              <a:t>Why would I use it?</a:t>
+            </a:r>
+          </a:p>
+          <a:p>
+            <a:pPr marL="0" lvl="0" indent="0" fontAlgn="base">
+              <a:spcBef>
+                <a:spcPts val="600"/>
+              </a:spcBef>
+              <a:spcAft>
+                <a:spcPts val="600"/>
+              </a:spcAft>
+              <a:buNone/>
+            </a:pPr>
+            <a:endParaRPr lang="en-US" sz="2400" dirty="0"/>
+          </a:p>
+          <a:p>
+            <a:pPr marL="0" lvl="0" indent="0" fontAlgn="base">
+              <a:spcBef>
+                <a:spcPts val="600"/>
+              </a:spcBef>
+              <a:spcAft>
+                <a:spcPts val="600"/>
+              </a:spcAft>
+              <a:buNone/>
+            </a:pPr>
+            <a:endParaRPr lang="en-GB" sz="2400" dirty="0"/>
+          </a:p>
+        </p:txBody>
+      </p:sp>
+    </p:spTree>
+    <p:extLst>
+      <p:ext uri="{BB962C8B-B14F-4D97-AF65-F5344CB8AC3E}">
+        <p14:creationId xmlns:p14="http://schemas.microsoft.com/office/powerpoint/2010/main" val="764725023"/>
+      </p:ext>
+    </p:extLst>
+  </p:cSld>
+  <p:clrMapOvr>
+    <a:masterClrMapping/>
+  </p:clrMapOvr>
+  <mc:AlternateContent xmlns:mc="http://schemas.openxmlformats.org/markup-compatibility/2006" xmlns:p14="http://schemas.microsoft.com/office/powerpoint/2010/main">
+    <mc:Choice Requires="p14">
+      <p:transition p14:dur="10"/>
+    </mc:Choice>
+    <mc:Fallback xmlns="">
+      <p:transition/>
+    </mc:Fallback>
+  </mc:AlternateContent>
+</p:sld>
+</file>
+
+<file path=ppt/slides/slide7.xml><?xml version="1.0" encoding="utf-8"?>
+<p:sld xmlns:a="http://schemas.openxmlformats.org/drawingml/2006/main" xmlns:r="http://schemas.openxmlformats.org/officeDocument/2006/relationships" xmlns:p="http://schemas.openxmlformats.org/presentationml/2006/main">
+  <p:cSld>
+    <p:spTree>
+      <p:nvGrpSpPr>
+        <p:cNvPr id="1" name=""/>
+        <p:cNvGrpSpPr/>
+        <p:nvPr/>
+      </p:nvGrpSpPr>
+      <p:grpSpPr>
+        <a:xfrm>
+          <a:off x="0" y="0"/>
+          <a:ext cx="0" cy="0"/>
+          <a:chOff x="0" y="0"/>
+          <a:chExt cx="0" cy="0"/>
+        </a:xfrm>
+      </p:grpSpPr>
+      <p:sp>
+        <p:nvSpPr>
+          <p:cNvPr id="2" name="Title 1"/>
+          <p:cNvSpPr>
+            <a:spLocks noGrp="1"/>
+          </p:cNvSpPr>
+          <p:nvPr>
+            <p:ph type="title"/>
+          </p:nvPr>
+        </p:nvSpPr>
+        <p:spPr/>
+        <p:txBody>
+          <a:bodyPr/>
+          <a:lstStyle/>
+          <a:p>
+            <a:r>
               <a:rPr lang="en-GB" sz="4000" dirty="0"/>
               <a:t>Overleaf</a:t>
             </a:r>
@@ -13563,7 +14023,7 @@
 </p:sld>
 </file>
 
-<file path=ppt/slides/slide7.xml><?xml version="1.0" encoding="utf-8"?>
+<file path=ppt/slides/slide8.xml><?xml version="1.0" encoding="utf-8"?>
 <p:sld xmlns:a="http://schemas.openxmlformats.org/drawingml/2006/main" xmlns:r="http://schemas.openxmlformats.org/officeDocument/2006/relationships" xmlns:p="http://schemas.openxmlformats.org/presentationml/2006/main">
   <p:cSld>
     <p:spTree>
@@ -14242,7 +14702,7 @@
 </p:sld>
 </file>
 
-<file path=ppt/slides/slide8.xml><?xml version="1.0" encoding="utf-8"?>
+<file path=ppt/slides/slide9.xml><?xml version="1.0" encoding="utf-8"?>
 <p:sld xmlns:a="http://schemas.openxmlformats.org/drawingml/2006/main" xmlns:r="http://schemas.openxmlformats.org/officeDocument/2006/relationships" xmlns:p="http://schemas.openxmlformats.org/presentationml/2006/main">
   <p:cSld>
     <p:spTree>
@@ -14533,338 +14993,6 @@
     <p:extLst>
       <p:ext uri="{BB962C8B-B14F-4D97-AF65-F5344CB8AC3E}">
         <p14:creationId xmlns:p14="http://schemas.microsoft.com/office/powerpoint/2010/main" val="2300732235"/>
-      </p:ext>
-    </p:extLst>
-  </p:cSld>
-  <p:clrMapOvr>
-    <a:masterClrMapping/>
-  </p:clrMapOvr>
-  <mc:AlternateContent xmlns:mc="http://schemas.openxmlformats.org/markup-compatibility/2006" xmlns:p14="http://schemas.microsoft.com/office/powerpoint/2010/main">
-    <mc:Choice Requires="p14">
-      <p:transition p14:dur="10"/>
-    </mc:Choice>
-    <mc:Fallback xmlns="">
-      <p:transition/>
-    </mc:Fallback>
-  </mc:AlternateContent>
-</p:sld>
-</file>
-
-<file path=ppt/slides/slide9.xml><?xml version="1.0" encoding="utf-8"?>
-<p:sld xmlns:a="http://schemas.openxmlformats.org/drawingml/2006/main" xmlns:r="http://schemas.openxmlformats.org/officeDocument/2006/relationships" xmlns:p="http://schemas.openxmlformats.org/presentationml/2006/main">
-  <p:cSld>
-    <p:spTree>
-      <p:nvGrpSpPr>
-        <p:cNvPr id="1" name=""/>
-        <p:cNvGrpSpPr/>
-        <p:nvPr/>
-      </p:nvGrpSpPr>
-      <p:grpSpPr>
-        <a:xfrm>
-          <a:off x="0" y="0"/>
-          <a:ext cx="0" cy="0"/>
-          <a:chOff x="0" y="0"/>
-          <a:chExt cx="0" cy="0"/>
-        </a:xfrm>
-      </p:grpSpPr>
-      <p:sp>
-        <p:nvSpPr>
-          <p:cNvPr id="2" name="Title 1"/>
-          <p:cNvSpPr>
-            <a:spLocks noGrp="1"/>
-          </p:cNvSpPr>
-          <p:nvPr>
-            <p:ph type="title"/>
-          </p:nvPr>
-        </p:nvSpPr>
-        <p:spPr/>
-        <p:txBody>
-          <a:bodyPr/>
-          <a:lstStyle/>
-          <a:p>
-            <a:r>
-              <a:rPr lang="en-GB" sz="4000" dirty="0"/>
-              <a:t>Chapters and Paragraphs</a:t>
-            </a:r>
-          </a:p>
-        </p:txBody>
-      </p:sp>
-      <p:cxnSp>
-        <p:nvCxnSpPr>
-          <p:cNvPr id="11" name="Straight Connector 10"/>
-          <p:cNvCxnSpPr/>
-          <p:nvPr/>
-        </p:nvCxnSpPr>
-        <p:spPr>
-          <a:xfrm>
-            <a:off x="4572000" y="1417638"/>
-            <a:ext cx="0" cy="5440362"/>
-          </a:xfrm>
-          <a:prstGeom prst="line">
-            <a:avLst/>
-          </a:prstGeom>
-        </p:spPr>
-        <p:style>
-          <a:lnRef idx="2">
-            <a:schemeClr val="accent1"/>
-          </a:lnRef>
-          <a:fillRef idx="0">
-            <a:schemeClr val="accent1"/>
-          </a:fillRef>
-          <a:effectRef idx="1">
-            <a:schemeClr val="accent1"/>
-          </a:effectRef>
-          <a:fontRef idx="minor">
-            <a:schemeClr val="tx1"/>
-          </a:fontRef>
-        </p:style>
-      </p:cxnSp>
-      <p:sp>
-        <p:nvSpPr>
-          <p:cNvPr id="8" name="TextBox 7"/>
-          <p:cNvSpPr txBox="1"/>
-          <p:nvPr/>
-        </p:nvSpPr>
-        <p:spPr>
-          <a:xfrm>
-            <a:off x="200528" y="2398061"/>
-            <a:ext cx="4263894" cy="2708434"/>
-          </a:xfrm>
-          <a:prstGeom prst="rect">
-            <a:avLst/>
-          </a:prstGeom>
-          <a:noFill/>
-        </p:spPr>
-        <p:txBody>
-          <a:bodyPr wrap="square" rtlCol="0">
-            <a:spAutoFit/>
-          </a:bodyPr>
-          <a:lstStyle/>
-          <a:p>
-            <a:r>
-              <a:rPr lang="en-GB" sz="2800" dirty="0">
-                <a:solidFill>
-                  <a:schemeClr val="tx2">
-                    <a:lumMod val="50000"/>
-                    <a:lumOff val="50000"/>
-                  </a:schemeClr>
-                </a:solidFill>
-                <a:latin typeface="+mj-lt"/>
-                <a:cs typeface="Courier New" panose="02070309020205020404" pitchFamily="49" charset="0"/>
-              </a:rPr>
-              <a:t>\chapter{</a:t>
-            </a:r>
-            <a:r>
-              <a:rPr lang="en-GB" sz="2800" dirty="0">
-                <a:latin typeface="+mj-lt"/>
-                <a:cs typeface="Courier New" panose="02070309020205020404" pitchFamily="49" charset="0"/>
-              </a:rPr>
-              <a:t>A Poem</a:t>
-            </a:r>
-            <a:r>
-              <a:rPr lang="en-GB" sz="2800" dirty="0">
-                <a:solidFill>
-                  <a:schemeClr val="tx2">
-                    <a:lumMod val="50000"/>
-                    <a:lumOff val="50000"/>
-                  </a:schemeClr>
-                </a:solidFill>
-                <a:latin typeface="+mj-lt"/>
-                <a:cs typeface="Courier New" panose="02070309020205020404" pitchFamily="49" charset="0"/>
-              </a:rPr>
-              <a:t>}</a:t>
-            </a:r>
-          </a:p>
-          <a:p>
-            <a:r>
-              <a:rPr lang="en-GB" sz="2800" dirty="0">
-                <a:solidFill>
-                  <a:schemeClr val="tx2">
-                    <a:lumMod val="50000"/>
-                    <a:lumOff val="50000"/>
-                  </a:schemeClr>
-                </a:solidFill>
-                <a:latin typeface="+mj-lt"/>
-                <a:cs typeface="Courier New" panose="02070309020205020404" pitchFamily="49" charset="0"/>
-              </a:rPr>
-              <a:t>\section{</a:t>
-            </a:r>
-            <a:r>
-              <a:rPr lang="en-GB" sz="2800" dirty="0">
-                <a:latin typeface="+mj-lt"/>
-                <a:cs typeface="Courier New" panose="02070309020205020404" pitchFamily="49" charset="0"/>
-              </a:rPr>
-              <a:t>The Cat</a:t>
-            </a:r>
-            <a:r>
-              <a:rPr lang="en-GB" sz="2800" dirty="0">
-                <a:solidFill>
-                  <a:schemeClr val="tx2">
-                    <a:lumMod val="50000"/>
-                    <a:lumOff val="50000"/>
-                  </a:schemeClr>
-                </a:solidFill>
-                <a:latin typeface="+mj-lt"/>
-                <a:cs typeface="Courier New" panose="02070309020205020404" pitchFamily="49" charset="0"/>
-              </a:rPr>
-              <a:t>}</a:t>
-            </a:r>
-          </a:p>
-          <a:p>
-            <a:r>
-              <a:rPr lang="en-GB" sz="2800" dirty="0">
-                <a:solidFill>
-                  <a:schemeClr val="tx2">
-                    <a:lumMod val="50000"/>
-                    <a:lumOff val="50000"/>
-                  </a:schemeClr>
-                </a:solidFill>
-                <a:latin typeface="+mj-lt"/>
-                <a:cs typeface="Courier New" panose="02070309020205020404" pitchFamily="49" charset="0"/>
-              </a:rPr>
-              <a:t>\subsection{</a:t>
-            </a:r>
-            <a:r>
-              <a:rPr lang="en-GB" sz="2800" dirty="0">
-                <a:latin typeface="+mj-lt"/>
-                <a:cs typeface="Courier New" panose="02070309020205020404" pitchFamily="49" charset="0"/>
-              </a:rPr>
-              <a:t>Sat On</a:t>
-            </a:r>
-            <a:r>
-              <a:rPr lang="en-GB" sz="2800" dirty="0">
-                <a:solidFill>
-                  <a:schemeClr val="tx2">
-                    <a:lumMod val="50000"/>
-                    <a:lumOff val="50000"/>
-                  </a:schemeClr>
-                </a:solidFill>
-                <a:latin typeface="+mj-lt"/>
-                <a:cs typeface="Courier New" panose="02070309020205020404" pitchFamily="49" charset="0"/>
-              </a:rPr>
-              <a:t>}</a:t>
-            </a:r>
-          </a:p>
-          <a:p>
-            <a:r>
-              <a:rPr lang="en-GB" sz="2800" dirty="0">
-                <a:solidFill>
-                  <a:schemeClr val="tx2">
-                    <a:lumMod val="50000"/>
-                    <a:lumOff val="50000"/>
-                  </a:schemeClr>
-                </a:solidFill>
-                <a:latin typeface="+mj-lt"/>
-                <a:cs typeface="Courier New" panose="02070309020205020404" pitchFamily="49" charset="0"/>
-              </a:rPr>
-              <a:t>\subsubsection{</a:t>
-            </a:r>
-            <a:r>
-              <a:rPr lang="en-GB" sz="2800" dirty="0">
-                <a:latin typeface="+mj-lt"/>
-                <a:cs typeface="Courier New" panose="02070309020205020404" pitchFamily="49" charset="0"/>
-              </a:rPr>
-              <a:t>The Mat</a:t>
-            </a:r>
-            <a:r>
-              <a:rPr lang="en-GB" sz="2800" dirty="0">
-                <a:solidFill>
-                  <a:schemeClr val="tx2">
-                    <a:lumMod val="50000"/>
-                    <a:lumOff val="50000"/>
-                  </a:schemeClr>
-                </a:solidFill>
-                <a:latin typeface="+mj-lt"/>
-                <a:cs typeface="Courier New" panose="02070309020205020404" pitchFamily="49" charset="0"/>
-              </a:rPr>
-              <a:t>}</a:t>
-            </a:r>
-          </a:p>
-          <a:p>
-            <a:r>
-              <a:rPr lang="en-GB" sz="2800" dirty="0">
-                <a:solidFill>
-                  <a:schemeClr val="tx2">
-                    <a:lumMod val="50000"/>
-                    <a:lumOff val="50000"/>
-                  </a:schemeClr>
-                </a:solidFill>
-                <a:latin typeface="+mj-lt"/>
-                <a:cs typeface="Courier New" panose="02070309020205020404" pitchFamily="49" charset="0"/>
-              </a:rPr>
-              <a:t>\paragraph{</a:t>
-            </a:r>
-            <a:r>
-              <a:rPr lang="en-GB" sz="2800" dirty="0">
-                <a:latin typeface="+mj-lt"/>
-                <a:cs typeface="Courier New" panose="02070309020205020404" pitchFamily="49" charset="0"/>
-              </a:rPr>
-              <a:t>Author</a:t>
-            </a:r>
-            <a:r>
-              <a:rPr lang="en-GB" sz="2800" dirty="0">
-                <a:solidFill>
-                  <a:schemeClr val="tx2">
-                    <a:lumMod val="50000"/>
-                    <a:lumOff val="50000"/>
-                  </a:schemeClr>
-                </a:solidFill>
-                <a:latin typeface="+mj-lt"/>
-                <a:cs typeface="Courier New" panose="02070309020205020404" pitchFamily="49" charset="0"/>
-              </a:rPr>
-              <a:t>}</a:t>
-            </a:r>
-            <a:r>
-              <a:rPr lang="en-GB" sz="2800" dirty="0">
-                <a:latin typeface="+mj-lt"/>
-                <a:cs typeface="Courier New" panose="02070309020205020404" pitchFamily="49" charset="0"/>
-              </a:rPr>
-              <a:t>Chris</a:t>
-            </a:r>
-          </a:p>
-          <a:p>
-            <a:endParaRPr lang="en-GB" sz="3000" dirty="0">
-              <a:solidFill>
-                <a:srgbClr val="0070C0"/>
-              </a:solidFill>
-            </a:endParaRPr>
-          </a:p>
-        </p:txBody>
-      </p:sp>
-      <p:pic>
-        <p:nvPicPr>
-          <p:cNvPr id="10" name="Picture 9">
-            <a:extLst>
-              <a:ext uri="{FF2B5EF4-FFF2-40B4-BE49-F238E27FC236}">
-                <a16:creationId xmlns:a16="http://schemas.microsoft.com/office/drawing/2014/main" id="{15508FF3-872A-4118-8CCE-C4035BAE22CB}"/>
-              </a:ext>
-            </a:extLst>
-          </p:cNvPr>
-          <p:cNvPicPr>
-            <a:picLocks noChangeAspect="1"/>
-          </p:cNvPicPr>
-          <p:nvPr/>
-        </p:nvPicPr>
-        <p:blipFill>
-          <a:blip r:embed="rId3"/>
-          <a:stretch>
-            <a:fillRect/>
-          </a:stretch>
-        </p:blipFill>
-        <p:spPr>
-          <a:xfrm>
-            <a:off x="5132068" y="1109041"/>
-            <a:ext cx="3528668" cy="5440362"/>
-          </a:xfrm>
-          <a:prstGeom prst="rect">
-            <a:avLst/>
-          </a:prstGeom>
-        </p:spPr>
-      </p:pic>
-    </p:spTree>
-    <p:extLst>
-      <p:ext uri="{BB962C8B-B14F-4D97-AF65-F5344CB8AC3E}">
-        <p14:creationId xmlns:p14="http://schemas.microsoft.com/office/powerpoint/2010/main" val="3436705082"/>
       </p:ext>
     </p:extLst>
   </p:cSld>

--- a/Intro to Latex Slides.pptx
+++ b/Intro to Latex Slides.pptx
@@ -442,7 +442,7 @@
           <a:p>
             <a:fld id="{88EB714B-C3CC-4216-88C1-02913905B1CF}" type="datetimeFigureOut">
               <a:rPr lang="en-GB" smtClean="0"/>
-              <a:t>12/10/2021</a:t>
+              <a:t>02/11/2021</a:t>
             </a:fld>
             <a:endParaRPr lang="en-GB"/>
           </a:p>
@@ -4468,7 +4468,7 @@
           <a:p>
             <a:fld id="{EB0080F8-EA1C-491D-963C-2C881B2F918F}" type="datetimeFigureOut">
               <a:rPr lang="en-GB" smtClean="0"/>
-              <a:t>12/10/2021</a:t>
+              <a:t>02/11/2021</a:t>
             </a:fld>
             <a:endParaRPr lang="en-GB"/>
           </a:p>
@@ -4618,7 +4618,7 @@
           <a:p>
             <a:fld id="{EB0080F8-EA1C-491D-963C-2C881B2F918F}" type="datetimeFigureOut">
               <a:rPr lang="en-GB" smtClean="0"/>
-              <a:t>12/10/2021</a:t>
+              <a:t>02/11/2021</a:t>
             </a:fld>
             <a:endParaRPr lang="en-GB"/>
           </a:p>
@@ -6151,7 +6151,7 @@
           <a:p>
             <a:fld id="{EB0080F8-EA1C-491D-963C-2C881B2F918F}" type="datetimeFigureOut">
               <a:rPr lang="en-GB" smtClean="0"/>
-              <a:t>12/10/2021</a:t>
+              <a:t>02/11/2021</a:t>
             </a:fld>
             <a:endParaRPr lang="en-GB"/>
           </a:p>
@@ -11192,7 +11192,7 @@
         <p:spPr>
           <a:xfrm>
             <a:off x="401319" y="1431416"/>
-            <a:ext cx="8388117" cy="4549506"/>
+            <a:ext cx="8388117" cy="3635436"/>
           </a:xfrm>
         </p:spPr>
         <p:txBody>
@@ -11215,7 +11215,11 @@
             </a:br>
             <a:r>
               <a:rPr lang="en-GB" sz="2800" dirty="0"/>
-              <a:t>After this course you will receive an email from the Graduate School administration team which will provide you with a QR code and instructions to mark your attendance at this course on Inkpath. </a:t>
+              <a:t>At the end of the session you will provided with instructions on how to mark your attendance on </a:t>
+            </a:r>
+            <a:r>
+              <a:rPr lang="en-GB" sz="2800" dirty="0" err="1"/>
+              <a:t>Inkpath</a:t>
             </a:r>
             <a:br>
               <a:rPr lang="en-GB" sz="2800" dirty="0"/>
@@ -11233,7 +11237,7 @@
             </a:r>
             <a:r>
               <a:rPr lang="en-GB" sz="2800" dirty="0"/>
-              <a:t> mark your attendance until you have received an email from the Graduate School. </a:t>
+              <a:t> mark your attendance before this.</a:t>
             </a:r>
           </a:p>
         </p:txBody>
@@ -12384,12 +12388,51 @@
           </a:p>
         </p:txBody>
       </p:sp>
+      <p:sp>
+        <p:nvSpPr>
+          <p:cNvPr id="5" name="TextBox 4">
+            <a:extLst>
+              <a:ext uri="{FF2B5EF4-FFF2-40B4-BE49-F238E27FC236}">
+                <a16:creationId xmlns:a16="http://schemas.microsoft.com/office/drawing/2014/main" id="{2CF7A67F-61CE-4D51-AB4D-CA6809C1BE98}"/>
+              </a:ext>
+            </a:extLst>
+          </p:cNvPr>
+          <p:cNvSpPr txBox="1"/>
+          <p:nvPr/>
+        </p:nvSpPr>
+        <p:spPr>
+          <a:xfrm>
+            <a:off x="7357241" y="6498021"/>
+            <a:ext cx="1697422" cy="369332"/>
+          </a:xfrm>
+          <a:prstGeom prst="rect">
+            <a:avLst/>
+          </a:prstGeom>
+          <a:noFill/>
+        </p:spPr>
+        <p:txBody>
+          <a:bodyPr wrap="square" rtlCol="0">
+            <a:spAutoFit/>
+          </a:bodyPr>
+          <a:lstStyle/>
+          <a:p>
+            <a:r>
+              <a:rPr lang="en-GB" dirty="0">
+                <a:solidFill>
+                  <a:schemeClr val="accent2"/>
+                </a:solidFill>
+              </a:rPr>
+              <a:t>Problem Sheet</a:t>
+            </a:r>
+          </a:p>
+        </p:txBody>
+      </p:sp>
       <p:pic>
         <p:nvPicPr>
-          <p:cNvPr id="4" name="Picture 3">
+          <p:cNvPr id="6" name="Picture 5">
             <a:extLst>
               <a:ext uri="{FF2B5EF4-FFF2-40B4-BE49-F238E27FC236}">
-                <a16:creationId xmlns:a16="http://schemas.microsoft.com/office/drawing/2014/main" id="{827AB96D-2EB9-4E01-B214-E4AAAE6AB1EF}"/>
+                <a16:creationId xmlns:a16="http://schemas.microsoft.com/office/drawing/2014/main" id="{051968E7-84D7-4249-BD64-6F2F28CA776E}"/>
               </a:ext>
             </a:extLst>
           </p:cNvPr>
@@ -12406,53 +12449,14 @@
         </p:blipFill>
         <p:spPr>
           <a:xfrm>
-            <a:off x="331470" y="1806567"/>
-            <a:ext cx="8481060" cy="3963732"/>
+            <a:off x="228600" y="1417638"/>
+            <a:ext cx="8686800" cy="4253727"/>
           </a:xfrm>
           <a:prstGeom prst="rect">
             <a:avLst/>
           </a:prstGeom>
         </p:spPr>
       </p:pic>
-      <p:sp>
-        <p:nvSpPr>
-          <p:cNvPr id="5" name="TextBox 4">
-            <a:extLst>
-              <a:ext uri="{FF2B5EF4-FFF2-40B4-BE49-F238E27FC236}">
-                <a16:creationId xmlns:a16="http://schemas.microsoft.com/office/drawing/2014/main" id="{2CF7A67F-61CE-4D51-AB4D-CA6809C1BE98}"/>
-              </a:ext>
-            </a:extLst>
-          </p:cNvPr>
-          <p:cNvSpPr txBox="1"/>
-          <p:nvPr/>
-        </p:nvSpPr>
-        <p:spPr>
-          <a:xfrm>
-            <a:off x="7357241" y="6498021"/>
-            <a:ext cx="1697422" cy="369332"/>
-          </a:xfrm>
-          <a:prstGeom prst="rect">
-            <a:avLst/>
-          </a:prstGeom>
-          <a:noFill/>
-        </p:spPr>
-        <p:txBody>
-          <a:bodyPr wrap="square" rtlCol="0">
-            <a:spAutoFit/>
-          </a:bodyPr>
-          <a:lstStyle/>
-          <a:p>
-            <a:r>
-              <a:rPr lang="en-GB" dirty="0">
-                <a:solidFill>
-                  <a:schemeClr val="accent2"/>
-                </a:solidFill>
-              </a:rPr>
-              <a:t>Problem Sheet</a:t>
-            </a:r>
-          </a:p>
-        </p:txBody>
-      </p:sp>
     </p:spTree>
     <p:extLst>
       <p:ext uri="{BB962C8B-B14F-4D97-AF65-F5344CB8AC3E}">

--- a/Intro to Latex Slides.pptx
+++ b/Intro to Latex Slides.pptx
@@ -442,7 +442,7 @@
           <a:p>
             <a:fld id="{88EB714B-C3CC-4216-88C1-02913905B1CF}" type="datetimeFigureOut">
               <a:rPr lang="en-GB" smtClean="0"/>
-              <a:t>02/11/2021</a:t>
+              <a:t>19/11/2021</a:t>
             </a:fld>
             <a:endParaRPr lang="en-GB"/>
           </a:p>
@@ -4468,7 +4468,7 @@
           <a:p>
             <a:fld id="{EB0080F8-EA1C-491D-963C-2C881B2F918F}" type="datetimeFigureOut">
               <a:rPr lang="en-GB" smtClean="0"/>
-              <a:t>02/11/2021</a:t>
+              <a:t>19/11/2021</a:t>
             </a:fld>
             <a:endParaRPr lang="en-GB"/>
           </a:p>
@@ -4618,7 +4618,7 @@
           <a:p>
             <a:fld id="{EB0080F8-EA1C-491D-963C-2C881B2F918F}" type="datetimeFigureOut">
               <a:rPr lang="en-GB" smtClean="0"/>
-              <a:t>02/11/2021</a:t>
+              <a:t>19/11/2021</a:t>
             </a:fld>
             <a:endParaRPr lang="en-GB"/>
           </a:p>
@@ -6151,7 +6151,7 @@
           <a:p>
             <a:fld id="{EB0080F8-EA1C-491D-963C-2C881B2F918F}" type="datetimeFigureOut">
               <a:rPr lang="en-GB" smtClean="0"/>
-              <a:t>02/11/2021</a:t>
+              <a:t>19/11/2021</a:t>
             </a:fld>
             <a:endParaRPr lang="en-GB"/>
           </a:p>
@@ -11192,7 +11192,7 @@
         <p:spPr>
           <a:xfrm>
             <a:off x="401319" y="1431416"/>
-            <a:ext cx="8388117" cy="3635436"/>
+            <a:ext cx="8388117" cy="4569334"/>
           </a:xfrm>
         </p:spPr>
         <p:txBody>
@@ -11215,30 +11215,26 @@
             </a:br>
             <a:r>
               <a:rPr lang="en-GB" sz="2800" dirty="0"/>
-              <a:t>At the end of the session you will provided with instructions on how to mark your attendance on </a:t>
-            </a:r>
-            <a:r>
-              <a:rPr lang="en-GB" sz="2800" dirty="0" err="1"/>
-              <a:t>Inkpath</a:t>
+              <a:t>I will show you a QR code at the end of the session allowing you to mark your attendance on Inkpath. Please do not mark your attendance until then.</a:t>
             </a:r>
             <a:br>
               <a:rPr lang="en-GB" sz="2800" dirty="0"/>
             </a:br>
             <a:br>
-              <a:rPr lang="en-GB" sz="2800" dirty="0"/>
+              <a:rPr lang="en-GB" sz="2800" dirty="0">
+                <a:latin typeface="Calibri" panose="020F0502020204030204" pitchFamily="34" charset="0"/>
+                <a:cs typeface="Calibri" panose="020F0502020204030204" pitchFamily="34" charset="0"/>
+              </a:rPr>
             </a:br>
             <a:r>
-              <a:rPr lang="en-GB" sz="2800" dirty="0"/>
-              <a:t>Please </a:t>
-            </a:r>
-            <a:r>
-              <a:rPr lang="en-GB" sz="2800" u="sng" dirty="0"/>
-              <a:t>do not</a:t>
-            </a:r>
-            <a:r>
-              <a:rPr lang="en-GB" sz="2800" dirty="0"/>
-              <a:t> mark your attendance before this.</a:t>
-            </a:r>
+              <a:rPr lang="en-GB" sz="2800" dirty="0">
+                <a:effectLst/>
+                <a:ea typeface="Times New Roman" panose="02020603050405020304" pitchFamily="18" charset="0"/>
+                <a:cs typeface="Calibri" panose="020F0502020204030204" pitchFamily="34" charset="0"/>
+              </a:rPr>
+              <a:t>If you are not a Postgraduate Research student and didn’t book via Inkpath, your attendance will be marked on a separate database.</a:t>
+            </a:r>
+            <a:endParaRPr lang="en-GB" sz="2800" dirty="0"/>
           </a:p>
         </p:txBody>
       </p:sp>

--- a/Intro to Latex Slides.pptx
+++ b/Intro to Latex Slides.pptx
@@ -442,7 +442,7 @@
           <a:p>
             <a:fld id="{88EB714B-C3CC-4216-88C1-02913905B1CF}" type="datetimeFigureOut">
               <a:rPr lang="en-GB" smtClean="0"/>
-              <a:t>19/11/2021</a:t>
+              <a:t>13/01/2022</a:t>
             </a:fld>
             <a:endParaRPr lang="en-GB"/>
           </a:p>
@@ -4468,7 +4468,7 @@
           <a:p>
             <a:fld id="{EB0080F8-EA1C-491D-963C-2C881B2F918F}" type="datetimeFigureOut">
               <a:rPr lang="en-GB" smtClean="0"/>
-              <a:t>19/11/2021</a:t>
+              <a:t>13/01/2022</a:t>
             </a:fld>
             <a:endParaRPr lang="en-GB"/>
           </a:p>
@@ -4618,7 +4618,7 @@
           <a:p>
             <a:fld id="{EB0080F8-EA1C-491D-963C-2C881B2F918F}" type="datetimeFigureOut">
               <a:rPr lang="en-GB" smtClean="0"/>
-              <a:t>19/11/2021</a:t>
+              <a:t>13/01/2022</a:t>
             </a:fld>
             <a:endParaRPr lang="en-GB"/>
           </a:p>
@@ -6151,7 +6151,7 @@
           <a:p>
             <a:fld id="{EB0080F8-EA1C-491D-963C-2C881B2F918F}" type="datetimeFigureOut">
               <a:rPr lang="en-GB" smtClean="0"/>
-              <a:t>19/11/2021</a:t>
+              <a:t>13/01/2022</a:t>
             </a:fld>
             <a:endParaRPr lang="en-GB"/>
           </a:p>

--- a/Intro to Latex Slides.pptx
+++ b/Intro to Latex Slides.pptx
@@ -442,7 +442,7 @@
           <a:p>
             <a:fld id="{88EB714B-C3CC-4216-88C1-02913905B1CF}" type="datetimeFigureOut">
               <a:rPr lang="en-GB" smtClean="0"/>
-              <a:t>13/01/2022</a:t>
+              <a:t>27/01/2022</a:t>
             </a:fld>
             <a:endParaRPr lang="en-GB"/>
           </a:p>
@@ -4468,7 +4468,7 @@
           <a:p>
             <a:fld id="{EB0080F8-EA1C-491D-963C-2C881B2F918F}" type="datetimeFigureOut">
               <a:rPr lang="en-GB" smtClean="0"/>
-              <a:t>13/01/2022</a:t>
+              <a:t>27/01/2022</a:t>
             </a:fld>
             <a:endParaRPr lang="en-GB"/>
           </a:p>
@@ -4618,7 +4618,7 @@
           <a:p>
             <a:fld id="{EB0080F8-EA1C-491D-963C-2C881B2F918F}" type="datetimeFigureOut">
               <a:rPr lang="en-GB" smtClean="0"/>
-              <a:t>13/01/2022</a:t>
+              <a:t>27/01/2022</a:t>
             </a:fld>
             <a:endParaRPr lang="en-GB"/>
           </a:p>
@@ -6151,7 +6151,7 @@
           <a:p>
             <a:fld id="{EB0080F8-EA1C-491D-963C-2C881B2F918F}" type="datetimeFigureOut">
               <a:rPr lang="en-GB" smtClean="0"/>
-              <a:t>13/01/2022</a:t>
+              <a:t>27/01/2022</a:t>
             </a:fld>
             <a:endParaRPr lang="en-GB"/>
           </a:p>
@@ -11918,13 +11918,15 @@
       <p:cxnSp>
         <p:nvCxnSpPr>
           <p:cNvPr id="11" name="Straight Connector 10"/>
-          <p:cNvCxnSpPr/>
+          <p:cNvCxnSpPr>
+            <a:cxnSpLocks/>
+          </p:cNvCxnSpPr>
           <p:nvPr/>
         </p:nvCxnSpPr>
         <p:spPr>
           <a:xfrm>
             <a:off x="4572000" y="1417638"/>
-            <a:ext cx="0" cy="5440362"/>
+            <a:ext cx="0" cy="4506663"/>
           </a:xfrm>
           <a:prstGeom prst="line">
             <a:avLst/>
@@ -11967,7 +11969,7 @@
         </p:blipFill>
         <p:spPr>
           <a:xfrm>
-            <a:off x="4730767" y="3296440"/>
+            <a:off x="4730767" y="3189415"/>
             <a:ext cx="4221846" cy="861135"/>
           </a:xfrm>
           <a:prstGeom prst="rect">
@@ -11989,7 +11991,7 @@
         </p:nvGrpSpPr>
         <p:grpSpPr>
           <a:xfrm>
-            <a:off x="191387" y="1756683"/>
+            <a:off x="191387" y="1345191"/>
             <a:ext cx="4221840" cy="4167618"/>
             <a:chOff x="191387" y="1449022"/>
             <a:chExt cx="4221840" cy="4167618"/>
@@ -12320,6 +12322,145 @@
                 </a:solidFill>
               </a:rPr>
               <a:t>Problem Sheet</a:t>
+            </a:r>
+          </a:p>
+        </p:txBody>
+      </p:sp>
+      <p:sp>
+        <p:nvSpPr>
+          <p:cNvPr id="9" name="TextBox 5">
+            <a:extLst>
+              <a:ext uri="{FF2B5EF4-FFF2-40B4-BE49-F238E27FC236}">
+                <a16:creationId xmlns:a16="http://schemas.microsoft.com/office/drawing/2014/main" id="{88768E05-69A0-4EFF-ACE3-CC70E7CED5AA}"/>
+              </a:ext>
+            </a:extLst>
+          </p:cNvPr>
+          <p:cNvSpPr txBox="1"/>
+          <p:nvPr/>
+        </p:nvSpPr>
+        <p:spPr>
+          <a:xfrm>
+            <a:off x="192167" y="5943601"/>
+            <a:ext cx="8494633" cy="369332"/>
+          </a:xfrm>
+          <a:prstGeom prst="rect">
+            <a:avLst/>
+          </a:prstGeom>
+          <a:noFill/>
+        </p:spPr>
+        <p:txBody>
+          <a:bodyPr wrap="none" rtlCol="0">
+            <a:spAutoFit/>
+          </a:bodyPr>
+          <a:lstStyle>
+            <a:defPPr>
+              <a:defRPr lang="en-US"/>
+            </a:defPPr>
+            <a:lvl1pPr marL="0" algn="l" defTabSz="457200" rtl="0" eaLnBrk="1" latinLnBrk="0" hangingPunct="1">
+              <a:defRPr sz="1800" kern="1200">
+                <a:solidFill>
+                  <a:schemeClr val="tx1"/>
+                </a:solidFill>
+                <a:latin typeface="+mn-lt"/>
+                <a:ea typeface="+mn-ea"/>
+                <a:cs typeface="+mn-cs"/>
+              </a:defRPr>
+            </a:lvl1pPr>
+            <a:lvl2pPr marL="457200" algn="l" defTabSz="457200" rtl="0" eaLnBrk="1" latinLnBrk="0" hangingPunct="1">
+              <a:defRPr sz="1800" kern="1200">
+                <a:solidFill>
+                  <a:schemeClr val="tx1"/>
+                </a:solidFill>
+                <a:latin typeface="+mn-lt"/>
+                <a:ea typeface="+mn-ea"/>
+                <a:cs typeface="+mn-cs"/>
+              </a:defRPr>
+            </a:lvl2pPr>
+            <a:lvl3pPr marL="914400" algn="l" defTabSz="457200" rtl="0" eaLnBrk="1" latinLnBrk="0" hangingPunct="1">
+              <a:defRPr sz="1800" kern="1200">
+                <a:solidFill>
+                  <a:schemeClr val="tx1"/>
+                </a:solidFill>
+                <a:latin typeface="+mn-lt"/>
+                <a:ea typeface="+mn-ea"/>
+                <a:cs typeface="+mn-cs"/>
+              </a:defRPr>
+            </a:lvl3pPr>
+            <a:lvl4pPr marL="1371600" algn="l" defTabSz="457200" rtl="0" eaLnBrk="1" latinLnBrk="0" hangingPunct="1">
+              <a:defRPr sz="1800" kern="1200">
+                <a:solidFill>
+                  <a:schemeClr val="tx1"/>
+                </a:solidFill>
+                <a:latin typeface="+mn-lt"/>
+                <a:ea typeface="+mn-ea"/>
+                <a:cs typeface="+mn-cs"/>
+              </a:defRPr>
+            </a:lvl4pPr>
+            <a:lvl5pPr marL="1828800" algn="l" defTabSz="457200" rtl="0" eaLnBrk="1" latinLnBrk="0" hangingPunct="1">
+              <a:defRPr sz="1800" kern="1200">
+                <a:solidFill>
+                  <a:schemeClr val="tx1"/>
+                </a:solidFill>
+                <a:latin typeface="+mn-lt"/>
+                <a:ea typeface="+mn-ea"/>
+                <a:cs typeface="+mn-cs"/>
+              </a:defRPr>
+            </a:lvl5pPr>
+            <a:lvl6pPr marL="2286000" algn="l" defTabSz="457200" rtl="0" eaLnBrk="1" latinLnBrk="0" hangingPunct="1">
+              <a:defRPr sz="1800" kern="1200">
+                <a:solidFill>
+                  <a:schemeClr val="tx1"/>
+                </a:solidFill>
+                <a:latin typeface="+mn-lt"/>
+                <a:ea typeface="+mn-ea"/>
+                <a:cs typeface="+mn-cs"/>
+              </a:defRPr>
+            </a:lvl6pPr>
+            <a:lvl7pPr marL="2743200" algn="l" defTabSz="457200" rtl="0" eaLnBrk="1" latinLnBrk="0" hangingPunct="1">
+              <a:defRPr sz="1800" kern="1200">
+                <a:solidFill>
+                  <a:schemeClr val="tx1"/>
+                </a:solidFill>
+                <a:latin typeface="+mn-lt"/>
+                <a:ea typeface="+mn-ea"/>
+                <a:cs typeface="+mn-cs"/>
+              </a:defRPr>
+            </a:lvl7pPr>
+            <a:lvl8pPr marL="3200400" algn="l" defTabSz="457200" rtl="0" eaLnBrk="1" latinLnBrk="0" hangingPunct="1">
+              <a:defRPr sz="1800" kern="1200">
+                <a:solidFill>
+                  <a:schemeClr val="tx1"/>
+                </a:solidFill>
+                <a:latin typeface="+mn-lt"/>
+                <a:ea typeface="+mn-ea"/>
+                <a:cs typeface="+mn-cs"/>
+              </a:defRPr>
+            </a:lvl8pPr>
+            <a:lvl9pPr marL="3657600" algn="l" defTabSz="457200" rtl="0" eaLnBrk="1" latinLnBrk="0" hangingPunct="1">
+              <a:defRPr sz="1800" kern="1200">
+                <a:solidFill>
+                  <a:schemeClr val="tx1"/>
+                </a:solidFill>
+                <a:latin typeface="+mn-lt"/>
+                <a:ea typeface="+mn-ea"/>
+                <a:cs typeface="+mn-cs"/>
+              </a:defRPr>
+            </a:lvl9pPr>
+          </a:lstStyle>
+          <a:p>
+            <a:r>
+              <a:rPr lang="en-GB" dirty="0"/>
+              <a:t>The library provides </a:t>
+            </a:r>
+            <a:r>
+              <a:rPr lang="en-GB" dirty="0">
+                <a:hlinkClick r:id="rId4"/>
+              </a:rPr>
+              <a:t>some guidance </a:t>
+            </a:r>
+            <a:r>
+              <a:rPr lang="en-GB" dirty="0"/>
+              <a:t>on matching some specific referencing styles</a:t>
             </a:r>
           </a:p>
         </p:txBody>

--- a/Intro to Latex Slides.pptx
+++ b/Intro to Latex Slides.pptx
@@ -13,8 +13,8 @@
   <p:sldIdLst>
     <p:sldId id="264" r:id="rId2"/>
     <p:sldId id="504" r:id="rId3"/>
-    <p:sldId id="258" r:id="rId4"/>
-    <p:sldId id="257" r:id="rId5"/>
+    <p:sldId id="505" r:id="rId4"/>
+    <p:sldId id="506" r:id="rId5"/>
     <p:sldId id="267" r:id="rId6"/>
     <p:sldId id="268" r:id="rId7"/>
     <p:sldId id="292" r:id="rId8"/>
@@ -143,8 +143,8 @@
           <p14:sldIdLst>
             <p14:sldId id="264"/>
             <p14:sldId id="504"/>
-            <p14:sldId id="258"/>
-            <p14:sldId id="257"/>
+            <p14:sldId id="505"/>
+            <p14:sldId id="506"/>
             <p14:sldId id="267"/>
             <p14:sldId id="268"/>
             <p14:sldId id="292"/>
@@ -442,7 +442,7 @@
           <a:p>
             <a:fld id="{88EB714B-C3CC-4216-88C1-02913905B1CF}" type="datetimeFigureOut">
               <a:rPr lang="en-GB" smtClean="0"/>
-              <a:t>27/01/2022</a:t>
+              <a:t>02/02/2022</a:t>
             </a:fld>
             <a:endParaRPr lang="en-GB"/>
           </a:p>
@@ -4468,7 +4468,7 @@
           <a:p>
             <a:fld id="{EB0080F8-EA1C-491D-963C-2C881B2F918F}" type="datetimeFigureOut">
               <a:rPr lang="en-GB" smtClean="0"/>
-              <a:t>27/01/2022</a:t>
+              <a:t>02/02/2022</a:t>
             </a:fld>
             <a:endParaRPr lang="en-GB"/>
           </a:p>
@@ -4618,7 +4618,7 @@
           <a:p>
             <a:fld id="{EB0080F8-EA1C-491D-963C-2C881B2F918F}" type="datetimeFigureOut">
               <a:rPr lang="en-GB" smtClean="0"/>
-              <a:t>27/01/2022</a:t>
+              <a:t>02/02/2022</a:t>
             </a:fld>
             <a:endParaRPr lang="en-GB"/>
           </a:p>
@@ -6151,7 +6151,7 @@
           <a:p>
             <a:fld id="{EB0080F8-EA1C-491D-963C-2C881B2F918F}" type="datetimeFigureOut">
               <a:rPr lang="en-GB" smtClean="0"/>
-              <a:t>27/01/2022</a:t>
+              <a:t>02/02/2022</a:t>
             </a:fld>
             <a:endParaRPr lang="en-GB"/>
           </a:p>
@@ -13290,7 +13290,7 @@
           </a:lstStyle>
           <a:p>
             <a:r>
-              <a:rPr lang="en-US" sz="3200" dirty="0">
+              <a:rPr lang="en-US" sz="3200">
                 <a:solidFill>
                   <a:schemeClr val="accent3"/>
                 </a:solidFill>
@@ -13321,7 +13321,7 @@
           <a:lstStyle/>
           <a:p>
             <a:r>
-              <a:rPr lang="en-US" sz="2200" u="sng" dirty="0">
+              <a:rPr lang="en-US" sz="2200" u="sng">
                 <a:ea typeface="+mj-lt"/>
                 <a:cs typeface="+mj-lt"/>
               </a:rPr>
@@ -13334,14 +13334,14 @@
               <a:buChar char="•"/>
             </a:pPr>
             <a:r>
-              <a:rPr lang="en-GB" sz="2200" dirty="0">
+              <a:rPr lang="en-GB" sz="2200">
                 <a:latin typeface="+mn-lt"/>
                 <a:ea typeface="Calibri" panose="020F0502020204030204" pitchFamily="34" charset="0"/>
                 <a:cs typeface="Times New Roman"/>
               </a:rPr>
               <a:t>You are expected to wear a face covering </a:t>
             </a:r>
-            <a:endParaRPr lang="en-GB" sz="2200" dirty="0"/>
+            <a:endParaRPr lang="en-GB" sz="2200"/>
           </a:p>
           <a:p>
             <a:pPr marL="457200" indent="-457200">
@@ -13349,26 +13349,15 @@
               <a:buChar char="•"/>
             </a:pPr>
             <a:r>
-              <a:rPr lang="en-US" sz="2200" dirty="0">
-                <a:ea typeface="+mj-lt"/>
-                <a:cs typeface="+mj-lt"/>
-              </a:rPr>
-              <a:t>Tutors will deliver their workshop 2 meters distance from </a:t>
-            </a:r>
-            <a:r>
               <a:rPr lang="en-US" sz="2200">
                 <a:ea typeface="+mj-lt"/>
                 <a:cs typeface="+mj-lt"/>
               </a:rPr>
-              <a:t>you </a:t>
-            </a:r>
-            <a:endParaRPr lang="en-US" sz="2200" dirty="0">
-              <a:ea typeface="+mj-lt"/>
-              <a:cs typeface="+mj-lt"/>
-            </a:endParaRPr>
-          </a:p>
-          <a:p>
-            <a:endParaRPr lang="en-US" sz="2200" u="sng" dirty="0">
+              <a:t>Tutors will deliver their workshop 2 meters distance from you </a:t>
+            </a:r>
+          </a:p>
+          <a:p>
+            <a:endParaRPr lang="en-US" sz="2200" u="sng">
               <a:latin typeface="+mn-lt"/>
               <a:ea typeface="+mj-lt"/>
               <a:cs typeface="+mj-lt"/>
@@ -13376,14 +13365,14 @@
           </a:p>
           <a:p>
             <a:r>
-              <a:rPr lang="en-US" sz="2200" u="sng" dirty="0">
+              <a:rPr lang="en-US" sz="2200" u="sng">
                 <a:latin typeface="+mn-lt"/>
                 <a:ea typeface="+mj-lt"/>
                 <a:cs typeface="+mj-lt"/>
               </a:rPr>
               <a:t>Hygiene</a:t>
             </a:r>
-            <a:endParaRPr lang="en-GB" sz="2200" u="sng" dirty="0">
+            <a:endParaRPr lang="en-GB" sz="2200" u="sng">
               <a:latin typeface="+mn-lt"/>
               <a:ea typeface="Calibri" panose="020F0502020204030204" pitchFamily="34" charset="0"/>
               <a:cs typeface="Times New Roman"/>
@@ -13395,15 +13384,15 @@
               <a:buChar char="•"/>
             </a:pPr>
             <a:r>
-              <a:rPr lang="en-US" sz="2200" dirty="0"/>
+              <a:rPr lang="en-US" sz="2200"/>
               <a:t>Where hand </a:t>
             </a:r>
             <a:r>
-              <a:rPr lang="en-US" sz="2200" dirty="0" err="1"/>
+              <a:rPr lang="en-US" sz="2200" err="1"/>
               <a:t>sanitiser</a:t>
             </a:r>
             <a:r>
-              <a:rPr lang="en-US" sz="2200" dirty="0"/>
+              <a:rPr lang="en-US" sz="2200"/>
               <a:t> is available, please use it</a:t>
             </a:r>
           </a:p>
@@ -13413,7 +13402,7 @@
               <a:buChar char="•"/>
             </a:pPr>
             <a:r>
-              <a:rPr lang="en-US" sz="2200" dirty="0"/>
+              <a:rPr lang="en-US" sz="2200"/>
               <a:t>Please wipe down any communal/shared course materials/equipment </a:t>
             </a:r>
           </a:p>
@@ -13422,14 +13411,14 @@
               <a:buFont typeface="Arial" panose="020B0604020202020204" pitchFamily="34" charset="0"/>
               <a:buChar char="•"/>
             </a:pPr>
-            <a:endParaRPr lang="en-US" sz="2400" dirty="0"/>
+            <a:endParaRPr lang="en-US" sz="2400"/>
           </a:p>
         </p:txBody>
       </p:sp>
     </p:spTree>
     <p:extLst>
       <p:ext uri="{BB962C8B-B14F-4D97-AF65-F5344CB8AC3E}">
-        <p14:creationId xmlns:p14="http://schemas.microsoft.com/office/powerpoint/2010/main" val="70908208"/>
+        <p14:creationId xmlns:p14="http://schemas.microsoft.com/office/powerpoint/2010/main" val="1276563112"/>
       </p:ext>
     </p:extLst>
   </p:cSld>
@@ -13496,7 +13485,7 @@
           </a:lstStyle>
           <a:p>
             <a:r>
-              <a:rPr lang="en-US" sz="3200" dirty="0">
+              <a:rPr lang="en-US" sz="3200">
                 <a:solidFill>
                   <a:schemeClr val="accent3"/>
                 </a:solidFill>
@@ -13527,17 +13516,17 @@
           <a:lstStyle/>
           <a:p>
             <a:r>
-              <a:rPr lang="en-US" sz="2200" u="sng" dirty="0"/>
+              <a:rPr lang="en-US" sz="2200" u="sng"/>
               <a:t>For the purpose of contact tracing</a:t>
             </a:r>
-            <a:endParaRPr lang="en-US" sz="2200" dirty="0"/>
-          </a:p>
-          <a:p>
-            <a:endParaRPr lang="en-US" sz="2200" dirty="0"/>
-          </a:p>
-          <a:p>
-            <a:r>
-              <a:rPr lang="en-US" sz="2200" dirty="0"/>
+            <a:endParaRPr lang="en-US" sz="2200"/>
+          </a:p>
+          <a:p>
+            <a:endParaRPr lang="en-US" sz="2200"/>
+          </a:p>
+          <a:p>
+            <a:r>
+              <a:rPr lang="en-US" sz="2200"/>
               <a:t>For our standard workshops:</a:t>
             </a:r>
           </a:p>
@@ -13547,16 +13536,16 @@
               <a:buChar char="•"/>
             </a:pPr>
             <a:r>
-              <a:rPr lang="en-US" sz="2200" dirty="0"/>
+              <a:rPr lang="en-US" sz="2200"/>
               <a:t>We will provide the CCT Hub with the complete list of attendees at this workshop</a:t>
             </a:r>
           </a:p>
           <a:p>
-            <a:endParaRPr lang="en-US" sz="2200" dirty="0"/>
-          </a:p>
-          <a:p>
-            <a:r>
-              <a:rPr lang="en-US" sz="2200" dirty="0"/>
+            <a:endParaRPr lang="en-US" sz="2200"/>
+          </a:p>
+          <a:p>
+            <a:r>
+              <a:rPr lang="en-US" sz="2200"/>
               <a:t>Where our workshops are held in lecture theatres:</a:t>
             </a:r>
           </a:p>
@@ -13566,27 +13555,19 @@
               <a:buChar char="•"/>
             </a:pPr>
             <a:r>
-              <a:rPr lang="en-US" sz="2200" dirty="0"/>
-              <a:t>You should keep a record of colleagues that you are sat in </a:t>
-            </a:r>
-            <a:r>
               <a:rPr lang="en-US" sz="2200"/>
-              <a:t>close contact with </a:t>
-            </a:r>
-            <a:r>
-              <a:rPr lang="en-US" sz="2200" dirty="0"/>
-              <a:t>(within 2 meters)</a:t>
-            </a:r>
-          </a:p>
-          <a:p>
-            <a:endParaRPr lang="en-US" dirty="0"/>
+              <a:t>You should keep a record of colleagues that you are sat in close contact with (within 2 meters)</a:t>
+            </a:r>
+          </a:p>
+          <a:p>
+            <a:endParaRPr lang="en-US"/>
           </a:p>
         </p:txBody>
       </p:sp>
     </p:spTree>
     <p:extLst>
       <p:ext uri="{BB962C8B-B14F-4D97-AF65-F5344CB8AC3E}">
-        <p14:creationId xmlns:p14="http://schemas.microsoft.com/office/powerpoint/2010/main" val="3238657636"/>
+        <p14:creationId xmlns:p14="http://schemas.microsoft.com/office/powerpoint/2010/main" val="874946642"/>
       </p:ext>
     </p:extLst>
   </p:cSld>

--- a/Intro to Latex Slides.pptx
+++ b/Intro to Latex Slides.pptx
@@ -5,39 +5,38 @@
     <p:sldMasterId id="2147483648" r:id="rId1"/>
   </p:sldMasterIdLst>
   <p:notesMasterIdLst>
-    <p:notesMasterId r:id="rId29"/>
+    <p:notesMasterId r:id="rId28"/>
   </p:notesMasterIdLst>
   <p:handoutMasterIdLst>
-    <p:handoutMasterId r:id="rId30"/>
+    <p:handoutMasterId r:id="rId29"/>
   </p:handoutMasterIdLst>
   <p:sldIdLst>
     <p:sldId id="264" r:id="rId2"/>
     <p:sldId id="504" r:id="rId3"/>
-    <p:sldId id="505" r:id="rId4"/>
-    <p:sldId id="506" r:id="rId5"/>
-    <p:sldId id="267" r:id="rId6"/>
-    <p:sldId id="268" r:id="rId7"/>
-    <p:sldId id="292" r:id="rId8"/>
-    <p:sldId id="269" r:id="rId9"/>
-    <p:sldId id="271" r:id="rId10"/>
-    <p:sldId id="278" r:id="rId11"/>
-    <p:sldId id="288" r:id="rId12"/>
-    <p:sldId id="270" r:id="rId13"/>
-    <p:sldId id="284" r:id="rId14"/>
-    <p:sldId id="285" r:id="rId15"/>
-    <p:sldId id="287" r:id="rId16"/>
-    <p:sldId id="286" r:id="rId17"/>
-    <p:sldId id="281" r:id="rId18"/>
-    <p:sldId id="282" r:id="rId19"/>
-    <p:sldId id="277" r:id="rId20"/>
-    <p:sldId id="319" r:id="rId21"/>
-    <p:sldId id="321" r:id="rId22"/>
-    <p:sldId id="322" r:id="rId23"/>
-    <p:sldId id="290" r:id="rId24"/>
-    <p:sldId id="291" r:id="rId25"/>
-    <p:sldId id="328" r:id="rId26"/>
-    <p:sldId id="331" r:id="rId27"/>
-    <p:sldId id="280" r:id="rId28"/>
+    <p:sldId id="258" r:id="rId4"/>
+    <p:sldId id="267" r:id="rId5"/>
+    <p:sldId id="268" r:id="rId6"/>
+    <p:sldId id="292" r:id="rId7"/>
+    <p:sldId id="269" r:id="rId8"/>
+    <p:sldId id="271" r:id="rId9"/>
+    <p:sldId id="278" r:id="rId10"/>
+    <p:sldId id="288" r:id="rId11"/>
+    <p:sldId id="270" r:id="rId12"/>
+    <p:sldId id="284" r:id="rId13"/>
+    <p:sldId id="285" r:id="rId14"/>
+    <p:sldId id="287" r:id="rId15"/>
+    <p:sldId id="286" r:id="rId16"/>
+    <p:sldId id="281" r:id="rId17"/>
+    <p:sldId id="282" r:id="rId18"/>
+    <p:sldId id="277" r:id="rId19"/>
+    <p:sldId id="319" r:id="rId20"/>
+    <p:sldId id="321" r:id="rId21"/>
+    <p:sldId id="322" r:id="rId22"/>
+    <p:sldId id="290" r:id="rId23"/>
+    <p:sldId id="291" r:id="rId24"/>
+    <p:sldId id="328" r:id="rId25"/>
+    <p:sldId id="331" r:id="rId26"/>
+    <p:sldId id="280" r:id="rId27"/>
   </p:sldIdLst>
   <p:sldSz cx="9144000" cy="6858000" type="screen4x3"/>
   <p:notesSz cx="7099300" cy="10234613"/>
@@ -143,8 +142,7 @@
           <p14:sldIdLst>
             <p14:sldId id="264"/>
             <p14:sldId id="504"/>
-            <p14:sldId id="505"/>
-            <p14:sldId id="506"/>
+            <p14:sldId id="258"/>
             <p14:sldId id="267"/>
             <p14:sldId id="268"/>
             <p14:sldId id="292"/>
@@ -442,7 +440,7 @@
           <a:p>
             <a:fld id="{88EB714B-C3CC-4216-88C1-02913905B1CF}" type="datetimeFigureOut">
               <a:rPr lang="en-GB" smtClean="0"/>
-              <a:t>02/02/2022</a:t>
+              <a:t>08/03/2022</a:t>
             </a:fld>
             <a:endParaRPr lang="en-GB"/>
           </a:p>
@@ -1051,7 +1049,7 @@
           <a:p>
             <a:fld id="{6A641EC8-C9F8-4A58-A1A7-F7D817526EEC}" type="slidenum">
               <a:rPr lang="en-GB" smtClean="0"/>
-              <a:t>13</a:t>
+              <a:t>12</a:t>
             </a:fld>
             <a:endParaRPr lang="en-GB"/>
           </a:p>
@@ -1181,7 +1179,7 @@
           <a:p>
             <a:fld id="{6A641EC8-C9F8-4A58-A1A7-F7D817526EEC}" type="slidenum">
               <a:rPr lang="en-GB" smtClean="0"/>
-              <a:t>14</a:t>
+              <a:t>13</a:t>
             </a:fld>
             <a:endParaRPr lang="en-GB"/>
           </a:p>
@@ -1373,7 +1371,7 @@
           <a:p>
             <a:fld id="{6A641EC8-C9F8-4A58-A1A7-F7D817526EEC}" type="slidenum">
               <a:rPr lang="en-GB" smtClean="0"/>
-              <a:t>15</a:t>
+              <a:t>14</a:t>
             </a:fld>
             <a:endParaRPr lang="en-GB"/>
           </a:p>
@@ -1477,7 +1475,7 @@
           <a:p>
             <a:fld id="{6A641EC8-C9F8-4A58-A1A7-F7D817526EEC}" type="slidenum">
               <a:rPr lang="en-GB" smtClean="0"/>
-              <a:t>16</a:t>
+              <a:t>15</a:t>
             </a:fld>
             <a:endParaRPr lang="en-GB"/>
           </a:p>
@@ -1662,7 +1660,7 @@
           <a:p>
             <a:fld id="{6A641EC8-C9F8-4A58-A1A7-F7D817526EEC}" type="slidenum">
               <a:rPr lang="en-GB" smtClean="0"/>
-              <a:t>17</a:t>
+              <a:t>16</a:t>
             </a:fld>
             <a:endParaRPr lang="en-GB"/>
           </a:p>
@@ -1830,7 +1828,7 @@
           <a:p>
             <a:fld id="{6A641EC8-C9F8-4A58-A1A7-F7D817526EEC}" type="slidenum">
               <a:rPr lang="en-GB" smtClean="0"/>
-              <a:t>18</a:t>
+              <a:t>17</a:t>
             </a:fld>
             <a:endParaRPr lang="en-GB"/>
           </a:p>
@@ -1985,7 +1983,7 @@
           <a:p>
             <a:fld id="{6A641EC8-C9F8-4A58-A1A7-F7D817526EEC}" type="slidenum">
               <a:rPr lang="en-GB" smtClean="0"/>
-              <a:t>19</a:t>
+              <a:t>18</a:t>
             </a:fld>
             <a:endParaRPr lang="en-GB"/>
           </a:p>
@@ -2090,7 +2088,7 @@
           <a:p>
             <a:fld id="{6A641EC8-C9F8-4A58-A1A7-F7D817526EEC}" type="slidenum">
               <a:rPr lang="en-GB" smtClean="0"/>
-              <a:t>20</a:t>
+              <a:t>19</a:t>
             </a:fld>
             <a:endParaRPr lang="en-GB"/>
           </a:p>
@@ -2228,7 +2226,7 @@
           <a:p>
             <a:fld id="{6A641EC8-C9F8-4A58-A1A7-F7D817526EEC}" type="slidenum">
               <a:rPr lang="en-GB" smtClean="0"/>
-              <a:t>21</a:t>
+              <a:t>20</a:t>
             </a:fld>
             <a:endParaRPr lang="en-GB"/>
           </a:p>
@@ -2394,7 +2392,7 @@
           <a:p>
             <a:fld id="{6A641EC8-C9F8-4A58-A1A7-F7D817526EEC}" type="slidenum">
               <a:rPr lang="en-GB" smtClean="0"/>
-              <a:t>22</a:t>
+              <a:t>21</a:t>
             </a:fld>
             <a:endParaRPr lang="en-GB"/>
           </a:p>
@@ -2478,7 +2476,7 @@
           <a:p>
             <a:fld id="{6A641EC8-C9F8-4A58-A1A7-F7D817526EEC}" type="slidenum">
               <a:rPr lang="en-GB" smtClean="0"/>
-              <a:t>5</a:t>
+              <a:t>4</a:t>
             </a:fld>
             <a:endParaRPr lang="en-GB"/>
           </a:p>
@@ -2630,7 +2628,7 @@
           <a:p>
             <a:fld id="{6A641EC8-C9F8-4A58-A1A7-F7D817526EEC}" type="slidenum">
               <a:rPr lang="en-GB" smtClean="0"/>
-              <a:t>23</a:t>
+              <a:t>22</a:t>
             </a:fld>
             <a:endParaRPr lang="en-GB"/>
           </a:p>
@@ -2751,7 +2749,7 @@
           <a:p>
             <a:fld id="{6A641EC8-C9F8-4A58-A1A7-F7D817526EEC}" type="slidenum">
               <a:rPr lang="en-GB" smtClean="0"/>
-              <a:t>24</a:t>
+              <a:t>23</a:t>
             </a:fld>
             <a:endParaRPr lang="en-GB"/>
           </a:p>
@@ -2854,7 +2852,7 @@
           <a:p>
             <a:fld id="{6A641EC8-C9F8-4A58-A1A7-F7D817526EEC}" type="slidenum">
               <a:rPr lang="en-GB" smtClean="0"/>
-              <a:t>25</a:t>
+              <a:t>24</a:t>
             </a:fld>
             <a:endParaRPr lang="en-GB"/>
           </a:p>
@@ -2938,7 +2936,7 @@
           <a:p>
             <a:fld id="{6A641EC8-C9F8-4A58-A1A7-F7D817526EEC}" type="slidenum">
               <a:rPr lang="en-GB" smtClean="0"/>
-              <a:t>26</a:t>
+              <a:t>25</a:t>
             </a:fld>
             <a:endParaRPr lang="en-GB"/>
           </a:p>
@@ -3134,7 +3132,7 @@
                   <a:spcPct val="0"/>
                 </a:spcBef>
               </a:pPr>
-              <a:t>27</a:t>
+              <a:t>26</a:t>
             </a:fld>
             <a:endParaRPr lang="en-US" altLang="en-US"/>
           </a:p>
@@ -3324,7 +3322,7 @@
           <a:p>
             <a:fld id="{6A641EC8-C9F8-4A58-A1A7-F7D817526EEC}" type="slidenum">
               <a:rPr lang="en-GB" smtClean="0"/>
-              <a:t>6</a:t>
+              <a:t>5</a:t>
             </a:fld>
             <a:endParaRPr lang="en-GB"/>
           </a:p>
@@ -3443,7 +3441,7 @@
           <a:p>
             <a:fld id="{6A641EC8-C9F8-4A58-A1A7-F7D817526EEC}" type="slidenum">
               <a:rPr lang="en-GB" smtClean="0"/>
-              <a:t>7</a:t>
+              <a:t>6</a:t>
             </a:fld>
             <a:endParaRPr lang="en-GB"/>
           </a:p>
@@ -3621,7 +3619,7 @@
           <a:p>
             <a:fld id="{6A641EC8-C9F8-4A58-A1A7-F7D817526EEC}" type="slidenum">
               <a:rPr lang="en-GB" smtClean="0"/>
-              <a:t>8</a:t>
+              <a:t>7</a:t>
             </a:fld>
             <a:endParaRPr lang="en-GB"/>
           </a:p>
@@ -3708,7 +3706,7 @@
           <a:p>
             <a:fld id="{6A641EC8-C9F8-4A58-A1A7-F7D817526EEC}" type="slidenum">
               <a:rPr lang="en-GB" smtClean="0"/>
-              <a:t>9</a:t>
+              <a:t>8</a:t>
             </a:fld>
             <a:endParaRPr lang="en-GB"/>
           </a:p>
@@ -3820,7 +3818,7 @@
           <a:p>
             <a:fld id="{6A641EC8-C9F8-4A58-A1A7-F7D817526EEC}" type="slidenum">
               <a:rPr lang="en-GB" smtClean="0"/>
-              <a:t>10</a:t>
+              <a:t>9</a:t>
             </a:fld>
             <a:endParaRPr lang="en-GB"/>
           </a:p>
@@ -3933,7 +3931,7 @@
           <a:p>
             <a:fld id="{6A641EC8-C9F8-4A58-A1A7-F7D817526EEC}" type="slidenum">
               <a:rPr lang="en-GB" smtClean="0"/>
-              <a:t>11</a:t>
+              <a:t>10</a:t>
             </a:fld>
             <a:endParaRPr lang="en-GB"/>
           </a:p>
@@ -4090,7 +4088,7 @@
           <a:p>
             <a:fld id="{6A641EC8-C9F8-4A58-A1A7-F7D817526EEC}" type="slidenum">
               <a:rPr lang="en-GB" smtClean="0"/>
-              <a:t>12</a:t>
+              <a:t>11</a:t>
             </a:fld>
             <a:endParaRPr lang="en-GB"/>
           </a:p>
@@ -4468,7 +4466,7 @@
           <a:p>
             <a:fld id="{EB0080F8-EA1C-491D-963C-2C881B2F918F}" type="datetimeFigureOut">
               <a:rPr lang="en-GB" smtClean="0"/>
-              <a:t>02/02/2022</a:t>
+              <a:t>08/03/2022</a:t>
             </a:fld>
             <a:endParaRPr lang="en-GB"/>
           </a:p>
@@ -4618,7 +4616,7 @@
           <a:p>
             <a:fld id="{EB0080F8-EA1C-491D-963C-2C881B2F918F}" type="datetimeFigureOut">
               <a:rPr lang="en-GB" smtClean="0"/>
-              <a:t>02/02/2022</a:t>
+              <a:t>08/03/2022</a:t>
             </a:fld>
             <a:endParaRPr lang="en-GB"/>
           </a:p>
@@ -6151,7 +6149,7 @@
           <a:p>
             <a:fld id="{EB0080F8-EA1C-491D-963C-2C881B2F918F}" type="datetimeFigureOut">
               <a:rPr lang="en-GB" smtClean="0"/>
-              <a:t>02/02/2022</a:t>
+              <a:t>08/03/2022</a:t>
             </a:fld>
             <a:endParaRPr lang="en-GB"/>
           </a:p>
@@ -6718,8 +6716,69 @@
           <a:p>
             <a:r>
               <a:rPr lang="en-GB" sz="4000" dirty="0"/>
-              <a:t>Chapters and Paragraphs</a:t>
-            </a:r>
+              <a:t>Table of Contents</a:t>
+            </a:r>
+          </a:p>
+        </p:txBody>
+      </p:sp>
+      <p:sp>
+        <p:nvSpPr>
+          <p:cNvPr id="4" name="TextBox 3"/>
+          <p:cNvSpPr txBox="1"/>
+          <p:nvPr/>
+        </p:nvSpPr>
+        <p:spPr>
+          <a:xfrm>
+            <a:off x="746438" y="3245892"/>
+            <a:ext cx="2896947" cy="553998"/>
+          </a:xfrm>
+          <a:prstGeom prst="rect">
+            <a:avLst/>
+          </a:prstGeom>
+          <a:noFill/>
+        </p:spPr>
+        <p:txBody>
+          <a:bodyPr wrap="none" rtlCol="0">
+            <a:spAutoFit/>
+          </a:bodyPr>
+          <a:lstStyle/>
+          <a:p>
+            <a:r>
+              <a:rPr lang="en-GB" sz="3000" dirty="0">
+                <a:solidFill>
+                  <a:schemeClr val="tx2">
+                    <a:lumMod val="50000"/>
+                    <a:lumOff val="50000"/>
+                  </a:schemeClr>
+                </a:solidFill>
+                <a:latin typeface="+mj-lt"/>
+                <a:cs typeface="Courier New" panose="02070309020205020404" pitchFamily="49" charset="0"/>
+              </a:rPr>
+              <a:t>\</a:t>
+            </a:r>
+            <a:r>
+              <a:rPr lang="en-GB" sz="3000" dirty="0" err="1">
+                <a:solidFill>
+                  <a:schemeClr val="tx2">
+                    <a:lumMod val="50000"/>
+                    <a:lumOff val="50000"/>
+                  </a:schemeClr>
+                </a:solidFill>
+                <a:latin typeface="+mj-lt"/>
+                <a:cs typeface="Courier New" panose="02070309020205020404" pitchFamily="49" charset="0"/>
+              </a:rPr>
+              <a:t>tableofcontents</a:t>
+            </a:r>
+            <a:endParaRPr lang="en-GB" sz="3000" dirty="0">
+              <a:solidFill>
+                <a:schemeClr val="tx2">
+                  <a:lumMod val="50000"/>
+                  <a:lumOff val="50000"/>
+                </a:schemeClr>
+              </a:solidFill>
+              <a:latin typeface="+mj-lt"/>
+              <a:cs typeface="Courier New" panose="02070309020205020404" pitchFamily="49" charset="0"/>
+            </a:endParaRPr>
           </a:p>
         </p:txBody>
       </p:sp>
@@ -6755,399 +6814,6 @@
       </p:cxnSp>
       <p:sp>
         <p:nvSpPr>
-          <p:cNvPr id="8" name="TextBox 7"/>
-          <p:cNvSpPr txBox="1"/>
-          <p:nvPr/>
-        </p:nvSpPr>
-        <p:spPr>
-          <a:xfrm>
-            <a:off x="200528" y="2398061"/>
-            <a:ext cx="4263894" cy="2708434"/>
-          </a:xfrm>
-          <a:prstGeom prst="rect">
-            <a:avLst/>
-          </a:prstGeom>
-          <a:noFill/>
-        </p:spPr>
-        <p:txBody>
-          <a:bodyPr wrap="square" rtlCol="0">
-            <a:spAutoFit/>
-          </a:bodyPr>
-          <a:lstStyle/>
-          <a:p>
-            <a:r>
-              <a:rPr lang="en-GB" sz="2800" dirty="0">
-                <a:solidFill>
-                  <a:schemeClr val="tx2">
-                    <a:lumMod val="50000"/>
-                    <a:lumOff val="50000"/>
-                  </a:schemeClr>
-                </a:solidFill>
-                <a:latin typeface="+mj-lt"/>
-                <a:cs typeface="Courier New" panose="02070309020205020404" pitchFamily="49" charset="0"/>
-              </a:rPr>
-              <a:t>\chapter{</a:t>
-            </a:r>
-            <a:r>
-              <a:rPr lang="en-GB" sz="2800" dirty="0">
-                <a:latin typeface="+mj-lt"/>
-                <a:cs typeface="Courier New" panose="02070309020205020404" pitchFamily="49" charset="0"/>
-              </a:rPr>
-              <a:t>A Poem</a:t>
-            </a:r>
-            <a:r>
-              <a:rPr lang="en-GB" sz="2800" dirty="0">
-                <a:solidFill>
-                  <a:schemeClr val="tx2">
-                    <a:lumMod val="50000"/>
-                    <a:lumOff val="50000"/>
-                  </a:schemeClr>
-                </a:solidFill>
-                <a:latin typeface="+mj-lt"/>
-                <a:cs typeface="Courier New" panose="02070309020205020404" pitchFamily="49" charset="0"/>
-              </a:rPr>
-              <a:t>}</a:t>
-            </a:r>
-          </a:p>
-          <a:p>
-            <a:r>
-              <a:rPr lang="en-GB" sz="2800" dirty="0">
-                <a:solidFill>
-                  <a:schemeClr val="tx2">
-                    <a:lumMod val="50000"/>
-                    <a:lumOff val="50000"/>
-                  </a:schemeClr>
-                </a:solidFill>
-                <a:latin typeface="+mj-lt"/>
-                <a:cs typeface="Courier New" panose="02070309020205020404" pitchFamily="49" charset="0"/>
-              </a:rPr>
-              <a:t>\section{</a:t>
-            </a:r>
-            <a:r>
-              <a:rPr lang="en-GB" sz="2800" dirty="0">
-                <a:latin typeface="+mj-lt"/>
-                <a:cs typeface="Courier New" panose="02070309020205020404" pitchFamily="49" charset="0"/>
-              </a:rPr>
-              <a:t>The Cat</a:t>
-            </a:r>
-            <a:r>
-              <a:rPr lang="en-GB" sz="2800" dirty="0">
-                <a:solidFill>
-                  <a:schemeClr val="tx2">
-                    <a:lumMod val="50000"/>
-                    <a:lumOff val="50000"/>
-                  </a:schemeClr>
-                </a:solidFill>
-                <a:latin typeface="+mj-lt"/>
-                <a:cs typeface="Courier New" panose="02070309020205020404" pitchFamily="49" charset="0"/>
-              </a:rPr>
-              <a:t>}</a:t>
-            </a:r>
-          </a:p>
-          <a:p>
-            <a:r>
-              <a:rPr lang="en-GB" sz="2800" dirty="0">
-                <a:solidFill>
-                  <a:schemeClr val="tx2">
-                    <a:lumMod val="50000"/>
-                    <a:lumOff val="50000"/>
-                  </a:schemeClr>
-                </a:solidFill>
-                <a:latin typeface="+mj-lt"/>
-                <a:cs typeface="Courier New" panose="02070309020205020404" pitchFamily="49" charset="0"/>
-              </a:rPr>
-              <a:t>\subsection{</a:t>
-            </a:r>
-            <a:r>
-              <a:rPr lang="en-GB" sz="2800" dirty="0">
-                <a:latin typeface="+mj-lt"/>
-                <a:cs typeface="Courier New" panose="02070309020205020404" pitchFamily="49" charset="0"/>
-              </a:rPr>
-              <a:t>Sat On</a:t>
-            </a:r>
-            <a:r>
-              <a:rPr lang="en-GB" sz="2800" dirty="0">
-                <a:solidFill>
-                  <a:schemeClr val="tx2">
-                    <a:lumMod val="50000"/>
-                    <a:lumOff val="50000"/>
-                  </a:schemeClr>
-                </a:solidFill>
-                <a:latin typeface="+mj-lt"/>
-                <a:cs typeface="Courier New" panose="02070309020205020404" pitchFamily="49" charset="0"/>
-              </a:rPr>
-              <a:t>}</a:t>
-            </a:r>
-          </a:p>
-          <a:p>
-            <a:r>
-              <a:rPr lang="en-GB" sz="2800" dirty="0">
-                <a:solidFill>
-                  <a:schemeClr val="tx2">
-                    <a:lumMod val="50000"/>
-                    <a:lumOff val="50000"/>
-                  </a:schemeClr>
-                </a:solidFill>
-                <a:latin typeface="+mj-lt"/>
-                <a:cs typeface="Courier New" panose="02070309020205020404" pitchFamily="49" charset="0"/>
-              </a:rPr>
-              <a:t>\subsubsection{</a:t>
-            </a:r>
-            <a:r>
-              <a:rPr lang="en-GB" sz="2800" dirty="0">
-                <a:latin typeface="+mj-lt"/>
-                <a:cs typeface="Courier New" panose="02070309020205020404" pitchFamily="49" charset="0"/>
-              </a:rPr>
-              <a:t>The Mat</a:t>
-            </a:r>
-            <a:r>
-              <a:rPr lang="en-GB" sz="2800" dirty="0">
-                <a:solidFill>
-                  <a:schemeClr val="tx2">
-                    <a:lumMod val="50000"/>
-                    <a:lumOff val="50000"/>
-                  </a:schemeClr>
-                </a:solidFill>
-                <a:latin typeface="+mj-lt"/>
-                <a:cs typeface="Courier New" panose="02070309020205020404" pitchFamily="49" charset="0"/>
-              </a:rPr>
-              <a:t>}</a:t>
-            </a:r>
-          </a:p>
-          <a:p>
-            <a:r>
-              <a:rPr lang="en-GB" sz="2800" dirty="0">
-                <a:solidFill>
-                  <a:schemeClr val="tx2">
-                    <a:lumMod val="50000"/>
-                    <a:lumOff val="50000"/>
-                  </a:schemeClr>
-                </a:solidFill>
-                <a:latin typeface="+mj-lt"/>
-                <a:cs typeface="Courier New" panose="02070309020205020404" pitchFamily="49" charset="0"/>
-              </a:rPr>
-              <a:t>\paragraph{</a:t>
-            </a:r>
-            <a:r>
-              <a:rPr lang="en-GB" sz="2800" dirty="0">
-                <a:latin typeface="+mj-lt"/>
-                <a:cs typeface="Courier New" panose="02070309020205020404" pitchFamily="49" charset="0"/>
-              </a:rPr>
-              <a:t>Author</a:t>
-            </a:r>
-            <a:r>
-              <a:rPr lang="en-GB" sz="2800" dirty="0">
-                <a:solidFill>
-                  <a:schemeClr val="tx2">
-                    <a:lumMod val="50000"/>
-                    <a:lumOff val="50000"/>
-                  </a:schemeClr>
-                </a:solidFill>
-                <a:latin typeface="+mj-lt"/>
-                <a:cs typeface="Courier New" panose="02070309020205020404" pitchFamily="49" charset="0"/>
-              </a:rPr>
-              <a:t>}</a:t>
-            </a:r>
-            <a:r>
-              <a:rPr lang="en-GB" sz="2800" dirty="0">
-                <a:latin typeface="+mj-lt"/>
-                <a:cs typeface="Courier New" panose="02070309020205020404" pitchFamily="49" charset="0"/>
-              </a:rPr>
-              <a:t>Chris</a:t>
-            </a:r>
-          </a:p>
-          <a:p>
-            <a:endParaRPr lang="en-GB" sz="3000" dirty="0">
-              <a:solidFill>
-                <a:srgbClr val="0070C0"/>
-              </a:solidFill>
-            </a:endParaRPr>
-          </a:p>
-        </p:txBody>
-      </p:sp>
-      <p:pic>
-        <p:nvPicPr>
-          <p:cNvPr id="10" name="Picture 9">
-            <a:extLst>
-              <a:ext uri="{FF2B5EF4-FFF2-40B4-BE49-F238E27FC236}">
-                <a16:creationId xmlns:a16="http://schemas.microsoft.com/office/drawing/2014/main" id="{15508FF3-872A-4118-8CCE-C4035BAE22CB}"/>
-              </a:ext>
-            </a:extLst>
-          </p:cNvPr>
-          <p:cNvPicPr>
-            <a:picLocks noChangeAspect="1"/>
-          </p:cNvPicPr>
-          <p:nvPr/>
-        </p:nvPicPr>
-        <p:blipFill>
-          <a:blip r:embed="rId3"/>
-          <a:stretch>
-            <a:fillRect/>
-          </a:stretch>
-        </p:blipFill>
-        <p:spPr>
-          <a:xfrm>
-            <a:off x="5132068" y="1109041"/>
-            <a:ext cx="3528668" cy="5440362"/>
-          </a:xfrm>
-          <a:prstGeom prst="rect">
-            <a:avLst/>
-          </a:prstGeom>
-        </p:spPr>
-      </p:pic>
-    </p:spTree>
-    <p:extLst>
-      <p:ext uri="{BB962C8B-B14F-4D97-AF65-F5344CB8AC3E}">
-        <p14:creationId xmlns:p14="http://schemas.microsoft.com/office/powerpoint/2010/main" val="3436705082"/>
-      </p:ext>
-    </p:extLst>
-  </p:cSld>
-  <p:clrMapOvr>
-    <a:masterClrMapping/>
-  </p:clrMapOvr>
-  <mc:AlternateContent xmlns:mc="http://schemas.openxmlformats.org/markup-compatibility/2006" xmlns:p14="http://schemas.microsoft.com/office/powerpoint/2010/main">
-    <mc:Choice Requires="p14">
-      <p:transition p14:dur="10"/>
-    </mc:Choice>
-    <mc:Fallback xmlns="">
-      <p:transition/>
-    </mc:Fallback>
-  </mc:AlternateContent>
-</p:sld>
-</file>
-
-<file path=ppt/slides/slide11.xml><?xml version="1.0" encoding="utf-8"?>
-<p:sld xmlns:a="http://schemas.openxmlformats.org/drawingml/2006/main" xmlns:r="http://schemas.openxmlformats.org/officeDocument/2006/relationships" xmlns:p="http://schemas.openxmlformats.org/presentationml/2006/main">
-  <p:cSld>
-    <p:spTree>
-      <p:nvGrpSpPr>
-        <p:cNvPr id="1" name=""/>
-        <p:cNvGrpSpPr/>
-        <p:nvPr/>
-      </p:nvGrpSpPr>
-      <p:grpSpPr>
-        <a:xfrm>
-          <a:off x="0" y="0"/>
-          <a:ext cx="0" cy="0"/>
-          <a:chOff x="0" y="0"/>
-          <a:chExt cx="0" cy="0"/>
-        </a:xfrm>
-      </p:grpSpPr>
-      <p:sp>
-        <p:nvSpPr>
-          <p:cNvPr id="2" name="Title 1"/>
-          <p:cNvSpPr>
-            <a:spLocks noGrp="1"/>
-          </p:cNvSpPr>
-          <p:nvPr>
-            <p:ph type="title"/>
-          </p:nvPr>
-        </p:nvSpPr>
-        <p:spPr/>
-        <p:txBody>
-          <a:bodyPr/>
-          <a:lstStyle/>
-          <a:p>
-            <a:r>
-              <a:rPr lang="en-GB" sz="4000" dirty="0"/>
-              <a:t>Table of Contents</a:t>
-            </a:r>
-          </a:p>
-        </p:txBody>
-      </p:sp>
-      <p:sp>
-        <p:nvSpPr>
-          <p:cNvPr id="4" name="TextBox 3"/>
-          <p:cNvSpPr txBox="1"/>
-          <p:nvPr/>
-        </p:nvSpPr>
-        <p:spPr>
-          <a:xfrm>
-            <a:off x="746438" y="3245892"/>
-            <a:ext cx="2896947" cy="553998"/>
-          </a:xfrm>
-          <a:prstGeom prst="rect">
-            <a:avLst/>
-          </a:prstGeom>
-          <a:noFill/>
-        </p:spPr>
-        <p:txBody>
-          <a:bodyPr wrap="none" rtlCol="0">
-            <a:spAutoFit/>
-          </a:bodyPr>
-          <a:lstStyle/>
-          <a:p>
-            <a:r>
-              <a:rPr lang="en-GB" sz="3000" dirty="0">
-                <a:solidFill>
-                  <a:schemeClr val="tx2">
-                    <a:lumMod val="50000"/>
-                    <a:lumOff val="50000"/>
-                  </a:schemeClr>
-                </a:solidFill>
-                <a:latin typeface="+mj-lt"/>
-                <a:cs typeface="Courier New" panose="02070309020205020404" pitchFamily="49" charset="0"/>
-              </a:rPr>
-              <a:t>\</a:t>
-            </a:r>
-            <a:r>
-              <a:rPr lang="en-GB" sz="3000" dirty="0" err="1">
-                <a:solidFill>
-                  <a:schemeClr val="tx2">
-                    <a:lumMod val="50000"/>
-                    <a:lumOff val="50000"/>
-                  </a:schemeClr>
-                </a:solidFill>
-                <a:latin typeface="+mj-lt"/>
-                <a:cs typeface="Courier New" panose="02070309020205020404" pitchFamily="49" charset="0"/>
-              </a:rPr>
-              <a:t>tableofcontents</a:t>
-            </a:r>
-            <a:endParaRPr lang="en-GB" sz="3000" dirty="0">
-              <a:solidFill>
-                <a:schemeClr val="tx2">
-                  <a:lumMod val="50000"/>
-                  <a:lumOff val="50000"/>
-                </a:schemeClr>
-              </a:solidFill>
-              <a:latin typeface="+mj-lt"/>
-              <a:cs typeface="Courier New" panose="02070309020205020404" pitchFamily="49" charset="0"/>
-            </a:endParaRPr>
-          </a:p>
-        </p:txBody>
-      </p:sp>
-      <p:cxnSp>
-        <p:nvCxnSpPr>
-          <p:cNvPr id="11" name="Straight Connector 10"/>
-          <p:cNvCxnSpPr/>
-          <p:nvPr/>
-        </p:nvCxnSpPr>
-        <p:spPr>
-          <a:xfrm>
-            <a:off x="4572000" y="1417638"/>
-            <a:ext cx="0" cy="5440362"/>
-          </a:xfrm>
-          <a:prstGeom prst="line">
-            <a:avLst/>
-          </a:prstGeom>
-        </p:spPr>
-        <p:style>
-          <a:lnRef idx="2">
-            <a:schemeClr val="accent1"/>
-          </a:lnRef>
-          <a:fillRef idx="0">
-            <a:schemeClr val="accent1"/>
-          </a:fillRef>
-          <a:effectRef idx="1">
-            <a:schemeClr val="accent1"/>
-          </a:effectRef>
-          <a:fontRef idx="minor">
-            <a:schemeClr val="tx1"/>
-          </a:fontRef>
-        </p:style>
-      </p:cxnSp>
-      <p:sp>
-        <p:nvSpPr>
           <p:cNvPr id="3" name="TextBox 2"/>
           <p:cNvSpPr txBox="1"/>
           <p:nvPr/>
@@ -7275,7 +6941,7 @@
 </p:sld>
 </file>
 
-<file path=ppt/slides/slide12.xml><?xml version="1.0" encoding="utf-8"?>
+<file path=ppt/slides/slide11.xml><?xml version="1.0" encoding="utf-8"?>
 <p:sld xmlns:a="http://schemas.openxmlformats.org/drawingml/2006/main" xmlns:r="http://schemas.openxmlformats.org/officeDocument/2006/relationships" xmlns:p="http://schemas.openxmlformats.org/presentationml/2006/main">
   <p:cSld>
     <p:spTree>
@@ -7724,7 +7390,7 @@
 </p:sld>
 </file>
 
-<file path=ppt/slides/slide13.xml><?xml version="1.0" encoding="utf-8"?>
+<file path=ppt/slides/slide12.xml><?xml version="1.0" encoding="utf-8"?>
 <p:sld xmlns:a="http://schemas.openxmlformats.org/drawingml/2006/main" xmlns:r="http://schemas.openxmlformats.org/officeDocument/2006/relationships" xmlns:p="http://schemas.openxmlformats.org/presentationml/2006/main">
   <p:cSld>
     <p:spTree>
@@ -8545,7 +8211,7 @@
 </p:sld>
 </file>
 
-<file path=ppt/slides/slide14.xml><?xml version="1.0" encoding="utf-8"?>
+<file path=ppt/slides/slide13.xml><?xml version="1.0" encoding="utf-8"?>
 <p:sld xmlns:a="http://schemas.openxmlformats.org/drawingml/2006/main" xmlns:r="http://schemas.openxmlformats.org/officeDocument/2006/relationships" xmlns:p="http://schemas.openxmlformats.org/presentationml/2006/main">
   <p:cSld>
     <p:spTree>
@@ -8830,7 +8496,7 @@
 </p:sld>
 </file>
 
-<file path=ppt/slides/slide15.xml><?xml version="1.0" encoding="utf-8"?>
+<file path=ppt/slides/slide14.xml><?xml version="1.0" encoding="utf-8"?>
 <p:sld xmlns:a="http://schemas.openxmlformats.org/drawingml/2006/main" xmlns:r="http://schemas.openxmlformats.org/officeDocument/2006/relationships" xmlns:p="http://schemas.openxmlformats.org/presentationml/2006/main">
   <p:cSld>
     <p:spTree>
@@ -9395,7 +9061,7 @@
 </p:sld>
 </file>
 
-<file path=ppt/slides/slide16.xml><?xml version="1.0" encoding="utf-8"?>
+<file path=ppt/slides/slide15.xml><?xml version="1.0" encoding="utf-8"?>
 <p:sld xmlns:a="http://schemas.openxmlformats.org/drawingml/2006/main" xmlns:r="http://schemas.openxmlformats.org/officeDocument/2006/relationships" xmlns:p="http://schemas.openxmlformats.org/presentationml/2006/main">
   <p:cSld>
     <p:spTree>
@@ -9894,7 +9560,7 @@
 </p:sld>
 </file>
 
-<file path=ppt/slides/slide17.xml><?xml version="1.0" encoding="utf-8"?>
+<file path=ppt/slides/slide16.xml><?xml version="1.0" encoding="utf-8"?>
 <p:sld xmlns:a="http://schemas.openxmlformats.org/drawingml/2006/main" xmlns:r="http://schemas.openxmlformats.org/officeDocument/2006/relationships" xmlns:p="http://schemas.openxmlformats.org/presentationml/2006/main">
   <p:cSld>
     <p:spTree>
@@ -10268,7 +9934,7 @@
 </p:sld>
 </file>
 
-<file path=ppt/slides/slide18.xml><?xml version="1.0" encoding="utf-8"?>
+<file path=ppt/slides/slide17.xml><?xml version="1.0" encoding="utf-8"?>
 <p:sld xmlns:a="http://schemas.openxmlformats.org/drawingml/2006/main" xmlns:r="http://schemas.openxmlformats.org/officeDocument/2006/relationships" xmlns:p="http://schemas.openxmlformats.org/presentationml/2006/main">
   <p:cSld>
     <p:spTree>
@@ -10701,7 +10367,7 @@
 </p:sld>
 </file>
 
-<file path=ppt/slides/slide19.xml><?xml version="1.0" encoding="utf-8"?>
+<file path=ppt/slides/slide18.xml><?xml version="1.0" encoding="utf-8"?>
 <p:sld xmlns:a="http://schemas.openxmlformats.org/drawingml/2006/main" xmlns:r="http://schemas.openxmlformats.org/officeDocument/2006/relationships" xmlns:p="http://schemas.openxmlformats.org/presentationml/2006/main">
   <p:cSld>
     <p:spTree>
@@ -11162,133 +10828,7 @@
 </p:sld>
 </file>
 
-<file path=ppt/slides/slide2.xml><?xml version="1.0" encoding="utf-8"?>
-<p:sld xmlns:a="http://schemas.openxmlformats.org/drawingml/2006/main" xmlns:r="http://schemas.openxmlformats.org/officeDocument/2006/relationships" xmlns:p="http://schemas.openxmlformats.org/presentationml/2006/main">
-  <p:cSld>
-    <p:spTree>
-      <p:nvGrpSpPr>
-        <p:cNvPr id="1" name=""/>
-        <p:cNvGrpSpPr/>
-        <p:nvPr/>
-      </p:nvGrpSpPr>
-      <p:grpSpPr>
-        <a:xfrm>
-          <a:off x="0" y="0"/>
-          <a:ext cx="0" cy="0"/>
-          <a:chOff x="0" y="0"/>
-          <a:chExt cx="0" cy="0"/>
-        </a:xfrm>
-      </p:grpSpPr>
-      <p:sp>
-        <p:nvSpPr>
-          <p:cNvPr id="2" name="Title 1"/>
-          <p:cNvSpPr>
-            <a:spLocks noGrp="1"/>
-          </p:cNvSpPr>
-          <p:nvPr>
-            <p:ph type="title"/>
-          </p:nvPr>
-        </p:nvSpPr>
-        <p:spPr>
-          <a:xfrm>
-            <a:off x="401319" y="1431416"/>
-            <a:ext cx="8388117" cy="4569334"/>
-          </a:xfrm>
-        </p:spPr>
-        <p:txBody>
-          <a:bodyPr/>
-          <a:lstStyle/>
-          <a:p>
-            <a:pPr algn="ctr"/>
-            <a:r>
-              <a:rPr lang="en-GB" sz="2800" u="sng" dirty="0"/>
-              <a:t>Important Information on Marking your Attendance on Inkpath</a:t>
-            </a:r>
-            <a:br>
-              <a:rPr lang="en-GB" sz="2800" u="sng" dirty="0"/>
-            </a:br>
-            <a:br>
-              <a:rPr lang="en-GB" sz="2800" u="sng" dirty="0"/>
-            </a:br>
-            <a:br>
-              <a:rPr lang="en-GB" sz="2800" dirty="0"/>
-            </a:br>
-            <a:r>
-              <a:rPr lang="en-GB" sz="2800" dirty="0"/>
-              <a:t>I will show you a QR code at the end of the session allowing you to mark your attendance on Inkpath. Please do not mark your attendance until then.</a:t>
-            </a:r>
-            <a:br>
-              <a:rPr lang="en-GB" sz="2800" dirty="0"/>
-            </a:br>
-            <a:br>
-              <a:rPr lang="en-GB" sz="2800" dirty="0">
-                <a:latin typeface="Calibri" panose="020F0502020204030204" pitchFamily="34" charset="0"/>
-                <a:cs typeface="Calibri" panose="020F0502020204030204" pitchFamily="34" charset="0"/>
-              </a:rPr>
-            </a:br>
-            <a:r>
-              <a:rPr lang="en-GB" sz="2800" dirty="0">
-                <a:effectLst/>
-                <a:ea typeface="Times New Roman" panose="02020603050405020304" pitchFamily="18" charset="0"/>
-                <a:cs typeface="Calibri" panose="020F0502020204030204" pitchFamily="34" charset="0"/>
-              </a:rPr>
-              <a:t>If you are not a Postgraduate Research student and didn’t book via Inkpath, your attendance will be marked on a separate database.</a:t>
-            </a:r>
-            <a:endParaRPr lang="en-GB" sz="2800" dirty="0"/>
-          </a:p>
-        </p:txBody>
-      </p:sp>
-      <p:sp>
-        <p:nvSpPr>
-          <p:cNvPr id="7" name="TextBox 6"/>
-          <p:cNvSpPr txBox="1"/>
-          <p:nvPr/>
-        </p:nvSpPr>
-        <p:spPr>
-          <a:xfrm>
-            <a:off x="552450" y="3214433"/>
-            <a:ext cx="2171700" cy="830997"/>
-          </a:xfrm>
-          <a:prstGeom prst="rect">
-            <a:avLst/>
-          </a:prstGeom>
-          <a:noFill/>
-        </p:spPr>
-        <p:txBody>
-          <a:bodyPr wrap="square" rtlCol="0">
-            <a:spAutoFit/>
-          </a:bodyPr>
-          <a:lstStyle/>
-          <a:p>
-            <a:endParaRPr lang="en-GB" sz="2400" dirty="0">
-              <a:solidFill>
-                <a:srgbClr val="002060"/>
-              </a:solidFill>
-            </a:endParaRPr>
-          </a:p>
-          <a:p>
-            <a:endParaRPr lang="en-GB" sz="2400" dirty="0">
-              <a:solidFill>
-                <a:srgbClr val="002060"/>
-              </a:solidFill>
-            </a:endParaRPr>
-          </a:p>
-        </p:txBody>
-      </p:sp>
-    </p:spTree>
-    <p:extLst>
-      <p:ext uri="{BB962C8B-B14F-4D97-AF65-F5344CB8AC3E}">
-        <p14:creationId xmlns:p14="http://schemas.microsoft.com/office/powerpoint/2010/main" val="3686223621"/>
-      </p:ext>
-    </p:extLst>
-  </p:cSld>
-  <p:clrMapOvr>
-    <a:masterClrMapping/>
-  </p:clrMapOvr>
-</p:sld>
-</file>
-
-<file path=ppt/slides/slide20.xml><?xml version="1.0" encoding="utf-8"?>
+<file path=ppt/slides/slide19.xml><?xml version="1.0" encoding="utf-8"?>
 <p:sld xmlns:a="http://schemas.openxmlformats.org/drawingml/2006/main" xmlns:r="http://schemas.openxmlformats.org/officeDocument/2006/relationships" xmlns:p="http://schemas.openxmlformats.org/presentationml/2006/main">
   <p:cSld>
     <p:spTree>
@@ -11406,7 +10946,133 @@
 </p:sld>
 </file>
 
-<file path=ppt/slides/slide21.xml><?xml version="1.0" encoding="utf-8"?>
+<file path=ppt/slides/slide2.xml><?xml version="1.0" encoding="utf-8"?>
+<p:sld xmlns:a="http://schemas.openxmlformats.org/drawingml/2006/main" xmlns:r="http://schemas.openxmlformats.org/officeDocument/2006/relationships" xmlns:p="http://schemas.openxmlformats.org/presentationml/2006/main">
+  <p:cSld>
+    <p:spTree>
+      <p:nvGrpSpPr>
+        <p:cNvPr id="1" name=""/>
+        <p:cNvGrpSpPr/>
+        <p:nvPr/>
+      </p:nvGrpSpPr>
+      <p:grpSpPr>
+        <a:xfrm>
+          <a:off x="0" y="0"/>
+          <a:ext cx="0" cy="0"/>
+          <a:chOff x="0" y="0"/>
+          <a:chExt cx="0" cy="0"/>
+        </a:xfrm>
+      </p:grpSpPr>
+      <p:sp>
+        <p:nvSpPr>
+          <p:cNvPr id="2" name="Title 1"/>
+          <p:cNvSpPr>
+            <a:spLocks noGrp="1"/>
+          </p:cNvSpPr>
+          <p:nvPr>
+            <p:ph type="title"/>
+          </p:nvPr>
+        </p:nvSpPr>
+        <p:spPr>
+          <a:xfrm>
+            <a:off x="401319" y="1431416"/>
+            <a:ext cx="8388117" cy="4569334"/>
+          </a:xfrm>
+        </p:spPr>
+        <p:txBody>
+          <a:bodyPr/>
+          <a:lstStyle/>
+          <a:p>
+            <a:pPr algn="ctr"/>
+            <a:r>
+              <a:rPr lang="en-GB" sz="2800" u="sng" dirty="0"/>
+              <a:t>Important Information on Marking your Attendance on Inkpath</a:t>
+            </a:r>
+            <a:br>
+              <a:rPr lang="en-GB" sz="2800" u="sng" dirty="0"/>
+            </a:br>
+            <a:br>
+              <a:rPr lang="en-GB" sz="2800" u="sng" dirty="0"/>
+            </a:br>
+            <a:br>
+              <a:rPr lang="en-GB" sz="2800" dirty="0"/>
+            </a:br>
+            <a:r>
+              <a:rPr lang="en-GB" sz="2800" dirty="0"/>
+              <a:t>I will show you a QR code at the end of the session allowing you to mark your attendance on Inkpath. Please do not mark your attendance until then.</a:t>
+            </a:r>
+            <a:br>
+              <a:rPr lang="en-GB" sz="2800" dirty="0"/>
+            </a:br>
+            <a:br>
+              <a:rPr lang="en-GB" sz="2800" dirty="0">
+                <a:latin typeface="Calibri" panose="020F0502020204030204" pitchFamily="34" charset="0"/>
+                <a:cs typeface="Calibri" panose="020F0502020204030204" pitchFamily="34" charset="0"/>
+              </a:rPr>
+            </a:br>
+            <a:r>
+              <a:rPr lang="en-GB" sz="2800" dirty="0">
+                <a:effectLst/>
+                <a:ea typeface="Times New Roman" panose="02020603050405020304" pitchFamily="18" charset="0"/>
+                <a:cs typeface="Calibri" panose="020F0502020204030204" pitchFamily="34" charset="0"/>
+              </a:rPr>
+              <a:t>If you are not a Postgraduate Research student and didn’t book via Inkpath, your attendance will be marked on a separate database.</a:t>
+            </a:r>
+            <a:endParaRPr lang="en-GB" sz="2800" dirty="0"/>
+          </a:p>
+        </p:txBody>
+      </p:sp>
+      <p:sp>
+        <p:nvSpPr>
+          <p:cNvPr id="7" name="TextBox 6"/>
+          <p:cNvSpPr txBox="1"/>
+          <p:nvPr/>
+        </p:nvSpPr>
+        <p:spPr>
+          <a:xfrm>
+            <a:off x="552450" y="3214433"/>
+            <a:ext cx="2171700" cy="830997"/>
+          </a:xfrm>
+          <a:prstGeom prst="rect">
+            <a:avLst/>
+          </a:prstGeom>
+          <a:noFill/>
+        </p:spPr>
+        <p:txBody>
+          <a:bodyPr wrap="square" rtlCol="0">
+            <a:spAutoFit/>
+          </a:bodyPr>
+          <a:lstStyle/>
+          <a:p>
+            <a:endParaRPr lang="en-GB" sz="2400" dirty="0">
+              <a:solidFill>
+                <a:srgbClr val="002060"/>
+              </a:solidFill>
+            </a:endParaRPr>
+          </a:p>
+          <a:p>
+            <a:endParaRPr lang="en-GB" sz="2400" dirty="0">
+              <a:solidFill>
+                <a:srgbClr val="002060"/>
+              </a:solidFill>
+            </a:endParaRPr>
+          </a:p>
+        </p:txBody>
+      </p:sp>
+    </p:spTree>
+    <p:extLst>
+      <p:ext uri="{BB962C8B-B14F-4D97-AF65-F5344CB8AC3E}">
+        <p14:creationId xmlns:p14="http://schemas.microsoft.com/office/powerpoint/2010/main" val="3686223621"/>
+      </p:ext>
+    </p:extLst>
+  </p:cSld>
+  <p:clrMapOvr>
+    <a:masterClrMapping/>
+  </p:clrMapOvr>
+</p:sld>
+</file>
+
+<file path=ppt/slides/slide20.xml><?xml version="1.0" encoding="utf-8"?>
 <p:sld xmlns:a="http://schemas.openxmlformats.org/drawingml/2006/main" xmlns:r="http://schemas.openxmlformats.org/officeDocument/2006/relationships" xmlns:p="http://schemas.openxmlformats.org/presentationml/2006/main">
   <p:cSld>
     <p:spTree>
@@ -11876,7 +11542,7 @@
 </p:sld>
 </file>
 
-<file path=ppt/slides/slide22.xml><?xml version="1.0" encoding="utf-8"?>
+<file path=ppt/slides/slide21.xml><?xml version="1.0" encoding="utf-8"?>
 <p:sld xmlns:a="http://schemas.openxmlformats.org/drawingml/2006/main" xmlns:r="http://schemas.openxmlformats.org/officeDocument/2006/relationships" xmlns:p="http://schemas.openxmlformats.org/presentationml/2006/main">
   <p:cSld>
     <p:spTree>
@@ -12486,7 +12152,7 @@
 </p:sld>
 </file>
 
-<file path=ppt/slides/slide23.xml><?xml version="1.0" encoding="utf-8"?>
+<file path=ppt/slides/slide22.xml><?xml version="1.0" encoding="utf-8"?>
 <p:sld xmlns:a="http://schemas.openxmlformats.org/drawingml/2006/main" xmlns:r="http://schemas.openxmlformats.org/officeDocument/2006/relationships" xmlns:p="http://schemas.openxmlformats.org/presentationml/2006/main">
   <p:cSld>
     <p:spTree>
@@ -12615,7 +12281,7 @@
 </p:sld>
 </file>
 
-<file path=ppt/slides/slide24.xml><?xml version="1.0" encoding="utf-8"?>
+<file path=ppt/slides/slide23.xml><?xml version="1.0" encoding="utf-8"?>
 <p:sld xmlns:a="http://schemas.openxmlformats.org/drawingml/2006/main" xmlns:r="http://schemas.openxmlformats.org/officeDocument/2006/relationships" xmlns:p="http://schemas.openxmlformats.org/presentationml/2006/main">
   <p:cSld>
     <p:spTree>
@@ -12739,7 +12405,7 @@
 </p:sld>
 </file>
 
-<file path=ppt/slides/slide25.xml><?xml version="1.0" encoding="utf-8"?>
+<file path=ppt/slides/slide24.xml><?xml version="1.0" encoding="utf-8"?>
 <p:sld xmlns:a="http://schemas.openxmlformats.org/drawingml/2006/main" xmlns:r="http://schemas.openxmlformats.org/officeDocument/2006/relationships" xmlns:p="http://schemas.openxmlformats.org/presentationml/2006/main">
   <p:cSld>
     <p:spTree>
@@ -12955,7 +12621,7 @@
 </p:sld>
 </file>
 
-<file path=ppt/slides/slide26.xml><?xml version="1.0" encoding="utf-8"?>
+<file path=ppt/slides/slide25.xml><?xml version="1.0" encoding="utf-8"?>
 <p:sld xmlns:a="http://schemas.openxmlformats.org/drawingml/2006/main" xmlns:r="http://schemas.openxmlformats.org/officeDocument/2006/relationships" xmlns:p="http://schemas.openxmlformats.org/presentationml/2006/main">
   <p:cSld>
     <p:spTree>
@@ -13090,7 +12756,7 @@
 </p:sld>
 </file>
 
-<file path=ppt/slides/slide27.xml><?xml version="1.0" encoding="utf-8"?>
+<file path=ppt/slides/slide26.xml><?xml version="1.0" encoding="utf-8"?>
 <p:sld xmlns:a="http://schemas.openxmlformats.org/drawingml/2006/main" xmlns:r="http://schemas.openxmlformats.org/officeDocument/2006/relationships" xmlns:p="http://schemas.openxmlformats.org/presentationml/2006/main">
   <p:cSld>
     <p:spTree>
@@ -13322,6 +12988,9 @@
           <a:p>
             <a:r>
               <a:rPr lang="en-US" sz="2200" u="sng">
+                <a:solidFill>
+                  <a:schemeClr val="tx1"/>
+                </a:solidFill>
                 <a:ea typeface="+mj-lt"/>
                 <a:cs typeface="+mj-lt"/>
               </a:rPr>
@@ -13334,14 +13003,45 @@
               <a:buChar char="•"/>
             </a:pPr>
             <a:r>
-              <a:rPr lang="en-GB" sz="2200">
+              <a:rPr lang="en-GB" sz="2200" b="0" i="0">
+                <a:solidFill>
+                  <a:schemeClr val="tx1"/>
+                </a:solidFill>
+                <a:effectLst/>
                 <a:latin typeface="+mn-lt"/>
-                <a:ea typeface="Calibri" panose="020F0502020204030204" pitchFamily="34" charset="0"/>
-                <a:cs typeface="Times New Roman"/>
-              </a:rPr>
-              <a:t>You are expected to wear a face covering </a:t>
-            </a:r>
-            <a:endParaRPr lang="en-GB" sz="2200"/>
+              </a:rPr>
+              <a:t>While infection rates remain high, we encourage all members of our community to continue wearing face coverings in most indoor settings on campus, including Graduate School workshops</a:t>
+            </a:r>
+          </a:p>
+          <a:p>
+            <a:endParaRPr lang="en-US" sz="2200" u="sng">
+              <a:solidFill>
+                <a:schemeClr val="tx1"/>
+              </a:solidFill>
+              <a:ea typeface="+mj-lt"/>
+              <a:cs typeface="+mj-lt"/>
+            </a:endParaRPr>
+          </a:p>
+          <a:p>
+            <a:r>
+              <a:rPr lang="en-US" sz="2200" u="sng">
+                <a:solidFill>
+                  <a:schemeClr val="tx1"/>
+                </a:solidFill>
+                <a:latin typeface="+mn-lt"/>
+                <a:ea typeface="+mj-lt"/>
+                <a:cs typeface="+mj-lt"/>
+              </a:rPr>
+              <a:t>Hygiene</a:t>
+            </a:r>
+            <a:endParaRPr lang="en-GB" sz="2200" u="sng">
+              <a:solidFill>
+                <a:schemeClr val="tx1"/>
+              </a:solidFill>
+              <a:latin typeface="+mn-lt"/>
+              <a:ea typeface="Calibri" panose="020F0502020204030204" pitchFamily="34" charset="0"/>
+              <a:cs typeface="Times New Roman"/>
+            </a:endParaRPr>
           </a:p>
           <a:p>
             <a:pPr marL="457200" indent="-457200">
@@ -13350,67 +13050,30 @@
             </a:pPr>
             <a:r>
               <a:rPr lang="en-US" sz="2200">
-                <a:ea typeface="+mj-lt"/>
-                <a:cs typeface="+mj-lt"/>
-              </a:rPr>
-              <a:t>Tutors will deliver their workshop 2 meters distance from you </a:t>
-            </a:r>
-          </a:p>
-          <a:p>
-            <a:endParaRPr lang="en-US" sz="2200" u="sng">
-              <a:latin typeface="+mn-lt"/>
-              <a:ea typeface="+mj-lt"/>
-              <a:cs typeface="+mj-lt"/>
-            </a:endParaRPr>
-          </a:p>
-          <a:p>
-            <a:r>
-              <a:rPr lang="en-US" sz="2200" u="sng">
-                <a:latin typeface="+mn-lt"/>
-                <a:ea typeface="+mj-lt"/>
-                <a:cs typeface="+mj-lt"/>
-              </a:rPr>
-              <a:t>Hygiene</a:t>
-            </a:r>
-            <a:endParaRPr lang="en-GB" sz="2200" u="sng">
-              <a:latin typeface="+mn-lt"/>
-              <a:ea typeface="Calibri" panose="020F0502020204030204" pitchFamily="34" charset="0"/>
-              <a:cs typeface="Times New Roman"/>
-            </a:endParaRPr>
-          </a:p>
-          <a:p>
-            <a:pPr marL="457200" indent="-457200">
-              <a:buFont typeface="Arial" panose="020B0604020202020204" pitchFamily="34" charset="0"/>
-              <a:buChar char="•"/>
-            </a:pPr>
-            <a:r>
-              <a:rPr lang="en-US" sz="2200"/>
+                <a:solidFill>
+                  <a:schemeClr val="tx1"/>
+                </a:solidFill>
+              </a:rPr>
               <a:t>Where hand </a:t>
             </a:r>
             <a:r>
-              <a:rPr lang="en-US" sz="2200" err="1"/>
+              <a:rPr lang="en-US" sz="2200" err="1">
+                <a:solidFill>
+                  <a:schemeClr val="tx1"/>
+                </a:solidFill>
+              </a:rPr>
               <a:t>sanitiser</a:t>
             </a:r>
             <a:r>
-              <a:rPr lang="en-US" sz="2200"/>
+              <a:rPr lang="en-US" sz="2200">
+                <a:solidFill>
+                  <a:schemeClr val="tx1"/>
+                </a:solidFill>
+              </a:rPr>
               <a:t> is available, please use it</a:t>
             </a:r>
           </a:p>
           <a:p>
-            <a:pPr marL="457200" indent="-457200">
-              <a:buFont typeface="Arial" panose="020B0604020202020204" pitchFamily="34" charset="0"/>
-              <a:buChar char="•"/>
-            </a:pPr>
-            <a:r>
-              <a:rPr lang="en-US" sz="2200"/>
-              <a:t>Please wipe down any communal/shared course materials/equipment </a:t>
-            </a:r>
-          </a:p>
-          <a:p>
-            <a:pPr marL="457200" indent="-457200">
-              <a:buFont typeface="Arial" panose="020B0604020202020204" pitchFamily="34" charset="0"/>
-              <a:buChar char="•"/>
-            </a:pPr>
             <a:endParaRPr lang="en-US" sz="2400"/>
           </a:p>
         </p:txBody>
@@ -13418,7 +13081,7 @@
     </p:spTree>
     <p:extLst>
       <p:ext uri="{BB962C8B-B14F-4D97-AF65-F5344CB8AC3E}">
-        <p14:creationId xmlns:p14="http://schemas.microsoft.com/office/powerpoint/2010/main" val="1276563112"/>
+        <p14:creationId xmlns:p14="http://schemas.microsoft.com/office/powerpoint/2010/main" val="70908208"/>
       </p:ext>
     </p:extLst>
   </p:cSld>
@@ -13447,133 +13110,198 @@
       </p:grpSpPr>
       <p:sp>
         <p:nvSpPr>
-          <p:cNvPr id="4" name="Title 1"/>
-          <p:cNvSpPr txBox="1">
-            <a:spLocks/>
-          </p:cNvSpPr>
-          <p:nvPr/>
-        </p:nvSpPr>
-        <p:spPr>
-          <a:xfrm>
-            <a:off x="401319" y="472966"/>
-            <a:ext cx="5558047" cy="930165"/>
-          </a:xfrm>
-          <a:prstGeom prst="rect">
-            <a:avLst/>
-          </a:prstGeom>
-        </p:spPr>
-        <p:txBody>
-          <a:bodyPr anchor="b"/>
-          <a:lstStyle>
-            <a:lvl1pPr algn="l" defTabSz="457200" rtl="0" eaLnBrk="1" latinLnBrk="0" hangingPunct="1">
-              <a:lnSpc>
-                <a:spcPct val="90000"/>
-              </a:lnSpc>
-              <a:spcBef>
-                <a:spcPct val="0"/>
-              </a:spcBef>
-              <a:buNone/>
-              <a:defRPr sz="4000" b="1" i="0" kern="1200" baseline="0">
-                <a:solidFill>
-                  <a:schemeClr val="tx2"/>
-                </a:solidFill>
-                <a:latin typeface="+mj-lt"/>
-                <a:ea typeface="+mj-ea"/>
-                <a:cs typeface="MetaOT-Bold"/>
-              </a:defRPr>
-            </a:lvl1pPr>
-          </a:lstStyle>
-          <a:p>
-            <a:r>
-              <a:rPr lang="en-US" sz="3200">
-                <a:solidFill>
-                  <a:schemeClr val="accent3"/>
-                </a:solidFill>
-              </a:rPr>
-              <a:t>Expectations:  Covid-safe teaching environments</a:t>
-            </a:r>
-          </a:p>
-        </p:txBody>
-      </p:sp>
-      <p:sp>
-        <p:nvSpPr>
-          <p:cNvPr id="5" name="Subtitle 2"/>
+          <p:cNvPr id="2" name="Title 1"/>
           <p:cNvSpPr>
             <a:spLocks noGrp="1"/>
           </p:cNvSpPr>
           <p:nvPr>
-            <p:ph type="subTitle" idx="1"/>
+            <p:ph type="title"/>
+          </p:nvPr>
+        </p:nvSpPr>
+        <p:spPr/>
+        <p:txBody>
+          <a:bodyPr/>
+          <a:lstStyle/>
+          <a:p>
+            <a:r>
+              <a:rPr lang="en-GB" sz="4000" dirty="0"/>
+              <a:t>Learning Outcomes</a:t>
+            </a:r>
+          </a:p>
+        </p:txBody>
+      </p:sp>
+      <p:sp>
+        <p:nvSpPr>
+          <p:cNvPr id="3" name="Content Placeholder 2"/>
+          <p:cNvSpPr>
+            <a:spLocks noGrp="1"/>
+          </p:cNvSpPr>
+          <p:nvPr>
+            <p:ph idx="1"/>
           </p:nvPr>
         </p:nvSpPr>
         <p:spPr>
           <a:xfrm>
-            <a:off x="189186" y="1450427"/>
-            <a:ext cx="8797158" cy="4020208"/>
+            <a:off x="457200" y="1600200"/>
+            <a:ext cx="8435280" cy="4876800"/>
           </a:xfrm>
         </p:spPr>
         <p:txBody>
-          <a:bodyPr lIns="91440" tIns="45720" rIns="91440" bIns="45720" anchor="t"/>
+          <a:bodyPr>
+            <a:normAutofit/>
+          </a:bodyPr>
           <a:lstStyle/>
           <a:p>
-            <a:r>
-              <a:rPr lang="en-US" sz="2200" u="sng"/>
-              <a:t>For the purpose of contact tracing</a:t>
-            </a:r>
-            <a:endParaRPr lang="en-US" sz="2200"/>
-          </a:p>
-          <a:p>
-            <a:endParaRPr lang="en-US" sz="2200"/>
-          </a:p>
-          <a:p>
-            <a:r>
-              <a:rPr lang="en-US" sz="2200"/>
-              <a:t>For our standard workshops:</a:t>
-            </a:r>
-          </a:p>
-          <a:p>
-            <a:pPr marL="342900" indent="-342900">
-              <a:buFont typeface="Arial" panose="020B0604020202020204" pitchFamily="34" charset="0"/>
-              <a:buChar char="•"/>
+            <a:pPr marL="0" lvl="0" indent="0" fontAlgn="base">
+              <a:spcBef>
+                <a:spcPts val="600"/>
+              </a:spcBef>
+              <a:spcAft>
+                <a:spcPts val="600"/>
+              </a:spcAft>
+              <a:buNone/>
             </a:pPr>
             <a:r>
-              <a:rPr lang="en-US" sz="2200"/>
-              <a:t>We will provide the CCT Hub with the complete list of attendees at this workshop</a:t>
-            </a:r>
-          </a:p>
-          <a:p>
-            <a:endParaRPr lang="en-US" sz="2200"/>
-          </a:p>
-          <a:p>
-            <a:r>
-              <a:rPr lang="en-US" sz="2200"/>
-              <a:t>Where our workshops are held in lecture theatres:</a:t>
-            </a:r>
-          </a:p>
-          <a:p>
-            <a:pPr marL="342900" indent="-342900">
-              <a:buFont typeface="Arial" panose="020B0604020202020204" pitchFamily="34" charset="0"/>
-              <a:buChar char="•"/>
+              <a:rPr lang="en-GB" sz="100" dirty="0"/>
+              <a:t> </a:t>
+            </a:r>
+          </a:p>
+          <a:p>
+            <a:r>
+              <a:rPr lang="en-GB" sz="2400" b="1" dirty="0"/>
+              <a:t>Recognise</a:t>
+            </a:r>
+            <a:r>
+              <a:rPr lang="en-GB" sz="2400" dirty="0"/>
+              <a:t> the advantages of </a:t>
+            </a:r>
+            <a:r>
+              <a:rPr lang="en-GB" sz="2400" dirty="0" err="1"/>
+              <a:t>LaTeX</a:t>
+            </a:r>
+            <a:r>
+              <a:rPr lang="en-GB" sz="2400" dirty="0"/>
+              <a:t> and its applications in the wider context of typesetting</a:t>
+            </a:r>
+          </a:p>
+          <a:p>
+            <a:endParaRPr lang="en-GB" sz="100" dirty="0"/>
+          </a:p>
+          <a:p>
+            <a:endParaRPr lang="en-GB" sz="100" dirty="0"/>
+          </a:p>
+          <a:p>
+            <a:endParaRPr lang="en-GB" sz="100" dirty="0"/>
+          </a:p>
+          <a:p>
+            <a:r>
+              <a:rPr lang="en-GB" sz="2400" b="1" dirty="0"/>
+              <a:t>Identify</a:t>
+            </a:r>
+            <a:r>
+              <a:rPr lang="en-GB" sz="2400" dirty="0"/>
+              <a:t> the key features for reading and compiling an existing .</a:t>
+            </a:r>
+            <a:r>
+              <a:rPr lang="en-GB" sz="2400" dirty="0" err="1"/>
+              <a:t>tex</a:t>
+            </a:r>
+            <a:r>
+              <a:rPr lang="en-GB" sz="2400" dirty="0"/>
+              <a:t> document</a:t>
+            </a:r>
+          </a:p>
+          <a:p>
+            <a:endParaRPr lang="en-GB" sz="100" dirty="0"/>
+          </a:p>
+          <a:p>
+            <a:endParaRPr lang="en-GB" sz="100" dirty="0"/>
+          </a:p>
+          <a:p>
+            <a:endParaRPr lang="en-GB" sz="100" dirty="0"/>
+          </a:p>
+          <a:p>
+            <a:r>
+              <a:rPr lang="en-GB" sz="2400" b="1" dirty="0"/>
+              <a:t>Develop</a:t>
+            </a:r>
+            <a:r>
+              <a:rPr lang="en-GB" sz="2400" dirty="0"/>
+              <a:t> new technical documents from simple templates</a:t>
+            </a:r>
+          </a:p>
+          <a:p>
+            <a:endParaRPr lang="en-GB" sz="100" dirty="0"/>
+          </a:p>
+          <a:p>
+            <a:endParaRPr lang="en-GB" sz="100" dirty="0"/>
+          </a:p>
+          <a:p>
+            <a:endParaRPr lang="en-GB" sz="100" dirty="0"/>
+          </a:p>
+          <a:p>
+            <a:r>
+              <a:rPr lang="en-GB" sz="2400" b="1" dirty="0"/>
+              <a:t>Create</a:t>
+            </a:r>
+            <a:r>
+              <a:rPr lang="en-GB" sz="2400" dirty="0"/>
+              <a:t> simple equations, figures, tables, lists and references within </a:t>
+            </a:r>
+            <a:r>
+              <a:rPr lang="en-GB" sz="2400" dirty="0" err="1"/>
+              <a:t>LaTeX</a:t>
+            </a:r>
+            <a:endParaRPr lang="en-GB" sz="2400" dirty="0"/>
+          </a:p>
+          <a:p>
+            <a:endParaRPr lang="en-GB" sz="400" dirty="0"/>
+          </a:p>
+          <a:p>
+            <a:endParaRPr lang="en-GB" sz="400" dirty="0"/>
+          </a:p>
+          <a:p>
+            <a:r>
+              <a:rPr lang="en-GB" sz="2400" b="1" dirty="0"/>
+              <a:t>Assess</a:t>
+            </a:r>
+            <a:r>
+              <a:rPr lang="en-GB" sz="2400" dirty="0"/>
+              <a:t> and troubleshoot common compiler problems and use online aid tools</a:t>
+            </a:r>
+          </a:p>
+          <a:p>
+            <a:pPr marL="0" lvl="0" indent="0" fontAlgn="base">
+              <a:spcBef>
+                <a:spcPts val="600"/>
+              </a:spcBef>
+              <a:spcAft>
+                <a:spcPts val="600"/>
+              </a:spcAft>
+              <a:buNone/>
             </a:pPr>
-            <a:r>
-              <a:rPr lang="en-US" sz="2200"/>
-              <a:t>You should keep a record of colleagues that you are sat in close contact with (within 2 meters)</a:t>
-            </a:r>
-          </a:p>
-          <a:p>
-            <a:endParaRPr lang="en-US"/>
+            <a:endParaRPr lang="en-GB" sz="2400" dirty="0"/>
           </a:p>
         </p:txBody>
       </p:sp>
     </p:spTree>
     <p:extLst>
       <p:ext uri="{BB962C8B-B14F-4D97-AF65-F5344CB8AC3E}">
-        <p14:creationId xmlns:p14="http://schemas.microsoft.com/office/powerpoint/2010/main" val="874946642"/>
+        <p14:creationId xmlns:p14="http://schemas.microsoft.com/office/powerpoint/2010/main" val="3248724752"/>
       </p:ext>
     </p:extLst>
   </p:cSld>
   <p:clrMapOvr>
     <a:masterClrMapping/>
   </p:clrMapOvr>
+  <mc:AlternateContent xmlns:mc="http://schemas.openxmlformats.org/markup-compatibility/2006" xmlns:p14="http://schemas.microsoft.com/office/powerpoint/2010/main">
+    <mc:Choice Requires="p14">
+      <p:transition p14:dur="10"/>
+    </mc:Choice>
+    <mc:Fallback xmlns="">
+      <p:transition/>
+    </mc:Fallback>
+  </mc:AlternateContent>
 </p:sld>
 </file>
 
@@ -13610,9 +13338,10 @@
           <a:lstStyle/>
           <a:p>
             <a:r>
-              <a:rPr lang="en-GB" sz="4000" dirty="0"/>
-              <a:t>Learning Outcomes</a:t>
-            </a:r>
+              <a:rPr lang="en-GB" sz="4000" dirty="0" err="1"/>
+              <a:t>LaTeX</a:t>
+            </a:r>
+            <a:endParaRPr lang="en-GB" sz="4000" dirty="0"/>
           </a:p>
         </p:txBody>
       </p:sp>
@@ -13638,6 +13367,48 @@
           </a:bodyPr>
           <a:lstStyle/>
           <a:p>
+            <a:pPr fontAlgn="base">
+              <a:spcBef>
+                <a:spcPts val="600"/>
+              </a:spcBef>
+              <a:spcAft>
+                <a:spcPts val="600"/>
+              </a:spcAft>
+            </a:pPr>
+            <a:r>
+              <a:rPr lang="en-GB" sz="2400" dirty="0"/>
+              <a:t>What is LaTeX?</a:t>
+            </a:r>
+          </a:p>
+          <a:p>
+            <a:pPr fontAlgn="base">
+              <a:spcBef>
+                <a:spcPts val="600"/>
+              </a:spcBef>
+              <a:spcAft>
+                <a:spcPts val="600"/>
+              </a:spcAft>
+            </a:pPr>
+            <a:r>
+              <a:rPr lang="en-US" sz="2400" dirty="0"/>
+              <a:t>How do I use it?</a:t>
+            </a:r>
+          </a:p>
+          <a:p>
+            <a:pPr fontAlgn="base">
+              <a:spcBef>
+                <a:spcPts val="600"/>
+              </a:spcBef>
+              <a:spcAft>
+                <a:spcPts val="600"/>
+              </a:spcAft>
+            </a:pPr>
+            <a:r>
+              <a:rPr lang="en-US" sz="2400" dirty="0"/>
+              <a:t>Why would I use it?</a:t>
+            </a:r>
+          </a:p>
+          <a:p>
             <a:pPr marL="0" lvl="0" indent="0" fontAlgn="base">
               <a:spcBef>
                 <a:spcPts val="600"/>
@@ -13647,114 +13418,7 @@
               </a:spcAft>
               <a:buNone/>
             </a:pPr>
-            <a:r>
-              <a:rPr lang="en-GB" sz="100" dirty="0"/>
-              <a:t> </a:t>
-            </a:r>
-          </a:p>
-          <a:p>
-            <a:r>
-              <a:rPr lang="en-GB" sz="2400" b="1" dirty="0"/>
-              <a:t>Recognise</a:t>
-            </a:r>
-            <a:r>
-              <a:rPr lang="en-GB" sz="2400" dirty="0"/>
-              <a:t> the advantages of </a:t>
-            </a:r>
-            <a:r>
-              <a:rPr lang="en-GB" sz="2400" dirty="0" err="1"/>
-              <a:t>LaTeX</a:t>
-            </a:r>
-            <a:r>
-              <a:rPr lang="en-GB" sz="2400" dirty="0"/>
-              <a:t> and its applications in the wider context of typesetting</a:t>
-            </a:r>
-          </a:p>
-          <a:p>
-            <a:endParaRPr lang="en-GB" sz="100" dirty="0"/>
-          </a:p>
-          <a:p>
-            <a:endParaRPr lang="en-GB" sz="100" dirty="0"/>
-          </a:p>
-          <a:p>
-            <a:endParaRPr lang="en-GB" sz="100" dirty="0"/>
-          </a:p>
-          <a:p>
-            <a:r>
-              <a:rPr lang="en-GB" sz="2400" b="1" dirty="0"/>
-              <a:t>Identify</a:t>
-            </a:r>
-            <a:r>
-              <a:rPr lang="en-GB" sz="2400" dirty="0"/>
-              <a:t> the key features for reading and compiling an existing .</a:t>
-            </a:r>
-            <a:r>
-              <a:rPr lang="en-GB" sz="2400" dirty="0" err="1"/>
-              <a:t>tex</a:t>
-            </a:r>
-            <a:r>
-              <a:rPr lang="en-GB" sz="2400" dirty="0"/>
-              <a:t> document</a:t>
-            </a:r>
-          </a:p>
-          <a:p>
-            <a:endParaRPr lang="en-GB" sz="100" dirty="0"/>
-          </a:p>
-          <a:p>
-            <a:endParaRPr lang="en-GB" sz="100" dirty="0"/>
-          </a:p>
-          <a:p>
-            <a:endParaRPr lang="en-GB" sz="100" dirty="0"/>
-          </a:p>
-          <a:p>
-            <a:r>
-              <a:rPr lang="en-GB" sz="2400" b="1" dirty="0"/>
-              <a:t>Develop</a:t>
-            </a:r>
-            <a:r>
-              <a:rPr lang="en-GB" sz="2400" dirty="0"/>
-              <a:t> new technical documents from simple templates</a:t>
-            </a:r>
-          </a:p>
-          <a:p>
-            <a:endParaRPr lang="en-GB" sz="100" dirty="0"/>
-          </a:p>
-          <a:p>
-            <a:endParaRPr lang="en-GB" sz="100" dirty="0"/>
-          </a:p>
-          <a:p>
-            <a:endParaRPr lang="en-GB" sz="100" dirty="0"/>
-          </a:p>
-          <a:p>
-            <a:r>
-              <a:rPr lang="en-GB" sz="2400" b="1" dirty="0"/>
-              <a:t>Create</a:t>
-            </a:r>
-            <a:r>
-              <a:rPr lang="en-GB" sz="2400" dirty="0"/>
-              <a:t> simple equations, figures, tables, lists and references within </a:t>
-            </a:r>
-            <a:r>
-              <a:rPr lang="en-GB" sz="2400" dirty="0" err="1"/>
-              <a:t>LaTeX</a:t>
-            </a:r>
-            <a:endParaRPr lang="en-GB" sz="2400" dirty="0"/>
-          </a:p>
-          <a:p>
-            <a:endParaRPr lang="en-GB" sz="400" dirty="0"/>
-          </a:p>
-          <a:p>
-            <a:endParaRPr lang="en-GB" sz="400" dirty="0"/>
-          </a:p>
-          <a:p>
-            <a:r>
-              <a:rPr lang="en-GB" sz="2400" b="1" dirty="0"/>
-              <a:t>Assess</a:t>
-            </a:r>
-            <a:r>
-              <a:rPr lang="en-GB" sz="2400" dirty="0"/>
-              <a:t> and troubleshoot common compiler problems and use online aid tools</a:t>
-            </a:r>
+            <a:endParaRPr lang="en-US" sz="2400" dirty="0"/>
           </a:p>
           <a:p>
             <a:pPr marL="0" lvl="0" indent="0" fontAlgn="base">
@@ -13773,7 +13437,7 @@
     </p:spTree>
     <p:extLst>
       <p:ext uri="{BB962C8B-B14F-4D97-AF65-F5344CB8AC3E}">
-        <p14:creationId xmlns:p14="http://schemas.microsoft.com/office/powerpoint/2010/main" val="3248724752"/>
+        <p14:creationId xmlns:p14="http://schemas.microsoft.com/office/powerpoint/2010/main" val="764725023"/>
       </p:ext>
     </p:extLst>
   </p:cSld>
@@ -13824,156 +13488,6 @@
           <a:lstStyle/>
           <a:p>
             <a:r>
-              <a:rPr lang="en-GB" sz="4000" dirty="0" err="1"/>
-              <a:t>LaTeX</a:t>
-            </a:r>
-            <a:endParaRPr lang="en-GB" sz="4000" dirty="0"/>
-          </a:p>
-        </p:txBody>
-      </p:sp>
-      <p:sp>
-        <p:nvSpPr>
-          <p:cNvPr id="3" name="Content Placeholder 2"/>
-          <p:cNvSpPr>
-            <a:spLocks noGrp="1"/>
-          </p:cNvSpPr>
-          <p:nvPr>
-            <p:ph idx="1"/>
-          </p:nvPr>
-        </p:nvSpPr>
-        <p:spPr>
-          <a:xfrm>
-            <a:off x="457200" y="1600200"/>
-            <a:ext cx="8435280" cy="4876800"/>
-          </a:xfrm>
-        </p:spPr>
-        <p:txBody>
-          <a:bodyPr>
-            <a:normAutofit/>
-          </a:bodyPr>
-          <a:lstStyle/>
-          <a:p>
-            <a:pPr fontAlgn="base">
-              <a:spcBef>
-                <a:spcPts val="600"/>
-              </a:spcBef>
-              <a:spcAft>
-                <a:spcPts val="600"/>
-              </a:spcAft>
-            </a:pPr>
-            <a:r>
-              <a:rPr lang="en-GB" sz="2400" dirty="0"/>
-              <a:t>What is LaTeX?</a:t>
-            </a:r>
-          </a:p>
-          <a:p>
-            <a:pPr fontAlgn="base">
-              <a:spcBef>
-                <a:spcPts val="600"/>
-              </a:spcBef>
-              <a:spcAft>
-                <a:spcPts val="600"/>
-              </a:spcAft>
-            </a:pPr>
-            <a:r>
-              <a:rPr lang="en-US" sz="2400" dirty="0"/>
-              <a:t>How do I use it?</a:t>
-            </a:r>
-          </a:p>
-          <a:p>
-            <a:pPr fontAlgn="base">
-              <a:spcBef>
-                <a:spcPts val="600"/>
-              </a:spcBef>
-              <a:spcAft>
-                <a:spcPts val="600"/>
-              </a:spcAft>
-            </a:pPr>
-            <a:r>
-              <a:rPr lang="en-US" sz="2400" dirty="0"/>
-              <a:t>Why would I use it?</a:t>
-            </a:r>
-          </a:p>
-          <a:p>
-            <a:pPr marL="0" lvl="0" indent="0" fontAlgn="base">
-              <a:spcBef>
-                <a:spcPts val="600"/>
-              </a:spcBef>
-              <a:spcAft>
-                <a:spcPts val="600"/>
-              </a:spcAft>
-              <a:buNone/>
-            </a:pPr>
-            <a:endParaRPr lang="en-US" sz="2400" dirty="0"/>
-          </a:p>
-          <a:p>
-            <a:pPr marL="0" lvl="0" indent="0" fontAlgn="base">
-              <a:spcBef>
-                <a:spcPts val="600"/>
-              </a:spcBef>
-              <a:spcAft>
-                <a:spcPts val="600"/>
-              </a:spcAft>
-              <a:buNone/>
-            </a:pPr>
-            <a:endParaRPr lang="en-GB" sz="2400" dirty="0"/>
-          </a:p>
-        </p:txBody>
-      </p:sp>
-    </p:spTree>
-    <p:extLst>
-      <p:ext uri="{BB962C8B-B14F-4D97-AF65-F5344CB8AC3E}">
-        <p14:creationId xmlns:p14="http://schemas.microsoft.com/office/powerpoint/2010/main" val="764725023"/>
-      </p:ext>
-    </p:extLst>
-  </p:cSld>
-  <p:clrMapOvr>
-    <a:masterClrMapping/>
-  </p:clrMapOvr>
-  <mc:AlternateContent xmlns:mc="http://schemas.openxmlformats.org/markup-compatibility/2006" xmlns:p14="http://schemas.microsoft.com/office/powerpoint/2010/main">
-    <mc:Choice Requires="p14">
-      <p:transition p14:dur="10"/>
-    </mc:Choice>
-    <mc:Fallback xmlns="">
-      <p:transition/>
-    </mc:Fallback>
-  </mc:AlternateContent>
-</p:sld>
-</file>
-
-<file path=ppt/slides/slide7.xml><?xml version="1.0" encoding="utf-8"?>
-<p:sld xmlns:a="http://schemas.openxmlformats.org/drawingml/2006/main" xmlns:r="http://schemas.openxmlformats.org/officeDocument/2006/relationships" xmlns:p="http://schemas.openxmlformats.org/presentationml/2006/main">
-  <p:cSld>
-    <p:spTree>
-      <p:nvGrpSpPr>
-        <p:cNvPr id="1" name=""/>
-        <p:cNvGrpSpPr/>
-        <p:nvPr/>
-      </p:nvGrpSpPr>
-      <p:grpSpPr>
-        <a:xfrm>
-          <a:off x="0" y="0"/>
-          <a:ext cx="0" cy="0"/>
-          <a:chOff x="0" y="0"/>
-          <a:chExt cx="0" cy="0"/>
-        </a:xfrm>
-      </p:grpSpPr>
-      <p:sp>
-        <p:nvSpPr>
-          <p:cNvPr id="2" name="Title 1"/>
-          <p:cNvSpPr>
-            <a:spLocks noGrp="1"/>
-          </p:cNvSpPr>
-          <p:nvPr>
-            <p:ph type="title"/>
-          </p:nvPr>
-        </p:nvSpPr>
-        <p:spPr/>
-        <p:txBody>
-          <a:bodyPr/>
-          <a:lstStyle/>
-          <a:p>
-            <a:r>
               <a:rPr lang="en-GB" sz="4000" dirty="0"/>
               <a:t>Overleaf</a:t>
             </a:r>
@@ -14145,7 +13659,7 @@
 </p:sld>
 </file>
 
-<file path=ppt/slides/slide8.xml><?xml version="1.0" encoding="utf-8"?>
+<file path=ppt/slides/slide7.xml><?xml version="1.0" encoding="utf-8"?>
 <p:sld xmlns:a="http://schemas.openxmlformats.org/drawingml/2006/main" xmlns:r="http://schemas.openxmlformats.org/officeDocument/2006/relationships" xmlns:p="http://schemas.openxmlformats.org/presentationml/2006/main">
   <p:cSld>
     <p:spTree>
@@ -14824,7 +14338,7 @@
 </p:sld>
 </file>
 
-<file path=ppt/slides/slide9.xml><?xml version="1.0" encoding="utf-8"?>
+<file path=ppt/slides/slide8.xml><?xml version="1.0" encoding="utf-8"?>
 <p:sld xmlns:a="http://schemas.openxmlformats.org/drawingml/2006/main" xmlns:r="http://schemas.openxmlformats.org/officeDocument/2006/relationships" xmlns:p="http://schemas.openxmlformats.org/presentationml/2006/main">
   <p:cSld>
     <p:spTree>
@@ -15115,6 +14629,338 @@
     <p:extLst>
       <p:ext uri="{BB962C8B-B14F-4D97-AF65-F5344CB8AC3E}">
         <p14:creationId xmlns:p14="http://schemas.microsoft.com/office/powerpoint/2010/main" val="2300732235"/>
+      </p:ext>
+    </p:extLst>
+  </p:cSld>
+  <p:clrMapOvr>
+    <a:masterClrMapping/>
+  </p:clrMapOvr>
+  <mc:AlternateContent xmlns:mc="http://schemas.openxmlformats.org/markup-compatibility/2006" xmlns:p14="http://schemas.microsoft.com/office/powerpoint/2010/main">
+    <mc:Choice Requires="p14">
+      <p:transition p14:dur="10"/>
+    </mc:Choice>
+    <mc:Fallback xmlns="">
+      <p:transition/>
+    </mc:Fallback>
+  </mc:AlternateContent>
+</p:sld>
+</file>
+
+<file path=ppt/slides/slide9.xml><?xml version="1.0" encoding="utf-8"?>
+<p:sld xmlns:a="http://schemas.openxmlformats.org/drawingml/2006/main" xmlns:r="http://schemas.openxmlformats.org/officeDocument/2006/relationships" xmlns:p="http://schemas.openxmlformats.org/presentationml/2006/main">
+  <p:cSld>
+    <p:spTree>
+      <p:nvGrpSpPr>
+        <p:cNvPr id="1" name=""/>
+        <p:cNvGrpSpPr/>
+        <p:nvPr/>
+      </p:nvGrpSpPr>
+      <p:grpSpPr>
+        <a:xfrm>
+          <a:off x="0" y="0"/>
+          <a:ext cx="0" cy="0"/>
+          <a:chOff x="0" y="0"/>
+          <a:chExt cx="0" cy="0"/>
+        </a:xfrm>
+      </p:grpSpPr>
+      <p:sp>
+        <p:nvSpPr>
+          <p:cNvPr id="2" name="Title 1"/>
+          <p:cNvSpPr>
+            <a:spLocks noGrp="1"/>
+          </p:cNvSpPr>
+          <p:nvPr>
+            <p:ph type="title"/>
+          </p:nvPr>
+        </p:nvSpPr>
+        <p:spPr/>
+        <p:txBody>
+          <a:bodyPr/>
+          <a:lstStyle/>
+          <a:p>
+            <a:r>
+              <a:rPr lang="en-GB" sz="4000" dirty="0"/>
+              <a:t>Chapters and Paragraphs</a:t>
+            </a:r>
+          </a:p>
+        </p:txBody>
+      </p:sp>
+      <p:cxnSp>
+        <p:nvCxnSpPr>
+          <p:cNvPr id="11" name="Straight Connector 10"/>
+          <p:cNvCxnSpPr/>
+          <p:nvPr/>
+        </p:nvCxnSpPr>
+        <p:spPr>
+          <a:xfrm>
+            <a:off x="4572000" y="1417638"/>
+            <a:ext cx="0" cy="5440362"/>
+          </a:xfrm>
+          <a:prstGeom prst="line">
+            <a:avLst/>
+          </a:prstGeom>
+        </p:spPr>
+        <p:style>
+          <a:lnRef idx="2">
+            <a:schemeClr val="accent1"/>
+          </a:lnRef>
+          <a:fillRef idx="0">
+            <a:schemeClr val="accent1"/>
+          </a:fillRef>
+          <a:effectRef idx="1">
+            <a:schemeClr val="accent1"/>
+          </a:effectRef>
+          <a:fontRef idx="minor">
+            <a:schemeClr val="tx1"/>
+          </a:fontRef>
+        </p:style>
+      </p:cxnSp>
+      <p:sp>
+        <p:nvSpPr>
+          <p:cNvPr id="8" name="TextBox 7"/>
+          <p:cNvSpPr txBox="1"/>
+          <p:nvPr/>
+        </p:nvSpPr>
+        <p:spPr>
+          <a:xfrm>
+            <a:off x="200528" y="2398061"/>
+            <a:ext cx="4263894" cy="2708434"/>
+          </a:xfrm>
+          <a:prstGeom prst="rect">
+            <a:avLst/>
+          </a:prstGeom>
+          <a:noFill/>
+        </p:spPr>
+        <p:txBody>
+          <a:bodyPr wrap="square" rtlCol="0">
+            <a:spAutoFit/>
+          </a:bodyPr>
+          <a:lstStyle/>
+          <a:p>
+            <a:r>
+              <a:rPr lang="en-GB" sz="2800" dirty="0">
+                <a:solidFill>
+                  <a:schemeClr val="tx2">
+                    <a:lumMod val="50000"/>
+                    <a:lumOff val="50000"/>
+                  </a:schemeClr>
+                </a:solidFill>
+                <a:latin typeface="+mj-lt"/>
+                <a:cs typeface="Courier New" panose="02070309020205020404" pitchFamily="49" charset="0"/>
+              </a:rPr>
+              <a:t>\chapter{</a:t>
+            </a:r>
+            <a:r>
+              <a:rPr lang="en-GB" sz="2800" dirty="0">
+                <a:latin typeface="+mj-lt"/>
+                <a:cs typeface="Courier New" panose="02070309020205020404" pitchFamily="49" charset="0"/>
+              </a:rPr>
+              <a:t>A Poem</a:t>
+            </a:r>
+            <a:r>
+              <a:rPr lang="en-GB" sz="2800" dirty="0">
+                <a:solidFill>
+                  <a:schemeClr val="tx2">
+                    <a:lumMod val="50000"/>
+                    <a:lumOff val="50000"/>
+                  </a:schemeClr>
+                </a:solidFill>
+                <a:latin typeface="+mj-lt"/>
+                <a:cs typeface="Courier New" panose="02070309020205020404" pitchFamily="49" charset="0"/>
+              </a:rPr>
+              <a:t>}</a:t>
+            </a:r>
+          </a:p>
+          <a:p>
+            <a:r>
+              <a:rPr lang="en-GB" sz="2800" dirty="0">
+                <a:solidFill>
+                  <a:schemeClr val="tx2">
+                    <a:lumMod val="50000"/>
+                    <a:lumOff val="50000"/>
+                  </a:schemeClr>
+                </a:solidFill>
+                <a:latin typeface="+mj-lt"/>
+                <a:cs typeface="Courier New" panose="02070309020205020404" pitchFamily="49" charset="0"/>
+              </a:rPr>
+              <a:t>\section{</a:t>
+            </a:r>
+            <a:r>
+              <a:rPr lang="en-GB" sz="2800" dirty="0">
+                <a:latin typeface="+mj-lt"/>
+                <a:cs typeface="Courier New" panose="02070309020205020404" pitchFamily="49" charset="0"/>
+              </a:rPr>
+              <a:t>The Cat</a:t>
+            </a:r>
+            <a:r>
+              <a:rPr lang="en-GB" sz="2800" dirty="0">
+                <a:solidFill>
+                  <a:schemeClr val="tx2">
+                    <a:lumMod val="50000"/>
+                    <a:lumOff val="50000"/>
+                  </a:schemeClr>
+                </a:solidFill>
+                <a:latin typeface="+mj-lt"/>
+                <a:cs typeface="Courier New" panose="02070309020205020404" pitchFamily="49" charset="0"/>
+              </a:rPr>
+              <a:t>}</a:t>
+            </a:r>
+          </a:p>
+          <a:p>
+            <a:r>
+              <a:rPr lang="en-GB" sz="2800" dirty="0">
+                <a:solidFill>
+                  <a:schemeClr val="tx2">
+                    <a:lumMod val="50000"/>
+                    <a:lumOff val="50000"/>
+                  </a:schemeClr>
+                </a:solidFill>
+                <a:latin typeface="+mj-lt"/>
+                <a:cs typeface="Courier New" panose="02070309020205020404" pitchFamily="49" charset="0"/>
+              </a:rPr>
+              <a:t>\subsection{</a:t>
+            </a:r>
+            <a:r>
+              <a:rPr lang="en-GB" sz="2800" dirty="0">
+                <a:latin typeface="+mj-lt"/>
+                <a:cs typeface="Courier New" panose="02070309020205020404" pitchFamily="49" charset="0"/>
+              </a:rPr>
+              <a:t>Sat On</a:t>
+            </a:r>
+            <a:r>
+              <a:rPr lang="en-GB" sz="2800" dirty="0">
+                <a:solidFill>
+                  <a:schemeClr val="tx2">
+                    <a:lumMod val="50000"/>
+                    <a:lumOff val="50000"/>
+                  </a:schemeClr>
+                </a:solidFill>
+                <a:latin typeface="+mj-lt"/>
+                <a:cs typeface="Courier New" panose="02070309020205020404" pitchFamily="49" charset="0"/>
+              </a:rPr>
+              <a:t>}</a:t>
+            </a:r>
+          </a:p>
+          <a:p>
+            <a:r>
+              <a:rPr lang="en-GB" sz="2800" dirty="0">
+                <a:solidFill>
+                  <a:schemeClr val="tx2">
+                    <a:lumMod val="50000"/>
+                    <a:lumOff val="50000"/>
+                  </a:schemeClr>
+                </a:solidFill>
+                <a:latin typeface="+mj-lt"/>
+                <a:cs typeface="Courier New" panose="02070309020205020404" pitchFamily="49" charset="0"/>
+              </a:rPr>
+              <a:t>\subsubsection{</a:t>
+            </a:r>
+            <a:r>
+              <a:rPr lang="en-GB" sz="2800" dirty="0">
+                <a:latin typeface="+mj-lt"/>
+                <a:cs typeface="Courier New" panose="02070309020205020404" pitchFamily="49" charset="0"/>
+              </a:rPr>
+              <a:t>The Mat</a:t>
+            </a:r>
+            <a:r>
+              <a:rPr lang="en-GB" sz="2800" dirty="0">
+                <a:solidFill>
+                  <a:schemeClr val="tx2">
+                    <a:lumMod val="50000"/>
+                    <a:lumOff val="50000"/>
+                  </a:schemeClr>
+                </a:solidFill>
+                <a:latin typeface="+mj-lt"/>
+                <a:cs typeface="Courier New" panose="02070309020205020404" pitchFamily="49" charset="0"/>
+              </a:rPr>
+              <a:t>}</a:t>
+            </a:r>
+          </a:p>
+          <a:p>
+            <a:r>
+              <a:rPr lang="en-GB" sz="2800" dirty="0">
+                <a:solidFill>
+                  <a:schemeClr val="tx2">
+                    <a:lumMod val="50000"/>
+                    <a:lumOff val="50000"/>
+                  </a:schemeClr>
+                </a:solidFill>
+                <a:latin typeface="+mj-lt"/>
+                <a:cs typeface="Courier New" panose="02070309020205020404" pitchFamily="49" charset="0"/>
+              </a:rPr>
+              <a:t>\paragraph{</a:t>
+            </a:r>
+            <a:r>
+              <a:rPr lang="en-GB" sz="2800" dirty="0">
+                <a:latin typeface="+mj-lt"/>
+                <a:cs typeface="Courier New" panose="02070309020205020404" pitchFamily="49" charset="0"/>
+              </a:rPr>
+              <a:t>Author</a:t>
+            </a:r>
+            <a:r>
+              <a:rPr lang="en-GB" sz="2800" dirty="0">
+                <a:solidFill>
+                  <a:schemeClr val="tx2">
+                    <a:lumMod val="50000"/>
+                    <a:lumOff val="50000"/>
+                  </a:schemeClr>
+                </a:solidFill>
+                <a:latin typeface="+mj-lt"/>
+                <a:cs typeface="Courier New" panose="02070309020205020404" pitchFamily="49" charset="0"/>
+              </a:rPr>
+              <a:t>}</a:t>
+            </a:r>
+            <a:r>
+              <a:rPr lang="en-GB" sz="2800" dirty="0">
+                <a:latin typeface="+mj-lt"/>
+                <a:cs typeface="Courier New" panose="02070309020205020404" pitchFamily="49" charset="0"/>
+              </a:rPr>
+              <a:t>Chris</a:t>
+            </a:r>
+          </a:p>
+          <a:p>
+            <a:endParaRPr lang="en-GB" sz="3000" dirty="0">
+              <a:solidFill>
+                <a:srgbClr val="0070C0"/>
+              </a:solidFill>
+            </a:endParaRPr>
+          </a:p>
+        </p:txBody>
+      </p:sp>
+      <p:pic>
+        <p:nvPicPr>
+          <p:cNvPr id="10" name="Picture 9">
+            <a:extLst>
+              <a:ext uri="{FF2B5EF4-FFF2-40B4-BE49-F238E27FC236}">
+                <a16:creationId xmlns:a16="http://schemas.microsoft.com/office/drawing/2014/main" id="{15508FF3-872A-4118-8CCE-C4035BAE22CB}"/>
+              </a:ext>
+            </a:extLst>
+          </p:cNvPr>
+          <p:cNvPicPr>
+            <a:picLocks noChangeAspect="1"/>
+          </p:cNvPicPr>
+          <p:nvPr/>
+        </p:nvPicPr>
+        <p:blipFill>
+          <a:blip r:embed="rId3"/>
+          <a:stretch>
+            <a:fillRect/>
+          </a:stretch>
+        </p:blipFill>
+        <p:spPr>
+          <a:xfrm>
+            <a:off x="5132068" y="1109041"/>
+            <a:ext cx="3528668" cy="5440362"/>
+          </a:xfrm>
+          <a:prstGeom prst="rect">
+            <a:avLst/>
+          </a:prstGeom>
+        </p:spPr>
+      </p:pic>
+    </p:spTree>
+    <p:extLst>
+      <p:ext uri="{BB962C8B-B14F-4D97-AF65-F5344CB8AC3E}">
+        <p14:creationId xmlns:p14="http://schemas.microsoft.com/office/powerpoint/2010/main" val="3436705082"/>
       </p:ext>
     </p:extLst>
   </p:cSld>

--- a/Intro to Latex Slides.pptx
+++ b/Intro to Latex Slides.pptx
@@ -13,7 +13,7 @@
   <p:sldIdLst>
     <p:sldId id="264" r:id="rId2"/>
     <p:sldId id="504" r:id="rId3"/>
-    <p:sldId id="258" r:id="rId4"/>
+    <p:sldId id="538" r:id="rId4"/>
     <p:sldId id="267" r:id="rId5"/>
     <p:sldId id="268" r:id="rId6"/>
     <p:sldId id="292" r:id="rId7"/>
@@ -142,7 +142,7 @@
           <p14:sldIdLst>
             <p14:sldId id="264"/>
             <p14:sldId id="504"/>
-            <p14:sldId id="258"/>
+            <p14:sldId id="538"/>
             <p14:sldId id="267"/>
             <p14:sldId id="268"/>
             <p14:sldId id="292"/>
@@ -440,7 +440,7 @@
           <a:p>
             <a:fld id="{88EB714B-C3CC-4216-88C1-02913905B1CF}" type="datetimeFigureOut">
               <a:rPr lang="en-GB" smtClean="0"/>
-              <a:t>08/03/2022</a:t>
+              <a:t>08/04/2022</a:t>
             </a:fld>
             <a:endParaRPr lang="en-GB"/>
           </a:p>
@@ -4466,7 +4466,7 @@
           <a:p>
             <a:fld id="{EB0080F8-EA1C-491D-963C-2C881B2F918F}" type="datetimeFigureOut">
               <a:rPr lang="en-GB" smtClean="0"/>
-              <a:t>08/03/2022</a:t>
+              <a:t>08/04/2022</a:t>
             </a:fld>
             <a:endParaRPr lang="en-GB"/>
           </a:p>
@@ -4616,7 +4616,7 @@
           <a:p>
             <a:fld id="{EB0080F8-EA1C-491D-963C-2C881B2F918F}" type="datetimeFigureOut">
               <a:rPr lang="en-GB" smtClean="0"/>
-              <a:t>08/03/2022</a:t>
+              <a:t>08/04/2022</a:t>
             </a:fld>
             <a:endParaRPr lang="en-GB"/>
           </a:p>
@@ -6149,7 +6149,7 @@
           <a:p>
             <a:fld id="{EB0080F8-EA1C-491D-963C-2C881B2F918F}" type="datetimeFigureOut">
               <a:rPr lang="en-GB" smtClean="0"/>
-              <a:t>08/03/2022</a:t>
+              <a:t>08/04/2022</a:t>
             </a:fld>
             <a:endParaRPr lang="en-GB"/>
           </a:p>
@@ -12956,7 +12956,7 @@
           </a:lstStyle>
           <a:p>
             <a:r>
-              <a:rPr lang="en-US" sz="3200">
+              <a:rPr lang="en-US" sz="3200" dirty="0">
                 <a:solidFill>
                   <a:schemeClr val="accent3"/>
                 </a:solidFill>
@@ -12986,102 +12986,137 @@
           <a:bodyPr lIns="91440" tIns="45720" rIns="91440" bIns="45720" anchor="t"/>
           <a:lstStyle/>
           <a:p>
-            <a:r>
-              <a:rPr lang="en-US" sz="2200" u="sng">
-                <a:solidFill>
-                  <a:schemeClr val="tx1"/>
-                </a:solidFill>
-                <a:ea typeface="+mj-lt"/>
-                <a:cs typeface="+mj-lt"/>
-              </a:rPr>
-              <a:t>Face coverings</a:t>
-            </a:r>
-          </a:p>
-          <a:p>
-            <a:pPr marL="457200" indent="-457200">
+            <a:pPr marL="285750" indent="-285750">
               <a:buFont typeface="Arial" panose="020B0604020202020204" pitchFamily="34" charset="0"/>
               <a:buChar char="•"/>
             </a:pPr>
             <a:r>
-              <a:rPr lang="en-GB" sz="2200" b="0" i="0">
+              <a:rPr lang="en-GB" sz="2400" dirty="0">
                 <a:solidFill>
                   <a:schemeClr val="tx1"/>
                 </a:solidFill>
-                <a:effectLst/>
-                <a:latin typeface="+mn-lt"/>
-              </a:rPr>
-              <a:t>While infection rates remain high, we encourage all members of our community to continue wearing face coverings in most indoor settings on campus, including Graduate School workshops</a:t>
-            </a:r>
-          </a:p>
-          <a:p>
-            <a:endParaRPr lang="en-US" sz="2200" u="sng">
+                <a:latin typeface="Arial" panose="020B0604020202020204" pitchFamily="34" charset="0"/>
+                <a:ea typeface="MS PGothic" panose="020B0600070205080204" pitchFamily="34" charset="-128"/>
+              </a:rPr>
+              <a:t>You are encouraged to wear a face covering indoors, especially in crowded, enclosed spaces, unless you are exempt.  This includes </a:t>
+            </a:r>
+            <a:r>
+              <a:rPr lang="en-GB" sz="2400" b="1" dirty="0">
+                <a:solidFill>
+                  <a:schemeClr val="tx1"/>
+                </a:solidFill>
+                <a:latin typeface="Arial" panose="020B0604020202020204" pitchFamily="34" charset="0"/>
+                <a:ea typeface="MS PGothic" panose="020B0600070205080204" pitchFamily="34" charset="-128"/>
+              </a:rPr>
+              <a:t>for Graduate School workshops</a:t>
+            </a:r>
+          </a:p>
+          <a:p>
+            <a:endParaRPr lang="en-US" sz="2400" dirty="0">
               <a:solidFill>
                 <a:schemeClr val="tx1"/>
               </a:solidFill>
-              <a:ea typeface="+mj-lt"/>
-              <a:cs typeface="+mj-lt"/>
             </a:endParaRPr>
           </a:p>
           <a:p>
-            <a:r>
-              <a:rPr lang="en-US" sz="2200" u="sng">
+            <a:pPr marL="285750" indent="-285750">
+              <a:buFont typeface="Arial" panose="020B0604020202020204" pitchFamily="34" charset="0"/>
+              <a:buChar char="•"/>
+            </a:pPr>
+            <a:r>
+              <a:rPr lang="en-GB" sz="2400" dirty="0">
                 <a:solidFill>
                   <a:schemeClr val="tx1"/>
                 </a:solidFill>
-                <a:latin typeface="+mn-lt"/>
-                <a:ea typeface="+mj-lt"/>
-                <a:cs typeface="+mj-lt"/>
-              </a:rPr>
-              <a:t>Hygiene</a:t>
-            </a:r>
-            <a:endParaRPr lang="en-GB" sz="2200" u="sng">
+                <a:effectLst/>
+                <a:latin typeface="Arial" panose="020B0604020202020204" pitchFamily="34" charset="0"/>
+                <a:ea typeface="MS PGothic" panose="020B0600070205080204" pitchFamily="34" charset="-128"/>
+              </a:rPr>
+              <a:t>Cover your coughs and sneezes to reduce the spread of particles </a:t>
+            </a:r>
+          </a:p>
+          <a:p>
+            <a:endParaRPr lang="en-GB" sz="2400" dirty="0">
               <a:solidFill>
                 <a:schemeClr val="tx1"/>
               </a:solidFill>
-              <a:latin typeface="+mn-lt"/>
-              <a:ea typeface="Calibri" panose="020F0502020204030204" pitchFamily="34" charset="0"/>
-              <a:cs typeface="Times New Roman"/>
+              <a:effectLst/>
+              <a:latin typeface="Arial" panose="020B0604020202020204" pitchFamily="34" charset="0"/>
+              <a:ea typeface="MS PGothic" panose="020B0600070205080204" pitchFamily="34" charset="-128"/>
             </a:endParaRPr>
           </a:p>
           <a:p>
-            <a:pPr marL="457200" indent="-457200">
+            <a:pPr marL="285750" indent="-285750">
               <a:buFont typeface="Arial" panose="020B0604020202020204" pitchFamily="34" charset="0"/>
               <a:buChar char="•"/>
             </a:pPr>
             <a:r>
-              <a:rPr lang="en-US" sz="2200">
+              <a:rPr lang="en-GB" sz="2400" dirty="0">
                 <a:solidFill>
                   <a:schemeClr val="tx1"/>
                 </a:solidFill>
-              </a:rPr>
-              <a:t>Where hand </a:t>
-            </a:r>
-            <a:r>
-              <a:rPr lang="en-US" sz="2200" err="1">
+                <a:latin typeface="Arial" panose="020B0604020202020204" pitchFamily="34" charset="0"/>
+                <a:ea typeface="MS PGothic" panose="020B0600070205080204" pitchFamily="34" charset="-128"/>
+              </a:rPr>
+              <a:t>R</a:t>
+            </a:r>
+            <a:r>
+              <a:rPr lang="en-GB" sz="2400" dirty="0">
                 <a:solidFill>
                   <a:schemeClr val="tx1"/>
                 </a:solidFill>
-              </a:rPr>
-              <a:t>sanitiser</a:t>
-            </a:r>
-            <a:r>
-              <a:rPr lang="en-US" sz="2200">
+                <a:effectLst/>
+                <a:latin typeface="Arial" panose="020B0604020202020204" pitchFamily="34" charset="0"/>
+                <a:ea typeface="MS PGothic" panose="020B0600070205080204" pitchFamily="34" charset="-128"/>
+              </a:rPr>
+              <a:t>espect people’s wishes for extra space </a:t>
+            </a:r>
+          </a:p>
+          <a:p>
+            <a:endParaRPr lang="en-GB" sz="2400" dirty="0">
+              <a:solidFill>
+                <a:schemeClr val="tx1"/>
+              </a:solidFill>
+              <a:latin typeface="Arial" panose="020B0604020202020204" pitchFamily="34" charset="0"/>
+              <a:ea typeface="MS PGothic" panose="020B0600070205080204" pitchFamily="34" charset="-128"/>
+            </a:endParaRPr>
+          </a:p>
+          <a:p>
+            <a:pPr marL="285750" indent="-285750">
+              <a:buFont typeface="Arial" panose="020B0604020202020204" pitchFamily="34" charset="0"/>
+              <a:buChar char="•"/>
+            </a:pPr>
+            <a:r>
+              <a:rPr lang="en-GB" sz="2400" dirty="0">
                 <a:solidFill>
                   <a:schemeClr val="tx1"/>
                 </a:solidFill>
-              </a:rPr>
-              <a:t> is available, please use it</a:t>
-            </a:r>
-          </a:p>
-          <a:p>
-            <a:endParaRPr lang="en-US" sz="2400"/>
+                <a:effectLst/>
+                <a:latin typeface="Arial" panose="020B0604020202020204" pitchFamily="34" charset="0"/>
+                <a:ea typeface="MS PGothic" panose="020B0600070205080204" pitchFamily="34" charset="-128"/>
+              </a:rPr>
+              <a:t>Use hand sanitiser where it is available to you</a:t>
+            </a:r>
+          </a:p>
+          <a:p>
+            <a:r>
+              <a:rPr lang="en-GB" sz="2400" dirty="0">
+                <a:solidFill>
+                  <a:schemeClr val="tx1"/>
+                </a:solidFill>
+                <a:effectLst/>
+                <a:latin typeface="Arial" panose="020B0604020202020204" pitchFamily="34" charset="0"/>
+                <a:ea typeface="MS PGothic" panose="020B0600070205080204" pitchFamily="34" charset="-128"/>
+              </a:rPr>
+              <a:t> </a:t>
+            </a:r>
           </a:p>
         </p:txBody>
       </p:sp>
     </p:spTree>
     <p:extLst>
       <p:ext uri="{BB962C8B-B14F-4D97-AF65-F5344CB8AC3E}">
-        <p14:creationId xmlns:p14="http://schemas.microsoft.com/office/powerpoint/2010/main" val="70908208"/>
+        <p14:creationId xmlns:p14="http://schemas.microsoft.com/office/powerpoint/2010/main" val="2596273163"/>
       </p:ext>
     </p:extLst>
   </p:cSld>

--- a/Intro to Latex Slides.pptx
+++ b/Intro to Latex Slides.pptx
@@ -440,7 +440,7 @@
           <a:p>
             <a:fld id="{88EB714B-C3CC-4216-88C1-02913905B1CF}" type="datetimeFigureOut">
               <a:rPr lang="en-GB" smtClean="0"/>
-              <a:t>08/04/2022</a:t>
+              <a:t>28/04/2022</a:t>
             </a:fld>
             <a:endParaRPr lang="en-GB"/>
           </a:p>
@@ -4466,7 +4466,7 @@
           <a:p>
             <a:fld id="{EB0080F8-EA1C-491D-963C-2C881B2F918F}" type="datetimeFigureOut">
               <a:rPr lang="en-GB" smtClean="0"/>
-              <a:t>08/04/2022</a:t>
+              <a:t>28/04/2022</a:t>
             </a:fld>
             <a:endParaRPr lang="en-GB"/>
           </a:p>
@@ -4616,7 +4616,7 @@
           <a:p>
             <a:fld id="{EB0080F8-EA1C-491D-963C-2C881B2F918F}" type="datetimeFigureOut">
               <a:rPr lang="en-GB" smtClean="0"/>
-              <a:t>08/04/2022</a:t>
+              <a:t>28/04/2022</a:t>
             </a:fld>
             <a:endParaRPr lang="en-GB"/>
           </a:p>
@@ -6149,7 +6149,7 @@
           <a:p>
             <a:fld id="{EB0080F8-EA1C-491D-963C-2C881B2F918F}" type="datetimeFigureOut">
               <a:rPr lang="en-GB" smtClean="0"/>
-              <a:t>08/04/2022</a:t>
+              <a:t>28/04/2022</a:t>
             </a:fld>
             <a:endParaRPr lang="en-GB"/>
           </a:p>
@@ -9643,8 +9643,8 @@
         </p:nvSpPr>
         <p:spPr>
           <a:xfrm>
-            <a:off x="300446" y="2210662"/>
-            <a:ext cx="3367912" cy="3939540"/>
+            <a:off x="300445" y="1252639"/>
+            <a:ext cx="4448577" cy="5478423"/>
           </a:xfrm>
           <a:prstGeom prst="rect">
             <a:avLst/>
@@ -9655,6 +9655,100 @@
             <a:spAutoFit/>
           </a:bodyPr>
           <a:lstStyle/>
+          <a:p>
+            <a:r>
+              <a:rPr lang="en-GB" sz="2500" dirty="0">
+                <a:solidFill>
+                  <a:schemeClr val="tx2">
+                    <a:lumMod val="50000"/>
+                    <a:lumOff val="50000"/>
+                  </a:schemeClr>
+                </a:solidFill>
+              </a:rPr>
+              <a:t>\</a:t>
+            </a:r>
+            <a:r>
+              <a:rPr lang="en-GB" sz="2500" dirty="0" err="1">
+                <a:solidFill>
+                  <a:schemeClr val="tx2">
+                    <a:lumMod val="50000"/>
+                    <a:lumOff val="50000"/>
+                  </a:schemeClr>
+                </a:solidFill>
+              </a:rPr>
+              <a:t>usepackage</a:t>
+            </a:r>
+            <a:r>
+              <a:rPr lang="en-GB" sz="2500" dirty="0"/>
+              <a:t>{</a:t>
+            </a:r>
+            <a:r>
+              <a:rPr lang="en-GB" sz="2500" dirty="0" err="1">
+                <a:solidFill>
+                  <a:schemeClr val="tx2">
+                    <a:lumMod val="50000"/>
+                    <a:lumOff val="50000"/>
+                  </a:schemeClr>
+                </a:solidFill>
+              </a:rPr>
+              <a:t>graphicx</a:t>
+            </a:r>
+            <a:r>
+              <a:rPr lang="en-GB" sz="2500" dirty="0"/>
+              <a:t>}</a:t>
+            </a:r>
+          </a:p>
+          <a:p>
+            <a:endParaRPr lang="en-GB" sz="2500" dirty="0">
+              <a:solidFill>
+                <a:schemeClr val="tx2">
+                  <a:lumMod val="50000"/>
+                  <a:lumOff val="50000"/>
+                </a:schemeClr>
+              </a:solidFill>
+            </a:endParaRPr>
+          </a:p>
+          <a:p>
+            <a:r>
+              <a:rPr lang="en-GB" sz="2500" dirty="0">
+                <a:solidFill>
+                  <a:schemeClr val="tx2">
+                    <a:lumMod val="50000"/>
+                    <a:lumOff val="50000"/>
+                  </a:schemeClr>
+                </a:solidFill>
+              </a:rPr>
+              <a:t>\begin</a:t>
+            </a:r>
+            <a:r>
+              <a:rPr lang="en-GB" sz="2500" dirty="0"/>
+              <a:t>{</a:t>
+            </a:r>
+            <a:r>
+              <a:rPr lang="en-GB" sz="2500" dirty="0">
+                <a:solidFill>
+                  <a:schemeClr val="accent4">
+                    <a:lumMod val="75000"/>
+                  </a:schemeClr>
+                </a:solidFill>
+              </a:rPr>
+              <a:t>document</a:t>
+            </a:r>
+            <a:r>
+              <a:rPr lang="en-GB" sz="2500" dirty="0"/>
+              <a:t>}</a:t>
+            </a:r>
+          </a:p>
+          <a:p>
+            <a:endParaRPr lang="en-GB" sz="2500" dirty="0">
+              <a:solidFill>
+                <a:schemeClr val="tx2">
+                  <a:lumMod val="50000"/>
+                  <a:lumOff val="50000"/>
+                </a:schemeClr>
+              </a:solidFill>
+            </a:endParaRPr>
+          </a:p>
           <a:p>
             <a:r>
               <a:rPr lang="en-GB" sz="2500" dirty="0">

--- a/Intro to Latex Slides.pptx
+++ b/Intro to Latex Slides.pptx
@@ -5,38 +5,37 @@
     <p:sldMasterId id="2147483648" r:id="rId1"/>
   </p:sldMasterIdLst>
   <p:notesMasterIdLst>
-    <p:notesMasterId r:id="rId28"/>
+    <p:notesMasterId r:id="rId27"/>
   </p:notesMasterIdLst>
   <p:handoutMasterIdLst>
-    <p:handoutMasterId r:id="rId29"/>
+    <p:handoutMasterId r:id="rId28"/>
   </p:handoutMasterIdLst>
   <p:sldIdLst>
     <p:sldId id="264" r:id="rId2"/>
     <p:sldId id="504" r:id="rId3"/>
-    <p:sldId id="538" r:id="rId4"/>
-    <p:sldId id="267" r:id="rId5"/>
-    <p:sldId id="268" r:id="rId6"/>
-    <p:sldId id="292" r:id="rId7"/>
-    <p:sldId id="269" r:id="rId8"/>
-    <p:sldId id="271" r:id="rId9"/>
-    <p:sldId id="278" r:id="rId10"/>
-    <p:sldId id="288" r:id="rId11"/>
-    <p:sldId id="270" r:id="rId12"/>
-    <p:sldId id="284" r:id="rId13"/>
-    <p:sldId id="285" r:id="rId14"/>
-    <p:sldId id="287" r:id="rId15"/>
-    <p:sldId id="286" r:id="rId16"/>
-    <p:sldId id="281" r:id="rId17"/>
-    <p:sldId id="282" r:id="rId18"/>
-    <p:sldId id="277" r:id="rId19"/>
-    <p:sldId id="319" r:id="rId20"/>
-    <p:sldId id="321" r:id="rId21"/>
-    <p:sldId id="322" r:id="rId22"/>
-    <p:sldId id="290" r:id="rId23"/>
-    <p:sldId id="291" r:id="rId24"/>
-    <p:sldId id="328" r:id="rId25"/>
-    <p:sldId id="331" r:id="rId26"/>
-    <p:sldId id="280" r:id="rId27"/>
+    <p:sldId id="267" r:id="rId4"/>
+    <p:sldId id="268" r:id="rId5"/>
+    <p:sldId id="292" r:id="rId6"/>
+    <p:sldId id="269" r:id="rId7"/>
+    <p:sldId id="271" r:id="rId8"/>
+    <p:sldId id="278" r:id="rId9"/>
+    <p:sldId id="288" r:id="rId10"/>
+    <p:sldId id="270" r:id="rId11"/>
+    <p:sldId id="284" r:id="rId12"/>
+    <p:sldId id="285" r:id="rId13"/>
+    <p:sldId id="287" r:id="rId14"/>
+    <p:sldId id="286" r:id="rId15"/>
+    <p:sldId id="281" r:id="rId16"/>
+    <p:sldId id="282" r:id="rId17"/>
+    <p:sldId id="277" r:id="rId18"/>
+    <p:sldId id="319" r:id="rId19"/>
+    <p:sldId id="321" r:id="rId20"/>
+    <p:sldId id="322" r:id="rId21"/>
+    <p:sldId id="290" r:id="rId22"/>
+    <p:sldId id="291" r:id="rId23"/>
+    <p:sldId id="328" r:id="rId24"/>
+    <p:sldId id="331" r:id="rId25"/>
+    <p:sldId id="280" r:id="rId26"/>
   </p:sldIdLst>
   <p:sldSz cx="9144000" cy="6858000" type="screen4x3"/>
   <p:notesSz cx="7099300" cy="10234613"/>
@@ -142,7 +141,6 @@
           <p14:sldIdLst>
             <p14:sldId id="264"/>
             <p14:sldId id="504"/>
-            <p14:sldId id="538"/>
             <p14:sldId id="267"/>
             <p14:sldId id="268"/>
             <p14:sldId id="292"/>
@@ -440,7 +438,7 @@
           <a:p>
             <a:fld id="{88EB714B-C3CC-4216-88C1-02913905B1CF}" type="datetimeFigureOut">
               <a:rPr lang="en-GB" smtClean="0"/>
-              <a:t>28/04/2022</a:t>
+              <a:t>20/05/2022</a:t>
             </a:fld>
             <a:endParaRPr lang="en-GB"/>
           </a:p>
@@ -1049,7 +1047,7 @@
           <a:p>
             <a:fld id="{6A641EC8-C9F8-4A58-A1A7-F7D817526EEC}" type="slidenum">
               <a:rPr lang="en-GB" smtClean="0"/>
-              <a:t>12</a:t>
+              <a:t>11</a:t>
             </a:fld>
             <a:endParaRPr lang="en-GB"/>
           </a:p>
@@ -1179,7 +1177,7 @@
           <a:p>
             <a:fld id="{6A641EC8-C9F8-4A58-A1A7-F7D817526EEC}" type="slidenum">
               <a:rPr lang="en-GB" smtClean="0"/>
-              <a:t>13</a:t>
+              <a:t>12</a:t>
             </a:fld>
             <a:endParaRPr lang="en-GB"/>
           </a:p>
@@ -1371,7 +1369,7 @@
           <a:p>
             <a:fld id="{6A641EC8-C9F8-4A58-A1A7-F7D817526EEC}" type="slidenum">
               <a:rPr lang="en-GB" smtClean="0"/>
-              <a:t>14</a:t>
+              <a:t>13</a:t>
             </a:fld>
             <a:endParaRPr lang="en-GB"/>
           </a:p>
@@ -1475,7 +1473,7 @@
           <a:p>
             <a:fld id="{6A641EC8-C9F8-4A58-A1A7-F7D817526EEC}" type="slidenum">
               <a:rPr lang="en-GB" smtClean="0"/>
-              <a:t>15</a:t>
+              <a:t>14</a:t>
             </a:fld>
             <a:endParaRPr lang="en-GB"/>
           </a:p>
@@ -1660,7 +1658,7 @@
           <a:p>
             <a:fld id="{6A641EC8-C9F8-4A58-A1A7-F7D817526EEC}" type="slidenum">
               <a:rPr lang="en-GB" smtClean="0"/>
-              <a:t>16</a:t>
+              <a:t>15</a:t>
             </a:fld>
             <a:endParaRPr lang="en-GB"/>
           </a:p>
@@ -1828,7 +1826,7 @@
           <a:p>
             <a:fld id="{6A641EC8-C9F8-4A58-A1A7-F7D817526EEC}" type="slidenum">
               <a:rPr lang="en-GB" smtClean="0"/>
-              <a:t>17</a:t>
+              <a:t>16</a:t>
             </a:fld>
             <a:endParaRPr lang="en-GB"/>
           </a:p>
@@ -1983,7 +1981,7 @@
           <a:p>
             <a:fld id="{6A641EC8-C9F8-4A58-A1A7-F7D817526EEC}" type="slidenum">
               <a:rPr lang="en-GB" smtClean="0"/>
-              <a:t>18</a:t>
+              <a:t>17</a:t>
             </a:fld>
             <a:endParaRPr lang="en-GB"/>
           </a:p>
@@ -2088,7 +2086,7 @@
           <a:p>
             <a:fld id="{6A641EC8-C9F8-4A58-A1A7-F7D817526EEC}" type="slidenum">
               <a:rPr lang="en-GB" smtClean="0"/>
-              <a:t>19</a:t>
+              <a:t>18</a:t>
             </a:fld>
             <a:endParaRPr lang="en-GB"/>
           </a:p>
@@ -2226,7 +2224,7 @@
           <a:p>
             <a:fld id="{6A641EC8-C9F8-4A58-A1A7-F7D817526EEC}" type="slidenum">
               <a:rPr lang="en-GB" smtClean="0"/>
-              <a:t>20</a:t>
+              <a:t>19</a:t>
             </a:fld>
             <a:endParaRPr lang="en-GB"/>
           </a:p>
@@ -2392,7 +2390,7 @@
           <a:p>
             <a:fld id="{6A641EC8-C9F8-4A58-A1A7-F7D817526EEC}" type="slidenum">
               <a:rPr lang="en-GB" smtClean="0"/>
-              <a:t>21</a:t>
+              <a:t>20</a:t>
             </a:fld>
             <a:endParaRPr lang="en-GB"/>
           </a:p>
@@ -2476,7 +2474,7 @@
           <a:p>
             <a:fld id="{6A641EC8-C9F8-4A58-A1A7-F7D817526EEC}" type="slidenum">
               <a:rPr lang="en-GB" smtClean="0"/>
-              <a:t>4</a:t>
+              <a:t>3</a:t>
             </a:fld>
             <a:endParaRPr lang="en-GB"/>
           </a:p>
@@ -2628,7 +2626,7 @@
           <a:p>
             <a:fld id="{6A641EC8-C9F8-4A58-A1A7-F7D817526EEC}" type="slidenum">
               <a:rPr lang="en-GB" smtClean="0"/>
-              <a:t>22</a:t>
+              <a:t>21</a:t>
             </a:fld>
             <a:endParaRPr lang="en-GB"/>
           </a:p>
@@ -2749,7 +2747,7 @@
           <a:p>
             <a:fld id="{6A641EC8-C9F8-4A58-A1A7-F7D817526EEC}" type="slidenum">
               <a:rPr lang="en-GB" smtClean="0"/>
-              <a:t>23</a:t>
+              <a:t>22</a:t>
             </a:fld>
             <a:endParaRPr lang="en-GB"/>
           </a:p>
@@ -2852,7 +2850,7 @@
           <a:p>
             <a:fld id="{6A641EC8-C9F8-4A58-A1A7-F7D817526EEC}" type="slidenum">
               <a:rPr lang="en-GB" smtClean="0"/>
-              <a:t>24</a:t>
+              <a:t>23</a:t>
             </a:fld>
             <a:endParaRPr lang="en-GB"/>
           </a:p>
@@ -2936,7 +2934,7 @@
           <a:p>
             <a:fld id="{6A641EC8-C9F8-4A58-A1A7-F7D817526EEC}" type="slidenum">
               <a:rPr lang="en-GB" smtClean="0"/>
-              <a:t>25</a:t>
+              <a:t>24</a:t>
             </a:fld>
             <a:endParaRPr lang="en-GB"/>
           </a:p>
@@ -3132,7 +3130,7 @@
                   <a:spcPct val="0"/>
                 </a:spcBef>
               </a:pPr>
-              <a:t>26</a:t>
+              <a:t>25</a:t>
             </a:fld>
             <a:endParaRPr lang="en-US" altLang="en-US"/>
           </a:p>
@@ -3322,7 +3320,7 @@
           <a:p>
             <a:fld id="{6A641EC8-C9F8-4A58-A1A7-F7D817526EEC}" type="slidenum">
               <a:rPr lang="en-GB" smtClean="0"/>
-              <a:t>5</a:t>
+              <a:t>4</a:t>
             </a:fld>
             <a:endParaRPr lang="en-GB"/>
           </a:p>
@@ -3441,7 +3439,7 @@
           <a:p>
             <a:fld id="{6A641EC8-C9F8-4A58-A1A7-F7D817526EEC}" type="slidenum">
               <a:rPr lang="en-GB" smtClean="0"/>
-              <a:t>6</a:t>
+              <a:t>5</a:t>
             </a:fld>
             <a:endParaRPr lang="en-GB"/>
           </a:p>
@@ -3619,7 +3617,7 @@
           <a:p>
             <a:fld id="{6A641EC8-C9F8-4A58-A1A7-F7D817526EEC}" type="slidenum">
               <a:rPr lang="en-GB" smtClean="0"/>
-              <a:t>7</a:t>
+              <a:t>6</a:t>
             </a:fld>
             <a:endParaRPr lang="en-GB"/>
           </a:p>
@@ -3706,7 +3704,7 @@
           <a:p>
             <a:fld id="{6A641EC8-C9F8-4A58-A1A7-F7D817526EEC}" type="slidenum">
               <a:rPr lang="en-GB" smtClean="0"/>
-              <a:t>8</a:t>
+              <a:t>7</a:t>
             </a:fld>
             <a:endParaRPr lang="en-GB"/>
           </a:p>
@@ -3818,7 +3816,7 @@
           <a:p>
             <a:fld id="{6A641EC8-C9F8-4A58-A1A7-F7D817526EEC}" type="slidenum">
               <a:rPr lang="en-GB" smtClean="0"/>
-              <a:t>9</a:t>
+              <a:t>8</a:t>
             </a:fld>
             <a:endParaRPr lang="en-GB"/>
           </a:p>
@@ -3931,7 +3929,7 @@
           <a:p>
             <a:fld id="{6A641EC8-C9F8-4A58-A1A7-F7D817526EEC}" type="slidenum">
               <a:rPr lang="en-GB" smtClean="0"/>
-              <a:t>10</a:t>
+              <a:t>9</a:t>
             </a:fld>
             <a:endParaRPr lang="en-GB"/>
           </a:p>
@@ -4088,7 +4086,7 @@
           <a:p>
             <a:fld id="{6A641EC8-C9F8-4A58-A1A7-F7D817526EEC}" type="slidenum">
               <a:rPr lang="en-GB" smtClean="0"/>
-              <a:t>11</a:t>
+              <a:t>10</a:t>
             </a:fld>
             <a:endParaRPr lang="en-GB"/>
           </a:p>
@@ -4466,7 +4464,7 @@
           <a:p>
             <a:fld id="{EB0080F8-EA1C-491D-963C-2C881B2F918F}" type="datetimeFigureOut">
               <a:rPr lang="en-GB" smtClean="0"/>
-              <a:t>28/04/2022</a:t>
+              <a:t>20/05/2022</a:t>
             </a:fld>
             <a:endParaRPr lang="en-GB"/>
           </a:p>
@@ -4616,7 +4614,7 @@
           <a:p>
             <a:fld id="{EB0080F8-EA1C-491D-963C-2C881B2F918F}" type="datetimeFigureOut">
               <a:rPr lang="en-GB" smtClean="0"/>
-              <a:t>28/04/2022</a:t>
+              <a:t>20/05/2022</a:t>
             </a:fld>
             <a:endParaRPr lang="en-GB"/>
           </a:p>
@@ -6149,7 +6147,7 @@
           <a:p>
             <a:fld id="{EB0080F8-EA1C-491D-963C-2C881B2F918F}" type="datetimeFigureOut">
               <a:rPr lang="en-GB" smtClean="0"/>
-              <a:t>28/04/2022</a:t>
+              <a:t>20/05/2022</a:t>
             </a:fld>
             <a:endParaRPr lang="en-GB"/>
           </a:p>
@@ -6716,265 +6714,6 @@
           <a:p>
             <a:r>
               <a:rPr lang="en-GB" sz="4000" dirty="0"/>
-              <a:t>Table of Contents</a:t>
-            </a:r>
-          </a:p>
-        </p:txBody>
-      </p:sp>
-      <p:sp>
-        <p:nvSpPr>
-          <p:cNvPr id="4" name="TextBox 3"/>
-          <p:cNvSpPr txBox="1"/>
-          <p:nvPr/>
-        </p:nvSpPr>
-        <p:spPr>
-          <a:xfrm>
-            <a:off x="746438" y="3245892"/>
-            <a:ext cx="2896947" cy="553998"/>
-          </a:xfrm>
-          <a:prstGeom prst="rect">
-            <a:avLst/>
-          </a:prstGeom>
-          <a:noFill/>
-        </p:spPr>
-        <p:txBody>
-          <a:bodyPr wrap="none" rtlCol="0">
-            <a:spAutoFit/>
-          </a:bodyPr>
-          <a:lstStyle/>
-          <a:p>
-            <a:r>
-              <a:rPr lang="en-GB" sz="3000" dirty="0">
-                <a:solidFill>
-                  <a:schemeClr val="tx2">
-                    <a:lumMod val="50000"/>
-                    <a:lumOff val="50000"/>
-                  </a:schemeClr>
-                </a:solidFill>
-                <a:latin typeface="+mj-lt"/>
-                <a:cs typeface="Courier New" panose="02070309020205020404" pitchFamily="49" charset="0"/>
-              </a:rPr>
-              <a:t>\</a:t>
-            </a:r>
-            <a:r>
-              <a:rPr lang="en-GB" sz="3000" dirty="0" err="1">
-                <a:solidFill>
-                  <a:schemeClr val="tx2">
-                    <a:lumMod val="50000"/>
-                    <a:lumOff val="50000"/>
-                  </a:schemeClr>
-                </a:solidFill>
-                <a:latin typeface="+mj-lt"/>
-                <a:cs typeface="Courier New" panose="02070309020205020404" pitchFamily="49" charset="0"/>
-              </a:rPr>
-              <a:t>tableofcontents</a:t>
-            </a:r>
-            <a:endParaRPr lang="en-GB" sz="3000" dirty="0">
-              <a:solidFill>
-                <a:schemeClr val="tx2">
-                  <a:lumMod val="50000"/>
-                  <a:lumOff val="50000"/>
-                </a:schemeClr>
-              </a:solidFill>
-              <a:latin typeface="+mj-lt"/>
-              <a:cs typeface="Courier New" panose="02070309020205020404" pitchFamily="49" charset="0"/>
-            </a:endParaRPr>
-          </a:p>
-        </p:txBody>
-      </p:sp>
-      <p:cxnSp>
-        <p:nvCxnSpPr>
-          <p:cNvPr id="11" name="Straight Connector 10"/>
-          <p:cNvCxnSpPr/>
-          <p:nvPr/>
-        </p:nvCxnSpPr>
-        <p:spPr>
-          <a:xfrm>
-            <a:off x="4572000" y="1417638"/>
-            <a:ext cx="0" cy="5440362"/>
-          </a:xfrm>
-          <a:prstGeom prst="line">
-            <a:avLst/>
-          </a:prstGeom>
-        </p:spPr>
-        <p:style>
-          <a:lnRef idx="2">
-            <a:schemeClr val="accent1"/>
-          </a:lnRef>
-          <a:fillRef idx="0">
-            <a:schemeClr val="accent1"/>
-          </a:fillRef>
-          <a:effectRef idx="1">
-            <a:schemeClr val="accent1"/>
-          </a:effectRef>
-          <a:fontRef idx="minor">
-            <a:schemeClr val="tx1"/>
-          </a:fontRef>
-        </p:style>
-      </p:cxnSp>
-      <p:sp>
-        <p:nvSpPr>
-          <p:cNvPr id="3" name="TextBox 2"/>
-          <p:cNvSpPr txBox="1"/>
-          <p:nvPr/>
-        </p:nvSpPr>
-        <p:spPr>
-          <a:xfrm>
-            <a:off x="4735773" y="2130202"/>
-            <a:ext cx="4189863" cy="2246769"/>
-          </a:xfrm>
-          <a:prstGeom prst="rect">
-            <a:avLst/>
-          </a:prstGeom>
-          <a:noFill/>
-        </p:spPr>
-        <p:txBody>
-          <a:bodyPr wrap="square" rtlCol="0">
-            <a:spAutoFit/>
-          </a:bodyPr>
-          <a:lstStyle/>
-          <a:p>
-            <a:r>
-              <a:rPr lang="en-US" sz="4000" dirty="0">
-                <a:latin typeface="Times New Roman" panose="02020603050405020304" pitchFamily="18" charset="0"/>
-                <a:cs typeface="Times New Roman" panose="02020603050405020304" pitchFamily="18" charset="0"/>
-              </a:rPr>
-              <a:t>Contents</a:t>
-            </a:r>
-          </a:p>
-          <a:p>
-            <a:endParaRPr lang="en-US" sz="1000" dirty="0">
-              <a:latin typeface="Times New Roman" panose="02020603050405020304" pitchFamily="18" charset="0"/>
-              <a:cs typeface="Times New Roman" panose="02020603050405020304" pitchFamily="18" charset="0"/>
-            </a:endParaRPr>
-          </a:p>
-          <a:p>
-            <a:r>
-              <a:rPr lang="en-US" sz="3000" dirty="0">
-                <a:latin typeface="Times New Roman" panose="02020603050405020304" pitchFamily="18" charset="0"/>
-                <a:cs typeface="Times New Roman" panose="02020603050405020304" pitchFamily="18" charset="0"/>
-              </a:rPr>
-              <a:t>1		 The Cat				1</a:t>
-            </a:r>
-          </a:p>
-          <a:p>
-            <a:r>
-              <a:rPr lang="en-US" sz="3000" dirty="0">
-                <a:latin typeface="Times New Roman" panose="02020603050405020304" pitchFamily="18" charset="0"/>
-                <a:cs typeface="Times New Roman" panose="02020603050405020304" pitchFamily="18" charset="0"/>
-              </a:rPr>
-              <a:t>	1.1	 Sat On……...	2</a:t>
-            </a:r>
-          </a:p>
-          <a:p>
-            <a:r>
-              <a:rPr lang="en-US" sz="3000" dirty="0">
-                <a:latin typeface="Times New Roman" panose="02020603050405020304" pitchFamily="18" charset="0"/>
-                <a:cs typeface="Times New Roman" panose="02020603050405020304" pitchFamily="18" charset="0"/>
-              </a:rPr>
-              <a:t>		1.1.1   The Mat…	3</a:t>
-            </a:r>
-            <a:endParaRPr lang="en-GB" sz="3000" dirty="0">
-              <a:latin typeface="Times New Roman" panose="02020603050405020304" pitchFamily="18" charset="0"/>
-              <a:cs typeface="Times New Roman" panose="02020603050405020304" pitchFamily="18" charset="0"/>
-            </a:endParaRPr>
-          </a:p>
-        </p:txBody>
-      </p:sp>
-      <p:sp>
-        <p:nvSpPr>
-          <p:cNvPr id="6" name="TextBox 5">
-            <a:extLst>
-              <a:ext uri="{FF2B5EF4-FFF2-40B4-BE49-F238E27FC236}">
-                <a16:creationId xmlns:a16="http://schemas.microsoft.com/office/drawing/2014/main" id="{016B593D-9671-4306-AC3D-C3E5EF3900E6}"/>
-              </a:ext>
-            </a:extLst>
-          </p:cNvPr>
-          <p:cNvSpPr txBox="1"/>
-          <p:nvPr/>
-        </p:nvSpPr>
-        <p:spPr>
-          <a:xfrm>
-            <a:off x="7357241" y="6498021"/>
-            <a:ext cx="1697422" cy="369332"/>
-          </a:xfrm>
-          <a:prstGeom prst="rect">
-            <a:avLst/>
-          </a:prstGeom>
-          <a:noFill/>
-        </p:spPr>
-        <p:txBody>
-          <a:bodyPr wrap="square" rtlCol="0">
-            <a:spAutoFit/>
-          </a:bodyPr>
-          <a:lstStyle/>
-          <a:p>
-            <a:r>
-              <a:rPr lang="en-GB" dirty="0">
-                <a:solidFill>
-                  <a:schemeClr val="accent2"/>
-                </a:solidFill>
-              </a:rPr>
-              <a:t>Problem Sheet</a:t>
-            </a:r>
-          </a:p>
-        </p:txBody>
-      </p:sp>
-    </p:spTree>
-    <p:extLst>
-      <p:ext uri="{BB962C8B-B14F-4D97-AF65-F5344CB8AC3E}">
-        <p14:creationId xmlns:p14="http://schemas.microsoft.com/office/powerpoint/2010/main" val="2980091057"/>
-      </p:ext>
-    </p:extLst>
-  </p:cSld>
-  <p:clrMapOvr>
-    <a:masterClrMapping/>
-  </p:clrMapOvr>
-  <mc:AlternateContent xmlns:mc="http://schemas.openxmlformats.org/markup-compatibility/2006" xmlns:p14="http://schemas.microsoft.com/office/powerpoint/2010/main">
-    <mc:Choice Requires="p14">
-      <p:transition p14:dur="10"/>
-    </mc:Choice>
-    <mc:Fallback xmlns="">
-      <p:transition/>
-    </mc:Fallback>
-  </mc:AlternateContent>
-</p:sld>
-</file>
-
-<file path=ppt/slides/slide11.xml><?xml version="1.0" encoding="utf-8"?>
-<p:sld xmlns:a="http://schemas.openxmlformats.org/drawingml/2006/main" xmlns:r="http://schemas.openxmlformats.org/officeDocument/2006/relationships" xmlns:p="http://schemas.openxmlformats.org/presentationml/2006/main">
-  <p:cSld>
-    <p:spTree>
-      <p:nvGrpSpPr>
-        <p:cNvPr id="1" name=""/>
-        <p:cNvGrpSpPr/>
-        <p:nvPr/>
-      </p:nvGrpSpPr>
-      <p:grpSpPr>
-        <a:xfrm>
-          <a:off x="0" y="0"/>
-          <a:ext cx="0" cy="0"/>
-          <a:chOff x="0" y="0"/>
-          <a:chExt cx="0" cy="0"/>
-        </a:xfrm>
-      </p:grpSpPr>
-      <p:sp>
-        <p:nvSpPr>
-          <p:cNvPr id="2" name="Title 1"/>
-          <p:cNvSpPr>
-            <a:spLocks noGrp="1"/>
-          </p:cNvSpPr>
-          <p:nvPr>
-            <p:ph type="title"/>
-          </p:nvPr>
-        </p:nvSpPr>
-        <p:spPr/>
-        <p:txBody>
-          <a:bodyPr/>
-          <a:lstStyle/>
-          <a:p>
-            <a:r>
-              <a:rPr lang="en-GB" sz="4000" dirty="0"/>
               <a:t>Modifying Text</a:t>
             </a:r>
           </a:p>
@@ -7390,7 +7129,7 @@
 </p:sld>
 </file>
 
-<file path=ppt/slides/slide12.xml><?xml version="1.0" encoding="utf-8"?>
+<file path=ppt/slides/slide11.xml><?xml version="1.0" encoding="utf-8"?>
 <p:sld xmlns:a="http://schemas.openxmlformats.org/drawingml/2006/main" xmlns:r="http://schemas.openxmlformats.org/officeDocument/2006/relationships" xmlns:p="http://schemas.openxmlformats.org/presentationml/2006/main">
   <p:cSld>
     <p:spTree>
@@ -8211,7 +7950,7 @@
 </p:sld>
 </file>
 
-<file path=ppt/slides/slide13.xml><?xml version="1.0" encoding="utf-8"?>
+<file path=ppt/slides/slide12.xml><?xml version="1.0" encoding="utf-8"?>
 <p:sld xmlns:a="http://schemas.openxmlformats.org/drawingml/2006/main" xmlns:r="http://schemas.openxmlformats.org/officeDocument/2006/relationships" xmlns:p="http://schemas.openxmlformats.org/presentationml/2006/main">
   <p:cSld>
     <p:spTree>
@@ -8496,7 +8235,7 @@
 </p:sld>
 </file>
 
-<file path=ppt/slides/slide14.xml><?xml version="1.0" encoding="utf-8"?>
+<file path=ppt/slides/slide13.xml><?xml version="1.0" encoding="utf-8"?>
 <p:sld xmlns:a="http://schemas.openxmlformats.org/drawingml/2006/main" xmlns:r="http://schemas.openxmlformats.org/officeDocument/2006/relationships" xmlns:p="http://schemas.openxmlformats.org/presentationml/2006/main">
   <p:cSld>
     <p:spTree>
@@ -9061,7 +8800,7 @@
 </p:sld>
 </file>
 
-<file path=ppt/slides/slide15.xml><?xml version="1.0" encoding="utf-8"?>
+<file path=ppt/slides/slide14.xml><?xml version="1.0" encoding="utf-8"?>
 <p:sld xmlns:a="http://schemas.openxmlformats.org/drawingml/2006/main" xmlns:r="http://schemas.openxmlformats.org/officeDocument/2006/relationships" xmlns:p="http://schemas.openxmlformats.org/presentationml/2006/main">
   <p:cSld>
     <p:spTree>
@@ -9560,7 +9299,7 @@
 </p:sld>
 </file>
 
-<file path=ppt/slides/slide16.xml><?xml version="1.0" encoding="utf-8"?>
+<file path=ppt/slides/slide15.xml><?xml version="1.0" encoding="utf-8"?>
 <p:sld xmlns:a="http://schemas.openxmlformats.org/drawingml/2006/main" xmlns:r="http://schemas.openxmlformats.org/officeDocument/2006/relationships" xmlns:p="http://schemas.openxmlformats.org/presentationml/2006/main">
   <p:cSld>
     <p:spTree>
@@ -10028,7 +9767,7 @@
 </p:sld>
 </file>
 
-<file path=ppt/slides/slide17.xml><?xml version="1.0" encoding="utf-8"?>
+<file path=ppt/slides/slide16.xml><?xml version="1.0" encoding="utf-8"?>
 <p:sld xmlns:a="http://schemas.openxmlformats.org/drawingml/2006/main" xmlns:r="http://schemas.openxmlformats.org/officeDocument/2006/relationships" xmlns:p="http://schemas.openxmlformats.org/presentationml/2006/main">
   <p:cSld>
     <p:spTree>
@@ -10461,7 +10200,7 @@
 </p:sld>
 </file>
 
-<file path=ppt/slides/slide18.xml><?xml version="1.0" encoding="utf-8"?>
+<file path=ppt/slides/slide17.xml><?xml version="1.0" encoding="utf-8"?>
 <p:sld xmlns:a="http://schemas.openxmlformats.org/drawingml/2006/main" xmlns:r="http://schemas.openxmlformats.org/officeDocument/2006/relationships" xmlns:p="http://schemas.openxmlformats.org/presentationml/2006/main">
   <p:cSld>
     <p:spTree>
@@ -10922,7 +10661,7 @@
 </p:sld>
 </file>
 
-<file path=ppt/slides/slide19.xml><?xml version="1.0" encoding="utf-8"?>
+<file path=ppt/slides/slide18.xml><?xml version="1.0" encoding="utf-8"?>
 <p:sld xmlns:a="http://schemas.openxmlformats.org/drawingml/2006/main" xmlns:r="http://schemas.openxmlformats.org/officeDocument/2006/relationships" xmlns:p="http://schemas.openxmlformats.org/presentationml/2006/main">
   <p:cSld>
     <p:spTree>
@@ -11040,133 +10779,7 @@
 </p:sld>
 </file>
 
-<file path=ppt/slides/slide2.xml><?xml version="1.0" encoding="utf-8"?>
-<p:sld xmlns:a="http://schemas.openxmlformats.org/drawingml/2006/main" xmlns:r="http://schemas.openxmlformats.org/officeDocument/2006/relationships" xmlns:p="http://schemas.openxmlformats.org/presentationml/2006/main">
-  <p:cSld>
-    <p:spTree>
-      <p:nvGrpSpPr>
-        <p:cNvPr id="1" name=""/>
-        <p:cNvGrpSpPr/>
-        <p:nvPr/>
-      </p:nvGrpSpPr>
-      <p:grpSpPr>
-        <a:xfrm>
-          <a:off x="0" y="0"/>
-          <a:ext cx="0" cy="0"/>
-          <a:chOff x="0" y="0"/>
-          <a:chExt cx="0" cy="0"/>
-        </a:xfrm>
-      </p:grpSpPr>
-      <p:sp>
-        <p:nvSpPr>
-          <p:cNvPr id="2" name="Title 1"/>
-          <p:cNvSpPr>
-            <a:spLocks noGrp="1"/>
-          </p:cNvSpPr>
-          <p:nvPr>
-            <p:ph type="title"/>
-          </p:nvPr>
-        </p:nvSpPr>
-        <p:spPr>
-          <a:xfrm>
-            <a:off x="401319" y="1431416"/>
-            <a:ext cx="8388117" cy="4569334"/>
-          </a:xfrm>
-        </p:spPr>
-        <p:txBody>
-          <a:bodyPr/>
-          <a:lstStyle/>
-          <a:p>
-            <a:pPr algn="ctr"/>
-            <a:r>
-              <a:rPr lang="en-GB" sz="2800" u="sng" dirty="0"/>
-              <a:t>Important Information on Marking your Attendance on Inkpath</a:t>
-            </a:r>
-            <a:br>
-              <a:rPr lang="en-GB" sz="2800" u="sng" dirty="0"/>
-            </a:br>
-            <a:br>
-              <a:rPr lang="en-GB" sz="2800" u="sng" dirty="0"/>
-            </a:br>
-            <a:br>
-              <a:rPr lang="en-GB" sz="2800" dirty="0"/>
-            </a:br>
-            <a:r>
-              <a:rPr lang="en-GB" sz="2800" dirty="0"/>
-              <a:t>I will show you a QR code at the end of the session allowing you to mark your attendance on Inkpath. Please do not mark your attendance until then.</a:t>
-            </a:r>
-            <a:br>
-              <a:rPr lang="en-GB" sz="2800" dirty="0"/>
-            </a:br>
-            <a:br>
-              <a:rPr lang="en-GB" sz="2800" dirty="0">
-                <a:latin typeface="Calibri" panose="020F0502020204030204" pitchFamily="34" charset="0"/>
-                <a:cs typeface="Calibri" panose="020F0502020204030204" pitchFamily="34" charset="0"/>
-              </a:rPr>
-            </a:br>
-            <a:r>
-              <a:rPr lang="en-GB" sz="2800" dirty="0">
-                <a:effectLst/>
-                <a:ea typeface="Times New Roman" panose="02020603050405020304" pitchFamily="18" charset="0"/>
-                <a:cs typeface="Calibri" panose="020F0502020204030204" pitchFamily="34" charset="0"/>
-              </a:rPr>
-              <a:t>If you are not a Postgraduate Research student and didn’t book via Inkpath, your attendance will be marked on a separate database.</a:t>
-            </a:r>
-            <a:endParaRPr lang="en-GB" sz="2800" dirty="0"/>
-          </a:p>
-        </p:txBody>
-      </p:sp>
-      <p:sp>
-        <p:nvSpPr>
-          <p:cNvPr id="7" name="TextBox 6"/>
-          <p:cNvSpPr txBox="1"/>
-          <p:nvPr/>
-        </p:nvSpPr>
-        <p:spPr>
-          <a:xfrm>
-            <a:off x="552450" y="3214433"/>
-            <a:ext cx="2171700" cy="830997"/>
-          </a:xfrm>
-          <a:prstGeom prst="rect">
-            <a:avLst/>
-          </a:prstGeom>
-          <a:noFill/>
-        </p:spPr>
-        <p:txBody>
-          <a:bodyPr wrap="square" rtlCol="0">
-            <a:spAutoFit/>
-          </a:bodyPr>
-          <a:lstStyle/>
-          <a:p>
-            <a:endParaRPr lang="en-GB" sz="2400" dirty="0">
-              <a:solidFill>
-                <a:srgbClr val="002060"/>
-              </a:solidFill>
-            </a:endParaRPr>
-          </a:p>
-          <a:p>
-            <a:endParaRPr lang="en-GB" sz="2400" dirty="0">
-              <a:solidFill>
-                <a:srgbClr val="002060"/>
-              </a:solidFill>
-            </a:endParaRPr>
-          </a:p>
-        </p:txBody>
-      </p:sp>
-    </p:spTree>
-    <p:extLst>
-      <p:ext uri="{BB962C8B-B14F-4D97-AF65-F5344CB8AC3E}">
-        <p14:creationId xmlns:p14="http://schemas.microsoft.com/office/powerpoint/2010/main" val="3686223621"/>
-      </p:ext>
-    </p:extLst>
-  </p:cSld>
-  <p:clrMapOvr>
-    <a:masterClrMapping/>
-  </p:clrMapOvr>
-</p:sld>
-</file>
-
-<file path=ppt/slides/slide20.xml><?xml version="1.0" encoding="utf-8"?>
+<file path=ppt/slides/slide19.xml><?xml version="1.0" encoding="utf-8"?>
 <p:sld xmlns:a="http://schemas.openxmlformats.org/drawingml/2006/main" xmlns:r="http://schemas.openxmlformats.org/officeDocument/2006/relationships" xmlns:p="http://schemas.openxmlformats.org/presentationml/2006/main">
   <p:cSld>
     <p:spTree>
@@ -11636,7 +11249,133 @@
 </p:sld>
 </file>
 
-<file path=ppt/slides/slide21.xml><?xml version="1.0" encoding="utf-8"?>
+<file path=ppt/slides/slide2.xml><?xml version="1.0" encoding="utf-8"?>
+<p:sld xmlns:a="http://schemas.openxmlformats.org/drawingml/2006/main" xmlns:r="http://schemas.openxmlformats.org/officeDocument/2006/relationships" xmlns:p="http://schemas.openxmlformats.org/presentationml/2006/main">
+  <p:cSld>
+    <p:spTree>
+      <p:nvGrpSpPr>
+        <p:cNvPr id="1" name=""/>
+        <p:cNvGrpSpPr/>
+        <p:nvPr/>
+      </p:nvGrpSpPr>
+      <p:grpSpPr>
+        <a:xfrm>
+          <a:off x="0" y="0"/>
+          <a:ext cx="0" cy="0"/>
+          <a:chOff x="0" y="0"/>
+          <a:chExt cx="0" cy="0"/>
+        </a:xfrm>
+      </p:grpSpPr>
+      <p:sp>
+        <p:nvSpPr>
+          <p:cNvPr id="2" name="Title 1"/>
+          <p:cNvSpPr>
+            <a:spLocks noGrp="1"/>
+          </p:cNvSpPr>
+          <p:nvPr>
+            <p:ph type="title"/>
+          </p:nvPr>
+        </p:nvSpPr>
+        <p:spPr>
+          <a:xfrm>
+            <a:off x="401319" y="1431416"/>
+            <a:ext cx="8388117" cy="4569334"/>
+          </a:xfrm>
+        </p:spPr>
+        <p:txBody>
+          <a:bodyPr/>
+          <a:lstStyle/>
+          <a:p>
+            <a:pPr algn="ctr"/>
+            <a:r>
+              <a:rPr lang="en-GB" sz="2800" u="sng" dirty="0"/>
+              <a:t>Important Information on Marking your Attendance on Inkpath</a:t>
+            </a:r>
+            <a:br>
+              <a:rPr lang="en-GB" sz="2800" u="sng" dirty="0"/>
+            </a:br>
+            <a:br>
+              <a:rPr lang="en-GB" sz="2800" u="sng" dirty="0"/>
+            </a:br>
+            <a:br>
+              <a:rPr lang="en-GB" sz="2800" dirty="0"/>
+            </a:br>
+            <a:r>
+              <a:rPr lang="en-GB" sz="2800" dirty="0"/>
+              <a:t>I will show you a QR code at the end of the session allowing you to mark your attendance on Inkpath. Please do not mark your attendance until then.</a:t>
+            </a:r>
+            <a:br>
+              <a:rPr lang="en-GB" sz="2800" dirty="0"/>
+            </a:br>
+            <a:br>
+              <a:rPr lang="en-GB" sz="2800" dirty="0">
+                <a:latin typeface="Calibri" panose="020F0502020204030204" pitchFamily="34" charset="0"/>
+                <a:cs typeface="Calibri" panose="020F0502020204030204" pitchFamily="34" charset="0"/>
+              </a:rPr>
+            </a:br>
+            <a:r>
+              <a:rPr lang="en-GB" sz="2800" dirty="0">
+                <a:effectLst/>
+                <a:ea typeface="Times New Roman" panose="02020603050405020304" pitchFamily="18" charset="0"/>
+                <a:cs typeface="Calibri" panose="020F0502020204030204" pitchFamily="34" charset="0"/>
+              </a:rPr>
+              <a:t>If you are not a Postgraduate Research student and didn’t book via Inkpath, your attendance will be marked on a separate database.</a:t>
+            </a:r>
+            <a:endParaRPr lang="en-GB" sz="2800" dirty="0"/>
+          </a:p>
+        </p:txBody>
+      </p:sp>
+      <p:sp>
+        <p:nvSpPr>
+          <p:cNvPr id="7" name="TextBox 6"/>
+          <p:cNvSpPr txBox="1"/>
+          <p:nvPr/>
+        </p:nvSpPr>
+        <p:spPr>
+          <a:xfrm>
+            <a:off x="552450" y="3214433"/>
+            <a:ext cx="2171700" cy="830997"/>
+          </a:xfrm>
+          <a:prstGeom prst="rect">
+            <a:avLst/>
+          </a:prstGeom>
+          <a:noFill/>
+        </p:spPr>
+        <p:txBody>
+          <a:bodyPr wrap="square" rtlCol="0">
+            <a:spAutoFit/>
+          </a:bodyPr>
+          <a:lstStyle/>
+          <a:p>
+            <a:endParaRPr lang="en-GB" sz="2400" dirty="0">
+              <a:solidFill>
+                <a:srgbClr val="002060"/>
+              </a:solidFill>
+            </a:endParaRPr>
+          </a:p>
+          <a:p>
+            <a:endParaRPr lang="en-GB" sz="2400" dirty="0">
+              <a:solidFill>
+                <a:srgbClr val="002060"/>
+              </a:solidFill>
+            </a:endParaRPr>
+          </a:p>
+        </p:txBody>
+      </p:sp>
+    </p:spTree>
+    <p:extLst>
+      <p:ext uri="{BB962C8B-B14F-4D97-AF65-F5344CB8AC3E}">
+        <p14:creationId xmlns:p14="http://schemas.microsoft.com/office/powerpoint/2010/main" val="3686223621"/>
+      </p:ext>
+    </p:extLst>
+  </p:cSld>
+  <p:clrMapOvr>
+    <a:masterClrMapping/>
+  </p:clrMapOvr>
+</p:sld>
+</file>
+
+<file path=ppt/slides/slide20.xml><?xml version="1.0" encoding="utf-8"?>
 <p:sld xmlns:a="http://schemas.openxmlformats.org/drawingml/2006/main" xmlns:r="http://schemas.openxmlformats.org/officeDocument/2006/relationships" xmlns:p="http://schemas.openxmlformats.org/presentationml/2006/main">
   <p:cSld>
     <p:spTree>
@@ -12246,7 +11985,7 @@
 </p:sld>
 </file>
 
-<file path=ppt/slides/slide22.xml><?xml version="1.0" encoding="utf-8"?>
+<file path=ppt/slides/slide21.xml><?xml version="1.0" encoding="utf-8"?>
 <p:sld xmlns:a="http://schemas.openxmlformats.org/drawingml/2006/main" xmlns:r="http://schemas.openxmlformats.org/officeDocument/2006/relationships" xmlns:p="http://schemas.openxmlformats.org/presentationml/2006/main">
   <p:cSld>
     <p:spTree>
@@ -12375,7 +12114,7 @@
 </p:sld>
 </file>
 
-<file path=ppt/slides/slide23.xml><?xml version="1.0" encoding="utf-8"?>
+<file path=ppt/slides/slide22.xml><?xml version="1.0" encoding="utf-8"?>
 <p:sld xmlns:a="http://schemas.openxmlformats.org/drawingml/2006/main" xmlns:r="http://schemas.openxmlformats.org/officeDocument/2006/relationships" xmlns:p="http://schemas.openxmlformats.org/presentationml/2006/main">
   <p:cSld>
     <p:spTree>
@@ -12499,7 +12238,7 @@
 </p:sld>
 </file>
 
-<file path=ppt/slides/slide24.xml><?xml version="1.0" encoding="utf-8"?>
+<file path=ppt/slides/slide23.xml><?xml version="1.0" encoding="utf-8"?>
 <p:sld xmlns:a="http://schemas.openxmlformats.org/drawingml/2006/main" xmlns:r="http://schemas.openxmlformats.org/officeDocument/2006/relationships" xmlns:p="http://schemas.openxmlformats.org/presentationml/2006/main">
   <p:cSld>
     <p:spTree>
@@ -12715,7 +12454,7 @@
 </p:sld>
 </file>
 
-<file path=ppt/slides/slide25.xml><?xml version="1.0" encoding="utf-8"?>
+<file path=ppt/slides/slide24.xml><?xml version="1.0" encoding="utf-8"?>
 <p:sld xmlns:a="http://schemas.openxmlformats.org/drawingml/2006/main" xmlns:r="http://schemas.openxmlformats.org/officeDocument/2006/relationships" xmlns:p="http://schemas.openxmlformats.org/presentationml/2006/main">
   <p:cSld>
     <p:spTree>
@@ -12850,7 +12589,7 @@
 </p:sld>
 </file>
 
-<file path=ppt/slides/slide26.xml><?xml version="1.0" encoding="utf-8"?>
+<file path=ppt/slides/slide25.xml><?xml version="1.0" encoding="utf-8"?>
 <p:sld xmlns:a="http://schemas.openxmlformats.org/drawingml/2006/main" xmlns:r="http://schemas.openxmlformats.org/officeDocument/2006/relationships" xmlns:p="http://schemas.openxmlformats.org/presentationml/2006/main">
   <p:cSld>
     <p:spTree>
@@ -13012,211 +12751,198 @@
       </p:grpSpPr>
       <p:sp>
         <p:nvSpPr>
-          <p:cNvPr id="4" name="Title 1"/>
-          <p:cNvSpPr txBox="1">
-            <a:spLocks/>
-          </p:cNvSpPr>
-          <p:nvPr/>
-        </p:nvSpPr>
-        <p:spPr>
-          <a:xfrm>
-            <a:off x="401320" y="472966"/>
-            <a:ext cx="5778764" cy="961696"/>
-          </a:xfrm>
-          <a:prstGeom prst="rect">
-            <a:avLst/>
-          </a:prstGeom>
-        </p:spPr>
-        <p:txBody>
-          <a:bodyPr anchor="b"/>
-          <a:lstStyle>
-            <a:lvl1pPr algn="l" defTabSz="457200" rtl="0" eaLnBrk="1" latinLnBrk="0" hangingPunct="1">
-              <a:lnSpc>
-                <a:spcPct val="90000"/>
-              </a:lnSpc>
-              <a:spcBef>
-                <a:spcPct val="0"/>
-              </a:spcBef>
-              <a:buNone/>
-              <a:defRPr sz="4000" b="1" i="0" kern="1200" baseline="0">
-                <a:solidFill>
-                  <a:schemeClr val="tx2"/>
-                </a:solidFill>
-                <a:latin typeface="+mj-lt"/>
-                <a:ea typeface="+mj-ea"/>
-                <a:cs typeface="MetaOT-Bold"/>
-              </a:defRPr>
-            </a:lvl1pPr>
-          </a:lstStyle>
-          <a:p>
-            <a:r>
-              <a:rPr lang="en-US" sz="3200" dirty="0">
-                <a:solidFill>
-                  <a:schemeClr val="accent3"/>
-                </a:solidFill>
-              </a:rPr>
-              <a:t>Expectations:  Covid-safe teaching environments</a:t>
-            </a:r>
-          </a:p>
-        </p:txBody>
-      </p:sp>
-      <p:sp>
-        <p:nvSpPr>
-          <p:cNvPr id="5" name="Subtitle 2"/>
+          <p:cNvPr id="2" name="Title 1"/>
           <p:cNvSpPr>
             <a:spLocks noGrp="1"/>
           </p:cNvSpPr>
           <p:nvPr>
-            <p:ph type="subTitle" idx="1"/>
+            <p:ph type="title"/>
+          </p:nvPr>
+        </p:nvSpPr>
+        <p:spPr/>
+        <p:txBody>
+          <a:bodyPr/>
+          <a:lstStyle/>
+          <a:p>
+            <a:r>
+              <a:rPr lang="en-GB" sz="4000" dirty="0"/>
+              <a:t>Learning Outcomes</a:t>
+            </a:r>
+          </a:p>
+        </p:txBody>
+      </p:sp>
+      <p:sp>
+        <p:nvSpPr>
+          <p:cNvPr id="3" name="Content Placeholder 2"/>
+          <p:cNvSpPr>
+            <a:spLocks noGrp="1"/>
+          </p:cNvSpPr>
+          <p:nvPr>
+            <p:ph idx="1"/>
           </p:nvPr>
         </p:nvSpPr>
         <p:spPr>
           <a:xfrm>
-            <a:off x="401320" y="1631731"/>
-            <a:ext cx="8490432" cy="4548352"/>
+            <a:off x="457200" y="1600200"/>
+            <a:ext cx="8435280" cy="4876800"/>
           </a:xfrm>
         </p:spPr>
         <p:txBody>
-          <a:bodyPr lIns="91440" tIns="45720" rIns="91440" bIns="45720" anchor="t"/>
+          <a:bodyPr>
+            <a:normAutofit/>
+          </a:bodyPr>
           <a:lstStyle/>
           <a:p>
-            <a:pPr marL="285750" indent="-285750">
-              <a:buFont typeface="Arial" panose="020B0604020202020204" pitchFamily="34" charset="0"/>
-              <a:buChar char="•"/>
+            <a:pPr marL="0" lvl="0" indent="0" fontAlgn="base">
+              <a:spcBef>
+                <a:spcPts val="600"/>
+              </a:spcBef>
+              <a:spcAft>
+                <a:spcPts val="600"/>
+              </a:spcAft>
+              <a:buNone/>
             </a:pPr>
             <a:r>
-              <a:rPr lang="en-GB" sz="2400" dirty="0">
-                <a:solidFill>
-                  <a:schemeClr val="tx1"/>
-                </a:solidFill>
-                <a:latin typeface="Arial" panose="020B0604020202020204" pitchFamily="34" charset="0"/>
-                <a:ea typeface="MS PGothic" panose="020B0600070205080204" pitchFamily="34" charset="-128"/>
-              </a:rPr>
-              <a:t>You are encouraged to wear a face covering indoors, especially in crowded, enclosed spaces, unless you are exempt.  This includes </a:t>
-            </a:r>
-            <a:r>
-              <a:rPr lang="en-GB" sz="2400" b="1" dirty="0">
-                <a:solidFill>
-                  <a:schemeClr val="tx1"/>
-                </a:solidFill>
-                <a:latin typeface="Arial" panose="020B0604020202020204" pitchFamily="34" charset="0"/>
-                <a:ea typeface="MS PGothic" panose="020B0600070205080204" pitchFamily="34" charset="-128"/>
-              </a:rPr>
-              <a:t>for Graduate School workshops</a:t>
-            </a:r>
-          </a:p>
-          <a:p>
-            <a:endParaRPr lang="en-US" sz="2400" dirty="0">
-              <a:solidFill>
-                <a:schemeClr val="tx1"/>
-              </a:solidFill>
-            </a:endParaRPr>
-          </a:p>
-          <a:p>
-            <a:pPr marL="285750" indent="-285750">
-              <a:buFont typeface="Arial" panose="020B0604020202020204" pitchFamily="34" charset="0"/>
-              <a:buChar char="•"/>
+              <a:rPr lang="en-GB" sz="100" dirty="0"/>
+              <a:t> </a:t>
+            </a:r>
+          </a:p>
+          <a:p>
+            <a:r>
+              <a:rPr lang="en-GB" sz="2400" b="1" dirty="0"/>
+              <a:t>Recognise</a:t>
+            </a:r>
+            <a:r>
+              <a:rPr lang="en-GB" sz="2400" dirty="0"/>
+              <a:t> the advantages of </a:t>
+            </a:r>
+            <a:r>
+              <a:rPr lang="en-GB" sz="2400" dirty="0" err="1"/>
+              <a:t>LaTeX</a:t>
+            </a:r>
+            <a:r>
+              <a:rPr lang="en-GB" sz="2400" dirty="0"/>
+              <a:t> and its applications in the wider context of typesetting</a:t>
+            </a:r>
+          </a:p>
+          <a:p>
+            <a:endParaRPr lang="en-GB" sz="100" dirty="0"/>
+          </a:p>
+          <a:p>
+            <a:endParaRPr lang="en-GB" sz="100" dirty="0"/>
+          </a:p>
+          <a:p>
+            <a:endParaRPr lang="en-GB" sz="100" dirty="0"/>
+          </a:p>
+          <a:p>
+            <a:r>
+              <a:rPr lang="en-GB" sz="2400" b="1" dirty="0"/>
+              <a:t>Identify</a:t>
+            </a:r>
+            <a:r>
+              <a:rPr lang="en-GB" sz="2400" dirty="0"/>
+              <a:t> the key features for reading and compiling an existing .</a:t>
+            </a:r>
+            <a:r>
+              <a:rPr lang="en-GB" sz="2400" dirty="0" err="1"/>
+              <a:t>tex</a:t>
+            </a:r>
+            <a:r>
+              <a:rPr lang="en-GB" sz="2400" dirty="0"/>
+              <a:t> document</a:t>
+            </a:r>
+          </a:p>
+          <a:p>
+            <a:endParaRPr lang="en-GB" sz="100" dirty="0"/>
+          </a:p>
+          <a:p>
+            <a:endParaRPr lang="en-GB" sz="100" dirty="0"/>
+          </a:p>
+          <a:p>
+            <a:endParaRPr lang="en-GB" sz="100" dirty="0"/>
+          </a:p>
+          <a:p>
+            <a:r>
+              <a:rPr lang="en-GB" sz="2400" b="1" dirty="0"/>
+              <a:t>Develop</a:t>
+            </a:r>
+            <a:r>
+              <a:rPr lang="en-GB" sz="2400" dirty="0"/>
+              <a:t> new technical documents from simple templates</a:t>
+            </a:r>
+          </a:p>
+          <a:p>
+            <a:endParaRPr lang="en-GB" sz="100" dirty="0"/>
+          </a:p>
+          <a:p>
+            <a:endParaRPr lang="en-GB" sz="100" dirty="0"/>
+          </a:p>
+          <a:p>
+            <a:endParaRPr lang="en-GB" sz="100" dirty="0"/>
+          </a:p>
+          <a:p>
+            <a:r>
+              <a:rPr lang="en-GB" sz="2400" b="1" dirty="0"/>
+              <a:t>Create</a:t>
+            </a:r>
+            <a:r>
+              <a:rPr lang="en-GB" sz="2400" dirty="0"/>
+              <a:t> simple equations, figures, tables, lists and references within </a:t>
+            </a:r>
+            <a:r>
+              <a:rPr lang="en-GB" sz="2400" dirty="0" err="1"/>
+              <a:t>LaTeX</a:t>
+            </a:r>
+            <a:endParaRPr lang="en-GB" sz="2400" dirty="0"/>
+          </a:p>
+          <a:p>
+            <a:endParaRPr lang="en-GB" sz="400" dirty="0"/>
+          </a:p>
+          <a:p>
+            <a:endParaRPr lang="en-GB" sz="400" dirty="0"/>
+          </a:p>
+          <a:p>
+            <a:r>
+              <a:rPr lang="en-GB" sz="2400" b="1" dirty="0"/>
+              <a:t>Assess</a:t>
+            </a:r>
+            <a:r>
+              <a:rPr lang="en-GB" sz="2400" dirty="0"/>
+              <a:t> and troubleshoot common compiler problems and use online aid tools</a:t>
+            </a:r>
+          </a:p>
+          <a:p>
+            <a:pPr marL="0" lvl="0" indent="0" fontAlgn="base">
+              <a:spcBef>
+                <a:spcPts val="600"/>
+              </a:spcBef>
+              <a:spcAft>
+                <a:spcPts val="600"/>
+              </a:spcAft>
+              <a:buNone/>
             </a:pPr>
-            <a:r>
-              <a:rPr lang="en-GB" sz="2400" dirty="0">
-                <a:solidFill>
-                  <a:schemeClr val="tx1"/>
-                </a:solidFill>
-                <a:effectLst/>
-                <a:latin typeface="Arial" panose="020B0604020202020204" pitchFamily="34" charset="0"/>
-                <a:ea typeface="MS PGothic" panose="020B0600070205080204" pitchFamily="34" charset="-128"/>
-              </a:rPr>
-              <a:t>Cover your coughs and sneezes to reduce the spread of particles </a:t>
-            </a:r>
-          </a:p>
-          <a:p>
-            <a:endParaRPr lang="en-GB" sz="2400" dirty="0">
-              <a:solidFill>
-                <a:schemeClr val="tx1"/>
-              </a:solidFill>
-              <a:effectLst/>
-              <a:latin typeface="Arial" panose="020B0604020202020204" pitchFamily="34" charset="0"/>
-              <a:ea typeface="MS PGothic" panose="020B0600070205080204" pitchFamily="34" charset="-128"/>
-            </a:endParaRPr>
-          </a:p>
-          <a:p>
-            <a:pPr marL="285750" indent="-285750">
-              <a:buFont typeface="Arial" panose="020B0604020202020204" pitchFamily="34" charset="0"/>
-              <a:buChar char="•"/>
-            </a:pPr>
-            <a:r>
-              <a:rPr lang="en-GB" sz="2400" dirty="0">
-                <a:solidFill>
-                  <a:schemeClr val="tx1"/>
-                </a:solidFill>
-                <a:latin typeface="Arial" panose="020B0604020202020204" pitchFamily="34" charset="0"/>
-                <a:ea typeface="MS PGothic" panose="020B0600070205080204" pitchFamily="34" charset="-128"/>
-              </a:rPr>
-              <a:t>R</a:t>
-            </a:r>
-            <a:r>
-              <a:rPr lang="en-GB" sz="2400" dirty="0">
-                <a:solidFill>
-                  <a:schemeClr val="tx1"/>
-                </a:solidFill>
-                <a:effectLst/>
-                <a:latin typeface="Arial" panose="020B0604020202020204" pitchFamily="34" charset="0"/>
-                <a:ea typeface="MS PGothic" panose="020B0600070205080204" pitchFamily="34" charset="-128"/>
-              </a:rPr>
-              <a:t>espect people’s wishes for extra space </a:t>
-            </a:r>
-          </a:p>
-          <a:p>
-            <a:endParaRPr lang="en-GB" sz="2400" dirty="0">
-              <a:solidFill>
-                <a:schemeClr val="tx1"/>
-              </a:solidFill>
-              <a:latin typeface="Arial" panose="020B0604020202020204" pitchFamily="34" charset="0"/>
-              <a:ea typeface="MS PGothic" panose="020B0600070205080204" pitchFamily="34" charset="-128"/>
-            </a:endParaRPr>
-          </a:p>
-          <a:p>
-            <a:pPr marL="285750" indent="-285750">
-              <a:buFont typeface="Arial" panose="020B0604020202020204" pitchFamily="34" charset="0"/>
-              <a:buChar char="•"/>
-            </a:pPr>
-            <a:r>
-              <a:rPr lang="en-GB" sz="2400" dirty="0">
-                <a:solidFill>
-                  <a:schemeClr val="tx1"/>
-                </a:solidFill>
-                <a:effectLst/>
-                <a:latin typeface="Arial" panose="020B0604020202020204" pitchFamily="34" charset="0"/>
-                <a:ea typeface="MS PGothic" panose="020B0600070205080204" pitchFamily="34" charset="-128"/>
-              </a:rPr>
-              <a:t>Use hand sanitiser where it is available to you</a:t>
-            </a:r>
-          </a:p>
-          <a:p>
-            <a:r>
-              <a:rPr lang="en-GB" sz="2400" dirty="0">
-                <a:solidFill>
-                  <a:schemeClr val="tx1"/>
-                </a:solidFill>
-                <a:effectLst/>
-                <a:latin typeface="Arial" panose="020B0604020202020204" pitchFamily="34" charset="0"/>
-                <a:ea typeface="MS PGothic" panose="020B0600070205080204" pitchFamily="34" charset="-128"/>
-              </a:rPr>
-              <a:t> </a:t>
-            </a:r>
+            <a:endParaRPr lang="en-GB" sz="2400" dirty="0"/>
           </a:p>
         </p:txBody>
       </p:sp>
     </p:spTree>
     <p:extLst>
       <p:ext uri="{BB962C8B-B14F-4D97-AF65-F5344CB8AC3E}">
-        <p14:creationId xmlns:p14="http://schemas.microsoft.com/office/powerpoint/2010/main" val="2596273163"/>
+        <p14:creationId xmlns:p14="http://schemas.microsoft.com/office/powerpoint/2010/main" val="3248724752"/>
       </p:ext>
     </p:extLst>
   </p:cSld>
   <p:clrMapOvr>
     <a:masterClrMapping/>
   </p:clrMapOvr>
+  <mc:AlternateContent xmlns:mc="http://schemas.openxmlformats.org/markup-compatibility/2006" xmlns:p14="http://schemas.microsoft.com/office/powerpoint/2010/main">
+    <mc:Choice Requires="p14">
+      <p:transition p14:dur="10"/>
+    </mc:Choice>
+    <mc:Fallback xmlns="">
+      <p:transition/>
+    </mc:Fallback>
+  </mc:AlternateContent>
 </p:sld>
 </file>
 
@@ -13253,9 +12979,10 @@
           <a:lstStyle/>
           <a:p>
             <a:r>
-              <a:rPr lang="en-GB" sz="4000" dirty="0"/>
-              <a:t>Learning Outcomes</a:t>
-            </a:r>
+              <a:rPr lang="en-GB" sz="4000" dirty="0" err="1"/>
+              <a:t>LaTeX</a:t>
+            </a:r>
+            <a:endParaRPr lang="en-GB" sz="4000" dirty="0"/>
           </a:p>
         </p:txBody>
       </p:sp>
@@ -13281,6 +13008,48 @@
           </a:bodyPr>
           <a:lstStyle/>
           <a:p>
+            <a:pPr fontAlgn="base">
+              <a:spcBef>
+                <a:spcPts val="600"/>
+              </a:spcBef>
+              <a:spcAft>
+                <a:spcPts val="600"/>
+              </a:spcAft>
+            </a:pPr>
+            <a:r>
+              <a:rPr lang="en-GB" sz="2400" dirty="0"/>
+              <a:t>What is LaTeX?</a:t>
+            </a:r>
+          </a:p>
+          <a:p>
+            <a:pPr fontAlgn="base">
+              <a:spcBef>
+                <a:spcPts val="600"/>
+              </a:spcBef>
+              <a:spcAft>
+                <a:spcPts val="600"/>
+              </a:spcAft>
+            </a:pPr>
+            <a:r>
+              <a:rPr lang="en-US" sz="2400" dirty="0"/>
+              <a:t>How do I use it?</a:t>
+            </a:r>
+          </a:p>
+          <a:p>
+            <a:pPr fontAlgn="base">
+              <a:spcBef>
+                <a:spcPts val="600"/>
+              </a:spcBef>
+              <a:spcAft>
+                <a:spcPts val="600"/>
+              </a:spcAft>
+            </a:pPr>
+            <a:r>
+              <a:rPr lang="en-US" sz="2400" dirty="0"/>
+              <a:t>Why would I use it?</a:t>
+            </a:r>
+          </a:p>
+          <a:p>
             <a:pPr marL="0" lvl="0" indent="0" fontAlgn="base">
               <a:spcBef>
                 <a:spcPts val="600"/>
@@ -13290,114 +13059,7 @@
               </a:spcAft>
               <a:buNone/>
             </a:pPr>
-            <a:r>
-              <a:rPr lang="en-GB" sz="100" dirty="0"/>
-              <a:t> </a:t>
-            </a:r>
-          </a:p>
-          <a:p>
-            <a:r>
-              <a:rPr lang="en-GB" sz="2400" b="1" dirty="0"/>
-              <a:t>Recognise</a:t>
-            </a:r>
-            <a:r>
-              <a:rPr lang="en-GB" sz="2400" dirty="0"/>
-              <a:t> the advantages of </a:t>
-            </a:r>
-            <a:r>
-              <a:rPr lang="en-GB" sz="2400" dirty="0" err="1"/>
-              <a:t>LaTeX</a:t>
-            </a:r>
-            <a:r>
-              <a:rPr lang="en-GB" sz="2400" dirty="0"/>
-              <a:t> and its applications in the wider context of typesetting</a:t>
-            </a:r>
-          </a:p>
-          <a:p>
-            <a:endParaRPr lang="en-GB" sz="100" dirty="0"/>
-          </a:p>
-          <a:p>
-            <a:endParaRPr lang="en-GB" sz="100" dirty="0"/>
-          </a:p>
-          <a:p>
-            <a:endParaRPr lang="en-GB" sz="100" dirty="0"/>
-          </a:p>
-          <a:p>
-            <a:r>
-              <a:rPr lang="en-GB" sz="2400" b="1" dirty="0"/>
-              <a:t>Identify</a:t>
-            </a:r>
-            <a:r>
-              <a:rPr lang="en-GB" sz="2400" dirty="0"/>
-              <a:t> the key features for reading and compiling an existing .</a:t>
-            </a:r>
-            <a:r>
-              <a:rPr lang="en-GB" sz="2400" dirty="0" err="1"/>
-              <a:t>tex</a:t>
-            </a:r>
-            <a:r>
-              <a:rPr lang="en-GB" sz="2400" dirty="0"/>
-              <a:t> document</a:t>
-            </a:r>
-          </a:p>
-          <a:p>
-            <a:endParaRPr lang="en-GB" sz="100" dirty="0"/>
-          </a:p>
-          <a:p>
-            <a:endParaRPr lang="en-GB" sz="100" dirty="0"/>
-          </a:p>
-          <a:p>
-            <a:endParaRPr lang="en-GB" sz="100" dirty="0"/>
-          </a:p>
-          <a:p>
-            <a:r>
-              <a:rPr lang="en-GB" sz="2400" b="1" dirty="0"/>
-              <a:t>Develop</a:t>
-            </a:r>
-            <a:r>
-              <a:rPr lang="en-GB" sz="2400" dirty="0"/>
-              <a:t> new technical documents from simple templates</a:t>
-            </a:r>
-          </a:p>
-          <a:p>
-            <a:endParaRPr lang="en-GB" sz="100" dirty="0"/>
-          </a:p>
-          <a:p>
-            <a:endParaRPr lang="en-GB" sz="100" dirty="0"/>
-          </a:p>
-          <a:p>
-            <a:endParaRPr lang="en-GB" sz="100" dirty="0"/>
-          </a:p>
-          <a:p>
-            <a:r>
-              <a:rPr lang="en-GB" sz="2400" b="1" dirty="0"/>
-              <a:t>Create</a:t>
-            </a:r>
-            <a:r>
-              <a:rPr lang="en-GB" sz="2400" dirty="0"/>
-              <a:t> simple equations, figures, tables, lists and references within </a:t>
-            </a:r>
-            <a:r>
-              <a:rPr lang="en-GB" sz="2400" dirty="0" err="1"/>
-              <a:t>LaTeX</a:t>
-            </a:r>
-            <a:endParaRPr lang="en-GB" sz="2400" dirty="0"/>
-          </a:p>
-          <a:p>
-            <a:endParaRPr lang="en-GB" sz="400" dirty="0"/>
-          </a:p>
-          <a:p>
-            <a:endParaRPr lang="en-GB" sz="400" dirty="0"/>
-          </a:p>
-          <a:p>
-            <a:r>
-              <a:rPr lang="en-GB" sz="2400" b="1" dirty="0"/>
-              <a:t>Assess</a:t>
-            </a:r>
-            <a:r>
-              <a:rPr lang="en-GB" sz="2400" dirty="0"/>
-              <a:t> and troubleshoot common compiler problems and use online aid tools</a:t>
-            </a:r>
+            <a:endParaRPr lang="en-US" sz="2400" dirty="0"/>
           </a:p>
           <a:p>
             <a:pPr marL="0" lvl="0" indent="0" fontAlgn="base">
@@ -13416,7 +13078,7 @@
     </p:spTree>
     <p:extLst>
       <p:ext uri="{BB962C8B-B14F-4D97-AF65-F5344CB8AC3E}">
-        <p14:creationId xmlns:p14="http://schemas.microsoft.com/office/powerpoint/2010/main" val="3248724752"/>
+        <p14:creationId xmlns:p14="http://schemas.microsoft.com/office/powerpoint/2010/main" val="764725023"/>
       </p:ext>
     </p:extLst>
   </p:cSld>
@@ -13467,156 +13129,6 @@
           <a:lstStyle/>
           <a:p>
             <a:r>
-              <a:rPr lang="en-GB" sz="4000" dirty="0" err="1"/>
-              <a:t>LaTeX</a:t>
-            </a:r>
-            <a:endParaRPr lang="en-GB" sz="4000" dirty="0"/>
-          </a:p>
-        </p:txBody>
-      </p:sp>
-      <p:sp>
-        <p:nvSpPr>
-          <p:cNvPr id="3" name="Content Placeholder 2"/>
-          <p:cNvSpPr>
-            <a:spLocks noGrp="1"/>
-          </p:cNvSpPr>
-          <p:nvPr>
-            <p:ph idx="1"/>
-          </p:nvPr>
-        </p:nvSpPr>
-        <p:spPr>
-          <a:xfrm>
-            <a:off x="457200" y="1600200"/>
-            <a:ext cx="8435280" cy="4876800"/>
-          </a:xfrm>
-        </p:spPr>
-        <p:txBody>
-          <a:bodyPr>
-            <a:normAutofit/>
-          </a:bodyPr>
-          <a:lstStyle/>
-          <a:p>
-            <a:pPr fontAlgn="base">
-              <a:spcBef>
-                <a:spcPts val="600"/>
-              </a:spcBef>
-              <a:spcAft>
-                <a:spcPts val="600"/>
-              </a:spcAft>
-            </a:pPr>
-            <a:r>
-              <a:rPr lang="en-GB" sz="2400" dirty="0"/>
-              <a:t>What is LaTeX?</a:t>
-            </a:r>
-          </a:p>
-          <a:p>
-            <a:pPr fontAlgn="base">
-              <a:spcBef>
-                <a:spcPts val="600"/>
-              </a:spcBef>
-              <a:spcAft>
-                <a:spcPts val="600"/>
-              </a:spcAft>
-            </a:pPr>
-            <a:r>
-              <a:rPr lang="en-US" sz="2400" dirty="0"/>
-              <a:t>How do I use it?</a:t>
-            </a:r>
-          </a:p>
-          <a:p>
-            <a:pPr fontAlgn="base">
-              <a:spcBef>
-                <a:spcPts val="600"/>
-              </a:spcBef>
-              <a:spcAft>
-                <a:spcPts val="600"/>
-              </a:spcAft>
-            </a:pPr>
-            <a:r>
-              <a:rPr lang="en-US" sz="2400" dirty="0"/>
-              <a:t>Why would I use it?</a:t>
-            </a:r>
-          </a:p>
-          <a:p>
-            <a:pPr marL="0" lvl="0" indent="0" fontAlgn="base">
-              <a:spcBef>
-                <a:spcPts val="600"/>
-              </a:spcBef>
-              <a:spcAft>
-                <a:spcPts val="600"/>
-              </a:spcAft>
-              <a:buNone/>
-            </a:pPr>
-            <a:endParaRPr lang="en-US" sz="2400" dirty="0"/>
-          </a:p>
-          <a:p>
-            <a:pPr marL="0" lvl="0" indent="0" fontAlgn="base">
-              <a:spcBef>
-                <a:spcPts val="600"/>
-              </a:spcBef>
-              <a:spcAft>
-                <a:spcPts val="600"/>
-              </a:spcAft>
-              <a:buNone/>
-            </a:pPr>
-            <a:endParaRPr lang="en-GB" sz="2400" dirty="0"/>
-          </a:p>
-        </p:txBody>
-      </p:sp>
-    </p:spTree>
-    <p:extLst>
-      <p:ext uri="{BB962C8B-B14F-4D97-AF65-F5344CB8AC3E}">
-        <p14:creationId xmlns:p14="http://schemas.microsoft.com/office/powerpoint/2010/main" val="764725023"/>
-      </p:ext>
-    </p:extLst>
-  </p:cSld>
-  <p:clrMapOvr>
-    <a:masterClrMapping/>
-  </p:clrMapOvr>
-  <mc:AlternateContent xmlns:mc="http://schemas.openxmlformats.org/markup-compatibility/2006" xmlns:p14="http://schemas.microsoft.com/office/powerpoint/2010/main">
-    <mc:Choice Requires="p14">
-      <p:transition p14:dur="10"/>
-    </mc:Choice>
-    <mc:Fallback xmlns="">
-      <p:transition/>
-    </mc:Fallback>
-  </mc:AlternateContent>
-</p:sld>
-</file>
-
-<file path=ppt/slides/slide6.xml><?xml version="1.0" encoding="utf-8"?>
-<p:sld xmlns:a="http://schemas.openxmlformats.org/drawingml/2006/main" xmlns:r="http://schemas.openxmlformats.org/officeDocument/2006/relationships" xmlns:p="http://schemas.openxmlformats.org/presentationml/2006/main">
-  <p:cSld>
-    <p:spTree>
-      <p:nvGrpSpPr>
-        <p:cNvPr id="1" name=""/>
-        <p:cNvGrpSpPr/>
-        <p:nvPr/>
-      </p:nvGrpSpPr>
-      <p:grpSpPr>
-        <a:xfrm>
-          <a:off x="0" y="0"/>
-          <a:ext cx="0" cy="0"/>
-          <a:chOff x="0" y="0"/>
-          <a:chExt cx="0" cy="0"/>
-        </a:xfrm>
-      </p:grpSpPr>
-      <p:sp>
-        <p:nvSpPr>
-          <p:cNvPr id="2" name="Title 1"/>
-          <p:cNvSpPr>
-            <a:spLocks noGrp="1"/>
-          </p:cNvSpPr>
-          <p:nvPr>
-            <p:ph type="title"/>
-          </p:nvPr>
-        </p:nvSpPr>
-        <p:spPr/>
-        <p:txBody>
-          <a:bodyPr/>
-          <a:lstStyle/>
-          <a:p>
-            <a:r>
               <a:rPr lang="en-GB" sz="4000" dirty="0"/>
               <a:t>Overleaf</a:t>
             </a:r>
@@ -13788,7 +13300,7 @@
 </p:sld>
 </file>
 
-<file path=ppt/slides/slide7.xml><?xml version="1.0" encoding="utf-8"?>
+<file path=ppt/slides/slide6.xml><?xml version="1.0" encoding="utf-8"?>
 <p:sld xmlns:a="http://schemas.openxmlformats.org/drawingml/2006/main" xmlns:r="http://schemas.openxmlformats.org/officeDocument/2006/relationships" xmlns:p="http://schemas.openxmlformats.org/presentationml/2006/main">
   <p:cSld>
     <p:spTree>
@@ -14467,7 +13979,7 @@
 </p:sld>
 </file>
 
-<file path=ppt/slides/slide8.xml><?xml version="1.0" encoding="utf-8"?>
+<file path=ppt/slides/slide7.xml><?xml version="1.0" encoding="utf-8"?>
 <p:sld xmlns:a="http://schemas.openxmlformats.org/drawingml/2006/main" xmlns:r="http://schemas.openxmlformats.org/officeDocument/2006/relationships" xmlns:p="http://schemas.openxmlformats.org/presentationml/2006/main">
   <p:cSld>
     <p:spTree>
@@ -14775,7 +14287,7 @@
 </p:sld>
 </file>
 
-<file path=ppt/slides/slide9.xml><?xml version="1.0" encoding="utf-8"?>
+<file path=ppt/slides/slide8.xml><?xml version="1.0" encoding="utf-8"?>
 <p:sld xmlns:a="http://schemas.openxmlformats.org/drawingml/2006/main" xmlns:r="http://schemas.openxmlformats.org/officeDocument/2006/relationships" xmlns:p="http://schemas.openxmlformats.org/presentationml/2006/main">
   <p:cSld>
     <p:spTree>
@@ -15090,6 +14602,265 @@
     <p:extLst>
       <p:ext uri="{BB962C8B-B14F-4D97-AF65-F5344CB8AC3E}">
         <p14:creationId xmlns:p14="http://schemas.microsoft.com/office/powerpoint/2010/main" val="3436705082"/>
+      </p:ext>
+    </p:extLst>
+  </p:cSld>
+  <p:clrMapOvr>
+    <a:masterClrMapping/>
+  </p:clrMapOvr>
+  <mc:AlternateContent xmlns:mc="http://schemas.openxmlformats.org/markup-compatibility/2006" xmlns:p14="http://schemas.microsoft.com/office/powerpoint/2010/main">
+    <mc:Choice Requires="p14">
+      <p:transition p14:dur="10"/>
+    </mc:Choice>
+    <mc:Fallback xmlns="">
+      <p:transition/>
+    </mc:Fallback>
+  </mc:AlternateContent>
+</p:sld>
+</file>
+
+<file path=ppt/slides/slide9.xml><?xml version="1.0" encoding="utf-8"?>
+<p:sld xmlns:a="http://schemas.openxmlformats.org/drawingml/2006/main" xmlns:r="http://schemas.openxmlformats.org/officeDocument/2006/relationships" xmlns:p="http://schemas.openxmlformats.org/presentationml/2006/main">
+  <p:cSld>
+    <p:spTree>
+      <p:nvGrpSpPr>
+        <p:cNvPr id="1" name=""/>
+        <p:cNvGrpSpPr/>
+        <p:nvPr/>
+      </p:nvGrpSpPr>
+      <p:grpSpPr>
+        <a:xfrm>
+          <a:off x="0" y="0"/>
+          <a:ext cx="0" cy="0"/>
+          <a:chOff x="0" y="0"/>
+          <a:chExt cx="0" cy="0"/>
+        </a:xfrm>
+      </p:grpSpPr>
+      <p:sp>
+        <p:nvSpPr>
+          <p:cNvPr id="2" name="Title 1"/>
+          <p:cNvSpPr>
+            <a:spLocks noGrp="1"/>
+          </p:cNvSpPr>
+          <p:nvPr>
+            <p:ph type="title"/>
+          </p:nvPr>
+        </p:nvSpPr>
+        <p:spPr/>
+        <p:txBody>
+          <a:bodyPr/>
+          <a:lstStyle/>
+          <a:p>
+            <a:r>
+              <a:rPr lang="en-GB" sz="4000" dirty="0"/>
+              <a:t>Table of Contents</a:t>
+            </a:r>
+          </a:p>
+        </p:txBody>
+      </p:sp>
+      <p:sp>
+        <p:nvSpPr>
+          <p:cNvPr id="4" name="TextBox 3"/>
+          <p:cNvSpPr txBox="1"/>
+          <p:nvPr/>
+        </p:nvSpPr>
+        <p:spPr>
+          <a:xfrm>
+            <a:off x="746438" y="3245892"/>
+            <a:ext cx="2896947" cy="553998"/>
+          </a:xfrm>
+          <a:prstGeom prst="rect">
+            <a:avLst/>
+          </a:prstGeom>
+          <a:noFill/>
+        </p:spPr>
+        <p:txBody>
+          <a:bodyPr wrap="none" rtlCol="0">
+            <a:spAutoFit/>
+          </a:bodyPr>
+          <a:lstStyle/>
+          <a:p>
+            <a:r>
+              <a:rPr lang="en-GB" sz="3000" dirty="0">
+                <a:solidFill>
+                  <a:schemeClr val="tx2">
+                    <a:lumMod val="50000"/>
+                    <a:lumOff val="50000"/>
+                  </a:schemeClr>
+                </a:solidFill>
+                <a:latin typeface="+mj-lt"/>
+                <a:cs typeface="Courier New" panose="02070309020205020404" pitchFamily="49" charset="0"/>
+              </a:rPr>
+              <a:t>\</a:t>
+            </a:r>
+            <a:r>
+              <a:rPr lang="en-GB" sz="3000" dirty="0" err="1">
+                <a:solidFill>
+                  <a:schemeClr val="tx2">
+                    <a:lumMod val="50000"/>
+                    <a:lumOff val="50000"/>
+                  </a:schemeClr>
+                </a:solidFill>
+                <a:latin typeface="+mj-lt"/>
+                <a:cs typeface="Courier New" panose="02070309020205020404" pitchFamily="49" charset="0"/>
+              </a:rPr>
+              <a:t>tableofcontents</a:t>
+            </a:r>
+            <a:endParaRPr lang="en-GB" sz="3000" dirty="0">
+              <a:solidFill>
+                <a:schemeClr val="tx2">
+                  <a:lumMod val="50000"/>
+                  <a:lumOff val="50000"/>
+                </a:schemeClr>
+              </a:solidFill>
+              <a:latin typeface="+mj-lt"/>
+              <a:cs typeface="Courier New" panose="02070309020205020404" pitchFamily="49" charset="0"/>
+            </a:endParaRPr>
+          </a:p>
+        </p:txBody>
+      </p:sp>
+      <p:cxnSp>
+        <p:nvCxnSpPr>
+          <p:cNvPr id="11" name="Straight Connector 10"/>
+          <p:cNvCxnSpPr/>
+          <p:nvPr/>
+        </p:nvCxnSpPr>
+        <p:spPr>
+          <a:xfrm>
+            <a:off x="4572000" y="1417638"/>
+            <a:ext cx="0" cy="5440362"/>
+          </a:xfrm>
+          <a:prstGeom prst="line">
+            <a:avLst/>
+          </a:prstGeom>
+        </p:spPr>
+        <p:style>
+          <a:lnRef idx="2">
+            <a:schemeClr val="accent1"/>
+          </a:lnRef>
+          <a:fillRef idx="0">
+            <a:schemeClr val="accent1"/>
+          </a:fillRef>
+          <a:effectRef idx="1">
+            <a:schemeClr val="accent1"/>
+          </a:effectRef>
+          <a:fontRef idx="minor">
+            <a:schemeClr val="tx1"/>
+          </a:fontRef>
+        </p:style>
+      </p:cxnSp>
+      <p:sp>
+        <p:nvSpPr>
+          <p:cNvPr id="3" name="TextBox 2"/>
+          <p:cNvSpPr txBox="1"/>
+          <p:nvPr/>
+        </p:nvSpPr>
+        <p:spPr>
+          <a:xfrm>
+            <a:off x="4735773" y="2130202"/>
+            <a:ext cx="4189863" cy="2246769"/>
+          </a:xfrm>
+          <a:prstGeom prst="rect">
+            <a:avLst/>
+          </a:prstGeom>
+          <a:noFill/>
+        </p:spPr>
+        <p:txBody>
+          <a:bodyPr wrap="square" rtlCol="0">
+            <a:spAutoFit/>
+          </a:bodyPr>
+          <a:lstStyle/>
+          <a:p>
+            <a:r>
+              <a:rPr lang="en-US" sz="4000" dirty="0">
+                <a:latin typeface="Times New Roman" panose="02020603050405020304" pitchFamily="18" charset="0"/>
+                <a:cs typeface="Times New Roman" panose="02020603050405020304" pitchFamily="18" charset="0"/>
+              </a:rPr>
+              <a:t>Contents</a:t>
+            </a:r>
+          </a:p>
+          <a:p>
+            <a:endParaRPr lang="en-US" sz="1000" dirty="0">
+              <a:latin typeface="Times New Roman" panose="02020603050405020304" pitchFamily="18" charset="0"/>
+              <a:cs typeface="Times New Roman" panose="02020603050405020304" pitchFamily="18" charset="0"/>
+            </a:endParaRPr>
+          </a:p>
+          <a:p>
+            <a:r>
+              <a:rPr lang="en-US" sz="3000" dirty="0">
+                <a:latin typeface="Times New Roman" panose="02020603050405020304" pitchFamily="18" charset="0"/>
+                <a:cs typeface="Times New Roman" panose="02020603050405020304" pitchFamily="18" charset="0"/>
+              </a:rPr>
+              <a:t>1		 The Cat				1</a:t>
+            </a:r>
+          </a:p>
+          <a:p>
+            <a:r>
+              <a:rPr lang="en-US" sz="3000" dirty="0">
+                <a:latin typeface="Times New Roman" panose="02020603050405020304" pitchFamily="18" charset="0"/>
+                <a:cs typeface="Times New Roman" panose="02020603050405020304" pitchFamily="18" charset="0"/>
+              </a:rPr>
+              <a:t>	1.1	 Sat On……...	2</a:t>
+            </a:r>
+          </a:p>
+          <a:p>
+            <a:r>
+              <a:rPr lang="en-US" sz="3000" dirty="0">
+                <a:latin typeface="Times New Roman" panose="02020603050405020304" pitchFamily="18" charset="0"/>
+                <a:cs typeface="Times New Roman" panose="02020603050405020304" pitchFamily="18" charset="0"/>
+              </a:rPr>
+              <a:t>		1.1.1   The Mat…	3</a:t>
+            </a:r>
+            <a:endParaRPr lang="en-GB" sz="3000" dirty="0">
+              <a:latin typeface="Times New Roman" panose="02020603050405020304" pitchFamily="18" charset="0"/>
+              <a:cs typeface="Times New Roman" panose="02020603050405020304" pitchFamily="18" charset="0"/>
+            </a:endParaRPr>
+          </a:p>
+        </p:txBody>
+      </p:sp>
+      <p:sp>
+        <p:nvSpPr>
+          <p:cNvPr id="6" name="TextBox 5">
+            <a:extLst>
+              <a:ext uri="{FF2B5EF4-FFF2-40B4-BE49-F238E27FC236}">
+                <a16:creationId xmlns:a16="http://schemas.microsoft.com/office/drawing/2014/main" id="{016B593D-9671-4306-AC3D-C3E5EF3900E6}"/>
+              </a:ext>
+            </a:extLst>
+          </p:cNvPr>
+          <p:cNvSpPr txBox="1"/>
+          <p:nvPr/>
+        </p:nvSpPr>
+        <p:spPr>
+          <a:xfrm>
+            <a:off x="7357241" y="6498021"/>
+            <a:ext cx="1697422" cy="369332"/>
+          </a:xfrm>
+          <a:prstGeom prst="rect">
+            <a:avLst/>
+          </a:prstGeom>
+          <a:noFill/>
+        </p:spPr>
+        <p:txBody>
+          <a:bodyPr wrap="square" rtlCol="0">
+            <a:spAutoFit/>
+          </a:bodyPr>
+          <a:lstStyle/>
+          <a:p>
+            <a:r>
+              <a:rPr lang="en-GB" dirty="0">
+                <a:solidFill>
+                  <a:schemeClr val="accent2"/>
+                </a:solidFill>
+              </a:rPr>
+              <a:t>Problem Sheet</a:t>
+            </a:r>
+          </a:p>
+        </p:txBody>
+      </p:sp>
+    </p:spTree>
+    <p:extLst>
+      <p:ext uri="{BB962C8B-B14F-4D97-AF65-F5344CB8AC3E}">
+        <p14:creationId xmlns:p14="http://schemas.microsoft.com/office/powerpoint/2010/main" val="2980091057"/>
       </p:ext>
     </p:extLst>
   </p:cSld>

--- a/Intro to Latex Slides.pptx
+++ b/Intro to Latex Slides.pptx
@@ -34,7 +34,7 @@
     <p:sldId id="290" r:id="rId22"/>
     <p:sldId id="291" r:id="rId23"/>
     <p:sldId id="328" r:id="rId24"/>
-    <p:sldId id="331" r:id="rId25"/>
+    <p:sldId id="335" r:id="rId25"/>
     <p:sldId id="280" r:id="rId26"/>
   </p:sldIdLst>
   <p:sldSz cx="9144000" cy="6858000" type="screen4x3"/>
@@ -162,7 +162,7 @@
             <p14:sldId id="290"/>
             <p14:sldId id="291"/>
             <p14:sldId id="328"/>
-            <p14:sldId id="331"/>
+            <p14:sldId id="335"/>
             <p14:sldId id="280"/>
           </p14:sldIdLst>
         </p14:section>
@@ -187,6 +187,42 @@
     </p:ext>
   </p:extLst>
 </p:presentation>
+</file>
+
+<file path=ppt/revisionInfo.xml><?xml version="1.0" encoding="utf-8"?>
+<p1510:revInfo xmlns:a="http://schemas.openxmlformats.org/drawingml/2006/main" xmlns:r="http://schemas.openxmlformats.org/officeDocument/2006/relationships" xmlns:p1510="http://schemas.microsoft.com/office/powerpoint/2015/10/main">
+  <p1510:revLst>
+    <p1510:client id="{99A4F19C-454B-4D6F-8788-E5B990F556FB}" v="1" dt="2022-10-10T13:56:54.173"/>
+  </p1510:revLst>
+</p1510:revInfo>
+</file>
+
+<file path=ppt/changesInfos/changesInfo1.xml><?xml version="1.0" encoding="utf-8"?>
+<pc:chgInfo xmlns:a="http://schemas.openxmlformats.org/drawingml/2006/main" xmlns:r="http://schemas.openxmlformats.org/officeDocument/2006/relationships" xmlns:ac="http://schemas.microsoft.com/office/drawing/2013/main/command" xmlns:pc="http://schemas.microsoft.com/office/powerpoint/2013/main/command">
+  <pc:docChgLst>
+    <pc:chgData name="Cooling, Chris" userId="6dcf99c9-2ba5-410a-8445-0893a3d1421f" providerId="ADAL" clId="{99A4F19C-454B-4D6F-8788-E5B990F556FB}"/>
+    <pc:docChg chg="addSld delSld modSld modSection">
+      <pc:chgData name="Cooling, Chris" userId="6dcf99c9-2ba5-410a-8445-0893a3d1421f" providerId="ADAL" clId="{99A4F19C-454B-4D6F-8788-E5B990F556FB}" dt="2022-10-10T13:56:55.487" v="1" actId="47"/>
+      <pc:docMkLst>
+        <pc:docMk/>
+      </pc:docMkLst>
+      <pc:sldChg chg="del">
+        <pc:chgData name="Cooling, Chris" userId="6dcf99c9-2ba5-410a-8445-0893a3d1421f" providerId="ADAL" clId="{99A4F19C-454B-4D6F-8788-E5B990F556FB}" dt="2022-10-10T13:56:55.487" v="1" actId="47"/>
+        <pc:sldMkLst>
+          <pc:docMk/>
+          <pc:sldMk cId="2122788927" sldId="331"/>
+        </pc:sldMkLst>
+      </pc:sldChg>
+      <pc:sldChg chg="add">
+        <pc:chgData name="Cooling, Chris" userId="6dcf99c9-2ba5-410a-8445-0893a3d1421f" providerId="ADAL" clId="{99A4F19C-454B-4D6F-8788-E5B990F556FB}" dt="2022-10-10T13:56:54.172" v="0"/>
+        <pc:sldMkLst>
+          <pc:docMk/>
+          <pc:sldMk cId="466020703" sldId="335"/>
+        </pc:sldMkLst>
+      </pc:sldChg>
+    </pc:docChg>
+  </pc:docChgLst>
+</pc:chgInfo>
 </file>
 
 <file path=ppt/handoutMasters/handoutMaster1.xml><?xml version="1.0" encoding="utf-8"?>
@@ -438,7 +474,7 @@
           <a:p>
             <a:fld id="{88EB714B-C3CC-4216-88C1-02913905B1CF}" type="datetimeFigureOut">
               <a:rPr lang="en-GB" smtClean="0"/>
-              <a:t>20/05/2022</a:t>
+              <a:t>10/10/2022</a:t>
             </a:fld>
             <a:endParaRPr lang="en-GB"/>
           </a:p>
@@ -4464,7 +4500,7 @@
           <a:p>
             <a:fld id="{EB0080F8-EA1C-491D-963C-2C881B2F918F}" type="datetimeFigureOut">
               <a:rPr lang="en-GB" smtClean="0"/>
-              <a:t>20/05/2022</a:t>
+              <a:t>10/10/2022</a:t>
             </a:fld>
             <a:endParaRPr lang="en-GB"/>
           </a:p>
@@ -4614,7 +4650,7 @@
           <a:p>
             <a:fld id="{EB0080F8-EA1C-491D-963C-2C881B2F918F}" type="datetimeFigureOut">
               <a:rPr lang="en-GB" smtClean="0"/>
-              <a:t>20/05/2022</a:t>
+              <a:t>10/10/2022</a:t>
             </a:fld>
             <a:endParaRPr lang="en-GB"/>
           </a:p>
@@ -6147,7 +6183,7 @@
           <a:p>
             <a:fld id="{EB0080F8-EA1C-491D-963C-2C881B2F918F}" type="datetimeFigureOut">
               <a:rPr lang="en-GB" smtClean="0"/>
-              <a:t>20/05/2022</a:t>
+              <a:t>10/10/2022</a:t>
             </a:fld>
             <a:endParaRPr lang="en-GB"/>
           </a:p>
@@ -12471,6 +12507,36 @@
           <a:chExt cx="0" cy="0"/>
         </a:xfrm>
       </p:grpSpPr>
+      <p:pic>
+        <p:nvPicPr>
+          <p:cNvPr id="5" name="Picture 4" descr="Qr code&#10;&#10;Description automatically generated">
+            <a:extLst>
+              <a:ext uri="{FF2B5EF4-FFF2-40B4-BE49-F238E27FC236}">
+                <a16:creationId xmlns:a16="http://schemas.microsoft.com/office/drawing/2014/main" id="{6EC95C70-AC70-4FEA-AC75-84A729884BE8}"/>
+              </a:ext>
+            </a:extLst>
+          </p:cNvPr>
+          <p:cNvPicPr>
+            <a:picLocks noChangeAspect="1"/>
+          </p:cNvPicPr>
+          <p:nvPr/>
+        </p:nvPicPr>
+        <p:blipFill>
+          <a:blip r:embed="rId3"/>
+          <a:stretch>
+            <a:fillRect/>
+          </a:stretch>
+        </p:blipFill>
+        <p:spPr>
+          <a:xfrm>
+            <a:off x="3111335" y="3921107"/>
+            <a:ext cx="2921330" cy="2921330"/>
+          </a:xfrm>
+          <a:prstGeom prst="rect">
+            <a:avLst/>
+          </a:prstGeom>
+        </p:spPr>
+      </p:pic>
       <p:sp>
         <p:nvSpPr>
           <p:cNvPr id="2" name="Title 1"/>
@@ -12506,12 +12572,12 @@
         <p:spPr>
           <a:xfrm>
             <a:off x="457200" y="1600200"/>
-            <a:ext cx="8435280" cy="4876800"/>
+            <a:ext cx="8435280" cy="2787732"/>
           </a:xfrm>
         </p:spPr>
         <p:txBody>
           <a:bodyPr>
-            <a:normAutofit/>
+            <a:normAutofit lnSpcReduction="10000"/>
           </a:bodyPr>
           <a:lstStyle/>
           <a:p>
@@ -12527,27 +12593,12 @@
               <a:t>The link is </a:t>
             </a:r>
             <a:r>
-              <a:rPr lang="en-GB" sz="2600" u="sng" dirty="0">
-                <a:solidFill>
-                  <a:srgbClr val="000000"/>
-                </a:solidFill>
-                <a:effectLst/>
-                <a:latin typeface="Arial" panose="020B0604020202020204" pitchFamily="34" charset="0"/>
-                <a:ea typeface="Times New Roman" panose="02020603050405020304" pitchFamily="18" charset="0"/>
-                <a:cs typeface="Arial" panose="020B0604020202020204" pitchFamily="34" charset="0"/>
-                <a:hlinkClick r:id="rId3"/>
-              </a:rPr>
-              <a:t>tinyurl.com/rcds2021-22</a:t>
-            </a:r>
-            <a:endParaRPr lang="en-GB" sz="2600" u="sng" dirty="0">
-              <a:solidFill>
-                <a:srgbClr val="000000"/>
-              </a:solidFill>
-              <a:effectLst/>
-              <a:latin typeface="Arial" panose="020B0604020202020204" pitchFamily="34" charset="0"/>
-              <a:ea typeface="Times New Roman" panose="02020603050405020304" pitchFamily="18" charset="0"/>
-              <a:cs typeface="Arial" panose="020B0604020202020204" pitchFamily="34" charset="0"/>
-            </a:endParaRPr>
+              <a:rPr lang="en-GB" sz="2600" dirty="0">
+                <a:hlinkClick r:id="rId4"/>
+              </a:rPr>
+              <a:t>https://tinyurl.com/rcds2022-23</a:t>
+            </a:r>
+            <a:endParaRPr lang="en-GB" sz="2600" dirty="0"/>
           </a:p>
           <a:p>
             <a:pPr lvl="1"/>
@@ -12571,7 +12622,7 @@
     </p:spTree>
     <p:extLst>
       <p:ext uri="{BB962C8B-B14F-4D97-AF65-F5344CB8AC3E}">
-        <p14:creationId xmlns:p14="http://schemas.microsoft.com/office/powerpoint/2010/main" val="2122788927"/>
+        <p14:creationId xmlns:p14="http://schemas.microsoft.com/office/powerpoint/2010/main" val="466020703"/>
       </p:ext>
     </p:extLst>
   </p:cSld>

--- a/Intro to Latex Slides.pptx
+++ b/Intro to Latex Slides.pptx
@@ -5,37 +5,38 @@
     <p:sldMasterId id="2147483648" r:id="rId1"/>
   </p:sldMasterIdLst>
   <p:notesMasterIdLst>
-    <p:notesMasterId r:id="rId27"/>
+    <p:notesMasterId r:id="rId28"/>
   </p:notesMasterIdLst>
   <p:handoutMasterIdLst>
-    <p:handoutMasterId r:id="rId28"/>
+    <p:handoutMasterId r:id="rId29"/>
   </p:handoutMasterIdLst>
   <p:sldIdLst>
     <p:sldId id="264" r:id="rId2"/>
     <p:sldId id="504" r:id="rId3"/>
     <p:sldId id="267" r:id="rId4"/>
-    <p:sldId id="268" r:id="rId5"/>
-    <p:sldId id="292" r:id="rId6"/>
-    <p:sldId id="269" r:id="rId7"/>
-    <p:sldId id="271" r:id="rId8"/>
-    <p:sldId id="278" r:id="rId9"/>
-    <p:sldId id="288" r:id="rId10"/>
-    <p:sldId id="270" r:id="rId11"/>
-    <p:sldId id="284" r:id="rId12"/>
-    <p:sldId id="285" r:id="rId13"/>
-    <p:sldId id="287" r:id="rId14"/>
-    <p:sldId id="286" r:id="rId15"/>
-    <p:sldId id="281" r:id="rId16"/>
-    <p:sldId id="282" r:id="rId17"/>
-    <p:sldId id="277" r:id="rId18"/>
-    <p:sldId id="319" r:id="rId19"/>
-    <p:sldId id="321" r:id="rId20"/>
-    <p:sldId id="322" r:id="rId21"/>
-    <p:sldId id="290" r:id="rId22"/>
-    <p:sldId id="291" r:id="rId23"/>
-    <p:sldId id="328" r:id="rId24"/>
-    <p:sldId id="335" r:id="rId25"/>
-    <p:sldId id="280" r:id="rId26"/>
+    <p:sldId id="505" r:id="rId5"/>
+    <p:sldId id="268" r:id="rId6"/>
+    <p:sldId id="292" r:id="rId7"/>
+    <p:sldId id="269" r:id="rId8"/>
+    <p:sldId id="271" r:id="rId9"/>
+    <p:sldId id="278" r:id="rId10"/>
+    <p:sldId id="288" r:id="rId11"/>
+    <p:sldId id="270" r:id="rId12"/>
+    <p:sldId id="284" r:id="rId13"/>
+    <p:sldId id="285" r:id="rId14"/>
+    <p:sldId id="287" r:id="rId15"/>
+    <p:sldId id="286" r:id="rId16"/>
+    <p:sldId id="281" r:id="rId17"/>
+    <p:sldId id="282" r:id="rId18"/>
+    <p:sldId id="277" r:id="rId19"/>
+    <p:sldId id="319" r:id="rId20"/>
+    <p:sldId id="321" r:id="rId21"/>
+    <p:sldId id="322" r:id="rId22"/>
+    <p:sldId id="290" r:id="rId23"/>
+    <p:sldId id="291" r:id="rId24"/>
+    <p:sldId id="328" r:id="rId25"/>
+    <p:sldId id="335" r:id="rId26"/>
+    <p:sldId id="280" r:id="rId27"/>
   </p:sldIdLst>
   <p:sldSz cx="9144000" cy="6858000" type="screen4x3"/>
   <p:notesSz cx="7099300" cy="10234613"/>
@@ -142,6 +143,7 @@
             <p14:sldId id="264"/>
             <p14:sldId id="504"/>
             <p14:sldId id="267"/>
+            <p14:sldId id="505"/>
             <p14:sldId id="268"/>
             <p14:sldId id="292"/>
             <p14:sldId id="269"/>
@@ -202,10 +204,25 @@
   <pc:docChgLst>
     <pc:chgData name="Cooling, Chris" userId="6dcf99c9-2ba5-410a-8445-0893a3d1421f" providerId="ADAL" clId="{99A4F19C-454B-4D6F-8788-E5B990F556FB}"/>
     <pc:docChg chg="addSld delSld modSld modSection">
-      <pc:chgData name="Cooling, Chris" userId="6dcf99c9-2ba5-410a-8445-0893a3d1421f" providerId="ADAL" clId="{99A4F19C-454B-4D6F-8788-E5B990F556FB}" dt="2022-10-10T13:56:55.487" v="1" actId="47"/>
+      <pc:chgData name="Cooling, Chris" userId="6dcf99c9-2ba5-410a-8445-0893a3d1421f" providerId="ADAL" clId="{99A4F19C-454B-4D6F-8788-E5B990F556FB}" dt="2022-10-13T08:16:52.385" v="348" actId="20577"/>
       <pc:docMkLst>
         <pc:docMk/>
       </pc:docMkLst>
+      <pc:sldChg chg="modSp mod">
+        <pc:chgData name="Cooling, Chris" userId="6dcf99c9-2ba5-410a-8445-0893a3d1421f" providerId="ADAL" clId="{99A4F19C-454B-4D6F-8788-E5B990F556FB}" dt="2022-10-13T08:16:20.521" v="275" actId="20577"/>
+        <pc:sldMkLst>
+          <pc:docMk/>
+          <pc:sldMk cId="3718216746" sldId="292"/>
+        </pc:sldMkLst>
+        <pc:spChg chg="mod">
+          <ac:chgData name="Cooling, Chris" userId="6dcf99c9-2ba5-410a-8445-0893a3d1421f" providerId="ADAL" clId="{99A4F19C-454B-4D6F-8788-E5B990F556FB}" dt="2022-10-13T08:16:20.521" v="275" actId="20577"/>
+          <ac:spMkLst>
+            <pc:docMk/>
+            <pc:sldMk cId="3718216746" sldId="292"/>
+            <ac:spMk id="3" creationId="{00000000-0000-0000-0000-000000000000}"/>
+          </ac:spMkLst>
+        </pc:spChg>
+      </pc:sldChg>
       <pc:sldChg chg="del">
         <pc:chgData name="Cooling, Chris" userId="6dcf99c9-2ba5-410a-8445-0893a3d1421f" providerId="ADAL" clId="{99A4F19C-454B-4D6F-8788-E5B990F556FB}" dt="2022-10-10T13:56:55.487" v="1" actId="47"/>
         <pc:sldMkLst>
@@ -219,6 +236,44 @@
           <pc:docMk/>
           <pc:sldMk cId="466020703" sldId="335"/>
         </pc:sldMkLst>
+      </pc:sldChg>
+      <pc:sldChg chg="modSp add mod">
+        <pc:chgData name="Cooling, Chris" userId="6dcf99c9-2ba5-410a-8445-0893a3d1421f" providerId="ADAL" clId="{99A4F19C-454B-4D6F-8788-E5B990F556FB}" dt="2022-10-13T08:16:52.385" v="348" actId="20577"/>
+        <pc:sldMkLst>
+          <pc:docMk/>
+          <pc:sldMk cId="634929309" sldId="505"/>
+        </pc:sldMkLst>
+        <pc:spChg chg="mod">
+          <ac:chgData name="Cooling, Chris" userId="6dcf99c9-2ba5-410a-8445-0893a3d1421f" providerId="ADAL" clId="{99A4F19C-454B-4D6F-8788-E5B990F556FB}" dt="2022-10-13T08:14:54.224" v="62" actId="20577"/>
+          <ac:spMkLst>
+            <pc:docMk/>
+            <pc:sldMk cId="634929309" sldId="505"/>
+            <ac:spMk id="2" creationId="{00000000-0000-0000-0000-000000000000}"/>
+          </ac:spMkLst>
+        </pc:spChg>
+        <pc:spChg chg="mod">
+          <ac:chgData name="Cooling, Chris" userId="6dcf99c9-2ba5-410a-8445-0893a3d1421f" providerId="ADAL" clId="{99A4F19C-454B-4D6F-8788-E5B990F556FB}" dt="2022-10-13T08:16:52.385" v="348" actId="20577"/>
+          <ac:spMkLst>
+            <pc:docMk/>
+            <pc:sldMk cId="634929309" sldId="505"/>
+            <ac:spMk id="3" creationId="{00000000-0000-0000-0000-000000000000}"/>
+          </ac:spMkLst>
+        </pc:spChg>
+      </pc:sldChg>
+      <pc:sldChg chg="modSp new del mod">
+        <pc:chgData name="Cooling, Chris" userId="6dcf99c9-2ba5-410a-8445-0893a3d1421f" providerId="ADAL" clId="{99A4F19C-454B-4D6F-8788-E5B990F556FB}" dt="2022-10-13T08:14:42.920" v="40" actId="2696"/>
+        <pc:sldMkLst>
+          <pc:docMk/>
+          <pc:sldMk cId="1468214813" sldId="505"/>
+        </pc:sldMkLst>
+        <pc:spChg chg="mod">
+          <ac:chgData name="Cooling, Chris" userId="6dcf99c9-2ba5-410a-8445-0893a3d1421f" providerId="ADAL" clId="{99A4F19C-454B-4D6F-8788-E5B990F556FB}" dt="2022-10-13T08:14:39.039" v="39" actId="20577"/>
+          <ac:spMkLst>
+            <pc:docMk/>
+            <pc:sldMk cId="1468214813" sldId="505"/>
+            <ac:spMk id="2" creationId="{9EA6D2E6-6FC8-4CA4-A82C-518A550B2D91}"/>
+          </ac:spMkLst>
+        </pc:spChg>
       </pc:sldChg>
     </pc:docChg>
   </pc:docChgLst>
@@ -474,7 +529,7 @@
           <a:p>
             <a:fld id="{88EB714B-C3CC-4216-88C1-02913905B1CF}" type="datetimeFigureOut">
               <a:rPr lang="en-GB" smtClean="0"/>
-              <a:t>10/10/2022</a:t>
+              <a:t>13/10/2022</a:t>
             </a:fld>
             <a:endParaRPr lang="en-GB"/>
           </a:p>
@@ -1038,12 +1093,60 @@
           <a:lstStyle/>
           <a:p>
             <a:r>
+              <a:rPr lang="en-GB" dirty="0"/>
+              <a:t>Different command may be used in the middle of normally written text which modifies how the text appears in the final pdf.</a:t>
+            </a:r>
+          </a:p>
+          <a:p>
+            <a:r>
+              <a:rPr lang="en-GB" dirty="0"/>
+              <a:t>The “</a:t>
+            </a:r>
+            <a:r>
               <a:rPr lang="en-GB" dirty="0" err="1"/>
-              <a:t>Bulletpoint</a:t>
-            </a:r>
-            <a:r>
-              <a:rPr lang="en-GB" dirty="0"/>
-              <a:t> and numbered lists can be created easily in LaTeX using the “itemize” and “enumerate” commands respectively. In each case the environment is begun and ended using the “begin” and “end” commands. New items belonging to the list are then signified using the “item” command which is followed by the text associated with that item.</a:t>
+              <a:t>emph</a:t>
+            </a:r>
+            <a:r>
+              <a:rPr lang="en-GB" dirty="0"/>
+              <a:t>” command italicises text</a:t>
+            </a:r>
+          </a:p>
+          <a:p>
+            <a:r>
+              <a:rPr lang="en-GB" dirty="0"/>
+              <a:t>The “</a:t>
+            </a:r>
+            <a:r>
+              <a:rPr lang="en-GB" dirty="0" err="1"/>
+              <a:t>textbf</a:t>
+            </a:r>
+            <a:r>
+              <a:rPr lang="en-GB" dirty="0"/>
+              <a:t>” command makes a text bold</a:t>
+            </a:r>
+          </a:p>
+          <a:p>
+            <a:r>
+              <a:rPr lang="en-GB" dirty="0"/>
+              <a:t>The “underline” command underlines text</a:t>
+            </a:r>
+          </a:p>
+          <a:p>
+            <a:r>
+              <a:rPr lang="en-GB" dirty="0"/>
+              <a:t>The “huge” command makes text very large</a:t>
+            </a:r>
+          </a:p>
+          <a:p>
+            <a:r>
+              <a:rPr lang="en-GB" dirty="0"/>
+              <a:t>The “large” command makes text large</a:t>
+            </a:r>
+          </a:p>
+          <a:p>
+            <a:r>
+              <a:rPr lang="en-GB" dirty="0"/>
+              <a:t>The “small” command makes text smaller</a:t>
             </a:r>
           </a:p>
           <a:p>
@@ -1052,7 +1155,7 @@
           <a:p>
             <a:r>
               <a:rPr lang="en-GB" dirty="0"/>
-              <a:t>Overleaf example: https://www.overleaf.com/read/rvrgkkhvzpwn</a:t>
+              <a:t>Overleaf example: https://www.overleaf.com/read/bmvnftnttnzk</a:t>
             </a:r>
           </a:p>
           <a:p>
@@ -1061,7 +1164,7 @@
           <a:p>
             <a:r>
               <a:rPr lang="en-GB" dirty="0"/>
-              <a:t>Break for section 4 of Task Sheet</a:t>
+              <a:t>Break for section 3 of Task Sheet</a:t>
             </a:r>
           </a:p>
         </p:txBody>
@@ -1092,7 +1195,7 @@
     </p:spTree>
     <p:extLst>
       <p:ext uri="{BB962C8B-B14F-4D97-AF65-F5344CB8AC3E}">
-        <p14:creationId xmlns:p14="http://schemas.microsoft.com/office/powerpoint/2010/main" val="528293604"/>
+        <p14:creationId xmlns:p14="http://schemas.microsoft.com/office/powerpoint/2010/main" val="2631880206"/>
       </p:ext>
     </p:extLst>
   </p:cSld>
@@ -1147,42 +1250,12 @@
           <a:lstStyle/>
           <a:p>
             <a:r>
-              <a:rPr lang="en-GB" dirty="0"/>
-              <a:t>An equation may be included utilising the equation environment which is, again, started and ended by the “begin” and “end” commands. Text in this environment is interpreted in “</a:t>
-            </a:r>
-            <a:r>
               <a:rPr lang="en-GB" dirty="0" err="1"/>
-              <a:t>mathmode</a:t>
-            </a:r>
-            <a:r>
-              <a:rPr lang="en-GB" dirty="0"/>
-              <a:t>” which changes how the text appears, such as italicising it, and allowing the use of mathematical symbols such as the “alpha” symbol we have included with the “alpha” command. Note that LaTeX automatically numbers equations.</a:t>
-            </a:r>
-            <a:br>
-              <a:rPr lang="en-GB" dirty="0"/>
-            </a:br>
-            <a:br>
-              <a:rPr lang="en-GB" dirty="0"/>
-            </a:br>
-            <a:r>
-              <a:rPr lang="en-GB" dirty="0"/>
-              <a:t>If you want to include “</a:t>
-            </a:r>
-            <a:r>
-              <a:rPr lang="en-GB" dirty="0" err="1"/>
-              <a:t>mathmode</a:t>
-            </a:r>
-            <a:r>
-              <a:rPr lang="en-GB" dirty="0"/>
-              <a:t>” commands inline with normal text, the “dollar” symbol can be used to start and end “</a:t>
-            </a:r>
-            <a:r>
-              <a:rPr lang="en-GB" dirty="0" err="1"/>
-              <a:t>mathmode</a:t>
-            </a:r>
-            <a:r>
-              <a:rPr lang="en-GB" dirty="0"/>
-              <a:t>”.</a:t>
+              <a:t>Bulletpoint</a:t>
+            </a:r>
+            <a:r>
+              <a:rPr lang="en-GB" dirty="0"/>
+              <a:t> and numbered lists can be created easily in LaTeX using the “itemize” and “enumerate” commands respectively. In each case the environment is begun and ended using the “begin” and “end” commands. New items belonging to the list are then signified using the “item” command which is followed by the text associated with that item.</a:t>
             </a:r>
           </a:p>
           <a:p>
@@ -1191,7 +1264,16 @@
           <a:p>
             <a:r>
               <a:rPr lang="en-GB" dirty="0"/>
-              <a:t>Overleaf example: https://www.overleaf.com/8251716838wnbtxwjybszb</a:t>
+              <a:t>Overleaf example: https://www.overleaf.com/read/rvrgkkhvzpwn</a:t>
+            </a:r>
+          </a:p>
+          <a:p>
+            <a:endParaRPr lang="en-GB" dirty="0"/>
+          </a:p>
+          <a:p>
+            <a:r>
+              <a:rPr lang="en-GB" dirty="0"/>
+              <a:t>Break for section 4 of Task Sheet</a:t>
             </a:r>
           </a:p>
         </p:txBody>
@@ -1222,7 +1304,7 @@
     </p:spTree>
     <p:extLst>
       <p:ext uri="{BB962C8B-B14F-4D97-AF65-F5344CB8AC3E}">
-        <p14:creationId xmlns:p14="http://schemas.microsoft.com/office/powerpoint/2010/main" val="2517861951"/>
+        <p14:creationId xmlns:p14="http://schemas.microsoft.com/office/powerpoint/2010/main" val="528293604"/>
       </p:ext>
     </p:extLst>
   </p:cSld>
@@ -1278,7 +1360,7 @@
           <a:p>
             <a:r>
               <a:rPr lang="en-GB" dirty="0"/>
-              <a:t>Here we’ll look at a few examples of </a:t>
+              <a:t>An equation may be included utilising the equation environment which is, again, started and ended by the “begin” and “end” commands. Text in this environment is interpreted in “</a:t>
             </a:r>
             <a:r>
               <a:rPr lang="en-GB" dirty="0" err="1"/>
@@ -1286,41 +1368,17 @@
             </a:r>
             <a:r>
               <a:rPr lang="en-GB" dirty="0"/>
-              <a:t> commands. For many of these, a package (often “</a:t>
-            </a:r>
-            <a:r>
-              <a:rPr lang="en-GB" dirty="0" err="1"/>
-              <a:t>amsmath</a:t>
-            </a:r>
-            <a:r>
-              <a:rPr lang="en-GB" dirty="0"/>
-              <a:t>” and “</a:t>
-            </a:r>
-            <a:r>
-              <a:rPr lang="en-GB" dirty="0" err="1"/>
-              <a:t>amssymb</a:t>
-            </a:r>
-            <a:r>
-              <a:rPr lang="en-GB" dirty="0"/>
-              <a:t>” will be required to make sure the right commands are available.</a:t>
-            </a:r>
-          </a:p>
-          <a:p>
-            <a:endParaRPr lang="en-GB" dirty="0"/>
-          </a:p>
-          <a:p>
-            <a:r>
-              <a:rPr lang="en-GB" dirty="0"/>
-              <a:t>In the first command, the “frac” commands has two sets of curly brackets. The numerator is specified within the first pair of brackets and the denominator is specified in the second. We also see the square root command and the appearance of upper and lower case Greek characters.</a:t>
-            </a:r>
-          </a:p>
-          <a:p>
-            <a:endParaRPr lang="en-GB" dirty="0"/>
-          </a:p>
-          <a:p>
-            <a:r>
-              <a:rPr lang="en-GB" dirty="0"/>
-              <a:t>In the second, we see the integral command. In </a:t>
+              <a:t>” which changes how the text appears, such as italicising it, and allowing the use of mathematical symbols such as the “alpha” symbol we have included with the “alpha” command. Note that LaTeX automatically numbers equations.</a:t>
+            </a:r>
+            <a:br>
+              <a:rPr lang="en-GB" dirty="0"/>
+            </a:br>
+            <a:br>
+              <a:rPr lang="en-GB" dirty="0"/>
+            </a:br>
+            <a:r>
+              <a:rPr lang="en-GB" dirty="0"/>
+              <a:t>If you want to include “</a:t>
             </a:r>
             <a:r>
               <a:rPr lang="en-GB" dirty="0" err="1"/>
@@ -1328,35 +1386,7 @@
             </a:r>
             <a:r>
               <a:rPr lang="en-GB" dirty="0"/>
-              <a:t>, the underscore character, followed by a pair of curly brackets, typically defines text to appear in subscript and the “hat” character typically defines text to appear in super-script.</a:t>
-            </a:r>
-          </a:p>
-          <a:p>
-            <a:endParaRPr lang="en-GB" dirty="0"/>
-          </a:p>
-          <a:p>
-            <a:r>
-              <a:rPr lang="en-GB" dirty="0"/>
-              <a:t>In the third, we see the commands for limit and log, as well as an arrow to signify “tending toward” and infinity.</a:t>
-            </a:r>
-          </a:p>
-          <a:p>
-            <a:endParaRPr lang="en-GB" dirty="0"/>
-          </a:p>
-          <a:p>
-            <a:r>
-              <a:rPr lang="en-GB" dirty="0"/>
-              <a:t>In the fourth we see the summation command. Here, we have also used the “limits” command to cause the limits of the summation to appear above and below the summation symbol rather than to the right of it, as with the integration symbol. The use of the “limits” command is not compulsory, but it does look neater.</a:t>
-            </a:r>
-            <a:br>
-              <a:rPr lang="en-GB" dirty="0"/>
-            </a:br>
-            <a:br>
-              <a:rPr lang="en-GB" dirty="0"/>
-            </a:br>
-            <a:r>
-              <a:rPr lang="en-GB" dirty="0"/>
-              <a:t>There are a large number of </a:t>
+              <a:t>” commands inline with normal text, the “dollar” symbol can be used to start and end “</a:t>
             </a:r>
             <a:r>
               <a:rPr lang="en-GB" dirty="0" err="1"/>
@@ -1364,26 +1394,16 @@
             </a:r>
             <a:r>
               <a:rPr lang="en-GB" dirty="0"/>
-              <a:t> commands and this is a quick sample of them. Google is your friend in finding specific commands. </a:t>
-            </a:r>
-            <a:br>
-              <a:rPr lang="en-GB" dirty="0"/>
-            </a:br>
+              <a:t>”.</a:t>
+            </a:r>
+          </a:p>
+          <a:p>
             <a:endParaRPr lang="en-GB" dirty="0"/>
           </a:p>
           <a:p>
             <a:r>
               <a:rPr lang="en-GB" dirty="0"/>
-              <a:t>Overleaf example: https://www.overleaf.com/read/rwkzhszhmfcd</a:t>
-            </a:r>
-          </a:p>
-          <a:p>
-            <a:br>
-              <a:rPr lang="en-GB" dirty="0"/>
-            </a:br>
-            <a:r>
-              <a:rPr lang="en-GB" dirty="0"/>
-              <a:t>Break for section 5 of Task Sheet</a:t>
+              <a:t>Overleaf example: https://www.overleaf.com/8251716838wnbtxwjybszb</a:t>
             </a:r>
           </a:p>
         </p:txBody>
@@ -1414,7 +1434,7 @@
     </p:spTree>
     <p:extLst>
       <p:ext uri="{BB962C8B-B14F-4D97-AF65-F5344CB8AC3E}">
-        <p14:creationId xmlns:p14="http://schemas.microsoft.com/office/powerpoint/2010/main" val="2909380669"/>
+        <p14:creationId xmlns:p14="http://schemas.microsoft.com/office/powerpoint/2010/main" val="2517861951"/>
       </p:ext>
     </p:extLst>
   </p:cSld>
@@ -1470,15 +1490,31 @@
           <a:p>
             <a:r>
               <a:rPr lang="en-GB" dirty="0"/>
-              <a:t>Some characters require special commands in LaTeX. This may be because they are characters </a:t>
+              <a:t>Here we’ll look at a few examples of </a:t>
             </a:r>
             <a:r>
               <a:rPr lang="en-GB" dirty="0" err="1"/>
-              <a:t>LaTex</a:t>
-            </a:r>
-            <a:r>
-              <a:rPr lang="en-GB" dirty="0"/>
-              <a:t> uses for other purposes, they’re too uncommon to appear on a keyboard, they’re an accented letter or they’re a weird and wonderful mathematical construct that encompasses multiple characters. Again, the list here is completely non-exhaustive and almost anything you can think of is possible. If you don’t know how to achieve a character you can normally find it using Google pretty quickly.</a:t>
+              <a:t>mathmode</a:t>
+            </a:r>
+            <a:r>
+              <a:rPr lang="en-GB" dirty="0"/>
+              <a:t> commands. For many of these, a package (often “</a:t>
+            </a:r>
+            <a:r>
+              <a:rPr lang="en-GB" dirty="0" err="1"/>
+              <a:t>amsmath</a:t>
+            </a:r>
+            <a:r>
+              <a:rPr lang="en-GB" dirty="0"/>
+              <a:t>” and “</a:t>
+            </a:r>
+            <a:r>
+              <a:rPr lang="en-GB" dirty="0" err="1"/>
+              <a:t>amssymb</a:t>
+            </a:r>
+            <a:r>
+              <a:rPr lang="en-GB" dirty="0"/>
+              <a:t>” will be required to make sure the right commands are available.</a:t>
             </a:r>
           </a:p>
           <a:p>
@@ -1487,7 +1523,79 @@
           <a:p>
             <a:r>
               <a:rPr lang="en-GB" dirty="0"/>
-              <a:t>Overleaf example: https://www.overleaf.com/read/jsksjfbyghkk</a:t>
+              <a:t>In the first command, the “frac” commands has two sets of curly brackets. The numerator is specified within the first pair of brackets and the denominator is specified in the second. We also see the square root command and the appearance of upper and lower case Greek characters.</a:t>
+            </a:r>
+          </a:p>
+          <a:p>
+            <a:endParaRPr lang="en-GB" dirty="0"/>
+          </a:p>
+          <a:p>
+            <a:r>
+              <a:rPr lang="en-GB" dirty="0"/>
+              <a:t>In the second, we see the integral command. In </a:t>
+            </a:r>
+            <a:r>
+              <a:rPr lang="en-GB" dirty="0" err="1"/>
+              <a:t>mathmode</a:t>
+            </a:r>
+            <a:r>
+              <a:rPr lang="en-GB" dirty="0"/>
+              <a:t>, the underscore character, followed by a pair of curly brackets, typically defines text to appear in subscript and the “hat” character typically defines text to appear in super-script.</a:t>
+            </a:r>
+          </a:p>
+          <a:p>
+            <a:endParaRPr lang="en-GB" dirty="0"/>
+          </a:p>
+          <a:p>
+            <a:r>
+              <a:rPr lang="en-GB" dirty="0"/>
+              <a:t>In the third, we see the commands for limit and log, as well as an arrow to signify “tending toward” and infinity.</a:t>
+            </a:r>
+          </a:p>
+          <a:p>
+            <a:endParaRPr lang="en-GB" dirty="0"/>
+          </a:p>
+          <a:p>
+            <a:r>
+              <a:rPr lang="en-GB" dirty="0"/>
+              <a:t>In the fourth we see the summation command. Here, we have also used the “limits” command to cause the limits of the summation to appear above and below the summation symbol rather than to the right of it, as with the integration symbol. The use of the “limits” command is not compulsory, but it does look neater.</a:t>
+            </a:r>
+            <a:br>
+              <a:rPr lang="en-GB" dirty="0"/>
+            </a:br>
+            <a:br>
+              <a:rPr lang="en-GB" dirty="0"/>
+            </a:br>
+            <a:r>
+              <a:rPr lang="en-GB" dirty="0"/>
+              <a:t>There are a large number of </a:t>
+            </a:r>
+            <a:r>
+              <a:rPr lang="en-GB" dirty="0" err="1"/>
+              <a:t>mathmode</a:t>
+            </a:r>
+            <a:r>
+              <a:rPr lang="en-GB" dirty="0"/>
+              <a:t> commands and this is a quick sample of them. Google is your friend in finding specific commands. </a:t>
+            </a:r>
+            <a:br>
+              <a:rPr lang="en-GB" dirty="0"/>
+            </a:br>
+            <a:endParaRPr lang="en-GB" dirty="0"/>
+          </a:p>
+          <a:p>
+            <a:r>
+              <a:rPr lang="en-GB" dirty="0"/>
+              <a:t>Overleaf example: https://www.overleaf.com/read/rwkzhszhmfcd</a:t>
+            </a:r>
+          </a:p>
+          <a:p>
+            <a:br>
+              <a:rPr lang="en-GB" dirty="0"/>
+            </a:br>
+            <a:r>
+              <a:rPr lang="en-GB" dirty="0"/>
+              <a:t>Break for section 5 of Task Sheet</a:t>
             </a:r>
           </a:p>
         </p:txBody>
@@ -1574,17 +1682,15 @@
           <a:p>
             <a:r>
               <a:rPr lang="en-GB" dirty="0"/>
-              <a:t>There are a number of ways to include a figure in LaTeX and a wide range of options that you might use. This is one example of something you might consider.</a:t>
-            </a:r>
-            <a:br>
-              <a:rPr lang="en-GB" dirty="0"/>
-            </a:br>
-            <a:br>
-              <a:rPr lang="en-GB" dirty="0"/>
-            </a:br>
-            <a:r>
-              <a:rPr lang="en-GB" dirty="0"/>
-              <a:t>The “\begin{figure}” command tells LaTeX you’re about to define a figure. The “t” in square brackets is an optional argument which tells LaTeX where you would like to put the figure. In this case, you’re asking for the figure to be put on the top of the next page if possible. Conflicts can occur, such as when multiple figures are requested to be included at the same location. LaTeX will do its best to position figures conforming to the locations you’ve specified and also to try and reduce the amount of white space in the document.</a:t>
+              <a:t>Some characters require special commands in LaTeX. This may be because they are characters </a:t>
+            </a:r>
+            <a:r>
+              <a:rPr lang="en-GB" dirty="0" err="1"/>
+              <a:t>LaTex</a:t>
+            </a:r>
+            <a:r>
+              <a:rPr lang="en-GB" dirty="0"/>
+              <a:t> uses for other purposes, they’re too uncommon to appear on a keyboard, they’re an accented letter or they’re a weird and wonderful mathematical construct that encompasses multiple characters. Again, the list here is completely non-exhaustive and almost anything you can think of is possible. If you don’t know how to achieve a character you can normally find it using Google pretty quickly.</a:t>
             </a:r>
           </a:p>
           <a:p>
@@ -1593,86 +1699,7 @@
           <a:p>
             <a:r>
               <a:rPr lang="en-GB" dirty="0"/>
-              <a:t>The “</a:t>
-            </a:r>
-            <a:r>
-              <a:rPr lang="en-GB" dirty="0" err="1"/>
-              <a:t>centering</a:t>
-            </a:r>
-            <a:r>
-              <a:rPr lang="en-GB" dirty="0"/>
-              <a:t>” command lets LaTeX know that you would like the picture to be located centrally horizontally.</a:t>
-            </a:r>
-            <a:br>
-              <a:rPr lang="en-GB" dirty="0"/>
-            </a:br>
-            <a:br>
-              <a:rPr lang="en-GB" dirty="0"/>
-            </a:br>
-            <a:r>
-              <a:rPr lang="en-GB" dirty="0"/>
-              <a:t>The “</a:t>
-            </a:r>
-            <a:r>
-              <a:rPr lang="en-GB" dirty="0" err="1"/>
-              <a:t>includegradphics</a:t>
-            </a:r>
-            <a:r>
-              <a:rPr lang="en-GB" dirty="0"/>
-              <a:t>” command lets LaTeX know you would like to include a picture file with the name in the curly brackets, “</a:t>
-            </a:r>
-            <a:r>
-              <a:rPr lang="en-GB" dirty="0" err="1"/>
-              <a:t>Cat_Box</a:t>
-            </a:r>
-            <a:r>
-              <a:rPr lang="en-GB" dirty="0"/>
-              <a:t>” in this case. Note the file extension is excluded – LaTeX will search for standard image files, e.g. Cat_Box.jpg, Cat_Box.png, etc. By default, this file should be in the same directory as your .</a:t>
-            </a:r>
-            <a:r>
-              <a:rPr lang="en-GB" dirty="0" err="1"/>
-              <a:t>tex</a:t>
-            </a:r>
-            <a:r>
-              <a:rPr lang="en-GB" dirty="0"/>
-              <a:t> file. The “width” statement sets the width of the picture.</a:t>
-            </a:r>
-          </a:p>
-          <a:p>
-            <a:endParaRPr lang="en-GB" dirty="0"/>
-          </a:p>
-          <a:p>
-            <a:r>
-              <a:rPr lang="en-GB" dirty="0"/>
-              <a:t>The caption command allows you to include a caption for the picture which, by default, appears under the picture.</a:t>
-            </a:r>
-          </a:p>
-          <a:p>
-            <a:endParaRPr lang="en-GB" dirty="0"/>
-          </a:p>
-          <a:p>
-            <a:r>
-              <a:rPr lang="en-GB" dirty="0"/>
-              <a:t>Finally, the “\end{figure}” command ends the specification of the figure.</a:t>
-            </a:r>
-            <a:br>
-              <a:rPr lang="en-GB" dirty="0"/>
-            </a:br>
-            <a:endParaRPr lang="en-GB" dirty="0"/>
-          </a:p>
-          <a:p>
-            <a:r>
-              <a:rPr lang="en-GB" dirty="0"/>
-              <a:t>Overleaf example: https://www.overleaf.com/read/ymfkjjdthvwq</a:t>
-            </a:r>
-          </a:p>
-          <a:p>
-            <a:br>
-              <a:rPr lang="en-GB" dirty="0"/>
-            </a:br>
-            <a:r>
-              <a:rPr lang="en-GB" dirty="0"/>
-              <a:t>Break for section 6 of Task Sheet</a:t>
+              <a:t>Overleaf example: https://www.overleaf.com/read/jsksjfbyghkk</a:t>
             </a:r>
           </a:p>
         </p:txBody>
@@ -1703,7 +1730,7 @@
     </p:spTree>
     <p:extLst>
       <p:ext uri="{BB962C8B-B14F-4D97-AF65-F5344CB8AC3E}">
-        <p14:creationId xmlns:p14="http://schemas.microsoft.com/office/powerpoint/2010/main" val="1845881050"/>
+        <p14:creationId xmlns:p14="http://schemas.microsoft.com/office/powerpoint/2010/main" val="2909380669"/>
       </p:ext>
     </p:extLst>
   </p:cSld>
@@ -1759,7 +1786,26 @@
           <a:p>
             <a:r>
               <a:rPr lang="en-GB" dirty="0"/>
-              <a:t>Tables can be included in LaTeX documents in a similar way to figures. The first command “\begin{table}” tells LaTeX to expect a table. In this case, we’ve chosen to include a “h” in square brackets to tell LaTeX to put the table as close as possible to the location it’s been specified in the text. Again, the “</a:t>
+              <a:t>There are a number of ways to include a figure in LaTeX and a wide range of options that you might use. This is one example of something you might consider.</a:t>
+            </a:r>
+            <a:br>
+              <a:rPr lang="en-GB" dirty="0"/>
+            </a:br>
+            <a:br>
+              <a:rPr lang="en-GB" dirty="0"/>
+            </a:br>
+            <a:r>
+              <a:rPr lang="en-GB" dirty="0"/>
+              <a:t>The “\begin{figure}” command tells LaTeX you’re about to define a figure. The “t” in square brackets is an optional argument which tells LaTeX where you would like to put the figure. In this case, you’re asking for the figure to be put on the top of the next page if possible. Conflicts can occur, such as when multiple figures are requested to be included at the same location. LaTeX will do its best to position figures conforming to the locations you’ve specified and also to try and reduce the amount of white space in the document.</a:t>
+            </a:r>
+          </a:p>
+          <a:p>
+            <a:endParaRPr lang="en-GB" dirty="0"/>
+          </a:p>
+          <a:p>
+            <a:r>
+              <a:rPr lang="en-GB" dirty="0"/>
+              <a:t>The “</a:t>
             </a:r>
             <a:r>
               <a:rPr lang="en-GB" dirty="0" err="1"/>
@@ -1767,15 +1813,7 @@
             </a:r>
             <a:r>
               <a:rPr lang="en-GB" dirty="0"/>
-              <a:t>” causes the table to be </a:t>
-            </a:r>
-            <a:r>
-              <a:rPr lang="en-GB" dirty="0" err="1"/>
-              <a:t>centered</a:t>
-            </a:r>
-            <a:r>
-              <a:rPr lang="en-GB" dirty="0"/>
-              <a:t> horizontally on the page.</a:t>
+              <a:t>” command lets LaTeX know that you would like the picture to be located centrally horizontally.</a:t>
             </a:r>
             <a:br>
               <a:rPr lang="en-GB" dirty="0"/>
@@ -1785,17 +1823,23 @@
             </a:br>
             <a:r>
               <a:rPr lang="en-GB" dirty="0"/>
-              <a:t>Within the “tabular” environment we specify the contents of the table. In the curly brackets immediately after we begin this environment we specify the columns, their alignment and any lines between the columns. Here we have specified that we want text in the left column to be left aligned within the column, text in the middle column to be centre-aligned and text in the rightmost column to be right-aligned within that column. The vertical line between the specification of the first and second column specifies that a vertical line is to be included in the table. If we don’t want a vertical line, as between columns 2 and 3, we don’t include a line.</a:t>
-            </a:r>
-            <a:br>
-              <a:rPr lang="en-GB" dirty="0"/>
-            </a:br>
-            <a:br>
-              <a:rPr lang="en-GB" dirty="0"/>
-            </a:br>
-            <a:r>
-              <a:rPr lang="en-GB" dirty="0"/>
-              <a:t>Next, we begin to specify the contents of the table itself. We do this row by row, with rows separated by a double backslash. It’s not required to put each line of the table on a new line of your .</a:t>
+              <a:t>The “</a:t>
+            </a:r>
+            <a:r>
+              <a:rPr lang="en-GB" dirty="0" err="1"/>
+              <a:t>includegradphics</a:t>
+            </a:r>
+            <a:r>
+              <a:rPr lang="en-GB" dirty="0"/>
+              <a:t>” command lets LaTeX know you would like to include a picture file with the name in the curly brackets, “</a:t>
+            </a:r>
+            <a:r>
+              <a:rPr lang="en-GB" dirty="0" err="1"/>
+              <a:t>Cat_Box</a:t>
+            </a:r>
+            <a:r>
+              <a:rPr lang="en-GB" dirty="0"/>
+              <a:t>” in this case. Note the file extension is excluded – LaTeX will search for standard image files, e.g. Cat_Box.jpg, Cat_Box.png, etc. By default, this file should be in the same directory as your .</a:t>
             </a:r>
             <a:r>
               <a:rPr lang="en-GB" dirty="0" err="1"/>
@@ -1803,25 +1847,25 @@
             </a:r>
             <a:r>
               <a:rPr lang="en-GB" dirty="0"/>
-              <a:t> file, but it’s a good idea as it makes your file easier to read. Ampersands separate the specification of material within each column of the current row. In this case, for row 1, we include an ampersand before any text, causing the first column of row 1 to be empty. In rows 2 and 3 we specify something before the ampersand, so column 1 has entries in these rows.</a:t>
-            </a:r>
-            <a:br>
-              <a:rPr lang="en-GB" dirty="0"/>
-            </a:br>
-            <a:br>
-              <a:rPr lang="en-GB" dirty="0"/>
-            </a:br>
-            <a:r>
-              <a:rPr lang="en-GB" dirty="0"/>
-              <a:t>Between the specification of lines 1 and 2 we use the “</a:t>
-            </a:r>
-            <a:r>
-              <a:rPr lang="en-GB" dirty="0" err="1"/>
-              <a:t>hline</a:t>
-            </a:r>
-            <a:r>
-              <a:rPr lang="en-GB" dirty="0"/>
-              <a:t>” command to specify the inclusion of a horizontal line between these rows. Finally, we end the tabular and table environment with the corresponding “end” commands.</a:t>
+              <a:t> file. The “width” statement sets the width of the picture.</a:t>
+            </a:r>
+          </a:p>
+          <a:p>
+            <a:endParaRPr lang="en-GB" dirty="0"/>
+          </a:p>
+          <a:p>
+            <a:r>
+              <a:rPr lang="en-GB" dirty="0"/>
+              <a:t>The caption command allows you to include a caption for the picture which, by default, appears under the picture.</a:t>
+            </a:r>
+          </a:p>
+          <a:p>
+            <a:endParaRPr lang="en-GB" dirty="0"/>
+          </a:p>
+          <a:p>
+            <a:r>
+              <a:rPr lang="en-GB" dirty="0"/>
+              <a:t>Finally, the “\end{figure}” command ends the specification of the figure.</a:t>
             </a:r>
             <a:br>
               <a:rPr lang="en-GB" dirty="0"/>
@@ -1831,7 +1875,7 @@
           <a:p>
             <a:r>
               <a:rPr lang="en-GB" dirty="0"/>
-              <a:t>Overleaf example: https://www.overleaf.com/read/dbmrcfcdhgsg</a:t>
+              <a:t>Overleaf example: https://www.overleaf.com/read/ymfkjjdthvwq</a:t>
             </a:r>
           </a:p>
           <a:p>
@@ -1840,7 +1884,7 @@
             </a:br>
             <a:r>
               <a:rPr lang="en-GB" dirty="0"/>
-              <a:t>Break for section 7 of Task Sheet</a:t>
+              <a:t>Break for section 6 of Task Sheet</a:t>
             </a:r>
           </a:p>
         </p:txBody>
@@ -1871,7 +1915,7 @@
     </p:spTree>
     <p:extLst>
       <p:ext uri="{BB962C8B-B14F-4D97-AF65-F5344CB8AC3E}">
-        <p14:creationId xmlns:p14="http://schemas.microsoft.com/office/powerpoint/2010/main" val="286372603"/>
+        <p14:creationId xmlns:p14="http://schemas.microsoft.com/office/powerpoint/2010/main" val="1845881050"/>
       </p:ext>
     </p:extLst>
   </p:cSld>
@@ -1927,40 +1971,23 @@
           <a:p>
             <a:r>
               <a:rPr lang="en-GB" dirty="0"/>
-              <a:t>LaTeX makes the management of referencing different sections and constructs within the document very easy. The first step is to label the thing you want to reference using the “label” command and specifying the keyword you want to use to reference that entity. If this command is within an equation, figure, table and so on, that is what is being given that label. If it’s not in any of these constructs, the label will be applied to the current section or chapter. The name you label something with can be anything and will not appear anywhere in your final document, but it must be a unique label.</a:t>
-            </a:r>
-          </a:p>
-          <a:p>
-            <a:endParaRPr lang="en-GB" dirty="0"/>
-          </a:p>
-          <a:p>
-            <a:r>
-              <a:rPr lang="en-GB" dirty="0"/>
-              <a:t>The next step is to reference the entity you labelled. This is typically done using the “ref” command, which is followed by the label of the entity you wish to reference in curly brackets. In the text, this is replaced by the number of the entity referenced. For instance, if you reference the second section, the label command will be replaced by the number “2”. Using “</a:t>
+              <a:t>Tables can be included in LaTeX documents in a similar way to figures. The first command “\begin{table}” tells LaTeX to expect a table. In this case, we’ve chosen to include a “h” in square brackets to tell LaTeX to put the table as close as possible to the location it’s been specified in the text. Again, the “</a:t>
             </a:r>
             <a:r>
               <a:rPr lang="en-GB" dirty="0" err="1"/>
-              <a:t>eqref</a:t>
-            </a:r>
-            <a:r>
-              <a:rPr lang="en-GB" dirty="0"/>
-              <a:t>” to reference equations isn’t mandatory – you may use the “ref” command for equations and the reference number would appear without parentheses. To use the “</a:t>
+              <a:t>centering</a:t>
+            </a:r>
+            <a:r>
+              <a:rPr lang="en-GB" dirty="0"/>
+              <a:t>” causes the table to be </a:t>
             </a:r>
             <a:r>
               <a:rPr lang="en-GB" dirty="0" err="1"/>
-              <a:t>eqref</a:t>
-            </a:r>
-            <a:r>
-              <a:rPr lang="en-GB" dirty="0"/>
-              <a:t>” command, you must have used the “</a:t>
-            </a:r>
-            <a:r>
-              <a:rPr lang="en-GB" dirty="0" err="1"/>
-              <a:t>amsmath</a:t>
-            </a:r>
-            <a:r>
-              <a:rPr lang="en-GB" dirty="0"/>
-              <a:t>” package in the preamble.</a:t>
+              <a:t>centered</a:t>
+            </a:r>
+            <a:r>
+              <a:rPr lang="en-GB" dirty="0"/>
+              <a:t> horizontally on the page.</a:t>
             </a:r>
             <a:br>
               <a:rPr lang="en-GB" dirty="0"/>
@@ -1970,7 +1997,17 @@
             </a:br>
             <a:r>
               <a:rPr lang="en-GB" dirty="0"/>
-              <a:t>Note that you can reference labelled entities that occur before or after the reference in the .</a:t>
+              <a:t>Within the “tabular” environment we specify the contents of the table. In the curly brackets immediately after we begin this environment we specify the columns, their alignment and any lines between the columns. Here we have specified that we want text in the left column to be left aligned within the column, text in the middle column to be centre-aligned and text in the rightmost column to be right-aligned within that column. The vertical line between the specification of the first and second column specifies that a vertical line is to be included in the table. If we don’t want a vertical line, as between columns 2 and 3, we don’t include a line.</a:t>
+            </a:r>
+            <a:br>
+              <a:rPr lang="en-GB" dirty="0"/>
+            </a:br>
+            <a:br>
+              <a:rPr lang="en-GB" dirty="0"/>
+            </a:br>
+            <a:r>
+              <a:rPr lang="en-GB" dirty="0"/>
+              <a:t>Next, we begin to specify the contents of the table itself. We do this row by row, with rows separated by a double backslash. It’s not required to put each line of the table on a new line of your .</a:t>
             </a:r>
             <a:r>
               <a:rPr lang="en-GB" dirty="0" err="1"/>
@@ -1978,24 +2015,44 @@
             </a:r>
             <a:r>
               <a:rPr lang="en-GB" dirty="0"/>
-              <a:t> file. If you update your </a:t>
+              <a:t> file, but it’s a good idea as it makes your file easier to read. Ampersands separate the specification of material within each column of the current row. In this case, for row 1, we include an ampersand before any text, causing the first column of row 1 to be empty. In rows 2 and 3 we specify something before the ampersand, so column 1 has entries in these rows.</a:t>
+            </a:r>
+            <a:br>
+              <a:rPr lang="en-GB" dirty="0"/>
+            </a:br>
+            <a:br>
+              <a:rPr lang="en-GB" dirty="0"/>
+            </a:br>
+            <a:r>
+              <a:rPr lang="en-GB" dirty="0"/>
+              <a:t>Between the specification of lines 1 and 2 we use the “</a:t>
             </a:r>
             <a:r>
               <a:rPr lang="en-GB" dirty="0" err="1"/>
-              <a:t>tex</a:t>
-            </a:r>
-            <a:r>
-              <a:rPr lang="en-GB" dirty="0"/>
-              <a:t> file to include more equations, causing the number of the referenced equation to change, the number which appears in the reference will also change in your pdf when you recompile it. This means you can undertake wide-ranging restructuring of your document and references will still automatically point to the right place.</a:t>
-            </a:r>
-          </a:p>
-          <a:p>
+              <a:t>hline</a:t>
+            </a:r>
+            <a:r>
+              <a:rPr lang="en-GB" dirty="0"/>
+              <a:t>” command to specify the inclusion of a horizontal line between these rows. Finally, we end the tabular and table environment with the corresponding “end” commands.</a:t>
+            </a:r>
+            <a:br>
+              <a:rPr lang="en-GB" dirty="0"/>
+            </a:br>
             <a:endParaRPr lang="en-GB" dirty="0"/>
           </a:p>
           <a:p>
             <a:r>
               <a:rPr lang="en-GB" dirty="0"/>
-              <a:t>Overleaf example: https://www.overleaf.com/read/xcdwqnttrqzp</a:t>
+              <a:t>Overleaf example: https://www.overleaf.com/read/dbmrcfcdhgsg</a:t>
+            </a:r>
+          </a:p>
+          <a:p>
+            <a:br>
+              <a:rPr lang="en-GB" dirty="0"/>
+            </a:br>
+            <a:r>
+              <a:rPr lang="en-GB" dirty="0"/>
+              <a:t>Break for section 7 of Task Sheet</a:t>
             </a:r>
           </a:p>
         </p:txBody>
@@ -2026,7 +2083,7 @@
     </p:spTree>
     <p:extLst>
       <p:ext uri="{BB962C8B-B14F-4D97-AF65-F5344CB8AC3E}">
-        <p14:creationId xmlns:p14="http://schemas.microsoft.com/office/powerpoint/2010/main" val="1655301024"/>
+        <p14:creationId xmlns:p14="http://schemas.microsoft.com/office/powerpoint/2010/main" val="286372603"/>
       </p:ext>
     </p:extLst>
   </p:cSld>
@@ -2082,7 +2139,40 @@
           <a:p>
             <a:r>
               <a:rPr lang="en-GB" dirty="0"/>
-              <a:t>Publications often have dozens of citations and your thesis is likely to have dozens or hundreds of references and so a good way to manage with your references is desirable. There are many ways to manage your references and many ways to personalise your citations. We’re going to run through one way to achieve a streamlined approach to referencing.</a:t>
+              <a:t>LaTeX makes the management of referencing different sections and constructs within the document very easy. The first step is to label the thing you want to reference using the “label” command and specifying the keyword you want to use to reference that entity. If this command is within an equation, figure, table and so on, that is what is being given that label. If it’s not in any of these constructs, the label will be applied to the current section or chapter. The name you label something with can be anything and will not appear anywhere in your final document, but it must be a unique label.</a:t>
+            </a:r>
+          </a:p>
+          <a:p>
+            <a:endParaRPr lang="en-GB" dirty="0"/>
+          </a:p>
+          <a:p>
+            <a:r>
+              <a:rPr lang="en-GB" dirty="0"/>
+              <a:t>The next step is to reference the entity you labelled. This is typically done using the “ref” command, which is followed by the label of the entity you wish to reference in curly brackets. In the text, this is replaced by the number of the entity referenced. For instance, if you reference the second section, the label command will be replaced by the number “2”. Using “</a:t>
+            </a:r>
+            <a:r>
+              <a:rPr lang="en-GB" dirty="0" err="1"/>
+              <a:t>eqref</a:t>
+            </a:r>
+            <a:r>
+              <a:rPr lang="en-GB" dirty="0"/>
+              <a:t>” to reference equations isn’t mandatory – you may use the “ref” command for equations and the reference number would appear without parentheses. To use the “</a:t>
+            </a:r>
+            <a:r>
+              <a:rPr lang="en-GB" dirty="0" err="1"/>
+              <a:t>eqref</a:t>
+            </a:r>
+            <a:r>
+              <a:rPr lang="en-GB" dirty="0"/>
+              <a:t>” command, you must have used the “</a:t>
+            </a:r>
+            <a:r>
+              <a:rPr lang="en-GB" dirty="0" err="1"/>
+              <a:t>amsmath</a:t>
+            </a:r>
+            <a:r>
+              <a:rPr lang="en-GB" dirty="0"/>
+              <a:t>” package in the preamble.</a:t>
             </a:r>
             <a:br>
               <a:rPr lang="en-GB" dirty="0"/>
@@ -2092,15 +2182,32 @@
             </a:br>
             <a:r>
               <a:rPr lang="en-GB" dirty="0"/>
-              <a:t>Many reference managers such as EndNote, Mendeley and </a:t>
+              <a:t>Note that you can reference labelled entities that occur before or after the reference in the .</a:t>
             </a:r>
             <a:r>
               <a:rPr lang="en-GB" dirty="0" err="1"/>
-              <a:t>JabRef</a:t>
-            </a:r>
-            <a:r>
-              <a:rPr lang="en-GB" dirty="0"/>
-              <a:t> allow for your database of references to be exported as a “.bib” file. This is essentially a database of your references that LaTeX can interact with directly. This means you only need to enter your reference details once in your reference manager and it will feed through to your LaTeX documents including your thesis. If you combine this with the automatic population of fields in your reference manager you will never need to manually write the author of a reference again. This saves a lot of time and effort you can better spend elsewhere.</a:t>
+              <a:t>tex</a:t>
+            </a:r>
+            <a:r>
+              <a:rPr lang="en-GB" dirty="0"/>
+              <a:t> file. If you update your </a:t>
+            </a:r>
+            <a:r>
+              <a:rPr lang="en-GB" dirty="0" err="1"/>
+              <a:t>tex</a:t>
+            </a:r>
+            <a:r>
+              <a:rPr lang="en-GB" dirty="0"/>
+              <a:t> file to include more equations, causing the number of the referenced equation to change, the number which appears in the reference will also change in your pdf when you recompile it. This means you can undertake wide-ranging restructuring of your document and references will still automatically point to the right place.</a:t>
+            </a:r>
+          </a:p>
+          <a:p>
+            <a:endParaRPr lang="en-GB" dirty="0"/>
+          </a:p>
+          <a:p>
+            <a:r>
+              <a:rPr lang="en-GB" dirty="0"/>
+              <a:t>Overleaf example: https://www.overleaf.com/read/xcdwqnttrqzp</a:t>
             </a:r>
           </a:p>
         </p:txBody>
@@ -2131,7 +2238,7 @@
     </p:spTree>
     <p:extLst>
       <p:ext uri="{BB962C8B-B14F-4D97-AF65-F5344CB8AC3E}">
-        <p14:creationId xmlns:p14="http://schemas.microsoft.com/office/powerpoint/2010/main" val="1094947271"/>
+        <p14:creationId xmlns:p14="http://schemas.microsoft.com/office/powerpoint/2010/main" val="1655301024"/>
       </p:ext>
     </p:extLst>
   </p:cSld>
@@ -2187,31 +2294,7 @@
           <a:p>
             <a:r>
               <a:rPr lang="en-GB" dirty="0"/>
-              <a:t>A “.bib” file consists of one entry for each reference. An new entry is begun with a “@” symbol and the name of the type of entry it is. Here, we have one article and one book. There are many other types such as “report”, “conference” and even “</a:t>
-            </a:r>
-            <a:r>
-              <a:rPr lang="en-GB" dirty="0" err="1"/>
-              <a:t>phdthesis</a:t>
-            </a:r>
-            <a:r>
-              <a:rPr lang="en-GB" dirty="0"/>
-              <a:t>”. See here for some more examples: </a:t>
-            </a:r>
-            <a:r>
-              <a:rPr lang="en-GB" dirty="0">
-                <a:hlinkClick r:id="rId3"/>
-              </a:rPr>
-              <a:t>https://www.verbosus.com/bibtex-style-examples.html</a:t>
-            </a:r>
-            <a:endParaRPr lang="en-GB" dirty="0"/>
-          </a:p>
-          <a:p>
-            <a:endParaRPr lang="en-GB" dirty="0"/>
-          </a:p>
-          <a:p>
-            <a:r>
-              <a:rPr lang="en-GB" dirty="0"/>
-              <a:t> Within curly brackets, the first entry is a label for your reference. Following that, we then have a series of fields which define the contents of the reference. These come in the format “field name = field value” and are separated by commas. Different entries are valid for different entry types. For instance, both our entries here have “author”, “title” and “year” fields but the article has the fields “journal”, “volume”, “number” and “pages” fields whilst the book has a “publisher” field.</a:t>
+              <a:t>Publications often have dozens of citations and your thesis is likely to have dozens or hundreds of references and so a good way to manage with your references is desirable. There are many ways to manage your references and many ways to personalise your citations. We’re going to run through one way to achieve a streamlined approach to referencing.</a:t>
             </a:r>
             <a:br>
               <a:rPr lang="en-GB" dirty="0"/>
@@ -2221,24 +2304,15 @@
             </a:br>
             <a:r>
               <a:rPr lang="en-GB" dirty="0"/>
-              <a:t>When you compile your main .</a:t>
+              <a:t>Many reference managers such as EndNote, Mendeley and </a:t>
             </a:r>
             <a:r>
               <a:rPr lang="en-GB" dirty="0" err="1"/>
-              <a:t>tex</a:t>
-            </a:r>
-            <a:r>
-              <a:rPr lang="en-GB" dirty="0"/>
-              <a:t> file, your bibliography will appear and any entries that are cited will appear in your bibliography. By default, entries you have not cited will not be included.</a:t>
-            </a:r>
-          </a:p>
-          <a:p>
-            <a:endParaRPr lang="en-GB" dirty="0"/>
-          </a:p>
-          <a:p>
-            <a:r>
-              <a:rPr lang="en-GB" dirty="0"/>
-              <a:t>Overleaf example: https://www.overleaf.com/read/tfrbytxxqszf</a:t>
+              <a:t>JabRef</a:t>
+            </a:r>
+            <a:r>
+              <a:rPr lang="en-GB" dirty="0"/>
+              <a:t> allow for your database of references to be exported as a “.bib” file. This is essentially a database of your references that LaTeX can interact with directly. This means you only need to enter your reference details once in your reference manager and it will feed through to your LaTeX documents including your thesis. If you combine this with the automatic population of fields in your reference manager you will never need to manually write the author of a reference again. This saves a lot of time and effort you can better spend elsewhere.</a:t>
             </a:r>
           </a:p>
         </p:txBody>
@@ -2269,7 +2343,7 @@
     </p:spTree>
     <p:extLst>
       <p:ext uri="{BB962C8B-B14F-4D97-AF65-F5344CB8AC3E}">
-        <p14:creationId xmlns:p14="http://schemas.microsoft.com/office/powerpoint/2010/main" val="2985834625"/>
+        <p14:creationId xmlns:p14="http://schemas.microsoft.com/office/powerpoint/2010/main" val="1094947271"/>
       </p:ext>
     </p:extLst>
   </p:cSld>
@@ -2325,7 +2399,41 @@
           <a:p>
             <a:r>
               <a:rPr lang="en-GB" dirty="0"/>
-              <a:t>In your main .</a:t>
+              <a:t>A “.bib” file consists of one entry for each reference. An new entry is begun with a “@” symbol and the name of the type of entry it is. Here, we have one article and one book. There are many other types such as “report”, “conference” and even “</a:t>
+            </a:r>
+            <a:r>
+              <a:rPr lang="en-GB" dirty="0" err="1"/>
+              <a:t>phdthesis</a:t>
+            </a:r>
+            <a:r>
+              <a:rPr lang="en-GB" dirty="0"/>
+              <a:t>”. See here for some more examples: </a:t>
+            </a:r>
+            <a:r>
+              <a:rPr lang="en-GB" dirty="0">
+                <a:hlinkClick r:id="rId3"/>
+              </a:rPr>
+              <a:t>https://www.verbosus.com/bibtex-style-examples.html</a:t>
+            </a:r>
+            <a:endParaRPr lang="en-GB" dirty="0"/>
+          </a:p>
+          <a:p>
+            <a:endParaRPr lang="en-GB" dirty="0"/>
+          </a:p>
+          <a:p>
+            <a:r>
+              <a:rPr lang="en-GB" dirty="0"/>
+              <a:t> Within curly brackets, the first entry is a label for your reference. Following that, we then have a series of fields which define the contents of the reference. These come in the format “field name = field value” and are separated by commas. Different entries are valid for different entry types. For instance, both our entries here have “author”, “title” and “year” fields but the article has the fields “journal”, “volume”, “number” and “pages” fields whilst the book has a “publisher” field.</a:t>
+            </a:r>
+            <a:br>
+              <a:rPr lang="en-GB" dirty="0"/>
+            </a:br>
+            <a:br>
+              <a:rPr lang="en-GB" dirty="0"/>
+            </a:br>
+            <a:r>
+              <a:rPr lang="en-GB" dirty="0"/>
+              <a:t>When you compile your main .</a:t>
             </a:r>
             <a:r>
               <a:rPr lang="en-GB" dirty="0" err="1"/>
@@ -2333,79 +2441,17 @@
             </a:r>
             <a:r>
               <a:rPr lang="en-GB" dirty="0"/>
-              <a:t> file, you need to use the package “</a:t>
-            </a:r>
-            <a:r>
-              <a:rPr lang="en-GB" dirty="0" err="1"/>
-              <a:t>natbib</a:t>
-            </a:r>
-            <a:r>
-              <a:rPr lang="en-GB" dirty="0"/>
-              <a:t>” in your preamble. You can then cite a reference using the “</a:t>
-            </a:r>
-            <a:r>
-              <a:rPr lang="en-GB" dirty="0" err="1"/>
-              <a:t>citet</a:t>
-            </a:r>
-            <a:r>
-              <a:rPr lang="en-GB" dirty="0"/>
-              <a:t>” command with the label of the reference. This produces a reference which is “textual” in the sense that the author name is written in normal text as if it’s being read as part of the sentence. You can also use “</a:t>
-            </a:r>
-            <a:r>
-              <a:rPr lang="en-GB" dirty="0" err="1"/>
-              <a:t>citep</a:t>
-            </a:r>
-            <a:r>
-              <a:rPr lang="en-GB" dirty="0"/>
-              <a:t>” to include the entire reference within brackets. This can be useful for when you don’t intend for the reference to be read as part of the sentence, but to act as an addendum.</a:t>
-            </a:r>
-            <a:br>
-              <a:rPr lang="en-GB" dirty="0"/>
-            </a:br>
-            <a:br>
-              <a:rPr lang="en-GB" dirty="0"/>
-            </a:br>
-            <a:r>
-              <a:rPr lang="en-GB" dirty="0"/>
-              <a:t>After the main body of your text, select a bibliography style (we’ll use “</a:t>
-            </a:r>
-            <a:r>
-              <a:rPr lang="en-GB" dirty="0" err="1"/>
-              <a:t>plainnat</a:t>
-            </a:r>
-            <a:r>
-              <a:rPr lang="en-GB" dirty="0"/>
-              <a:t>” for now). Then, use the “\bibliography” command to actually insert your bibliography into your text. This is followed by the name of your “.bib” file in curly brackets (do not include the “.bib” extension here).</a:t>
+              <a:t> file, your bibliography will appear and any entries that are cited will appear in your bibliography. By default, entries you have not cited will not be included.</a:t>
             </a:r>
           </a:p>
           <a:p>
             <a:endParaRPr lang="en-GB" dirty="0"/>
           </a:p>
           <a:p>
-            <a:pPr marL="0" marR="0" lvl="0" indent="0" algn="l" defTabSz="914400" rtl="0" eaLnBrk="1" fontAlgn="auto" latinLnBrk="0" hangingPunct="1">
-              <a:lnSpc>
-                <a:spcPct val="100000"/>
-              </a:lnSpc>
-              <a:spcBef>
-                <a:spcPts val="0"/>
-              </a:spcBef>
-              <a:spcAft>
-                <a:spcPts val="0"/>
-              </a:spcAft>
-              <a:buClrTx/>
-              <a:buSzTx/>
-              <a:buFontTx/>
-              <a:buNone/>
-              <a:tabLst/>
-              <a:defRPr/>
-            </a:pPr>
             <a:r>
               <a:rPr lang="en-GB" dirty="0"/>
               <a:t>Overleaf example: https://www.overleaf.com/read/tfrbytxxqszf</a:t>
             </a:r>
-          </a:p>
-          <a:p>
-            <a:endParaRPr lang="en-GB" dirty="0"/>
           </a:p>
         </p:txBody>
       </p:sp>
@@ -2435,7 +2481,7 @@
     </p:spTree>
     <p:extLst>
       <p:ext uri="{BB962C8B-B14F-4D97-AF65-F5344CB8AC3E}">
-        <p14:creationId xmlns:p14="http://schemas.microsoft.com/office/powerpoint/2010/main" val="529073958"/>
+        <p14:creationId xmlns:p14="http://schemas.microsoft.com/office/powerpoint/2010/main" val="2985834625"/>
       </p:ext>
     </p:extLst>
   </p:cSld>
@@ -2575,16 +2621,39 @@
           <a:p>
             <a:r>
               <a:rPr lang="en-GB" dirty="0"/>
-              <a:t>As LaTeX runs, it keeps a log of what it’s doing. Most of these messages can be safely ignored. However, one class of message that is very helpful is the error message. Overleaf, like all LaTeX compilers will keep a log of all messages is generated. When LaTeX hits a section of code with an error, it will typically generate a number of useful messages and then stop progressing further. If you carefully read the messages, they often lead you straight to the source of the error.</a:t>
-            </a:r>
-          </a:p>
-          <a:p>
-            <a:endParaRPr lang="en-GB" dirty="0"/>
-          </a:p>
-          <a:p>
-            <a:r>
-              <a:rPr lang="en-GB" dirty="0"/>
-              <a:t>LaTeX will normally tell you what the error is and on what line of the file the error occurred. Overleaf takes this a step further and shows you a small error symbol next to the line number. You can hover over this to read the error message. The full message log can be read by clicking the “Log and Output Files” button next to the “Recompile” button just above where the pdf is normally displayed. </a:t>
+              <a:t>In your main .</a:t>
+            </a:r>
+            <a:r>
+              <a:rPr lang="en-GB" dirty="0" err="1"/>
+              <a:t>tex</a:t>
+            </a:r>
+            <a:r>
+              <a:rPr lang="en-GB" dirty="0"/>
+              <a:t> file, you need to use the package “</a:t>
+            </a:r>
+            <a:r>
+              <a:rPr lang="en-GB" dirty="0" err="1"/>
+              <a:t>natbib</a:t>
+            </a:r>
+            <a:r>
+              <a:rPr lang="en-GB" dirty="0"/>
+              <a:t>” in your preamble. You can then cite a reference using the “</a:t>
+            </a:r>
+            <a:r>
+              <a:rPr lang="en-GB" dirty="0" err="1"/>
+              <a:t>citet</a:t>
+            </a:r>
+            <a:r>
+              <a:rPr lang="en-GB" dirty="0"/>
+              <a:t>” command with the label of the reference. This produces a reference which is “textual” in the sense that the author name is written in normal text as if it’s being read as part of the sentence. You can also use “</a:t>
+            </a:r>
+            <a:r>
+              <a:rPr lang="en-GB" dirty="0" err="1"/>
+              <a:t>citep</a:t>
+            </a:r>
+            <a:r>
+              <a:rPr lang="en-GB" dirty="0"/>
+              <a:t>” to include the entire reference within brackets. This can be useful for when you don’t intend for the reference to be read as part of the sentence, but to act as an addendum.</a:t>
             </a:r>
             <a:br>
               <a:rPr lang="en-GB" dirty="0"/>
@@ -2594,54 +2663,45 @@
             </a:br>
             <a:r>
               <a:rPr lang="en-GB" dirty="0"/>
-              <a:t>When you receive an error from LaTeX (in Overleaf, or from whatever LaTeX compiler you’re using), read the error message, edit your </a:t>
+              <a:t>After the main body of your text, select a bibliography style (we’ll use “</a:t>
             </a:r>
             <a:r>
               <a:rPr lang="en-GB" dirty="0" err="1"/>
-              <a:t>tex</a:t>
-            </a:r>
-            <a:r>
-              <a:rPr lang="en-GB" dirty="0"/>
-              <a:t> file to correct the error and recompile the pdf. Hopefully you will have fixed the error. Otherwise, you’ll receive another error message.</a:t>
-            </a:r>
-            <a:br>
-              <a:rPr lang="en-GB" dirty="0"/>
-            </a:br>
-            <a:br>
-              <a:rPr lang="en-GB" dirty="0"/>
-            </a:br>
-            <a:r>
-              <a:rPr lang="en-GB" dirty="0"/>
-              <a:t>LaTeX will also give you warnings, telling you if there was something it wasn’t sure what to do with, but was able to complete the document in any case. It’s also a good idea to look through the entire pdf by eye for anywhere that you’ve given a valid instruction, but one that has produced a different result to what you wanted.</a:t>
+              <a:t>plainnat</a:t>
+            </a:r>
+            <a:r>
+              <a:rPr lang="en-GB" dirty="0"/>
+              <a:t>” for now). Then, use the “\bibliography” command to actually insert your bibliography into your text. This is followed by the name of your “.bib” file in curly brackets (do not include the “.bib” extension here).</a:t>
             </a:r>
           </a:p>
           <a:p>
             <a:endParaRPr lang="en-GB" dirty="0"/>
           </a:p>
           <a:p>
-            <a:r>
-              <a:rPr lang="en-GB" dirty="0"/>
-              <a:t>When tackling errors, it’s often worth correcting the earliest error first – sometimes doing so will fix subsequent errors.</a:t>
-            </a:r>
-            <a:br>
-              <a:rPr lang="en-GB" dirty="0"/>
-            </a:br>
+            <a:pPr marL="0" marR="0" lvl="0" indent="0" algn="l" defTabSz="914400" rtl="0" eaLnBrk="1" fontAlgn="auto" latinLnBrk="0" hangingPunct="1">
+              <a:lnSpc>
+                <a:spcPct val="100000"/>
+              </a:lnSpc>
+              <a:spcBef>
+                <a:spcPts val="0"/>
+              </a:spcBef>
+              <a:spcAft>
+                <a:spcPts val="0"/>
+              </a:spcAft>
+              <a:buClrTx/>
+              <a:buSzTx/>
+              <a:buFontTx/>
+              <a:buNone/>
+              <a:tabLst/>
+              <a:defRPr/>
+            </a:pPr>
+            <a:r>
+              <a:rPr lang="en-GB" dirty="0"/>
+              <a:t>Overleaf example: https://www.overleaf.com/read/tfrbytxxqszf</a:t>
+            </a:r>
+          </a:p>
+          <a:p>
             <a:endParaRPr lang="en-GB" dirty="0"/>
-          </a:p>
-          <a:p>
-            <a:r>
-              <a:rPr lang="en-GB" dirty="0"/>
-              <a:t>Latex example: https://www.overleaf.com/read/gnzphcnqgfvf</a:t>
-            </a:r>
-          </a:p>
-          <a:p>
-            <a:br>
-              <a:rPr lang="en-GB" dirty="0"/>
-            </a:br>
-            <a:r>
-              <a:rPr lang="en-GB" dirty="0"/>
-              <a:t>Break for section 10 of Task Sheet. </a:t>
-            </a:r>
           </a:p>
         </p:txBody>
       </p:sp>
@@ -2671,7 +2731,7 @@
     </p:spTree>
     <p:extLst>
       <p:ext uri="{BB962C8B-B14F-4D97-AF65-F5344CB8AC3E}">
-        <p14:creationId xmlns:p14="http://schemas.microsoft.com/office/powerpoint/2010/main" val="2643096923"/>
+        <p14:creationId xmlns:p14="http://schemas.microsoft.com/office/powerpoint/2010/main" val="529073958"/>
       </p:ext>
     </p:extLst>
   </p:cSld>
@@ -2727,23 +2787,16 @@
           <a:p>
             <a:r>
               <a:rPr lang="en-GB" dirty="0"/>
-              <a:t>If you’re working on a document to submit to a journal, there are a number of things to bear in mind. Many journals have custom </a:t>
-            </a:r>
-            <a:r>
-              <a:rPr lang="en-GB" dirty="0" err="1"/>
-              <a:t>documentclasses</a:t>
-            </a:r>
-            <a:r>
-              <a:rPr lang="en-GB" dirty="0"/>
-              <a:t> which they make available and you can chose to use when submitting. Some journals might require you to use their </a:t>
-            </a:r>
-            <a:r>
-              <a:rPr lang="en-GB" dirty="0" err="1"/>
-              <a:t>documentclass</a:t>
-            </a:r>
-            <a:r>
-              <a:rPr lang="en-GB" dirty="0"/>
-              <a:t> when submitting.</a:t>
+              <a:t>As LaTeX runs, it keeps a log of what it’s doing. Most of these messages can be safely ignored. However, one class of message that is very helpful is the error message. Overleaf, like all LaTeX compilers will keep a log of all messages is generated. When LaTeX hits a section of code with an error, it will typically generate a number of useful messages and then stop progressing further. If you carefully read the messages, they often lead you straight to the source of the error.</a:t>
+            </a:r>
+          </a:p>
+          <a:p>
+            <a:endParaRPr lang="en-GB" dirty="0"/>
+          </a:p>
+          <a:p>
+            <a:r>
+              <a:rPr lang="en-GB" dirty="0"/>
+              <a:t>LaTeX will normally tell you what the error is and on what line of the file the error occurred. Overleaf takes this a step further and shows you a small error symbol next to the line number. You can hover over this to read the error message. The full message log can be read by clicking the “Log and Output Files” button next to the “Recompile” button just above where the pdf is normally displayed. </a:t>
             </a:r>
             <a:br>
               <a:rPr lang="en-GB" dirty="0"/>
@@ -2753,15 +2806,53 @@
             </a:br>
             <a:r>
               <a:rPr lang="en-GB" dirty="0"/>
-              <a:t>In many cases you can submit your LaTeX source files to the journal as well. This aids the typesetters at the journal in working on your document. For many journals, </a:t>
+              <a:t>When you receive an error from LaTeX (in Overleaf, or from whatever LaTeX compiler you’re using), read the error message, edit your </a:t>
             </a:r>
             <a:r>
               <a:rPr lang="en-GB" dirty="0" err="1"/>
-              <a:t>typsetters</a:t>
-            </a:r>
-            <a:r>
-              <a:rPr lang="en-GB" dirty="0"/>
-              <a:t> will alter your script substantially to make sure it fits the standards and style of the journal. This means that you don’t need to make your document look perfect when you submit it. You need it to be easily legible for the reviewers and editors to read, but spending days tweaking fine details might not be a good use of your time. Check the process and requirements of the journal you’re submitting to so you fulfil all their requirements but don’t put in effort that will ultimately be wasted.</a:t>
+              <a:t>tex</a:t>
+            </a:r>
+            <a:r>
+              <a:rPr lang="en-GB" dirty="0"/>
+              <a:t> file to correct the error and recompile the pdf. Hopefully you will have fixed the error. Otherwise, you’ll receive another error message.</a:t>
+            </a:r>
+            <a:br>
+              <a:rPr lang="en-GB" dirty="0"/>
+            </a:br>
+            <a:br>
+              <a:rPr lang="en-GB" dirty="0"/>
+            </a:br>
+            <a:r>
+              <a:rPr lang="en-GB" dirty="0"/>
+              <a:t>LaTeX will also give you warnings, telling you if there was something it wasn’t sure what to do with, but was able to complete the document in any case. It’s also a good idea to look through the entire pdf by eye for anywhere that you’ve given a valid instruction, but one that has produced a different result to what you wanted.</a:t>
+            </a:r>
+          </a:p>
+          <a:p>
+            <a:endParaRPr lang="en-GB" dirty="0"/>
+          </a:p>
+          <a:p>
+            <a:r>
+              <a:rPr lang="en-GB" dirty="0"/>
+              <a:t>When tackling errors, it’s often worth correcting the earliest error first – sometimes doing so will fix subsequent errors.</a:t>
+            </a:r>
+            <a:br>
+              <a:rPr lang="en-GB" dirty="0"/>
+            </a:br>
+            <a:endParaRPr lang="en-GB" dirty="0"/>
+          </a:p>
+          <a:p>
+            <a:r>
+              <a:rPr lang="en-GB" dirty="0"/>
+              <a:t>Latex example: https://www.overleaf.com/read/gnzphcnqgfvf</a:t>
+            </a:r>
+          </a:p>
+          <a:p>
+            <a:br>
+              <a:rPr lang="en-GB" dirty="0"/>
+            </a:br>
+            <a:r>
+              <a:rPr lang="en-GB" dirty="0"/>
+              <a:t>Break for section 10 of Task Sheet. </a:t>
             </a:r>
           </a:p>
         </p:txBody>
@@ -2792,7 +2883,7 @@
     </p:spTree>
     <p:extLst>
       <p:ext uri="{BB962C8B-B14F-4D97-AF65-F5344CB8AC3E}">
-        <p14:creationId xmlns:p14="http://schemas.microsoft.com/office/powerpoint/2010/main" val="3430040987"/>
+        <p14:creationId xmlns:p14="http://schemas.microsoft.com/office/powerpoint/2010/main" val="2643096923"/>
       </p:ext>
     </p:extLst>
   </p:cSld>
@@ -2848,23 +2939,41 @@
           <a:p>
             <a:r>
               <a:rPr lang="en-GB" dirty="0"/>
-              <a:t>If you want to do something in LaTeX but don’t know how, the first thing to do is to Google it. Somebody has almost certainly had your problem/desire before and you can copy their solution most of the time. On many occasions, you’ll find the answer of </a:t>
+              <a:t>If you’re working on a document to submit to a journal, there are a number of things to bear in mind. Many journals have custom </a:t>
             </a:r>
             <a:r>
               <a:rPr lang="en-GB" dirty="0" err="1"/>
-              <a:t>stackexchange</a:t>
-            </a:r>
-            <a:r>
-              <a:rPr lang="en-GB" dirty="0"/>
-              <a:t>. As well as being a useful environment to develop and run LaTeX, Overleaf has an extensive library of documentation on LaTeX’s functions. There’s also a very good </a:t>
+              <a:t>documentclasses</a:t>
+            </a:r>
+            <a:r>
+              <a:rPr lang="en-GB" dirty="0"/>
+              <a:t> which they make available and you can chose to use when submitting. Some journals might require you to use their </a:t>
             </a:r>
             <a:r>
               <a:rPr lang="en-GB" dirty="0" err="1"/>
-              <a:t>wikibook</a:t>
-            </a:r>
-            <a:r>
-              <a:rPr lang="en-GB" dirty="0"/>
-              <a:t> that contains a good description of the functionality of LaTeX. There’s also a good table maker which allows you to define tables in a more natural and graphical way and have it return the equivalent LaTeX code. Finally, there’s an equation editor which allows you to define equations in a more graphical fashion and have it return the equivalent LaTeX code.</a:t>
+              <a:t>documentclass</a:t>
+            </a:r>
+            <a:r>
+              <a:rPr lang="en-GB" dirty="0"/>
+              <a:t> when submitting.</a:t>
+            </a:r>
+            <a:br>
+              <a:rPr lang="en-GB" dirty="0"/>
+            </a:br>
+            <a:br>
+              <a:rPr lang="en-GB" dirty="0"/>
+            </a:br>
+            <a:r>
+              <a:rPr lang="en-GB" dirty="0"/>
+              <a:t>In many cases you can submit your LaTeX source files to the journal as well. This aids the typesetters at the journal in working on your document. For many journals, </a:t>
+            </a:r>
+            <a:r>
+              <a:rPr lang="en-GB" dirty="0" err="1"/>
+              <a:t>typsetters</a:t>
+            </a:r>
+            <a:r>
+              <a:rPr lang="en-GB" dirty="0"/>
+              <a:t> will alter your script substantially to make sure it fits the standards and style of the journal. This means that you don’t need to make your document look perfect when you submit it. You need it to be easily legible for the reviewers and editors to read, but spending days tweaking fine details might not be a good use of your time. Check the process and requirements of the journal you’re submitting to so you fulfil all their requirements but don’t put in effort that will ultimately be wasted.</a:t>
             </a:r>
           </a:p>
         </p:txBody>
@@ -2895,7 +3004,7 @@
     </p:spTree>
     <p:extLst>
       <p:ext uri="{BB962C8B-B14F-4D97-AF65-F5344CB8AC3E}">
-        <p14:creationId xmlns:p14="http://schemas.microsoft.com/office/powerpoint/2010/main" val="1445805806"/>
+        <p14:creationId xmlns:p14="http://schemas.microsoft.com/office/powerpoint/2010/main" val="3430040987"/>
       </p:ext>
     </p:extLst>
   </p:cSld>
@@ -2949,7 +3058,26 @@
           <a:bodyPr/>
           <a:lstStyle/>
           <a:p>
-            <a:endParaRPr lang="en-GB" dirty="0"/>
+            <a:r>
+              <a:rPr lang="en-GB" dirty="0"/>
+              <a:t>If you want to do something in LaTeX but don’t know how, the first thing to do is to Google it. Somebody has almost certainly had your problem/desire before and you can copy their solution most of the time. On many occasions, you’ll find the answer of </a:t>
+            </a:r>
+            <a:r>
+              <a:rPr lang="en-GB" dirty="0" err="1"/>
+              <a:t>stackexchange</a:t>
+            </a:r>
+            <a:r>
+              <a:rPr lang="en-GB" dirty="0"/>
+              <a:t>. As well as being a useful environment to develop and run LaTeX, Overleaf has an extensive library of documentation on LaTeX’s functions. There’s also a very good </a:t>
+            </a:r>
+            <a:r>
+              <a:rPr lang="en-GB" dirty="0" err="1"/>
+              <a:t>wikibook</a:t>
+            </a:r>
+            <a:r>
+              <a:rPr lang="en-GB" dirty="0"/>
+              <a:t> that contains a good description of the functionality of LaTeX. There’s also a good table maker which allows you to define tables in a more natural and graphical way and have it return the equivalent LaTeX code. Finally, there’s an equation editor which allows you to define equations in a more graphical fashion and have it return the equivalent LaTeX code.</a:t>
+            </a:r>
           </a:p>
         </p:txBody>
       </p:sp>
@@ -2979,7 +3107,7 @@
     </p:spTree>
     <p:extLst>
       <p:ext uri="{BB962C8B-B14F-4D97-AF65-F5344CB8AC3E}">
-        <p14:creationId xmlns:p14="http://schemas.microsoft.com/office/powerpoint/2010/main" val="1492413823"/>
+        <p14:creationId xmlns:p14="http://schemas.microsoft.com/office/powerpoint/2010/main" val="1445805806"/>
       </p:ext>
     </p:extLst>
   </p:cSld>
@@ -3008,6 +3136,90 @@
       </p:grpSpPr>
       <p:sp>
         <p:nvSpPr>
+          <p:cNvPr id="2" name="Slide Image Placeholder 1"/>
+          <p:cNvSpPr>
+            <a:spLocks noGrp="1" noRot="1" noChangeAspect="1"/>
+          </p:cNvSpPr>
+          <p:nvPr>
+            <p:ph type="sldImg"/>
+          </p:nvPr>
+        </p:nvSpPr>
+        <p:spPr/>
+      </p:sp>
+      <p:sp>
+        <p:nvSpPr>
+          <p:cNvPr id="3" name="Notes Placeholder 2"/>
+          <p:cNvSpPr>
+            <a:spLocks noGrp="1"/>
+          </p:cNvSpPr>
+          <p:nvPr>
+            <p:ph type="body" idx="1"/>
+          </p:nvPr>
+        </p:nvSpPr>
+        <p:spPr/>
+        <p:txBody>
+          <a:bodyPr/>
+          <a:lstStyle/>
+          <a:p>
+            <a:endParaRPr lang="en-GB" dirty="0"/>
+          </a:p>
+        </p:txBody>
+      </p:sp>
+      <p:sp>
+        <p:nvSpPr>
+          <p:cNvPr id="4" name="Slide Number Placeholder 3"/>
+          <p:cNvSpPr>
+            <a:spLocks noGrp="1"/>
+          </p:cNvSpPr>
+          <p:nvPr>
+            <p:ph type="sldNum" sz="quarter" idx="10"/>
+          </p:nvPr>
+        </p:nvSpPr>
+        <p:spPr/>
+        <p:txBody>
+          <a:bodyPr/>
+          <a:lstStyle/>
+          <a:p>
+            <a:fld id="{6A641EC8-C9F8-4A58-A1A7-F7D817526EEC}" type="slidenum">
+              <a:rPr lang="en-GB" smtClean="0"/>
+              <a:t>25</a:t>
+            </a:fld>
+            <a:endParaRPr lang="en-GB"/>
+          </a:p>
+        </p:txBody>
+      </p:sp>
+    </p:spTree>
+    <p:extLst>
+      <p:ext uri="{BB962C8B-B14F-4D97-AF65-F5344CB8AC3E}">
+        <p14:creationId xmlns:p14="http://schemas.microsoft.com/office/powerpoint/2010/main" val="1492413823"/>
+      </p:ext>
+    </p:extLst>
+  </p:cSld>
+  <p:clrMapOvr>
+    <a:masterClrMapping/>
+  </p:clrMapOvr>
+</p:notes>
+</file>
+
+<file path=ppt/notesSlides/notesSlide25.xml><?xml version="1.0" encoding="utf-8"?>
+<p:notes xmlns:a="http://schemas.openxmlformats.org/drawingml/2006/main" xmlns:r="http://schemas.openxmlformats.org/officeDocument/2006/relationships" xmlns:p="http://schemas.openxmlformats.org/presentationml/2006/main">
+  <p:cSld>
+    <p:spTree>
+      <p:nvGrpSpPr>
+        <p:cNvPr id="1" name=""/>
+        <p:cNvGrpSpPr/>
+        <p:nvPr/>
+      </p:nvGrpSpPr>
+      <p:grpSpPr>
+        <a:xfrm>
+          <a:off x="0" y="0"/>
+          <a:ext cx="0" cy="0"/>
+          <a:chOff x="0" y="0"/>
+          <a:chExt cx="0" cy="0"/>
+        </a:xfrm>
+      </p:grpSpPr>
+      <p:sp>
+        <p:nvSpPr>
           <p:cNvPr id="108546" name="Rectangle 7"/>
           <p:cNvSpPr>
             <a:spLocks noGrp="1" noChangeArrowheads="1"/>
@@ -3166,7 +3378,7 @@
                   <a:spcPct val="0"/>
                 </a:spcBef>
               </a:pPr>
-              <a:t>25</a:t>
+              <a:t>26</a:t>
             </a:fld>
             <a:endParaRPr lang="en-US" altLang="en-US"/>
           </a:p>
@@ -3284,58 +3496,7 @@
           <a:bodyPr/>
           <a:lstStyle/>
           <a:p>
-            <a:r>
-              <a:rPr lang="en-GB" dirty="0"/>
-              <a:t>LaTeX is a powerful and versatile typesetting tool. It’s exceptionally well-suited to the production of high quality technical reports including journal articles and theses. It provides advanced tools to include and customise equations, figures, references, bibliographies including the automation of many tasks. In addition, a large number of optional extensions exist to provide specialist functionality. And if something suiting you doesn’t exist, you can create it yourself.</a:t>
-            </a:r>
-            <a:br>
-              <a:rPr lang="en-GB" dirty="0"/>
-            </a:br>
-            <a:br>
-              <a:rPr lang="en-GB" dirty="0"/>
-            </a:br>
-            <a:r>
-              <a:rPr lang="en-GB" dirty="0"/>
-              <a:t>To use LaTeX, you create a </a:t>
-            </a:r>
-            <a:r>
-              <a:rPr lang="en-GB" dirty="0" err="1"/>
-              <a:t>tex</a:t>
-            </a:r>
-            <a:r>
-              <a:rPr lang="en-GB" dirty="0"/>
-              <a:t> file and then compile it into a pdf. This may be done by invoking terminal commands or through the use of a LaTeX editor, such as </a:t>
-            </a:r>
-            <a:r>
-              <a:rPr lang="en-GB" dirty="0" err="1"/>
-              <a:t>MikTex</a:t>
-            </a:r>
-            <a:r>
-              <a:rPr lang="en-GB" dirty="0"/>
-              <a:t> which can be installed locally on your machine or through an online editor such as Overleaf. You may then edit the </a:t>
-            </a:r>
-            <a:r>
-              <a:rPr lang="en-GB" dirty="0" err="1"/>
-              <a:t>tex</a:t>
-            </a:r>
-            <a:r>
-              <a:rPr lang="en-GB" dirty="0"/>
-              <a:t> file and recompile the pdf and repeat until you’re happy with your final document. Most of this introduction to LaTeX will focus on what may be written into your .</a:t>
-            </a:r>
-            <a:r>
-              <a:rPr lang="en-GB" dirty="0" err="1"/>
-              <a:t>tex</a:t>
-            </a:r>
-            <a:r>
-              <a:rPr lang="en-GB" dirty="0"/>
-              <a:t> file to create different effects in the final pdf.</a:t>
-            </a:r>
-          </a:p>
-          <a:p>
-            <a:r>
-              <a:rPr lang="en-GB" dirty="0"/>
-              <a:t>	</a:t>
-            </a:r>
+            <a:endParaRPr lang="en-GB" dirty="0"/>
           </a:p>
         </p:txBody>
       </p:sp>
@@ -3365,7 +3526,7 @@
     </p:spTree>
     <p:extLst>
       <p:ext uri="{BB962C8B-B14F-4D97-AF65-F5344CB8AC3E}">
-        <p14:creationId xmlns:p14="http://schemas.microsoft.com/office/powerpoint/2010/main" val="2283586298"/>
+        <p14:creationId xmlns:p14="http://schemas.microsoft.com/office/powerpoint/2010/main" val="251121805"/>
       </p:ext>
     </p:extLst>
   </p:cSld>
@@ -3421,11 +3582,7 @@
           <a:p>
             <a:r>
               <a:rPr lang="en-GB" dirty="0"/>
-              <a:t>Overleaf is the online environment which we’ll be using to create and compile your LaTeX documents. College has a subscription to it so, if you sign up with your college email address, you can get the pro-version. </a:t>
-            </a:r>
-            <a:r>
-              <a:rPr lang="en-GB"/>
-              <a:t>You should have already made an account as indicated in the pre-course instructions.</a:t>
+              <a:t>LaTeX is a powerful and versatile typesetting tool. It’s exceptionally well-suited to the production of high quality technical reports including journal articles and theses. It provides advanced tools to include and customise equations, figures, references, bibliographies including the automation of many tasks. In addition, a large number of optional extensions exist to provide specialist functionality. And if something suiting you doesn’t exist, you can create it yourself.</a:t>
             </a:r>
             <a:br>
               <a:rPr lang="en-GB" dirty="0"/>
@@ -3435,25 +3592,45 @@
             </a:br>
             <a:r>
               <a:rPr lang="en-GB" dirty="0"/>
-              <a:t>Overleaf is cross-platform (in the sense it will work on Windows, Mac, Linux, etc). It’s already complete in the sense that all the packages you might need are already installed. It’s easy to use, including auto-complete and a visual indication of where errors have occurred in compilation. It has the ability for collaborative working and allows synchronisation with Dropbox and </a:t>
+              <a:t>To use LaTeX, you create a </a:t>
             </a:r>
             <a:r>
               <a:rPr lang="en-GB" dirty="0" err="1"/>
-              <a:t>github</a:t>
-            </a:r>
-            <a:r>
-              <a:rPr lang="en-GB" dirty="0"/>
-              <a:t> which can allow you carry on working on your documents offline using an offline editor. Overleaf also has an integrated “review system” which might allow your supervisor or collaborator to review your document in the same place that you’re writing it, saving a lot of flipping between documents.</a:t>
-            </a:r>
-            <a:br>
-              <a:rPr lang="en-GB" dirty="0"/>
-            </a:br>
-            <a:br>
-              <a:rPr lang="en-GB" dirty="0"/>
-            </a:br>
-            <a:r>
-              <a:rPr lang="en-GB" dirty="0"/>
-              <a:t>However, the editor itself is only available with an internet connection. Your files are also stored online. If you’re dealing with commercially sensitive data or sensitive data such as patient records, you may not be able to use Overleaf if there are restrictions on where you can store data.</a:t>
+              <a:t>tex</a:t>
+            </a:r>
+            <a:r>
+              <a:rPr lang="en-GB" dirty="0"/>
+              <a:t> file and then compile it into a pdf. This may be done by invoking terminal commands or through the use of a LaTeX editor, such as </a:t>
+            </a:r>
+            <a:r>
+              <a:rPr lang="en-GB" dirty="0" err="1"/>
+              <a:t>MikTex</a:t>
+            </a:r>
+            <a:r>
+              <a:rPr lang="en-GB" dirty="0"/>
+              <a:t> which can be installed locally on your machine or through an online editor such as Overleaf. You may then edit the </a:t>
+            </a:r>
+            <a:r>
+              <a:rPr lang="en-GB" dirty="0" err="1"/>
+              <a:t>tex</a:t>
+            </a:r>
+            <a:r>
+              <a:rPr lang="en-GB" dirty="0"/>
+              <a:t> file and recompile the pdf and repeat until you’re happy with your final document. Most of this introduction to LaTeX will focus on what may be written into your .</a:t>
+            </a:r>
+            <a:r>
+              <a:rPr lang="en-GB" dirty="0" err="1"/>
+              <a:t>tex</a:t>
+            </a:r>
+            <a:r>
+              <a:rPr lang="en-GB" dirty="0"/>
+              <a:t> file to create different effects in the final pdf.</a:t>
+            </a:r>
+          </a:p>
+          <a:p>
+            <a:r>
+              <a:rPr lang="en-GB" dirty="0"/>
+              <a:t>	</a:t>
             </a:r>
           </a:p>
         </p:txBody>
@@ -3484,7 +3661,7 @@
     </p:spTree>
     <p:extLst>
       <p:ext uri="{BB962C8B-B14F-4D97-AF65-F5344CB8AC3E}">
-        <p14:creationId xmlns:p14="http://schemas.microsoft.com/office/powerpoint/2010/main" val="1864279570"/>
+        <p14:creationId xmlns:p14="http://schemas.microsoft.com/office/powerpoint/2010/main" val="2283586298"/>
       </p:ext>
     </p:extLst>
   </p:cSld>
@@ -3540,79 +3717,11 @@
           <a:p>
             <a:r>
               <a:rPr lang="en-GB" dirty="0"/>
-              <a:t>A .</a:t>
-            </a:r>
-            <a:r>
-              <a:rPr lang="en-GB" dirty="0" err="1"/>
-              <a:t>tex</a:t>
-            </a:r>
-            <a:r>
-              <a:rPr lang="en-GB" dirty="0"/>
-              <a:t> document is split into two sections – the preamble and the main body. The preamble includes specification of settings for LaTeX to use in your document, but does not include any content which will appear in the document. The preamble will always include a declaration of the </a:t>
-            </a:r>
-            <a:r>
-              <a:rPr lang="en-GB" dirty="0" err="1"/>
-              <a:t>documentclass</a:t>
-            </a:r>
-            <a:r>
-              <a:rPr lang="en-GB" dirty="0"/>
-              <a:t>. This tells LaTeX what type of document you are creating, which enables certain features and helps define how your final pdf will look. Common </a:t>
-            </a:r>
-            <a:r>
-              <a:rPr lang="en-GB" dirty="0" err="1"/>
-              <a:t>documentclasses</a:t>
-            </a:r>
-            <a:r>
-              <a:rPr lang="en-GB" dirty="0"/>
-              <a:t> include “report”, “article”, “book” and “slides”. Within the preamble, you will normally specify a number of “\</a:t>
-            </a:r>
-            <a:r>
-              <a:rPr lang="en-GB" dirty="0" err="1"/>
-              <a:t>usepackage</a:t>
-            </a:r>
-            <a:r>
-              <a:rPr lang="en-GB" dirty="0"/>
-              <a:t>” commands which specify which optional LaTeX features you want use. It’s relatively common to have a few dozen packages used in a complex document, but you don’t need to use many (or, indeed, any). Within the preamble both the “</a:t>
-            </a:r>
-            <a:r>
-              <a:rPr lang="en-GB" dirty="0" err="1"/>
-              <a:t>documentclass</a:t>
-            </a:r>
-            <a:r>
-              <a:rPr lang="en-GB" dirty="0"/>
-              <a:t>” and “</a:t>
-            </a:r>
-            <a:r>
-              <a:rPr lang="en-GB" dirty="0" err="1"/>
-              <a:t>usepackage</a:t>
-            </a:r>
-            <a:r>
-              <a:rPr lang="en-GB" dirty="0"/>
-              <a:t>” commands may contain options within square brackets which allow other details to be set by the user. You can quickly change how your document looks by changing the content of your pre-amble. Throughout the exercises we’ll be doing today, you will need to use the packages “</a:t>
-            </a:r>
-            <a:r>
-              <a:rPr lang="en-GB" dirty="0" err="1"/>
-              <a:t>graphicx</a:t>
-            </a:r>
-            <a:r>
-              <a:rPr lang="en-GB" dirty="0"/>
-              <a:t>”, “</a:t>
-            </a:r>
-            <a:r>
-              <a:rPr lang="en-GB" dirty="0" err="1"/>
-              <a:t>amssymb</a:t>
-            </a:r>
-            <a:r>
-              <a:rPr lang="en-GB" dirty="0"/>
-              <a:t>” and </a:t>
-            </a:r>
-            <a:r>
-              <a:rPr lang="en-GB" dirty="0" err="1"/>
-              <a:t>amsmath</a:t>
-            </a:r>
-            <a:r>
-              <a:rPr lang="en-GB" dirty="0"/>
-              <a:t>”.</a:t>
+              <a:t>Overleaf is the online environment which we’ll be using to create and compile your LaTeX documents. College has a subscription to it so, if you sign up with your college email address, you can get the pro-version. </a:t>
+            </a:r>
+            <a:r>
+              <a:rPr lang="en-GB"/>
+              <a:t>You should have already made an account as indicated in the pre-course instructions.</a:t>
             </a:r>
             <a:br>
               <a:rPr lang="en-GB" dirty="0"/>
@@ -3622,16 +3731,25 @@
             </a:br>
             <a:r>
               <a:rPr lang="en-GB" dirty="0"/>
-              <a:t>The description of the text that actually appears in your document falls between the “begin document” and “end document” statements. If you include a “percent” symbol any characters following it will be treated as a “comment”, meaning it will not be used when your pdf file is created. This can be useful for keeping notes about the contents of your file to make it easier to understand.</a:t>
-            </a:r>
-          </a:p>
-          <a:p>
-            <a:endParaRPr lang="en-GB" dirty="0"/>
-          </a:p>
-          <a:p>
-            <a:r>
-              <a:rPr lang="en-GB" dirty="0"/>
-              <a:t>Break for section 1 of Task Sheet</a:t>
+              <a:t>Overleaf is cross-platform (in the sense it will work on Windows, Mac, Linux, etc). It’s already complete in the sense that all the packages you might need are already installed. It’s easy to use, including auto-complete and a visual indication of where errors have occurred in compilation. It has the ability for collaborative working and allows synchronisation with Dropbox and </a:t>
+            </a:r>
+            <a:r>
+              <a:rPr lang="en-GB" dirty="0" err="1"/>
+              <a:t>github</a:t>
+            </a:r>
+            <a:r>
+              <a:rPr lang="en-GB" dirty="0"/>
+              <a:t> which can allow you carry on working on your documents offline using an offline editor. Overleaf also has an integrated “review system” which might allow your supervisor or collaborator to review your document in the same place that you’re writing it, saving a lot of flipping between documents.</a:t>
+            </a:r>
+            <a:br>
+              <a:rPr lang="en-GB" dirty="0"/>
+            </a:br>
+            <a:br>
+              <a:rPr lang="en-GB" dirty="0"/>
+            </a:br>
+            <a:r>
+              <a:rPr lang="en-GB" dirty="0"/>
+              <a:t>However, the editor itself is only available with an internet connection. Your files are also stored online. If you’re dealing with commercially sensitive data or sensitive data such as patient records, you may not be able to use Overleaf if there are restrictions on where you can store data.</a:t>
             </a:r>
           </a:p>
         </p:txBody>
@@ -3662,7 +3780,7 @@
     </p:spTree>
     <p:extLst>
       <p:ext uri="{BB962C8B-B14F-4D97-AF65-F5344CB8AC3E}">
-        <p14:creationId xmlns:p14="http://schemas.microsoft.com/office/powerpoint/2010/main" val="179363707"/>
+        <p14:creationId xmlns:p14="http://schemas.microsoft.com/office/powerpoint/2010/main" val="1864279570"/>
       </p:ext>
     </p:extLst>
   </p:cSld>
@@ -3718,7 +3836,98 @@
           <a:p>
             <a:r>
               <a:rPr lang="en-GB" dirty="0"/>
-              <a:t>You can use sections and subsections to break up and categorise your document. Using the commands “section”, “subsection” and so on allows you to specify the name of a section and then specify the content to be contained within the (sub)section.</a:t>
+              <a:t>A .</a:t>
+            </a:r>
+            <a:r>
+              <a:rPr lang="en-GB" dirty="0" err="1"/>
+              <a:t>tex</a:t>
+            </a:r>
+            <a:r>
+              <a:rPr lang="en-GB" dirty="0"/>
+              <a:t> document is split into two sections – the preamble and the main body. The preamble includes specification of settings for LaTeX to use in your document, but does not include any content which will appear in the document. The preamble will always include a declaration of the </a:t>
+            </a:r>
+            <a:r>
+              <a:rPr lang="en-GB" dirty="0" err="1"/>
+              <a:t>documentclass</a:t>
+            </a:r>
+            <a:r>
+              <a:rPr lang="en-GB" dirty="0"/>
+              <a:t>. This tells LaTeX what type of document you are creating, which enables certain features and helps define how your final pdf will look. Common </a:t>
+            </a:r>
+            <a:r>
+              <a:rPr lang="en-GB" dirty="0" err="1"/>
+              <a:t>documentclasses</a:t>
+            </a:r>
+            <a:r>
+              <a:rPr lang="en-GB" dirty="0"/>
+              <a:t> include “report”, “article”, “book” and “slides”. Within the preamble, you will normally specify a number of “\</a:t>
+            </a:r>
+            <a:r>
+              <a:rPr lang="en-GB" dirty="0" err="1"/>
+              <a:t>usepackage</a:t>
+            </a:r>
+            <a:r>
+              <a:rPr lang="en-GB" dirty="0"/>
+              <a:t>” commands which specify which optional LaTeX features you want use. It’s relatively common to have a few dozen packages used in a complex document, but you don’t need to use many (or, indeed, any). Within the preamble both the “</a:t>
+            </a:r>
+            <a:r>
+              <a:rPr lang="en-GB" dirty="0" err="1"/>
+              <a:t>documentclass</a:t>
+            </a:r>
+            <a:r>
+              <a:rPr lang="en-GB" dirty="0"/>
+              <a:t>” and “</a:t>
+            </a:r>
+            <a:r>
+              <a:rPr lang="en-GB" dirty="0" err="1"/>
+              <a:t>usepackage</a:t>
+            </a:r>
+            <a:r>
+              <a:rPr lang="en-GB" dirty="0"/>
+              <a:t>” commands may contain options within square brackets which allow other details to be set by the user. You can quickly change how your document looks by changing the content of your pre-amble. Throughout the exercises we’ll be doing today, you will need to use the packages “</a:t>
+            </a:r>
+            <a:r>
+              <a:rPr lang="en-GB" dirty="0" err="1"/>
+              <a:t>graphicx</a:t>
+            </a:r>
+            <a:r>
+              <a:rPr lang="en-GB" dirty="0"/>
+              <a:t>”, “</a:t>
+            </a:r>
+            <a:r>
+              <a:rPr lang="en-GB" dirty="0" err="1"/>
+              <a:t>amssymb</a:t>
+            </a:r>
+            <a:r>
+              <a:rPr lang="en-GB" dirty="0"/>
+              <a:t>” and </a:t>
+            </a:r>
+            <a:r>
+              <a:rPr lang="en-GB" dirty="0" err="1"/>
+              <a:t>amsmath</a:t>
+            </a:r>
+            <a:r>
+              <a:rPr lang="en-GB" dirty="0"/>
+              <a:t>”.</a:t>
+            </a:r>
+            <a:br>
+              <a:rPr lang="en-GB" dirty="0"/>
+            </a:br>
+            <a:br>
+              <a:rPr lang="en-GB" dirty="0"/>
+            </a:br>
+            <a:r>
+              <a:rPr lang="en-GB" dirty="0"/>
+              <a:t>The description of the text that actually appears in your document falls between the “begin document” and “end document” statements. If you include a “percent” symbol any characters following it will be treated as a “comment”, meaning it will not be used when your pdf file is created. This can be useful for keeping notes about the contents of your file to make it easier to understand.</a:t>
+            </a:r>
+          </a:p>
+          <a:p>
+            <a:endParaRPr lang="en-GB" dirty="0"/>
+          </a:p>
+          <a:p>
+            <a:r>
+              <a:rPr lang="en-GB" dirty="0"/>
+              <a:t>Break for section 1 of Task Sheet</a:t>
             </a:r>
           </a:p>
         </p:txBody>
@@ -3749,7 +3958,7 @@
     </p:spTree>
     <p:extLst>
       <p:ext uri="{BB962C8B-B14F-4D97-AF65-F5344CB8AC3E}">
-        <p14:creationId xmlns:p14="http://schemas.microsoft.com/office/powerpoint/2010/main" val="2803192502"/>
+        <p14:creationId xmlns:p14="http://schemas.microsoft.com/office/powerpoint/2010/main" val="179363707"/>
       </p:ext>
     </p:extLst>
   </p:cSld>
@@ -3805,32 +4014,7 @@
           <a:p>
             <a:r>
               <a:rPr lang="en-GB" dirty="0"/>
-              <a:t>You can further use chapters to break up your document into larger sections or give individual paragraphs titles using the paragraph command. The chapter command is an example of a command which is not available in every type of </a:t>
-            </a:r>
-            <a:r>
-              <a:rPr lang="en-GB" dirty="0" err="1"/>
-              <a:t>documentclass</a:t>
-            </a:r>
-            <a:r>
-              <a:rPr lang="en-GB" dirty="0"/>
-              <a:t> – it is available in the “report” and “book” </a:t>
-            </a:r>
-            <a:r>
-              <a:rPr lang="en-GB" dirty="0" err="1"/>
-              <a:t>documentclasses</a:t>
-            </a:r>
-            <a:r>
-              <a:rPr lang="en-GB" dirty="0"/>
-              <a:t> but not in the “article” or “slides” document class. Different document classes may also handle chapters, sections and paragraphs differently by default, such as which (if any) begins a new page.</a:t>
-            </a:r>
-          </a:p>
-          <a:p>
-            <a:endParaRPr lang="en-GB" dirty="0"/>
-          </a:p>
-          <a:p>
-            <a:r>
-              <a:rPr lang="en-GB" dirty="0"/>
-              <a:t>Overleaf example: https://www.overleaf.com/read/cpkybhpfdgsb</a:t>
+              <a:t>You can use sections and subsections to break up and categorise your document. Using the commands “section”, “subsection” and so on allows you to specify the name of a section and then specify the content to be contained within the (sub)section.</a:t>
             </a:r>
           </a:p>
         </p:txBody>
@@ -3861,7 +4045,7 @@
     </p:spTree>
     <p:extLst>
       <p:ext uri="{BB962C8B-B14F-4D97-AF65-F5344CB8AC3E}">
-        <p14:creationId xmlns:p14="http://schemas.microsoft.com/office/powerpoint/2010/main" val="310261752"/>
+        <p14:creationId xmlns:p14="http://schemas.microsoft.com/office/powerpoint/2010/main" val="2803192502"/>
       </p:ext>
     </p:extLst>
   </p:cSld>
@@ -3917,15 +4101,23 @@
           <a:p>
             <a:r>
               <a:rPr lang="en-GB" dirty="0"/>
-              <a:t>A Table of Contents may be easily inserted using the command “</a:t>
+              <a:t>You can further use chapters to break up your document into larger sections or give individual paragraphs titles using the paragraph command. The chapter command is an example of a command which is not available in every type of </a:t>
             </a:r>
             <a:r>
               <a:rPr lang="en-GB" dirty="0" err="1"/>
-              <a:t>tableofcontents</a:t>
-            </a:r>
-            <a:r>
-              <a:rPr lang="en-GB" dirty="0"/>
-              <a:t>” command, which automatically detects the page numbers of chapters, sections and so on.</a:t>
+              <a:t>documentclass</a:t>
+            </a:r>
+            <a:r>
+              <a:rPr lang="en-GB" dirty="0"/>
+              <a:t> – it is available in the “report” and “book” </a:t>
+            </a:r>
+            <a:r>
+              <a:rPr lang="en-GB" dirty="0" err="1"/>
+              <a:t>documentclasses</a:t>
+            </a:r>
+            <a:r>
+              <a:rPr lang="en-GB" dirty="0"/>
+              <a:t> but not in the “article” or “slides” document class. Different document classes may also handle chapters, sections and paragraphs differently by default, such as which (if any) begins a new page.</a:t>
             </a:r>
           </a:p>
           <a:p>
@@ -3934,16 +4126,7 @@
           <a:p>
             <a:r>
               <a:rPr lang="en-GB" dirty="0"/>
-              <a:t>Overleaf example: https://www.overleaf.com/read/gjdnkmkdnnqd</a:t>
-            </a:r>
-          </a:p>
-          <a:p>
-            <a:endParaRPr lang="en-GB" dirty="0"/>
-          </a:p>
-          <a:p>
-            <a:r>
-              <a:rPr lang="en-GB" dirty="0"/>
-              <a:t>Break for section 2 of Task Sheet</a:t>
+              <a:t>Overleaf example: https://www.overleaf.com/read/cpkybhpfdgsb</a:t>
             </a:r>
           </a:p>
         </p:txBody>
@@ -4030,59 +4213,15 @@
           <a:p>
             <a:r>
               <a:rPr lang="en-GB" dirty="0"/>
-              <a:t>Different command may be used in the middle of normally written text which modifies how the text appears in the final pdf.</a:t>
-            </a:r>
-          </a:p>
-          <a:p>
-            <a:r>
-              <a:rPr lang="en-GB" dirty="0"/>
-              <a:t>The “</a:t>
+              <a:t>A Table of Contents may be easily inserted using the command “</a:t>
             </a:r>
             <a:r>
               <a:rPr lang="en-GB" dirty="0" err="1"/>
-              <a:t>emph</a:t>
-            </a:r>
-            <a:r>
-              <a:rPr lang="en-GB" dirty="0"/>
-              <a:t>” command italicises text</a:t>
-            </a:r>
-          </a:p>
-          <a:p>
-            <a:r>
-              <a:rPr lang="en-GB" dirty="0"/>
-              <a:t>The “</a:t>
-            </a:r>
-            <a:r>
-              <a:rPr lang="en-GB" dirty="0" err="1"/>
-              <a:t>textbf</a:t>
-            </a:r>
-            <a:r>
-              <a:rPr lang="en-GB" dirty="0"/>
-              <a:t>” command makes a text bold</a:t>
-            </a:r>
-          </a:p>
-          <a:p>
-            <a:r>
-              <a:rPr lang="en-GB" dirty="0"/>
-              <a:t>The “underline” command underlines text</a:t>
-            </a:r>
-          </a:p>
-          <a:p>
-            <a:r>
-              <a:rPr lang="en-GB" dirty="0"/>
-              <a:t>The “huge” command makes text very large</a:t>
-            </a:r>
-          </a:p>
-          <a:p>
-            <a:r>
-              <a:rPr lang="en-GB" dirty="0"/>
-              <a:t>The “large” command makes text large</a:t>
-            </a:r>
-          </a:p>
-          <a:p>
-            <a:r>
-              <a:rPr lang="en-GB" dirty="0"/>
-              <a:t>The “small” command makes text smaller</a:t>
+              <a:t>tableofcontents</a:t>
+            </a:r>
+            <a:r>
+              <a:rPr lang="en-GB" dirty="0"/>
+              <a:t>” command, which automatically detects the page numbers of chapters, sections and so on.</a:t>
             </a:r>
           </a:p>
           <a:p>
@@ -4091,7 +4230,7 @@
           <a:p>
             <a:r>
               <a:rPr lang="en-GB" dirty="0"/>
-              <a:t>Overleaf example: https://www.overleaf.com/read/bmvnftnttnzk</a:t>
+              <a:t>Overleaf example: https://www.overleaf.com/read/gjdnkmkdnnqd</a:t>
             </a:r>
           </a:p>
           <a:p>
@@ -4100,7 +4239,7 @@
           <a:p>
             <a:r>
               <a:rPr lang="en-GB" dirty="0"/>
-              <a:t>Break for section 3 of Task Sheet</a:t>
+              <a:t>Break for section 2 of Task Sheet</a:t>
             </a:r>
           </a:p>
         </p:txBody>
@@ -4131,7 +4270,7 @@
     </p:spTree>
     <p:extLst>
       <p:ext uri="{BB962C8B-B14F-4D97-AF65-F5344CB8AC3E}">
-        <p14:creationId xmlns:p14="http://schemas.microsoft.com/office/powerpoint/2010/main" val="2631880206"/>
+        <p14:creationId xmlns:p14="http://schemas.microsoft.com/office/powerpoint/2010/main" val="310261752"/>
       </p:ext>
     </p:extLst>
   </p:cSld>
@@ -4500,7 +4639,7 @@
           <a:p>
             <a:fld id="{EB0080F8-EA1C-491D-963C-2C881B2F918F}" type="datetimeFigureOut">
               <a:rPr lang="en-GB" smtClean="0"/>
-              <a:t>10/10/2022</a:t>
+              <a:t>13/10/2022</a:t>
             </a:fld>
             <a:endParaRPr lang="en-GB"/>
           </a:p>
@@ -4650,7 +4789,7 @@
           <a:p>
             <a:fld id="{EB0080F8-EA1C-491D-963C-2C881B2F918F}" type="datetimeFigureOut">
               <a:rPr lang="en-GB" smtClean="0"/>
-              <a:t>10/10/2022</a:t>
+              <a:t>13/10/2022</a:t>
             </a:fld>
             <a:endParaRPr lang="en-GB"/>
           </a:p>
@@ -6183,7 +6322,7 @@
           <a:p>
             <a:fld id="{EB0080F8-EA1C-491D-963C-2C881B2F918F}" type="datetimeFigureOut">
               <a:rPr lang="en-GB" smtClean="0"/>
-              <a:t>10/10/2022</a:t>
+              <a:t>13/10/2022</a:t>
             </a:fld>
             <a:endParaRPr lang="en-GB"/>
           </a:p>
@@ -6750,6 +6889,265 @@
           <a:p>
             <a:r>
               <a:rPr lang="en-GB" sz="4000" dirty="0"/>
+              <a:t>Table of Contents</a:t>
+            </a:r>
+          </a:p>
+        </p:txBody>
+      </p:sp>
+      <p:sp>
+        <p:nvSpPr>
+          <p:cNvPr id="4" name="TextBox 3"/>
+          <p:cNvSpPr txBox="1"/>
+          <p:nvPr/>
+        </p:nvSpPr>
+        <p:spPr>
+          <a:xfrm>
+            <a:off x="746438" y="3245892"/>
+            <a:ext cx="2896947" cy="553998"/>
+          </a:xfrm>
+          <a:prstGeom prst="rect">
+            <a:avLst/>
+          </a:prstGeom>
+          <a:noFill/>
+        </p:spPr>
+        <p:txBody>
+          <a:bodyPr wrap="none" rtlCol="0">
+            <a:spAutoFit/>
+          </a:bodyPr>
+          <a:lstStyle/>
+          <a:p>
+            <a:r>
+              <a:rPr lang="en-GB" sz="3000" dirty="0">
+                <a:solidFill>
+                  <a:schemeClr val="tx2">
+                    <a:lumMod val="50000"/>
+                    <a:lumOff val="50000"/>
+                  </a:schemeClr>
+                </a:solidFill>
+                <a:latin typeface="+mj-lt"/>
+                <a:cs typeface="Courier New" panose="02070309020205020404" pitchFamily="49" charset="0"/>
+              </a:rPr>
+              <a:t>\</a:t>
+            </a:r>
+            <a:r>
+              <a:rPr lang="en-GB" sz="3000" dirty="0" err="1">
+                <a:solidFill>
+                  <a:schemeClr val="tx2">
+                    <a:lumMod val="50000"/>
+                    <a:lumOff val="50000"/>
+                  </a:schemeClr>
+                </a:solidFill>
+                <a:latin typeface="+mj-lt"/>
+                <a:cs typeface="Courier New" panose="02070309020205020404" pitchFamily="49" charset="0"/>
+              </a:rPr>
+              <a:t>tableofcontents</a:t>
+            </a:r>
+            <a:endParaRPr lang="en-GB" sz="3000" dirty="0">
+              <a:solidFill>
+                <a:schemeClr val="tx2">
+                  <a:lumMod val="50000"/>
+                  <a:lumOff val="50000"/>
+                </a:schemeClr>
+              </a:solidFill>
+              <a:latin typeface="+mj-lt"/>
+              <a:cs typeface="Courier New" panose="02070309020205020404" pitchFamily="49" charset="0"/>
+            </a:endParaRPr>
+          </a:p>
+        </p:txBody>
+      </p:sp>
+      <p:cxnSp>
+        <p:nvCxnSpPr>
+          <p:cNvPr id="11" name="Straight Connector 10"/>
+          <p:cNvCxnSpPr/>
+          <p:nvPr/>
+        </p:nvCxnSpPr>
+        <p:spPr>
+          <a:xfrm>
+            <a:off x="4572000" y="1417638"/>
+            <a:ext cx="0" cy="5440362"/>
+          </a:xfrm>
+          <a:prstGeom prst="line">
+            <a:avLst/>
+          </a:prstGeom>
+        </p:spPr>
+        <p:style>
+          <a:lnRef idx="2">
+            <a:schemeClr val="accent1"/>
+          </a:lnRef>
+          <a:fillRef idx="0">
+            <a:schemeClr val="accent1"/>
+          </a:fillRef>
+          <a:effectRef idx="1">
+            <a:schemeClr val="accent1"/>
+          </a:effectRef>
+          <a:fontRef idx="minor">
+            <a:schemeClr val="tx1"/>
+          </a:fontRef>
+        </p:style>
+      </p:cxnSp>
+      <p:sp>
+        <p:nvSpPr>
+          <p:cNvPr id="3" name="TextBox 2"/>
+          <p:cNvSpPr txBox="1"/>
+          <p:nvPr/>
+        </p:nvSpPr>
+        <p:spPr>
+          <a:xfrm>
+            <a:off x="4735773" y="2130202"/>
+            <a:ext cx="4189863" cy="2246769"/>
+          </a:xfrm>
+          <a:prstGeom prst="rect">
+            <a:avLst/>
+          </a:prstGeom>
+          <a:noFill/>
+        </p:spPr>
+        <p:txBody>
+          <a:bodyPr wrap="square" rtlCol="0">
+            <a:spAutoFit/>
+          </a:bodyPr>
+          <a:lstStyle/>
+          <a:p>
+            <a:r>
+              <a:rPr lang="en-US" sz="4000" dirty="0">
+                <a:latin typeface="Times New Roman" panose="02020603050405020304" pitchFamily="18" charset="0"/>
+                <a:cs typeface="Times New Roman" panose="02020603050405020304" pitchFamily="18" charset="0"/>
+              </a:rPr>
+              <a:t>Contents</a:t>
+            </a:r>
+          </a:p>
+          <a:p>
+            <a:endParaRPr lang="en-US" sz="1000" dirty="0">
+              <a:latin typeface="Times New Roman" panose="02020603050405020304" pitchFamily="18" charset="0"/>
+              <a:cs typeface="Times New Roman" panose="02020603050405020304" pitchFamily="18" charset="0"/>
+            </a:endParaRPr>
+          </a:p>
+          <a:p>
+            <a:r>
+              <a:rPr lang="en-US" sz="3000" dirty="0">
+                <a:latin typeface="Times New Roman" panose="02020603050405020304" pitchFamily="18" charset="0"/>
+                <a:cs typeface="Times New Roman" panose="02020603050405020304" pitchFamily="18" charset="0"/>
+              </a:rPr>
+              <a:t>1		 The Cat				1</a:t>
+            </a:r>
+          </a:p>
+          <a:p>
+            <a:r>
+              <a:rPr lang="en-US" sz="3000" dirty="0">
+                <a:latin typeface="Times New Roman" panose="02020603050405020304" pitchFamily="18" charset="0"/>
+                <a:cs typeface="Times New Roman" panose="02020603050405020304" pitchFamily="18" charset="0"/>
+              </a:rPr>
+              <a:t>	1.1	 Sat On……...	2</a:t>
+            </a:r>
+          </a:p>
+          <a:p>
+            <a:r>
+              <a:rPr lang="en-US" sz="3000" dirty="0">
+                <a:latin typeface="Times New Roman" panose="02020603050405020304" pitchFamily="18" charset="0"/>
+                <a:cs typeface="Times New Roman" panose="02020603050405020304" pitchFamily="18" charset="0"/>
+              </a:rPr>
+              <a:t>		1.1.1   The Mat…	3</a:t>
+            </a:r>
+            <a:endParaRPr lang="en-GB" sz="3000" dirty="0">
+              <a:latin typeface="Times New Roman" panose="02020603050405020304" pitchFamily="18" charset="0"/>
+              <a:cs typeface="Times New Roman" panose="02020603050405020304" pitchFamily="18" charset="0"/>
+            </a:endParaRPr>
+          </a:p>
+        </p:txBody>
+      </p:sp>
+      <p:sp>
+        <p:nvSpPr>
+          <p:cNvPr id="6" name="TextBox 5">
+            <a:extLst>
+              <a:ext uri="{FF2B5EF4-FFF2-40B4-BE49-F238E27FC236}">
+                <a16:creationId xmlns:a16="http://schemas.microsoft.com/office/drawing/2014/main" id="{016B593D-9671-4306-AC3D-C3E5EF3900E6}"/>
+              </a:ext>
+            </a:extLst>
+          </p:cNvPr>
+          <p:cNvSpPr txBox="1"/>
+          <p:nvPr/>
+        </p:nvSpPr>
+        <p:spPr>
+          <a:xfrm>
+            <a:off x="7357241" y="6498021"/>
+            <a:ext cx="1697422" cy="369332"/>
+          </a:xfrm>
+          <a:prstGeom prst="rect">
+            <a:avLst/>
+          </a:prstGeom>
+          <a:noFill/>
+        </p:spPr>
+        <p:txBody>
+          <a:bodyPr wrap="square" rtlCol="0">
+            <a:spAutoFit/>
+          </a:bodyPr>
+          <a:lstStyle/>
+          <a:p>
+            <a:r>
+              <a:rPr lang="en-GB" dirty="0">
+                <a:solidFill>
+                  <a:schemeClr val="accent2"/>
+                </a:solidFill>
+              </a:rPr>
+              <a:t>Problem Sheet</a:t>
+            </a:r>
+          </a:p>
+        </p:txBody>
+      </p:sp>
+    </p:spTree>
+    <p:extLst>
+      <p:ext uri="{BB962C8B-B14F-4D97-AF65-F5344CB8AC3E}">
+        <p14:creationId xmlns:p14="http://schemas.microsoft.com/office/powerpoint/2010/main" val="2980091057"/>
+      </p:ext>
+    </p:extLst>
+  </p:cSld>
+  <p:clrMapOvr>
+    <a:masterClrMapping/>
+  </p:clrMapOvr>
+  <mc:AlternateContent xmlns:mc="http://schemas.openxmlformats.org/markup-compatibility/2006" xmlns:p14="http://schemas.microsoft.com/office/powerpoint/2010/main">
+    <mc:Choice Requires="p14">
+      <p:transition p14:dur="10"/>
+    </mc:Choice>
+    <mc:Fallback xmlns="">
+      <p:transition/>
+    </mc:Fallback>
+  </mc:AlternateContent>
+</p:sld>
+</file>
+
+<file path=ppt/slides/slide11.xml><?xml version="1.0" encoding="utf-8"?>
+<p:sld xmlns:a="http://schemas.openxmlformats.org/drawingml/2006/main" xmlns:r="http://schemas.openxmlformats.org/officeDocument/2006/relationships" xmlns:p="http://schemas.openxmlformats.org/presentationml/2006/main">
+  <p:cSld>
+    <p:spTree>
+      <p:nvGrpSpPr>
+        <p:cNvPr id="1" name=""/>
+        <p:cNvGrpSpPr/>
+        <p:nvPr/>
+      </p:nvGrpSpPr>
+      <p:grpSpPr>
+        <a:xfrm>
+          <a:off x="0" y="0"/>
+          <a:ext cx="0" cy="0"/>
+          <a:chOff x="0" y="0"/>
+          <a:chExt cx="0" cy="0"/>
+        </a:xfrm>
+      </p:grpSpPr>
+      <p:sp>
+        <p:nvSpPr>
+          <p:cNvPr id="2" name="Title 1"/>
+          <p:cNvSpPr>
+            <a:spLocks noGrp="1"/>
+          </p:cNvSpPr>
+          <p:nvPr>
+            <p:ph type="title"/>
+          </p:nvPr>
+        </p:nvSpPr>
+        <p:spPr/>
+        <p:txBody>
+          <a:bodyPr/>
+          <a:lstStyle/>
+          <a:p>
+            <a:r>
+              <a:rPr lang="en-GB" sz="4000" dirty="0"/>
               <a:t>Modifying Text</a:t>
             </a:r>
           </a:p>
@@ -7165,7 +7563,7 @@
 </p:sld>
 </file>
 
-<file path=ppt/slides/slide11.xml><?xml version="1.0" encoding="utf-8"?>
+<file path=ppt/slides/slide12.xml><?xml version="1.0" encoding="utf-8"?>
 <p:sld xmlns:a="http://schemas.openxmlformats.org/drawingml/2006/main" xmlns:r="http://schemas.openxmlformats.org/officeDocument/2006/relationships" xmlns:p="http://schemas.openxmlformats.org/presentationml/2006/main">
   <p:cSld>
     <p:spTree>
@@ -7986,7 +8384,7 @@
 </p:sld>
 </file>
 
-<file path=ppt/slides/slide12.xml><?xml version="1.0" encoding="utf-8"?>
+<file path=ppt/slides/slide13.xml><?xml version="1.0" encoding="utf-8"?>
 <p:sld xmlns:a="http://schemas.openxmlformats.org/drawingml/2006/main" xmlns:r="http://schemas.openxmlformats.org/officeDocument/2006/relationships" xmlns:p="http://schemas.openxmlformats.org/presentationml/2006/main">
   <p:cSld>
     <p:spTree>
@@ -8271,7 +8669,7 @@
 </p:sld>
 </file>
 
-<file path=ppt/slides/slide13.xml><?xml version="1.0" encoding="utf-8"?>
+<file path=ppt/slides/slide14.xml><?xml version="1.0" encoding="utf-8"?>
 <p:sld xmlns:a="http://schemas.openxmlformats.org/drawingml/2006/main" xmlns:r="http://schemas.openxmlformats.org/officeDocument/2006/relationships" xmlns:p="http://schemas.openxmlformats.org/presentationml/2006/main">
   <p:cSld>
     <p:spTree>
@@ -8836,7 +9234,7 @@
 </p:sld>
 </file>
 
-<file path=ppt/slides/slide14.xml><?xml version="1.0" encoding="utf-8"?>
+<file path=ppt/slides/slide15.xml><?xml version="1.0" encoding="utf-8"?>
 <p:sld xmlns:a="http://schemas.openxmlformats.org/drawingml/2006/main" xmlns:r="http://schemas.openxmlformats.org/officeDocument/2006/relationships" xmlns:p="http://schemas.openxmlformats.org/presentationml/2006/main">
   <p:cSld>
     <p:spTree>
@@ -9335,7 +9733,7 @@
 </p:sld>
 </file>
 
-<file path=ppt/slides/slide15.xml><?xml version="1.0" encoding="utf-8"?>
+<file path=ppt/slides/slide16.xml><?xml version="1.0" encoding="utf-8"?>
 <p:sld xmlns:a="http://schemas.openxmlformats.org/drawingml/2006/main" xmlns:r="http://schemas.openxmlformats.org/officeDocument/2006/relationships" xmlns:p="http://schemas.openxmlformats.org/presentationml/2006/main">
   <p:cSld>
     <p:spTree>
@@ -9803,7 +10201,7 @@
 </p:sld>
 </file>
 
-<file path=ppt/slides/slide16.xml><?xml version="1.0" encoding="utf-8"?>
+<file path=ppt/slides/slide17.xml><?xml version="1.0" encoding="utf-8"?>
 <p:sld xmlns:a="http://schemas.openxmlformats.org/drawingml/2006/main" xmlns:r="http://schemas.openxmlformats.org/officeDocument/2006/relationships" xmlns:p="http://schemas.openxmlformats.org/presentationml/2006/main">
   <p:cSld>
     <p:spTree>
@@ -10236,7 +10634,7 @@
 </p:sld>
 </file>
 
-<file path=ppt/slides/slide17.xml><?xml version="1.0" encoding="utf-8"?>
+<file path=ppt/slides/slide18.xml><?xml version="1.0" encoding="utf-8"?>
 <p:sld xmlns:a="http://schemas.openxmlformats.org/drawingml/2006/main" xmlns:r="http://schemas.openxmlformats.org/officeDocument/2006/relationships" xmlns:p="http://schemas.openxmlformats.org/presentationml/2006/main">
   <p:cSld>
     <p:spTree>
@@ -10697,7 +11095,7 @@
 </p:sld>
 </file>
 
-<file path=ppt/slides/slide18.xml><?xml version="1.0" encoding="utf-8"?>
+<file path=ppt/slides/slide19.xml><?xml version="1.0" encoding="utf-8"?>
 <p:sld xmlns:a="http://schemas.openxmlformats.org/drawingml/2006/main" xmlns:r="http://schemas.openxmlformats.org/officeDocument/2006/relationships" xmlns:p="http://schemas.openxmlformats.org/presentationml/2006/main">
   <p:cSld>
     <p:spTree>
@@ -10815,7 +11213,133 @@
 </p:sld>
 </file>
 
-<file path=ppt/slides/slide19.xml><?xml version="1.0" encoding="utf-8"?>
+<file path=ppt/slides/slide2.xml><?xml version="1.0" encoding="utf-8"?>
+<p:sld xmlns:a="http://schemas.openxmlformats.org/drawingml/2006/main" xmlns:r="http://schemas.openxmlformats.org/officeDocument/2006/relationships" xmlns:p="http://schemas.openxmlformats.org/presentationml/2006/main">
+  <p:cSld>
+    <p:spTree>
+      <p:nvGrpSpPr>
+        <p:cNvPr id="1" name=""/>
+        <p:cNvGrpSpPr/>
+        <p:nvPr/>
+      </p:nvGrpSpPr>
+      <p:grpSpPr>
+        <a:xfrm>
+          <a:off x="0" y="0"/>
+          <a:ext cx="0" cy="0"/>
+          <a:chOff x="0" y="0"/>
+          <a:chExt cx="0" cy="0"/>
+        </a:xfrm>
+      </p:grpSpPr>
+      <p:sp>
+        <p:nvSpPr>
+          <p:cNvPr id="2" name="Title 1"/>
+          <p:cNvSpPr>
+            <a:spLocks noGrp="1"/>
+          </p:cNvSpPr>
+          <p:nvPr>
+            <p:ph type="title"/>
+          </p:nvPr>
+        </p:nvSpPr>
+        <p:spPr>
+          <a:xfrm>
+            <a:off x="401319" y="1431416"/>
+            <a:ext cx="8388117" cy="4569334"/>
+          </a:xfrm>
+        </p:spPr>
+        <p:txBody>
+          <a:bodyPr/>
+          <a:lstStyle/>
+          <a:p>
+            <a:pPr algn="ctr"/>
+            <a:r>
+              <a:rPr lang="en-GB" sz="2800" u="sng" dirty="0"/>
+              <a:t>Important Information on Marking your Attendance on Inkpath</a:t>
+            </a:r>
+            <a:br>
+              <a:rPr lang="en-GB" sz="2800" u="sng" dirty="0"/>
+            </a:br>
+            <a:br>
+              <a:rPr lang="en-GB" sz="2800" u="sng" dirty="0"/>
+            </a:br>
+            <a:br>
+              <a:rPr lang="en-GB" sz="2800" dirty="0"/>
+            </a:br>
+            <a:r>
+              <a:rPr lang="en-GB" sz="2800" dirty="0"/>
+              <a:t>I will show you a QR code at the end of the session allowing you to mark your attendance on Inkpath. Please do not mark your attendance until then.</a:t>
+            </a:r>
+            <a:br>
+              <a:rPr lang="en-GB" sz="2800" dirty="0"/>
+            </a:br>
+            <a:br>
+              <a:rPr lang="en-GB" sz="2800" dirty="0">
+                <a:latin typeface="Calibri" panose="020F0502020204030204" pitchFamily="34" charset="0"/>
+                <a:cs typeface="Calibri" panose="020F0502020204030204" pitchFamily="34" charset="0"/>
+              </a:rPr>
+            </a:br>
+            <a:r>
+              <a:rPr lang="en-GB" sz="2800" dirty="0">
+                <a:effectLst/>
+                <a:ea typeface="Times New Roman" panose="02020603050405020304" pitchFamily="18" charset="0"/>
+                <a:cs typeface="Calibri" panose="020F0502020204030204" pitchFamily="34" charset="0"/>
+              </a:rPr>
+              <a:t>If you are not a Postgraduate Research student and didn’t book via Inkpath, your attendance will be marked on a separate database.</a:t>
+            </a:r>
+            <a:endParaRPr lang="en-GB" sz="2800" dirty="0"/>
+          </a:p>
+        </p:txBody>
+      </p:sp>
+      <p:sp>
+        <p:nvSpPr>
+          <p:cNvPr id="7" name="TextBox 6"/>
+          <p:cNvSpPr txBox="1"/>
+          <p:nvPr/>
+        </p:nvSpPr>
+        <p:spPr>
+          <a:xfrm>
+            <a:off x="552450" y="3214433"/>
+            <a:ext cx="2171700" cy="830997"/>
+          </a:xfrm>
+          <a:prstGeom prst="rect">
+            <a:avLst/>
+          </a:prstGeom>
+          <a:noFill/>
+        </p:spPr>
+        <p:txBody>
+          <a:bodyPr wrap="square" rtlCol="0">
+            <a:spAutoFit/>
+          </a:bodyPr>
+          <a:lstStyle/>
+          <a:p>
+            <a:endParaRPr lang="en-GB" sz="2400" dirty="0">
+              <a:solidFill>
+                <a:srgbClr val="002060"/>
+              </a:solidFill>
+            </a:endParaRPr>
+          </a:p>
+          <a:p>
+            <a:endParaRPr lang="en-GB" sz="2400" dirty="0">
+              <a:solidFill>
+                <a:srgbClr val="002060"/>
+              </a:solidFill>
+            </a:endParaRPr>
+          </a:p>
+        </p:txBody>
+      </p:sp>
+    </p:spTree>
+    <p:extLst>
+      <p:ext uri="{BB962C8B-B14F-4D97-AF65-F5344CB8AC3E}">
+        <p14:creationId xmlns:p14="http://schemas.microsoft.com/office/powerpoint/2010/main" val="3686223621"/>
+      </p:ext>
+    </p:extLst>
+  </p:cSld>
+  <p:clrMapOvr>
+    <a:masterClrMapping/>
+  </p:clrMapOvr>
+</p:sld>
+</file>
+
+<file path=ppt/slides/slide20.xml><?xml version="1.0" encoding="utf-8"?>
 <p:sld xmlns:a="http://schemas.openxmlformats.org/drawingml/2006/main" xmlns:r="http://schemas.openxmlformats.org/officeDocument/2006/relationships" xmlns:p="http://schemas.openxmlformats.org/presentationml/2006/main">
   <p:cSld>
     <p:spTree>
@@ -11285,133 +11809,7 @@
 </p:sld>
 </file>
 
-<file path=ppt/slides/slide2.xml><?xml version="1.0" encoding="utf-8"?>
-<p:sld xmlns:a="http://schemas.openxmlformats.org/drawingml/2006/main" xmlns:r="http://schemas.openxmlformats.org/officeDocument/2006/relationships" xmlns:p="http://schemas.openxmlformats.org/presentationml/2006/main">
-  <p:cSld>
-    <p:spTree>
-      <p:nvGrpSpPr>
-        <p:cNvPr id="1" name=""/>
-        <p:cNvGrpSpPr/>
-        <p:nvPr/>
-      </p:nvGrpSpPr>
-      <p:grpSpPr>
-        <a:xfrm>
-          <a:off x="0" y="0"/>
-          <a:ext cx="0" cy="0"/>
-          <a:chOff x="0" y="0"/>
-          <a:chExt cx="0" cy="0"/>
-        </a:xfrm>
-      </p:grpSpPr>
-      <p:sp>
-        <p:nvSpPr>
-          <p:cNvPr id="2" name="Title 1"/>
-          <p:cNvSpPr>
-            <a:spLocks noGrp="1"/>
-          </p:cNvSpPr>
-          <p:nvPr>
-            <p:ph type="title"/>
-          </p:nvPr>
-        </p:nvSpPr>
-        <p:spPr>
-          <a:xfrm>
-            <a:off x="401319" y="1431416"/>
-            <a:ext cx="8388117" cy="4569334"/>
-          </a:xfrm>
-        </p:spPr>
-        <p:txBody>
-          <a:bodyPr/>
-          <a:lstStyle/>
-          <a:p>
-            <a:pPr algn="ctr"/>
-            <a:r>
-              <a:rPr lang="en-GB" sz="2800" u="sng" dirty="0"/>
-              <a:t>Important Information on Marking your Attendance on Inkpath</a:t>
-            </a:r>
-            <a:br>
-              <a:rPr lang="en-GB" sz="2800" u="sng" dirty="0"/>
-            </a:br>
-            <a:br>
-              <a:rPr lang="en-GB" sz="2800" u="sng" dirty="0"/>
-            </a:br>
-            <a:br>
-              <a:rPr lang="en-GB" sz="2800" dirty="0"/>
-            </a:br>
-            <a:r>
-              <a:rPr lang="en-GB" sz="2800" dirty="0"/>
-              <a:t>I will show you a QR code at the end of the session allowing you to mark your attendance on Inkpath. Please do not mark your attendance until then.</a:t>
-            </a:r>
-            <a:br>
-              <a:rPr lang="en-GB" sz="2800" dirty="0"/>
-            </a:br>
-            <a:br>
-              <a:rPr lang="en-GB" sz="2800" dirty="0">
-                <a:latin typeface="Calibri" panose="020F0502020204030204" pitchFamily="34" charset="0"/>
-                <a:cs typeface="Calibri" panose="020F0502020204030204" pitchFamily="34" charset="0"/>
-              </a:rPr>
-            </a:br>
-            <a:r>
-              <a:rPr lang="en-GB" sz="2800" dirty="0">
-                <a:effectLst/>
-                <a:ea typeface="Times New Roman" panose="02020603050405020304" pitchFamily="18" charset="0"/>
-                <a:cs typeface="Calibri" panose="020F0502020204030204" pitchFamily="34" charset="0"/>
-              </a:rPr>
-              <a:t>If you are not a Postgraduate Research student and didn’t book via Inkpath, your attendance will be marked on a separate database.</a:t>
-            </a:r>
-            <a:endParaRPr lang="en-GB" sz="2800" dirty="0"/>
-          </a:p>
-        </p:txBody>
-      </p:sp>
-      <p:sp>
-        <p:nvSpPr>
-          <p:cNvPr id="7" name="TextBox 6"/>
-          <p:cNvSpPr txBox="1"/>
-          <p:nvPr/>
-        </p:nvSpPr>
-        <p:spPr>
-          <a:xfrm>
-            <a:off x="552450" y="3214433"/>
-            <a:ext cx="2171700" cy="830997"/>
-          </a:xfrm>
-          <a:prstGeom prst="rect">
-            <a:avLst/>
-          </a:prstGeom>
-          <a:noFill/>
-        </p:spPr>
-        <p:txBody>
-          <a:bodyPr wrap="square" rtlCol="0">
-            <a:spAutoFit/>
-          </a:bodyPr>
-          <a:lstStyle/>
-          <a:p>
-            <a:endParaRPr lang="en-GB" sz="2400" dirty="0">
-              <a:solidFill>
-                <a:srgbClr val="002060"/>
-              </a:solidFill>
-            </a:endParaRPr>
-          </a:p>
-          <a:p>
-            <a:endParaRPr lang="en-GB" sz="2400" dirty="0">
-              <a:solidFill>
-                <a:srgbClr val="002060"/>
-              </a:solidFill>
-            </a:endParaRPr>
-          </a:p>
-        </p:txBody>
-      </p:sp>
-    </p:spTree>
-    <p:extLst>
-      <p:ext uri="{BB962C8B-B14F-4D97-AF65-F5344CB8AC3E}">
-        <p14:creationId xmlns:p14="http://schemas.microsoft.com/office/powerpoint/2010/main" val="3686223621"/>
-      </p:ext>
-    </p:extLst>
-  </p:cSld>
-  <p:clrMapOvr>
-    <a:masterClrMapping/>
-  </p:clrMapOvr>
-</p:sld>
-</file>
-
-<file path=ppt/slides/slide20.xml><?xml version="1.0" encoding="utf-8"?>
+<file path=ppt/slides/slide21.xml><?xml version="1.0" encoding="utf-8"?>
 <p:sld xmlns:a="http://schemas.openxmlformats.org/drawingml/2006/main" xmlns:r="http://schemas.openxmlformats.org/officeDocument/2006/relationships" xmlns:p="http://schemas.openxmlformats.org/presentationml/2006/main">
   <p:cSld>
     <p:spTree>
@@ -12021,7 +12419,7 @@
 </p:sld>
 </file>
 
-<file path=ppt/slides/slide21.xml><?xml version="1.0" encoding="utf-8"?>
+<file path=ppt/slides/slide22.xml><?xml version="1.0" encoding="utf-8"?>
 <p:sld xmlns:a="http://schemas.openxmlformats.org/drawingml/2006/main" xmlns:r="http://schemas.openxmlformats.org/officeDocument/2006/relationships" xmlns:p="http://schemas.openxmlformats.org/presentationml/2006/main">
   <p:cSld>
     <p:spTree>
@@ -12150,7 +12548,7 @@
 </p:sld>
 </file>
 
-<file path=ppt/slides/slide22.xml><?xml version="1.0" encoding="utf-8"?>
+<file path=ppt/slides/slide23.xml><?xml version="1.0" encoding="utf-8"?>
 <p:sld xmlns:a="http://schemas.openxmlformats.org/drawingml/2006/main" xmlns:r="http://schemas.openxmlformats.org/officeDocument/2006/relationships" xmlns:p="http://schemas.openxmlformats.org/presentationml/2006/main">
   <p:cSld>
     <p:spTree>
@@ -12274,7 +12672,7 @@
 </p:sld>
 </file>
 
-<file path=ppt/slides/slide23.xml><?xml version="1.0" encoding="utf-8"?>
+<file path=ppt/slides/slide24.xml><?xml version="1.0" encoding="utf-8"?>
 <p:sld xmlns:a="http://schemas.openxmlformats.org/drawingml/2006/main" xmlns:r="http://schemas.openxmlformats.org/officeDocument/2006/relationships" xmlns:p="http://schemas.openxmlformats.org/presentationml/2006/main">
   <p:cSld>
     <p:spTree>
@@ -12490,7 +12888,7 @@
 </p:sld>
 </file>
 
-<file path=ppt/slides/slide24.xml><?xml version="1.0" encoding="utf-8"?>
+<file path=ppt/slides/slide25.xml><?xml version="1.0" encoding="utf-8"?>
 <p:sld xmlns:a="http://schemas.openxmlformats.org/drawingml/2006/main" xmlns:r="http://schemas.openxmlformats.org/officeDocument/2006/relationships" xmlns:p="http://schemas.openxmlformats.org/presentationml/2006/main">
   <p:cSld>
     <p:spTree>
@@ -12640,7 +13038,7 @@
 </p:sld>
 </file>
 
-<file path=ppt/slides/slide25.xml><?xml version="1.0" encoding="utf-8"?>
+<file path=ppt/slides/slide26.xml><?xml version="1.0" encoding="utf-8"?>
 <p:sld xmlns:a="http://schemas.openxmlformats.org/drawingml/2006/main" xmlns:r="http://schemas.openxmlformats.org/officeDocument/2006/relationships" xmlns:p="http://schemas.openxmlformats.org/presentationml/2006/main">
   <p:cSld>
     <p:spTree>
@@ -13030,10 +13428,9 @@
           <a:lstStyle/>
           <a:p>
             <a:r>
-              <a:rPr lang="en-GB" sz="4000" dirty="0" err="1"/>
-              <a:t>LaTeX</a:t>
-            </a:r>
-            <a:endParaRPr lang="en-GB" sz="4000" dirty="0"/>
+              <a:rPr lang="en-GB" sz="4000" dirty="0"/>
+              <a:t>Using this PowerPoint</a:t>
+            </a:r>
           </a:p>
         </p:txBody>
       </p:sp>
@@ -13059,48 +13456,6 @@
           </a:bodyPr>
           <a:lstStyle/>
           <a:p>
-            <a:pPr fontAlgn="base">
-              <a:spcBef>
-                <a:spcPts val="600"/>
-              </a:spcBef>
-              <a:spcAft>
-                <a:spcPts val="600"/>
-              </a:spcAft>
-            </a:pPr>
-            <a:r>
-              <a:rPr lang="en-GB" sz="2400" dirty="0"/>
-              <a:t>What is LaTeX?</a:t>
-            </a:r>
-          </a:p>
-          <a:p>
-            <a:pPr fontAlgn="base">
-              <a:spcBef>
-                <a:spcPts val="600"/>
-              </a:spcBef>
-              <a:spcAft>
-                <a:spcPts val="600"/>
-              </a:spcAft>
-            </a:pPr>
-            <a:r>
-              <a:rPr lang="en-US" sz="2400" dirty="0"/>
-              <a:t>How do I use it?</a:t>
-            </a:r>
-          </a:p>
-          <a:p>
-            <a:pPr fontAlgn="base">
-              <a:spcBef>
-                <a:spcPts val="600"/>
-              </a:spcBef>
-              <a:spcAft>
-                <a:spcPts val="600"/>
-              </a:spcAft>
-            </a:pPr>
-            <a:r>
-              <a:rPr lang="en-US" sz="2400" dirty="0"/>
-              <a:t>Why would I use it?</a:t>
-            </a:r>
-          </a:p>
-          <a:p>
             <a:pPr marL="0" lvl="0" indent="0" fontAlgn="base">
               <a:spcBef>
                 <a:spcPts val="600"/>
@@ -13110,7 +13465,36 @@
               </a:spcAft>
               <a:buNone/>
             </a:pPr>
-            <a:endParaRPr lang="en-US" sz="2400" dirty="0"/>
+            <a:r>
+              <a:rPr lang="en-GB" sz="100" dirty="0"/>
+              <a:t> </a:t>
+            </a:r>
+          </a:p>
+          <a:p>
+            <a:r>
+              <a:rPr lang="en-GB" sz="2400" dirty="0"/>
+              <a:t>Further notes and comments in the notes section of most slides</a:t>
+            </a:r>
+          </a:p>
+          <a:p>
+            <a:pPr lvl="1"/>
+            <a:r>
+              <a:rPr lang="en-GB" sz="2000" dirty="0"/>
+              <a:t>Annotates and explains the examples</a:t>
+            </a:r>
+          </a:p>
+          <a:p>
+            <a:r>
+              <a:rPr lang="en-GB" sz="2400" dirty="0"/>
+              <a:t>Notes also often contain links to Overleaf projects used to generate examples</a:t>
+            </a:r>
+          </a:p>
+          <a:p>
+            <a:pPr lvl="1"/>
+            <a:r>
+              <a:rPr lang="en-GB" sz="2000" dirty="0"/>
+              <a:t>Allows you to see the example in the context of a compete project</a:t>
+            </a:r>
           </a:p>
           <a:p>
             <a:pPr marL="0" lvl="0" indent="0" fontAlgn="base">
@@ -13129,18 +13513,18 @@
     </p:spTree>
     <p:extLst>
       <p:ext uri="{BB962C8B-B14F-4D97-AF65-F5344CB8AC3E}">
-        <p14:creationId xmlns:p14="http://schemas.microsoft.com/office/powerpoint/2010/main" val="764725023"/>
+        <p14:creationId xmlns:p14="http://schemas.microsoft.com/office/powerpoint/2010/main" val="634929309"/>
       </p:ext>
     </p:extLst>
   </p:cSld>
   <p:clrMapOvr>
     <a:masterClrMapping/>
   </p:clrMapOvr>
-  <mc:AlternateContent xmlns:mc="http://schemas.openxmlformats.org/markup-compatibility/2006" xmlns:p14="http://schemas.microsoft.com/office/powerpoint/2010/main">
-    <mc:Choice Requires="p14">
+  <mc:AlternateContent xmlns:mc="http://schemas.openxmlformats.org/markup-compatibility/2006">
+    <mc:Choice xmlns:p14="http://schemas.microsoft.com/office/powerpoint/2010/main" Requires="p14">
       <p:transition p14:dur="10"/>
     </mc:Choice>
-    <mc:Fallback xmlns="">
+    <mc:Fallback>
       <p:transition/>
     </mc:Fallback>
   </mc:AlternateContent>
@@ -13180,6 +13564,156 @@
           <a:lstStyle/>
           <a:p>
             <a:r>
+              <a:rPr lang="en-GB" sz="4000" dirty="0" err="1"/>
+              <a:t>LaTeX</a:t>
+            </a:r>
+            <a:endParaRPr lang="en-GB" sz="4000" dirty="0"/>
+          </a:p>
+        </p:txBody>
+      </p:sp>
+      <p:sp>
+        <p:nvSpPr>
+          <p:cNvPr id="3" name="Content Placeholder 2"/>
+          <p:cNvSpPr>
+            <a:spLocks noGrp="1"/>
+          </p:cNvSpPr>
+          <p:nvPr>
+            <p:ph idx="1"/>
+          </p:nvPr>
+        </p:nvSpPr>
+        <p:spPr>
+          <a:xfrm>
+            <a:off x="457200" y="1600200"/>
+            <a:ext cx="8435280" cy="4876800"/>
+          </a:xfrm>
+        </p:spPr>
+        <p:txBody>
+          <a:bodyPr>
+            <a:normAutofit/>
+          </a:bodyPr>
+          <a:lstStyle/>
+          <a:p>
+            <a:pPr fontAlgn="base">
+              <a:spcBef>
+                <a:spcPts val="600"/>
+              </a:spcBef>
+              <a:spcAft>
+                <a:spcPts val="600"/>
+              </a:spcAft>
+            </a:pPr>
+            <a:r>
+              <a:rPr lang="en-GB" sz="2400" dirty="0"/>
+              <a:t>What is LaTeX?</a:t>
+            </a:r>
+          </a:p>
+          <a:p>
+            <a:pPr fontAlgn="base">
+              <a:spcBef>
+                <a:spcPts val="600"/>
+              </a:spcBef>
+              <a:spcAft>
+                <a:spcPts val="600"/>
+              </a:spcAft>
+            </a:pPr>
+            <a:r>
+              <a:rPr lang="en-US" sz="2400" dirty="0"/>
+              <a:t>How do I use it?</a:t>
+            </a:r>
+          </a:p>
+          <a:p>
+            <a:pPr fontAlgn="base">
+              <a:spcBef>
+                <a:spcPts val="600"/>
+              </a:spcBef>
+              <a:spcAft>
+                <a:spcPts val="600"/>
+              </a:spcAft>
+            </a:pPr>
+            <a:r>
+              <a:rPr lang="en-US" sz="2400" dirty="0"/>
+              <a:t>Why would I use it?</a:t>
+            </a:r>
+          </a:p>
+          <a:p>
+            <a:pPr marL="0" lvl="0" indent="0" fontAlgn="base">
+              <a:spcBef>
+                <a:spcPts val="600"/>
+              </a:spcBef>
+              <a:spcAft>
+                <a:spcPts val="600"/>
+              </a:spcAft>
+              <a:buNone/>
+            </a:pPr>
+            <a:endParaRPr lang="en-US" sz="2400" dirty="0"/>
+          </a:p>
+          <a:p>
+            <a:pPr marL="0" lvl="0" indent="0" fontAlgn="base">
+              <a:spcBef>
+                <a:spcPts val="600"/>
+              </a:spcBef>
+              <a:spcAft>
+                <a:spcPts val="600"/>
+              </a:spcAft>
+              <a:buNone/>
+            </a:pPr>
+            <a:endParaRPr lang="en-GB" sz="2400" dirty="0"/>
+          </a:p>
+        </p:txBody>
+      </p:sp>
+    </p:spTree>
+    <p:extLst>
+      <p:ext uri="{BB962C8B-B14F-4D97-AF65-F5344CB8AC3E}">
+        <p14:creationId xmlns:p14="http://schemas.microsoft.com/office/powerpoint/2010/main" val="764725023"/>
+      </p:ext>
+    </p:extLst>
+  </p:cSld>
+  <p:clrMapOvr>
+    <a:masterClrMapping/>
+  </p:clrMapOvr>
+  <mc:AlternateContent xmlns:mc="http://schemas.openxmlformats.org/markup-compatibility/2006" xmlns:p14="http://schemas.microsoft.com/office/powerpoint/2010/main">
+    <mc:Choice Requires="p14">
+      <p:transition p14:dur="10"/>
+    </mc:Choice>
+    <mc:Fallback xmlns="">
+      <p:transition/>
+    </mc:Fallback>
+  </mc:AlternateContent>
+</p:sld>
+</file>
+
+<file path=ppt/slides/slide6.xml><?xml version="1.0" encoding="utf-8"?>
+<p:sld xmlns:a="http://schemas.openxmlformats.org/drawingml/2006/main" xmlns:r="http://schemas.openxmlformats.org/officeDocument/2006/relationships" xmlns:p="http://schemas.openxmlformats.org/presentationml/2006/main">
+  <p:cSld>
+    <p:spTree>
+      <p:nvGrpSpPr>
+        <p:cNvPr id="1" name=""/>
+        <p:cNvGrpSpPr/>
+        <p:nvPr/>
+      </p:nvGrpSpPr>
+      <p:grpSpPr>
+        <a:xfrm>
+          <a:off x="0" y="0"/>
+          <a:ext cx="0" cy="0"/>
+          <a:chOff x="0" y="0"/>
+          <a:chExt cx="0" cy="0"/>
+        </a:xfrm>
+      </p:grpSpPr>
+      <p:sp>
+        <p:nvSpPr>
+          <p:cNvPr id="2" name="Title 1"/>
+          <p:cNvSpPr>
+            <a:spLocks noGrp="1"/>
+          </p:cNvSpPr>
+          <p:nvPr>
+            <p:ph type="title"/>
+          </p:nvPr>
+        </p:nvSpPr>
+        <p:spPr/>
+        <p:txBody>
+          <a:bodyPr/>
+          <a:lstStyle/>
+          <a:p>
+            <a:r>
               <a:rPr lang="en-GB" sz="4000" dirty="0"/>
               <a:t>Overleaf</a:t>
             </a:r>
@@ -13274,13 +13808,8 @@
             </a:pPr>
             <a:r>
               <a:rPr lang="en-GB" sz="2400" dirty="0"/>
-              <a:t>Cloud syncing with Dropbox and </a:t>
-            </a:r>
-            <a:r>
-              <a:rPr lang="en-GB" sz="2400" dirty="0" err="1"/>
-              <a:t>Github</a:t>
-            </a:r>
-            <a:endParaRPr lang="en-GB" sz="2400" dirty="0"/>
+              <a:t>Integrated “review” system for feedback</a:t>
+            </a:r>
           </a:p>
           <a:p>
             <a:pPr marL="914400" lvl="1" indent="-457200">
@@ -13289,8 +13818,13 @@
             </a:pPr>
             <a:r>
               <a:rPr lang="en-GB" sz="2400" dirty="0"/>
-              <a:t>Integrated “review” system for feedback</a:t>
-            </a:r>
+              <a:t>Cloud syncing with Dropbox and </a:t>
+            </a:r>
+            <a:r>
+              <a:rPr lang="en-GB" sz="2400" dirty="0" err="1"/>
+              <a:t>Github</a:t>
+            </a:r>
+            <a:endParaRPr lang="en-GB" sz="2400" dirty="0"/>
           </a:p>
           <a:p>
             <a:pPr marL="457200" indent="-457200">
@@ -13319,7 +13853,7 @@
             </a:pPr>
             <a:r>
               <a:rPr lang="en-GB" sz="2400" dirty="0"/>
-              <a:t>Data stored online – implications for patient data</a:t>
+              <a:t>Data stored online – consider you data</a:t>
             </a:r>
           </a:p>
           <a:p>
@@ -13351,7 +13885,7 @@
 </p:sld>
 </file>
 
-<file path=ppt/slides/slide6.xml><?xml version="1.0" encoding="utf-8"?>
+<file path=ppt/slides/slide7.xml><?xml version="1.0" encoding="utf-8"?>
 <p:sld xmlns:a="http://schemas.openxmlformats.org/drawingml/2006/main" xmlns:r="http://schemas.openxmlformats.org/officeDocument/2006/relationships" xmlns:p="http://schemas.openxmlformats.org/presentationml/2006/main">
   <p:cSld>
     <p:spTree>
@@ -14030,7 +14564,7 @@
 </p:sld>
 </file>
 
-<file path=ppt/slides/slide7.xml><?xml version="1.0" encoding="utf-8"?>
+<file path=ppt/slides/slide8.xml><?xml version="1.0" encoding="utf-8"?>
 <p:sld xmlns:a="http://schemas.openxmlformats.org/drawingml/2006/main" xmlns:r="http://schemas.openxmlformats.org/officeDocument/2006/relationships" xmlns:p="http://schemas.openxmlformats.org/presentationml/2006/main">
   <p:cSld>
     <p:spTree>
@@ -14338,7 +14872,7 @@
 </p:sld>
 </file>
 
-<file path=ppt/slides/slide8.xml><?xml version="1.0" encoding="utf-8"?>
+<file path=ppt/slides/slide9.xml><?xml version="1.0" encoding="utf-8"?>
 <p:sld xmlns:a="http://schemas.openxmlformats.org/drawingml/2006/main" xmlns:r="http://schemas.openxmlformats.org/officeDocument/2006/relationships" xmlns:p="http://schemas.openxmlformats.org/presentationml/2006/main">
   <p:cSld>
     <p:spTree>
@@ -14653,265 +15187,6 @@
     <p:extLst>
       <p:ext uri="{BB962C8B-B14F-4D97-AF65-F5344CB8AC3E}">
         <p14:creationId xmlns:p14="http://schemas.microsoft.com/office/powerpoint/2010/main" val="3436705082"/>
-      </p:ext>
-    </p:extLst>
-  </p:cSld>
-  <p:clrMapOvr>
-    <a:masterClrMapping/>
-  </p:clrMapOvr>
-  <mc:AlternateContent xmlns:mc="http://schemas.openxmlformats.org/markup-compatibility/2006" xmlns:p14="http://schemas.microsoft.com/office/powerpoint/2010/main">
-    <mc:Choice Requires="p14">
-      <p:transition p14:dur="10"/>
-    </mc:Choice>
-    <mc:Fallback xmlns="">
-      <p:transition/>
-    </mc:Fallback>
-  </mc:AlternateContent>
-</p:sld>
-</file>
-
-<file path=ppt/slides/slide9.xml><?xml version="1.0" encoding="utf-8"?>
-<p:sld xmlns:a="http://schemas.openxmlformats.org/drawingml/2006/main" xmlns:r="http://schemas.openxmlformats.org/officeDocument/2006/relationships" xmlns:p="http://schemas.openxmlformats.org/presentationml/2006/main">
-  <p:cSld>
-    <p:spTree>
-      <p:nvGrpSpPr>
-        <p:cNvPr id="1" name=""/>
-        <p:cNvGrpSpPr/>
-        <p:nvPr/>
-      </p:nvGrpSpPr>
-      <p:grpSpPr>
-        <a:xfrm>
-          <a:off x="0" y="0"/>
-          <a:ext cx="0" cy="0"/>
-          <a:chOff x="0" y="0"/>
-          <a:chExt cx="0" cy="0"/>
-        </a:xfrm>
-      </p:grpSpPr>
-      <p:sp>
-        <p:nvSpPr>
-          <p:cNvPr id="2" name="Title 1"/>
-          <p:cNvSpPr>
-            <a:spLocks noGrp="1"/>
-          </p:cNvSpPr>
-          <p:nvPr>
-            <p:ph type="title"/>
-          </p:nvPr>
-        </p:nvSpPr>
-        <p:spPr/>
-        <p:txBody>
-          <a:bodyPr/>
-          <a:lstStyle/>
-          <a:p>
-            <a:r>
-              <a:rPr lang="en-GB" sz="4000" dirty="0"/>
-              <a:t>Table of Contents</a:t>
-            </a:r>
-          </a:p>
-        </p:txBody>
-      </p:sp>
-      <p:sp>
-        <p:nvSpPr>
-          <p:cNvPr id="4" name="TextBox 3"/>
-          <p:cNvSpPr txBox="1"/>
-          <p:nvPr/>
-        </p:nvSpPr>
-        <p:spPr>
-          <a:xfrm>
-            <a:off x="746438" y="3245892"/>
-            <a:ext cx="2896947" cy="553998"/>
-          </a:xfrm>
-          <a:prstGeom prst="rect">
-            <a:avLst/>
-          </a:prstGeom>
-          <a:noFill/>
-        </p:spPr>
-        <p:txBody>
-          <a:bodyPr wrap="none" rtlCol="0">
-            <a:spAutoFit/>
-          </a:bodyPr>
-          <a:lstStyle/>
-          <a:p>
-            <a:r>
-              <a:rPr lang="en-GB" sz="3000" dirty="0">
-                <a:solidFill>
-                  <a:schemeClr val="tx2">
-                    <a:lumMod val="50000"/>
-                    <a:lumOff val="50000"/>
-                  </a:schemeClr>
-                </a:solidFill>
-                <a:latin typeface="+mj-lt"/>
-                <a:cs typeface="Courier New" panose="02070309020205020404" pitchFamily="49" charset="0"/>
-              </a:rPr>
-              <a:t>\</a:t>
-            </a:r>
-            <a:r>
-              <a:rPr lang="en-GB" sz="3000" dirty="0" err="1">
-                <a:solidFill>
-                  <a:schemeClr val="tx2">
-                    <a:lumMod val="50000"/>
-                    <a:lumOff val="50000"/>
-                  </a:schemeClr>
-                </a:solidFill>
-                <a:latin typeface="+mj-lt"/>
-                <a:cs typeface="Courier New" panose="02070309020205020404" pitchFamily="49" charset="0"/>
-              </a:rPr>
-              <a:t>tableofcontents</a:t>
-            </a:r>
-            <a:endParaRPr lang="en-GB" sz="3000" dirty="0">
-              <a:solidFill>
-                <a:schemeClr val="tx2">
-                  <a:lumMod val="50000"/>
-                  <a:lumOff val="50000"/>
-                </a:schemeClr>
-              </a:solidFill>
-              <a:latin typeface="+mj-lt"/>
-              <a:cs typeface="Courier New" panose="02070309020205020404" pitchFamily="49" charset="0"/>
-            </a:endParaRPr>
-          </a:p>
-        </p:txBody>
-      </p:sp>
-      <p:cxnSp>
-        <p:nvCxnSpPr>
-          <p:cNvPr id="11" name="Straight Connector 10"/>
-          <p:cNvCxnSpPr/>
-          <p:nvPr/>
-        </p:nvCxnSpPr>
-        <p:spPr>
-          <a:xfrm>
-            <a:off x="4572000" y="1417638"/>
-            <a:ext cx="0" cy="5440362"/>
-          </a:xfrm>
-          <a:prstGeom prst="line">
-            <a:avLst/>
-          </a:prstGeom>
-        </p:spPr>
-        <p:style>
-          <a:lnRef idx="2">
-            <a:schemeClr val="accent1"/>
-          </a:lnRef>
-          <a:fillRef idx="0">
-            <a:schemeClr val="accent1"/>
-          </a:fillRef>
-          <a:effectRef idx="1">
-            <a:schemeClr val="accent1"/>
-          </a:effectRef>
-          <a:fontRef idx="minor">
-            <a:schemeClr val="tx1"/>
-          </a:fontRef>
-        </p:style>
-      </p:cxnSp>
-      <p:sp>
-        <p:nvSpPr>
-          <p:cNvPr id="3" name="TextBox 2"/>
-          <p:cNvSpPr txBox="1"/>
-          <p:nvPr/>
-        </p:nvSpPr>
-        <p:spPr>
-          <a:xfrm>
-            <a:off x="4735773" y="2130202"/>
-            <a:ext cx="4189863" cy="2246769"/>
-          </a:xfrm>
-          <a:prstGeom prst="rect">
-            <a:avLst/>
-          </a:prstGeom>
-          <a:noFill/>
-        </p:spPr>
-        <p:txBody>
-          <a:bodyPr wrap="square" rtlCol="0">
-            <a:spAutoFit/>
-          </a:bodyPr>
-          <a:lstStyle/>
-          <a:p>
-            <a:r>
-              <a:rPr lang="en-US" sz="4000" dirty="0">
-                <a:latin typeface="Times New Roman" panose="02020603050405020304" pitchFamily="18" charset="0"/>
-                <a:cs typeface="Times New Roman" panose="02020603050405020304" pitchFamily="18" charset="0"/>
-              </a:rPr>
-              <a:t>Contents</a:t>
-            </a:r>
-          </a:p>
-          <a:p>
-            <a:endParaRPr lang="en-US" sz="1000" dirty="0">
-              <a:latin typeface="Times New Roman" panose="02020603050405020304" pitchFamily="18" charset="0"/>
-              <a:cs typeface="Times New Roman" panose="02020603050405020304" pitchFamily="18" charset="0"/>
-            </a:endParaRPr>
-          </a:p>
-          <a:p>
-            <a:r>
-              <a:rPr lang="en-US" sz="3000" dirty="0">
-                <a:latin typeface="Times New Roman" panose="02020603050405020304" pitchFamily="18" charset="0"/>
-                <a:cs typeface="Times New Roman" panose="02020603050405020304" pitchFamily="18" charset="0"/>
-              </a:rPr>
-              <a:t>1		 The Cat				1</a:t>
-            </a:r>
-          </a:p>
-          <a:p>
-            <a:r>
-              <a:rPr lang="en-US" sz="3000" dirty="0">
-                <a:latin typeface="Times New Roman" panose="02020603050405020304" pitchFamily="18" charset="0"/>
-                <a:cs typeface="Times New Roman" panose="02020603050405020304" pitchFamily="18" charset="0"/>
-              </a:rPr>
-              <a:t>	1.1	 Sat On……...	2</a:t>
-            </a:r>
-          </a:p>
-          <a:p>
-            <a:r>
-              <a:rPr lang="en-US" sz="3000" dirty="0">
-                <a:latin typeface="Times New Roman" panose="02020603050405020304" pitchFamily="18" charset="0"/>
-                <a:cs typeface="Times New Roman" panose="02020603050405020304" pitchFamily="18" charset="0"/>
-              </a:rPr>
-              <a:t>		1.1.1   The Mat…	3</a:t>
-            </a:r>
-            <a:endParaRPr lang="en-GB" sz="3000" dirty="0">
-              <a:latin typeface="Times New Roman" panose="02020603050405020304" pitchFamily="18" charset="0"/>
-              <a:cs typeface="Times New Roman" panose="02020603050405020304" pitchFamily="18" charset="0"/>
-            </a:endParaRPr>
-          </a:p>
-        </p:txBody>
-      </p:sp>
-      <p:sp>
-        <p:nvSpPr>
-          <p:cNvPr id="6" name="TextBox 5">
-            <a:extLst>
-              <a:ext uri="{FF2B5EF4-FFF2-40B4-BE49-F238E27FC236}">
-                <a16:creationId xmlns:a16="http://schemas.microsoft.com/office/drawing/2014/main" id="{016B593D-9671-4306-AC3D-C3E5EF3900E6}"/>
-              </a:ext>
-            </a:extLst>
-          </p:cNvPr>
-          <p:cNvSpPr txBox="1"/>
-          <p:nvPr/>
-        </p:nvSpPr>
-        <p:spPr>
-          <a:xfrm>
-            <a:off x="7357241" y="6498021"/>
-            <a:ext cx="1697422" cy="369332"/>
-          </a:xfrm>
-          <a:prstGeom prst="rect">
-            <a:avLst/>
-          </a:prstGeom>
-          <a:noFill/>
-        </p:spPr>
-        <p:txBody>
-          <a:bodyPr wrap="square" rtlCol="0">
-            <a:spAutoFit/>
-          </a:bodyPr>
-          <a:lstStyle/>
-          <a:p>
-            <a:r>
-              <a:rPr lang="en-GB" dirty="0">
-                <a:solidFill>
-                  <a:schemeClr val="accent2"/>
-                </a:solidFill>
-              </a:rPr>
-              <a:t>Problem Sheet</a:t>
-            </a:r>
-          </a:p>
-        </p:txBody>
-      </p:sp>
-    </p:spTree>
-    <p:extLst>
-      <p:ext uri="{BB962C8B-B14F-4D97-AF65-F5344CB8AC3E}">
-        <p14:creationId xmlns:p14="http://schemas.microsoft.com/office/powerpoint/2010/main" val="2980091057"/>
       </p:ext>
     </p:extLst>
   </p:cSld>

--- a/Intro to Latex Slides.pptx
+++ b/Intro to Latex Slides.pptx
@@ -5,10 +5,10 @@
     <p:sldMasterId id="2147483648" r:id="rId1"/>
   </p:sldMasterIdLst>
   <p:notesMasterIdLst>
-    <p:notesMasterId r:id="rId28"/>
+    <p:notesMasterId r:id="rId30"/>
   </p:notesMasterIdLst>
   <p:handoutMasterIdLst>
-    <p:handoutMasterId r:id="rId29"/>
+    <p:handoutMasterId r:id="rId31"/>
   </p:handoutMasterIdLst>
   <p:sldIdLst>
     <p:sldId id="264" r:id="rId2"/>
@@ -21,22 +21,24 @@
     <p:sldId id="271" r:id="rId9"/>
     <p:sldId id="278" r:id="rId10"/>
     <p:sldId id="288" r:id="rId11"/>
-    <p:sldId id="270" r:id="rId12"/>
-    <p:sldId id="284" r:id="rId13"/>
-    <p:sldId id="285" r:id="rId14"/>
-    <p:sldId id="287" r:id="rId15"/>
-    <p:sldId id="286" r:id="rId16"/>
-    <p:sldId id="281" r:id="rId17"/>
-    <p:sldId id="282" r:id="rId18"/>
-    <p:sldId id="277" r:id="rId19"/>
-    <p:sldId id="319" r:id="rId20"/>
-    <p:sldId id="321" r:id="rId21"/>
-    <p:sldId id="322" r:id="rId22"/>
-    <p:sldId id="290" r:id="rId23"/>
-    <p:sldId id="291" r:id="rId24"/>
-    <p:sldId id="328" r:id="rId25"/>
-    <p:sldId id="335" r:id="rId26"/>
-    <p:sldId id="280" r:id="rId27"/>
+    <p:sldId id="506" r:id="rId12"/>
+    <p:sldId id="507" r:id="rId13"/>
+    <p:sldId id="270" r:id="rId14"/>
+    <p:sldId id="284" r:id="rId15"/>
+    <p:sldId id="285" r:id="rId16"/>
+    <p:sldId id="287" r:id="rId17"/>
+    <p:sldId id="286" r:id="rId18"/>
+    <p:sldId id="281" r:id="rId19"/>
+    <p:sldId id="282" r:id="rId20"/>
+    <p:sldId id="277" r:id="rId21"/>
+    <p:sldId id="319" r:id="rId22"/>
+    <p:sldId id="321" r:id="rId23"/>
+    <p:sldId id="322" r:id="rId24"/>
+    <p:sldId id="290" r:id="rId25"/>
+    <p:sldId id="291" r:id="rId26"/>
+    <p:sldId id="328" r:id="rId27"/>
+    <p:sldId id="335" r:id="rId28"/>
+    <p:sldId id="280" r:id="rId29"/>
   </p:sldIdLst>
   <p:sldSz cx="9144000" cy="6858000" type="screen4x3"/>
   <p:notesSz cx="7099300" cy="10234613"/>
@@ -150,6 +152,8 @@
             <p14:sldId id="271"/>
             <p14:sldId id="278"/>
             <p14:sldId id="288"/>
+            <p14:sldId id="506"/>
+            <p14:sldId id="507"/>
             <p14:sldId id="270"/>
             <p14:sldId id="284"/>
             <p14:sldId id="285"/>
@@ -194,7 +198,7 @@
 <file path=ppt/revisionInfo.xml><?xml version="1.0" encoding="utf-8"?>
 <p1510:revInfo xmlns:a="http://schemas.openxmlformats.org/drawingml/2006/main" xmlns:r="http://schemas.openxmlformats.org/officeDocument/2006/relationships" xmlns:p1510="http://schemas.microsoft.com/office/powerpoint/2015/10/main">
   <p1510:revLst>
-    <p1510:client id="{99A4F19C-454B-4D6F-8788-E5B990F556FB}" v="1" dt="2022-10-10T13:56:54.173"/>
+    <p1510:client id="{99A4F19C-454B-4D6F-8788-E5B990F556FB}" v="12" dt="2022-10-13T14:46:32.014"/>
   </p1510:revLst>
 </p1510:revInfo>
 </file>
@@ -203,11 +207,65 @@
 <pc:chgInfo xmlns:a="http://schemas.openxmlformats.org/drawingml/2006/main" xmlns:r="http://schemas.openxmlformats.org/officeDocument/2006/relationships" xmlns:ac="http://schemas.microsoft.com/office/drawing/2013/main/command" xmlns:pc="http://schemas.microsoft.com/office/powerpoint/2013/main/command">
   <pc:docChgLst>
     <pc:chgData name="Cooling, Chris" userId="6dcf99c9-2ba5-410a-8445-0893a3d1421f" providerId="ADAL" clId="{99A4F19C-454B-4D6F-8788-E5B990F556FB}"/>
-    <pc:docChg chg="addSld delSld modSld modSection">
-      <pc:chgData name="Cooling, Chris" userId="6dcf99c9-2ba5-410a-8445-0893a3d1421f" providerId="ADAL" clId="{99A4F19C-454B-4D6F-8788-E5B990F556FB}" dt="2022-10-13T08:16:52.385" v="348" actId="20577"/>
+    <pc:docChg chg="undo custSel addSld delSld modSld modSection">
+      <pc:chgData name="Cooling, Chris" userId="6dcf99c9-2ba5-410a-8445-0893a3d1421f" providerId="ADAL" clId="{99A4F19C-454B-4D6F-8788-E5B990F556FB}" dt="2022-10-13T14:47:54.963" v="2110" actId="14100"/>
       <pc:docMkLst>
         <pc:docMk/>
       </pc:docMkLst>
+      <pc:sldChg chg="addSp delSp modSp mod">
+        <pc:chgData name="Cooling, Chris" userId="6dcf99c9-2ba5-410a-8445-0893a3d1421f" providerId="ADAL" clId="{99A4F19C-454B-4D6F-8788-E5B990F556FB}" dt="2022-10-13T14:47:54.963" v="2110" actId="14100"/>
+        <pc:sldMkLst>
+          <pc:docMk/>
+          <pc:sldMk cId="3909134183" sldId="281"/>
+        </pc:sldMkLst>
+        <pc:spChg chg="add mod">
+          <ac:chgData name="Cooling, Chris" userId="6dcf99c9-2ba5-410a-8445-0893a3d1421f" providerId="ADAL" clId="{99A4F19C-454B-4D6F-8788-E5B990F556FB}" dt="2022-10-13T14:47:06.435" v="2107" actId="1076"/>
+          <ac:spMkLst>
+            <pc:docMk/>
+            <pc:sldMk cId="3909134183" sldId="281"/>
+            <ac:spMk id="3" creationId="{0787310E-70E0-44FF-B521-0B689D3F5995}"/>
+          </ac:spMkLst>
+        </pc:spChg>
+        <pc:spChg chg="add mod">
+          <ac:chgData name="Cooling, Chris" userId="6dcf99c9-2ba5-410a-8445-0893a3d1421f" providerId="ADAL" clId="{99A4F19C-454B-4D6F-8788-E5B990F556FB}" dt="2022-10-13T14:47:54.963" v="2110" actId="14100"/>
+          <ac:spMkLst>
+            <pc:docMk/>
+            <pc:sldMk cId="3909134183" sldId="281"/>
+            <ac:spMk id="4" creationId="{8608B5DA-14FD-4EDF-8FE9-3DD5557D6891}"/>
+          </ac:spMkLst>
+        </pc:spChg>
+        <pc:spChg chg="add del mod">
+          <ac:chgData name="Cooling, Chris" userId="6dcf99c9-2ba5-410a-8445-0893a3d1421f" providerId="ADAL" clId="{99A4F19C-454B-4D6F-8788-E5B990F556FB}" dt="2022-10-13T14:45:09.251" v="2074" actId="1076"/>
+          <ac:spMkLst>
+            <pc:docMk/>
+            <pc:sldMk cId="3909134183" sldId="281"/>
+            <ac:spMk id="7" creationId="{6697DCCF-93EB-41A8-8992-5C30E095C69B}"/>
+          </ac:spMkLst>
+        </pc:spChg>
+        <pc:grpChg chg="add mod">
+          <ac:chgData name="Cooling, Chris" userId="6dcf99c9-2ba5-410a-8445-0893a3d1421f" providerId="ADAL" clId="{99A4F19C-454B-4D6F-8788-E5B990F556FB}" dt="2022-10-13T14:47:14.683" v="2109" actId="1076"/>
+          <ac:grpSpMkLst>
+            <pc:docMk/>
+            <pc:sldMk cId="3909134183" sldId="281"/>
+            <ac:grpSpMk id="5" creationId="{24CBAB40-2A2B-4C79-ABC6-AB3AA9AAD215}"/>
+          </ac:grpSpMkLst>
+        </pc:grpChg>
+      </pc:sldChg>
+      <pc:sldChg chg="delSp mod modNotesTx">
+        <pc:chgData name="Cooling, Chris" userId="6dcf99c9-2ba5-410a-8445-0893a3d1421f" providerId="ADAL" clId="{99A4F19C-454B-4D6F-8788-E5B990F556FB}" dt="2022-10-13T14:30:21.373" v="580" actId="478"/>
+        <pc:sldMkLst>
+          <pc:docMk/>
+          <pc:sldMk cId="2980091057" sldId="288"/>
+        </pc:sldMkLst>
+        <pc:spChg chg="del">
+          <ac:chgData name="Cooling, Chris" userId="6dcf99c9-2ba5-410a-8445-0893a3d1421f" providerId="ADAL" clId="{99A4F19C-454B-4D6F-8788-E5B990F556FB}" dt="2022-10-13T14:30:21.373" v="580" actId="478"/>
+          <ac:spMkLst>
+            <pc:docMk/>
+            <pc:sldMk cId="2980091057" sldId="288"/>
+            <ac:spMk id="6" creationId="{016B593D-9671-4306-AC3D-C3E5EF3900E6}"/>
+          </ac:spMkLst>
+        </pc:spChg>
+      </pc:sldChg>
       <pc:sldChg chg="modSp mod">
         <pc:chgData name="Cooling, Chris" userId="6dcf99c9-2ba5-410a-8445-0893a3d1421f" providerId="ADAL" clId="{99A4F19C-454B-4D6F-8788-E5B990F556FB}" dt="2022-10-13T08:16:20.521" v="275" actId="20577"/>
         <pc:sldMkLst>
@@ -274,6 +332,171 @@
             <ac:spMk id="2" creationId="{9EA6D2E6-6FC8-4CA4-A82C-518A550B2D91}"/>
           </ac:spMkLst>
         </pc:spChg>
+      </pc:sldChg>
+      <pc:sldChg chg="addSp delSp modSp add mod modNotesTx">
+        <pc:chgData name="Cooling, Chris" userId="6dcf99c9-2ba5-410a-8445-0893a3d1421f" providerId="ADAL" clId="{99A4F19C-454B-4D6F-8788-E5B990F556FB}" dt="2022-10-13T14:43:38.916" v="2065" actId="20577"/>
+        <pc:sldMkLst>
+          <pc:docMk/>
+          <pc:sldMk cId="978899800" sldId="506"/>
+        </pc:sldMkLst>
+        <pc:spChg chg="mod">
+          <ac:chgData name="Cooling, Chris" userId="6dcf99c9-2ba5-410a-8445-0893a3d1421f" providerId="ADAL" clId="{99A4F19C-454B-4D6F-8788-E5B990F556FB}" dt="2022-10-13T14:23:14.071" v="378" actId="20577"/>
+          <ac:spMkLst>
+            <pc:docMk/>
+            <pc:sldMk cId="978899800" sldId="506"/>
+            <ac:spMk id="2" creationId="{00000000-0000-0000-0000-000000000000}"/>
+          </ac:spMkLst>
+        </pc:spChg>
+        <pc:spChg chg="del">
+          <ac:chgData name="Cooling, Chris" userId="6dcf99c9-2ba5-410a-8445-0893a3d1421f" providerId="ADAL" clId="{99A4F19C-454B-4D6F-8788-E5B990F556FB}" dt="2022-10-13T14:24:30.969" v="397" actId="478"/>
+          <ac:spMkLst>
+            <pc:docMk/>
+            <pc:sldMk cId="978899800" sldId="506"/>
+            <ac:spMk id="3" creationId="{00000000-0000-0000-0000-000000000000}"/>
+          </ac:spMkLst>
+        </pc:spChg>
+        <pc:spChg chg="add del mod">
+          <ac:chgData name="Cooling, Chris" userId="6dcf99c9-2ba5-410a-8445-0893a3d1421f" providerId="ADAL" clId="{99A4F19C-454B-4D6F-8788-E5B990F556FB}" dt="2022-10-13T14:24:27.982" v="396" actId="207"/>
+          <ac:spMkLst>
+            <pc:docMk/>
+            <pc:sldMk cId="978899800" sldId="506"/>
+            <ac:spMk id="4" creationId="{00000000-0000-0000-0000-000000000000}"/>
+          </ac:spMkLst>
+        </pc:spChg>
+        <pc:spChg chg="del">
+          <ac:chgData name="Cooling, Chris" userId="6dcf99c9-2ba5-410a-8445-0893a3d1421f" providerId="ADAL" clId="{99A4F19C-454B-4D6F-8788-E5B990F556FB}" dt="2022-10-13T14:30:18.606" v="579" actId="478"/>
+          <ac:spMkLst>
+            <pc:docMk/>
+            <pc:sldMk cId="978899800" sldId="506"/>
+            <ac:spMk id="6" creationId="{016B593D-9671-4306-AC3D-C3E5EF3900E6}"/>
+          </ac:spMkLst>
+        </pc:spChg>
+        <pc:picChg chg="add del mod">
+          <ac:chgData name="Cooling, Chris" userId="6dcf99c9-2ba5-410a-8445-0893a3d1421f" providerId="ADAL" clId="{99A4F19C-454B-4D6F-8788-E5B990F556FB}" dt="2022-10-13T14:26:51.390" v="406" actId="478"/>
+          <ac:picMkLst>
+            <pc:docMk/>
+            <pc:sldMk cId="978899800" sldId="506"/>
+            <ac:picMk id="7" creationId="{F161F979-C5B5-424C-A8EA-470A0AAB550F}"/>
+          </ac:picMkLst>
+        </pc:picChg>
+        <pc:picChg chg="add del mod">
+          <ac:chgData name="Cooling, Chris" userId="6dcf99c9-2ba5-410a-8445-0893a3d1421f" providerId="ADAL" clId="{99A4F19C-454B-4D6F-8788-E5B990F556FB}" dt="2022-10-13T14:26:59.887" v="410" actId="478"/>
+          <ac:picMkLst>
+            <pc:docMk/>
+            <pc:sldMk cId="978899800" sldId="506"/>
+            <ac:picMk id="9" creationId="{49908345-B479-4E19-B7C1-CB9F3B94064F}"/>
+          </ac:picMkLst>
+        </pc:picChg>
+        <pc:picChg chg="add mod">
+          <ac:chgData name="Cooling, Chris" userId="6dcf99c9-2ba5-410a-8445-0893a3d1421f" providerId="ADAL" clId="{99A4F19C-454B-4D6F-8788-E5B990F556FB}" dt="2022-10-13T14:26:58.438" v="409" actId="1076"/>
+          <ac:picMkLst>
+            <pc:docMk/>
+            <pc:sldMk cId="978899800" sldId="506"/>
+            <ac:picMk id="12" creationId="{068D324C-C8E1-4112-8F44-08BD7E188D07}"/>
+          </ac:picMkLst>
+        </pc:picChg>
+        <pc:picChg chg="add mod">
+          <ac:chgData name="Cooling, Chris" userId="6dcf99c9-2ba5-410a-8445-0893a3d1421f" providerId="ADAL" clId="{99A4F19C-454B-4D6F-8788-E5B990F556FB}" dt="2022-10-13T14:27:29.134" v="413" actId="1076"/>
+          <ac:picMkLst>
+            <pc:docMk/>
+            <pc:sldMk cId="978899800" sldId="506"/>
+            <ac:picMk id="14" creationId="{CFCF29F6-1E9E-4F80-BBEE-8F54303C1CDC}"/>
+          </ac:picMkLst>
+        </pc:picChg>
+      </pc:sldChg>
+      <pc:sldChg chg="new del">
+        <pc:chgData name="Cooling, Chris" userId="6dcf99c9-2ba5-410a-8445-0893a3d1421f" providerId="ADAL" clId="{99A4F19C-454B-4D6F-8788-E5B990F556FB}" dt="2022-10-13T14:14:20.490" v="350" actId="2696"/>
+        <pc:sldMkLst>
+          <pc:docMk/>
+          <pc:sldMk cId="1121469172" sldId="506"/>
+        </pc:sldMkLst>
+      </pc:sldChg>
+      <pc:sldChg chg="addSp modSp add mod modNotesTx">
+        <pc:chgData name="Cooling, Chris" userId="6dcf99c9-2ba5-410a-8445-0893a3d1421f" providerId="ADAL" clId="{99A4F19C-454B-4D6F-8788-E5B990F556FB}" dt="2022-10-13T14:44:22.348" v="2067" actId="20577"/>
+        <pc:sldMkLst>
+          <pc:docMk/>
+          <pc:sldMk cId="366462022" sldId="507"/>
+        </pc:sldMkLst>
+        <pc:spChg chg="add mod">
+          <ac:chgData name="Cooling, Chris" userId="6dcf99c9-2ba5-410a-8445-0893a3d1421f" providerId="ADAL" clId="{99A4F19C-454B-4D6F-8788-E5B990F556FB}" dt="2022-10-13T14:41:04.860" v="1778" actId="20577"/>
+          <ac:spMkLst>
+            <pc:docMk/>
+            <pc:sldMk cId="366462022" sldId="507"/>
+            <ac:spMk id="3" creationId="{CEA63588-6052-45AE-88E0-2E6EA83273BF}"/>
+          </ac:spMkLst>
+        </pc:spChg>
+        <pc:spChg chg="mod">
+          <ac:chgData name="Cooling, Chris" userId="6dcf99c9-2ba5-410a-8445-0893a3d1421f" providerId="ADAL" clId="{99A4F19C-454B-4D6F-8788-E5B990F556FB}" dt="2022-10-13T14:31:56.950" v="721" actId="208"/>
+          <ac:spMkLst>
+            <pc:docMk/>
+            <pc:sldMk cId="366462022" sldId="507"/>
+            <ac:spMk id="4" creationId="{00000000-0000-0000-0000-000000000000}"/>
+          </ac:spMkLst>
+        </pc:spChg>
+        <pc:spChg chg="add mod">
+          <ac:chgData name="Cooling, Chris" userId="6dcf99c9-2ba5-410a-8445-0893a3d1421f" providerId="ADAL" clId="{99A4F19C-454B-4D6F-8788-E5B990F556FB}" dt="2022-10-13T14:38:48.557" v="1461" actId="20577"/>
+          <ac:spMkLst>
+            <pc:docMk/>
+            <pc:sldMk cId="366462022" sldId="507"/>
+            <ac:spMk id="5" creationId="{BE37356D-3C7C-48E9-B1CE-D015C90E9619}"/>
+          </ac:spMkLst>
+        </pc:spChg>
+        <pc:spChg chg="add mod">
+          <ac:chgData name="Cooling, Chris" userId="6dcf99c9-2ba5-410a-8445-0893a3d1421f" providerId="ADAL" clId="{99A4F19C-454B-4D6F-8788-E5B990F556FB}" dt="2022-10-13T14:38:51.965" v="1466" actId="20577"/>
+          <ac:spMkLst>
+            <pc:docMk/>
+            <pc:sldMk cId="366462022" sldId="507"/>
+            <ac:spMk id="10" creationId="{16D7942A-7302-4A9A-8779-AEE8D1A20F74}"/>
+          </ac:spMkLst>
+        </pc:spChg>
+        <pc:spChg chg="add mod">
+          <ac:chgData name="Cooling, Chris" userId="6dcf99c9-2ba5-410a-8445-0893a3d1421f" providerId="ADAL" clId="{99A4F19C-454B-4D6F-8788-E5B990F556FB}" dt="2022-10-13T14:38:55.916" v="1471" actId="20577"/>
+          <ac:spMkLst>
+            <pc:docMk/>
+            <pc:sldMk cId="366462022" sldId="507"/>
+            <ac:spMk id="12" creationId="{9A91F1F6-B162-46EB-8C67-8C35CB9B71CA}"/>
+          </ac:spMkLst>
+        </pc:spChg>
+        <pc:spChg chg="add mod">
+          <ac:chgData name="Cooling, Chris" userId="6dcf99c9-2ba5-410a-8445-0893a3d1421f" providerId="ADAL" clId="{99A4F19C-454B-4D6F-8788-E5B990F556FB}" dt="2022-10-13T14:38:59.893" v="1476" actId="20577"/>
+          <ac:spMkLst>
+            <pc:docMk/>
+            <pc:sldMk cId="366462022" sldId="507"/>
+            <ac:spMk id="13" creationId="{A8B6F1BF-8366-42F5-A72C-D4F22CB64E12}"/>
+          </ac:spMkLst>
+        </pc:spChg>
+        <pc:cxnChg chg="add mod">
+          <ac:chgData name="Cooling, Chris" userId="6dcf99c9-2ba5-410a-8445-0893a3d1421f" providerId="ADAL" clId="{99A4F19C-454B-4D6F-8788-E5B990F556FB}" dt="2022-10-13T14:38:48.557" v="1461" actId="20577"/>
+          <ac:cxnSpMkLst>
+            <pc:docMk/>
+            <pc:sldMk cId="366462022" sldId="507"/>
+            <ac:cxnSpMk id="14" creationId="{A0976D07-BC00-4DDF-A068-367A36D21F26}"/>
+          </ac:cxnSpMkLst>
+        </pc:cxnChg>
+        <pc:cxnChg chg="add mod">
+          <ac:chgData name="Cooling, Chris" userId="6dcf99c9-2ba5-410a-8445-0893a3d1421f" providerId="ADAL" clId="{99A4F19C-454B-4D6F-8788-E5B990F556FB}" dt="2022-10-13T14:38:51.965" v="1466" actId="20577"/>
+          <ac:cxnSpMkLst>
+            <pc:docMk/>
+            <pc:sldMk cId="366462022" sldId="507"/>
+            <ac:cxnSpMk id="15" creationId="{82F3A7B0-3565-4283-8917-2DC788A10FCB}"/>
+          </ac:cxnSpMkLst>
+        </pc:cxnChg>
+        <pc:cxnChg chg="add mod">
+          <ac:chgData name="Cooling, Chris" userId="6dcf99c9-2ba5-410a-8445-0893a3d1421f" providerId="ADAL" clId="{99A4F19C-454B-4D6F-8788-E5B990F556FB}" dt="2022-10-13T14:38:55.916" v="1471" actId="20577"/>
+          <ac:cxnSpMkLst>
+            <pc:docMk/>
+            <pc:sldMk cId="366462022" sldId="507"/>
+            <ac:cxnSpMk id="16" creationId="{72746100-F708-4056-A375-94CCBBA497FE}"/>
+          </ac:cxnSpMkLst>
+        </pc:cxnChg>
+        <pc:cxnChg chg="add mod">
+          <ac:chgData name="Cooling, Chris" userId="6dcf99c9-2ba5-410a-8445-0893a3d1421f" providerId="ADAL" clId="{99A4F19C-454B-4D6F-8788-E5B990F556FB}" dt="2022-10-13T14:38:59.893" v="1476" actId="20577"/>
+          <ac:cxnSpMkLst>
+            <pc:docMk/>
+            <pc:sldMk cId="366462022" sldId="507"/>
+            <ac:cxnSpMk id="17" creationId="{C2D6A218-A7D9-4864-89A1-D1A0A4F8324A}"/>
+          </ac:cxnSpMkLst>
+        </pc:cxnChg>
       </pc:sldChg>
     </pc:docChg>
   </pc:docChgLst>
@@ -1094,59 +1317,15 @@
           <a:p>
             <a:r>
               <a:rPr lang="en-GB" dirty="0"/>
-              <a:t>Different command may be used in the middle of normally written text which modifies how the text appears in the final pdf.</a:t>
-            </a:r>
-          </a:p>
-          <a:p>
-            <a:r>
-              <a:rPr lang="en-GB" dirty="0"/>
-              <a:t>The “</a:t>
+              <a:t>By default, LaTeX will only number sections 3 levels deep (e.g. chapter, section, subsection in the report </a:t>
             </a:r>
             <a:r>
               <a:rPr lang="en-GB" dirty="0" err="1"/>
-              <a:t>emph</a:t>
-            </a:r>
-            <a:r>
-              <a:rPr lang="en-GB" dirty="0"/>
-              <a:t>” command italicises text</a:t>
-            </a:r>
-          </a:p>
-          <a:p>
-            <a:r>
-              <a:rPr lang="en-GB" dirty="0"/>
-              <a:t>The “</a:t>
-            </a:r>
-            <a:r>
-              <a:rPr lang="en-GB" dirty="0" err="1"/>
-              <a:t>textbf</a:t>
-            </a:r>
-            <a:r>
-              <a:rPr lang="en-GB" dirty="0"/>
-              <a:t>” command makes a text bold</a:t>
-            </a:r>
-          </a:p>
-          <a:p>
-            <a:r>
-              <a:rPr lang="en-GB" dirty="0"/>
-              <a:t>The “underline” command underlines text</a:t>
-            </a:r>
-          </a:p>
-          <a:p>
-            <a:r>
-              <a:rPr lang="en-GB" dirty="0"/>
-              <a:t>The “huge” command makes text very large</a:t>
-            </a:r>
-          </a:p>
-          <a:p>
-            <a:r>
-              <a:rPr lang="en-GB" dirty="0"/>
-              <a:t>The “large” command makes text large</a:t>
-            </a:r>
-          </a:p>
-          <a:p>
-            <a:r>
-              <a:rPr lang="en-GB" dirty="0"/>
-              <a:t>The “small” command makes text smaller</a:t>
+              <a:t>documentclass</a:t>
+            </a:r>
+            <a:r>
+              <a:rPr lang="en-GB" dirty="0"/>
+              <a:t>). So, using the subsubsection command will result in an unnumbered division of the document.</a:t>
             </a:r>
           </a:p>
           <a:p>
@@ -1155,16 +1334,7 @@
           <a:p>
             <a:r>
               <a:rPr lang="en-GB" dirty="0"/>
-              <a:t>Overleaf example: https://www.overleaf.com/read/bmvnftnttnzk</a:t>
-            </a:r>
-          </a:p>
-          <a:p>
-            <a:endParaRPr lang="en-GB" dirty="0"/>
-          </a:p>
-          <a:p>
-            <a:r>
-              <a:rPr lang="en-GB" dirty="0"/>
-              <a:t>Break for section 3 of Task Sheet</a:t>
+              <a:t>Tables of contents will also omit sections more than 3 levels deep by default. This mean subsubsections also won’t appear in the Table of Contents by default.</a:t>
             </a:r>
           </a:p>
         </p:txBody>
@@ -1195,7 +1365,7 @@
     </p:spTree>
     <p:extLst>
       <p:ext uri="{BB962C8B-B14F-4D97-AF65-F5344CB8AC3E}">
-        <p14:creationId xmlns:p14="http://schemas.microsoft.com/office/powerpoint/2010/main" val="2631880206"/>
+        <p14:creationId xmlns:p14="http://schemas.microsoft.com/office/powerpoint/2010/main" val="349486779"/>
       </p:ext>
     </p:extLst>
   </p:cSld>
@@ -1250,12 +1420,32 @@
           <a:lstStyle/>
           <a:p>
             <a:r>
+              <a:rPr lang="en-GB" dirty="0"/>
+              <a:t>We can modify the dept that LaTeX will number sections to by modifying a value called “</a:t>
+            </a:r>
+            <a:r>
               <a:rPr lang="en-GB" dirty="0" err="1"/>
-              <a:t>Bulletpoint</a:t>
-            </a:r>
-            <a:r>
-              <a:rPr lang="en-GB" dirty="0"/>
-              <a:t> and numbered lists can be created easily in LaTeX using the “itemize” and “enumerate” commands respectively. In each case the environment is begun and ended using the “begin” and “end” commands. New items belonging to the list are then signified using the “item” command which is followed by the text associated with that item.</a:t>
+              <a:t>secnumdepth</a:t>
+            </a:r>
+            <a:r>
+              <a:rPr lang="en-GB" dirty="0"/>
+              <a:t>”. We ca do this by using the /</a:t>
+            </a:r>
+            <a:r>
+              <a:rPr lang="en-GB" dirty="0" err="1"/>
+              <a:t>setcounter</a:t>
+            </a:r>
+            <a:r>
+              <a:rPr lang="en-GB" dirty="0"/>
+              <a:t> command in the preamble. The default value for </a:t>
+            </a:r>
+            <a:r>
+              <a:rPr lang="en-GB" dirty="0" err="1"/>
+              <a:t>secnumdepth</a:t>
+            </a:r>
+            <a:r>
+              <a:rPr lang="en-GB" dirty="0"/>
+              <a:t> is 2 and determines the depth of the lowest-level division which will be numbered. The highest level subdivision of the document is level 0 so, by default, the highest three levels are numbered. Setting this value to 3 means the highest 4 levels are numbered. For our report class, this means subsubsections will now also be numbered.</a:t>
             </a:r>
           </a:p>
           <a:p>
@@ -1264,7 +1454,15 @@
           <a:p>
             <a:r>
               <a:rPr lang="en-GB" dirty="0"/>
-              <a:t>Overleaf example: https://www.overleaf.com/read/rvrgkkhvzpwn</a:t>
+              <a:t>We can also modify the “</a:t>
+            </a:r>
+            <a:r>
+              <a:rPr lang="en-GB" dirty="0" err="1"/>
+              <a:t>tocdepth</a:t>
+            </a:r>
+            <a:r>
+              <a:rPr lang="en-GB" dirty="0"/>
+              <a:t>” value which controls the maximum depth of the contents.</a:t>
             </a:r>
           </a:p>
           <a:p>
@@ -1273,7 +1471,16 @@
           <a:p>
             <a:r>
               <a:rPr lang="en-GB" dirty="0"/>
-              <a:t>Break for section 4 of Task Sheet</a:t>
+              <a:t>Overleaf example: https://www.overleaf.com/read/zbyhyfrjpmzx</a:t>
+            </a:r>
+          </a:p>
+          <a:p>
+            <a:endParaRPr lang="en-GB" dirty="0"/>
+          </a:p>
+          <a:p>
+            <a:r>
+              <a:rPr lang="en-GB" dirty="0"/>
+              <a:t>Break for section 2 of Task Sheet</a:t>
             </a:r>
           </a:p>
         </p:txBody>
@@ -1304,7 +1511,7 @@
     </p:spTree>
     <p:extLst>
       <p:ext uri="{BB962C8B-B14F-4D97-AF65-F5344CB8AC3E}">
-        <p14:creationId xmlns:p14="http://schemas.microsoft.com/office/powerpoint/2010/main" val="528293604"/>
+        <p14:creationId xmlns:p14="http://schemas.microsoft.com/office/powerpoint/2010/main" val="897640485"/>
       </p:ext>
     </p:extLst>
   </p:cSld>
@@ -1360,41 +1567,59 @@
           <a:p>
             <a:r>
               <a:rPr lang="en-GB" dirty="0"/>
-              <a:t>An equation may be included utilising the equation environment which is, again, started and ended by the “begin” and “end” commands. Text in this environment is interpreted in “</a:t>
+              <a:t>Different command may be used in the middle of normally written text which modifies how the text appears in the final pdf.</a:t>
+            </a:r>
+          </a:p>
+          <a:p>
+            <a:r>
+              <a:rPr lang="en-GB" dirty="0"/>
+              <a:t>The “</a:t>
             </a:r>
             <a:r>
               <a:rPr lang="en-GB" dirty="0" err="1"/>
-              <a:t>mathmode</a:t>
-            </a:r>
-            <a:r>
-              <a:rPr lang="en-GB" dirty="0"/>
-              <a:t>” which changes how the text appears, such as italicising it, and allowing the use of mathematical symbols such as the “alpha” symbol we have included with the “alpha” command. Note that LaTeX automatically numbers equations.</a:t>
-            </a:r>
-            <a:br>
-              <a:rPr lang="en-GB" dirty="0"/>
-            </a:br>
-            <a:br>
-              <a:rPr lang="en-GB" dirty="0"/>
-            </a:br>
-            <a:r>
-              <a:rPr lang="en-GB" dirty="0"/>
-              <a:t>If you want to include “</a:t>
+              <a:t>emph</a:t>
+            </a:r>
+            <a:r>
+              <a:rPr lang="en-GB" dirty="0"/>
+              <a:t>” command italicises text</a:t>
+            </a:r>
+          </a:p>
+          <a:p>
+            <a:r>
+              <a:rPr lang="en-GB" dirty="0"/>
+              <a:t>The “</a:t>
             </a:r>
             <a:r>
               <a:rPr lang="en-GB" dirty="0" err="1"/>
-              <a:t>mathmode</a:t>
-            </a:r>
-            <a:r>
-              <a:rPr lang="en-GB" dirty="0"/>
-              <a:t>” commands inline with normal text, the “dollar” symbol can be used to start and end “</a:t>
-            </a:r>
-            <a:r>
-              <a:rPr lang="en-GB" dirty="0" err="1"/>
-              <a:t>mathmode</a:t>
-            </a:r>
-            <a:r>
-              <a:rPr lang="en-GB" dirty="0"/>
-              <a:t>”.</a:t>
+              <a:t>textbf</a:t>
+            </a:r>
+            <a:r>
+              <a:rPr lang="en-GB" dirty="0"/>
+              <a:t>” command makes a text bold</a:t>
+            </a:r>
+          </a:p>
+          <a:p>
+            <a:r>
+              <a:rPr lang="en-GB" dirty="0"/>
+              <a:t>The “underline” command underlines text</a:t>
+            </a:r>
+          </a:p>
+          <a:p>
+            <a:r>
+              <a:rPr lang="en-GB" dirty="0"/>
+              <a:t>The “huge” command makes text very large</a:t>
+            </a:r>
+          </a:p>
+          <a:p>
+            <a:r>
+              <a:rPr lang="en-GB" dirty="0"/>
+              <a:t>The “large” command makes text large</a:t>
+            </a:r>
+          </a:p>
+          <a:p>
+            <a:r>
+              <a:rPr lang="en-GB" dirty="0"/>
+              <a:t>The “small” command makes text smaller</a:t>
             </a:r>
           </a:p>
           <a:p>
@@ -1403,7 +1628,16 @@
           <a:p>
             <a:r>
               <a:rPr lang="en-GB" dirty="0"/>
-              <a:t>Overleaf example: https://www.overleaf.com/8251716838wnbtxwjybszb</a:t>
+              <a:t>Overleaf example: https://www.overleaf.com/read/bmvnftnttnzk</a:t>
+            </a:r>
+          </a:p>
+          <a:p>
+            <a:endParaRPr lang="en-GB" dirty="0"/>
+          </a:p>
+          <a:p>
+            <a:r>
+              <a:rPr lang="en-GB" dirty="0"/>
+              <a:t>Break for section 3 of Task Sheet</a:t>
             </a:r>
           </a:p>
         </p:txBody>
@@ -1434,7 +1668,7 @@
     </p:spTree>
     <p:extLst>
       <p:ext uri="{BB962C8B-B14F-4D97-AF65-F5344CB8AC3E}">
-        <p14:creationId xmlns:p14="http://schemas.microsoft.com/office/powerpoint/2010/main" val="2517861951"/>
+        <p14:creationId xmlns:p14="http://schemas.microsoft.com/office/powerpoint/2010/main" val="2631880206"/>
       </p:ext>
     </p:extLst>
   </p:cSld>
@@ -1489,32 +1723,12 @@
           <a:lstStyle/>
           <a:p>
             <a:r>
-              <a:rPr lang="en-GB" dirty="0"/>
-              <a:t>Here we’ll look at a few examples of </a:t>
-            </a:r>
-            <a:r>
               <a:rPr lang="en-GB" dirty="0" err="1"/>
-              <a:t>mathmode</a:t>
-            </a:r>
-            <a:r>
-              <a:rPr lang="en-GB" dirty="0"/>
-              <a:t> commands. For many of these, a package (often “</a:t>
-            </a:r>
-            <a:r>
-              <a:rPr lang="en-GB" dirty="0" err="1"/>
-              <a:t>amsmath</a:t>
-            </a:r>
-            <a:r>
-              <a:rPr lang="en-GB" dirty="0"/>
-              <a:t>” and “</a:t>
-            </a:r>
-            <a:r>
-              <a:rPr lang="en-GB" dirty="0" err="1"/>
-              <a:t>amssymb</a:t>
-            </a:r>
-            <a:r>
-              <a:rPr lang="en-GB" dirty="0"/>
-              <a:t>” will be required to make sure the right commands are available.</a:t>
+              <a:t>Bulletpoint</a:t>
+            </a:r>
+            <a:r>
+              <a:rPr lang="en-GB" dirty="0"/>
+              <a:t> and numbered lists can be created easily in LaTeX using the “itemize” and “enumerate” commands respectively. In each case the environment is begun and ended using the “begin” and “end” commands. New items belonging to the list are then signified using the “item” command which is followed by the text associated with that item.</a:t>
             </a:r>
           </a:p>
           <a:p>
@@ -1523,7 +1737,7 @@
           <a:p>
             <a:r>
               <a:rPr lang="en-GB" dirty="0"/>
-              <a:t>In the first command, the “frac” commands has two sets of curly brackets. The numerator is specified within the first pair of brackets and the denominator is specified in the second. We also see the square root command and the appearance of upper and lower case Greek characters.</a:t>
+              <a:t>Overleaf example: https://www.overleaf.com/read/rvrgkkhvzpwn</a:t>
             </a:r>
           </a:p>
           <a:p>
@@ -1532,70 +1746,7 @@
           <a:p>
             <a:r>
               <a:rPr lang="en-GB" dirty="0"/>
-              <a:t>In the second, we see the integral command. In </a:t>
-            </a:r>
-            <a:r>
-              <a:rPr lang="en-GB" dirty="0" err="1"/>
-              <a:t>mathmode</a:t>
-            </a:r>
-            <a:r>
-              <a:rPr lang="en-GB" dirty="0"/>
-              <a:t>, the underscore character, followed by a pair of curly brackets, typically defines text to appear in subscript and the “hat” character typically defines text to appear in super-script.</a:t>
-            </a:r>
-          </a:p>
-          <a:p>
-            <a:endParaRPr lang="en-GB" dirty="0"/>
-          </a:p>
-          <a:p>
-            <a:r>
-              <a:rPr lang="en-GB" dirty="0"/>
-              <a:t>In the third, we see the commands for limit and log, as well as an arrow to signify “tending toward” and infinity.</a:t>
-            </a:r>
-          </a:p>
-          <a:p>
-            <a:endParaRPr lang="en-GB" dirty="0"/>
-          </a:p>
-          <a:p>
-            <a:r>
-              <a:rPr lang="en-GB" dirty="0"/>
-              <a:t>In the fourth we see the summation command. Here, we have also used the “limits” command to cause the limits of the summation to appear above and below the summation symbol rather than to the right of it, as with the integration symbol. The use of the “limits” command is not compulsory, but it does look neater.</a:t>
-            </a:r>
-            <a:br>
-              <a:rPr lang="en-GB" dirty="0"/>
-            </a:br>
-            <a:br>
-              <a:rPr lang="en-GB" dirty="0"/>
-            </a:br>
-            <a:r>
-              <a:rPr lang="en-GB" dirty="0"/>
-              <a:t>There are a large number of </a:t>
-            </a:r>
-            <a:r>
-              <a:rPr lang="en-GB" dirty="0" err="1"/>
-              <a:t>mathmode</a:t>
-            </a:r>
-            <a:r>
-              <a:rPr lang="en-GB" dirty="0"/>
-              <a:t> commands and this is a quick sample of them. Google is your friend in finding specific commands. </a:t>
-            </a:r>
-            <a:br>
-              <a:rPr lang="en-GB" dirty="0"/>
-            </a:br>
-            <a:endParaRPr lang="en-GB" dirty="0"/>
-          </a:p>
-          <a:p>
-            <a:r>
-              <a:rPr lang="en-GB" dirty="0"/>
-              <a:t>Overleaf example: https://www.overleaf.com/read/rwkzhszhmfcd</a:t>
-            </a:r>
-          </a:p>
-          <a:p>
-            <a:br>
-              <a:rPr lang="en-GB" dirty="0"/>
-            </a:br>
-            <a:r>
-              <a:rPr lang="en-GB" dirty="0"/>
-              <a:t>Break for section 5 of Task Sheet</a:t>
+              <a:t>Break for section 4 of Task Sheet</a:t>
             </a:r>
           </a:p>
         </p:txBody>
@@ -1626,7 +1777,7 @@
     </p:spTree>
     <p:extLst>
       <p:ext uri="{BB962C8B-B14F-4D97-AF65-F5344CB8AC3E}">
-        <p14:creationId xmlns:p14="http://schemas.microsoft.com/office/powerpoint/2010/main" val="2909380669"/>
+        <p14:creationId xmlns:p14="http://schemas.microsoft.com/office/powerpoint/2010/main" val="528293604"/>
       </p:ext>
     </p:extLst>
   </p:cSld>
@@ -1682,15 +1833,41 @@
           <a:p>
             <a:r>
               <a:rPr lang="en-GB" dirty="0"/>
-              <a:t>Some characters require special commands in LaTeX. This may be because they are characters </a:t>
+              <a:t>An equation may be included utilising the equation environment which is, again, started and ended by the “begin” and “end” commands. Text in this environment is interpreted in “</a:t>
             </a:r>
             <a:r>
               <a:rPr lang="en-GB" dirty="0" err="1"/>
-              <a:t>LaTex</a:t>
-            </a:r>
-            <a:r>
-              <a:rPr lang="en-GB" dirty="0"/>
-              <a:t> uses for other purposes, they’re too uncommon to appear on a keyboard, they’re an accented letter or they’re a weird and wonderful mathematical construct that encompasses multiple characters. Again, the list here is completely non-exhaustive and almost anything you can think of is possible. If you don’t know how to achieve a character you can normally find it using Google pretty quickly.</a:t>
+              <a:t>mathmode</a:t>
+            </a:r>
+            <a:r>
+              <a:rPr lang="en-GB" dirty="0"/>
+              <a:t>” which changes how the text appears, such as italicising it, and allowing the use of mathematical symbols such as the “alpha” symbol we have included with the “alpha” command. Note that LaTeX automatically numbers equations.</a:t>
+            </a:r>
+            <a:br>
+              <a:rPr lang="en-GB" dirty="0"/>
+            </a:br>
+            <a:br>
+              <a:rPr lang="en-GB" dirty="0"/>
+            </a:br>
+            <a:r>
+              <a:rPr lang="en-GB" dirty="0"/>
+              <a:t>If you want to include “</a:t>
+            </a:r>
+            <a:r>
+              <a:rPr lang="en-GB" dirty="0" err="1"/>
+              <a:t>mathmode</a:t>
+            </a:r>
+            <a:r>
+              <a:rPr lang="en-GB" dirty="0"/>
+              <a:t>” commands inline with normal text, the “dollar” symbol can be used to start and end “</a:t>
+            </a:r>
+            <a:r>
+              <a:rPr lang="en-GB" dirty="0" err="1"/>
+              <a:t>mathmode</a:t>
+            </a:r>
+            <a:r>
+              <a:rPr lang="en-GB" dirty="0"/>
+              <a:t>”.</a:t>
             </a:r>
           </a:p>
           <a:p>
@@ -1699,7 +1876,7 @@
           <a:p>
             <a:r>
               <a:rPr lang="en-GB" dirty="0"/>
-              <a:t>Overleaf example: https://www.overleaf.com/read/jsksjfbyghkk</a:t>
+              <a:t>Overleaf example: https://www.overleaf.com/8251716838wnbtxwjybszb</a:t>
             </a:r>
           </a:p>
         </p:txBody>
@@ -1730,7 +1907,7 @@
     </p:spTree>
     <p:extLst>
       <p:ext uri="{BB962C8B-B14F-4D97-AF65-F5344CB8AC3E}">
-        <p14:creationId xmlns:p14="http://schemas.microsoft.com/office/powerpoint/2010/main" val="2909380669"/>
+        <p14:creationId xmlns:p14="http://schemas.microsoft.com/office/powerpoint/2010/main" val="2517861951"/>
       </p:ext>
     </p:extLst>
   </p:cSld>
@@ -1786,7 +1963,75 @@
           <a:p>
             <a:r>
               <a:rPr lang="en-GB" dirty="0"/>
-              <a:t>There are a number of ways to include a figure in LaTeX and a wide range of options that you might use. This is one example of something you might consider.</a:t>
+              <a:t>Here we’ll look at a few examples of </a:t>
+            </a:r>
+            <a:r>
+              <a:rPr lang="en-GB" dirty="0" err="1"/>
+              <a:t>mathmode</a:t>
+            </a:r>
+            <a:r>
+              <a:rPr lang="en-GB" dirty="0"/>
+              <a:t> commands. For many of these, a package (often “</a:t>
+            </a:r>
+            <a:r>
+              <a:rPr lang="en-GB" dirty="0" err="1"/>
+              <a:t>amsmath</a:t>
+            </a:r>
+            <a:r>
+              <a:rPr lang="en-GB" dirty="0"/>
+              <a:t>” and “</a:t>
+            </a:r>
+            <a:r>
+              <a:rPr lang="en-GB" dirty="0" err="1"/>
+              <a:t>amssymb</a:t>
+            </a:r>
+            <a:r>
+              <a:rPr lang="en-GB" dirty="0"/>
+              <a:t>” will be required to make sure the right commands are available.</a:t>
+            </a:r>
+          </a:p>
+          <a:p>
+            <a:endParaRPr lang="en-GB" dirty="0"/>
+          </a:p>
+          <a:p>
+            <a:r>
+              <a:rPr lang="en-GB" dirty="0"/>
+              <a:t>In the first command, the “frac” commands has two sets of curly brackets. The numerator is specified within the first pair of brackets and the denominator is specified in the second. We also see the square root command and the appearance of upper and lower case Greek characters.</a:t>
+            </a:r>
+          </a:p>
+          <a:p>
+            <a:endParaRPr lang="en-GB" dirty="0"/>
+          </a:p>
+          <a:p>
+            <a:r>
+              <a:rPr lang="en-GB" dirty="0"/>
+              <a:t>In the second, we see the integral command. In </a:t>
+            </a:r>
+            <a:r>
+              <a:rPr lang="en-GB" dirty="0" err="1"/>
+              <a:t>mathmode</a:t>
+            </a:r>
+            <a:r>
+              <a:rPr lang="en-GB" dirty="0"/>
+              <a:t>, the underscore character, followed by a pair of curly brackets, typically defines text to appear in subscript and the “hat” character typically defines text to appear in super-script.</a:t>
+            </a:r>
+          </a:p>
+          <a:p>
+            <a:endParaRPr lang="en-GB" dirty="0"/>
+          </a:p>
+          <a:p>
+            <a:r>
+              <a:rPr lang="en-GB" dirty="0"/>
+              <a:t>In the third, we see the commands for limit and log, as well as an arrow to signify “tending toward” and infinity.</a:t>
+            </a:r>
+          </a:p>
+          <a:p>
+            <a:endParaRPr lang="en-GB" dirty="0"/>
+          </a:p>
+          <a:p>
+            <a:r>
+              <a:rPr lang="en-GB" dirty="0"/>
+              <a:t>In the fourth we see the summation command. Here, we have also used the “limits” command to cause the limits of the summation to appear above and below the summation symbol rather than to the right of it, as with the integration symbol. The use of the “limits” command is not compulsory, but it does look neater.</a:t>
             </a:r>
             <a:br>
               <a:rPr lang="en-GB" dirty="0"/>
@@ -1796,76 +2041,15 @@
             </a:br>
             <a:r>
               <a:rPr lang="en-GB" dirty="0"/>
-              <a:t>The “\begin{figure}” command tells LaTeX you’re about to define a figure. The “t” in square brackets is an optional argument which tells LaTeX where you would like to put the figure. In this case, you’re asking for the figure to be put on the top of the next page if possible. Conflicts can occur, such as when multiple figures are requested to be included at the same location. LaTeX will do its best to position figures conforming to the locations you’ve specified and also to try and reduce the amount of white space in the document.</a:t>
-            </a:r>
-          </a:p>
-          <a:p>
-            <a:endParaRPr lang="en-GB" dirty="0"/>
-          </a:p>
-          <a:p>
-            <a:r>
-              <a:rPr lang="en-GB" dirty="0"/>
-              <a:t>The “</a:t>
+              <a:t>There are a large number of </a:t>
             </a:r>
             <a:r>
               <a:rPr lang="en-GB" dirty="0" err="1"/>
-              <a:t>centering</a:t>
-            </a:r>
-            <a:r>
-              <a:rPr lang="en-GB" dirty="0"/>
-              <a:t>” command lets LaTeX know that you would like the picture to be located centrally horizontally.</a:t>
-            </a:r>
-            <a:br>
-              <a:rPr lang="en-GB" dirty="0"/>
-            </a:br>
-            <a:br>
-              <a:rPr lang="en-GB" dirty="0"/>
-            </a:br>
-            <a:r>
-              <a:rPr lang="en-GB" dirty="0"/>
-              <a:t>The “</a:t>
-            </a:r>
-            <a:r>
-              <a:rPr lang="en-GB" dirty="0" err="1"/>
-              <a:t>includegradphics</a:t>
-            </a:r>
-            <a:r>
-              <a:rPr lang="en-GB" dirty="0"/>
-              <a:t>” command lets LaTeX know you would like to include a picture file with the name in the curly brackets, “</a:t>
-            </a:r>
-            <a:r>
-              <a:rPr lang="en-GB" dirty="0" err="1"/>
-              <a:t>Cat_Box</a:t>
-            </a:r>
-            <a:r>
-              <a:rPr lang="en-GB" dirty="0"/>
-              <a:t>” in this case. Note the file extension is excluded – LaTeX will search for standard image files, e.g. Cat_Box.jpg, Cat_Box.png, etc. By default, this file should be in the same directory as your .</a:t>
-            </a:r>
-            <a:r>
-              <a:rPr lang="en-GB" dirty="0" err="1"/>
-              <a:t>tex</a:t>
-            </a:r>
-            <a:r>
-              <a:rPr lang="en-GB" dirty="0"/>
-              <a:t> file. The “width” statement sets the width of the picture.</a:t>
-            </a:r>
-          </a:p>
-          <a:p>
-            <a:endParaRPr lang="en-GB" dirty="0"/>
-          </a:p>
-          <a:p>
-            <a:r>
-              <a:rPr lang="en-GB" dirty="0"/>
-              <a:t>The caption command allows you to include a caption for the picture which, by default, appears under the picture.</a:t>
-            </a:r>
-          </a:p>
-          <a:p>
-            <a:endParaRPr lang="en-GB" dirty="0"/>
-          </a:p>
-          <a:p>
-            <a:r>
-              <a:rPr lang="en-GB" dirty="0"/>
-              <a:t>Finally, the “\end{figure}” command ends the specification of the figure.</a:t>
+              <a:t>mathmode</a:t>
+            </a:r>
+            <a:r>
+              <a:rPr lang="en-GB" dirty="0"/>
+              <a:t> commands and this is a quick sample of them. Google is your friend in finding specific commands. </a:t>
             </a:r>
             <a:br>
               <a:rPr lang="en-GB" dirty="0"/>
@@ -1875,7 +2059,7 @@
           <a:p>
             <a:r>
               <a:rPr lang="en-GB" dirty="0"/>
-              <a:t>Overleaf example: https://www.overleaf.com/read/ymfkjjdthvwq</a:t>
+              <a:t>Overleaf example: https://www.overleaf.com/read/rwkzhszhmfcd</a:t>
             </a:r>
           </a:p>
           <a:p>
@@ -1884,7 +2068,7 @@
             </a:br>
             <a:r>
               <a:rPr lang="en-GB" dirty="0"/>
-              <a:t>Break for section 6 of Task Sheet</a:t>
+              <a:t>Break for section 5 of Task Sheet</a:t>
             </a:r>
           </a:p>
         </p:txBody>
@@ -1915,7 +2099,7 @@
     </p:spTree>
     <p:extLst>
       <p:ext uri="{BB962C8B-B14F-4D97-AF65-F5344CB8AC3E}">
-        <p14:creationId xmlns:p14="http://schemas.microsoft.com/office/powerpoint/2010/main" val="1845881050"/>
+        <p14:creationId xmlns:p14="http://schemas.microsoft.com/office/powerpoint/2010/main" val="2909380669"/>
       </p:ext>
     </p:extLst>
   </p:cSld>
@@ -1971,88 +2155,24 @@
           <a:p>
             <a:r>
               <a:rPr lang="en-GB" dirty="0"/>
-              <a:t>Tables can be included in LaTeX documents in a similar way to figures. The first command “\begin{table}” tells LaTeX to expect a table. In this case, we’ve chosen to include a “h” in square brackets to tell LaTeX to put the table as close as possible to the location it’s been specified in the text. Again, the “</a:t>
+              <a:t>Some characters require special commands in LaTeX. This may be because they are characters </a:t>
             </a:r>
             <a:r>
               <a:rPr lang="en-GB" dirty="0" err="1"/>
-              <a:t>centering</a:t>
-            </a:r>
-            <a:r>
-              <a:rPr lang="en-GB" dirty="0"/>
-              <a:t>” causes the table to be </a:t>
-            </a:r>
-            <a:r>
-              <a:rPr lang="en-GB" dirty="0" err="1"/>
-              <a:t>centered</a:t>
-            </a:r>
-            <a:r>
-              <a:rPr lang="en-GB" dirty="0"/>
-              <a:t> horizontally on the page.</a:t>
-            </a:r>
-            <a:br>
-              <a:rPr lang="en-GB" dirty="0"/>
-            </a:br>
-            <a:br>
-              <a:rPr lang="en-GB" dirty="0"/>
-            </a:br>
-            <a:r>
-              <a:rPr lang="en-GB" dirty="0"/>
-              <a:t>Within the “tabular” environment we specify the contents of the table. In the curly brackets immediately after we begin this environment we specify the columns, their alignment and any lines between the columns. Here we have specified that we want text in the left column to be left aligned within the column, text in the middle column to be centre-aligned and text in the rightmost column to be right-aligned within that column. The vertical line between the specification of the first and second column specifies that a vertical line is to be included in the table. If we don’t want a vertical line, as between columns 2 and 3, we don’t include a line.</a:t>
-            </a:r>
-            <a:br>
-              <a:rPr lang="en-GB" dirty="0"/>
-            </a:br>
-            <a:br>
-              <a:rPr lang="en-GB" dirty="0"/>
-            </a:br>
-            <a:r>
-              <a:rPr lang="en-GB" dirty="0"/>
-              <a:t>Next, we begin to specify the contents of the table itself. We do this row by row, with rows separated by a double backslash. It’s not required to put each line of the table on a new line of your .</a:t>
-            </a:r>
-            <a:r>
-              <a:rPr lang="en-GB" dirty="0" err="1"/>
-              <a:t>tex</a:t>
-            </a:r>
-            <a:r>
-              <a:rPr lang="en-GB" dirty="0"/>
-              <a:t> file, but it’s a good idea as it makes your file easier to read. Ampersands separate the specification of material within each column of the current row. In this case, for row 1, we include an ampersand before any text, causing the first column of row 1 to be empty. In rows 2 and 3 we specify something before the ampersand, so column 1 has entries in these rows.</a:t>
-            </a:r>
-            <a:br>
-              <a:rPr lang="en-GB" dirty="0"/>
-            </a:br>
-            <a:br>
-              <a:rPr lang="en-GB" dirty="0"/>
-            </a:br>
-            <a:r>
-              <a:rPr lang="en-GB" dirty="0"/>
-              <a:t>Between the specification of lines 1 and 2 we use the “</a:t>
-            </a:r>
-            <a:r>
-              <a:rPr lang="en-GB" dirty="0" err="1"/>
-              <a:t>hline</a:t>
-            </a:r>
-            <a:r>
-              <a:rPr lang="en-GB" dirty="0"/>
-              <a:t>” command to specify the inclusion of a horizontal line between these rows. Finally, we end the tabular and table environment with the corresponding “end” commands.</a:t>
-            </a:r>
-            <a:br>
-              <a:rPr lang="en-GB" dirty="0"/>
-            </a:br>
+              <a:t>LaTex</a:t>
+            </a:r>
+            <a:r>
+              <a:rPr lang="en-GB" dirty="0"/>
+              <a:t> uses for other purposes, they’re too uncommon to appear on a keyboard, they’re an accented letter or they’re a weird and wonderful mathematical construct that encompasses multiple characters. Again, the list here is completely non-exhaustive and almost anything you can think of is possible. If you don’t know how to achieve a character you can normally find it using Google pretty quickly.</a:t>
+            </a:r>
+          </a:p>
+          <a:p>
             <a:endParaRPr lang="en-GB" dirty="0"/>
           </a:p>
           <a:p>
             <a:r>
               <a:rPr lang="en-GB" dirty="0"/>
-              <a:t>Overleaf example: https://www.overleaf.com/read/dbmrcfcdhgsg</a:t>
-            </a:r>
-          </a:p>
-          <a:p>
-            <a:br>
-              <a:rPr lang="en-GB" dirty="0"/>
-            </a:br>
-            <a:r>
-              <a:rPr lang="en-GB" dirty="0"/>
-              <a:t>Break for section 7 of Task Sheet</a:t>
+              <a:t>Overleaf example: https://www.overleaf.com/read/jsksjfbyghkk</a:t>
             </a:r>
           </a:p>
         </p:txBody>
@@ -2083,7 +2203,7 @@
     </p:spTree>
     <p:extLst>
       <p:ext uri="{BB962C8B-B14F-4D97-AF65-F5344CB8AC3E}">
-        <p14:creationId xmlns:p14="http://schemas.microsoft.com/office/powerpoint/2010/main" val="286372603"/>
+        <p14:creationId xmlns:p14="http://schemas.microsoft.com/office/powerpoint/2010/main" val="2909380669"/>
       </p:ext>
     </p:extLst>
   </p:cSld>
@@ -2139,40 +2259,7 @@
           <a:p>
             <a:r>
               <a:rPr lang="en-GB" dirty="0"/>
-              <a:t>LaTeX makes the management of referencing different sections and constructs within the document very easy. The first step is to label the thing you want to reference using the “label” command and specifying the keyword you want to use to reference that entity. If this command is within an equation, figure, table and so on, that is what is being given that label. If it’s not in any of these constructs, the label will be applied to the current section or chapter. The name you label something with can be anything and will not appear anywhere in your final document, but it must be a unique label.</a:t>
-            </a:r>
-          </a:p>
-          <a:p>
-            <a:endParaRPr lang="en-GB" dirty="0"/>
-          </a:p>
-          <a:p>
-            <a:r>
-              <a:rPr lang="en-GB" dirty="0"/>
-              <a:t>The next step is to reference the entity you labelled. This is typically done using the “ref” command, which is followed by the label of the entity you wish to reference in curly brackets. In the text, this is replaced by the number of the entity referenced. For instance, if you reference the second section, the label command will be replaced by the number “2”. Using “</a:t>
-            </a:r>
-            <a:r>
-              <a:rPr lang="en-GB" dirty="0" err="1"/>
-              <a:t>eqref</a:t>
-            </a:r>
-            <a:r>
-              <a:rPr lang="en-GB" dirty="0"/>
-              <a:t>” to reference equations isn’t mandatory – you may use the “ref” command for equations and the reference number would appear without parentheses. To use the “</a:t>
-            </a:r>
-            <a:r>
-              <a:rPr lang="en-GB" dirty="0" err="1"/>
-              <a:t>eqref</a:t>
-            </a:r>
-            <a:r>
-              <a:rPr lang="en-GB" dirty="0"/>
-              <a:t>” command, you must have used the “</a:t>
-            </a:r>
-            <a:r>
-              <a:rPr lang="en-GB" dirty="0" err="1"/>
-              <a:t>amsmath</a:t>
-            </a:r>
-            <a:r>
-              <a:rPr lang="en-GB" dirty="0"/>
-              <a:t>” package in the preamble.</a:t>
+              <a:t>There are a number of ways to include a figure in LaTeX and a wide range of options that you might use. This is one example of something you might consider.</a:t>
             </a:r>
             <a:br>
               <a:rPr lang="en-GB" dirty="0"/>
@@ -2182,7 +2269,50 @@
             </a:br>
             <a:r>
               <a:rPr lang="en-GB" dirty="0"/>
-              <a:t>Note that you can reference labelled entities that occur before or after the reference in the .</a:t>
+              <a:t>The “\begin{figure}” command tells LaTeX you’re about to define a figure. The “t” in square brackets is an optional argument which tells LaTeX where you would like to put the figure. In this case, you’re asking for the figure to be put on the top of the next page if possible. Conflicts can occur, such as when multiple figures are requested to be included at the same location. LaTeX will do its best to position figures conforming to the locations you’ve specified and also to try and reduce the amount of white space in the document.</a:t>
+            </a:r>
+          </a:p>
+          <a:p>
+            <a:endParaRPr lang="en-GB" dirty="0"/>
+          </a:p>
+          <a:p>
+            <a:r>
+              <a:rPr lang="en-GB" dirty="0"/>
+              <a:t>The “</a:t>
+            </a:r>
+            <a:r>
+              <a:rPr lang="en-GB" dirty="0" err="1"/>
+              <a:t>centering</a:t>
+            </a:r>
+            <a:r>
+              <a:rPr lang="en-GB" dirty="0"/>
+              <a:t>” command lets LaTeX know that you would like the picture to be located centrally horizontally.</a:t>
+            </a:r>
+            <a:br>
+              <a:rPr lang="en-GB" dirty="0"/>
+            </a:br>
+            <a:br>
+              <a:rPr lang="en-GB" dirty="0"/>
+            </a:br>
+            <a:r>
+              <a:rPr lang="en-GB" dirty="0"/>
+              <a:t>The “</a:t>
+            </a:r>
+            <a:r>
+              <a:rPr lang="en-GB" dirty="0" err="1"/>
+              <a:t>includegradphics</a:t>
+            </a:r>
+            <a:r>
+              <a:rPr lang="en-GB" dirty="0"/>
+              <a:t>” command lets LaTeX know you would like to include a picture file with the name in the curly brackets, “</a:t>
+            </a:r>
+            <a:r>
+              <a:rPr lang="en-GB" dirty="0" err="1"/>
+              <a:t>Cat_Box</a:t>
+            </a:r>
+            <a:r>
+              <a:rPr lang="en-GB" dirty="0"/>
+              <a:t>” in this case. Note the file extension is excluded – LaTeX will search for standard image files, e.g. Cat_Box.jpg, Cat_Box.png, etc. By default, this file should be in the same directory as your .</a:t>
             </a:r>
             <a:r>
               <a:rPr lang="en-GB" dirty="0" err="1"/>
@@ -2190,15 +2320,7 @@
             </a:r>
             <a:r>
               <a:rPr lang="en-GB" dirty="0"/>
-              <a:t> file. If you update your </a:t>
-            </a:r>
-            <a:r>
-              <a:rPr lang="en-GB" dirty="0" err="1"/>
-              <a:t>tex</a:t>
-            </a:r>
-            <a:r>
-              <a:rPr lang="en-GB" dirty="0"/>
-              <a:t> file to include more equations, causing the number of the referenced equation to change, the number which appears in the reference will also change in your pdf when you recompile it. This means you can undertake wide-ranging restructuring of your document and references will still automatically point to the right place.</a:t>
+              <a:t> file. The “width” statement sets the width of the picture.</a:t>
             </a:r>
           </a:p>
           <a:p>
@@ -2207,7 +2329,35 @@
           <a:p>
             <a:r>
               <a:rPr lang="en-GB" dirty="0"/>
-              <a:t>Overleaf example: https://www.overleaf.com/read/xcdwqnttrqzp</a:t>
+              <a:t>The caption command allows you to include a caption for the picture which, by default, appears under the picture.</a:t>
+            </a:r>
+          </a:p>
+          <a:p>
+            <a:endParaRPr lang="en-GB" dirty="0"/>
+          </a:p>
+          <a:p>
+            <a:r>
+              <a:rPr lang="en-GB" dirty="0"/>
+              <a:t>Finally, the “\end{figure}” command ends the specification of the figure.</a:t>
+            </a:r>
+            <a:br>
+              <a:rPr lang="en-GB" dirty="0"/>
+            </a:br>
+            <a:endParaRPr lang="en-GB" dirty="0"/>
+          </a:p>
+          <a:p>
+            <a:r>
+              <a:rPr lang="en-GB" dirty="0"/>
+              <a:t>Overleaf example: https://www.overleaf.com/read/ymfkjjdthvwq</a:t>
+            </a:r>
+          </a:p>
+          <a:p>
+            <a:br>
+              <a:rPr lang="en-GB" dirty="0"/>
+            </a:br>
+            <a:r>
+              <a:rPr lang="en-GB" dirty="0"/>
+              <a:t>Break for section 6 of Task Sheet</a:t>
             </a:r>
           </a:p>
         </p:txBody>
@@ -2238,7 +2388,7 @@
     </p:spTree>
     <p:extLst>
       <p:ext uri="{BB962C8B-B14F-4D97-AF65-F5344CB8AC3E}">
-        <p14:creationId xmlns:p14="http://schemas.microsoft.com/office/powerpoint/2010/main" val="1655301024"/>
+        <p14:creationId xmlns:p14="http://schemas.microsoft.com/office/powerpoint/2010/main" val="1845881050"/>
       </p:ext>
     </p:extLst>
   </p:cSld>
@@ -2294,7 +2444,23 @@
           <a:p>
             <a:r>
               <a:rPr lang="en-GB" dirty="0"/>
-              <a:t>Publications often have dozens of citations and your thesis is likely to have dozens or hundreds of references and so a good way to manage with your references is desirable. There are many ways to manage your references and many ways to personalise your citations. We’re going to run through one way to achieve a streamlined approach to referencing.</a:t>
+              <a:t>Tables can be included in LaTeX documents in a similar way to figures. The first command “\begin{table}” tells LaTeX to expect a table. In this case, we’ve chosen to include a “h” in square brackets to tell LaTeX to put the table as close as possible to the location it’s been specified in the text. Again, the “</a:t>
+            </a:r>
+            <a:r>
+              <a:rPr lang="en-GB" dirty="0" err="1"/>
+              <a:t>centering</a:t>
+            </a:r>
+            <a:r>
+              <a:rPr lang="en-GB" dirty="0"/>
+              <a:t>” causes the table to be </a:t>
+            </a:r>
+            <a:r>
+              <a:rPr lang="en-GB" dirty="0" err="1"/>
+              <a:t>centered</a:t>
+            </a:r>
+            <a:r>
+              <a:rPr lang="en-GB" dirty="0"/>
+              <a:t> horizontally on the page.</a:t>
             </a:r>
             <a:br>
               <a:rPr lang="en-GB" dirty="0"/>
@@ -2304,15 +2470,62 @@
             </a:br>
             <a:r>
               <a:rPr lang="en-GB" dirty="0"/>
-              <a:t>Many reference managers such as EndNote, Mendeley and </a:t>
+              <a:t>Within the “tabular” environment we specify the contents of the table. In the curly brackets immediately after we begin this environment we specify the columns, their alignment and any lines between the columns. Here we have specified that we want text in the left column to be left aligned within the column, text in the middle column to be centre-aligned and text in the rightmost column to be right-aligned within that column. The vertical line between the specification of the first and second column specifies that a vertical line is to be included in the table. If we don’t want a vertical line, as between columns 2 and 3, we don’t include a line.</a:t>
+            </a:r>
+            <a:br>
+              <a:rPr lang="en-GB" dirty="0"/>
+            </a:br>
+            <a:br>
+              <a:rPr lang="en-GB" dirty="0"/>
+            </a:br>
+            <a:r>
+              <a:rPr lang="en-GB" dirty="0"/>
+              <a:t>Next, we begin to specify the contents of the table itself. We do this row by row, with rows separated by a double backslash. It’s not required to put each line of the table on a new line of your .</a:t>
             </a:r>
             <a:r>
               <a:rPr lang="en-GB" dirty="0" err="1"/>
-              <a:t>JabRef</a:t>
-            </a:r>
-            <a:r>
-              <a:rPr lang="en-GB" dirty="0"/>
-              <a:t> allow for your database of references to be exported as a “.bib” file. This is essentially a database of your references that LaTeX can interact with directly. This means you only need to enter your reference details once in your reference manager and it will feed through to your LaTeX documents including your thesis. If you combine this with the automatic population of fields in your reference manager you will never need to manually write the author of a reference again. This saves a lot of time and effort you can better spend elsewhere.</a:t>
+              <a:t>tex</a:t>
+            </a:r>
+            <a:r>
+              <a:rPr lang="en-GB" dirty="0"/>
+              <a:t> file, but it’s a good idea as it makes your file easier to read. Ampersands separate the specification of material within each column of the current row. In this case, for row 1, we include an ampersand before any text, causing the first column of row 1 to be empty. In rows 2 and 3 we specify something before the ampersand, so column 1 has entries in these rows.</a:t>
+            </a:r>
+            <a:br>
+              <a:rPr lang="en-GB" dirty="0"/>
+            </a:br>
+            <a:br>
+              <a:rPr lang="en-GB" dirty="0"/>
+            </a:br>
+            <a:r>
+              <a:rPr lang="en-GB" dirty="0"/>
+              <a:t>Between the specification of lines 1 and 2 we use the “</a:t>
+            </a:r>
+            <a:r>
+              <a:rPr lang="en-GB" dirty="0" err="1"/>
+              <a:t>hline</a:t>
+            </a:r>
+            <a:r>
+              <a:rPr lang="en-GB" dirty="0"/>
+              <a:t>” command to specify the inclusion of a horizontal line between these rows. Finally, we end the tabular and table environment with the corresponding “end” commands.</a:t>
+            </a:r>
+            <a:br>
+              <a:rPr lang="en-GB" dirty="0"/>
+            </a:br>
+            <a:endParaRPr lang="en-GB" dirty="0"/>
+          </a:p>
+          <a:p>
+            <a:r>
+              <a:rPr lang="en-GB" dirty="0"/>
+              <a:t>Overleaf example: https://www.overleaf.com/read/dbmrcfcdhgsg</a:t>
+            </a:r>
+          </a:p>
+          <a:p>
+            <a:br>
+              <a:rPr lang="en-GB" dirty="0"/>
+            </a:br>
+            <a:r>
+              <a:rPr lang="en-GB" dirty="0"/>
+              <a:t>Break for section 7 of Task Sheet</a:t>
             </a:r>
           </a:p>
         </p:txBody>
@@ -2343,7 +2556,7 @@
     </p:spTree>
     <p:extLst>
       <p:ext uri="{BB962C8B-B14F-4D97-AF65-F5344CB8AC3E}">
-        <p14:creationId xmlns:p14="http://schemas.microsoft.com/office/powerpoint/2010/main" val="1094947271"/>
+        <p14:creationId xmlns:p14="http://schemas.microsoft.com/office/powerpoint/2010/main" val="286372603"/>
       </p:ext>
     </p:extLst>
   </p:cSld>
@@ -2399,31 +2612,40 @@
           <a:p>
             <a:r>
               <a:rPr lang="en-GB" dirty="0"/>
-              <a:t>A “.bib” file consists of one entry for each reference. An new entry is begun with a “@” symbol and the name of the type of entry it is. Here, we have one article and one book. There are many other types such as “report”, “conference” and even “</a:t>
+              <a:t>LaTeX makes the management of referencing different sections and constructs within the document very easy. The first step is to label the thing you want to reference using the “label” command and specifying the keyword you want to use to reference that entity. If this command is within an equation, figure, table and so on, that is what is being given that label. If it’s not in any of these constructs, the label will be applied to the current section or chapter. The name you label something with can be anything and will not appear anywhere in your final document, but it must be a unique label.</a:t>
+            </a:r>
+          </a:p>
+          <a:p>
+            <a:endParaRPr lang="en-GB" dirty="0"/>
+          </a:p>
+          <a:p>
+            <a:r>
+              <a:rPr lang="en-GB" dirty="0"/>
+              <a:t>The next step is to reference the entity you labelled. This is typically done using the “ref” command, which is followed by the label of the entity you wish to reference in curly brackets. In the text, this is replaced by the number of the entity referenced. For instance, if you reference the second section, the label command will be replaced by the number “2”. Using “</a:t>
             </a:r>
             <a:r>
               <a:rPr lang="en-GB" dirty="0" err="1"/>
-              <a:t>phdthesis</a:t>
-            </a:r>
-            <a:r>
-              <a:rPr lang="en-GB" dirty="0"/>
-              <a:t>”. See here for some more examples: </a:t>
-            </a:r>
-            <a:r>
-              <a:rPr lang="en-GB" dirty="0">
-                <a:hlinkClick r:id="rId3"/>
-              </a:rPr>
-              <a:t>https://www.verbosus.com/bibtex-style-examples.html</a:t>
-            </a:r>
-            <a:endParaRPr lang="en-GB" dirty="0"/>
-          </a:p>
-          <a:p>
-            <a:endParaRPr lang="en-GB" dirty="0"/>
-          </a:p>
-          <a:p>
-            <a:r>
-              <a:rPr lang="en-GB" dirty="0"/>
-              <a:t> Within curly brackets, the first entry is a label for your reference. Following that, we then have a series of fields which define the contents of the reference. These come in the format “field name = field value” and are separated by commas. Different entries are valid for different entry types. For instance, both our entries here have “author”, “title” and “year” fields but the article has the fields “journal”, “volume”, “number” and “pages” fields whilst the book has a “publisher” field.</a:t>
+              <a:t>eqref</a:t>
+            </a:r>
+            <a:r>
+              <a:rPr lang="en-GB" dirty="0"/>
+              <a:t>” to reference equations isn’t mandatory – you may use the “ref” command for equations and the reference number would appear without parentheses. To use the “</a:t>
+            </a:r>
+            <a:r>
+              <a:rPr lang="en-GB" dirty="0" err="1"/>
+              <a:t>eqref</a:t>
+            </a:r>
+            <a:r>
+              <a:rPr lang="en-GB" dirty="0"/>
+              <a:t>” command, you must have used the “</a:t>
+            </a:r>
+            <a:r>
+              <a:rPr lang="en-GB" dirty="0" err="1"/>
+              <a:t>amsmath</a:t>
+            </a:r>
+            <a:r>
+              <a:rPr lang="en-GB" dirty="0"/>
+              <a:t>” package in the preamble.</a:t>
             </a:r>
             <a:br>
               <a:rPr lang="en-GB" dirty="0"/>
@@ -2433,7 +2655,7 @@
             </a:br>
             <a:r>
               <a:rPr lang="en-GB" dirty="0"/>
-              <a:t>When you compile your main .</a:t>
+              <a:t>Note that you can reference labelled entities that occur before or after the reference in the .</a:t>
             </a:r>
             <a:r>
               <a:rPr lang="en-GB" dirty="0" err="1"/>
@@ -2441,7 +2663,15 @@
             </a:r>
             <a:r>
               <a:rPr lang="en-GB" dirty="0"/>
-              <a:t> file, your bibliography will appear and any entries that are cited will appear in your bibliography. By default, entries you have not cited will not be included.</a:t>
+              <a:t> file. If you update your </a:t>
+            </a:r>
+            <a:r>
+              <a:rPr lang="en-GB" dirty="0" err="1"/>
+              <a:t>tex</a:t>
+            </a:r>
+            <a:r>
+              <a:rPr lang="en-GB" dirty="0"/>
+              <a:t> file to include more equations, causing the number of the referenced equation to change, the number which appears in the reference will also change in your pdf when you recompile it. This means you can undertake wide-ranging restructuring of your document and references will still automatically point to the right place.</a:t>
             </a:r>
           </a:p>
           <a:p>
@@ -2450,7 +2680,7 @@
           <a:p>
             <a:r>
               <a:rPr lang="en-GB" dirty="0"/>
-              <a:t>Overleaf example: https://www.overleaf.com/read/tfrbytxxqszf</a:t>
+              <a:t>Overleaf example: https://www.overleaf.com/read/xcdwqnttrqzp</a:t>
             </a:r>
           </a:p>
         </p:txBody>
@@ -2481,7 +2711,7 @@
     </p:spTree>
     <p:extLst>
       <p:ext uri="{BB962C8B-B14F-4D97-AF65-F5344CB8AC3E}">
-        <p14:creationId xmlns:p14="http://schemas.microsoft.com/office/powerpoint/2010/main" val="2985834625"/>
+        <p14:creationId xmlns:p14="http://schemas.microsoft.com/office/powerpoint/2010/main" val="1655301024"/>
       </p:ext>
     </p:extLst>
   </p:cSld>
@@ -2621,39 +2851,7 @@
           <a:p>
             <a:r>
               <a:rPr lang="en-GB" dirty="0"/>
-              <a:t>In your main .</a:t>
-            </a:r>
-            <a:r>
-              <a:rPr lang="en-GB" dirty="0" err="1"/>
-              <a:t>tex</a:t>
-            </a:r>
-            <a:r>
-              <a:rPr lang="en-GB" dirty="0"/>
-              <a:t> file, you need to use the package “</a:t>
-            </a:r>
-            <a:r>
-              <a:rPr lang="en-GB" dirty="0" err="1"/>
-              <a:t>natbib</a:t>
-            </a:r>
-            <a:r>
-              <a:rPr lang="en-GB" dirty="0"/>
-              <a:t>” in your preamble. You can then cite a reference using the “</a:t>
-            </a:r>
-            <a:r>
-              <a:rPr lang="en-GB" dirty="0" err="1"/>
-              <a:t>citet</a:t>
-            </a:r>
-            <a:r>
-              <a:rPr lang="en-GB" dirty="0"/>
-              <a:t>” command with the label of the reference. This produces a reference which is “textual” in the sense that the author name is written in normal text as if it’s being read as part of the sentence. You can also use “</a:t>
-            </a:r>
-            <a:r>
-              <a:rPr lang="en-GB" dirty="0" err="1"/>
-              <a:t>citep</a:t>
-            </a:r>
-            <a:r>
-              <a:rPr lang="en-GB" dirty="0"/>
-              <a:t>” to include the entire reference within brackets. This can be useful for when you don’t intend for the reference to be read as part of the sentence, but to act as an addendum.</a:t>
+              <a:t>Publications often have dozens of citations and your thesis is likely to have dozens or hundreds of references and so a good way to manage with your references is desirable. There are many ways to manage your references and many ways to personalise your citations. We’re going to run through one way to achieve a streamlined approach to referencing.</a:t>
             </a:r>
             <a:br>
               <a:rPr lang="en-GB" dirty="0"/>
@@ -2663,45 +2861,16 @@
             </a:br>
             <a:r>
               <a:rPr lang="en-GB" dirty="0"/>
-              <a:t>After the main body of your text, select a bibliography style (we’ll use “</a:t>
+              <a:t>Many reference managers such as EndNote, Mendeley and </a:t>
             </a:r>
             <a:r>
               <a:rPr lang="en-GB" dirty="0" err="1"/>
-              <a:t>plainnat</a:t>
-            </a:r>
-            <a:r>
-              <a:rPr lang="en-GB" dirty="0"/>
-              <a:t>” for now). Then, use the “\bibliography” command to actually insert your bibliography into your text. This is followed by the name of your “.bib” file in curly brackets (do not include the “.bib” extension here).</a:t>
-            </a:r>
-          </a:p>
-          <a:p>
-            <a:endParaRPr lang="en-GB" dirty="0"/>
-          </a:p>
-          <a:p>
-            <a:pPr marL="0" marR="0" lvl="0" indent="0" algn="l" defTabSz="914400" rtl="0" eaLnBrk="1" fontAlgn="auto" latinLnBrk="0" hangingPunct="1">
-              <a:lnSpc>
-                <a:spcPct val="100000"/>
-              </a:lnSpc>
-              <a:spcBef>
-                <a:spcPts val="0"/>
-              </a:spcBef>
-              <a:spcAft>
-                <a:spcPts val="0"/>
-              </a:spcAft>
-              <a:buClrTx/>
-              <a:buSzTx/>
-              <a:buFontTx/>
-              <a:buNone/>
-              <a:tabLst/>
-              <a:defRPr/>
-            </a:pPr>
-            <a:r>
-              <a:rPr lang="en-GB" dirty="0"/>
-              <a:t>Overleaf example: https://www.overleaf.com/read/tfrbytxxqszf</a:t>
-            </a:r>
-          </a:p>
-          <a:p>
-            <a:endParaRPr lang="en-GB" dirty="0"/>
+              <a:t>JabRef</a:t>
+            </a:r>
+            <a:r>
+              <a:rPr lang="en-GB" dirty="0"/>
+              <a:t> allow for your database of references to be exported as a “.bib” file. This is essentially a database of your references that LaTeX can interact with directly. This means you only need to enter your reference details once in your reference manager and it will feed through to your LaTeX documents including your thesis. If you combine this with the automatic population of fields in your reference manager you will never need to manually write the author of a reference again. This saves a lot of time and effort you can better spend elsewhere.</a:t>
+            </a:r>
           </a:p>
         </p:txBody>
       </p:sp>
@@ -2731,7 +2900,7 @@
     </p:spTree>
     <p:extLst>
       <p:ext uri="{BB962C8B-B14F-4D97-AF65-F5344CB8AC3E}">
-        <p14:creationId xmlns:p14="http://schemas.microsoft.com/office/powerpoint/2010/main" val="529073958"/>
+        <p14:creationId xmlns:p14="http://schemas.microsoft.com/office/powerpoint/2010/main" val="1094947271"/>
       </p:ext>
     </p:extLst>
   </p:cSld>
@@ -2787,16 +2956,31 @@
           <a:p>
             <a:r>
               <a:rPr lang="en-GB" dirty="0"/>
-              <a:t>As LaTeX runs, it keeps a log of what it’s doing. Most of these messages can be safely ignored. However, one class of message that is very helpful is the error message. Overleaf, like all LaTeX compilers will keep a log of all messages is generated. When LaTeX hits a section of code with an error, it will typically generate a number of useful messages and then stop progressing further. If you carefully read the messages, they often lead you straight to the source of the error.</a:t>
-            </a:r>
-          </a:p>
-          <a:p>
+              <a:t>A “.bib” file consists of one entry for each reference. An new entry is begun with a “@” symbol and the name of the type of entry it is. Here, we have one article and one book. There are many other types such as “report”, “conference” and even “</a:t>
+            </a:r>
+            <a:r>
+              <a:rPr lang="en-GB" dirty="0" err="1"/>
+              <a:t>phdthesis</a:t>
+            </a:r>
+            <a:r>
+              <a:rPr lang="en-GB" dirty="0"/>
+              <a:t>”. See here for some more examples: </a:t>
+            </a:r>
+            <a:r>
+              <a:rPr lang="en-GB" dirty="0">
+                <a:hlinkClick r:id="rId3"/>
+              </a:rPr>
+              <a:t>https://www.verbosus.com/bibtex-style-examples.html</a:t>
+            </a:r>
             <a:endParaRPr lang="en-GB" dirty="0"/>
           </a:p>
           <a:p>
-            <a:r>
-              <a:rPr lang="en-GB" dirty="0"/>
-              <a:t>LaTeX will normally tell you what the error is and on what line of the file the error occurred. Overleaf takes this a step further and shows you a small error symbol next to the line number. You can hover over this to read the error message. The full message log can be read by clicking the “Log and Output Files” button next to the “Recompile” button just above where the pdf is normally displayed. </a:t>
+            <a:endParaRPr lang="en-GB" dirty="0"/>
+          </a:p>
+          <a:p>
+            <a:r>
+              <a:rPr lang="en-GB" dirty="0"/>
+              <a:t> Within curly brackets, the first entry is a label for your reference. Following that, we then have a series of fields which define the contents of the reference. These come in the format “field name = field value” and are separated by commas. Different entries are valid for different entry types. For instance, both our entries here have “author”, “title” and “year” fields but the article has the fields “journal”, “volume”, “number” and “pages” fields whilst the book has a “publisher” field.</a:t>
             </a:r>
             <a:br>
               <a:rPr lang="en-GB" dirty="0"/>
@@ -2806,7 +2990,7 @@
             </a:br>
             <a:r>
               <a:rPr lang="en-GB" dirty="0"/>
-              <a:t>When you receive an error from LaTeX (in Overleaf, or from whatever LaTeX compiler you’re using), read the error message, edit your </a:t>
+              <a:t>When you compile your main .</a:t>
             </a:r>
             <a:r>
               <a:rPr lang="en-GB" dirty="0" err="1"/>
@@ -2814,17 +2998,7 @@
             </a:r>
             <a:r>
               <a:rPr lang="en-GB" dirty="0"/>
-              <a:t> file to correct the error and recompile the pdf. Hopefully you will have fixed the error. Otherwise, you’ll receive another error message.</a:t>
-            </a:r>
-            <a:br>
-              <a:rPr lang="en-GB" dirty="0"/>
-            </a:br>
-            <a:br>
-              <a:rPr lang="en-GB" dirty="0"/>
-            </a:br>
-            <a:r>
-              <a:rPr lang="en-GB" dirty="0"/>
-              <a:t>LaTeX will also give you warnings, telling you if there was something it wasn’t sure what to do with, but was able to complete the document in any case. It’s also a good idea to look through the entire pdf by eye for anywhere that you’ve given a valid instruction, but one that has produced a different result to what you wanted.</a:t>
+              <a:t> file, your bibliography will appear and any entries that are cited will appear in your bibliography. By default, entries you have not cited will not be included.</a:t>
             </a:r>
           </a:p>
           <a:p>
@@ -2833,26 +3007,7 @@
           <a:p>
             <a:r>
               <a:rPr lang="en-GB" dirty="0"/>
-              <a:t>When tackling errors, it’s often worth correcting the earliest error first – sometimes doing so will fix subsequent errors.</a:t>
-            </a:r>
-            <a:br>
-              <a:rPr lang="en-GB" dirty="0"/>
-            </a:br>
-            <a:endParaRPr lang="en-GB" dirty="0"/>
-          </a:p>
-          <a:p>
-            <a:r>
-              <a:rPr lang="en-GB" dirty="0"/>
-              <a:t>Latex example: https://www.overleaf.com/read/gnzphcnqgfvf</a:t>
-            </a:r>
-          </a:p>
-          <a:p>
-            <a:br>
-              <a:rPr lang="en-GB" dirty="0"/>
-            </a:br>
-            <a:r>
-              <a:rPr lang="en-GB" dirty="0"/>
-              <a:t>Break for section 10 of Task Sheet. </a:t>
+              <a:t>Overleaf example: https://www.overleaf.com/read/tfrbytxxqszf</a:t>
             </a:r>
           </a:p>
         </p:txBody>
@@ -2883,7 +3038,7 @@
     </p:spTree>
     <p:extLst>
       <p:ext uri="{BB962C8B-B14F-4D97-AF65-F5344CB8AC3E}">
-        <p14:creationId xmlns:p14="http://schemas.microsoft.com/office/powerpoint/2010/main" val="2643096923"/>
+        <p14:creationId xmlns:p14="http://schemas.microsoft.com/office/powerpoint/2010/main" val="2985834625"/>
       </p:ext>
     </p:extLst>
   </p:cSld>
@@ -2939,23 +3094,39 @@
           <a:p>
             <a:r>
               <a:rPr lang="en-GB" dirty="0"/>
-              <a:t>If you’re working on a document to submit to a journal, there are a number of things to bear in mind. Many journals have custom </a:t>
+              <a:t>In your main .</a:t>
             </a:r>
             <a:r>
               <a:rPr lang="en-GB" dirty="0" err="1"/>
-              <a:t>documentclasses</a:t>
-            </a:r>
-            <a:r>
-              <a:rPr lang="en-GB" dirty="0"/>
-              <a:t> which they make available and you can chose to use when submitting. Some journals might require you to use their </a:t>
+              <a:t>tex</a:t>
+            </a:r>
+            <a:r>
+              <a:rPr lang="en-GB" dirty="0"/>
+              <a:t> file, you need to use the package “</a:t>
             </a:r>
             <a:r>
               <a:rPr lang="en-GB" dirty="0" err="1"/>
-              <a:t>documentclass</a:t>
-            </a:r>
-            <a:r>
-              <a:rPr lang="en-GB" dirty="0"/>
-              <a:t> when submitting.</a:t>
+              <a:t>natbib</a:t>
+            </a:r>
+            <a:r>
+              <a:rPr lang="en-GB" dirty="0"/>
+              <a:t>” in your preamble. You can then cite a reference using the “</a:t>
+            </a:r>
+            <a:r>
+              <a:rPr lang="en-GB" dirty="0" err="1"/>
+              <a:t>citet</a:t>
+            </a:r>
+            <a:r>
+              <a:rPr lang="en-GB" dirty="0"/>
+              <a:t>” command with the label of the reference. This produces a reference which is “textual” in the sense that the author name is written in normal text as if it’s being read as part of the sentence. You can also use “</a:t>
+            </a:r>
+            <a:r>
+              <a:rPr lang="en-GB" dirty="0" err="1"/>
+              <a:t>citep</a:t>
+            </a:r>
+            <a:r>
+              <a:rPr lang="en-GB" dirty="0"/>
+              <a:t>” to include the entire reference within brackets. This can be useful for when you don’t intend for the reference to be read as part of the sentence, but to act as an addendum.</a:t>
             </a:r>
             <a:br>
               <a:rPr lang="en-GB" dirty="0"/>
@@ -2965,16 +3136,45 @@
             </a:br>
             <a:r>
               <a:rPr lang="en-GB" dirty="0"/>
-              <a:t>In many cases you can submit your LaTeX source files to the journal as well. This aids the typesetters at the journal in working on your document. For many journals, </a:t>
+              <a:t>After the main body of your text, select a bibliography style (we’ll use “</a:t>
             </a:r>
             <a:r>
               <a:rPr lang="en-GB" dirty="0" err="1"/>
-              <a:t>typsetters</a:t>
-            </a:r>
-            <a:r>
-              <a:rPr lang="en-GB" dirty="0"/>
-              <a:t> will alter your script substantially to make sure it fits the standards and style of the journal. This means that you don’t need to make your document look perfect when you submit it. You need it to be easily legible for the reviewers and editors to read, but spending days tweaking fine details might not be a good use of your time. Check the process and requirements of the journal you’re submitting to so you fulfil all their requirements but don’t put in effort that will ultimately be wasted.</a:t>
-            </a:r>
+              <a:t>plainnat</a:t>
+            </a:r>
+            <a:r>
+              <a:rPr lang="en-GB" dirty="0"/>
+              <a:t>” for now). Then, use the “\bibliography” command to actually insert your bibliography into your text. This is followed by the name of your “.bib” file in curly brackets (do not include the “.bib” extension here).</a:t>
+            </a:r>
+          </a:p>
+          <a:p>
+            <a:endParaRPr lang="en-GB" dirty="0"/>
+          </a:p>
+          <a:p>
+            <a:pPr marL="0" marR="0" lvl="0" indent="0" algn="l" defTabSz="914400" rtl="0" eaLnBrk="1" fontAlgn="auto" latinLnBrk="0" hangingPunct="1">
+              <a:lnSpc>
+                <a:spcPct val="100000"/>
+              </a:lnSpc>
+              <a:spcBef>
+                <a:spcPts val="0"/>
+              </a:spcBef>
+              <a:spcAft>
+                <a:spcPts val="0"/>
+              </a:spcAft>
+              <a:buClrTx/>
+              <a:buSzTx/>
+              <a:buFontTx/>
+              <a:buNone/>
+              <a:tabLst/>
+              <a:defRPr/>
+            </a:pPr>
+            <a:r>
+              <a:rPr lang="en-GB" dirty="0"/>
+              <a:t>Overleaf example: https://www.overleaf.com/read/tfrbytxxqszf</a:t>
+            </a:r>
+          </a:p>
+          <a:p>
+            <a:endParaRPr lang="en-GB" dirty="0"/>
           </a:p>
         </p:txBody>
       </p:sp>
@@ -3004,7 +3204,7 @@
     </p:spTree>
     <p:extLst>
       <p:ext uri="{BB962C8B-B14F-4D97-AF65-F5344CB8AC3E}">
-        <p14:creationId xmlns:p14="http://schemas.microsoft.com/office/powerpoint/2010/main" val="3430040987"/>
+        <p14:creationId xmlns:p14="http://schemas.microsoft.com/office/powerpoint/2010/main" val="529073958"/>
       </p:ext>
     </p:extLst>
   </p:cSld>
@@ -3060,23 +3260,72 @@
           <a:p>
             <a:r>
               <a:rPr lang="en-GB" dirty="0"/>
-              <a:t>If you want to do something in LaTeX but don’t know how, the first thing to do is to Google it. Somebody has almost certainly had your problem/desire before and you can copy their solution most of the time. On many occasions, you’ll find the answer of </a:t>
+              <a:t>As LaTeX runs, it keeps a log of what it’s doing. Most of these messages can be safely ignored. However, one class of message that is very helpful is the error message. Overleaf, like all LaTeX compilers will keep a log of all messages is generated. When LaTeX hits a section of code with an error, it will typically generate a number of useful messages and then stop progressing further. If you carefully read the messages, they often lead you straight to the source of the error.</a:t>
+            </a:r>
+          </a:p>
+          <a:p>
+            <a:endParaRPr lang="en-GB" dirty="0"/>
+          </a:p>
+          <a:p>
+            <a:r>
+              <a:rPr lang="en-GB" dirty="0"/>
+              <a:t>LaTeX will normally tell you what the error is and on what line of the file the error occurred. Overleaf takes this a step further and shows you a small error symbol next to the line number. You can hover over this to read the error message. The full message log can be read by clicking the “Log and Output Files” button next to the “Recompile” button just above where the pdf is normally displayed. </a:t>
+            </a:r>
+            <a:br>
+              <a:rPr lang="en-GB" dirty="0"/>
+            </a:br>
+            <a:br>
+              <a:rPr lang="en-GB" dirty="0"/>
+            </a:br>
+            <a:r>
+              <a:rPr lang="en-GB" dirty="0"/>
+              <a:t>When you receive an error from LaTeX (in Overleaf, or from whatever LaTeX compiler you’re using), read the error message, edit your </a:t>
             </a:r>
             <a:r>
               <a:rPr lang="en-GB" dirty="0" err="1"/>
-              <a:t>stackexchange</a:t>
-            </a:r>
-            <a:r>
-              <a:rPr lang="en-GB" dirty="0"/>
-              <a:t>. As well as being a useful environment to develop and run LaTeX, Overleaf has an extensive library of documentation on LaTeX’s functions. There’s also a very good </a:t>
-            </a:r>
-            <a:r>
-              <a:rPr lang="en-GB" dirty="0" err="1"/>
-              <a:t>wikibook</a:t>
-            </a:r>
-            <a:r>
-              <a:rPr lang="en-GB" dirty="0"/>
-              <a:t> that contains a good description of the functionality of LaTeX. There’s also a good table maker which allows you to define tables in a more natural and graphical way and have it return the equivalent LaTeX code. Finally, there’s an equation editor which allows you to define equations in a more graphical fashion and have it return the equivalent LaTeX code.</a:t>
+              <a:t>tex</a:t>
+            </a:r>
+            <a:r>
+              <a:rPr lang="en-GB" dirty="0"/>
+              <a:t> file to correct the error and recompile the pdf. Hopefully you will have fixed the error. Otherwise, you’ll receive another error message.</a:t>
+            </a:r>
+            <a:br>
+              <a:rPr lang="en-GB" dirty="0"/>
+            </a:br>
+            <a:br>
+              <a:rPr lang="en-GB" dirty="0"/>
+            </a:br>
+            <a:r>
+              <a:rPr lang="en-GB" dirty="0"/>
+              <a:t>LaTeX will also give you warnings, telling you if there was something it wasn’t sure what to do with, but was able to complete the document in any case. It’s also a good idea to look through the entire pdf by eye for anywhere that you’ve given a valid instruction, but one that has produced a different result to what you wanted.</a:t>
+            </a:r>
+          </a:p>
+          <a:p>
+            <a:endParaRPr lang="en-GB" dirty="0"/>
+          </a:p>
+          <a:p>
+            <a:r>
+              <a:rPr lang="en-GB" dirty="0"/>
+              <a:t>When tackling errors, it’s often worth correcting the earliest error first – sometimes doing so will fix subsequent errors.</a:t>
+            </a:r>
+            <a:br>
+              <a:rPr lang="en-GB" dirty="0"/>
+            </a:br>
+            <a:endParaRPr lang="en-GB" dirty="0"/>
+          </a:p>
+          <a:p>
+            <a:r>
+              <a:rPr lang="en-GB" dirty="0"/>
+              <a:t>Latex example: https://www.overleaf.com/read/gnzphcnqgfvf</a:t>
+            </a:r>
+          </a:p>
+          <a:p>
+            <a:br>
+              <a:rPr lang="en-GB" dirty="0"/>
+            </a:br>
+            <a:r>
+              <a:rPr lang="en-GB" dirty="0"/>
+              <a:t>Break for section 10 of Task Sheet. </a:t>
             </a:r>
           </a:p>
         </p:txBody>
@@ -3107,7 +3356,7 @@
     </p:spTree>
     <p:extLst>
       <p:ext uri="{BB962C8B-B14F-4D97-AF65-F5344CB8AC3E}">
-        <p14:creationId xmlns:p14="http://schemas.microsoft.com/office/powerpoint/2010/main" val="1445805806"/>
+        <p14:creationId xmlns:p14="http://schemas.microsoft.com/office/powerpoint/2010/main" val="2643096923"/>
       </p:ext>
     </p:extLst>
   </p:cSld>
@@ -3161,7 +3410,44 @@
           <a:bodyPr/>
           <a:lstStyle/>
           <a:p>
-            <a:endParaRPr lang="en-GB" dirty="0"/>
+            <a:r>
+              <a:rPr lang="en-GB" dirty="0"/>
+              <a:t>If you’re working on a document to submit to a journal, there are a number of things to bear in mind. Many journals have custom </a:t>
+            </a:r>
+            <a:r>
+              <a:rPr lang="en-GB" dirty="0" err="1"/>
+              <a:t>documentclasses</a:t>
+            </a:r>
+            <a:r>
+              <a:rPr lang="en-GB" dirty="0"/>
+              <a:t> which they make available and you can chose to use when submitting. Some journals might require you to use their </a:t>
+            </a:r>
+            <a:r>
+              <a:rPr lang="en-GB" dirty="0" err="1"/>
+              <a:t>documentclass</a:t>
+            </a:r>
+            <a:r>
+              <a:rPr lang="en-GB" dirty="0"/>
+              <a:t> when submitting.</a:t>
+            </a:r>
+            <a:br>
+              <a:rPr lang="en-GB" dirty="0"/>
+            </a:br>
+            <a:br>
+              <a:rPr lang="en-GB" dirty="0"/>
+            </a:br>
+            <a:r>
+              <a:rPr lang="en-GB" dirty="0"/>
+              <a:t>In many cases you can submit your LaTeX source files to the journal as well. This aids the typesetters at the journal in working on your document. For many journals, </a:t>
+            </a:r>
+            <a:r>
+              <a:rPr lang="en-GB" dirty="0" err="1"/>
+              <a:t>typsetters</a:t>
+            </a:r>
+            <a:r>
+              <a:rPr lang="en-GB" dirty="0"/>
+              <a:t> will alter your script substantially to make sure it fits the standards and style of the journal. This means that you don’t need to make your document look perfect when you submit it. You need it to be easily legible for the reviewers and editors to read, but spending days tweaking fine details might not be a good use of your time. Check the process and requirements of the journal you’re submitting to so you fulfil all their requirements but don’t put in effort that will ultimately be wasted.</a:t>
+            </a:r>
           </a:p>
         </p:txBody>
       </p:sp>
@@ -3191,7 +3477,7 @@
     </p:spTree>
     <p:extLst>
       <p:ext uri="{BB962C8B-B14F-4D97-AF65-F5344CB8AC3E}">
-        <p14:creationId xmlns:p14="http://schemas.microsoft.com/office/powerpoint/2010/main" val="1492413823"/>
+        <p14:creationId xmlns:p14="http://schemas.microsoft.com/office/powerpoint/2010/main" val="3430040987"/>
       </p:ext>
     </p:extLst>
   </p:cSld>
@@ -3220,6 +3506,193 @@
       </p:grpSpPr>
       <p:sp>
         <p:nvSpPr>
+          <p:cNvPr id="2" name="Slide Image Placeholder 1"/>
+          <p:cNvSpPr>
+            <a:spLocks noGrp="1" noRot="1" noChangeAspect="1"/>
+          </p:cNvSpPr>
+          <p:nvPr>
+            <p:ph type="sldImg"/>
+          </p:nvPr>
+        </p:nvSpPr>
+        <p:spPr/>
+      </p:sp>
+      <p:sp>
+        <p:nvSpPr>
+          <p:cNvPr id="3" name="Notes Placeholder 2"/>
+          <p:cNvSpPr>
+            <a:spLocks noGrp="1"/>
+          </p:cNvSpPr>
+          <p:nvPr>
+            <p:ph type="body" idx="1"/>
+          </p:nvPr>
+        </p:nvSpPr>
+        <p:spPr/>
+        <p:txBody>
+          <a:bodyPr/>
+          <a:lstStyle/>
+          <a:p>
+            <a:r>
+              <a:rPr lang="en-GB" dirty="0"/>
+              <a:t>If you want to do something in LaTeX but don’t know how, the first thing to do is to Google it. Somebody has almost certainly had your problem/desire before and you can copy their solution most of the time. On many occasions, you’ll find the answer of </a:t>
+            </a:r>
+            <a:r>
+              <a:rPr lang="en-GB" dirty="0" err="1"/>
+              <a:t>stackexchange</a:t>
+            </a:r>
+            <a:r>
+              <a:rPr lang="en-GB" dirty="0"/>
+              <a:t>. As well as being a useful environment to develop and run LaTeX, Overleaf has an extensive library of documentation on LaTeX’s functions. There’s also a very good </a:t>
+            </a:r>
+            <a:r>
+              <a:rPr lang="en-GB" dirty="0" err="1"/>
+              <a:t>wikibook</a:t>
+            </a:r>
+            <a:r>
+              <a:rPr lang="en-GB" dirty="0"/>
+              <a:t> that contains a good description of the functionality of LaTeX. There’s also a good table maker which allows you to define tables in a more natural and graphical way and have it return the equivalent LaTeX code. Finally, there’s an equation editor which allows you to define equations in a more graphical fashion and have it return the equivalent LaTeX code.</a:t>
+            </a:r>
+          </a:p>
+        </p:txBody>
+      </p:sp>
+      <p:sp>
+        <p:nvSpPr>
+          <p:cNvPr id="4" name="Slide Number Placeholder 3"/>
+          <p:cNvSpPr>
+            <a:spLocks noGrp="1"/>
+          </p:cNvSpPr>
+          <p:nvPr>
+            <p:ph type="sldNum" sz="quarter" idx="10"/>
+          </p:nvPr>
+        </p:nvSpPr>
+        <p:spPr/>
+        <p:txBody>
+          <a:bodyPr/>
+          <a:lstStyle/>
+          <a:p>
+            <a:fld id="{6A641EC8-C9F8-4A58-A1A7-F7D817526EEC}" type="slidenum">
+              <a:rPr lang="en-GB" smtClean="0"/>
+              <a:t>26</a:t>
+            </a:fld>
+            <a:endParaRPr lang="en-GB"/>
+          </a:p>
+        </p:txBody>
+      </p:sp>
+    </p:spTree>
+    <p:extLst>
+      <p:ext uri="{BB962C8B-B14F-4D97-AF65-F5344CB8AC3E}">
+        <p14:creationId xmlns:p14="http://schemas.microsoft.com/office/powerpoint/2010/main" val="1445805806"/>
+      </p:ext>
+    </p:extLst>
+  </p:cSld>
+  <p:clrMapOvr>
+    <a:masterClrMapping/>
+  </p:clrMapOvr>
+</p:notes>
+</file>
+
+<file path=ppt/notesSlides/notesSlide26.xml><?xml version="1.0" encoding="utf-8"?>
+<p:notes xmlns:a="http://schemas.openxmlformats.org/drawingml/2006/main" xmlns:r="http://schemas.openxmlformats.org/officeDocument/2006/relationships" xmlns:p="http://schemas.openxmlformats.org/presentationml/2006/main">
+  <p:cSld>
+    <p:spTree>
+      <p:nvGrpSpPr>
+        <p:cNvPr id="1" name=""/>
+        <p:cNvGrpSpPr/>
+        <p:nvPr/>
+      </p:nvGrpSpPr>
+      <p:grpSpPr>
+        <a:xfrm>
+          <a:off x="0" y="0"/>
+          <a:ext cx="0" cy="0"/>
+          <a:chOff x="0" y="0"/>
+          <a:chExt cx="0" cy="0"/>
+        </a:xfrm>
+      </p:grpSpPr>
+      <p:sp>
+        <p:nvSpPr>
+          <p:cNvPr id="2" name="Slide Image Placeholder 1"/>
+          <p:cNvSpPr>
+            <a:spLocks noGrp="1" noRot="1" noChangeAspect="1"/>
+          </p:cNvSpPr>
+          <p:nvPr>
+            <p:ph type="sldImg"/>
+          </p:nvPr>
+        </p:nvSpPr>
+        <p:spPr/>
+      </p:sp>
+      <p:sp>
+        <p:nvSpPr>
+          <p:cNvPr id="3" name="Notes Placeholder 2"/>
+          <p:cNvSpPr>
+            <a:spLocks noGrp="1"/>
+          </p:cNvSpPr>
+          <p:nvPr>
+            <p:ph type="body" idx="1"/>
+          </p:nvPr>
+        </p:nvSpPr>
+        <p:spPr/>
+        <p:txBody>
+          <a:bodyPr/>
+          <a:lstStyle/>
+          <a:p>
+            <a:endParaRPr lang="en-GB" dirty="0"/>
+          </a:p>
+        </p:txBody>
+      </p:sp>
+      <p:sp>
+        <p:nvSpPr>
+          <p:cNvPr id="4" name="Slide Number Placeholder 3"/>
+          <p:cNvSpPr>
+            <a:spLocks noGrp="1"/>
+          </p:cNvSpPr>
+          <p:nvPr>
+            <p:ph type="sldNum" sz="quarter" idx="10"/>
+          </p:nvPr>
+        </p:nvSpPr>
+        <p:spPr/>
+        <p:txBody>
+          <a:bodyPr/>
+          <a:lstStyle/>
+          <a:p>
+            <a:fld id="{6A641EC8-C9F8-4A58-A1A7-F7D817526EEC}" type="slidenum">
+              <a:rPr lang="en-GB" smtClean="0"/>
+              <a:t>27</a:t>
+            </a:fld>
+            <a:endParaRPr lang="en-GB"/>
+          </a:p>
+        </p:txBody>
+      </p:sp>
+    </p:spTree>
+    <p:extLst>
+      <p:ext uri="{BB962C8B-B14F-4D97-AF65-F5344CB8AC3E}">
+        <p14:creationId xmlns:p14="http://schemas.microsoft.com/office/powerpoint/2010/main" val="1492413823"/>
+      </p:ext>
+    </p:extLst>
+  </p:cSld>
+  <p:clrMapOvr>
+    <a:masterClrMapping/>
+  </p:clrMapOvr>
+</p:notes>
+</file>
+
+<file path=ppt/notesSlides/notesSlide27.xml><?xml version="1.0" encoding="utf-8"?>
+<p:notes xmlns:a="http://schemas.openxmlformats.org/drawingml/2006/main" xmlns:r="http://schemas.openxmlformats.org/officeDocument/2006/relationships" xmlns:p="http://schemas.openxmlformats.org/presentationml/2006/main">
+  <p:cSld>
+    <p:spTree>
+      <p:nvGrpSpPr>
+        <p:cNvPr id="1" name=""/>
+        <p:cNvGrpSpPr/>
+        <p:nvPr/>
+      </p:nvGrpSpPr>
+      <p:grpSpPr>
+        <a:xfrm>
+          <a:off x="0" y="0"/>
+          <a:ext cx="0" cy="0"/>
+          <a:chOff x="0" y="0"/>
+          <a:chExt cx="0" cy="0"/>
+        </a:xfrm>
+      </p:grpSpPr>
+      <p:sp>
+        <p:nvSpPr>
           <p:cNvPr id="108546" name="Rectangle 7"/>
           <p:cNvSpPr>
             <a:spLocks noGrp="1" noChangeArrowheads="1"/>
@@ -3378,7 +3851,7 @@
                   <a:spcPct val="0"/>
                 </a:spcBef>
               </a:pPr>
-              <a:t>26</a:t>
+              <a:t>28</a:t>
             </a:fld>
             <a:endParaRPr lang="en-US" altLang="en-US"/>
           </a:p>
@@ -4231,15 +4704,6 @@
             <a:r>
               <a:rPr lang="en-GB" dirty="0"/>
               <a:t>Overleaf example: https://www.overleaf.com/read/gjdnkmkdnnqd</a:t>
-            </a:r>
-          </a:p>
-          <a:p>
-            <a:endParaRPr lang="en-GB" dirty="0"/>
-          </a:p>
-          <a:p>
-            <a:r>
-              <a:rPr lang="en-GB" dirty="0"/>
-              <a:t>Break for section 2 of Task Sheet</a:t>
             </a:r>
           </a:p>
         </p:txBody>
@@ -7054,45 +7518,6 @@
           </a:p>
         </p:txBody>
       </p:sp>
-      <p:sp>
-        <p:nvSpPr>
-          <p:cNvPr id="6" name="TextBox 5">
-            <a:extLst>
-              <a:ext uri="{FF2B5EF4-FFF2-40B4-BE49-F238E27FC236}">
-                <a16:creationId xmlns:a16="http://schemas.microsoft.com/office/drawing/2014/main" id="{016B593D-9671-4306-AC3D-C3E5EF3900E6}"/>
-              </a:ext>
-            </a:extLst>
-          </p:cNvPr>
-          <p:cNvSpPr txBox="1"/>
-          <p:nvPr/>
-        </p:nvSpPr>
-        <p:spPr>
-          <a:xfrm>
-            <a:off x="7357241" y="6498021"/>
-            <a:ext cx="1697422" cy="369332"/>
-          </a:xfrm>
-          <a:prstGeom prst="rect">
-            <a:avLst/>
-          </a:prstGeom>
-          <a:noFill/>
-        </p:spPr>
-        <p:txBody>
-          <a:bodyPr wrap="square" rtlCol="0">
-            <a:spAutoFit/>
-          </a:bodyPr>
-          <a:lstStyle/>
-          <a:p>
-            <a:r>
-              <a:rPr lang="en-GB" dirty="0">
-                <a:solidFill>
-                  <a:schemeClr val="accent2"/>
-                </a:solidFill>
-              </a:rPr>
-              <a:t>Problem Sheet</a:t>
-            </a:r>
-          </a:p>
-        </p:txBody>
-      </p:sp>
     </p:spTree>
     <p:extLst>
       <p:ext uri="{BB962C8B-B14F-4D97-AF65-F5344CB8AC3E}">
@@ -7115,6 +7540,1060 @@
 </file>
 
 <file path=ppt/slides/slide11.xml><?xml version="1.0" encoding="utf-8"?>
+<p:sld xmlns:a="http://schemas.openxmlformats.org/drawingml/2006/main" xmlns:r="http://schemas.openxmlformats.org/officeDocument/2006/relationships" xmlns:p="http://schemas.openxmlformats.org/presentationml/2006/main">
+  <p:cSld>
+    <p:spTree>
+      <p:nvGrpSpPr>
+        <p:cNvPr id="1" name=""/>
+        <p:cNvGrpSpPr/>
+        <p:nvPr/>
+      </p:nvGrpSpPr>
+      <p:grpSpPr>
+        <a:xfrm>
+          <a:off x="0" y="0"/>
+          <a:ext cx="0" cy="0"/>
+          <a:chOff x="0" y="0"/>
+          <a:chExt cx="0" cy="0"/>
+        </a:xfrm>
+      </p:grpSpPr>
+      <p:sp>
+        <p:nvSpPr>
+          <p:cNvPr id="2" name="Title 1"/>
+          <p:cNvSpPr>
+            <a:spLocks noGrp="1"/>
+          </p:cNvSpPr>
+          <p:nvPr>
+            <p:ph type="title"/>
+          </p:nvPr>
+        </p:nvSpPr>
+        <p:spPr/>
+        <p:txBody>
+          <a:bodyPr/>
+          <a:lstStyle/>
+          <a:p>
+            <a:r>
+              <a:rPr lang="en-GB" sz="4000" dirty="0"/>
+              <a:t>Section and Chapter Depth</a:t>
+            </a:r>
+          </a:p>
+        </p:txBody>
+      </p:sp>
+      <p:sp>
+        <p:nvSpPr>
+          <p:cNvPr id="4" name="TextBox 3"/>
+          <p:cNvSpPr txBox="1"/>
+          <p:nvPr/>
+        </p:nvSpPr>
+        <p:spPr>
+          <a:xfrm>
+            <a:off x="266938" y="1547721"/>
+            <a:ext cx="4141291" cy="5170646"/>
+          </a:xfrm>
+          <a:prstGeom prst="rect">
+            <a:avLst/>
+          </a:prstGeom>
+          <a:noFill/>
+        </p:spPr>
+        <p:txBody>
+          <a:bodyPr wrap="square" rtlCol="0">
+            <a:spAutoFit/>
+          </a:bodyPr>
+          <a:lstStyle/>
+          <a:p>
+            <a:r>
+              <a:rPr lang="en-GB" sz="3000" dirty="0">
+                <a:solidFill>
+                  <a:schemeClr val="tx2">
+                    <a:lumMod val="50000"/>
+                    <a:lumOff val="50000"/>
+                  </a:schemeClr>
+                </a:solidFill>
+                <a:latin typeface="+mj-lt"/>
+                <a:cs typeface="Courier New" panose="02070309020205020404" pitchFamily="49" charset="0"/>
+              </a:rPr>
+              <a:t>\</a:t>
+            </a:r>
+            <a:r>
+              <a:rPr lang="en-GB" sz="3000" dirty="0" err="1">
+                <a:solidFill>
+                  <a:schemeClr val="tx2">
+                    <a:lumMod val="50000"/>
+                    <a:lumOff val="50000"/>
+                  </a:schemeClr>
+                </a:solidFill>
+                <a:latin typeface="+mj-lt"/>
+                <a:cs typeface="Courier New" panose="02070309020205020404" pitchFamily="49" charset="0"/>
+              </a:rPr>
+              <a:t>tableofcontents</a:t>
+            </a:r>
+            <a:endParaRPr lang="en-GB" sz="3000" dirty="0">
+              <a:solidFill>
+                <a:schemeClr val="tx2">
+                  <a:lumMod val="50000"/>
+                  <a:lumOff val="50000"/>
+                </a:schemeClr>
+              </a:solidFill>
+              <a:latin typeface="+mj-lt"/>
+              <a:cs typeface="Courier New" panose="02070309020205020404" pitchFamily="49" charset="0"/>
+            </a:endParaRPr>
+          </a:p>
+          <a:p>
+            <a:endParaRPr lang="en-GB" sz="3000" dirty="0">
+              <a:solidFill>
+                <a:schemeClr val="tx2">
+                  <a:lumMod val="50000"/>
+                  <a:lumOff val="50000"/>
+                </a:schemeClr>
+              </a:solidFill>
+              <a:latin typeface="+mj-lt"/>
+              <a:cs typeface="Courier New" panose="02070309020205020404" pitchFamily="49" charset="0"/>
+            </a:endParaRPr>
+          </a:p>
+          <a:p>
+            <a:r>
+              <a:rPr lang="en-GB" sz="3000" dirty="0">
+                <a:solidFill>
+                  <a:schemeClr val="tx2">
+                    <a:lumMod val="50000"/>
+                    <a:lumOff val="50000"/>
+                  </a:schemeClr>
+                </a:solidFill>
+                <a:latin typeface="+mj-lt"/>
+                <a:cs typeface="Courier New" panose="02070309020205020404" pitchFamily="49" charset="0"/>
+              </a:rPr>
+              <a:t>\chapter</a:t>
+            </a:r>
+            <a:r>
+              <a:rPr lang="en-GB" sz="3000" dirty="0">
+                <a:latin typeface="+mj-lt"/>
+                <a:cs typeface="Courier New" panose="02070309020205020404" pitchFamily="49" charset="0"/>
+              </a:rPr>
+              <a:t>{A Chapter}</a:t>
+            </a:r>
+          </a:p>
+          <a:p>
+            <a:endParaRPr lang="en-GB" sz="3000" dirty="0">
+              <a:solidFill>
+                <a:schemeClr val="tx2">
+                  <a:lumMod val="50000"/>
+                  <a:lumOff val="50000"/>
+                </a:schemeClr>
+              </a:solidFill>
+              <a:latin typeface="+mj-lt"/>
+              <a:cs typeface="Courier New" panose="02070309020205020404" pitchFamily="49" charset="0"/>
+            </a:endParaRPr>
+          </a:p>
+          <a:p>
+            <a:r>
+              <a:rPr lang="en-GB" sz="3000" dirty="0">
+                <a:solidFill>
+                  <a:schemeClr val="tx2">
+                    <a:lumMod val="50000"/>
+                    <a:lumOff val="50000"/>
+                  </a:schemeClr>
+                </a:solidFill>
+                <a:latin typeface="+mj-lt"/>
+                <a:cs typeface="Courier New" panose="02070309020205020404" pitchFamily="49" charset="0"/>
+              </a:rPr>
+              <a:t>\section</a:t>
+            </a:r>
+            <a:r>
+              <a:rPr lang="en-GB" sz="3000" dirty="0">
+                <a:latin typeface="+mj-lt"/>
+                <a:cs typeface="Courier New" panose="02070309020205020404" pitchFamily="49" charset="0"/>
+              </a:rPr>
+              <a:t>{A Section}</a:t>
+            </a:r>
+          </a:p>
+          <a:p>
+            <a:endParaRPr lang="en-GB" sz="3000" dirty="0">
+              <a:solidFill>
+                <a:schemeClr val="tx2">
+                  <a:lumMod val="50000"/>
+                  <a:lumOff val="50000"/>
+                </a:schemeClr>
+              </a:solidFill>
+              <a:latin typeface="+mj-lt"/>
+              <a:cs typeface="Courier New" panose="02070309020205020404" pitchFamily="49" charset="0"/>
+            </a:endParaRPr>
+          </a:p>
+          <a:p>
+            <a:r>
+              <a:rPr lang="en-GB" sz="3000" dirty="0">
+                <a:solidFill>
+                  <a:schemeClr val="tx2">
+                    <a:lumMod val="50000"/>
+                    <a:lumOff val="50000"/>
+                  </a:schemeClr>
+                </a:solidFill>
+                <a:latin typeface="+mj-lt"/>
+                <a:cs typeface="Courier New" panose="02070309020205020404" pitchFamily="49" charset="0"/>
+              </a:rPr>
+              <a:t>\subsection</a:t>
+            </a:r>
+            <a:r>
+              <a:rPr lang="en-GB" sz="3000" dirty="0">
+                <a:latin typeface="+mj-lt"/>
+                <a:cs typeface="Courier New" panose="02070309020205020404" pitchFamily="49" charset="0"/>
+              </a:rPr>
+              <a:t>{A Subsection}</a:t>
+            </a:r>
+          </a:p>
+          <a:p>
+            <a:endParaRPr lang="en-GB" sz="3000" dirty="0">
+              <a:solidFill>
+                <a:schemeClr val="tx2">
+                  <a:lumMod val="50000"/>
+                  <a:lumOff val="50000"/>
+                </a:schemeClr>
+              </a:solidFill>
+              <a:latin typeface="+mj-lt"/>
+              <a:cs typeface="Courier New" panose="02070309020205020404" pitchFamily="49" charset="0"/>
+            </a:endParaRPr>
+          </a:p>
+          <a:p>
+            <a:r>
+              <a:rPr lang="en-GB" sz="3000" dirty="0">
+                <a:solidFill>
+                  <a:schemeClr val="tx2">
+                    <a:lumMod val="50000"/>
+                    <a:lumOff val="50000"/>
+                  </a:schemeClr>
+                </a:solidFill>
+                <a:latin typeface="+mj-lt"/>
+                <a:cs typeface="Courier New" panose="02070309020205020404" pitchFamily="49" charset="0"/>
+              </a:rPr>
+              <a:t>\subsubsection</a:t>
+            </a:r>
+            <a:r>
+              <a:rPr lang="en-GB" sz="3000" dirty="0">
+                <a:latin typeface="+mj-lt"/>
+                <a:cs typeface="Courier New" panose="02070309020205020404" pitchFamily="49" charset="0"/>
+              </a:rPr>
+              <a:t>{A Subsubsection}</a:t>
+            </a:r>
+          </a:p>
+        </p:txBody>
+      </p:sp>
+      <p:cxnSp>
+        <p:nvCxnSpPr>
+          <p:cNvPr id="11" name="Straight Connector 10"/>
+          <p:cNvCxnSpPr/>
+          <p:nvPr/>
+        </p:nvCxnSpPr>
+        <p:spPr>
+          <a:xfrm>
+            <a:off x="4572000" y="1417638"/>
+            <a:ext cx="0" cy="5440362"/>
+          </a:xfrm>
+          <a:prstGeom prst="line">
+            <a:avLst/>
+          </a:prstGeom>
+        </p:spPr>
+        <p:style>
+          <a:lnRef idx="2">
+            <a:schemeClr val="accent1"/>
+          </a:lnRef>
+          <a:fillRef idx="0">
+            <a:schemeClr val="accent1"/>
+          </a:fillRef>
+          <a:effectRef idx="1">
+            <a:schemeClr val="accent1"/>
+          </a:effectRef>
+          <a:fontRef idx="minor">
+            <a:schemeClr val="tx1"/>
+          </a:fontRef>
+        </p:style>
+      </p:cxnSp>
+      <p:pic>
+        <p:nvPicPr>
+          <p:cNvPr id="12" name="Picture 11">
+            <a:extLst>
+              <a:ext uri="{FF2B5EF4-FFF2-40B4-BE49-F238E27FC236}">
+                <a16:creationId xmlns:a16="http://schemas.microsoft.com/office/drawing/2014/main" id="{068D324C-C8E1-4112-8F44-08BD7E188D07}"/>
+              </a:ext>
+            </a:extLst>
+          </p:cNvPr>
+          <p:cNvPicPr>
+            <a:picLocks noChangeAspect="1"/>
+          </p:cNvPicPr>
+          <p:nvPr/>
+        </p:nvPicPr>
+        <p:blipFill>
+          <a:blip r:embed="rId3"/>
+          <a:stretch>
+            <a:fillRect/>
+          </a:stretch>
+        </p:blipFill>
+        <p:spPr>
+          <a:xfrm>
+            <a:off x="4886316" y="1935916"/>
+            <a:ext cx="4070745" cy="1671988"/>
+          </a:xfrm>
+          <a:prstGeom prst="rect">
+            <a:avLst/>
+          </a:prstGeom>
+        </p:spPr>
+      </p:pic>
+      <p:pic>
+        <p:nvPicPr>
+          <p:cNvPr id="14" name="Picture 13">
+            <a:extLst>
+              <a:ext uri="{FF2B5EF4-FFF2-40B4-BE49-F238E27FC236}">
+                <a16:creationId xmlns:a16="http://schemas.microsoft.com/office/drawing/2014/main" id="{CFCF29F6-1E9E-4F80-BBEE-8F54303C1CDC}"/>
+              </a:ext>
+            </a:extLst>
+          </p:cNvPr>
+          <p:cNvPicPr>
+            <a:picLocks noChangeAspect="1"/>
+          </p:cNvPicPr>
+          <p:nvPr/>
+        </p:nvPicPr>
+        <p:blipFill>
+          <a:blip r:embed="rId4"/>
+          <a:stretch>
+            <a:fillRect/>
+          </a:stretch>
+        </p:blipFill>
+        <p:spPr>
+          <a:xfrm>
+            <a:off x="4886316" y="3904874"/>
+            <a:ext cx="1923420" cy="2296176"/>
+          </a:xfrm>
+          <a:prstGeom prst="rect">
+            <a:avLst/>
+          </a:prstGeom>
+        </p:spPr>
+      </p:pic>
+    </p:spTree>
+    <p:extLst>
+      <p:ext uri="{BB962C8B-B14F-4D97-AF65-F5344CB8AC3E}">
+        <p14:creationId xmlns:p14="http://schemas.microsoft.com/office/powerpoint/2010/main" val="978899800"/>
+      </p:ext>
+    </p:extLst>
+  </p:cSld>
+  <p:clrMapOvr>
+    <a:masterClrMapping/>
+  </p:clrMapOvr>
+  <mc:AlternateContent xmlns:mc="http://schemas.openxmlformats.org/markup-compatibility/2006">
+    <mc:Choice xmlns:p14="http://schemas.microsoft.com/office/powerpoint/2010/main" Requires="p14">
+      <p:transition p14:dur="10"/>
+    </mc:Choice>
+    <mc:Fallback>
+      <p:transition/>
+    </mc:Fallback>
+  </mc:AlternateContent>
+</p:sld>
+</file>
+
+<file path=ppt/slides/slide12.xml><?xml version="1.0" encoding="utf-8"?>
+<p:sld xmlns:a="http://schemas.openxmlformats.org/drawingml/2006/main" xmlns:r="http://schemas.openxmlformats.org/officeDocument/2006/relationships" xmlns:p="http://schemas.openxmlformats.org/presentationml/2006/main">
+  <p:cSld>
+    <p:spTree>
+      <p:nvGrpSpPr>
+        <p:cNvPr id="1" name=""/>
+        <p:cNvGrpSpPr/>
+        <p:nvPr/>
+      </p:nvGrpSpPr>
+      <p:grpSpPr>
+        <a:xfrm>
+          <a:off x="0" y="0"/>
+          <a:ext cx="0" cy="0"/>
+          <a:chOff x="0" y="0"/>
+          <a:chExt cx="0" cy="0"/>
+        </a:xfrm>
+      </p:grpSpPr>
+      <p:sp>
+        <p:nvSpPr>
+          <p:cNvPr id="2" name="Title 1"/>
+          <p:cNvSpPr>
+            <a:spLocks noGrp="1"/>
+          </p:cNvSpPr>
+          <p:nvPr>
+            <p:ph type="title"/>
+          </p:nvPr>
+        </p:nvSpPr>
+        <p:spPr/>
+        <p:txBody>
+          <a:bodyPr/>
+          <a:lstStyle/>
+          <a:p>
+            <a:r>
+              <a:rPr lang="en-GB" sz="4000" dirty="0"/>
+              <a:t>Section and Chapter Depth</a:t>
+            </a:r>
+          </a:p>
+        </p:txBody>
+      </p:sp>
+      <p:sp>
+        <p:nvSpPr>
+          <p:cNvPr id="4" name="TextBox 3"/>
+          <p:cNvSpPr txBox="1"/>
+          <p:nvPr/>
+        </p:nvSpPr>
+        <p:spPr>
+          <a:xfrm>
+            <a:off x="283021" y="2590632"/>
+            <a:ext cx="4230920" cy="2400657"/>
+          </a:xfrm>
+          <a:prstGeom prst="rect">
+            <a:avLst/>
+          </a:prstGeom>
+          <a:noFill/>
+          <a:ln>
+            <a:solidFill>
+              <a:srgbClr val="FF0000"/>
+            </a:solidFill>
+          </a:ln>
+        </p:spPr>
+        <p:txBody>
+          <a:bodyPr wrap="square" rtlCol="0">
+            <a:spAutoFit/>
+          </a:bodyPr>
+          <a:lstStyle/>
+          <a:p>
+            <a:r>
+              <a:rPr lang="en-GB" sz="3000" dirty="0">
+                <a:solidFill>
+                  <a:schemeClr val="tx2">
+                    <a:lumMod val="50000"/>
+                    <a:lumOff val="50000"/>
+                  </a:schemeClr>
+                </a:solidFill>
+                <a:latin typeface="+mj-lt"/>
+                <a:cs typeface="Courier New" panose="02070309020205020404" pitchFamily="49" charset="0"/>
+              </a:rPr>
+              <a:t>\</a:t>
+            </a:r>
+            <a:r>
+              <a:rPr lang="en-GB" sz="3000" dirty="0" err="1">
+                <a:solidFill>
+                  <a:schemeClr val="tx2">
+                    <a:lumMod val="50000"/>
+                    <a:lumOff val="50000"/>
+                  </a:schemeClr>
+                </a:solidFill>
+                <a:latin typeface="+mj-lt"/>
+                <a:cs typeface="Courier New" panose="02070309020205020404" pitchFamily="49" charset="0"/>
+              </a:rPr>
+              <a:t>setcounter</a:t>
+            </a:r>
+            <a:r>
+              <a:rPr lang="en-GB" sz="3000" dirty="0">
+                <a:solidFill>
+                  <a:schemeClr val="tx2">
+                    <a:lumMod val="50000"/>
+                    <a:lumOff val="50000"/>
+                  </a:schemeClr>
+                </a:solidFill>
+                <a:latin typeface="+mj-lt"/>
+                <a:cs typeface="Courier New" panose="02070309020205020404" pitchFamily="49" charset="0"/>
+              </a:rPr>
+              <a:t> </a:t>
+            </a:r>
+            <a:r>
+              <a:rPr lang="en-GB" sz="3000" dirty="0">
+                <a:latin typeface="+mj-lt"/>
+                <a:cs typeface="Courier New" panose="02070309020205020404" pitchFamily="49" charset="0"/>
+              </a:rPr>
+              <a:t>{</a:t>
+            </a:r>
+            <a:r>
+              <a:rPr lang="en-GB" sz="3000" dirty="0" err="1">
+                <a:latin typeface="+mj-lt"/>
+                <a:cs typeface="Courier New" panose="02070309020205020404" pitchFamily="49" charset="0"/>
+              </a:rPr>
+              <a:t>secnumdepth</a:t>
+            </a:r>
+            <a:r>
+              <a:rPr lang="en-GB" sz="3000" dirty="0">
+                <a:latin typeface="+mj-lt"/>
+                <a:cs typeface="Courier New" panose="02070309020205020404" pitchFamily="49" charset="0"/>
+              </a:rPr>
+              <a:t>}{3} </a:t>
+            </a:r>
+          </a:p>
+          <a:p>
+            <a:endParaRPr lang="en-GB" sz="3000" dirty="0">
+              <a:solidFill>
+                <a:schemeClr val="tx2">
+                  <a:lumMod val="50000"/>
+                  <a:lumOff val="50000"/>
+                </a:schemeClr>
+              </a:solidFill>
+              <a:latin typeface="+mj-lt"/>
+              <a:cs typeface="Courier New" panose="02070309020205020404" pitchFamily="49" charset="0"/>
+            </a:endParaRPr>
+          </a:p>
+          <a:p>
+            <a:r>
+              <a:rPr lang="en-GB" sz="3000" dirty="0">
+                <a:solidFill>
+                  <a:schemeClr val="tx2">
+                    <a:lumMod val="50000"/>
+                    <a:lumOff val="50000"/>
+                  </a:schemeClr>
+                </a:solidFill>
+                <a:latin typeface="+mj-lt"/>
+                <a:cs typeface="Courier New" panose="02070309020205020404" pitchFamily="49" charset="0"/>
+              </a:rPr>
+              <a:t>\</a:t>
+            </a:r>
+            <a:r>
+              <a:rPr lang="en-GB" sz="3000" dirty="0" err="1">
+                <a:solidFill>
+                  <a:schemeClr val="tx2">
+                    <a:lumMod val="50000"/>
+                    <a:lumOff val="50000"/>
+                  </a:schemeClr>
+                </a:solidFill>
+                <a:latin typeface="+mj-lt"/>
+                <a:cs typeface="Courier New" panose="02070309020205020404" pitchFamily="49" charset="0"/>
+              </a:rPr>
+              <a:t>setcounter</a:t>
+            </a:r>
+            <a:r>
+              <a:rPr lang="en-GB" sz="3000" dirty="0">
+                <a:latin typeface="+mj-lt"/>
+                <a:cs typeface="Courier New" panose="02070309020205020404" pitchFamily="49" charset="0"/>
+              </a:rPr>
+              <a:t>{</a:t>
+            </a:r>
+            <a:r>
+              <a:rPr lang="en-GB" sz="3000" dirty="0" err="1">
+                <a:latin typeface="+mj-lt"/>
+                <a:cs typeface="Courier New" panose="02070309020205020404" pitchFamily="49" charset="0"/>
+              </a:rPr>
+              <a:t>tocdepth</a:t>
+            </a:r>
+            <a:r>
+              <a:rPr lang="en-GB" sz="3000" dirty="0">
+                <a:latin typeface="+mj-lt"/>
+                <a:cs typeface="Courier New" panose="02070309020205020404" pitchFamily="49" charset="0"/>
+              </a:rPr>
+              <a:t>} {3}</a:t>
+            </a:r>
+          </a:p>
+        </p:txBody>
+      </p:sp>
+      <p:cxnSp>
+        <p:nvCxnSpPr>
+          <p:cNvPr id="11" name="Straight Connector 10"/>
+          <p:cNvCxnSpPr/>
+          <p:nvPr/>
+        </p:nvCxnSpPr>
+        <p:spPr>
+          <a:xfrm>
+            <a:off x="4572000" y="1417638"/>
+            <a:ext cx="0" cy="5440362"/>
+          </a:xfrm>
+          <a:prstGeom prst="line">
+            <a:avLst/>
+          </a:prstGeom>
+        </p:spPr>
+        <p:style>
+          <a:lnRef idx="2">
+            <a:schemeClr val="accent1"/>
+          </a:lnRef>
+          <a:fillRef idx="0">
+            <a:schemeClr val="accent1"/>
+          </a:fillRef>
+          <a:effectRef idx="1">
+            <a:schemeClr val="accent1"/>
+          </a:effectRef>
+          <a:fontRef idx="minor">
+            <a:schemeClr val="tx1"/>
+          </a:fontRef>
+        </p:style>
+      </p:cxnSp>
+      <p:sp>
+        <p:nvSpPr>
+          <p:cNvPr id="6" name="TextBox 5">
+            <a:extLst>
+              <a:ext uri="{FF2B5EF4-FFF2-40B4-BE49-F238E27FC236}">
+                <a16:creationId xmlns:a16="http://schemas.microsoft.com/office/drawing/2014/main" id="{016B593D-9671-4306-AC3D-C3E5EF3900E6}"/>
+              </a:ext>
+            </a:extLst>
+          </p:cNvPr>
+          <p:cNvSpPr txBox="1"/>
+          <p:nvPr/>
+        </p:nvSpPr>
+        <p:spPr>
+          <a:xfrm>
+            <a:off x="7357241" y="6498021"/>
+            <a:ext cx="1697422" cy="369332"/>
+          </a:xfrm>
+          <a:prstGeom prst="rect">
+            <a:avLst/>
+          </a:prstGeom>
+          <a:noFill/>
+        </p:spPr>
+        <p:txBody>
+          <a:bodyPr wrap="square" rtlCol="0">
+            <a:spAutoFit/>
+          </a:bodyPr>
+          <a:lstStyle/>
+          <a:p>
+            <a:r>
+              <a:rPr lang="en-GB" dirty="0">
+                <a:solidFill>
+                  <a:schemeClr val="accent2"/>
+                </a:solidFill>
+              </a:rPr>
+              <a:t>Problem Sheet</a:t>
+            </a:r>
+          </a:p>
+        </p:txBody>
+      </p:sp>
+      <p:pic>
+        <p:nvPicPr>
+          <p:cNvPr id="7" name="Picture 6">
+            <a:extLst>
+              <a:ext uri="{FF2B5EF4-FFF2-40B4-BE49-F238E27FC236}">
+                <a16:creationId xmlns:a16="http://schemas.microsoft.com/office/drawing/2014/main" id="{F161F979-C5B5-424C-A8EA-470A0AAB550F}"/>
+              </a:ext>
+            </a:extLst>
+          </p:cNvPr>
+          <p:cNvPicPr>
+            <a:picLocks noChangeAspect="1"/>
+          </p:cNvPicPr>
+          <p:nvPr/>
+        </p:nvPicPr>
+        <p:blipFill>
+          <a:blip r:embed="rId3"/>
+          <a:stretch>
+            <a:fillRect/>
+          </a:stretch>
+        </p:blipFill>
+        <p:spPr>
+          <a:xfrm>
+            <a:off x="4886316" y="1869668"/>
+            <a:ext cx="4257683" cy="1981036"/>
+          </a:xfrm>
+          <a:prstGeom prst="rect">
+            <a:avLst/>
+          </a:prstGeom>
+        </p:spPr>
+      </p:pic>
+      <p:pic>
+        <p:nvPicPr>
+          <p:cNvPr id="9" name="Picture 8">
+            <a:extLst>
+              <a:ext uri="{FF2B5EF4-FFF2-40B4-BE49-F238E27FC236}">
+                <a16:creationId xmlns:a16="http://schemas.microsoft.com/office/drawing/2014/main" id="{49908345-B479-4E19-B7C1-CB9F3B94064F}"/>
+              </a:ext>
+            </a:extLst>
+          </p:cNvPr>
+          <p:cNvPicPr>
+            <a:picLocks noChangeAspect="1"/>
+          </p:cNvPicPr>
+          <p:nvPr/>
+        </p:nvPicPr>
+        <p:blipFill>
+          <a:blip r:embed="rId4"/>
+          <a:stretch>
+            <a:fillRect/>
+          </a:stretch>
+        </p:blipFill>
+        <p:spPr>
+          <a:xfrm>
+            <a:off x="4886316" y="3978264"/>
+            <a:ext cx="2092171" cy="2392196"/>
+          </a:xfrm>
+          <a:prstGeom prst="rect">
+            <a:avLst/>
+          </a:prstGeom>
+        </p:spPr>
+      </p:pic>
+      <p:sp>
+        <p:nvSpPr>
+          <p:cNvPr id="3" name="TextBox 2">
+            <a:extLst>
+              <a:ext uri="{FF2B5EF4-FFF2-40B4-BE49-F238E27FC236}">
+                <a16:creationId xmlns:a16="http://schemas.microsoft.com/office/drawing/2014/main" id="{CEA63588-6052-45AE-88E0-2E6EA83273BF}"/>
+              </a:ext>
+            </a:extLst>
+          </p:cNvPr>
+          <p:cNvSpPr txBox="1"/>
+          <p:nvPr/>
+        </p:nvSpPr>
+        <p:spPr>
+          <a:xfrm>
+            <a:off x="283021" y="2221300"/>
+            <a:ext cx="2272356" cy="369332"/>
+          </a:xfrm>
+          <a:prstGeom prst="rect">
+            <a:avLst/>
+          </a:prstGeom>
+          <a:noFill/>
+          <a:ln>
+            <a:solidFill>
+              <a:srgbClr val="FF0000"/>
+            </a:solidFill>
+          </a:ln>
+        </p:spPr>
+        <p:txBody>
+          <a:bodyPr wrap="square" rtlCol="0">
+            <a:spAutoFit/>
+          </a:bodyPr>
+          <a:lstStyle/>
+          <a:p>
+            <a:r>
+              <a:rPr lang="en-GB" dirty="0">
+                <a:solidFill>
+                  <a:srgbClr val="FF0000"/>
+                </a:solidFill>
+              </a:rPr>
+              <a:t>Add to preamble</a:t>
+            </a:r>
+          </a:p>
+        </p:txBody>
+      </p:sp>
+      <p:sp>
+        <p:nvSpPr>
+          <p:cNvPr id="5" name="TextBox 4">
+            <a:extLst>
+              <a:ext uri="{FF2B5EF4-FFF2-40B4-BE49-F238E27FC236}">
+                <a16:creationId xmlns:a16="http://schemas.microsoft.com/office/drawing/2014/main" id="{BE37356D-3C7C-48E9-B1CE-D015C90E9619}"/>
+              </a:ext>
+            </a:extLst>
+          </p:cNvPr>
+          <p:cNvSpPr txBox="1"/>
+          <p:nvPr/>
+        </p:nvSpPr>
+        <p:spPr>
+          <a:xfrm>
+            <a:off x="7547574" y="4017195"/>
+            <a:ext cx="902811" cy="338554"/>
+          </a:xfrm>
+          <a:prstGeom prst="rect">
+            <a:avLst/>
+          </a:prstGeom>
+          <a:noFill/>
+        </p:spPr>
+        <p:txBody>
+          <a:bodyPr wrap="none" rtlCol="0">
+            <a:spAutoFit/>
+          </a:bodyPr>
+          <a:lstStyle/>
+          <a:p>
+            <a:r>
+              <a:rPr lang="en-GB" sz="1600" dirty="0">
+                <a:solidFill>
+                  <a:srgbClr val="FF0000"/>
+                </a:solidFill>
+              </a:rPr>
+              <a:t>Depth 0</a:t>
+            </a:r>
+          </a:p>
+        </p:txBody>
+      </p:sp>
+      <p:sp>
+        <p:nvSpPr>
+          <p:cNvPr id="10" name="TextBox 9">
+            <a:extLst>
+              <a:ext uri="{FF2B5EF4-FFF2-40B4-BE49-F238E27FC236}">
+                <a16:creationId xmlns:a16="http://schemas.microsoft.com/office/drawing/2014/main" id="{16D7942A-7302-4A9A-8779-AEE8D1A20F74}"/>
+              </a:ext>
+            </a:extLst>
+          </p:cNvPr>
+          <p:cNvSpPr txBox="1"/>
+          <p:nvPr/>
+        </p:nvSpPr>
+        <p:spPr>
+          <a:xfrm>
+            <a:off x="7547574" y="5240731"/>
+            <a:ext cx="902811" cy="338554"/>
+          </a:xfrm>
+          <a:prstGeom prst="rect">
+            <a:avLst/>
+          </a:prstGeom>
+          <a:noFill/>
+        </p:spPr>
+        <p:txBody>
+          <a:bodyPr wrap="none" rtlCol="0">
+            <a:spAutoFit/>
+          </a:bodyPr>
+          <a:lstStyle/>
+          <a:p>
+            <a:r>
+              <a:rPr lang="en-GB" sz="1600" dirty="0">
+                <a:solidFill>
+                  <a:srgbClr val="FF0000"/>
+                </a:solidFill>
+              </a:rPr>
+              <a:t>Depth 1</a:t>
+            </a:r>
+          </a:p>
+        </p:txBody>
+      </p:sp>
+      <p:sp>
+        <p:nvSpPr>
+          <p:cNvPr id="12" name="TextBox 11">
+            <a:extLst>
+              <a:ext uri="{FF2B5EF4-FFF2-40B4-BE49-F238E27FC236}">
+                <a16:creationId xmlns:a16="http://schemas.microsoft.com/office/drawing/2014/main" id="{9A91F1F6-B162-46EB-8C67-8C35CB9B71CA}"/>
+              </a:ext>
+            </a:extLst>
+          </p:cNvPr>
+          <p:cNvSpPr txBox="1"/>
+          <p:nvPr/>
+        </p:nvSpPr>
+        <p:spPr>
+          <a:xfrm>
+            <a:off x="7547573" y="5657005"/>
+            <a:ext cx="902811" cy="338554"/>
+          </a:xfrm>
+          <a:prstGeom prst="rect">
+            <a:avLst/>
+          </a:prstGeom>
+          <a:noFill/>
+        </p:spPr>
+        <p:txBody>
+          <a:bodyPr wrap="none" rtlCol="0">
+            <a:spAutoFit/>
+          </a:bodyPr>
+          <a:lstStyle/>
+          <a:p>
+            <a:r>
+              <a:rPr lang="en-GB" sz="1600" dirty="0">
+                <a:solidFill>
+                  <a:srgbClr val="FF0000"/>
+                </a:solidFill>
+              </a:rPr>
+              <a:t>Depth 2</a:t>
+            </a:r>
+          </a:p>
+        </p:txBody>
+      </p:sp>
+      <p:sp>
+        <p:nvSpPr>
+          <p:cNvPr id="13" name="TextBox 12">
+            <a:extLst>
+              <a:ext uri="{FF2B5EF4-FFF2-40B4-BE49-F238E27FC236}">
+                <a16:creationId xmlns:a16="http://schemas.microsoft.com/office/drawing/2014/main" id="{A8B6F1BF-8366-42F5-A72C-D4F22CB64E12}"/>
+              </a:ext>
+            </a:extLst>
+          </p:cNvPr>
+          <p:cNvSpPr txBox="1"/>
+          <p:nvPr/>
+        </p:nvSpPr>
+        <p:spPr>
+          <a:xfrm>
+            <a:off x="7547572" y="6058316"/>
+            <a:ext cx="902811" cy="338554"/>
+          </a:xfrm>
+          <a:prstGeom prst="rect">
+            <a:avLst/>
+          </a:prstGeom>
+          <a:noFill/>
+        </p:spPr>
+        <p:txBody>
+          <a:bodyPr wrap="none" rtlCol="0">
+            <a:spAutoFit/>
+          </a:bodyPr>
+          <a:lstStyle/>
+          <a:p>
+            <a:r>
+              <a:rPr lang="en-GB" sz="1600" dirty="0">
+                <a:solidFill>
+                  <a:srgbClr val="FF0000"/>
+                </a:solidFill>
+              </a:rPr>
+              <a:t>Depth 3</a:t>
+            </a:r>
+          </a:p>
+        </p:txBody>
+      </p:sp>
+      <p:cxnSp>
+        <p:nvCxnSpPr>
+          <p:cNvPr id="14" name="Straight Arrow Connector 13">
+            <a:extLst>
+              <a:ext uri="{FF2B5EF4-FFF2-40B4-BE49-F238E27FC236}">
+                <a16:creationId xmlns:a16="http://schemas.microsoft.com/office/drawing/2014/main" id="{A0976D07-BC00-4DDF-A068-367A36D21F26}"/>
+              </a:ext>
+            </a:extLst>
+          </p:cNvPr>
+          <p:cNvCxnSpPr>
+            <a:stCxn id="5" idx="1"/>
+          </p:cNvCxnSpPr>
+          <p:nvPr/>
+        </p:nvCxnSpPr>
+        <p:spPr>
+          <a:xfrm flipH="1">
+            <a:off x="6484826" y="4186472"/>
+            <a:ext cx="1062748" cy="0"/>
+          </a:xfrm>
+          <a:prstGeom prst="straightConnector1">
+            <a:avLst/>
+          </a:prstGeom>
+          <a:ln>
+            <a:tailEnd type="triangle"/>
+          </a:ln>
+        </p:spPr>
+        <p:style>
+          <a:lnRef idx="2">
+            <a:schemeClr val="accent1"/>
+          </a:lnRef>
+          <a:fillRef idx="0">
+            <a:schemeClr val="accent1"/>
+          </a:fillRef>
+          <a:effectRef idx="1">
+            <a:schemeClr val="accent1"/>
+          </a:effectRef>
+          <a:fontRef idx="minor">
+            <a:schemeClr val="tx1"/>
+          </a:fontRef>
+        </p:style>
+      </p:cxnSp>
+      <p:cxnSp>
+        <p:nvCxnSpPr>
+          <p:cNvPr id="15" name="Straight Arrow Connector 14">
+            <a:extLst>
+              <a:ext uri="{FF2B5EF4-FFF2-40B4-BE49-F238E27FC236}">
+                <a16:creationId xmlns:a16="http://schemas.microsoft.com/office/drawing/2014/main" id="{82F3A7B0-3565-4283-8917-2DC788A10FCB}"/>
+              </a:ext>
+            </a:extLst>
+          </p:cNvPr>
+          <p:cNvCxnSpPr>
+            <a:cxnSpLocks/>
+            <a:stCxn id="10" idx="1"/>
+          </p:cNvCxnSpPr>
+          <p:nvPr/>
+        </p:nvCxnSpPr>
+        <p:spPr>
+          <a:xfrm flipH="1">
+            <a:off x="6484826" y="5410008"/>
+            <a:ext cx="1062748" cy="246997"/>
+          </a:xfrm>
+          <a:prstGeom prst="straightConnector1">
+            <a:avLst/>
+          </a:prstGeom>
+          <a:ln>
+            <a:tailEnd type="triangle"/>
+          </a:ln>
+        </p:spPr>
+        <p:style>
+          <a:lnRef idx="2">
+            <a:schemeClr val="accent1"/>
+          </a:lnRef>
+          <a:fillRef idx="0">
+            <a:schemeClr val="accent1"/>
+          </a:fillRef>
+          <a:effectRef idx="1">
+            <a:schemeClr val="accent1"/>
+          </a:effectRef>
+          <a:fontRef idx="minor">
+            <a:schemeClr val="tx1"/>
+          </a:fontRef>
+        </p:style>
+      </p:cxnSp>
+      <p:cxnSp>
+        <p:nvCxnSpPr>
+          <p:cNvPr id="16" name="Straight Arrow Connector 15">
+            <a:extLst>
+              <a:ext uri="{FF2B5EF4-FFF2-40B4-BE49-F238E27FC236}">
+                <a16:creationId xmlns:a16="http://schemas.microsoft.com/office/drawing/2014/main" id="{72746100-F708-4056-A375-94CCBBA497FE}"/>
+              </a:ext>
+            </a:extLst>
+          </p:cNvPr>
+          <p:cNvCxnSpPr>
+            <a:cxnSpLocks/>
+            <a:stCxn id="12" idx="1"/>
+          </p:cNvCxnSpPr>
+          <p:nvPr/>
+        </p:nvCxnSpPr>
+        <p:spPr>
+          <a:xfrm flipH="1">
+            <a:off x="6687477" y="5826282"/>
+            <a:ext cx="860096" cy="164134"/>
+          </a:xfrm>
+          <a:prstGeom prst="straightConnector1">
+            <a:avLst/>
+          </a:prstGeom>
+          <a:ln>
+            <a:tailEnd type="triangle"/>
+          </a:ln>
+        </p:spPr>
+        <p:style>
+          <a:lnRef idx="2">
+            <a:schemeClr val="accent1"/>
+          </a:lnRef>
+          <a:fillRef idx="0">
+            <a:schemeClr val="accent1"/>
+          </a:fillRef>
+          <a:effectRef idx="1">
+            <a:schemeClr val="accent1"/>
+          </a:effectRef>
+          <a:fontRef idx="minor">
+            <a:schemeClr val="tx1"/>
+          </a:fontRef>
+        </p:style>
+      </p:cxnSp>
+      <p:cxnSp>
+        <p:nvCxnSpPr>
+          <p:cNvPr id="17" name="Straight Arrow Connector 16">
+            <a:extLst>
+              <a:ext uri="{FF2B5EF4-FFF2-40B4-BE49-F238E27FC236}">
+                <a16:creationId xmlns:a16="http://schemas.microsoft.com/office/drawing/2014/main" id="{C2D6A218-A7D9-4864-89A1-D1A0A4F8324A}"/>
+              </a:ext>
+            </a:extLst>
+          </p:cNvPr>
+          <p:cNvCxnSpPr>
+            <a:cxnSpLocks/>
+            <a:stCxn id="13" idx="1"/>
+          </p:cNvCxnSpPr>
+          <p:nvPr/>
+        </p:nvCxnSpPr>
+        <p:spPr>
+          <a:xfrm flipH="1">
+            <a:off x="6776445" y="6227593"/>
+            <a:ext cx="771127" cy="14963"/>
+          </a:xfrm>
+          <a:prstGeom prst="straightConnector1">
+            <a:avLst/>
+          </a:prstGeom>
+          <a:ln>
+            <a:tailEnd type="triangle"/>
+          </a:ln>
+        </p:spPr>
+        <p:style>
+          <a:lnRef idx="2">
+            <a:schemeClr val="accent1"/>
+          </a:lnRef>
+          <a:fillRef idx="0">
+            <a:schemeClr val="accent1"/>
+          </a:fillRef>
+          <a:effectRef idx="1">
+            <a:schemeClr val="accent1"/>
+          </a:effectRef>
+          <a:fontRef idx="minor">
+            <a:schemeClr val="tx1"/>
+          </a:fontRef>
+        </p:style>
+      </p:cxnSp>
+    </p:spTree>
+    <p:extLst>
+      <p:ext uri="{BB962C8B-B14F-4D97-AF65-F5344CB8AC3E}">
+        <p14:creationId xmlns:p14="http://schemas.microsoft.com/office/powerpoint/2010/main" val="366462022"/>
+      </p:ext>
+    </p:extLst>
+  </p:cSld>
+  <p:clrMapOvr>
+    <a:masterClrMapping/>
+  </p:clrMapOvr>
+  <mc:AlternateContent xmlns:mc="http://schemas.openxmlformats.org/markup-compatibility/2006">
+    <mc:Choice xmlns:p14="http://schemas.microsoft.com/office/powerpoint/2010/main" Requires="p14">
+      <p:transition p14:dur="10"/>
+    </mc:Choice>
+    <mc:Fallback>
+      <p:transition/>
+    </mc:Fallback>
+  </mc:AlternateContent>
+</p:sld>
+</file>
+
+<file path=ppt/slides/slide13.xml><?xml version="1.0" encoding="utf-8"?>
 <p:sld xmlns:a="http://schemas.openxmlformats.org/drawingml/2006/main" xmlns:r="http://schemas.openxmlformats.org/officeDocument/2006/relationships" xmlns:p="http://schemas.openxmlformats.org/presentationml/2006/main">
   <p:cSld>
     <p:spTree>
@@ -7563,7 +9042,7 @@
 </p:sld>
 </file>
 
-<file path=ppt/slides/slide12.xml><?xml version="1.0" encoding="utf-8"?>
+<file path=ppt/slides/slide14.xml><?xml version="1.0" encoding="utf-8"?>
 <p:sld xmlns:a="http://schemas.openxmlformats.org/drawingml/2006/main" xmlns:r="http://schemas.openxmlformats.org/officeDocument/2006/relationships" xmlns:p="http://schemas.openxmlformats.org/presentationml/2006/main">
   <p:cSld>
     <p:spTree>
@@ -8384,7 +9863,7 @@
 </p:sld>
 </file>
 
-<file path=ppt/slides/slide13.xml><?xml version="1.0" encoding="utf-8"?>
+<file path=ppt/slides/slide15.xml><?xml version="1.0" encoding="utf-8"?>
 <p:sld xmlns:a="http://schemas.openxmlformats.org/drawingml/2006/main" xmlns:r="http://schemas.openxmlformats.org/officeDocument/2006/relationships" xmlns:p="http://schemas.openxmlformats.org/presentationml/2006/main">
   <p:cSld>
     <p:spTree>
@@ -8669,7 +10148,7 @@
 </p:sld>
 </file>
 
-<file path=ppt/slides/slide14.xml><?xml version="1.0" encoding="utf-8"?>
+<file path=ppt/slides/slide16.xml><?xml version="1.0" encoding="utf-8"?>
 <p:sld xmlns:a="http://schemas.openxmlformats.org/drawingml/2006/main" xmlns:r="http://schemas.openxmlformats.org/officeDocument/2006/relationships" xmlns:p="http://schemas.openxmlformats.org/presentationml/2006/main">
   <p:cSld>
     <p:spTree>
@@ -9234,7 +10713,7 @@
 </p:sld>
 </file>
 
-<file path=ppt/slides/slide15.xml><?xml version="1.0" encoding="utf-8"?>
+<file path=ppt/slides/slide17.xml><?xml version="1.0" encoding="utf-8"?>
 <p:sld xmlns:a="http://schemas.openxmlformats.org/drawingml/2006/main" xmlns:r="http://schemas.openxmlformats.org/officeDocument/2006/relationships" xmlns:p="http://schemas.openxmlformats.org/presentationml/2006/main">
   <p:cSld>
     <p:spTree>
@@ -9733,7 +11212,7 @@
 </p:sld>
 </file>
 
-<file path=ppt/slides/slide16.xml><?xml version="1.0" encoding="utf-8"?>
+<file path=ppt/slides/slide18.xml><?xml version="1.0" encoding="utf-8"?>
 <p:sld xmlns:a="http://schemas.openxmlformats.org/drawingml/2006/main" xmlns:r="http://schemas.openxmlformats.org/officeDocument/2006/relationships" xmlns:p="http://schemas.openxmlformats.org/presentationml/2006/main">
   <p:cSld>
     <p:spTree>
@@ -9816,8 +11295,8 @@
         </p:nvSpPr>
         <p:spPr>
           <a:xfrm>
-            <a:off x="300445" y="1252639"/>
-            <a:ext cx="4448577" cy="5478423"/>
+            <a:off x="251018" y="2167849"/>
+            <a:ext cx="4448577" cy="3939540"/>
           </a:xfrm>
           <a:prstGeom prst="rect">
             <a:avLst/>
@@ -9828,100 +11307,6 @@
             <a:spAutoFit/>
           </a:bodyPr>
           <a:lstStyle/>
-          <a:p>
-            <a:r>
-              <a:rPr lang="en-GB" sz="2500" dirty="0">
-                <a:solidFill>
-                  <a:schemeClr val="tx2">
-                    <a:lumMod val="50000"/>
-                    <a:lumOff val="50000"/>
-                  </a:schemeClr>
-                </a:solidFill>
-              </a:rPr>
-              <a:t>\</a:t>
-            </a:r>
-            <a:r>
-              <a:rPr lang="en-GB" sz="2500" dirty="0" err="1">
-                <a:solidFill>
-                  <a:schemeClr val="tx2">
-                    <a:lumMod val="50000"/>
-                    <a:lumOff val="50000"/>
-                  </a:schemeClr>
-                </a:solidFill>
-              </a:rPr>
-              <a:t>usepackage</a:t>
-            </a:r>
-            <a:r>
-              <a:rPr lang="en-GB" sz="2500" dirty="0"/>
-              <a:t>{</a:t>
-            </a:r>
-            <a:r>
-              <a:rPr lang="en-GB" sz="2500" dirty="0" err="1">
-                <a:solidFill>
-                  <a:schemeClr val="tx2">
-                    <a:lumMod val="50000"/>
-                    <a:lumOff val="50000"/>
-                  </a:schemeClr>
-                </a:solidFill>
-              </a:rPr>
-              <a:t>graphicx</a:t>
-            </a:r>
-            <a:r>
-              <a:rPr lang="en-GB" sz="2500" dirty="0"/>
-              <a:t>}</a:t>
-            </a:r>
-          </a:p>
-          <a:p>
-            <a:endParaRPr lang="en-GB" sz="2500" dirty="0">
-              <a:solidFill>
-                <a:schemeClr val="tx2">
-                  <a:lumMod val="50000"/>
-                  <a:lumOff val="50000"/>
-                </a:schemeClr>
-              </a:solidFill>
-            </a:endParaRPr>
-          </a:p>
-          <a:p>
-            <a:r>
-              <a:rPr lang="en-GB" sz="2500" dirty="0">
-                <a:solidFill>
-                  <a:schemeClr val="tx2">
-                    <a:lumMod val="50000"/>
-                    <a:lumOff val="50000"/>
-                  </a:schemeClr>
-                </a:solidFill>
-              </a:rPr>
-              <a:t>\begin</a:t>
-            </a:r>
-            <a:r>
-              <a:rPr lang="en-GB" sz="2500" dirty="0"/>
-              <a:t>{</a:t>
-            </a:r>
-            <a:r>
-              <a:rPr lang="en-GB" sz="2500" dirty="0">
-                <a:solidFill>
-                  <a:schemeClr val="accent4">
-                    <a:lumMod val="75000"/>
-                  </a:schemeClr>
-                </a:solidFill>
-              </a:rPr>
-              <a:t>document</a:t>
-            </a:r>
-            <a:r>
-              <a:rPr lang="en-GB" sz="2500" dirty="0"/>
-              <a:t>}</a:t>
-            </a:r>
-          </a:p>
-          <a:p>
-            <a:endParaRPr lang="en-GB" sz="2500" dirty="0">
-              <a:solidFill>
-                <a:schemeClr val="tx2">
-                  <a:lumMod val="50000"/>
-                  <a:lumOff val="50000"/>
-                </a:schemeClr>
-              </a:solidFill>
-            </a:endParaRPr>
-          </a:p>
           <a:p>
             <a:r>
               <a:rPr lang="en-GB" sz="2500" dirty="0">
@@ -10180,6 +11565,148 @@
           </a:p>
         </p:txBody>
       </p:sp>
+      <p:grpSp>
+        <p:nvGrpSpPr>
+          <p:cNvPr id="5" name="Group 4">
+            <a:extLst>
+              <a:ext uri="{FF2B5EF4-FFF2-40B4-BE49-F238E27FC236}">
+                <a16:creationId xmlns:a16="http://schemas.microsoft.com/office/drawing/2014/main" id="{24CBAB40-2A2B-4C79-ABC6-AB3AA9AAD215}"/>
+              </a:ext>
+            </a:extLst>
+          </p:cNvPr>
+          <p:cNvGrpSpPr/>
+          <p:nvPr/>
+        </p:nvGrpSpPr>
+        <p:grpSpPr>
+          <a:xfrm>
+            <a:off x="285617" y="1103935"/>
+            <a:ext cx="3425938" cy="845725"/>
+            <a:chOff x="251017" y="1064186"/>
+            <a:chExt cx="3425938" cy="845725"/>
+          </a:xfrm>
+        </p:grpSpPr>
+        <p:sp>
+          <p:nvSpPr>
+            <p:cNvPr id="3" name="TextBox 2">
+              <a:extLst>
+                <a:ext uri="{FF2B5EF4-FFF2-40B4-BE49-F238E27FC236}">
+                  <a16:creationId xmlns:a16="http://schemas.microsoft.com/office/drawing/2014/main" id="{0787310E-70E0-44FF-B521-0B689D3F5995}"/>
+                </a:ext>
+              </a:extLst>
+            </p:cNvPr>
+            <p:cNvSpPr txBox="1"/>
+            <p:nvPr/>
+          </p:nvSpPr>
+          <p:spPr>
+            <a:xfrm>
+              <a:off x="251017" y="1432857"/>
+              <a:ext cx="3425938" cy="477054"/>
+            </a:xfrm>
+            <a:prstGeom prst="rect">
+              <a:avLst/>
+            </a:prstGeom>
+            <a:noFill/>
+            <a:ln>
+              <a:solidFill>
+                <a:srgbClr val="FF0000"/>
+              </a:solidFill>
+            </a:ln>
+          </p:spPr>
+          <p:txBody>
+            <a:bodyPr wrap="none" rtlCol="0">
+              <a:spAutoFit/>
+            </a:bodyPr>
+            <a:lstStyle/>
+            <a:p>
+              <a:r>
+                <a:rPr lang="en-GB" sz="2500" dirty="0">
+                  <a:solidFill>
+                    <a:schemeClr val="tx2">
+                      <a:lumMod val="50000"/>
+                      <a:lumOff val="50000"/>
+                    </a:schemeClr>
+                  </a:solidFill>
+                </a:rPr>
+                <a:t>\</a:t>
+              </a:r>
+              <a:r>
+                <a:rPr lang="en-GB" sz="2500" dirty="0" err="1">
+                  <a:solidFill>
+                    <a:schemeClr val="tx2">
+                      <a:lumMod val="50000"/>
+                      <a:lumOff val="50000"/>
+                    </a:schemeClr>
+                  </a:solidFill>
+                </a:rPr>
+                <a:t>usepackage</a:t>
+              </a:r>
+              <a:r>
+                <a:rPr lang="en-GB" sz="2500" dirty="0"/>
+                <a:t>{</a:t>
+              </a:r>
+              <a:r>
+                <a:rPr lang="en-GB" sz="2500" dirty="0" err="1">
+                  <a:solidFill>
+                    <a:schemeClr val="tx2">
+                      <a:lumMod val="50000"/>
+                      <a:lumOff val="50000"/>
+                    </a:schemeClr>
+                  </a:solidFill>
+                </a:rPr>
+                <a:t>graphicx</a:t>
+              </a:r>
+              <a:r>
+                <a:rPr lang="en-GB" sz="2500" dirty="0"/>
+                <a:t>}</a:t>
+              </a:r>
+            </a:p>
+          </p:txBody>
+        </p:sp>
+        <p:sp>
+          <p:nvSpPr>
+            <p:cNvPr id="4" name="TextBox 3">
+              <a:extLst>
+                <a:ext uri="{FF2B5EF4-FFF2-40B4-BE49-F238E27FC236}">
+                  <a16:creationId xmlns:a16="http://schemas.microsoft.com/office/drawing/2014/main" id="{8608B5DA-14FD-4EDF-8FE9-3DD5557D6891}"/>
+                </a:ext>
+              </a:extLst>
+            </p:cNvPr>
+            <p:cNvSpPr txBox="1"/>
+            <p:nvPr/>
+          </p:nvSpPr>
+          <p:spPr>
+            <a:xfrm>
+              <a:off x="251018" y="1064186"/>
+              <a:ext cx="1859516" cy="369332"/>
+            </a:xfrm>
+            <a:prstGeom prst="rect">
+              <a:avLst/>
+            </a:prstGeom>
+            <a:noFill/>
+            <a:ln>
+              <a:solidFill>
+                <a:srgbClr val="FF0000"/>
+              </a:solidFill>
+            </a:ln>
+          </p:spPr>
+          <p:txBody>
+            <a:bodyPr wrap="square" rtlCol="0">
+              <a:spAutoFit/>
+            </a:bodyPr>
+            <a:lstStyle/>
+            <a:p>
+              <a:r>
+                <a:rPr lang="en-GB" dirty="0">
+                  <a:solidFill>
+                    <a:srgbClr val="FF0000"/>
+                  </a:solidFill>
+                </a:rPr>
+                <a:t>Add to preamble</a:t>
+              </a:r>
+            </a:p>
+          </p:txBody>
+        </p:sp>
+      </p:grpSp>
     </p:spTree>
     <p:extLst>
       <p:ext uri="{BB962C8B-B14F-4D97-AF65-F5344CB8AC3E}">
@@ -10201,7 +11728,7 @@
 </p:sld>
 </file>
 
-<file path=ppt/slides/slide17.xml><?xml version="1.0" encoding="utf-8"?>
+<file path=ppt/slides/slide19.xml><?xml version="1.0" encoding="utf-8"?>
 <p:sld xmlns:a="http://schemas.openxmlformats.org/drawingml/2006/main" xmlns:r="http://schemas.openxmlformats.org/officeDocument/2006/relationships" xmlns:p="http://schemas.openxmlformats.org/presentationml/2006/main">
   <p:cSld>
     <p:spTree>
@@ -10634,7 +12161,133 @@
 </p:sld>
 </file>
 
-<file path=ppt/slides/slide18.xml><?xml version="1.0" encoding="utf-8"?>
+<file path=ppt/slides/slide2.xml><?xml version="1.0" encoding="utf-8"?>
+<p:sld xmlns:a="http://schemas.openxmlformats.org/drawingml/2006/main" xmlns:r="http://schemas.openxmlformats.org/officeDocument/2006/relationships" xmlns:p="http://schemas.openxmlformats.org/presentationml/2006/main">
+  <p:cSld>
+    <p:spTree>
+      <p:nvGrpSpPr>
+        <p:cNvPr id="1" name=""/>
+        <p:cNvGrpSpPr/>
+        <p:nvPr/>
+      </p:nvGrpSpPr>
+      <p:grpSpPr>
+        <a:xfrm>
+          <a:off x="0" y="0"/>
+          <a:ext cx="0" cy="0"/>
+          <a:chOff x="0" y="0"/>
+          <a:chExt cx="0" cy="0"/>
+        </a:xfrm>
+      </p:grpSpPr>
+      <p:sp>
+        <p:nvSpPr>
+          <p:cNvPr id="2" name="Title 1"/>
+          <p:cNvSpPr>
+            <a:spLocks noGrp="1"/>
+          </p:cNvSpPr>
+          <p:nvPr>
+            <p:ph type="title"/>
+          </p:nvPr>
+        </p:nvSpPr>
+        <p:spPr>
+          <a:xfrm>
+            <a:off x="401319" y="1431416"/>
+            <a:ext cx="8388117" cy="4569334"/>
+          </a:xfrm>
+        </p:spPr>
+        <p:txBody>
+          <a:bodyPr/>
+          <a:lstStyle/>
+          <a:p>
+            <a:pPr algn="ctr"/>
+            <a:r>
+              <a:rPr lang="en-GB" sz="2800" u="sng" dirty="0"/>
+              <a:t>Important Information on Marking your Attendance on Inkpath</a:t>
+            </a:r>
+            <a:br>
+              <a:rPr lang="en-GB" sz="2800" u="sng" dirty="0"/>
+            </a:br>
+            <a:br>
+              <a:rPr lang="en-GB" sz="2800" u="sng" dirty="0"/>
+            </a:br>
+            <a:br>
+              <a:rPr lang="en-GB" sz="2800" dirty="0"/>
+            </a:br>
+            <a:r>
+              <a:rPr lang="en-GB" sz="2800" dirty="0"/>
+              <a:t>I will show you a QR code at the end of the session allowing you to mark your attendance on Inkpath. Please do not mark your attendance until then.</a:t>
+            </a:r>
+            <a:br>
+              <a:rPr lang="en-GB" sz="2800" dirty="0"/>
+            </a:br>
+            <a:br>
+              <a:rPr lang="en-GB" sz="2800" dirty="0">
+                <a:latin typeface="Calibri" panose="020F0502020204030204" pitchFamily="34" charset="0"/>
+                <a:cs typeface="Calibri" panose="020F0502020204030204" pitchFamily="34" charset="0"/>
+              </a:rPr>
+            </a:br>
+            <a:r>
+              <a:rPr lang="en-GB" sz="2800" dirty="0">
+                <a:effectLst/>
+                <a:ea typeface="Times New Roman" panose="02020603050405020304" pitchFamily="18" charset="0"/>
+                <a:cs typeface="Calibri" panose="020F0502020204030204" pitchFamily="34" charset="0"/>
+              </a:rPr>
+              <a:t>If you are not a Postgraduate Research student and didn’t book via Inkpath, your attendance will be marked on a separate database.</a:t>
+            </a:r>
+            <a:endParaRPr lang="en-GB" sz="2800" dirty="0"/>
+          </a:p>
+        </p:txBody>
+      </p:sp>
+      <p:sp>
+        <p:nvSpPr>
+          <p:cNvPr id="7" name="TextBox 6"/>
+          <p:cNvSpPr txBox="1"/>
+          <p:nvPr/>
+        </p:nvSpPr>
+        <p:spPr>
+          <a:xfrm>
+            <a:off x="552450" y="3214433"/>
+            <a:ext cx="2171700" cy="830997"/>
+          </a:xfrm>
+          <a:prstGeom prst="rect">
+            <a:avLst/>
+          </a:prstGeom>
+          <a:noFill/>
+        </p:spPr>
+        <p:txBody>
+          <a:bodyPr wrap="square" rtlCol="0">
+            <a:spAutoFit/>
+          </a:bodyPr>
+          <a:lstStyle/>
+          <a:p>
+            <a:endParaRPr lang="en-GB" sz="2400" dirty="0">
+              <a:solidFill>
+                <a:srgbClr val="002060"/>
+              </a:solidFill>
+            </a:endParaRPr>
+          </a:p>
+          <a:p>
+            <a:endParaRPr lang="en-GB" sz="2400" dirty="0">
+              <a:solidFill>
+                <a:srgbClr val="002060"/>
+              </a:solidFill>
+            </a:endParaRPr>
+          </a:p>
+        </p:txBody>
+      </p:sp>
+    </p:spTree>
+    <p:extLst>
+      <p:ext uri="{BB962C8B-B14F-4D97-AF65-F5344CB8AC3E}">
+        <p14:creationId xmlns:p14="http://schemas.microsoft.com/office/powerpoint/2010/main" val="3686223621"/>
+      </p:ext>
+    </p:extLst>
+  </p:cSld>
+  <p:clrMapOvr>
+    <a:masterClrMapping/>
+  </p:clrMapOvr>
+</p:sld>
+</file>
+
+<file path=ppt/slides/slide20.xml><?xml version="1.0" encoding="utf-8"?>
 <p:sld xmlns:a="http://schemas.openxmlformats.org/drawingml/2006/main" xmlns:r="http://schemas.openxmlformats.org/officeDocument/2006/relationships" xmlns:p="http://schemas.openxmlformats.org/presentationml/2006/main">
   <p:cSld>
     <p:spTree>
@@ -11095,7 +12748,7 @@
 </p:sld>
 </file>
 
-<file path=ppt/slides/slide19.xml><?xml version="1.0" encoding="utf-8"?>
+<file path=ppt/slides/slide21.xml><?xml version="1.0" encoding="utf-8"?>
 <p:sld xmlns:a="http://schemas.openxmlformats.org/drawingml/2006/main" xmlns:r="http://schemas.openxmlformats.org/officeDocument/2006/relationships" xmlns:p="http://schemas.openxmlformats.org/presentationml/2006/main">
   <p:cSld>
     <p:spTree>
@@ -11213,133 +12866,7 @@
 </p:sld>
 </file>
 
-<file path=ppt/slides/slide2.xml><?xml version="1.0" encoding="utf-8"?>
-<p:sld xmlns:a="http://schemas.openxmlformats.org/drawingml/2006/main" xmlns:r="http://schemas.openxmlformats.org/officeDocument/2006/relationships" xmlns:p="http://schemas.openxmlformats.org/presentationml/2006/main">
-  <p:cSld>
-    <p:spTree>
-      <p:nvGrpSpPr>
-        <p:cNvPr id="1" name=""/>
-        <p:cNvGrpSpPr/>
-        <p:nvPr/>
-      </p:nvGrpSpPr>
-      <p:grpSpPr>
-        <a:xfrm>
-          <a:off x="0" y="0"/>
-          <a:ext cx="0" cy="0"/>
-          <a:chOff x="0" y="0"/>
-          <a:chExt cx="0" cy="0"/>
-        </a:xfrm>
-      </p:grpSpPr>
-      <p:sp>
-        <p:nvSpPr>
-          <p:cNvPr id="2" name="Title 1"/>
-          <p:cNvSpPr>
-            <a:spLocks noGrp="1"/>
-          </p:cNvSpPr>
-          <p:nvPr>
-            <p:ph type="title"/>
-          </p:nvPr>
-        </p:nvSpPr>
-        <p:spPr>
-          <a:xfrm>
-            <a:off x="401319" y="1431416"/>
-            <a:ext cx="8388117" cy="4569334"/>
-          </a:xfrm>
-        </p:spPr>
-        <p:txBody>
-          <a:bodyPr/>
-          <a:lstStyle/>
-          <a:p>
-            <a:pPr algn="ctr"/>
-            <a:r>
-              <a:rPr lang="en-GB" sz="2800" u="sng" dirty="0"/>
-              <a:t>Important Information on Marking your Attendance on Inkpath</a:t>
-            </a:r>
-            <a:br>
-              <a:rPr lang="en-GB" sz="2800" u="sng" dirty="0"/>
-            </a:br>
-            <a:br>
-              <a:rPr lang="en-GB" sz="2800" u="sng" dirty="0"/>
-            </a:br>
-            <a:br>
-              <a:rPr lang="en-GB" sz="2800" dirty="0"/>
-            </a:br>
-            <a:r>
-              <a:rPr lang="en-GB" sz="2800" dirty="0"/>
-              <a:t>I will show you a QR code at the end of the session allowing you to mark your attendance on Inkpath. Please do not mark your attendance until then.</a:t>
-            </a:r>
-            <a:br>
-              <a:rPr lang="en-GB" sz="2800" dirty="0"/>
-            </a:br>
-            <a:br>
-              <a:rPr lang="en-GB" sz="2800" dirty="0">
-                <a:latin typeface="Calibri" panose="020F0502020204030204" pitchFamily="34" charset="0"/>
-                <a:cs typeface="Calibri" panose="020F0502020204030204" pitchFamily="34" charset="0"/>
-              </a:rPr>
-            </a:br>
-            <a:r>
-              <a:rPr lang="en-GB" sz="2800" dirty="0">
-                <a:effectLst/>
-                <a:ea typeface="Times New Roman" panose="02020603050405020304" pitchFamily="18" charset="0"/>
-                <a:cs typeface="Calibri" panose="020F0502020204030204" pitchFamily="34" charset="0"/>
-              </a:rPr>
-              <a:t>If you are not a Postgraduate Research student and didn’t book via Inkpath, your attendance will be marked on a separate database.</a:t>
-            </a:r>
-            <a:endParaRPr lang="en-GB" sz="2800" dirty="0"/>
-          </a:p>
-        </p:txBody>
-      </p:sp>
-      <p:sp>
-        <p:nvSpPr>
-          <p:cNvPr id="7" name="TextBox 6"/>
-          <p:cNvSpPr txBox="1"/>
-          <p:nvPr/>
-        </p:nvSpPr>
-        <p:spPr>
-          <a:xfrm>
-            <a:off x="552450" y="3214433"/>
-            <a:ext cx="2171700" cy="830997"/>
-          </a:xfrm>
-          <a:prstGeom prst="rect">
-            <a:avLst/>
-          </a:prstGeom>
-          <a:noFill/>
-        </p:spPr>
-        <p:txBody>
-          <a:bodyPr wrap="square" rtlCol="0">
-            <a:spAutoFit/>
-          </a:bodyPr>
-          <a:lstStyle/>
-          <a:p>
-            <a:endParaRPr lang="en-GB" sz="2400" dirty="0">
-              <a:solidFill>
-                <a:srgbClr val="002060"/>
-              </a:solidFill>
-            </a:endParaRPr>
-          </a:p>
-          <a:p>
-            <a:endParaRPr lang="en-GB" sz="2400" dirty="0">
-              <a:solidFill>
-                <a:srgbClr val="002060"/>
-              </a:solidFill>
-            </a:endParaRPr>
-          </a:p>
-        </p:txBody>
-      </p:sp>
-    </p:spTree>
-    <p:extLst>
-      <p:ext uri="{BB962C8B-B14F-4D97-AF65-F5344CB8AC3E}">
-        <p14:creationId xmlns:p14="http://schemas.microsoft.com/office/powerpoint/2010/main" val="3686223621"/>
-      </p:ext>
-    </p:extLst>
-  </p:cSld>
-  <p:clrMapOvr>
-    <a:masterClrMapping/>
-  </p:clrMapOvr>
-</p:sld>
-</file>
-
-<file path=ppt/slides/slide20.xml><?xml version="1.0" encoding="utf-8"?>
+<file path=ppt/slides/slide22.xml><?xml version="1.0" encoding="utf-8"?>
 <p:sld xmlns:a="http://schemas.openxmlformats.org/drawingml/2006/main" xmlns:r="http://schemas.openxmlformats.org/officeDocument/2006/relationships" xmlns:p="http://schemas.openxmlformats.org/presentationml/2006/main">
   <p:cSld>
     <p:spTree>
@@ -11809,7 +13336,7 @@
 </p:sld>
 </file>
 
-<file path=ppt/slides/slide21.xml><?xml version="1.0" encoding="utf-8"?>
+<file path=ppt/slides/slide23.xml><?xml version="1.0" encoding="utf-8"?>
 <p:sld xmlns:a="http://schemas.openxmlformats.org/drawingml/2006/main" xmlns:r="http://schemas.openxmlformats.org/officeDocument/2006/relationships" xmlns:p="http://schemas.openxmlformats.org/presentationml/2006/main">
   <p:cSld>
     <p:spTree>
@@ -12419,7 +13946,7 @@
 </p:sld>
 </file>
 
-<file path=ppt/slides/slide22.xml><?xml version="1.0" encoding="utf-8"?>
+<file path=ppt/slides/slide24.xml><?xml version="1.0" encoding="utf-8"?>
 <p:sld xmlns:a="http://schemas.openxmlformats.org/drawingml/2006/main" xmlns:r="http://schemas.openxmlformats.org/officeDocument/2006/relationships" xmlns:p="http://schemas.openxmlformats.org/presentationml/2006/main">
   <p:cSld>
     <p:spTree>
@@ -12548,7 +14075,7 @@
 </p:sld>
 </file>
 
-<file path=ppt/slides/slide23.xml><?xml version="1.0" encoding="utf-8"?>
+<file path=ppt/slides/slide25.xml><?xml version="1.0" encoding="utf-8"?>
 <p:sld xmlns:a="http://schemas.openxmlformats.org/drawingml/2006/main" xmlns:r="http://schemas.openxmlformats.org/officeDocument/2006/relationships" xmlns:p="http://schemas.openxmlformats.org/presentationml/2006/main">
   <p:cSld>
     <p:spTree>
@@ -12672,7 +14199,7 @@
 </p:sld>
 </file>
 
-<file path=ppt/slides/slide24.xml><?xml version="1.0" encoding="utf-8"?>
+<file path=ppt/slides/slide26.xml><?xml version="1.0" encoding="utf-8"?>
 <p:sld xmlns:a="http://schemas.openxmlformats.org/drawingml/2006/main" xmlns:r="http://schemas.openxmlformats.org/officeDocument/2006/relationships" xmlns:p="http://schemas.openxmlformats.org/presentationml/2006/main">
   <p:cSld>
     <p:spTree>
@@ -12888,7 +14415,7 @@
 </p:sld>
 </file>
 
-<file path=ppt/slides/slide25.xml><?xml version="1.0" encoding="utf-8"?>
+<file path=ppt/slides/slide27.xml><?xml version="1.0" encoding="utf-8"?>
 <p:sld xmlns:a="http://schemas.openxmlformats.org/drawingml/2006/main" xmlns:r="http://schemas.openxmlformats.org/officeDocument/2006/relationships" xmlns:p="http://schemas.openxmlformats.org/presentationml/2006/main">
   <p:cSld>
     <p:spTree>
@@ -13038,7 +14565,7 @@
 </p:sld>
 </file>
 
-<file path=ppt/slides/slide26.xml><?xml version="1.0" encoding="utf-8"?>
+<file path=ppt/slides/slide28.xml><?xml version="1.0" encoding="utf-8"?>
 <p:sld xmlns:a="http://schemas.openxmlformats.org/drawingml/2006/main" xmlns:r="http://schemas.openxmlformats.org/officeDocument/2006/relationships" xmlns:p="http://schemas.openxmlformats.org/presentationml/2006/main">
   <p:cSld>
     <p:spTree>
@@ -13520,11 +15047,11 @@
   <p:clrMapOvr>
     <a:masterClrMapping/>
   </p:clrMapOvr>
-  <mc:AlternateContent xmlns:mc="http://schemas.openxmlformats.org/markup-compatibility/2006">
-    <mc:Choice xmlns:p14="http://schemas.microsoft.com/office/powerpoint/2010/main" Requires="p14">
+  <mc:AlternateContent xmlns:mc="http://schemas.openxmlformats.org/markup-compatibility/2006" xmlns:p14="http://schemas.microsoft.com/office/powerpoint/2010/main">
+    <mc:Choice Requires="p14">
       <p:transition p14:dur="10"/>
     </mc:Choice>
-    <mc:Fallback>
+    <mc:Fallback xmlns="">
       <p:transition/>
     </mc:Fallback>
   </mc:AlternateContent>

--- a/Intro to Latex Slides.pptx
+++ b/Intro to Latex Slides.pptx
@@ -5,10 +5,10 @@
     <p:sldMasterId id="2147483648" r:id="rId1"/>
   </p:sldMasterIdLst>
   <p:notesMasterIdLst>
-    <p:notesMasterId r:id="rId30"/>
+    <p:notesMasterId r:id="rId31"/>
   </p:notesMasterIdLst>
   <p:handoutMasterIdLst>
-    <p:handoutMasterId r:id="rId31"/>
+    <p:handoutMasterId r:id="rId32"/>
   </p:handoutMasterIdLst>
   <p:sldIdLst>
     <p:sldId id="264" r:id="rId2"/>
@@ -18,27 +18,28 @@
     <p:sldId id="268" r:id="rId6"/>
     <p:sldId id="292" r:id="rId7"/>
     <p:sldId id="269" r:id="rId8"/>
-    <p:sldId id="271" r:id="rId9"/>
-    <p:sldId id="278" r:id="rId10"/>
-    <p:sldId id="288" r:id="rId11"/>
-    <p:sldId id="506" r:id="rId12"/>
-    <p:sldId id="507" r:id="rId13"/>
-    <p:sldId id="270" r:id="rId14"/>
-    <p:sldId id="284" r:id="rId15"/>
-    <p:sldId id="285" r:id="rId16"/>
-    <p:sldId id="287" r:id="rId17"/>
-    <p:sldId id="286" r:id="rId18"/>
-    <p:sldId id="281" r:id="rId19"/>
-    <p:sldId id="282" r:id="rId20"/>
-    <p:sldId id="277" r:id="rId21"/>
-    <p:sldId id="319" r:id="rId22"/>
-    <p:sldId id="321" r:id="rId23"/>
-    <p:sldId id="322" r:id="rId24"/>
-    <p:sldId id="290" r:id="rId25"/>
-    <p:sldId id="291" r:id="rId26"/>
-    <p:sldId id="328" r:id="rId27"/>
-    <p:sldId id="335" r:id="rId28"/>
-    <p:sldId id="280" r:id="rId29"/>
+    <p:sldId id="509" r:id="rId9"/>
+    <p:sldId id="271" r:id="rId10"/>
+    <p:sldId id="278" r:id="rId11"/>
+    <p:sldId id="288" r:id="rId12"/>
+    <p:sldId id="506" r:id="rId13"/>
+    <p:sldId id="507" r:id="rId14"/>
+    <p:sldId id="270" r:id="rId15"/>
+    <p:sldId id="284" r:id="rId16"/>
+    <p:sldId id="285" r:id="rId17"/>
+    <p:sldId id="287" r:id="rId18"/>
+    <p:sldId id="286" r:id="rId19"/>
+    <p:sldId id="281" r:id="rId20"/>
+    <p:sldId id="282" r:id="rId21"/>
+    <p:sldId id="277" r:id="rId22"/>
+    <p:sldId id="319" r:id="rId23"/>
+    <p:sldId id="321" r:id="rId24"/>
+    <p:sldId id="322" r:id="rId25"/>
+    <p:sldId id="290" r:id="rId26"/>
+    <p:sldId id="291" r:id="rId27"/>
+    <p:sldId id="328" r:id="rId28"/>
+    <p:sldId id="335" r:id="rId29"/>
+    <p:sldId id="280" r:id="rId30"/>
   </p:sldIdLst>
   <p:sldSz cx="9144000" cy="6858000" type="screen4x3"/>
   <p:notesSz cx="7099300" cy="10234613"/>
@@ -149,6 +150,7 @@
             <p14:sldId id="268"/>
             <p14:sldId id="292"/>
             <p14:sldId id="269"/>
+            <p14:sldId id="509"/>
             <p14:sldId id="271"/>
             <p14:sldId id="278"/>
             <p14:sldId id="288"/>
@@ -198,7 +200,7 @@
 <file path=ppt/revisionInfo.xml><?xml version="1.0" encoding="utf-8"?>
 <p1510:revInfo xmlns:a="http://schemas.openxmlformats.org/drawingml/2006/main" xmlns:r="http://schemas.openxmlformats.org/officeDocument/2006/relationships" xmlns:p1510="http://schemas.microsoft.com/office/powerpoint/2015/10/main">
   <p1510:revLst>
-    <p1510:client id="{99A4F19C-454B-4D6F-8788-E5B990F556FB}" v="12" dt="2022-10-13T14:46:32.014"/>
+    <p1510:client id="{37FCA3D1-6AC0-45F6-BBA3-3C517D740004}" v="11" dt="2022-12-08T09:47:06.524"/>
   </p1510:revLst>
 </p1510:revInfo>
 </file>
@@ -500,6 +502,194 @@
       </pc:sldChg>
     </pc:docChg>
   </pc:docChgLst>
+  <pc:docChgLst>
+    <pc:chgData name="Cooling, Chris" userId="6dcf99c9-2ba5-410a-8445-0893a3d1421f" providerId="ADAL" clId="{37FCA3D1-6AC0-45F6-BBA3-3C517D740004}"/>
+    <pc:docChg chg="undo custSel addSld delSld modSld sldOrd modSection">
+      <pc:chgData name="Cooling, Chris" userId="6dcf99c9-2ba5-410a-8445-0893a3d1421f" providerId="ADAL" clId="{37FCA3D1-6AC0-45F6-BBA3-3C517D740004}" dt="2022-12-08T09:48:12.945" v="1265" actId="20577"/>
+      <pc:docMkLst>
+        <pc:docMk/>
+      </pc:docMkLst>
+      <pc:sldChg chg="addSp delSp modSp mod modNotesTx">
+        <pc:chgData name="Cooling, Chris" userId="6dcf99c9-2ba5-410a-8445-0893a3d1421f" providerId="ADAL" clId="{37FCA3D1-6AC0-45F6-BBA3-3C517D740004}" dt="2022-12-08T09:48:12.945" v="1265" actId="20577"/>
+        <pc:sldMkLst>
+          <pc:docMk/>
+          <pc:sldMk cId="3436705082" sldId="278"/>
+        </pc:sldMkLst>
+        <pc:spChg chg="mod">
+          <ac:chgData name="Cooling, Chris" userId="6dcf99c9-2ba5-410a-8445-0893a3d1421f" providerId="ADAL" clId="{37FCA3D1-6AC0-45F6-BBA3-3C517D740004}" dt="2022-12-08T09:47:17.584" v="1084" actId="20577"/>
+          <ac:spMkLst>
+            <pc:docMk/>
+            <pc:sldMk cId="3436705082" sldId="278"/>
+            <ac:spMk id="2" creationId="{00000000-0000-0000-0000-000000000000}"/>
+          </ac:spMkLst>
+        </pc:spChg>
+        <pc:spChg chg="mod">
+          <ac:chgData name="Cooling, Chris" userId="6dcf99c9-2ba5-410a-8445-0893a3d1421f" providerId="ADAL" clId="{37FCA3D1-6AC0-45F6-BBA3-3C517D740004}" dt="2022-12-08T09:47:13.465" v="1081" actId="1076"/>
+          <ac:spMkLst>
+            <pc:docMk/>
+            <pc:sldMk cId="3436705082" sldId="278"/>
+            <ac:spMk id="8" creationId="{00000000-0000-0000-0000-000000000000}"/>
+          </ac:spMkLst>
+        </pc:spChg>
+        <pc:graphicFrameChg chg="add mod">
+          <ac:chgData name="Cooling, Chris" userId="6dcf99c9-2ba5-410a-8445-0893a3d1421f" providerId="ADAL" clId="{37FCA3D1-6AC0-45F6-BBA3-3C517D740004}" dt="2022-12-08T09:47:07.683" v="1079" actId="1076"/>
+          <ac:graphicFrameMkLst>
+            <pc:docMk/>
+            <pc:sldMk cId="3436705082" sldId="278"/>
+            <ac:graphicFrameMk id="3" creationId="{F1EAD752-BAF7-E528-077D-206066DF74CF}"/>
+          </ac:graphicFrameMkLst>
+        </pc:graphicFrameChg>
+        <pc:picChg chg="del">
+          <ac:chgData name="Cooling, Chris" userId="6dcf99c9-2ba5-410a-8445-0893a3d1421f" providerId="ADAL" clId="{37FCA3D1-6AC0-45F6-BBA3-3C517D740004}" dt="2022-12-08T09:47:01.679" v="1075" actId="478"/>
+          <ac:picMkLst>
+            <pc:docMk/>
+            <pc:sldMk cId="3436705082" sldId="278"/>
+            <ac:picMk id="10" creationId="{15508FF3-872A-4118-8CCE-C4035BAE22CB}"/>
+          </ac:picMkLst>
+        </pc:picChg>
+      </pc:sldChg>
+      <pc:sldChg chg="add del">
+        <pc:chgData name="Cooling, Chris" userId="6dcf99c9-2ba5-410a-8445-0893a3d1421f" providerId="ADAL" clId="{37FCA3D1-6AC0-45F6-BBA3-3C517D740004}" dt="2022-12-08T09:36:12.337" v="1" actId="47"/>
+        <pc:sldMkLst>
+          <pc:docMk/>
+          <pc:sldMk cId="2079415115" sldId="508"/>
+        </pc:sldMkLst>
+      </pc:sldChg>
+      <pc:sldChg chg="addSp delSp modSp add del mod ord">
+        <pc:chgData name="Cooling, Chris" userId="6dcf99c9-2ba5-410a-8445-0893a3d1421f" providerId="ADAL" clId="{37FCA3D1-6AC0-45F6-BBA3-3C517D740004}" dt="2022-12-08T09:40:13.044" v="62" actId="47"/>
+        <pc:sldMkLst>
+          <pc:docMk/>
+          <pc:sldMk cId="2573882255" sldId="508"/>
+        </pc:sldMkLst>
+        <pc:spChg chg="mod">
+          <ac:chgData name="Cooling, Chris" userId="6dcf99c9-2ba5-410a-8445-0893a3d1421f" providerId="ADAL" clId="{37FCA3D1-6AC0-45F6-BBA3-3C517D740004}" dt="2022-12-08T09:36:20.931" v="14" actId="20577"/>
+          <ac:spMkLst>
+            <pc:docMk/>
+            <pc:sldMk cId="2573882255" sldId="508"/>
+            <ac:spMk id="2" creationId="{00000000-0000-0000-0000-000000000000}"/>
+          </ac:spMkLst>
+        </pc:spChg>
+        <pc:spChg chg="mod">
+          <ac:chgData name="Cooling, Chris" userId="6dcf99c9-2ba5-410a-8445-0893a3d1421f" providerId="ADAL" clId="{37FCA3D1-6AC0-45F6-BBA3-3C517D740004}" dt="2022-12-08T09:39:59.642" v="58" actId="207"/>
+          <ac:spMkLst>
+            <pc:docMk/>
+            <pc:sldMk cId="2573882255" sldId="508"/>
+            <ac:spMk id="4" creationId="{00000000-0000-0000-0000-000000000000}"/>
+          </ac:spMkLst>
+        </pc:spChg>
+        <pc:graphicFrameChg chg="add del mod">
+          <ac:chgData name="Cooling, Chris" userId="6dcf99c9-2ba5-410a-8445-0893a3d1421f" providerId="ADAL" clId="{37FCA3D1-6AC0-45F6-BBA3-3C517D740004}" dt="2022-12-08T09:39:57.884" v="53"/>
+          <ac:graphicFrameMkLst>
+            <pc:docMk/>
+            <pc:sldMk cId="2573882255" sldId="508"/>
+            <ac:graphicFrameMk id="3" creationId="{BA8606F0-564B-D874-BCFD-89522CE72BDB}"/>
+          </ac:graphicFrameMkLst>
+        </pc:graphicFrameChg>
+        <pc:picChg chg="add del">
+          <ac:chgData name="Cooling, Chris" userId="6dcf99c9-2ba5-410a-8445-0893a3d1421f" providerId="ADAL" clId="{37FCA3D1-6AC0-45F6-BBA3-3C517D740004}" dt="2022-12-08T09:39:58.152" v="54" actId="478"/>
+          <ac:picMkLst>
+            <pc:docMk/>
+            <pc:sldMk cId="2573882255" sldId="508"/>
+            <ac:picMk id="5" creationId="{E7FEF12E-9275-44A1-AA37-F204ACB7FE88}"/>
+          </ac:picMkLst>
+        </pc:picChg>
+      </pc:sldChg>
+      <pc:sldChg chg="modSp add mod modNotesTx">
+        <pc:chgData name="Cooling, Chris" userId="6dcf99c9-2ba5-410a-8445-0893a3d1421f" providerId="ADAL" clId="{37FCA3D1-6AC0-45F6-BBA3-3C517D740004}" dt="2022-12-08T09:45:10.501" v="1073"/>
+        <pc:sldMkLst>
+          <pc:docMk/>
+          <pc:sldMk cId="750216886" sldId="509"/>
+        </pc:sldMkLst>
+        <pc:spChg chg="mod">
+          <ac:chgData name="Cooling, Chris" userId="6dcf99c9-2ba5-410a-8445-0893a3d1421f" providerId="ADAL" clId="{37FCA3D1-6AC0-45F6-BBA3-3C517D740004}" dt="2022-12-08T09:40:24.298" v="64" actId="1076"/>
+          <ac:spMkLst>
+            <pc:docMk/>
+            <pc:sldMk cId="750216886" sldId="509"/>
+            <ac:spMk id="4" creationId="{00000000-0000-0000-0000-000000000000}"/>
+          </ac:spMkLst>
+        </pc:spChg>
+        <pc:graphicFrameChg chg="mod">
+          <ac:chgData name="Cooling, Chris" userId="6dcf99c9-2ba5-410a-8445-0893a3d1421f" providerId="ADAL" clId="{37FCA3D1-6AC0-45F6-BBA3-3C517D740004}" dt="2022-12-08T09:40:27.410" v="65" actId="1076"/>
+          <ac:graphicFrameMkLst>
+            <pc:docMk/>
+            <pc:sldMk cId="750216886" sldId="509"/>
+            <ac:graphicFrameMk id="3" creationId="{BA8606F0-564B-D874-BCFD-89522CE72BDB}"/>
+          </ac:graphicFrameMkLst>
+        </pc:graphicFrameChg>
+      </pc:sldChg>
+      <pc:sldChg chg="addSp delSp modSp add del mod">
+        <pc:chgData name="Cooling, Chris" userId="6dcf99c9-2ba5-410a-8445-0893a3d1421f" providerId="ADAL" clId="{37FCA3D1-6AC0-45F6-BBA3-3C517D740004}" dt="2022-12-08T09:39:57.077" v="51" actId="2890"/>
+        <pc:sldMkLst>
+          <pc:docMk/>
+          <pc:sldMk cId="1101823417" sldId="509"/>
+        </pc:sldMkLst>
+        <pc:spChg chg="mod">
+          <ac:chgData name="Cooling, Chris" userId="6dcf99c9-2ba5-410a-8445-0893a3d1421f" providerId="ADAL" clId="{37FCA3D1-6AC0-45F6-BBA3-3C517D740004}" dt="2022-12-08T09:39:56.251" v="47" actId="1076"/>
+          <ac:spMkLst>
+            <pc:docMk/>
+            <pc:sldMk cId="1101823417" sldId="509"/>
+            <ac:spMk id="4" creationId="{00000000-0000-0000-0000-000000000000}"/>
+          </ac:spMkLst>
+        </pc:spChg>
+        <pc:graphicFrameChg chg="mod">
+          <ac:chgData name="Cooling, Chris" userId="6dcf99c9-2ba5-410a-8445-0893a3d1421f" providerId="ADAL" clId="{37FCA3D1-6AC0-45F6-BBA3-3C517D740004}" dt="2022-12-08T09:39:56.062" v="46" actId="1076"/>
+          <ac:graphicFrameMkLst>
+            <pc:docMk/>
+            <pc:sldMk cId="1101823417" sldId="509"/>
+            <ac:graphicFrameMk id="3" creationId="{BA8606F0-564B-D874-BCFD-89522CE72BDB}"/>
+          </ac:graphicFrameMkLst>
+        </pc:graphicFrameChg>
+        <pc:graphicFrameChg chg="add del mod">
+          <ac:chgData name="Cooling, Chris" userId="6dcf99c9-2ba5-410a-8445-0893a3d1421f" providerId="ADAL" clId="{37FCA3D1-6AC0-45F6-BBA3-3C517D740004}" dt="2022-12-08T09:39:56.855" v="50"/>
+          <ac:graphicFrameMkLst>
+            <pc:docMk/>
+            <pc:sldMk cId="1101823417" sldId="509"/>
+            <ac:graphicFrameMk id="5" creationId="{F85F917C-5264-53AA-5CEC-012F3072A3C3}"/>
+          </ac:graphicFrameMkLst>
+        </pc:graphicFrameChg>
+        <pc:graphicFrameChg chg="add del mod">
+          <ac:chgData name="Cooling, Chris" userId="6dcf99c9-2ba5-410a-8445-0893a3d1421f" providerId="ADAL" clId="{37FCA3D1-6AC0-45F6-BBA3-3C517D740004}" dt="2022-12-08T09:39:55.065" v="41"/>
+          <ac:graphicFrameMkLst>
+            <pc:docMk/>
+            <pc:sldMk cId="1101823417" sldId="509"/>
+            <ac:graphicFrameMk id="7" creationId="{5971924E-394E-2433-744B-755EC48F4572}"/>
+          </ac:graphicFrameMkLst>
+        </pc:graphicFrameChg>
+        <pc:cxnChg chg="mod">
+          <ac:chgData name="Cooling, Chris" userId="6dcf99c9-2ba5-410a-8445-0893a3d1421f" providerId="ADAL" clId="{37FCA3D1-6AC0-45F6-BBA3-3C517D740004}" dt="2022-12-08T09:39:56.461" v="48" actId="14100"/>
+          <ac:cxnSpMkLst>
+            <pc:docMk/>
+            <pc:sldMk cId="1101823417" sldId="509"/>
+            <ac:cxnSpMk id="11" creationId="{00000000-0000-0000-0000-000000000000}"/>
+          </ac:cxnSpMkLst>
+        </pc:cxnChg>
+      </pc:sldChg>
+    </pc:docChg>
+  </pc:docChgLst>
+  <pc:docChgLst>
+    <pc:chgData name="Cooling, Chris" userId="6dcf99c9-2ba5-410a-8445-0893a3d1421f" providerId="ADAL" clId="{2755F62F-D60D-4D06-9949-10248E8090EB}"/>
+    <pc:docChg chg="modSld">
+      <pc:chgData name="Cooling, Chris" userId="6dcf99c9-2ba5-410a-8445-0893a3d1421f" providerId="ADAL" clId="{2755F62F-D60D-4D06-9949-10248E8090EB}" dt="2022-11-09T10:07:28.877" v="7" actId="20577"/>
+      <pc:docMkLst>
+        <pc:docMk/>
+      </pc:docMkLst>
+      <pc:sldChg chg="modSp mod">
+        <pc:chgData name="Cooling, Chris" userId="6dcf99c9-2ba5-410a-8445-0893a3d1421f" providerId="ADAL" clId="{2755F62F-D60D-4D06-9949-10248E8090EB}" dt="2022-11-09T10:07:28.877" v="7" actId="20577"/>
+        <pc:sldMkLst>
+          <pc:docMk/>
+          <pc:sldMk cId="1331705178" sldId="328"/>
+        </pc:sldMkLst>
+        <pc:spChg chg="mod">
+          <ac:chgData name="Cooling, Chris" userId="6dcf99c9-2ba5-410a-8445-0893a3d1421f" providerId="ADAL" clId="{2755F62F-D60D-4D06-9949-10248E8090EB}" dt="2022-11-09T10:07:28.877" v="7" actId="20577"/>
+          <ac:spMkLst>
+            <pc:docMk/>
+            <pc:sldMk cId="1331705178" sldId="328"/>
+            <ac:spMk id="3" creationId="{00000000-0000-0000-0000-000000000000}"/>
+          </ac:spMkLst>
+        </pc:spChg>
+      </pc:sldChg>
+    </pc:docChg>
+  </pc:docChgLst>
 </pc:chgInfo>
 </file>
 
@@ -752,7 +942,7 @@
           <a:p>
             <a:fld id="{88EB714B-C3CC-4216-88C1-02913905B1CF}" type="datetimeFigureOut">
               <a:rPr lang="en-GB" smtClean="0"/>
-              <a:t>13/10/2022</a:t>
+              <a:t>08/12/2022</a:t>
             </a:fld>
             <a:endParaRPr lang="en-GB"/>
           </a:p>
@@ -1317,15 +1507,15 @@
           <a:p>
             <a:r>
               <a:rPr lang="en-GB" dirty="0"/>
-              <a:t>By default, LaTeX will only number sections 3 levels deep (e.g. chapter, section, subsection in the report </a:t>
+              <a:t>A Table of Contents may be easily inserted using the command “</a:t>
             </a:r>
             <a:r>
               <a:rPr lang="en-GB" dirty="0" err="1"/>
-              <a:t>documentclass</a:t>
-            </a:r>
-            <a:r>
-              <a:rPr lang="en-GB" dirty="0"/>
-              <a:t>). So, using the subsubsection command will result in an unnumbered division of the document.</a:t>
+              <a:t>tableofcontents</a:t>
+            </a:r>
+            <a:r>
+              <a:rPr lang="en-GB" dirty="0"/>
+              <a:t>” command, which automatically detects the page numbers of chapters, sections and so on.</a:t>
             </a:r>
           </a:p>
           <a:p>
@@ -1334,7 +1524,7 @@
           <a:p>
             <a:r>
               <a:rPr lang="en-GB" dirty="0"/>
-              <a:t>Tables of contents will also omit sections more than 3 levels deep by default. This mean subsubsections also won’t appear in the Table of Contents by default.</a:t>
+              <a:t>Overleaf example: https://www.overleaf.com/read/gjdnkmkdnnqd</a:t>
             </a:r>
           </a:p>
         </p:txBody>
@@ -1365,7 +1555,7 @@
     </p:spTree>
     <p:extLst>
       <p:ext uri="{BB962C8B-B14F-4D97-AF65-F5344CB8AC3E}">
-        <p14:creationId xmlns:p14="http://schemas.microsoft.com/office/powerpoint/2010/main" val="349486779"/>
+        <p14:creationId xmlns:p14="http://schemas.microsoft.com/office/powerpoint/2010/main" val="310261752"/>
       </p:ext>
     </p:extLst>
   </p:cSld>
@@ -1421,31 +1611,15 @@
           <a:p>
             <a:r>
               <a:rPr lang="en-GB" dirty="0"/>
-              <a:t>We can modify the dept that LaTeX will number sections to by modifying a value called “</a:t>
+              <a:t>By default, LaTeX will only number sections 3 levels deep (e.g. chapter, section, subsection in the report </a:t>
             </a:r>
             <a:r>
               <a:rPr lang="en-GB" dirty="0" err="1"/>
-              <a:t>secnumdepth</a:t>
-            </a:r>
-            <a:r>
-              <a:rPr lang="en-GB" dirty="0"/>
-              <a:t>”. We ca do this by using the /</a:t>
-            </a:r>
-            <a:r>
-              <a:rPr lang="en-GB" dirty="0" err="1"/>
-              <a:t>setcounter</a:t>
-            </a:r>
-            <a:r>
-              <a:rPr lang="en-GB" dirty="0"/>
-              <a:t> command in the preamble. The default value for </a:t>
-            </a:r>
-            <a:r>
-              <a:rPr lang="en-GB" dirty="0" err="1"/>
-              <a:t>secnumdepth</a:t>
-            </a:r>
-            <a:r>
-              <a:rPr lang="en-GB" dirty="0"/>
-              <a:t> is 2 and determines the depth of the lowest-level division which will be numbered. The highest level subdivision of the document is level 0 so, by default, the highest three levels are numbered. Setting this value to 3 means the highest 4 levels are numbered. For our report class, this means subsubsections will now also be numbered.</a:t>
+              <a:t>documentclass</a:t>
+            </a:r>
+            <a:r>
+              <a:rPr lang="en-GB" dirty="0"/>
+              <a:t>). So, using the subsubsection command will result in an unnumbered division of the document.</a:t>
             </a:r>
           </a:p>
           <a:p>
@@ -1454,33 +1628,7 @@
           <a:p>
             <a:r>
               <a:rPr lang="en-GB" dirty="0"/>
-              <a:t>We can also modify the “</a:t>
-            </a:r>
-            <a:r>
-              <a:rPr lang="en-GB" dirty="0" err="1"/>
-              <a:t>tocdepth</a:t>
-            </a:r>
-            <a:r>
-              <a:rPr lang="en-GB" dirty="0"/>
-              <a:t>” value which controls the maximum depth of the contents.</a:t>
-            </a:r>
-          </a:p>
-          <a:p>
-            <a:endParaRPr lang="en-GB" dirty="0"/>
-          </a:p>
-          <a:p>
-            <a:r>
-              <a:rPr lang="en-GB" dirty="0"/>
-              <a:t>Overleaf example: https://www.overleaf.com/read/zbyhyfrjpmzx</a:t>
-            </a:r>
-          </a:p>
-          <a:p>
-            <a:endParaRPr lang="en-GB" dirty="0"/>
-          </a:p>
-          <a:p>
-            <a:r>
-              <a:rPr lang="en-GB" dirty="0"/>
-              <a:t>Break for section 2 of Task Sheet</a:t>
+              <a:t>Tables of contents will also omit sections more than 3 levels deep by default. This mean subsubsections also won’t appear in the Table of Contents by default.</a:t>
             </a:r>
           </a:p>
         </p:txBody>
@@ -1511,7 +1659,7 @@
     </p:spTree>
     <p:extLst>
       <p:ext uri="{BB962C8B-B14F-4D97-AF65-F5344CB8AC3E}">
-        <p14:creationId xmlns:p14="http://schemas.microsoft.com/office/powerpoint/2010/main" val="897640485"/>
+        <p14:creationId xmlns:p14="http://schemas.microsoft.com/office/powerpoint/2010/main" val="349486779"/>
       </p:ext>
     </p:extLst>
   </p:cSld>
@@ -1567,59 +1715,31 @@
           <a:p>
             <a:r>
               <a:rPr lang="en-GB" dirty="0"/>
-              <a:t>Different command may be used in the middle of normally written text which modifies how the text appears in the final pdf.</a:t>
-            </a:r>
-          </a:p>
-          <a:p>
-            <a:r>
-              <a:rPr lang="en-GB" dirty="0"/>
-              <a:t>The “</a:t>
+              <a:t>We can modify the dept that LaTeX will number sections to by modifying a value called “</a:t>
             </a:r>
             <a:r>
               <a:rPr lang="en-GB" dirty="0" err="1"/>
-              <a:t>emph</a:t>
-            </a:r>
-            <a:r>
-              <a:rPr lang="en-GB" dirty="0"/>
-              <a:t>” command italicises text</a:t>
-            </a:r>
-          </a:p>
-          <a:p>
-            <a:r>
-              <a:rPr lang="en-GB" dirty="0"/>
-              <a:t>The “</a:t>
+              <a:t>secnumdepth</a:t>
+            </a:r>
+            <a:r>
+              <a:rPr lang="en-GB" dirty="0"/>
+              <a:t>”. We ca do this by using the /</a:t>
             </a:r>
             <a:r>
               <a:rPr lang="en-GB" dirty="0" err="1"/>
-              <a:t>textbf</a:t>
-            </a:r>
-            <a:r>
-              <a:rPr lang="en-GB" dirty="0"/>
-              <a:t>” command makes a text bold</a:t>
-            </a:r>
-          </a:p>
-          <a:p>
-            <a:r>
-              <a:rPr lang="en-GB" dirty="0"/>
-              <a:t>The “underline” command underlines text</a:t>
-            </a:r>
-          </a:p>
-          <a:p>
-            <a:r>
-              <a:rPr lang="en-GB" dirty="0"/>
-              <a:t>The “huge” command makes text very large</a:t>
-            </a:r>
-          </a:p>
-          <a:p>
-            <a:r>
-              <a:rPr lang="en-GB" dirty="0"/>
-              <a:t>The “large” command makes text large</a:t>
-            </a:r>
-          </a:p>
-          <a:p>
-            <a:r>
-              <a:rPr lang="en-GB" dirty="0"/>
-              <a:t>The “small” command makes text smaller</a:t>
+              <a:t>setcounter</a:t>
+            </a:r>
+            <a:r>
+              <a:rPr lang="en-GB" dirty="0"/>
+              <a:t> command in the preamble. The default value for </a:t>
+            </a:r>
+            <a:r>
+              <a:rPr lang="en-GB" dirty="0" err="1"/>
+              <a:t>secnumdepth</a:t>
+            </a:r>
+            <a:r>
+              <a:rPr lang="en-GB" dirty="0"/>
+              <a:t> is 2 and determines the depth of the lowest-level division which will be numbered. The highest level subdivision of the document is level 0 so, by default, the highest three levels are numbered. Setting this value to 3 means the highest 4 levels are numbered. For our report class, this means subsubsections will now also be numbered.</a:t>
             </a:r>
           </a:p>
           <a:p>
@@ -1628,7 +1748,15 @@
           <a:p>
             <a:r>
               <a:rPr lang="en-GB" dirty="0"/>
-              <a:t>Overleaf example: https://www.overleaf.com/read/bmvnftnttnzk</a:t>
+              <a:t>We can also modify the “</a:t>
+            </a:r>
+            <a:r>
+              <a:rPr lang="en-GB" dirty="0" err="1"/>
+              <a:t>tocdepth</a:t>
+            </a:r>
+            <a:r>
+              <a:rPr lang="en-GB" dirty="0"/>
+              <a:t>” value which controls the maximum depth of the contents.</a:t>
             </a:r>
           </a:p>
           <a:p>
@@ -1637,7 +1765,16 @@
           <a:p>
             <a:r>
               <a:rPr lang="en-GB" dirty="0"/>
-              <a:t>Break for section 3 of Task Sheet</a:t>
+              <a:t>Overleaf example: https://www.overleaf.com/read/zbyhyfrjpmzx</a:t>
+            </a:r>
+          </a:p>
+          <a:p>
+            <a:endParaRPr lang="en-GB" dirty="0"/>
+          </a:p>
+          <a:p>
+            <a:r>
+              <a:rPr lang="en-GB" dirty="0"/>
+              <a:t>Break for section 2 of Task Sheet</a:t>
             </a:r>
           </a:p>
         </p:txBody>
@@ -1668,7 +1805,7 @@
     </p:spTree>
     <p:extLst>
       <p:ext uri="{BB962C8B-B14F-4D97-AF65-F5344CB8AC3E}">
-        <p14:creationId xmlns:p14="http://schemas.microsoft.com/office/powerpoint/2010/main" val="2631880206"/>
+        <p14:creationId xmlns:p14="http://schemas.microsoft.com/office/powerpoint/2010/main" val="897640485"/>
       </p:ext>
     </p:extLst>
   </p:cSld>
@@ -1723,12 +1860,60 @@
           <a:lstStyle/>
           <a:p>
             <a:r>
+              <a:rPr lang="en-GB" dirty="0"/>
+              <a:t>Different command may be used in the middle of normally written text which modifies how the text appears in the final pdf.</a:t>
+            </a:r>
+          </a:p>
+          <a:p>
+            <a:r>
+              <a:rPr lang="en-GB" dirty="0"/>
+              <a:t>The “</a:t>
+            </a:r>
+            <a:r>
               <a:rPr lang="en-GB" dirty="0" err="1"/>
-              <a:t>Bulletpoint</a:t>
-            </a:r>
-            <a:r>
-              <a:rPr lang="en-GB" dirty="0"/>
-              <a:t> and numbered lists can be created easily in LaTeX using the “itemize” and “enumerate” commands respectively. In each case the environment is begun and ended using the “begin” and “end” commands. New items belonging to the list are then signified using the “item” command which is followed by the text associated with that item.</a:t>
+              <a:t>emph</a:t>
+            </a:r>
+            <a:r>
+              <a:rPr lang="en-GB" dirty="0"/>
+              <a:t>” command italicises text</a:t>
+            </a:r>
+          </a:p>
+          <a:p>
+            <a:r>
+              <a:rPr lang="en-GB" dirty="0"/>
+              <a:t>The “</a:t>
+            </a:r>
+            <a:r>
+              <a:rPr lang="en-GB" dirty="0" err="1"/>
+              <a:t>textbf</a:t>
+            </a:r>
+            <a:r>
+              <a:rPr lang="en-GB" dirty="0"/>
+              <a:t>” command makes a text bold</a:t>
+            </a:r>
+          </a:p>
+          <a:p>
+            <a:r>
+              <a:rPr lang="en-GB" dirty="0"/>
+              <a:t>The “underline” command underlines text</a:t>
+            </a:r>
+          </a:p>
+          <a:p>
+            <a:r>
+              <a:rPr lang="en-GB" dirty="0"/>
+              <a:t>The “huge” command makes text very large</a:t>
+            </a:r>
+          </a:p>
+          <a:p>
+            <a:r>
+              <a:rPr lang="en-GB" dirty="0"/>
+              <a:t>The “large” command makes text large</a:t>
+            </a:r>
+          </a:p>
+          <a:p>
+            <a:r>
+              <a:rPr lang="en-GB" dirty="0"/>
+              <a:t>The “small” command makes text smaller</a:t>
             </a:r>
           </a:p>
           <a:p>
@@ -1737,7 +1922,7 @@
           <a:p>
             <a:r>
               <a:rPr lang="en-GB" dirty="0"/>
-              <a:t>Overleaf example: https://www.overleaf.com/read/rvrgkkhvzpwn</a:t>
+              <a:t>Overleaf example: https://www.overleaf.com/read/bmvnftnttnzk</a:t>
             </a:r>
           </a:p>
           <a:p>
@@ -1746,7 +1931,7 @@
           <a:p>
             <a:r>
               <a:rPr lang="en-GB" dirty="0"/>
-              <a:t>Break for section 4 of Task Sheet</a:t>
+              <a:t>Break for section 3 of Task Sheet</a:t>
             </a:r>
           </a:p>
         </p:txBody>
@@ -1777,7 +1962,7 @@
     </p:spTree>
     <p:extLst>
       <p:ext uri="{BB962C8B-B14F-4D97-AF65-F5344CB8AC3E}">
-        <p14:creationId xmlns:p14="http://schemas.microsoft.com/office/powerpoint/2010/main" val="528293604"/>
+        <p14:creationId xmlns:p14="http://schemas.microsoft.com/office/powerpoint/2010/main" val="2631880206"/>
       </p:ext>
     </p:extLst>
   </p:cSld>
@@ -1832,42 +2017,12 @@
           <a:lstStyle/>
           <a:p>
             <a:r>
-              <a:rPr lang="en-GB" dirty="0"/>
-              <a:t>An equation may be included utilising the equation environment which is, again, started and ended by the “begin” and “end” commands. Text in this environment is interpreted in “</a:t>
-            </a:r>
-            <a:r>
               <a:rPr lang="en-GB" dirty="0" err="1"/>
-              <a:t>mathmode</a:t>
-            </a:r>
-            <a:r>
-              <a:rPr lang="en-GB" dirty="0"/>
-              <a:t>” which changes how the text appears, such as italicising it, and allowing the use of mathematical symbols such as the “alpha” symbol we have included with the “alpha” command. Note that LaTeX automatically numbers equations.</a:t>
-            </a:r>
-            <a:br>
-              <a:rPr lang="en-GB" dirty="0"/>
-            </a:br>
-            <a:br>
-              <a:rPr lang="en-GB" dirty="0"/>
-            </a:br>
-            <a:r>
-              <a:rPr lang="en-GB" dirty="0"/>
-              <a:t>If you want to include “</a:t>
-            </a:r>
-            <a:r>
-              <a:rPr lang="en-GB" dirty="0" err="1"/>
-              <a:t>mathmode</a:t>
-            </a:r>
-            <a:r>
-              <a:rPr lang="en-GB" dirty="0"/>
-              <a:t>” commands inline with normal text, the “dollar” symbol can be used to start and end “</a:t>
-            </a:r>
-            <a:r>
-              <a:rPr lang="en-GB" dirty="0" err="1"/>
-              <a:t>mathmode</a:t>
-            </a:r>
-            <a:r>
-              <a:rPr lang="en-GB" dirty="0"/>
-              <a:t>”.</a:t>
+              <a:t>Bulletpoint</a:t>
+            </a:r>
+            <a:r>
+              <a:rPr lang="en-GB" dirty="0"/>
+              <a:t> and numbered lists can be created easily in LaTeX using the “itemize” and “enumerate” commands respectively. In each case the environment is begun and ended using the “begin” and “end” commands. New items belonging to the list are then signified using the “item” command which is followed by the text associated with that item.</a:t>
             </a:r>
           </a:p>
           <a:p>
@@ -1876,7 +2031,16 @@
           <a:p>
             <a:r>
               <a:rPr lang="en-GB" dirty="0"/>
-              <a:t>Overleaf example: https://www.overleaf.com/8251716838wnbtxwjybszb</a:t>
+              <a:t>Overleaf example: https://www.overleaf.com/read/rvrgkkhvzpwn</a:t>
+            </a:r>
+          </a:p>
+          <a:p>
+            <a:endParaRPr lang="en-GB" dirty="0"/>
+          </a:p>
+          <a:p>
+            <a:r>
+              <a:rPr lang="en-GB" dirty="0"/>
+              <a:t>Break for section 4 of Task Sheet</a:t>
             </a:r>
           </a:p>
         </p:txBody>
@@ -1907,7 +2071,7 @@
     </p:spTree>
     <p:extLst>
       <p:ext uri="{BB962C8B-B14F-4D97-AF65-F5344CB8AC3E}">
-        <p14:creationId xmlns:p14="http://schemas.microsoft.com/office/powerpoint/2010/main" val="2517861951"/>
+        <p14:creationId xmlns:p14="http://schemas.microsoft.com/office/powerpoint/2010/main" val="528293604"/>
       </p:ext>
     </p:extLst>
   </p:cSld>
@@ -1963,7 +2127,7 @@
           <a:p>
             <a:r>
               <a:rPr lang="en-GB" dirty="0"/>
-              <a:t>Here we’ll look at a few examples of </a:t>
+              <a:t>An equation may be included utilising the equation environment which is, again, started and ended by the “begin” and “end” commands. Text in this environment is interpreted in “</a:t>
             </a:r>
             <a:r>
               <a:rPr lang="en-GB" dirty="0" err="1"/>
@@ -1971,41 +2135,17 @@
             </a:r>
             <a:r>
               <a:rPr lang="en-GB" dirty="0"/>
-              <a:t> commands. For many of these, a package (often “</a:t>
-            </a:r>
-            <a:r>
-              <a:rPr lang="en-GB" dirty="0" err="1"/>
-              <a:t>amsmath</a:t>
-            </a:r>
-            <a:r>
-              <a:rPr lang="en-GB" dirty="0"/>
-              <a:t>” and “</a:t>
-            </a:r>
-            <a:r>
-              <a:rPr lang="en-GB" dirty="0" err="1"/>
-              <a:t>amssymb</a:t>
-            </a:r>
-            <a:r>
-              <a:rPr lang="en-GB" dirty="0"/>
-              <a:t>” will be required to make sure the right commands are available.</a:t>
-            </a:r>
-          </a:p>
-          <a:p>
-            <a:endParaRPr lang="en-GB" dirty="0"/>
-          </a:p>
-          <a:p>
-            <a:r>
-              <a:rPr lang="en-GB" dirty="0"/>
-              <a:t>In the first command, the “frac” commands has two sets of curly brackets. The numerator is specified within the first pair of brackets and the denominator is specified in the second. We also see the square root command and the appearance of upper and lower case Greek characters.</a:t>
-            </a:r>
-          </a:p>
-          <a:p>
-            <a:endParaRPr lang="en-GB" dirty="0"/>
-          </a:p>
-          <a:p>
-            <a:r>
-              <a:rPr lang="en-GB" dirty="0"/>
-              <a:t>In the second, we see the integral command. In </a:t>
+              <a:t>” which changes how the text appears, such as italicising it, and allowing the use of mathematical symbols such as the “alpha” symbol we have included with the “alpha” command. Note that LaTeX automatically numbers equations.</a:t>
+            </a:r>
+            <a:br>
+              <a:rPr lang="en-GB" dirty="0"/>
+            </a:br>
+            <a:br>
+              <a:rPr lang="en-GB" dirty="0"/>
+            </a:br>
+            <a:r>
+              <a:rPr lang="en-GB" dirty="0"/>
+              <a:t>If you want to include “</a:t>
             </a:r>
             <a:r>
               <a:rPr lang="en-GB" dirty="0" err="1"/>
@@ -2013,35 +2153,7 @@
             </a:r>
             <a:r>
               <a:rPr lang="en-GB" dirty="0"/>
-              <a:t>, the underscore character, followed by a pair of curly brackets, typically defines text to appear in subscript and the “hat” character typically defines text to appear in super-script.</a:t>
-            </a:r>
-          </a:p>
-          <a:p>
-            <a:endParaRPr lang="en-GB" dirty="0"/>
-          </a:p>
-          <a:p>
-            <a:r>
-              <a:rPr lang="en-GB" dirty="0"/>
-              <a:t>In the third, we see the commands for limit and log, as well as an arrow to signify “tending toward” and infinity.</a:t>
-            </a:r>
-          </a:p>
-          <a:p>
-            <a:endParaRPr lang="en-GB" dirty="0"/>
-          </a:p>
-          <a:p>
-            <a:r>
-              <a:rPr lang="en-GB" dirty="0"/>
-              <a:t>In the fourth we see the summation command. Here, we have also used the “limits” command to cause the limits of the summation to appear above and below the summation symbol rather than to the right of it, as with the integration symbol. The use of the “limits” command is not compulsory, but it does look neater.</a:t>
-            </a:r>
-            <a:br>
-              <a:rPr lang="en-GB" dirty="0"/>
-            </a:br>
-            <a:br>
-              <a:rPr lang="en-GB" dirty="0"/>
-            </a:br>
-            <a:r>
-              <a:rPr lang="en-GB" dirty="0"/>
-              <a:t>There are a large number of </a:t>
+              <a:t>” commands inline with normal text, the “dollar” symbol can be used to start and end “</a:t>
             </a:r>
             <a:r>
               <a:rPr lang="en-GB" dirty="0" err="1"/>
@@ -2049,26 +2161,16 @@
             </a:r>
             <a:r>
               <a:rPr lang="en-GB" dirty="0"/>
-              <a:t> commands and this is a quick sample of them. Google is your friend in finding specific commands. </a:t>
-            </a:r>
-            <a:br>
-              <a:rPr lang="en-GB" dirty="0"/>
-            </a:br>
+              <a:t>”.</a:t>
+            </a:r>
+          </a:p>
+          <a:p>
             <a:endParaRPr lang="en-GB" dirty="0"/>
           </a:p>
           <a:p>
             <a:r>
               <a:rPr lang="en-GB" dirty="0"/>
-              <a:t>Overleaf example: https://www.overleaf.com/read/rwkzhszhmfcd</a:t>
-            </a:r>
-          </a:p>
-          <a:p>
-            <a:br>
-              <a:rPr lang="en-GB" dirty="0"/>
-            </a:br>
-            <a:r>
-              <a:rPr lang="en-GB" dirty="0"/>
-              <a:t>Break for section 5 of Task Sheet</a:t>
+              <a:t>Overleaf example: https://www.overleaf.com/8251716838wnbtxwjybszb</a:t>
             </a:r>
           </a:p>
         </p:txBody>
@@ -2099,7 +2201,7 @@
     </p:spTree>
     <p:extLst>
       <p:ext uri="{BB962C8B-B14F-4D97-AF65-F5344CB8AC3E}">
-        <p14:creationId xmlns:p14="http://schemas.microsoft.com/office/powerpoint/2010/main" val="2909380669"/>
+        <p14:creationId xmlns:p14="http://schemas.microsoft.com/office/powerpoint/2010/main" val="2517861951"/>
       </p:ext>
     </p:extLst>
   </p:cSld>
@@ -2155,15 +2257,31 @@
           <a:p>
             <a:r>
               <a:rPr lang="en-GB" dirty="0"/>
-              <a:t>Some characters require special commands in LaTeX. This may be because they are characters </a:t>
+              <a:t>Here we’ll look at a few examples of </a:t>
             </a:r>
             <a:r>
               <a:rPr lang="en-GB" dirty="0" err="1"/>
-              <a:t>LaTex</a:t>
-            </a:r>
-            <a:r>
-              <a:rPr lang="en-GB" dirty="0"/>
-              <a:t> uses for other purposes, they’re too uncommon to appear on a keyboard, they’re an accented letter or they’re a weird and wonderful mathematical construct that encompasses multiple characters. Again, the list here is completely non-exhaustive and almost anything you can think of is possible. If you don’t know how to achieve a character you can normally find it using Google pretty quickly.</a:t>
+              <a:t>mathmode</a:t>
+            </a:r>
+            <a:r>
+              <a:rPr lang="en-GB" dirty="0"/>
+              <a:t> commands. For many of these, a package (often “</a:t>
+            </a:r>
+            <a:r>
+              <a:rPr lang="en-GB" dirty="0" err="1"/>
+              <a:t>amsmath</a:t>
+            </a:r>
+            <a:r>
+              <a:rPr lang="en-GB" dirty="0"/>
+              <a:t>” and “</a:t>
+            </a:r>
+            <a:r>
+              <a:rPr lang="en-GB" dirty="0" err="1"/>
+              <a:t>amssymb</a:t>
+            </a:r>
+            <a:r>
+              <a:rPr lang="en-GB" dirty="0"/>
+              <a:t>” will be required to make sure the right commands are available.</a:t>
             </a:r>
           </a:p>
           <a:p>
@@ -2172,7 +2290,79 @@
           <a:p>
             <a:r>
               <a:rPr lang="en-GB" dirty="0"/>
-              <a:t>Overleaf example: https://www.overleaf.com/read/jsksjfbyghkk</a:t>
+              <a:t>In the first command, the “frac” commands has two sets of curly brackets. The numerator is specified within the first pair of brackets and the denominator is specified in the second. We also see the square root command and the appearance of upper and lower case Greek characters.</a:t>
+            </a:r>
+          </a:p>
+          <a:p>
+            <a:endParaRPr lang="en-GB" dirty="0"/>
+          </a:p>
+          <a:p>
+            <a:r>
+              <a:rPr lang="en-GB" dirty="0"/>
+              <a:t>In the second, we see the integral command. In </a:t>
+            </a:r>
+            <a:r>
+              <a:rPr lang="en-GB" dirty="0" err="1"/>
+              <a:t>mathmode</a:t>
+            </a:r>
+            <a:r>
+              <a:rPr lang="en-GB" dirty="0"/>
+              <a:t>, the underscore character, followed by a pair of curly brackets, typically defines text to appear in subscript and the “hat” character typically defines text to appear in super-script.</a:t>
+            </a:r>
+          </a:p>
+          <a:p>
+            <a:endParaRPr lang="en-GB" dirty="0"/>
+          </a:p>
+          <a:p>
+            <a:r>
+              <a:rPr lang="en-GB" dirty="0"/>
+              <a:t>In the third, we see the commands for limit and log, as well as an arrow to signify “tending toward” and infinity.</a:t>
+            </a:r>
+          </a:p>
+          <a:p>
+            <a:endParaRPr lang="en-GB" dirty="0"/>
+          </a:p>
+          <a:p>
+            <a:r>
+              <a:rPr lang="en-GB" dirty="0"/>
+              <a:t>In the fourth we see the summation command. Here, we have also used the “limits” command to cause the limits of the summation to appear above and below the summation symbol rather than to the right of it, as with the integration symbol. The use of the “limits” command is not compulsory, but it does look neater.</a:t>
+            </a:r>
+            <a:br>
+              <a:rPr lang="en-GB" dirty="0"/>
+            </a:br>
+            <a:br>
+              <a:rPr lang="en-GB" dirty="0"/>
+            </a:br>
+            <a:r>
+              <a:rPr lang="en-GB" dirty="0"/>
+              <a:t>There are a large number of </a:t>
+            </a:r>
+            <a:r>
+              <a:rPr lang="en-GB" dirty="0" err="1"/>
+              <a:t>mathmode</a:t>
+            </a:r>
+            <a:r>
+              <a:rPr lang="en-GB" dirty="0"/>
+              <a:t> commands and this is a quick sample of them. Google is your friend in finding specific commands. </a:t>
+            </a:r>
+            <a:br>
+              <a:rPr lang="en-GB" dirty="0"/>
+            </a:br>
+            <a:endParaRPr lang="en-GB" dirty="0"/>
+          </a:p>
+          <a:p>
+            <a:r>
+              <a:rPr lang="en-GB" dirty="0"/>
+              <a:t>Overleaf example: https://www.overleaf.com/read/rwkzhszhmfcd</a:t>
+            </a:r>
+          </a:p>
+          <a:p>
+            <a:br>
+              <a:rPr lang="en-GB" dirty="0"/>
+            </a:br>
+            <a:r>
+              <a:rPr lang="en-GB" dirty="0"/>
+              <a:t>Break for section 5 of Task Sheet</a:t>
             </a:r>
           </a:p>
         </p:txBody>
@@ -2259,17 +2449,15 @@
           <a:p>
             <a:r>
               <a:rPr lang="en-GB" dirty="0"/>
-              <a:t>There are a number of ways to include a figure in LaTeX and a wide range of options that you might use. This is one example of something you might consider.</a:t>
-            </a:r>
-            <a:br>
-              <a:rPr lang="en-GB" dirty="0"/>
-            </a:br>
-            <a:br>
-              <a:rPr lang="en-GB" dirty="0"/>
-            </a:br>
-            <a:r>
-              <a:rPr lang="en-GB" dirty="0"/>
-              <a:t>The “\begin{figure}” command tells LaTeX you’re about to define a figure. The “t” in square brackets is an optional argument which tells LaTeX where you would like to put the figure. In this case, you’re asking for the figure to be put on the top of the next page if possible. Conflicts can occur, such as when multiple figures are requested to be included at the same location. LaTeX will do its best to position figures conforming to the locations you’ve specified and also to try and reduce the amount of white space in the document.</a:t>
+              <a:t>Some characters require special commands in LaTeX. This may be because they are characters </a:t>
+            </a:r>
+            <a:r>
+              <a:rPr lang="en-GB" dirty="0" err="1"/>
+              <a:t>LaTex</a:t>
+            </a:r>
+            <a:r>
+              <a:rPr lang="en-GB" dirty="0"/>
+              <a:t> uses for other purposes, they’re too uncommon to appear on a keyboard, they’re an accented letter or they’re a weird and wonderful mathematical construct that encompasses multiple characters. Again, the list here is completely non-exhaustive and almost anything you can think of is possible. If you don’t know how to achieve a character you can normally find it using Google pretty quickly.</a:t>
             </a:r>
           </a:p>
           <a:p>
@@ -2278,86 +2466,7 @@
           <a:p>
             <a:r>
               <a:rPr lang="en-GB" dirty="0"/>
-              <a:t>The “</a:t>
-            </a:r>
-            <a:r>
-              <a:rPr lang="en-GB" dirty="0" err="1"/>
-              <a:t>centering</a:t>
-            </a:r>
-            <a:r>
-              <a:rPr lang="en-GB" dirty="0"/>
-              <a:t>” command lets LaTeX know that you would like the picture to be located centrally horizontally.</a:t>
-            </a:r>
-            <a:br>
-              <a:rPr lang="en-GB" dirty="0"/>
-            </a:br>
-            <a:br>
-              <a:rPr lang="en-GB" dirty="0"/>
-            </a:br>
-            <a:r>
-              <a:rPr lang="en-GB" dirty="0"/>
-              <a:t>The “</a:t>
-            </a:r>
-            <a:r>
-              <a:rPr lang="en-GB" dirty="0" err="1"/>
-              <a:t>includegradphics</a:t>
-            </a:r>
-            <a:r>
-              <a:rPr lang="en-GB" dirty="0"/>
-              <a:t>” command lets LaTeX know you would like to include a picture file with the name in the curly brackets, “</a:t>
-            </a:r>
-            <a:r>
-              <a:rPr lang="en-GB" dirty="0" err="1"/>
-              <a:t>Cat_Box</a:t>
-            </a:r>
-            <a:r>
-              <a:rPr lang="en-GB" dirty="0"/>
-              <a:t>” in this case. Note the file extension is excluded – LaTeX will search for standard image files, e.g. Cat_Box.jpg, Cat_Box.png, etc. By default, this file should be in the same directory as your .</a:t>
-            </a:r>
-            <a:r>
-              <a:rPr lang="en-GB" dirty="0" err="1"/>
-              <a:t>tex</a:t>
-            </a:r>
-            <a:r>
-              <a:rPr lang="en-GB" dirty="0"/>
-              <a:t> file. The “width” statement sets the width of the picture.</a:t>
-            </a:r>
-          </a:p>
-          <a:p>
-            <a:endParaRPr lang="en-GB" dirty="0"/>
-          </a:p>
-          <a:p>
-            <a:r>
-              <a:rPr lang="en-GB" dirty="0"/>
-              <a:t>The caption command allows you to include a caption for the picture which, by default, appears under the picture.</a:t>
-            </a:r>
-          </a:p>
-          <a:p>
-            <a:endParaRPr lang="en-GB" dirty="0"/>
-          </a:p>
-          <a:p>
-            <a:r>
-              <a:rPr lang="en-GB" dirty="0"/>
-              <a:t>Finally, the “\end{figure}” command ends the specification of the figure.</a:t>
-            </a:r>
-            <a:br>
-              <a:rPr lang="en-GB" dirty="0"/>
-            </a:br>
-            <a:endParaRPr lang="en-GB" dirty="0"/>
-          </a:p>
-          <a:p>
-            <a:r>
-              <a:rPr lang="en-GB" dirty="0"/>
-              <a:t>Overleaf example: https://www.overleaf.com/read/ymfkjjdthvwq</a:t>
-            </a:r>
-          </a:p>
-          <a:p>
-            <a:br>
-              <a:rPr lang="en-GB" dirty="0"/>
-            </a:br>
-            <a:r>
-              <a:rPr lang="en-GB" dirty="0"/>
-              <a:t>Break for section 6 of Task Sheet</a:t>
+              <a:t>Overleaf example: https://www.overleaf.com/read/jsksjfbyghkk</a:t>
             </a:r>
           </a:p>
         </p:txBody>
@@ -2388,7 +2497,7 @@
     </p:spTree>
     <p:extLst>
       <p:ext uri="{BB962C8B-B14F-4D97-AF65-F5344CB8AC3E}">
-        <p14:creationId xmlns:p14="http://schemas.microsoft.com/office/powerpoint/2010/main" val="1845881050"/>
+        <p14:creationId xmlns:p14="http://schemas.microsoft.com/office/powerpoint/2010/main" val="2909380669"/>
       </p:ext>
     </p:extLst>
   </p:cSld>
@@ -2444,7 +2553,26 @@
           <a:p>
             <a:r>
               <a:rPr lang="en-GB" dirty="0"/>
-              <a:t>Tables can be included in LaTeX documents in a similar way to figures. The first command “\begin{table}” tells LaTeX to expect a table. In this case, we’ve chosen to include a “h” in square brackets to tell LaTeX to put the table as close as possible to the location it’s been specified in the text. Again, the “</a:t>
+              <a:t>There are a number of ways to include a figure in LaTeX and a wide range of options that you might use. This is one example of something you might consider.</a:t>
+            </a:r>
+            <a:br>
+              <a:rPr lang="en-GB" dirty="0"/>
+            </a:br>
+            <a:br>
+              <a:rPr lang="en-GB" dirty="0"/>
+            </a:br>
+            <a:r>
+              <a:rPr lang="en-GB" dirty="0"/>
+              <a:t>The “\begin{figure}” command tells LaTeX you’re about to define a figure. The “t” in square brackets is an optional argument which tells LaTeX where you would like to put the figure. In this case, you’re asking for the figure to be put on the top of the next page if possible. Conflicts can occur, such as when multiple figures are requested to be included at the same location. LaTeX will do its best to position figures conforming to the locations you’ve specified and also to try and reduce the amount of white space in the document.</a:t>
+            </a:r>
+          </a:p>
+          <a:p>
+            <a:endParaRPr lang="en-GB" dirty="0"/>
+          </a:p>
+          <a:p>
+            <a:r>
+              <a:rPr lang="en-GB" dirty="0"/>
+              <a:t>The “</a:t>
             </a:r>
             <a:r>
               <a:rPr lang="en-GB" dirty="0" err="1"/>
@@ -2452,15 +2580,7 @@
             </a:r>
             <a:r>
               <a:rPr lang="en-GB" dirty="0"/>
-              <a:t>” causes the table to be </a:t>
-            </a:r>
-            <a:r>
-              <a:rPr lang="en-GB" dirty="0" err="1"/>
-              <a:t>centered</a:t>
-            </a:r>
-            <a:r>
-              <a:rPr lang="en-GB" dirty="0"/>
-              <a:t> horizontally on the page.</a:t>
+              <a:t>” command lets LaTeX know that you would like the picture to be located centrally horizontally.</a:t>
             </a:r>
             <a:br>
               <a:rPr lang="en-GB" dirty="0"/>
@@ -2470,17 +2590,23 @@
             </a:br>
             <a:r>
               <a:rPr lang="en-GB" dirty="0"/>
-              <a:t>Within the “tabular” environment we specify the contents of the table. In the curly brackets immediately after we begin this environment we specify the columns, their alignment and any lines between the columns. Here we have specified that we want text in the left column to be left aligned within the column, text in the middle column to be centre-aligned and text in the rightmost column to be right-aligned within that column. The vertical line between the specification of the first and second column specifies that a vertical line is to be included in the table. If we don’t want a vertical line, as between columns 2 and 3, we don’t include a line.</a:t>
-            </a:r>
-            <a:br>
-              <a:rPr lang="en-GB" dirty="0"/>
-            </a:br>
-            <a:br>
-              <a:rPr lang="en-GB" dirty="0"/>
-            </a:br>
-            <a:r>
-              <a:rPr lang="en-GB" dirty="0"/>
-              <a:t>Next, we begin to specify the contents of the table itself. We do this row by row, with rows separated by a double backslash. It’s not required to put each line of the table on a new line of your .</a:t>
+              <a:t>The “</a:t>
+            </a:r>
+            <a:r>
+              <a:rPr lang="en-GB" dirty="0" err="1"/>
+              <a:t>includegradphics</a:t>
+            </a:r>
+            <a:r>
+              <a:rPr lang="en-GB" dirty="0"/>
+              <a:t>” command lets LaTeX know you would like to include a picture file with the name in the curly brackets, “</a:t>
+            </a:r>
+            <a:r>
+              <a:rPr lang="en-GB" dirty="0" err="1"/>
+              <a:t>Cat_Box</a:t>
+            </a:r>
+            <a:r>
+              <a:rPr lang="en-GB" dirty="0"/>
+              <a:t>” in this case. Note the file extension is excluded – LaTeX will search for standard image files, e.g. Cat_Box.jpg, Cat_Box.png, etc. By default, this file should be in the same directory as your .</a:t>
             </a:r>
             <a:r>
               <a:rPr lang="en-GB" dirty="0" err="1"/>
@@ -2488,25 +2614,25 @@
             </a:r>
             <a:r>
               <a:rPr lang="en-GB" dirty="0"/>
-              <a:t> file, but it’s a good idea as it makes your file easier to read. Ampersands separate the specification of material within each column of the current row. In this case, for row 1, we include an ampersand before any text, causing the first column of row 1 to be empty. In rows 2 and 3 we specify something before the ampersand, so column 1 has entries in these rows.</a:t>
-            </a:r>
-            <a:br>
-              <a:rPr lang="en-GB" dirty="0"/>
-            </a:br>
-            <a:br>
-              <a:rPr lang="en-GB" dirty="0"/>
-            </a:br>
-            <a:r>
-              <a:rPr lang="en-GB" dirty="0"/>
-              <a:t>Between the specification of lines 1 and 2 we use the “</a:t>
-            </a:r>
-            <a:r>
-              <a:rPr lang="en-GB" dirty="0" err="1"/>
-              <a:t>hline</a:t>
-            </a:r>
-            <a:r>
-              <a:rPr lang="en-GB" dirty="0"/>
-              <a:t>” command to specify the inclusion of a horizontal line between these rows. Finally, we end the tabular and table environment with the corresponding “end” commands.</a:t>
+              <a:t> file. The “width” statement sets the width of the picture.</a:t>
+            </a:r>
+          </a:p>
+          <a:p>
+            <a:endParaRPr lang="en-GB" dirty="0"/>
+          </a:p>
+          <a:p>
+            <a:r>
+              <a:rPr lang="en-GB" dirty="0"/>
+              <a:t>The caption command allows you to include a caption for the picture which, by default, appears under the picture.</a:t>
+            </a:r>
+          </a:p>
+          <a:p>
+            <a:endParaRPr lang="en-GB" dirty="0"/>
+          </a:p>
+          <a:p>
+            <a:r>
+              <a:rPr lang="en-GB" dirty="0"/>
+              <a:t>Finally, the “\end{figure}” command ends the specification of the figure.</a:t>
             </a:r>
             <a:br>
               <a:rPr lang="en-GB" dirty="0"/>
@@ -2516,7 +2642,7 @@
           <a:p>
             <a:r>
               <a:rPr lang="en-GB" dirty="0"/>
-              <a:t>Overleaf example: https://www.overleaf.com/read/dbmrcfcdhgsg</a:t>
+              <a:t>Overleaf example: https://www.overleaf.com/read/ymfkjjdthvwq</a:t>
             </a:r>
           </a:p>
           <a:p>
@@ -2525,7 +2651,7 @@
             </a:br>
             <a:r>
               <a:rPr lang="en-GB" dirty="0"/>
-              <a:t>Break for section 7 of Task Sheet</a:t>
+              <a:t>Break for section 6 of Task Sheet</a:t>
             </a:r>
           </a:p>
         </p:txBody>
@@ -2556,7 +2682,7 @@
     </p:spTree>
     <p:extLst>
       <p:ext uri="{BB962C8B-B14F-4D97-AF65-F5344CB8AC3E}">
-        <p14:creationId xmlns:p14="http://schemas.microsoft.com/office/powerpoint/2010/main" val="286372603"/>
+        <p14:creationId xmlns:p14="http://schemas.microsoft.com/office/powerpoint/2010/main" val="1845881050"/>
       </p:ext>
     </p:extLst>
   </p:cSld>
@@ -2612,40 +2738,23 @@
           <a:p>
             <a:r>
               <a:rPr lang="en-GB" dirty="0"/>
-              <a:t>LaTeX makes the management of referencing different sections and constructs within the document very easy. The first step is to label the thing you want to reference using the “label” command and specifying the keyword you want to use to reference that entity. If this command is within an equation, figure, table and so on, that is what is being given that label. If it’s not in any of these constructs, the label will be applied to the current section or chapter. The name you label something with can be anything and will not appear anywhere in your final document, but it must be a unique label.</a:t>
-            </a:r>
-          </a:p>
-          <a:p>
-            <a:endParaRPr lang="en-GB" dirty="0"/>
-          </a:p>
-          <a:p>
-            <a:r>
-              <a:rPr lang="en-GB" dirty="0"/>
-              <a:t>The next step is to reference the entity you labelled. This is typically done using the “ref” command, which is followed by the label of the entity you wish to reference in curly brackets. In the text, this is replaced by the number of the entity referenced. For instance, if you reference the second section, the label command will be replaced by the number “2”. Using “</a:t>
+              <a:t>Tables can be included in LaTeX documents in a similar way to figures. The first command “\begin{table}” tells LaTeX to expect a table. In this case, we’ve chosen to include a “h” in square brackets to tell LaTeX to put the table as close as possible to the location it’s been specified in the text. Again, the “</a:t>
             </a:r>
             <a:r>
               <a:rPr lang="en-GB" dirty="0" err="1"/>
-              <a:t>eqref</a:t>
-            </a:r>
-            <a:r>
-              <a:rPr lang="en-GB" dirty="0"/>
-              <a:t>” to reference equations isn’t mandatory – you may use the “ref” command for equations and the reference number would appear without parentheses. To use the “</a:t>
+              <a:t>centering</a:t>
+            </a:r>
+            <a:r>
+              <a:rPr lang="en-GB" dirty="0"/>
+              <a:t>” causes the table to be </a:t>
             </a:r>
             <a:r>
               <a:rPr lang="en-GB" dirty="0" err="1"/>
-              <a:t>eqref</a:t>
-            </a:r>
-            <a:r>
-              <a:rPr lang="en-GB" dirty="0"/>
-              <a:t>” command, you must have used the “</a:t>
-            </a:r>
-            <a:r>
-              <a:rPr lang="en-GB" dirty="0" err="1"/>
-              <a:t>amsmath</a:t>
-            </a:r>
-            <a:r>
-              <a:rPr lang="en-GB" dirty="0"/>
-              <a:t>” package in the preamble.</a:t>
+              <a:t>centered</a:t>
+            </a:r>
+            <a:r>
+              <a:rPr lang="en-GB" dirty="0"/>
+              <a:t> horizontally on the page.</a:t>
             </a:r>
             <a:br>
               <a:rPr lang="en-GB" dirty="0"/>
@@ -2655,7 +2764,17 @@
             </a:br>
             <a:r>
               <a:rPr lang="en-GB" dirty="0"/>
-              <a:t>Note that you can reference labelled entities that occur before or after the reference in the .</a:t>
+              <a:t>Within the “tabular” environment we specify the contents of the table. In the curly brackets immediately after we begin this environment we specify the columns, their alignment and any lines between the columns. Here we have specified that we want text in the left column to be left aligned within the column, text in the middle column to be centre-aligned and text in the rightmost column to be right-aligned within that column. The vertical line between the specification of the first and second column specifies that a vertical line is to be included in the table. If we don’t want a vertical line, as between columns 2 and 3, we don’t include a line.</a:t>
+            </a:r>
+            <a:br>
+              <a:rPr lang="en-GB" dirty="0"/>
+            </a:br>
+            <a:br>
+              <a:rPr lang="en-GB" dirty="0"/>
+            </a:br>
+            <a:r>
+              <a:rPr lang="en-GB" dirty="0"/>
+              <a:t>Next, we begin to specify the contents of the table itself. We do this row by row, with rows separated by a double backslash. It’s not required to put each line of the table on a new line of your .</a:t>
             </a:r>
             <a:r>
               <a:rPr lang="en-GB" dirty="0" err="1"/>
@@ -2663,24 +2782,44 @@
             </a:r>
             <a:r>
               <a:rPr lang="en-GB" dirty="0"/>
-              <a:t> file. If you update your </a:t>
+              <a:t> file, but it’s a good idea as it makes your file easier to read. Ampersands separate the specification of material within each column of the current row. In this case, for row 1, we include an ampersand before any text, causing the first column of row 1 to be empty. In rows 2 and 3 we specify something before the ampersand, so column 1 has entries in these rows.</a:t>
+            </a:r>
+            <a:br>
+              <a:rPr lang="en-GB" dirty="0"/>
+            </a:br>
+            <a:br>
+              <a:rPr lang="en-GB" dirty="0"/>
+            </a:br>
+            <a:r>
+              <a:rPr lang="en-GB" dirty="0"/>
+              <a:t>Between the specification of lines 1 and 2 we use the “</a:t>
             </a:r>
             <a:r>
               <a:rPr lang="en-GB" dirty="0" err="1"/>
-              <a:t>tex</a:t>
-            </a:r>
-            <a:r>
-              <a:rPr lang="en-GB" dirty="0"/>
-              <a:t> file to include more equations, causing the number of the referenced equation to change, the number which appears in the reference will also change in your pdf when you recompile it. This means you can undertake wide-ranging restructuring of your document and references will still automatically point to the right place.</a:t>
-            </a:r>
-          </a:p>
-          <a:p>
+              <a:t>hline</a:t>
+            </a:r>
+            <a:r>
+              <a:rPr lang="en-GB" dirty="0"/>
+              <a:t>” command to specify the inclusion of a horizontal line between these rows. Finally, we end the tabular and table environment with the corresponding “end” commands.</a:t>
+            </a:r>
+            <a:br>
+              <a:rPr lang="en-GB" dirty="0"/>
+            </a:br>
             <a:endParaRPr lang="en-GB" dirty="0"/>
           </a:p>
           <a:p>
             <a:r>
               <a:rPr lang="en-GB" dirty="0"/>
-              <a:t>Overleaf example: https://www.overleaf.com/read/xcdwqnttrqzp</a:t>
+              <a:t>Overleaf example: https://www.overleaf.com/read/dbmrcfcdhgsg</a:t>
+            </a:r>
+          </a:p>
+          <a:p>
+            <a:br>
+              <a:rPr lang="en-GB" dirty="0"/>
+            </a:br>
+            <a:r>
+              <a:rPr lang="en-GB" dirty="0"/>
+              <a:t>Break for section 7 of Task Sheet</a:t>
             </a:r>
           </a:p>
         </p:txBody>
@@ -2711,7 +2850,7 @@
     </p:spTree>
     <p:extLst>
       <p:ext uri="{BB962C8B-B14F-4D97-AF65-F5344CB8AC3E}">
-        <p14:creationId xmlns:p14="http://schemas.microsoft.com/office/powerpoint/2010/main" val="1655301024"/>
+        <p14:creationId xmlns:p14="http://schemas.microsoft.com/office/powerpoint/2010/main" val="286372603"/>
       </p:ext>
     </p:extLst>
   </p:cSld>
@@ -2851,7 +2990,40 @@
           <a:p>
             <a:r>
               <a:rPr lang="en-GB" dirty="0"/>
-              <a:t>Publications often have dozens of citations and your thesis is likely to have dozens or hundreds of references and so a good way to manage with your references is desirable. There are many ways to manage your references and many ways to personalise your citations. We’re going to run through one way to achieve a streamlined approach to referencing.</a:t>
+              <a:t>LaTeX makes the management of referencing different sections and constructs within the document very easy. The first step is to label the thing you want to reference using the “label” command and specifying the keyword you want to use to reference that entity. If this command is within an equation, figure, table and so on, that is what is being given that label. If it’s not in any of these constructs, the label will be applied to the current section or chapter. The name you label something with can be anything and will not appear anywhere in your final document, but it must be a unique label.</a:t>
+            </a:r>
+          </a:p>
+          <a:p>
+            <a:endParaRPr lang="en-GB" dirty="0"/>
+          </a:p>
+          <a:p>
+            <a:r>
+              <a:rPr lang="en-GB" dirty="0"/>
+              <a:t>The next step is to reference the entity you labelled. This is typically done using the “ref” command, which is followed by the label of the entity you wish to reference in curly brackets. In the text, this is replaced by the number of the entity referenced. For instance, if you reference the second section, the label command will be replaced by the number “2”. Using “</a:t>
+            </a:r>
+            <a:r>
+              <a:rPr lang="en-GB" dirty="0" err="1"/>
+              <a:t>eqref</a:t>
+            </a:r>
+            <a:r>
+              <a:rPr lang="en-GB" dirty="0"/>
+              <a:t>” to reference equations isn’t mandatory – you may use the “ref” command for equations and the reference number would appear without parentheses. To use the “</a:t>
+            </a:r>
+            <a:r>
+              <a:rPr lang="en-GB" dirty="0" err="1"/>
+              <a:t>eqref</a:t>
+            </a:r>
+            <a:r>
+              <a:rPr lang="en-GB" dirty="0"/>
+              <a:t>” command, you must have used the “</a:t>
+            </a:r>
+            <a:r>
+              <a:rPr lang="en-GB" dirty="0" err="1"/>
+              <a:t>amsmath</a:t>
+            </a:r>
+            <a:r>
+              <a:rPr lang="en-GB" dirty="0"/>
+              <a:t>” package in the preamble.</a:t>
             </a:r>
             <a:br>
               <a:rPr lang="en-GB" dirty="0"/>
@@ -2861,15 +3033,32 @@
             </a:br>
             <a:r>
               <a:rPr lang="en-GB" dirty="0"/>
-              <a:t>Many reference managers such as EndNote, Mendeley and </a:t>
+              <a:t>Note that you can reference labelled entities that occur before or after the reference in the .</a:t>
             </a:r>
             <a:r>
               <a:rPr lang="en-GB" dirty="0" err="1"/>
-              <a:t>JabRef</a:t>
-            </a:r>
-            <a:r>
-              <a:rPr lang="en-GB" dirty="0"/>
-              <a:t> allow for your database of references to be exported as a “.bib” file. This is essentially a database of your references that LaTeX can interact with directly. This means you only need to enter your reference details once in your reference manager and it will feed through to your LaTeX documents including your thesis. If you combine this with the automatic population of fields in your reference manager you will never need to manually write the author of a reference again. This saves a lot of time and effort you can better spend elsewhere.</a:t>
+              <a:t>tex</a:t>
+            </a:r>
+            <a:r>
+              <a:rPr lang="en-GB" dirty="0"/>
+              <a:t> file. If you update your </a:t>
+            </a:r>
+            <a:r>
+              <a:rPr lang="en-GB" dirty="0" err="1"/>
+              <a:t>tex</a:t>
+            </a:r>
+            <a:r>
+              <a:rPr lang="en-GB" dirty="0"/>
+              <a:t> file to include more equations, causing the number of the referenced equation to change, the number which appears in the reference will also change in your pdf when you recompile it. This means you can undertake wide-ranging restructuring of your document and references will still automatically point to the right place.</a:t>
+            </a:r>
+          </a:p>
+          <a:p>
+            <a:endParaRPr lang="en-GB" dirty="0"/>
+          </a:p>
+          <a:p>
+            <a:r>
+              <a:rPr lang="en-GB" dirty="0"/>
+              <a:t>Overleaf example: https://www.overleaf.com/read/xcdwqnttrqzp</a:t>
             </a:r>
           </a:p>
         </p:txBody>
@@ -2900,7 +3089,7 @@
     </p:spTree>
     <p:extLst>
       <p:ext uri="{BB962C8B-B14F-4D97-AF65-F5344CB8AC3E}">
-        <p14:creationId xmlns:p14="http://schemas.microsoft.com/office/powerpoint/2010/main" val="1094947271"/>
+        <p14:creationId xmlns:p14="http://schemas.microsoft.com/office/powerpoint/2010/main" val="1655301024"/>
       </p:ext>
     </p:extLst>
   </p:cSld>
@@ -2956,31 +3145,7 @@
           <a:p>
             <a:r>
               <a:rPr lang="en-GB" dirty="0"/>
-              <a:t>A “.bib” file consists of one entry for each reference. An new entry is begun with a “@” symbol and the name of the type of entry it is. Here, we have one article and one book. There are many other types such as “report”, “conference” and even “</a:t>
-            </a:r>
-            <a:r>
-              <a:rPr lang="en-GB" dirty="0" err="1"/>
-              <a:t>phdthesis</a:t>
-            </a:r>
-            <a:r>
-              <a:rPr lang="en-GB" dirty="0"/>
-              <a:t>”. See here for some more examples: </a:t>
-            </a:r>
-            <a:r>
-              <a:rPr lang="en-GB" dirty="0">
-                <a:hlinkClick r:id="rId3"/>
-              </a:rPr>
-              <a:t>https://www.verbosus.com/bibtex-style-examples.html</a:t>
-            </a:r>
-            <a:endParaRPr lang="en-GB" dirty="0"/>
-          </a:p>
-          <a:p>
-            <a:endParaRPr lang="en-GB" dirty="0"/>
-          </a:p>
-          <a:p>
-            <a:r>
-              <a:rPr lang="en-GB" dirty="0"/>
-              <a:t> Within curly brackets, the first entry is a label for your reference. Following that, we then have a series of fields which define the contents of the reference. These come in the format “field name = field value” and are separated by commas. Different entries are valid for different entry types. For instance, both our entries here have “author”, “title” and “year” fields but the article has the fields “journal”, “volume”, “number” and “pages” fields whilst the book has a “publisher” field.</a:t>
+              <a:t>Publications often have dozens of citations and your thesis is likely to have dozens or hundreds of references and so a good way to manage with your references is desirable. There are many ways to manage your references and many ways to personalise your citations. We’re going to run through one way to achieve a streamlined approach to referencing.</a:t>
             </a:r>
             <a:br>
               <a:rPr lang="en-GB" dirty="0"/>
@@ -2990,24 +3155,15 @@
             </a:br>
             <a:r>
               <a:rPr lang="en-GB" dirty="0"/>
-              <a:t>When you compile your main .</a:t>
+              <a:t>Many reference managers such as EndNote, Mendeley and </a:t>
             </a:r>
             <a:r>
               <a:rPr lang="en-GB" dirty="0" err="1"/>
-              <a:t>tex</a:t>
-            </a:r>
-            <a:r>
-              <a:rPr lang="en-GB" dirty="0"/>
-              <a:t> file, your bibliography will appear and any entries that are cited will appear in your bibliography. By default, entries you have not cited will not be included.</a:t>
-            </a:r>
-          </a:p>
-          <a:p>
-            <a:endParaRPr lang="en-GB" dirty="0"/>
-          </a:p>
-          <a:p>
-            <a:r>
-              <a:rPr lang="en-GB" dirty="0"/>
-              <a:t>Overleaf example: https://www.overleaf.com/read/tfrbytxxqszf</a:t>
+              <a:t>JabRef</a:t>
+            </a:r>
+            <a:r>
+              <a:rPr lang="en-GB" dirty="0"/>
+              <a:t> allow for your database of references to be exported as a “.bib” file. This is essentially a database of your references that LaTeX can interact with directly. This means you only need to enter your reference details once in your reference manager and it will feed through to your LaTeX documents including your thesis. If you combine this with the automatic population of fields in your reference manager you will never need to manually write the author of a reference again. This saves a lot of time and effort you can better spend elsewhere.</a:t>
             </a:r>
           </a:p>
         </p:txBody>
@@ -3038,7 +3194,7 @@
     </p:spTree>
     <p:extLst>
       <p:ext uri="{BB962C8B-B14F-4D97-AF65-F5344CB8AC3E}">
-        <p14:creationId xmlns:p14="http://schemas.microsoft.com/office/powerpoint/2010/main" val="2985834625"/>
+        <p14:creationId xmlns:p14="http://schemas.microsoft.com/office/powerpoint/2010/main" val="1094947271"/>
       </p:ext>
     </p:extLst>
   </p:cSld>
@@ -3094,7 +3250,41 @@
           <a:p>
             <a:r>
               <a:rPr lang="en-GB" dirty="0"/>
-              <a:t>In your main .</a:t>
+              <a:t>A “.bib” file consists of one entry for each reference. An new entry is begun with a “@” symbol and the name of the type of entry it is. Here, we have one article and one book. There are many other types such as “report”, “conference” and even “</a:t>
+            </a:r>
+            <a:r>
+              <a:rPr lang="en-GB" dirty="0" err="1"/>
+              <a:t>phdthesis</a:t>
+            </a:r>
+            <a:r>
+              <a:rPr lang="en-GB" dirty="0"/>
+              <a:t>”. See here for some more examples: </a:t>
+            </a:r>
+            <a:r>
+              <a:rPr lang="en-GB" dirty="0">
+                <a:hlinkClick r:id="rId3"/>
+              </a:rPr>
+              <a:t>https://www.verbosus.com/bibtex-style-examples.html</a:t>
+            </a:r>
+            <a:endParaRPr lang="en-GB" dirty="0"/>
+          </a:p>
+          <a:p>
+            <a:endParaRPr lang="en-GB" dirty="0"/>
+          </a:p>
+          <a:p>
+            <a:r>
+              <a:rPr lang="en-GB" dirty="0"/>
+              <a:t> Within curly brackets, the first entry is a label for your reference. Following that, we then have a series of fields which define the contents of the reference. These come in the format “field name = field value” and are separated by commas. Different entries are valid for different entry types. For instance, both our entries here have “author”, “title” and “year” fields but the article has the fields “journal”, “volume”, “number” and “pages” fields whilst the book has a “publisher” field.</a:t>
+            </a:r>
+            <a:br>
+              <a:rPr lang="en-GB" dirty="0"/>
+            </a:br>
+            <a:br>
+              <a:rPr lang="en-GB" dirty="0"/>
+            </a:br>
+            <a:r>
+              <a:rPr lang="en-GB" dirty="0"/>
+              <a:t>When you compile your main .</a:t>
             </a:r>
             <a:r>
               <a:rPr lang="en-GB" dirty="0" err="1"/>
@@ -3102,79 +3292,17 @@
             </a:r>
             <a:r>
               <a:rPr lang="en-GB" dirty="0"/>
-              <a:t> file, you need to use the package “</a:t>
-            </a:r>
-            <a:r>
-              <a:rPr lang="en-GB" dirty="0" err="1"/>
-              <a:t>natbib</a:t>
-            </a:r>
-            <a:r>
-              <a:rPr lang="en-GB" dirty="0"/>
-              <a:t>” in your preamble. You can then cite a reference using the “</a:t>
-            </a:r>
-            <a:r>
-              <a:rPr lang="en-GB" dirty="0" err="1"/>
-              <a:t>citet</a:t>
-            </a:r>
-            <a:r>
-              <a:rPr lang="en-GB" dirty="0"/>
-              <a:t>” command with the label of the reference. This produces a reference which is “textual” in the sense that the author name is written in normal text as if it’s being read as part of the sentence. You can also use “</a:t>
-            </a:r>
-            <a:r>
-              <a:rPr lang="en-GB" dirty="0" err="1"/>
-              <a:t>citep</a:t>
-            </a:r>
-            <a:r>
-              <a:rPr lang="en-GB" dirty="0"/>
-              <a:t>” to include the entire reference within brackets. This can be useful for when you don’t intend for the reference to be read as part of the sentence, but to act as an addendum.</a:t>
-            </a:r>
-            <a:br>
-              <a:rPr lang="en-GB" dirty="0"/>
-            </a:br>
-            <a:br>
-              <a:rPr lang="en-GB" dirty="0"/>
-            </a:br>
-            <a:r>
-              <a:rPr lang="en-GB" dirty="0"/>
-              <a:t>After the main body of your text, select a bibliography style (we’ll use “</a:t>
-            </a:r>
-            <a:r>
-              <a:rPr lang="en-GB" dirty="0" err="1"/>
-              <a:t>plainnat</a:t>
-            </a:r>
-            <a:r>
-              <a:rPr lang="en-GB" dirty="0"/>
-              <a:t>” for now). Then, use the “\bibliography” command to actually insert your bibliography into your text. This is followed by the name of your “.bib” file in curly brackets (do not include the “.bib” extension here).</a:t>
+              <a:t> file, your bibliography will appear and any entries that are cited will appear in your bibliography. By default, entries you have not cited will not be included.</a:t>
             </a:r>
           </a:p>
           <a:p>
             <a:endParaRPr lang="en-GB" dirty="0"/>
           </a:p>
           <a:p>
-            <a:pPr marL="0" marR="0" lvl="0" indent="0" algn="l" defTabSz="914400" rtl="0" eaLnBrk="1" fontAlgn="auto" latinLnBrk="0" hangingPunct="1">
-              <a:lnSpc>
-                <a:spcPct val="100000"/>
-              </a:lnSpc>
-              <a:spcBef>
-                <a:spcPts val="0"/>
-              </a:spcBef>
-              <a:spcAft>
-                <a:spcPts val="0"/>
-              </a:spcAft>
-              <a:buClrTx/>
-              <a:buSzTx/>
-              <a:buFontTx/>
-              <a:buNone/>
-              <a:tabLst/>
-              <a:defRPr/>
-            </a:pPr>
             <a:r>
               <a:rPr lang="en-GB" dirty="0"/>
               <a:t>Overleaf example: https://www.overleaf.com/read/tfrbytxxqszf</a:t>
             </a:r>
-          </a:p>
-          <a:p>
-            <a:endParaRPr lang="en-GB" dirty="0"/>
           </a:p>
         </p:txBody>
       </p:sp>
@@ -3204,7 +3332,7 @@
     </p:spTree>
     <p:extLst>
       <p:ext uri="{BB962C8B-B14F-4D97-AF65-F5344CB8AC3E}">
-        <p14:creationId xmlns:p14="http://schemas.microsoft.com/office/powerpoint/2010/main" val="529073958"/>
+        <p14:creationId xmlns:p14="http://schemas.microsoft.com/office/powerpoint/2010/main" val="2985834625"/>
       </p:ext>
     </p:extLst>
   </p:cSld>
@@ -3260,16 +3388,39 @@
           <a:p>
             <a:r>
               <a:rPr lang="en-GB" dirty="0"/>
-              <a:t>As LaTeX runs, it keeps a log of what it’s doing. Most of these messages can be safely ignored. However, one class of message that is very helpful is the error message. Overleaf, like all LaTeX compilers will keep a log of all messages is generated. When LaTeX hits a section of code with an error, it will typically generate a number of useful messages and then stop progressing further. If you carefully read the messages, they often lead you straight to the source of the error.</a:t>
-            </a:r>
-          </a:p>
-          <a:p>
-            <a:endParaRPr lang="en-GB" dirty="0"/>
-          </a:p>
-          <a:p>
-            <a:r>
-              <a:rPr lang="en-GB" dirty="0"/>
-              <a:t>LaTeX will normally tell you what the error is and on what line of the file the error occurred. Overleaf takes this a step further and shows you a small error symbol next to the line number. You can hover over this to read the error message. The full message log can be read by clicking the “Log and Output Files” button next to the “Recompile” button just above where the pdf is normally displayed. </a:t>
+              <a:t>In your main .</a:t>
+            </a:r>
+            <a:r>
+              <a:rPr lang="en-GB" dirty="0" err="1"/>
+              <a:t>tex</a:t>
+            </a:r>
+            <a:r>
+              <a:rPr lang="en-GB" dirty="0"/>
+              <a:t> file, you need to use the package “</a:t>
+            </a:r>
+            <a:r>
+              <a:rPr lang="en-GB" dirty="0" err="1"/>
+              <a:t>natbib</a:t>
+            </a:r>
+            <a:r>
+              <a:rPr lang="en-GB" dirty="0"/>
+              <a:t>” in your preamble. You can then cite a reference using the “</a:t>
+            </a:r>
+            <a:r>
+              <a:rPr lang="en-GB" dirty="0" err="1"/>
+              <a:t>citet</a:t>
+            </a:r>
+            <a:r>
+              <a:rPr lang="en-GB" dirty="0"/>
+              <a:t>” command with the label of the reference. This produces a reference which is “textual” in the sense that the author name is written in normal text as if it’s being read as part of the sentence. You can also use “</a:t>
+            </a:r>
+            <a:r>
+              <a:rPr lang="en-GB" dirty="0" err="1"/>
+              <a:t>citep</a:t>
+            </a:r>
+            <a:r>
+              <a:rPr lang="en-GB" dirty="0"/>
+              <a:t>” to include the entire reference within brackets. This can be useful for when you don’t intend for the reference to be read as part of the sentence, but to act as an addendum.</a:t>
             </a:r>
             <a:br>
               <a:rPr lang="en-GB" dirty="0"/>
@@ -3279,54 +3430,45 @@
             </a:br>
             <a:r>
               <a:rPr lang="en-GB" dirty="0"/>
-              <a:t>When you receive an error from LaTeX (in Overleaf, or from whatever LaTeX compiler you’re using), read the error message, edit your </a:t>
+              <a:t>After the main body of your text, select a bibliography style (we’ll use “</a:t>
             </a:r>
             <a:r>
               <a:rPr lang="en-GB" dirty="0" err="1"/>
-              <a:t>tex</a:t>
-            </a:r>
-            <a:r>
-              <a:rPr lang="en-GB" dirty="0"/>
-              <a:t> file to correct the error and recompile the pdf. Hopefully you will have fixed the error. Otherwise, you’ll receive another error message.</a:t>
-            </a:r>
-            <a:br>
-              <a:rPr lang="en-GB" dirty="0"/>
-            </a:br>
-            <a:br>
-              <a:rPr lang="en-GB" dirty="0"/>
-            </a:br>
-            <a:r>
-              <a:rPr lang="en-GB" dirty="0"/>
-              <a:t>LaTeX will also give you warnings, telling you if there was something it wasn’t sure what to do with, but was able to complete the document in any case. It’s also a good idea to look through the entire pdf by eye for anywhere that you’ve given a valid instruction, but one that has produced a different result to what you wanted.</a:t>
+              <a:t>plainnat</a:t>
+            </a:r>
+            <a:r>
+              <a:rPr lang="en-GB" dirty="0"/>
+              <a:t>” for now). Then, use the “\bibliography” command to actually insert your bibliography into your text. This is followed by the name of your “.bib” file in curly brackets (do not include the “.bib” extension here).</a:t>
             </a:r>
           </a:p>
           <a:p>
             <a:endParaRPr lang="en-GB" dirty="0"/>
           </a:p>
           <a:p>
-            <a:r>
-              <a:rPr lang="en-GB" dirty="0"/>
-              <a:t>When tackling errors, it’s often worth correcting the earliest error first – sometimes doing so will fix subsequent errors.</a:t>
-            </a:r>
-            <a:br>
-              <a:rPr lang="en-GB" dirty="0"/>
-            </a:br>
+            <a:pPr marL="0" marR="0" lvl="0" indent="0" algn="l" defTabSz="914400" rtl="0" eaLnBrk="1" fontAlgn="auto" latinLnBrk="0" hangingPunct="1">
+              <a:lnSpc>
+                <a:spcPct val="100000"/>
+              </a:lnSpc>
+              <a:spcBef>
+                <a:spcPts val="0"/>
+              </a:spcBef>
+              <a:spcAft>
+                <a:spcPts val="0"/>
+              </a:spcAft>
+              <a:buClrTx/>
+              <a:buSzTx/>
+              <a:buFontTx/>
+              <a:buNone/>
+              <a:tabLst/>
+              <a:defRPr/>
+            </a:pPr>
+            <a:r>
+              <a:rPr lang="en-GB" dirty="0"/>
+              <a:t>Overleaf example: https://www.overleaf.com/read/tfrbytxxqszf</a:t>
+            </a:r>
+          </a:p>
+          <a:p>
             <a:endParaRPr lang="en-GB" dirty="0"/>
-          </a:p>
-          <a:p>
-            <a:r>
-              <a:rPr lang="en-GB" dirty="0"/>
-              <a:t>Latex example: https://www.overleaf.com/read/gnzphcnqgfvf</a:t>
-            </a:r>
-          </a:p>
-          <a:p>
-            <a:br>
-              <a:rPr lang="en-GB" dirty="0"/>
-            </a:br>
-            <a:r>
-              <a:rPr lang="en-GB" dirty="0"/>
-              <a:t>Break for section 10 of Task Sheet. </a:t>
-            </a:r>
           </a:p>
         </p:txBody>
       </p:sp>
@@ -3356,7 +3498,7 @@
     </p:spTree>
     <p:extLst>
       <p:ext uri="{BB962C8B-B14F-4D97-AF65-F5344CB8AC3E}">
-        <p14:creationId xmlns:p14="http://schemas.microsoft.com/office/powerpoint/2010/main" val="2643096923"/>
+        <p14:creationId xmlns:p14="http://schemas.microsoft.com/office/powerpoint/2010/main" val="529073958"/>
       </p:ext>
     </p:extLst>
   </p:cSld>
@@ -3412,23 +3554,16 @@
           <a:p>
             <a:r>
               <a:rPr lang="en-GB" dirty="0"/>
-              <a:t>If you’re working on a document to submit to a journal, there are a number of things to bear in mind. Many journals have custom </a:t>
-            </a:r>
-            <a:r>
-              <a:rPr lang="en-GB" dirty="0" err="1"/>
-              <a:t>documentclasses</a:t>
-            </a:r>
-            <a:r>
-              <a:rPr lang="en-GB" dirty="0"/>
-              <a:t> which they make available and you can chose to use when submitting. Some journals might require you to use their </a:t>
-            </a:r>
-            <a:r>
-              <a:rPr lang="en-GB" dirty="0" err="1"/>
-              <a:t>documentclass</a:t>
-            </a:r>
-            <a:r>
-              <a:rPr lang="en-GB" dirty="0"/>
-              <a:t> when submitting.</a:t>
+              <a:t>As LaTeX runs, it keeps a log of what it’s doing. Most of these messages can be safely ignored. However, one class of message that is very helpful is the error message. Overleaf, like all LaTeX compilers will keep a log of all messages is generated. When LaTeX hits a section of code with an error, it will typically generate a number of useful messages and then stop progressing further. If you carefully read the messages, they often lead you straight to the source of the error.</a:t>
+            </a:r>
+          </a:p>
+          <a:p>
+            <a:endParaRPr lang="en-GB" dirty="0"/>
+          </a:p>
+          <a:p>
+            <a:r>
+              <a:rPr lang="en-GB" dirty="0"/>
+              <a:t>LaTeX will normally tell you what the error is and on what line of the file the error occurred. Overleaf takes this a step further and shows you a small error symbol next to the line number. You can hover over this to read the error message. The full message log can be read by clicking the “Log and Output Files” button next to the “Recompile” button just above where the pdf is normally displayed. </a:t>
             </a:r>
             <a:br>
               <a:rPr lang="en-GB" dirty="0"/>
@@ -3438,15 +3573,53 @@
             </a:br>
             <a:r>
               <a:rPr lang="en-GB" dirty="0"/>
-              <a:t>In many cases you can submit your LaTeX source files to the journal as well. This aids the typesetters at the journal in working on your document. For many journals, </a:t>
+              <a:t>When you receive an error from LaTeX (in Overleaf, or from whatever LaTeX compiler you’re using), read the error message, edit your </a:t>
             </a:r>
             <a:r>
               <a:rPr lang="en-GB" dirty="0" err="1"/>
-              <a:t>typsetters</a:t>
-            </a:r>
-            <a:r>
-              <a:rPr lang="en-GB" dirty="0"/>
-              <a:t> will alter your script substantially to make sure it fits the standards and style of the journal. This means that you don’t need to make your document look perfect when you submit it. You need it to be easily legible for the reviewers and editors to read, but spending days tweaking fine details might not be a good use of your time. Check the process and requirements of the journal you’re submitting to so you fulfil all their requirements but don’t put in effort that will ultimately be wasted.</a:t>
+              <a:t>tex</a:t>
+            </a:r>
+            <a:r>
+              <a:rPr lang="en-GB" dirty="0"/>
+              <a:t> file to correct the error and recompile the pdf. Hopefully you will have fixed the error. Otherwise, you’ll receive another error message.</a:t>
+            </a:r>
+            <a:br>
+              <a:rPr lang="en-GB" dirty="0"/>
+            </a:br>
+            <a:br>
+              <a:rPr lang="en-GB" dirty="0"/>
+            </a:br>
+            <a:r>
+              <a:rPr lang="en-GB" dirty="0"/>
+              <a:t>LaTeX will also give you warnings, telling you if there was something it wasn’t sure what to do with, but was able to complete the document in any case. It’s also a good idea to look through the entire pdf by eye for anywhere that you’ve given a valid instruction, but one that has produced a different result to what you wanted.</a:t>
+            </a:r>
+          </a:p>
+          <a:p>
+            <a:endParaRPr lang="en-GB" dirty="0"/>
+          </a:p>
+          <a:p>
+            <a:r>
+              <a:rPr lang="en-GB" dirty="0"/>
+              <a:t>When tackling errors, it’s often worth correcting the earliest error first – sometimes doing so will fix subsequent errors.</a:t>
+            </a:r>
+            <a:br>
+              <a:rPr lang="en-GB" dirty="0"/>
+            </a:br>
+            <a:endParaRPr lang="en-GB" dirty="0"/>
+          </a:p>
+          <a:p>
+            <a:r>
+              <a:rPr lang="en-GB" dirty="0"/>
+              <a:t>Latex example: https://www.overleaf.com/read/gnzphcnqgfvf</a:t>
+            </a:r>
+          </a:p>
+          <a:p>
+            <a:br>
+              <a:rPr lang="en-GB" dirty="0"/>
+            </a:br>
+            <a:r>
+              <a:rPr lang="en-GB" dirty="0"/>
+              <a:t>Break for section 10 of Task Sheet. </a:t>
             </a:r>
           </a:p>
         </p:txBody>
@@ -3477,7 +3650,7 @@
     </p:spTree>
     <p:extLst>
       <p:ext uri="{BB962C8B-B14F-4D97-AF65-F5344CB8AC3E}">
-        <p14:creationId xmlns:p14="http://schemas.microsoft.com/office/powerpoint/2010/main" val="3430040987"/>
+        <p14:creationId xmlns:p14="http://schemas.microsoft.com/office/powerpoint/2010/main" val="2643096923"/>
       </p:ext>
     </p:extLst>
   </p:cSld>
@@ -3533,23 +3706,41 @@
           <a:p>
             <a:r>
               <a:rPr lang="en-GB" dirty="0"/>
-              <a:t>If you want to do something in LaTeX but don’t know how, the first thing to do is to Google it. Somebody has almost certainly had your problem/desire before and you can copy their solution most of the time. On many occasions, you’ll find the answer of </a:t>
+              <a:t>If you’re working on a document to submit to a journal, there are a number of things to bear in mind. Many journals have custom </a:t>
             </a:r>
             <a:r>
               <a:rPr lang="en-GB" dirty="0" err="1"/>
-              <a:t>stackexchange</a:t>
-            </a:r>
-            <a:r>
-              <a:rPr lang="en-GB" dirty="0"/>
-              <a:t>. As well as being a useful environment to develop and run LaTeX, Overleaf has an extensive library of documentation on LaTeX’s functions. There’s also a very good </a:t>
+              <a:t>documentclasses</a:t>
+            </a:r>
+            <a:r>
+              <a:rPr lang="en-GB" dirty="0"/>
+              <a:t> which they make available and you can chose to use when submitting. Some journals might require you to use their </a:t>
             </a:r>
             <a:r>
               <a:rPr lang="en-GB" dirty="0" err="1"/>
-              <a:t>wikibook</a:t>
-            </a:r>
-            <a:r>
-              <a:rPr lang="en-GB" dirty="0"/>
-              <a:t> that contains a good description of the functionality of LaTeX. There’s also a good table maker which allows you to define tables in a more natural and graphical way and have it return the equivalent LaTeX code. Finally, there’s an equation editor which allows you to define equations in a more graphical fashion and have it return the equivalent LaTeX code.</a:t>
+              <a:t>documentclass</a:t>
+            </a:r>
+            <a:r>
+              <a:rPr lang="en-GB" dirty="0"/>
+              <a:t> when submitting.</a:t>
+            </a:r>
+            <a:br>
+              <a:rPr lang="en-GB" dirty="0"/>
+            </a:br>
+            <a:br>
+              <a:rPr lang="en-GB" dirty="0"/>
+            </a:br>
+            <a:r>
+              <a:rPr lang="en-GB" dirty="0"/>
+              <a:t>In many cases you can submit your LaTeX source files to the journal as well. This aids the typesetters at the journal in working on your document. For many journals, </a:t>
+            </a:r>
+            <a:r>
+              <a:rPr lang="en-GB" dirty="0" err="1"/>
+              <a:t>typsetters</a:t>
+            </a:r>
+            <a:r>
+              <a:rPr lang="en-GB" dirty="0"/>
+              <a:t> will alter your script substantially to make sure it fits the standards and style of the journal. This means that you don’t need to make your document look perfect when you submit it. You need it to be easily legible for the reviewers and editors to read, but spending days tweaking fine details might not be a good use of your time. Check the process and requirements of the journal you’re submitting to so you fulfil all their requirements but don’t put in effort that will ultimately be wasted.</a:t>
             </a:r>
           </a:p>
         </p:txBody>
@@ -3580,7 +3771,7 @@
     </p:spTree>
     <p:extLst>
       <p:ext uri="{BB962C8B-B14F-4D97-AF65-F5344CB8AC3E}">
-        <p14:creationId xmlns:p14="http://schemas.microsoft.com/office/powerpoint/2010/main" val="1445805806"/>
+        <p14:creationId xmlns:p14="http://schemas.microsoft.com/office/powerpoint/2010/main" val="3430040987"/>
       </p:ext>
     </p:extLst>
   </p:cSld>
@@ -3634,7 +3825,26 @@
           <a:bodyPr/>
           <a:lstStyle/>
           <a:p>
-            <a:endParaRPr lang="en-GB" dirty="0"/>
+            <a:r>
+              <a:rPr lang="en-GB" dirty="0"/>
+              <a:t>If you want to do something in LaTeX but don’t know how, the first thing to do is to Google it. Somebody has almost certainly had your problem/desire before and you can copy their solution most of the time. On many occasions, you’ll find the answer of </a:t>
+            </a:r>
+            <a:r>
+              <a:rPr lang="en-GB" dirty="0" err="1"/>
+              <a:t>stackexchange</a:t>
+            </a:r>
+            <a:r>
+              <a:rPr lang="en-GB" dirty="0"/>
+              <a:t>. As well as being a useful environment to develop and run LaTeX, Overleaf has an extensive library of documentation on LaTeX’s functions. There’s also a very good </a:t>
+            </a:r>
+            <a:r>
+              <a:rPr lang="en-GB" dirty="0" err="1"/>
+              <a:t>wikibook</a:t>
+            </a:r>
+            <a:r>
+              <a:rPr lang="en-GB" dirty="0"/>
+              <a:t> that contains a good description of the functionality of LaTeX. There’s also a good table maker which allows you to define tables in a more natural and graphical way and have it return the equivalent LaTeX code. Finally, there’s an equation editor which allows you to define equations in a more graphical fashion and have it return the equivalent LaTeX code.</a:t>
+            </a:r>
           </a:p>
         </p:txBody>
       </p:sp>
@@ -3664,7 +3874,7 @@
     </p:spTree>
     <p:extLst>
       <p:ext uri="{BB962C8B-B14F-4D97-AF65-F5344CB8AC3E}">
-        <p14:creationId xmlns:p14="http://schemas.microsoft.com/office/powerpoint/2010/main" val="1492413823"/>
+        <p14:creationId xmlns:p14="http://schemas.microsoft.com/office/powerpoint/2010/main" val="1445805806"/>
       </p:ext>
     </p:extLst>
   </p:cSld>
@@ -3693,6 +3903,90 @@
       </p:grpSpPr>
       <p:sp>
         <p:nvSpPr>
+          <p:cNvPr id="2" name="Slide Image Placeholder 1"/>
+          <p:cNvSpPr>
+            <a:spLocks noGrp="1" noRot="1" noChangeAspect="1"/>
+          </p:cNvSpPr>
+          <p:nvPr>
+            <p:ph type="sldImg"/>
+          </p:nvPr>
+        </p:nvSpPr>
+        <p:spPr/>
+      </p:sp>
+      <p:sp>
+        <p:nvSpPr>
+          <p:cNvPr id="3" name="Notes Placeholder 2"/>
+          <p:cNvSpPr>
+            <a:spLocks noGrp="1"/>
+          </p:cNvSpPr>
+          <p:nvPr>
+            <p:ph type="body" idx="1"/>
+          </p:nvPr>
+        </p:nvSpPr>
+        <p:spPr/>
+        <p:txBody>
+          <a:bodyPr/>
+          <a:lstStyle/>
+          <a:p>
+            <a:endParaRPr lang="en-GB" dirty="0"/>
+          </a:p>
+        </p:txBody>
+      </p:sp>
+      <p:sp>
+        <p:nvSpPr>
+          <p:cNvPr id="4" name="Slide Number Placeholder 3"/>
+          <p:cNvSpPr>
+            <a:spLocks noGrp="1"/>
+          </p:cNvSpPr>
+          <p:nvPr>
+            <p:ph type="sldNum" sz="quarter" idx="10"/>
+          </p:nvPr>
+        </p:nvSpPr>
+        <p:spPr/>
+        <p:txBody>
+          <a:bodyPr/>
+          <a:lstStyle/>
+          <a:p>
+            <a:fld id="{6A641EC8-C9F8-4A58-A1A7-F7D817526EEC}" type="slidenum">
+              <a:rPr lang="en-GB" smtClean="0"/>
+              <a:t>28</a:t>
+            </a:fld>
+            <a:endParaRPr lang="en-GB"/>
+          </a:p>
+        </p:txBody>
+      </p:sp>
+    </p:spTree>
+    <p:extLst>
+      <p:ext uri="{BB962C8B-B14F-4D97-AF65-F5344CB8AC3E}">
+        <p14:creationId xmlns:p14="http://schemas.microsoft.com/office/powerpoint/2010/main" val="1492413823"/>
+      </p:ext>
+    </p:extLst>
+  </p:cSld>
+  <p:clrMapOvr>
+    <a:masterClrMapping/>
+  </p:clrMapOvr>
+</p:notes>
+</file>
+
+<file path=ppt/notesSlides/notesSlide28.xml><?xml version="1.0" encoding="utf-8"?>
+<p:notes xmlns:a="http://schemas.openxmlformats.org/drawingml/2006/main" xmlns:r="http://schemas.openxmlformats.org/officeDocument/2006/relationships" xmlns:p="http://schemas.openxmlformats.org/presentationml/2006/main">
+  <p:cSld>
+    <p:spTree>
+      <p:nvGrpSpPr>
+        <p:cNvPr id="1" name=""/>
+        <p:cNvGrpSpPr/>
+        <p:nvPr/>
+      </p:nvGrpSpPr>
+      <p:grpSpPr>
+        <a:xfrm>
+          <a:off x="0" y="0"/>
+          <a:ext cx="0" cy="0"/>
+          <a:chOff x="0" y="0"/>
+          <a:chExt cx="0" cy="0"/>
+        </a:xfrm>
+      </p:grpSpPr>
+      <p:sp>
+        <p:nvSpPr>
           <p:cNvPr id="108546" name="Rectangle 7"/>
           <p:cNvSpPr>
             <a:spLocks noGrp="1" noChangeArrowheads="1"/>
@@ -3851,7 +4145,7 @@
                   <a:spcPct val="0"/>
                 </a:spcBef>
               </a:pPr>
-              <a:t>28</a:t>
+              <a:t>29</a:t>
             </a:fld>
             <a:endParaRPr lang="en-US" altLang="en-US"/>
           </a:p>
@@ -4487,7 +4781,50 @@
           <a:p>
             <a:r>
               <a:rPr lang="en-GB" dirty="0"/>
-              <a:t>You can use sections and subsections to break up and categorise your document. Using the commands “section”, “subsection” and so on allows you to specify the name of a section and then specify the content to be contained within the (sub)section.</a:t>
+              <a:t>In LaTeX, a line break in the .</a:t>
+            </a:r>
+            <a:r>
+              <a:rPr lang="en-GB" dirty="0" err="1"/>
+              <a:t>tex</a:t>
+            </a:r>
+            <a:r>
+              <a:rPr lang="en-GB" dirty="0"/>
+              <a:t> file will not produce a line break in the pdf. Instead, we must create a new paragraph. There are a couple of ways to do this, but the simplest and easiest way is to leave a blank line in the .</a:t>
+            </a:r>
+            <a:r>
+              <a:rPr lang="en-GB" dirty="0" err="1"/>
+              <a:t>tex</a:t>
+            </a:r>
+            <a:r>
+              <a:rPr lang="en-GB" dirty="0"/>
+              <a:t> file.</a:t>
+            </a:r>
+          </a:p>
+          <a:p>
+            <a:endParaRPr lang="en-GB" dirty="0"/>
+          </a:p>
+          <a:p>
+            <a:r>
+              <a:rPr lang="en-GB" dirty="0"/>
+              <a:t>It’s also worth noting that, at the start of a new block to text (such as at the start of a new section) the first paragraph will not be indented. However, subsequent paragraphs will be to make it easier to see where they start. This look a bit odd with single-line paragraphs (such as the ones you might be writing in the exercises), but with longer paragraphs it looks a lot more natural and makes a lot more sense.</a:t>
+            </a:r>
+          </a:p>
+          <a:p>
+            <a:endParaRPr lang="en-GB" dirty="0"/>
+          </a:p>
+          <a:p>
+            <a:r>
+              <a:rPr lang="en-GB" dirty="0"/>
+              <a:t>It is possible to modify the way new paragraphs look, including indentation and white space between paragraphs, but this is beyond the scope of this course.</a:t>
+            </a:r>
+          </a:p>
+          <a:p>
+            <a:endParaRPr lang="en-GB" dirty="0"/>
+          </a:p>
+          <a:p>
+            <a:r>
+              <a:rPr lang="en-GB" dirty="0"/>
+              <a:t>Overleaf example: https://www.overleaf.com/read/ctsdkmwxrfhy</a:t>
             </a:r>
           </a:p>
         </p:txBody>
@@ -4518,7 +4855,7 @@
     </p:spTree>
     <p:extLst>
       <p:ext uri="{BB962C8B-B14F-4D97-AF65-F5344CB8AC3E}">
-        <p14:creationId xmlns:p14="http://schemas.microsoft.com/office/powerpoint/2010/main" val="2803192502"/>
+        <p14:creationId xmlns:p14="http://schemas.microsoft.com/office/powerpoint/2010/main" val="359075030"/>
       </p:ext>
     </p:extLst>
   </p:cSld>
@@ -4574,32 +4911,7 @@
           <a:p>
             <a:r>
               <a:rPr lang="en-GB" dirty="0"/>
-              <a:t>You can further use chapters to break up your document into larger sections or give individual paragraphs titles using the paragraph command. The chapter command is an example of a command which is not available in every type of </a:t>
-            </a:r>
-            <a:r>
-              <a:rPr lang="en-GB" dirty="0" err="1"/>
-              <a:t>documentclass</a:t>
-            </a:r>
-            <a:r>
-              <a:rPr lang="en-GB" dirty="0"/>
-              <a:t> – it is available in the “report” and “book” </a:t>
-            </a:r>
-            <a:r>
-              <a:rPr lang="en-GB" dirty="0" err="1"/>
-              <a:t>documentclasses</a:t>
-            </a:r>
-            <a:r>
-              <a:rPr lang="en-GB" dirty="0"/>
-              <a:t> but not in the “article” or “slides” document class. Different document classes may also handle chapters, sections and paragraphs differently by default, such as which (if any) begins a new page.</a:t>
-            </a:r>
-          </a:p>
-          <a:p>
-            <a:endParaRPr lang="en-GB" dirty="0"/>
-          </a:p>
-          <a:p>
-            <a:r>
-              <a:rPr lang="en-GB" dirty="0"/>
-              <a:t>Overleaf example: https://www.overleaf.com/read/cpkybhpfdgsb</a:t>
+              <a:t>You can use sections and subsections to break up and categorise your document. Using the commands “section”, “subsection” and so on allows you to specify the name of a section and then specify the content to be contained within the (sub)section.</a:t>
             </a:r>
           </a:p>
         </p:txBody>
@@ -4630,7 +4942,7 @@
     </p:spTree>
     <p:extLst>
       <p:ext uri="{BB962C8B-B14F-4D97-AF65-F5344CB8AC3E}">
-        <p14:creationId xmlns:p14="http://schemas.microsoft.com/office/powerpoint/2010/main" val="310261752"/>
+        <p14:creationId xmlns:p14="http://schemas.microsoft.com/office/powerpoint/2010/main" val="2803192502"/>
       </p:ext>
     </p:extLst>
   </p:cSld>
@@ -4686,15 +4998,36 @@
           <a:p>
             <a:r>
               <a:rPr lang="en-GB" dirty="0"/>
-              <a:t>A Table of Contents may be easily inserted using the command “</a:t>
+              <a:t>You can further use chapters to break up your document into larger sections. The chapter command is an example of a command which is not available in every type of </a:t>
             </a:r>
             <a:r>
               <a:rPr lang="en-GB" dirty="0" err="1"/>
-              <a:t>tableofcontents</a:t>
-            </a:r>
-            <a:r>
-              <a:rPr lang="en-GB" dirty="0"/>
-              <a:t>” command, which automatically detects the page numbers of chapters, sections and so on.</a:t>
+              <a:t>documentclass</a:t>
+            </a:r>
+            <a:r>
+              <a:rPr lang="en-GB" dirty="0"/>
+              <a:t> – it is available in the “report” and “book” </a:t>
+            </a:r>
+            <a:r>
+              <a:rPr lang="en-GB" dirty="0" err="1"/>
+              <a:t>documentclasses</a:t>
+            </a:r>
+            <a:r>
+              <a:rPr lang="en-GB" dirty="0"/>
+              <a:t> but not in the “article” or “slides” document class. </a:t>
+            </a:r>
+          </a:p>
+          <a:p>
+            <a:endParaRPr lang="en-GB"/>
+          </a:p>
+          <a:p>
+            <a:r>
+              <a:rPr lang="en-GB"/>
+              <a:t>Different </a:t>
+            </a:r>
+            <a:r>
+              <a:rPr lang="en-GB" dirty="0"/>
+              <a:t>document classes may also handle chapters, sections and paragraphs differently by default, such as which (if any) begins a new page. For example, the book document class will put a chapter on the first page of a new double-page spread, which can mean a blank page is left before the start of a new chapter.</a:t>
             </a:r>
           </a:p>
           <a:p>
@@ -4703,7 +5036,7 @@
           <a:p>
             <a:r>
               <a:rPr lang="en-GB" dirty="0"/>
-              <a:t>Overleaf example: https://www.overleaf.com/read/gjdnkmkdnnqd</a:t>
+              <a:t>Overleaf example: https://www.overleaf.com/read/cpkybhpfdgsb</a:t>
             </a:r>
           </a:p>
         </p:txBody>
@@ -5103,7 +5436,7 @@
           <a:p>
             <a:fld id="{EB0080F8-EA1C-491D-963C-2C881B2F918F}" type="datetimeFigureOut">
               <a:rPr lang="en-GB" smtClean="0"/>
-              <a:t>13/10/2022</a:t>
+              <a:t>08/12/2022</a:t>
             </a:fld>
             <a:endParaRPr lang="en-GB"/>
           </a:p>
@@ -5253,7 +5586,7 @@
           <a:p>
             <a:fld id="{EB0080F8-EA1C-491D-963C-2C881B2F918F}" type="datetimeFigureOut">
               <a:rPr lang="en-GB" smtClean="0"/>
-              <a:t>13/10/2022</a:t>
+              <a:t>08/12/2022</a:t>
             </a:fld>
             <a:endParaRPr lang="en-GB"/>
           </a:p>
@@ -6786,7 +7119,7 @@
           <a:p>
             <a:fld id="{EB0080F8-EA1C-491D-963C-2C881B2F918F}" type="datetimeFigureOut">
               <a:rPr lang="en-GB" smtClean="0"/>
-              <a:t>13/10/2022</a:t>
+              <a:t>08/12/2022</a:t>
             </a:fld>
             <a:endParaRPr lang="en-GB"/>
           </a:p>
@@ -7353,69 +7686,8 @@
           <a:p>
             <a:r>
               <a:rPr lang="en-GB" sz="4000" dirty="0"/>
-              <a:t>Table of Contents</a:t>
-            </a:r>
-          </a:p>
-        </p:txBody>
-      </p:sp>
-      <p:sp>
-        <p:nvSpPr>
-          <p:cNvPr id="4" name="TextBox 3"/>
-          <p:cNvSpPr txBox="1"/>
-          <p:nvPr/>
-        </p:nvSpPr>
-        <p:spPr>
-          <a:xfrm>
-            <a:off x="746438" y="3245892"/>
-            <a:ext cx="2896947" cy="553998"/>
-          </a:xfrm>
-          <a:prstGeom prst="rect">
-            <a:avLst/>
-          </a:prstGeom>
-          <a:noFill/>
-        </p:spPr>
-        <p:txBody>
-          <a:bodyPr wrap="none" rtlCol="0">
-            <a:spAutoFit/>
-          </a:bodyPr>
-          <a:lstStyle/>
-          <a:p>
-            <a:r>
-              <a:rPr lang="en-GB" sz="3000" dirty="0">
-                <a:solidFill>
-                  <a:schemeClr val="tx2">
-                    <a:lumMod val="50000"/>
-                    <a:lumOff val="50000"/>
-                  </a:schemeClr>
-                </a:solidFill>
-                <a:latin typeface="+mj-lt"/>
-                <a:cs typeface="Courier New" panose="02070309020205020404" pitchFamily="49" charset="0"/>
-              </a:rPr>
-              <a:t>\</a:t>
-            </a:r>
-            <a:r>
-              <a:rPr lang="en-GB" sz="3000" dirty="0" err="1">
-                <a:solidFill>
-                  <a:schemeClr val="tx2">
-                    <a:lumMod val="50000"/>
-                    <a:lumOff val="50000"/>
-                  </a:schemeClr>
-                </a:solidFill>
-                <a:latin typeface="+mj-lt"/>
-                <a:cs typeface="Courier New" panose="02070309020205020404" pitchFamily="49" charset="0"/>
-              </a:rPr>
-              <a:t>tableofcontents</a:t>
-            </a:r>
-            <a:endParaRPr lang="en-GB" sz="3000" dirty="0">
-              <a:solidFill>
-                <a:schemeClr val="tx2">
-                  <a:lumMod val="50000"/>
-                  <a:lumOff val="50000"/>
-                </a:schemeClr>
-              </a:solidFill>
-              <a:latin typeface="+mj-lt"/>
-              <a:cs typeface="Courier New" panose="02070309020205020404" pitchFamily="49" charset="0"/>
-            </a:endParaRPr>
+              <a:t>Chapters</a:t>
+            </a:r>
           </a:p>
         </p:txBody>
       </p:sp>
@@ -7451,6 +7723,389 @@
       </p:cxnSp>
       <p:sp>
         <p:nvSpPr>
+          <p:cNvPr id="8" name="TextBox 7"/>
+          <p:cNvSpPr txBox="1"/>
+          <p:nvPr/>
+        </p:nvSpPr>
+        <p:spPr>
+          <a:xfrm>
+            <a:off x="233560" y="3136274"/>
+            <a:ext cx="4263894" cy="1815882"/>
+          </a:xfrm>
+          <a:prstGeom prst="rect">
+            <a:avLst/>
+          </a:prstGeom>
+          <a:noFill/>
+        </p:spPr>
+        <p:txBody>
+          <a:bodyPr wrap="square" rtlCol="0">
+            <a:spAutoFit/>
+          </a:bodyPr>
+          <a:lstStyle/>
+          <a:p>
+            <a:r>
+              <a:rPr lang="en-GB" sz="2800" dirty="0">
+                <a:solidFill>
+                  <a:schemeClr val="tx2">
+                    <a:lumMod val="50000"/>
+                    <a:lumOff val="50000"/>
+                  </a:schemeClr>
+                </a:solidFill>
+                <a:latin typeface="+mj-lt"/>
+                <a:cs typeface="Courier New" panose="02070309020205020404" pitchFamily="49" charset="0"/>
+              </a:rPr>
+              <a:t>\chapter{</a:t>
+            </a:r>
+            <a:r>
+              <a:rPr lang="en-GB" sz="2800" dirty="0">
+                <a:latin typeface="+mj-lt"/>
+                <a:cs typeface="Courier New" panose="02070309020205020404" pitchFamily="49" charset="0"/>
+              </a:rPr>
+              <a:t>A Poem</a:t>
+            </a:r>
+            <a:r>
+              <a:rPr lang="en-GB" sz="2800" dirty="0">
+                <a:solidFill>
+                  <a:schemeClr val="tx2">
+                    <a:lumMod val="50000"/>
+                    <a:lumOff val="50000"/>
+                  </a:schemeClr>
+                </a:solidFill>
+                <a:latin typeface="+mj-lt"/>
+                <a:cs typeface="Courier New" panose="02070309020205020404" pitchFamily="49" charset="0"/>
+              </a:rPr>
+              <a:t>}</a:t>
+            </a:r>
+          </a:p>
+          <a:p>
+            <a:r>
+              <a:rPr lang="en-GB" sz="2800" dirty="0">
+                <a:solidFill>
+                  <a:schemeClr val="tx2">
+                    <a:lumMod val="50000"/>
+                    <a:lumOff val="50000"/>
+                  </a:schemeClr>
+                </a:solidFill>
+                <a:latin typeface="+mj-lt"/>
+                <a:cs typeface="Courier New" panose="02070309020205020404" pitchFamily="49" charset="0"/>
+              </a:rPr>
+              <a:t>\section{</a:t>
+            </a:r>
+            <a:r>
+              <a:rPr lang="en-GB" sz="2800" dirty="0">
+                <a:latin typeface="+mj-lt"/>
+                <a:cs typeface="Courier New" panose="02070309020205020404" pitchFamily="49" charset="0"/>
+              </a:rPr>
+              <a:t>The Cat</a:t>
+            </a:r>
+            <a:r>
+              <a:rPr lang="en-GB" sz="2800" dirty="0">
+                <a:solidFill>
+                  <a:schemeClr val="tx2">
+                    <a:lumMod val="50000"/>
+                    <a:lumOff val="50000"/>
+                  </a:schemeClr>
+                </a:solidFill>
+                <a:latin typeface="+mj-lt"/>
+                <a:cs typeface="Courier New" panose="02070309020205020404" pitchFamily="49" charset="0"/>
+              </a:rPr>
+              <a:t>}</a:t>
+            </a:r>
+          </a:p>
+          <a:p>
+            <a:r>
+              <a:rPr lang="en-GB" sz="2800" dirty="0">
+                <a:solidFill>
+                  <a:schemeClr val="tx2">
+                    <a:lumMod val="50000"/>
+                    <a:lumOff val="50000"/>
+                  </a:schemeClr>
+                </a:solidFill>
+                <a:latin typeface="+mj-lt"/>
+                <a:cs typeface="Courier New" panose="02070309020205020404" pitchFamily="49" charset="0"/>
+              </a:rPr>
+              <a:t>\subsection{</a:t>
+            </a:r>
+            <a:r>
+              <a:rPr lang="en-GB" sz="2800" dirty="0">
+                <a:latin typeface="+mj-lt"/>
+                <a:cs typeface="Courier New" panose="02070309020205020404" pitchFamily="49" charset="0"/>
+              </a:rPr>
+              <a:t>Sat On</a:t>
+            </a:r>
+            <a:r>
+              <a:rPr lang="en-GB" sz="2800" dirty="0">
+                <a:solidFill>
+                  <a:schemeClr val="tx2">
+                    <a:lumMod val="50000"/>
+                    <a:lumOff val="50000"/>
+                  </a:schemeClr>
+                </a:solidFill>
+                <a:latin typeface="+mj-lt"/>
+                <a:cs typeface="Courier New" panose="02070309020205020404" pitchFamily="49" charset="0"/>
+              </a:rPr>
+              <a:t>}</a:t>
+            </a:r>
+          </a:p>
+          <a:p>
+            <a:r>
+              <a:rPr lang="en-GB" sz="2800" dirty="0">
+                <a:solidFill>
+                  <a:schemeClr val="tx2">
+                    <a:lumMod val="50000"/>
+                    <a:lumOff val="50000"/>
+                  </a:schemeClr>
+                </a:solidFill>
+                <a:latin typeface="+mj-lt"/>
+                <a:cs typeface="Courier New" panose="02070309020205020404" pitchFamily="49" charset="0"/>
+              </a:rPr>
+              <a:t>\subsubsection{</a:t>
+            </a:r>
+            <a:r>
+              <a:rPr lang="en-GB" sz="2800" dirty="0">
+                <a:latin typeface="+mj-lt"/>
+                <a:cs typeface="Courier New" panose="02070309020205020404" pitchFamily="49" charset="0"/>
+              </a:rPr>
+              <a:t>The Mat</a:t>
+            </a:r>
+            <a:r>
+              <a:rPr lang="en-GB" sz="2800" dirty="0">
+                <a:solidFill>
+                  <a:schemeClr val="tx2">
+                    <a:lumMod val="50000"/>
+                    <a:lumOff val="50000"/>
+                  </a:schemeClr>
+                </a:solidFill>
+                <a:latin typeface="+mj-lt"/>
+                <a:cs typeface="Courier New" panose="02070309020205020404" pitchFamily="49" charset="0"/>
+              </a:rPr>
+              <a:t>}</a:t>
+            </a:r>
+          </a:p>
+        </p:txBody>
+      </p:sp>
+      <p:graphicFrame>
+        <p:nvGraphicFramePr>
+          <p:cNvPr id="3" name="Object 2">
+            <a:extLst>
+              <a:ext uri="{FF2B5EF4-FFF2-40B4-BE49-F238E27FC236}">
+                <a16:creationId xmlns:a16="http://schemas.microsoft.com/office/drawing/2014/main" id="{F1EAD752-BAF7-E528-077D-206066DF74CF}"/>
+              </a:ext>
+            </a:extLst>
+          </p:cNvPr>
+          <p:cNvGraphicFramePr>
+            <a:graphicFrameLocks noChangeAspect="1"/>
+          </p:cNvGraphicFramePr>
+          <p:nvPr>
+            <p:extLst>
+              <p:ext uri="{D42A27DB-BD31-4B8C-83A1-F6EECF244321}">
+                <p14:modId xmlns:p14="http://schemas.microsoft.com/office/powerpoint/2010/main" val="3105272868"/>
+              </p:ext>
+            </p:extLst>
+          </p:nvPr>
+        </p:nvGraphicFramePr>
+        <p:xfrm>
+          <a:off x="5086288" y="1505068"/>
+          <a:ext cx="3600512" cy="5078294"/>
+        </p:xfrm>
+        <a:graphic>
+          <a:graphicData uri="http://schemas.openxmlformats.org/presentationml/2006/ole">
+            <mc:AlternateContent xmlns:mc="http://schemas.openxmlformats.org/markup-compatibility/2006">
+              <mc:Choice xmlns:v="urn:schemas-microsoft-com:vml" Requires="v">
+                <p:oleObj name="Bitmap Image" r:id="rId3" imgW="4290120" imgH="6050160" progId="PBrush">
+                  <p:embed/>
+                </p:oleObj>
+              </mc:Choice>
+              <mc:Fallback>
+                <p:oleObj name="Bitmap Image" r:id="rId3" imgW="4290120" imgH="6050160" progId="PBrush">
+                  <p:embed/>
+                  <p:pic>
+                    <p:nvPicPr>
+                      <p:cNvPr id="3" name="Object 2">
+                        <a:extLst>
+                          <a:ext uri="{FF2B5EF4-FFF2-40B4-BE49-F238E27FC236}">
+                            <a16:creationId xmlns:a16="http://schemas.microsoft.com/office/drawing/2014/main" id="{F1EAD752-BAF7-E528-077D-206066DF74CF}"/>
+                          </a:ext>
+                        </a:extLst>
+                      </p:cNvPr>
+                      <p:cNvPicPr/>
+                      <p:nvPr/>
+                    </p:nvPicPr>
+                    <p:blipFill>
+                      <a:blip r:embed="rId4"/>
+                      <a:stretch>
+                        <a:fillRect/>
+                      </a:stretch>
+                    </p:blipFill>
+                    <p:spPr>
+                      <a:xfrm>
+                        <a:off x="5086288" y="1505068"/>
+                        <a:ext cx="3600512" cy="5078294"/>
+                      </a:xfrm>
+                      <a:prstGeom prst="rect">
+                        <a:avLst/>
+                      </a:prstGeom>
+                    </p:spPr>
+                  </p:pic>
+                </p:oleObj>
+              </mc:Fallback>
+            </mc:AlternateContent>
+          </a:graphicData>
+        </a:graphic>
+      </p:graphicFrame>
+    </p:spTree>
+    <p:extLst>
+      <p:ext uri="{BB962C8B-B14F-4D97-AF65-F5344CB8AC3E}">
+        <p14:creationId xmlns:p14="http://schemas.microsoft.com/office/powerpoint/2010/main" val="3436705082"/>
+      </p:ext>
+    </p:extLst>
+  </p:cSld>
+  <p:clrMapOvr>
+    <a:masterClrMapping/>
+  </p:clrMapOvr>
+  <mc:AlternateContent xmlns:mc="http://schemas.openxmlformats.org/markup-compatibility/2006" xmlns:p14="http://schemas.microsoft.com/office/powerpoint/2010/main">
+    <mc:Choice Requires="p14">
+      <p:transition p14:dur="10"/>
+    </mc:Choice>
+    <mc:Fallback xmlns="">
+      <p:transition/>
+    </mc:Fallback>
+  </mc:AlternateContent>
+</p:sld>
+</file>
+
+<file path=ppt/slides/slide11.xml><?xml version="1.0" encoding="utf-8"?>
+<p:sld xmlns:a="http://schemas.openxmlformats.org/drawingml/2006/main" xmlns:r="http://schemas.openxmlformats.org/officeDocument/2006/relationships" xmlns:p="http://schemas.openxmlformats.org/presentationml/2006/main">
+  <p:cSld>
+    <p:spTree>
+      <p:nvGrpSpPr>
+        <p:cNvPr id="1" name=""/>
+        <p:cNvGrpSpPr/>
+        <p:nvPr/>
+      </p:nvGrpSpPr>
+      <p:grpSpPr>
+        <a:xfrm>
+          <a:off x="0" y="0"/>
+          <a:ext cx="0" cy="0"/>
+          <a:chOff x="0" y="0"/>
+          <a:chExt cx="0" cy="0"/>
+        </a:xfrm>
+      </p:grpSpPr>
+      <p:sp>
+        <p:nvSpPr>
+          <p:cNvPr id="2" name="Title 1"/>
+          <p:cNvSpPr>
+            <a:spLocks noGrp="1"/>
+          </p:cNvSpPr>
+          <p:nvPr>
+            <p:ph type="title"/>
+          </p:nvPr>
+        </p:nvSpPr>
+        <p:spPr/>
+        <p:txBody>
+          <a:bodyPr/>
+          <a:lstStyle/>
+          <a:p>
+            <a:r>
+              <a:rPr lang="en-GB" sz="4000" dirty="0"/>
+              <a:t>Table of Contents</a:t>
+            </a:r>
+          </a:p>
+        </p:txBody>
+      </p:sp>
+      <p:sp>
+        <p:nvSpPr>
+          <p:cNvPr id="4" name="TextBox 3"/>
+          <p:cNvSpPr txBox="1"/>
+          <p:nvPr/>
+        </p:nvSpPr>
+        <p:spPr>
+          <a:xfrm>
+            <a:off x="746438" y="3245892"/>
+            <a:ext cx="2896947" cy="553998"/>
+          </a:xfrm>
+          <a:prstGeom prst="rect">
+            <a:avLst/>
+          </a:prstGeom>
+          <a:noFill/>
+        </p:spPr>
+        <p:txBody>
+          <a:bodyPr wrap="none" rtlCol="0">
+            <a:spAutoFit/>
+          </a:bodyPr>
+          <a:lstStyle/>
+          <a:p>
+            <a:r>
+              <a:rPr lang="en-GB" sz="3000" dirty="0">
+                <a:solidFill>
+                  <a:schemeClr val="tx2">
+                    <a:lumMod val="50000"/>
+                    <a:lumOff val="50000"/>
+                  </a:schemeClr>
+                </a:solidFill>
+                <a:latin typeface="+mj-lt"/>
+                <a:cs typeface="Courier New" panose="02070309020205020404" pitchFamily="49" charset="0"/>
+              </a:rPr>
+              <a:t>\</a:t>
+            </a:r>
+            <a:r>
+              <a:rPr lang="en-GB" sz="3000" dirty="0" err="1">
+                <a:solidFill>
+                  <a:schemeClr val="tx2">
+                    <a:lumMod val="50000"/>
+                    <a:lumOff val="50000"/>
+                  </a:schemeClr>
+                </a:solidFill>
+                <a:latin typeface="+mj-lt"/>
+                <a:cs typeface="Courier New" panose="02070309020205020404" pitchFamily="49" charset="0"/>
+              </a:rPr>
+              <a:t>tableofcontents</a:t>
+            </a:r>
+            <a:endParaRPr lang="en-GB" sz="3000" dirty="0">
+              <a:solidFill>
+                <a:schemeClr val="tx2">
+                  <a:lumMod val="50000"/>
+                  <a:lumOff val="50000"/>
+                </a:schemeClr>
+              </a:solidFill>
+              <a:latin typeface="+mj-lt"/>
+              <a:cs typeface="Courier New" panose="02070309020205020404" pitchFamily="49" charset="0"/>
+            </a:endParaRPr>
+          </a:p>
+        </p:txBody>
+      </p:sp>
+      <p:cxnSp>
+        <p:nvCxnSpPr>
+          <p:cNvPr id="11" name="Straight Connector 10"/>
+          <p:cNvCxnSpPr/>
+          <p:nvPr/>
+        </p:nvCxnSpPr>
+        <p:spPr>
+          <a:xfrm>
+            <a:off x="4572000" y="1417638"/>
+            <a:ext cx="0" cy="5440362"/>
+          </a:xfrm>
+          <a:prstGeom prst="line">
+            <a:avLst/>
+          </a:prstGeom>
+        </p:spPr>
+        <p:style>
+          <a:lnRef idx="2">
+            <a:schemeClr val="accent1"/>
+          </a:lnRef>
+          <a:fillRef idx="0">
+            <a:schemeClr val="accent1"/>
+          </a:fillRef>
+          <a:effectRef idx="1">
+            <a:schemeClr val="accent1"/>
+          </a:effectRef>
+          <a:fontRef idx="minor">
+            <a:schemeClr val="tx1"/>
+          </a:fontRef>
+        </p:style>
+      </p:cxnSp>
+      <p:sp>
+        <p:nvSpPr>
           <p:cNvPr id="3" name="TextBox 2"/>
           <p:cNvSpPr txBox="1"/>
           <p:nvPr/>
@@ -7539,7 +8194,7 @@
 </p:sld>
 </file>
 
-<file path=ppt/slides/slide11.xml><?xml version="1.0" encoding="utf-8"?>
+<file path=ppt/slides/slide12.xml><?xml version="1.0" encoding="utf-8"?>
 <p:sld xmlns:a="http://schemas.openxmlformats.org/drawingml/2006/main" xmlns:r="http://schemas.openxmlformats.org/officeDocument/2006/relationships" xmlns:p="http://schemas.openxmlformats.org/presentationml/2006/main">
   <p:cSld>
     <p:spTree>
@@ -7875,18 +8530,18 @@
   <p:clrMapOvr>
     <a:masterClrMapping/>
   </p:clrMapOvr>
-  <mc:AlternateContent xmlns:mc="http://schemas.openxmlformats.org/markup-compatibility/2006">
-    <mc:Choice xmlns:p14="http://schemas.microsoft.com/office/powerpoint/2010/main" Requires="p14">
+  <mc:AlternateContent xmlns:mc="http://schemas.openxmlformats.org/markup-compatibility/2006" xmlns:p14="http://schemas.microsoft.com/office/powerpoint/2010/main">
+    <mc:Choice Requires="p14">
       <p:transition p14:dur="10"/>
     </mc:Choice>
-    <mc:Fallback>
+    <mc:Fallback xmlns="">
       <p:transition/>
     </mc:Fallback>
   </mc:AlternateContent>
 </p:sld>
 </file>
 
-<file path=ppt/slides/slide12.xml><?xml version="1.0" encoding="utf-8"?>
+<file path=ppt/slides/slide13.xml><?xml version="1.0" encoding="utf-8"?>
 <p:sld xmlns:a="http://schemas.openxmlformats.org/drawingml/2006/main" xmlns:r="http://schemas.openxmlformats.org/officeDocument/2006/relationships" xmlns:p="http://schemas.openxmlformats.org/presentationml/2006/main">
   <p:cSld>
     <p:spTree>
@@ -8582,18 +9237,18 @@
   <p:clrMapOvr>
     <a:masterClrMapping/>
   </p:clrMapOvr>
-  <mc:AlternateContent xmlns:mc="http://schemas.openxmlformats.org/markup-compatibility/2006">
-    <mc:Choice xmlns:p14="http://schemas.microsoft.com/office/powerpoint/2010/main" Requires="p14">
+  <mc:AlternateContent xmlns:mc="http://schemas.openxmlformats.org/markup-compatibility/2006" xmlns:p14="http://schemas.microsoft.com/office/powerpoint/2010/main">
+    <mc:Choice Requires="p14">
       <p:transition p14:dur="10"/>
     </mc:Choice>
-    <mc:Fallback>
+    <mc:Fallback xmlns="">
       <p:transition/>
     </mc:Fallback>
   </mc:AlternateContent>
 </p:sld>
 </file>
 
-<file path=ppt/slides/slide13.xml><?xml version="1.0" encoding="utf-8"?>
+<file path=ppt/slides/slide14.xml><?xml version="1.0" encoding="utf-8"?>
 <p:sld xmlns:a="http://schemas.openxmlformats.org/drawingml/2006/main" xmlns:r="http://schemas.openxmlformats.org/officeDocument/2006/relationships" xmlns:p="http://schemas.openxmlformats.org/presentationml/2006/main">
   <p:cSld>
     <p:spTree>
@@ -9042,7 +9697,7 @@
 </p:sld>
 </file>
 
-<file path=ppt/slides/slide14.xml><?xml version="1.0" encoding="utf-8"?>
+<file path=ppt/slides/slide15.xml><?xml version="1.0" encoding="utf-8"?>
 <p:sld xmlns:a="http://schemas.openxmlformats.org/drawingml/2006/main" xmlns:r="http://schemas.openxmlformats.org/officeDocument/2006/relationships" xmlns:p="http://schemas.openxmlformats.org/presentationml/2006/main">
   <p:cSld>
     <p:spTree>
@@ -9863,7 +10518,7 @@
 </p:sld>
 </file>
 
-<file path=ppt/slides/slide15.xml><?xml version="1.0" encoding="utf-8"?>
+<file path=ppt/slides/slide16.xml><?xml version="1.0" encoding="utf-8"?>
 <p:sld xmlns:a="http://schemas.openxmlformats.org/drawingml/2006/main" xmlns:r="http://schemas.openxmlformats.org/officeDocument/2006/relationships" xmlns:p="http://schemas.openxmlformats.org/presentationml/2006/main">
   <p:cSld>
     <p:spTree>
@@ -10148,7 +10803,7 @@
 </p:sld>
 </file>
 
-<file path=ppt/slides/slide16.xml><?xml version="1.0" encoding="utf-8"?>
+<file path=ppt/slides/slide17.xml><?xml version="1.0" encoding="utf-8"?>
 <p:sld xmlns:a="http://schemas.openxmlformats.org/drawingml/2006/main" xmlns:r="http://schemas.openxmlformats.org/officeDocument/2006/relationships" xmlns:p="http://schemas.openxmlformats.org/presentationml/2006/main">
   <p:cSld>
     <p:spTree>
@@ -10713,7 +11368,7 @@
 </p:sld>
 </file>
 
-<file path=ppt/slides/slide17.xml><?xml version="1.0" encoding="utf-8"?>
+<file path=ppt/slides/slide18.xml><?xml version="1.0" encoding="utf-8"?>
 <p:sld xmlns:a="http://schemas.openxmlformats.org/drawingml/2006/main" xmlns:r="http://schemas.openxmlformats.org/officeDocument/2006/relationships" xmlns:p="http://schemas.openxmlformats.org/presentationml/2006/main">
   <p:cSld>
     <p:spTree>
@@ -11212,7 +11867,7 @@
 </p:sld>
 </file>
 
-<file path=ppt/slides/slide18.xml><?xml version="1.0" encoding="utf-8"?>
+<file path=ppt/slides/slide19.xml><?xml version="1.0" encoding="utf-8"?>
 <p:sld xmlns:a="http://schemas.openxmlformats.org/drawingml/2006/main" xmlns:r="http://schemas.openxmlformats.org/officeDocument/2006/relationships" xmlns:p="http://schemas.openxmlformats.org/presentationml/2006/main">
   <p:cSld>
     <p:spTree>
@@ -11728,7 +12383,133 @@
 </p:sld>
 </file>
 
-<file path=ppt/slides/slide19.xml><?xml version="1.0" encoding="utf-8"?>
+<file path=ppt/slides/slide2.xml><?xml version="1.0" encoding="utf-8"?>
+<p:sld xmlns:a="http://schemas.openxmlformats.org/drawingml/2006/main" xmlns:r="http://schemas.openxmlformats.org/officeDocument/2006/relationships" xmlns:p="http://schemas.openxmlformats.org/presentationml/2006/main">
+  <p:cSld>
+    <p:spTree>
+      <p:nvGrpSpPr>
+        <p:cNvPr id="1" name=""/>
+        <p:cNvGrpSpPr/>
+        <p:nvPr/>
+      </p:nvGrpSpPr>
+      <p:grpSpPr>
+        <a:xfrm>
+          <a:off x="0" y="0"/>
+          <a:ext cx="0" cy="0"/>
+          <a:chOff x="0" y="0"/>
+          <a:chExt cx="0" cy="0"/>
+        </a:xfrm>
+      </p:grpSpPr>
+      <p:sp>
+        <p:nvSpPr>
+          <p:cNvPr id="2" name="Title 1"/>
+          <p:cNvSpPr>
+            <a:spLocks noGrp="1"/>
+          </p:cNvSpPr>
+          <p:nvPr>
+            <p:ph type="title"/>
+          </p:nvPr>
+        </p:nvSpPr>
+        <p:spPr>
+          <a:xfrm>
+            <a:off x="401319" y="1431416"/>
+            <a:ext cx="8388117" cy="4569334"/>
+          </a:xfrm>
+        </p:spPr>
+        <p:txBody>
+          <a:bodyPr/>
+          <a:lstStyle/>
+          <a:p>
+            <a:pPr algn="ctr"/>
+            <a:r>
+              <a:rPr lang="en-GB" sz="2800" u="sng" dirty="0"/>
+              <a:t>Important Information on Marking your Attendance on Inkpath</a:t>
+            </a:r>
+            <a:br>
+              <a:rPr lang="en-GB" sz="2800" u="sng" dirty="0"/>
+            </a:br>
+            <a:br>
+              <a:rPr lang="en-GB" sz="2800" u="sng" dirty="0"/>
+            </a:br>
+            <a:br>
+              <a:rPr lang="en-GB" sz="2800" dirty="0"/>
+            </a:br>
+            <a:r>
+              <a:rPr lang="en-GB" sz="2800" dirty="0"/>
+              <a:t>I will show you a QR code at the end of the session allowing you to mark your attendance on Inkpath. Please do not mark your attendance until then.</a:t>
+            </a:r>
+            <a:br>
+              <a:rPr lang="en-GB" sz="2800" dirty="0"/>
+            </a:br>
+            <a:br>
+              <a:rPr lang="en-GB" sz="2800" dirty="0">
+                <a:latin typeface="Calibri" panose="020F0502020204030204" pitchFamily="34" charset="0"/>
+                <a:cs typeface="Calibri" panose="020F0502020204030204" pitchFamily="34" charset="0"/>
+              </a:rPr>
+            </a:br>
+            <a:r>
+              <a:rPr lang="en-GB" sz="2800" dirty="0">
+                <a:effectLst/>
+                <a:ea typeface="Times New Roman" panose="02020603050405020304" pitchFamily="18" charset="0"/>
+                <a:cs typeface="Calibri" panose="020F0502020204030204" pitchFamily="34" charset="0"/>
+              </a:rPr>
+              <a:t>If you are not a Postgraduate Research student and didn’t book via Inkpath, your attendance will be marked on a separate database.</a:t>
+            </a:r>
+            <a:endParaRPr lang="en-GB" sz="2800" dirty="0"/>
+          </a:p>
+        </p:txBody>
+      </p:sp>
+      <p:sp>
+        <p:nvSpPr>
+          <p:cNvPr id="7" name="TextBox 6"/>
+          <p:cNvSpPr txBox="1"/>
+          <p:nvPr/>
+        </p:nvSpPr>
+        <p:spPr>
+          <a:xfrm>
+            <a:off x="552450" y="3214433"/>
+            <a:ext cx="2171700" cy="830997"/>
+          </a:xfrm>
+          <a:prstGeom prst="rect">
+            <a:avLst/>
+          </a:prstGeom>
+          <a:noFill/>
+        </p:spPr>
+        <p:txBody>
+          <a:bodyPr wrap="square" rtlCol="0">
+            <a:spAutoFit/>
+          </a:bodyPr>
+          <a:lstStyle/>
+          <a:p>
+            <a:endParaRPr lang="en-GB" sz="2400" dirty="0">
+              <a:solidFill>
+                <a:srgbClr val="002060"/>
+              </a:solidFill>
+            </a:endParaRPr>
+          </a:p>
+          <a:p>
+            <a:endParaRPr lang="en-GB" sz="2400" dirty="0">
+              <a:solidFill>
+                <a:srgbClr val="002060"/>
+              </a:solidFill>
+            </a:endParaRPr>
+          </a:p>
+        </p:txBody>
+      </p:sp>
+    </p:spTree>
+    <p:extLst>
+      <p:ext uri="{BB962C8B-B14F-4D97-AF65-F5344CB8AC3E}">
+        <p14:creationId xmlns:p14="http://schemas.microsoft.com/office/powerpoint/2010/main" val="3686223621"/>
+      </p:ext>
+    </p:extLst>
+  </p:cSld>
+  <p:clrMapOvr>
+    <a:masterClrMapping/>
+  </p:clrMapOvr>
+</p:sld>
+</file>
+
+<file path=ppt/slides/slide20.xml><?xml version="1.0" encoding="utf-8"?>
 <p:sld xmlns:a="http://schemas.openxmlformats.org/drawingml/2006/main" xmlns:r="http://schemas.openxmlformats.org/officeDocument/2006/relationships" xmlns:p="http://schemas.openxmlformats.org/presentationml/2006/main">
   <p:cSld>
     <p:spTree>
@@ -12161,133 +12942,7 @@
 </p:sld>
 </file>
 
-<file path=ppt/slides/slide2.xml><?xml version="1.0" encoding="utf-8"?>
-<p:sld xmlns:a="http://schemas.openxmlformats.org/drawingml/2006/main" xmlns:r="http://schemas.openxmlformats.org/officeDocument/2006/relationships" xmlns:p="http://schemas.openxmlformats.org/presentationml/2006/main">
-  <p:cSld>
-    <p:spTree>
-      <p:nvGrpSpPr>
-        <p:cNvPr id="1" name=""/>
-        <p:cNvGrpSpPr/>
-        <p:nvPr/>
-      </p:nvGrpSpPr>
-      <p:grpSpPr>
-        <a:xfrm>
-          <a:off x="0" y="0"/>
-          <a:ext cx="0" cy="0"/>
-          <a:chOff x="0" y="0"/>
-          <a:chExt cx="0" cy="0"/>
-        </a:xfrm>
-      </p:grpSpPr>
-      <p:sp>
-        <p:nvSpPr>
-          <p:cNvPr id="2" name="Title 1"/>
-          <p:cNvSpPr>
-            <a:spLocks noGrp="1"/>
-          </p:cNvSpPr>
-          <p:nvPr>
-            <p:ph type="title"/>
-          </p:nvPr>
-        </p:nvSpPr>
-        <p:spPr>
-          <a:xfrm>
-            <a:off x="401319" y="1431416"/>
-            <a:ext cx="8388117" cy="4569334"/>
-          </a:xfrm>
-        </p:spPr>
-        <p:txBody>
-          <a:bodyPr/>
-          <a:lstStyle/>
-          <a:p>
-            <a:pPr algn="ctr"/>
-            <a:r>
-              <a:rPr lang="en-GB" sz="2800" u="sng" dirty="0"/>
-              <a:t>Important Information on Marking your Attendance on Inkpath</a:t>
-            </a:r>
-            <a:br>
-              <a:rPr lang="en-GB" sz="2800" u="sng" dirty="0"/>
-            </a:br>
-            <a:br>
-              <a:rPr lang="en-GB" sz="2800" u="sng" dirty="0"/>
-            </a:br>
-            <a:br>
-              <a:rPr lang="en-GB" sz="2800" dirty="0"/>
-            </a:br>
-            <a:r>
-              <a:rPr lang="en-GB" sz="2800" dirty="0"/>
-              <a:t>I will show you a QR code at the end of the session allowing you to mark your attendance on Inkpath. Please do not mark your attendance until then.</a:t>
-            </a:r>
-            <a:br>
-              <a:rPr lang="en-GB" sz="2800" dirty="0"/>
-            </a:br>
-            <a:br>
-              <a:rPr lang="en-GB" sz="2800" dirty="0">
-                <a:latin typeface="Calibri" panose="020F0502020204030204" pitchFamily="34" charset="0"/>
-                <a:cs typeface="Calibri" panose="020F0502020204030204" pitchFamily="34" charset="0"/>
-              </a:rPr>
-            </a:br>
-            <a:r>
-              <a:rPr lang="en-GB" sz="2800" dirty="0">
-                <a:effectLst/>
-                <a:ea typeface="Times New Roman" panose="02020603050405020304" pitchFamily="18" charset="0"/>
-                <a:cs typeface="Calibri" panose="020F0502020204030204" pitchFamily="34" charset="0"/>
-              </a:rPr>
-              <a:t>If you are not a Postgraduate Research student and didn’t book via Inkpath, your attendance will be marked on a separate database.</a:t>
-            </a:r>
-            <a:endParaRPr lang="en-GB" sz="2800" dirty="0"/>
-          </a:p>
-        </p:txBody>
-      </p:sp>
-      <p:sp>
-        <p:nvSpPr>
-          <p:cNvPr id="7" name="TextBox 6"/>
-          <p:cNvSpPr txBox="1"/>
-          <p:nvPr/>
-        </p:nvSpPr>
-        <p:spPr>
-          <a:xfrm>
-            <a:off x="552450" y="3214433"/>
-            <a:ext cx="2171700" cy="830997"/>
-          </a:xfrm>
-          <a:prstGeom prst="rect">
-            <a:avLst/>
-          </a:prstGeom>
-          <a:noFill/>
-        </p:spPr>
-        <p:txBody>
-          <a:bodyPr wrap="square" rtlCol="0">
-            <a:spAutoFit/>
-          </a:bodyPr>
-          <a:lstStyle/>
-          <a:p>
-            <a:endParaRPr lang="en-GB" sz="2400" dirty="0">
-              <a:solidFill>
-                <a:srgbClr val="002060"/>
-              </a:solidFill>
-            </a:endParaRPr>
-          </a:p>
-          <a:p>
-            <a:endParaRPr lang="en-GB" sz="2400" dirty="0">
-              <a:solidFill>
-                <a:srgbClr val="002060"/>
-              </a:solidFill>
-            </a:endParaRPr>
-          </a:p>
-        </p:txBody>
-      </p:sp>
-    </p:spTree>
-    <p:extLst>
-      <p:ext uri="{BB962C8B-B14F-4D97-AF65-F5344CB8AC3E}">
-        <p14:creationId xmlns:p14="http://schemas.microsoft.com/office/powerpoint/2010/main" val="3686223621"/>
-      </p:ext>
-    </p:extLst>
-  </p:cSld>
-  <p:clrMapOvr>
-    <a:masterClrMapping/>
-  </p:clrMapOvr>
-</p:sld>
-</file>
-
-<file path=ppt/slides/slide20.xml><?xml version="1.0" encoding="utf-8"?>
+<file path=ppt/slides/slide21.xml><?xml version="1.0" encoding="utf-8"?>
 <p:sld xmlns:a="http://schemas.openxmlformats.org/drawingml/2006/main" xmlns:r="http://schemas.openxmlformats.org/officeDocument/2006/relationships" xmlns:p="http://schemas.openxmlformats.org/presentationml/2006/main">
   <p:cSld>
     <p:spTree>
@@ -12748,7 +13403,7 @@
 </p:sld>
 </file>
 
-<file path=ppt/slides/slide21.xml><?xml version="1.0" encoding="utf-8"?>
+<file path=ppt/slides/slide22.xml><?xml version="1.0" encoding="utf-8"?>
 <p:sld xmlns:a="http://schemas.openxmlformats.org/drawingml/2006/main" xmlns:r="http://schemas.openxmlformats.org/officeDocument/2006/relationships" xmlns:p="http://schemas.openxmlformats.org/presentationml/2006/main">
   <p:cSld>
     <p:spTree>
@@ -12866,7 +13521,7 @@
 </p:sld>
 </file>
 
-<file path=ppt/slides/slide22.xml><?xml version="1.0" encoding="utf-8"?>
+<file path=ppt/slides/slide23.xml><?xml version="1.0" encoding="utf-8"?>
 <p:sld xmlns:a="http://schemas.openxmlformats.org/drawingml/2006/main" xmlns:r="http://schemas.openxmlformats.org/officeDocument/2006/relationships" xmlns:p="http://schemas.openxmlformats.org/presentationml/2006/main">
   <p:cSld>
     <p:spTree>
@@ -13336,7 +13991,7 @@
 </p:sld>
 </file>
 
-<file path=ppt/slides/slide23.xml><?xml version="1.0" encoding="utf-8"?>
+<file path=ppt/slides/slide24.xml><?xml version="1.0" encoding="utf-8"?>
 <p:sld xmlns:a="http://schemas.openxmlformats.org/drawingml/2006/main" xmlns:r="http://schemas.openxmlformats.org/officeDocument/2006/relationships" xmlns:p="http://schemas.openxmlformats.org/presentationml/2006/main">
   <p:cSld>
     <p:spTree>
@@ -13946,7 +14601,7 @@
 </p:sld>
 </file>
 
-<file path=ppt/slides/slide24.xml><?xml version="1.0" encoding="utf-8"?>
+<file path=ppt/slides/slide25.xml><?xml version="1.0" encoding="utf-8"?>
 <p:sld xmlns:a="http://schemas.openxmlformats.org/drawingml/2006/main" xmlns:r="http://schemas.openxmlformats.org/officeDocument/2006/relationships" xmlns:p="http://schemas.openxmlformats.org/presentationml/2006/main">
   <p:cSld>
     <p:spTree>
@@ -14075,7 +14730,7 @@
 </p:sld>
 </file>
 
-<file path=ppt/slides/slide25.xml><?xml version="1.0" encoding="utf-8"?>
+<file path=ppt/slides/slide26.xml><?xml version="1.0" encoding="utf-8"?>
 <p:sld xmlns:a="http://schemas.openxmlformats.org/drawingml/2006/main" xmlns:r="http://schemas.openxmlformats.org/officeDocument/2006/relationships" xmlns:p="http://schemas.openxmlformats.org/presentationml/2006/main">
   <p:cSld>
     <p:spTree>
@@ -14199,7 +14854,7 @@
 </p:sld>
 </file>
 
-<file path=ppt/slides/slide26.xml><?xml version="1.0" encoding="utf-8"?>
+<file path=ppt/slides/slide27.xml><?xml version="1.0" encoding="utf-8"?>
 <p:sld xmlns:a="http://schemas.openxmlformats.org/drawingml/2006/main" xmlns:r="http://schemas.openxmlformats.org/officeDocument/2006/relationships" xmlns:p="http://schemas.openxmlformats.org/presentationml/2006/main">
   <p:cSld>
     <p:spTree>
@@ -14247,7 +14902,7 @@
         <p:spPr>
           <a:xfrm>
             <a:off x="457200" y="1957138"/>
-            <a:ext cx="3422732" cy="4247317"/>
+            <a:ext cx="3422732" cy="4708981"/>
           </a:xfrm>
           <a:prstGeom prst="rect">
             <a:avLst/>
@@ -14343,8 +14998,21 @@
               <a:buChar char="•"/>
             </a:pPr>
             <a:r>
+              <a:rPr lang="en-GB" sz="3000" dirty="0" err="1">
+                <a:hlinkClick r:id="rId9"/>
+              </a:rPr>
+              <a:t>Mathpix</a:t>
+            </a:r>
+            <a:endParaRPr lang="en-GB" sz="3000" dirty="0"/>
+          </a:p>
+          <a:p>
+            <a:pPr marL="457200" indent="-457200">
+              <a:buFont typeface="Arial" panose="020B0604020202020204" pitchFamily="34" charset="0"/>
+              <a:buChar char="•"/>
+            </a:pPr>
+            <a:r>
               <a:rPr lang="en-GB" sz="3000" dirty="0">
-                <a:hlinkClick r:id="rId9"/>
+                <a:hlinkClick r:id="rId10"/>
               </a:rPr>
               <a:t>Detexify</a:t>
             </a:r>
@@ -14373,10 +15041,10 @@
           <p:nvPr/>
         </p:nvPicPr>
         <p:blipFill>
-          <a:blip r:embed="rId10">
+          <a:blip r:embed="rId11">
             <a:extLst>
               <a:ext uri="{837473B0-CC2E-450A-ABE3-18F120FF3D39}">
-                <a1611:picAttrSrcUrl xmlns:a1611="http://schemas.microsoft.com/office/drawing/2016/11/main" r:id="rId11"/>
+                <a1611:picAttrSrcUrl xmlns:a1611="http://schemas.microsoft.com/office/drawing/2016/11/main" r:id="rId12"/>
               </a:ext>
             </a:extLst>
           </a:blip>
@@ -14415,7 +15083,7 @@
 </p:sld>
 </file>
 
-<file path=ppt/slides/slide27.xml><?xml version="1.0" encoding="utf-8"?>
+<file path=ppt/slides/slide28.xml><?xml version="1.0" encoding="utf-8"?>
 <p:sld xmlns:a="http://schemas.openxmlformats.org/drawingml/2006/main" xmlns:r="http://schemas.openxmlformats.org/officeDocument/2006/relationships" xmlns:p="http://schemas.openxmlformats.org/presentationml/2006/main">
   <p:cSld>
     <p:spTree>
@@ -14565,7 +15233,7 @@
 </p:sld>
 </file>
 
-<file path=ppt/slides/slide28.xml><?xml version="1.0" encoding="utf-8"?>
+<file path=ppt/slides/slide29.xml><?xml version="1.0" encoding="utf-8"?>
 <p:sld xmlns:a="http://schemas.openxmlformats.org/drawingml/2006/main" xmlns:r="http://schemas.openxmlformats.org/officeDocument/2006/relationships" xmlns:p="http://schemas.openxmlformats.org/presentationml/2006/main">
   <p:cSld>
     <p:spTree>
@@ -16125,6 +16793,274 @@
           <a:p>
             <a:r>
               <a:rPr lang="en-GB" sz="4000" dirty="0"/>
+              <a:t>Paragraphs</a:t>
+            </a:r>
+          </a:p>
+        </p:txBody>
+      </p:sp>
+      <p:sp>
+        <p:nvSpPr>
+          <p:cNvPr id="4" name="TextBox 3"/>
+          <p:cNvSpPr txBox="1"/>
+          <p:nvPr/>
+        </p:nvSpPr>
+        <p:spPr>
+          <a:xfrm>
+            <a:off x="1356964" y="1972186"/>
+            <a:ext cx="1293944" cy="1938992"/>
+          </a:xfrm>
+          <a:prstGeom prst="rect">
+            <a:avLst/>
+          </a:prstGeom>
+          <a:noFill/>
+        </p:spPr>
+        <p:txBody>
+          <a:bodyPr wrap="none" rtlCol="0">
+            <a:spAutoFit/>
+          </a:bodyPr>
+          <a:lstStyle/>
+          <a:p>
+            <a:r>
+              <a:rPr lang="en-GB" sz="3000" dirty="0"/>
+              <a:t>Line A</a:t>
+            </a:r>
+          </a:p>
+          <a:p>
+            <a:r>
+              <a:rPr lang="en-GB" sz="3000" dirty="0"/>
+              <a:t>Line B</a:t>
+            </a:r>
+          </a:p>
+          <a:p>
+            <a:endParaRPr lang="en-GB" sz="3000" dirty="0"/>
+          </a:p>
+          <a:p>
+            <a:r>
+              <a:rPr lang="en-GB" sz="3000" dirty="0"/>
+              <a:t>Line C</a:t>
+            </a:r>
+          </a:p>
+        </p:txBody>
+      </p:sp>
+      <p:cxnSp>
+        <p:nvCxnSpPr>
+          <p:cNvPr id="11" name="Straight Connector 10"/>
+          <p:cNvCxnSpPr>
+            <a:cxnSpLocks/>
+          </p:cNvCxnSpPr>
+          <p:nvPr/>
+        </p:nvCxnSpPr>
+        <p:spPr>
+          <a:xfrm>
+            <a:off x="4572000" y="1417638"/>
+            <a:ext cx="0" cy="2978297"/>
+          </a:xfrm>
+          <a:prstGeom prst="line">
+            <a:avLst/>
+          </a:prstGeom>
+        </p:spPr>
+        <p:style>
+          <a:lnRef idx="2">
+            <a:schemeClr val="accent1"/>
+          </a:lnRef>
+          <a:fillRef idx="0">
+            <a:schemeClr val="accent1"/>
+          </a:fillRef>
+          <a:effectRef idx="1">
+            <a:schemeClr val="accent1"/>
+          </a:effectRef>
+          <a:fontRef idx="minor">
+            <a:schemeClr val="tx1"/>
+          </a:fontRef>
+        </p:style>
+      </p:cxnSp>
+      <p:graphicFrame>
+        <p:nvGraphicFramePr>
+          <p:cNvPr id="3" name="Object 2">
+            <a:extLst>
+              <a:ext uri="{FF2B5EF4-FFF2-40B4-BE49-F238E27FC236}">
+                <a16:creationId xmlns:a16="http://schemas.microsoft.com/office/drawing/2014/main" id="{BA8606F0-564B-D874-BCFD-89522CE72BDB}"/>
+              </a:ext>
+            </a:extLst>
+          </p:cNvPr>
+          <p:cNvGraphicFramePr>
+            <a:graphicFrameLocks noChangeAspect="1"/>
+          </p:cNvGraphicFramePr>
+          <p:nvPr>
+            <p:extLst>
+              <p:ext uri="{D42A27DB-BD31-4B8C-83A1-F6EECF244321}">
+                <p14:modId xmlns:p14="http://schemas.microsoft.com/office/powerpoint/2010/main" val="1131687721"/>
+              </p:ext>
+            </p:extLst>
+          </p:nvPr>
+        </p:nvGraphicFramePr>
+        <p:xfrm>
+          <a:off x="5410052" y="2476544"/>
+          <a:ext cx="2332037" cy="930275"/>
+        </p:xfrm>
+        <a:graphic>
+          <a:graphicData uri="http://schemas.openxmlformats.org/presentationml/2006/ole">
+            <mc:AlternateContent xmlns:mc="http://schemas.openxmlformats.org/markup-compatibility/2006">
+              <mc:Choice xmlns:v="urn:schemas-microsoft-com:vml" Requires="v">
+                <p:oleObj name="Bitmap Image" r:id="rId3" imgW="2331720" imgH="929520" progId="PBrush">
+                  <p:embed/>
+                </p:oleObj>
+              </mc:Choice>
+              <mc:Fallback>
+                <p:oleObj name="Bitmap Image" r:id="rId3" imgW="2331720" imgH="929520" progId="PBrush">
+                  <p:embed/>
+                  <p:pic>
+                    <p:nvPicPr>
+                      <p:cNvPr id="3" name="Object 2">
+                        <a:extLst>
+                          <a:ext uri="{FF2B5EF4-FFF2-40B4-BE49-F238E27FC236}">
+                            <a16:creationId xmlns:a16="http://schemas.microsoft.com/office/drawing/2014/main" id="{BA8606F0-564B-D874-BCFD-89522CE72BDB}"/>
+                          </a:ext>
+                        </a:extLst>
+                      </p:cNvPr>
+                      <p:cNvPicPr/>
+                      <p:nvPr/>
+                    </p:nvPicPr>
+                    <p:blipFill>
+                      <a:blip r:embed="rId4"/>
+                      <a:stretch>
+                        <a:fillRect/>
+                      </a:stretch>
+                    </p:blipFill>
+                    <p:spPr>
+                      <a:xfrm>
+                        <a:off x="5410052" y="2476544"/>
+                        <a:ext cx="2332037" cy="930275"/>
+                      </a:xfrm>
+                      <a:prstGeom prst="rect">
+                        <a:avLst/>
+                      </a:prstGeom>
+                    </p:spPr>
+                  </p:pic>
+                </p:oleObj>
+              </mc:Fallback>
+            </mc:AlternateContent>
+          </a:graphicData>
+        </a:graphic>
+      </p:graphicFrame>
+      <p:graphicFrame>
+        <p:nvGraphicFramePr>
+          <p:cNvPr id="7" name="Object 6">
+            <a:extLst>
+              <a:ext uri="{FF2B5EF4-FFF2-40B4-BE49-F238E27FC236}">
+                <a16:creationId xmlns:a16="http://schemas.microsoft.com/office/drawing/2014/main" id="{5971924E-394E-2433-744B-755EC48F4572}"/>
+              </a:ext>
+            </a:extLst>
+          </p:cNvPr>
+          <p:cNvGraphicFramePr>
+            <a:graphicFrameLocks noChangeAspect="1"/>
+          </p:cNvGraphicFramePr>
+          <p:nvPr/>
+        </p:nvGraphicFramePr>
+        <p:xfrm>
+          <a:off x="679450" y="4465726"/>
+          <a:ext cx="7785100" cy="2368550"/>
+        </p:xfrm>
+        <a:graphic>
+          <a:graphicData uri="http://schemas.openxmlformats.org/presentationml/2006/ole">
+            <mc:AlternateContent xmlns:mc="http://schemas.openxmlformats.org/markup-compatibility/2006">
+              <mc:Choice xmlns:v="urn:schemas-microsoft-com:vml" Requires="v">
+                <p:oleObj name="Bitmap Image" r:id="rId5" imgW="9296280" imgH="2827080" progId="PBrush">
+                  <p:embed/>
+                </p:oleObj>
+              </mc:Choice>
+              <mc:Fallback>
+                <p:oleObj name="Bitmap Image" r:id="rId5" imgW="9296280" imgH="2827080" progId="PBrush">
+                  <p:embed/>
+                  <p:pic>
+                    <p:nvPicPr>
+                      <p:cNvPr id="7" name="Object 6">
+                        <a:extLst>
+                          <a:ext uri="{FF2B5EF4-FFF2-40B4-BE49-F238E27FC236}">
+                            <a16:creationId xmlns:a16="http://schemas.microsoft.com/office/drawing/2014/main" id="{5971924E-394E-2433-744B-755EC48F4572}"/>
+                          </a:ext>
+                        </a:extLst>
+                      </p:cNvPr>
+                      <p:cNvPicPr/>
+                      <p:nvPr/>
+                    </p:nvPicPr>
+                    <p:blipFill>
+                      <a:blip r:embed="rId6"/>
+                      <a:stretch>
+                        <a:fillRect/>
+                      </a:stretch>
+                    </p:blipFill>
+                    <p:spPr>
+                      <a:xfrm>
+                        <a:off x="679450" y="4465726"/>
+                        <a:ext cx="7785100" cy="2368550"/>
+                      </a:xfrm>
+                      <a:prstGeom prst="rect">
+                        <a:avLst/>
+                      </a:prstGeom>
+                    </p:spPr>
+                  </p:pic>
+                </p:oleObj>
+              </mc:Fallback>
+            </mc:AlternateContent>
+          </a:graphicData>
+        </a:graphic>
+      </p:graphicFrame>
+    </p:spTree>
+    <p:extLst>
+      <p:ext uri="{BB962C8B-B14F-4D97-AF65-F5344CB8AC3E}">
+        <p14:creationId xmlns:p14="http://schemas.microsoft.com/office/powerpoint/2010/main" val="750216886"/>
+      </p:ext>
+    </p:extLst>
+  </p:cSld>
+  <p:clrMapOvr>
+    <a:masterClrMapping/>
+  </p:clrMapOvr>
+  <mc:AlternateContent xmlns:mc="http://schemas.openxmlformats.org/markup-compatibility/2006">
+    <mc:Choice xmlns:p14="http://schemas.microsoft.com/office/powerpoint/2010/main" Requires="p14">
+      <p:transition p14:dur="10"/>
+    </mc:Choice>
+    <mc:Fallback>
+      <p:transition/>
+    </mc:Fallback>
+  </mc:AlternateContent>
+</p:sld>
+</file>
+
+<file path=ppt/slides/slide9.xml><?xml version="1.0" encoding="utf-8"?>
+<p:sld xmlns:a="http://schemas.openxmlformats.org/drawingml/2006/main" xmlns:r="http://schemas.openxmlformats.org/officeDocument/2006/relationships" xmlns:p="http://schemas.openxmlformats.org/presentationml/2006/main">
+  <p:cSld>
+    <p:spTree>
+      <p:nvGrpSpPr>
+        <p:cNvPr id="1" name=""/>
+        <p:cNvGrpSpPr/>
+        <p:nvPr/>
+      </p:nvGrpSpPr>
+      <p:grpSpPr>
+        <a:xfrm>
+          <a:off x="0" y="0"/>
+          <a:ext cx="0" cy="0"/>
+          <a:chOff x="0" y="0"/>
+          <a:chExt cx="0" cy="0"/>
+        </a:xfrm>
+      </p:grpSpPr>
+      <p:sp>
+        <p:nvSpPr>
+          <p:cNvPr id="2" name="Title 1"/>
+          <p:cNvSpPr>
+            <a:spLocks noGrp="1"/>
+          </p:cNvSpPr>
+          <p:nvPr>
+            <p:ph type="title"/>
+          </p:nvPr>
+        </p:nvSpPr>
+        <p:spPr/>
+        <p:txBody>
+          <a:bodyPr/>
+          <a:lstStyle/>
+          <a:p>
+            <a:r>
+              <a:rPr lang="en-GB" sz="4000" dirty="0"/>
               <a:t>Sections</a:t>
             </a:r>
           </a:p>
@@ -16382,338 +17318,6 @@
     <p:extLst>
       <p:ext uri="{BB962C8B-B14F-4D97-AF65-F5344CB8AC3E}">
         <p14:creationId xmlns:p14="http://schemas.microsoft.com/office/powerpoint/2010/main" val="2300732235"/>
-      </p:ext>
-    </p:extLst>
-  </p:cSld>
-  <p:clrMapOvr>
-    <a:masterClrMapping/>
-  </p:clrMapOvr>
-  <mc:AlternateContent xmlns:mc="http://schemas.openxmlformats.org/markup-compatibility/2006" xmlns:p14="http://schemas.microsoft.com/office/powerpoint/2010/main">
-    <mc:Choice Requires="p14">
-      <p:transition p14:dur="10"/>
-    </mc:Choice>
-    <mc:Fallback xmlns="">
-      <p:transition/>
-    </mc:Fallback>
-  </mc:AlternateContent>
-</p:sld>
-</file>
-
-<file path=ppt/slides/slide9.xml><?xml version="1.0" encoding="utf-8"?>
-<p:sld xmlns:a="http://schemas.openxmlformats.org/drawingml/2006/main" xmlns:r="http://schemas.openxmlformats.org/officeDocument/2006/relationships" xmlns:p="http://schemas.openxmlformats.org/presentationml/2006/main">
-  <p:cSld>
-    <p:spTree>
-      <p:nvGrpSpPr>
-        <p:cNvPr id="1" name=""/>
-        <p:cNvGrpSpPr/>
-        <p:nvPr/>
-      </p:nvGrpSpPr>
-      <p:grpSpPr>
-        <a:xfrm>
-          <a:off x="0" y="0"/>
-          <a:ext cx="0" cy="0"/>
-          <a:chOff x="0" y="0"/>
-          <a:chExt cx="0" cy="0"/>
-        </a:xfrm>
-      </p:grpSpPr>
-      <p:sp>
-        <p:nvSpPr>
-          <p:cNvPr id="2" name="Title 1"/>
-          <p:cNvSpPr>
-            <a:spLocks noGrp="1"/>
-          </p:cNvSpPr>
-          <p:nvPr>
-            <p:ph type="title"/>
-          </p:nvPr>
-        </p:nvSpPr>
-        <p:spPr/>
-        <p:txBody>
-          <a:bodyPr/>
-          <a:lstStyle/>
-          <a:p>
-            <a:r>
-              <a:rPr lang="en-GB" sz="4000" dirty="0"/>
-              <a:t>Chapters and Paragraphs</a:t>
-            </a:r>
-          </a:p>
-        </p:txBody>
-      </p:sp>
-      <p:cxnSp>
-        <p:nvCxnSpPr>
-          <p:cNvPr id="11" name="Straight Connector 10"/>
-          <p:cNvCxnSpPr/>
-          <p:nvPr/>
-        </p:nvCxnSpPr>
-        <p:spPr>
-          <a:xfrm>
-            <a:off x="4572000" y="1417638"/>
-            <a:ext cx="0" cy="5440362"/>
-          </a:xfrm>
-          <a:prstGeom prst="line">
-            <a:avLst/>
-          </a:prstGeom>
-        </p:spPr>
-        <p:style>
-          <a:lnRef idx="2">
-            <a:schemeClr val="accent1"/>
-          </a:lnRef>
-          <a:fillRef idx="0">
-            <a:schemeClr val="accent1"/>
-          </a:fillRef>
-          <a:effectRef idx="1">
-            <a:schemeClr val="accent1"/>
-          </a:effectRef>
-          <a:fontRef idx="minor">
-            <a:schemeClr val="tx1"/>
-          </a:fontRef>
-        </p:style>
-      </p:cxnSp>
-      <p:sp>
-        <p:nvSpPr>
-          <p:cNvPr id="8" name="TextBox 7"/>
-          <p:cNvSpPr txBox="1"/>
-          <p:nvPr/>
-        </p:nvSpPr>
-        <p:spPr>
-          <a:xfrm>
-            <a:off x="200528" y="2398061"/>
-            <a:ext cx="4263894" cy="2708434"/>
-          </a:xfrm>
-          <a:prstGeom prst="rect">
-            <a:avLst/>
-          </a:prstGeom>
-          <a:noFill/>
-        </p:spPr>
-        <p:txBody>
-          <a:bodyPr wrap="square" rtlCol="0">
-            <a:spAutoFit/>
-          </a:bodyPr>
-          <a:lstStyle/>
-          <a:p>
-            <a:r>
-              <a:rPr lang="en-GB" sz="2800" dirty="0">
-                <a:solidFill>
-                  <a:schemeClr val="tx2">
-                    <a:lumMod val="50000"/>
-                    <a:lumOff val="50000"/>
-                  </a:schemeClr>
-                </a:solidFill>
-                <a:latin typeface="+mj-lt"/>
-                <a:cs typeface="Courier New" panose="02070309020205020404" pitchFamily="49" charset="0"/>
-              </a:rPr>
-              <a:t>\chapter{</a:t>
-            </a:r>
-            <a:r>
-              <a:rPr lang="en-GB" sz="2800" dirty="0">
-                <a:latin typeface="+mj-lt"/>
-                <a:cs typeface="Courier New" panose="02070309020205020404" pitchFamily="49" charset="0"/>
-              </a:rPr>
-              <a:t>A Poem</a:t>
-            </a:r>
-            <a:r>
-              <a:rPr lang="en-GB" sz="2800" dirty="0">
-                <a:solidFill>
-                  <a:schemeClr val="tx2">
-                    <a:lumMod val="50000"/>
-                    <a:lumOff val="50000"/>
-                  </a:schemeClr>
-                </a:solidFill>
-                <a:latin typeface="+mj-lt"/>
-                <a:cs typeface="Courier New" panose="02070309020205020404" pitchFamily="49" charset="0"/>
-              </a:rPr>
-              <a:t>}</a:t>
-            </a:r>
-          </a:p>
-          <a:p>
-            <a:r>
-              <a:rPr lang="en-GB" sz="2800" dirty="0">
-                <a:solidFill>
-                  <a:schemeClr val="tx2">
-                    <a:lumMod val="50000"/>
-                    <a:lumOff val="50000"/>
-                  </a:schemeClr>
-                </a:solidFill>
-                <a:latin typeface="+mj-lt"/>
-                <a:cs typeface="Courier New" panose="02070309020205020404" pitchFamily="49" charset="0"/>
-              </a:rPr>
-              <a:t>\section{</a:t>
-            </a:r>
-            <a:r>
-              <a:rPr lang="en-GB" sz="2800" dirty="0">
-                <a:latin typeface="+mj-lt"/>
-                <a:cs typeface="Courier New" panose="02070309020205020404" pitchFamily="49" charset="0"/>
-              </a:rPr>
-              <a:t>The Cat</a:t>
-            </a:r>
-            <a:r>
-              <a:rPr lang="en-GB" sz="2800" dirty="0">
-                <a:solidFill>
-                  <a:schemeClr val="tx2">
-                    <a:lumMod val="50000"/>
-                    <a:lumOff val="50000"/>
-                  </a:schemeClr>
-                </a:solidFill>
-                <a:latin typeface="+mj-lt"/>
-                <a:cs typeface="Courier New" panose="02070309020205020404" pitchFamily="49" charset="0"/>
-              </a:rPr>
-              <a:t>}</a:t>
-            </a:r>
-          </a:p>
-          <a:p>
-            <a:r>
-              <a:rPr lang="en-GB" sz="2800" dirty="0">
-                <a:solidFill>
-                  <a:schemeClr val="tx2">
-                    <a:lumMod val="50000"/>
-                    <a:lumOff val="50000"/>
-                  </a:schemeClr>
-                </a:solidFill>
-                <a:latin typeface="+mj-lt"/>
-                <a:cs typeface="Courier New" panose="02070309020205020404" pitchFamily="49" charset="0"/>
-              </a:rPr>
-              <a:t>\subsection{</a:t>
-            </a:r>
-            <a:r>
-              <a:rPr lang="en-GB" sz="2800" dirty="0">
-                <a:latin typeface="+mj-lt"/>
-                <a:cs typeface="Courier New" panose="02070309020205020404" pitchFamily="49" charset="0"/>
-              </a:rPr>
-              <a:t>Sat On</a:t>
-            </a:r>
-            <a:r>
-              <a:rPr lang="en-GB" sz="2800" dirty="0">
-                <a:solidFill>
-                  <a:schemeClr val="tx2">
-                    <a:lumMod val="50000"/>
-                    <a:lumOff val="50000"/>
-                  </a:schemeClr>
-                </a:solidFill>
-                <a:latin typeface="+mj-lt"/>
-                <a:cs typeface="Courier New" panose="02070309020205020404" pitchFamily="49" charset="0"/>
-              </a:rPr>
-              <a:t>}</a:t>
-            </a:r>
-          </a:p>
-          <a:p>
-            <a:r>
-              <a:rPr lang="en-GB" sz="2800" dirty="0">
-                <a:solidFill>
-                  <a:schemeClr val="tx2">
-                    <a:lumMod val="50000"/>
-                    <a:lumOff val="50000"/>
-                  </a:schemeClr>
-                </a:solidFill>
-                <a:latin typeface="+mj-lt"/>
-                <a:cs typeface="Courier New" panose="02070309020205020404" pitchFamily="49" charset="0"/>
-              </a:rPr>
-              <a:t>\subsubsection{</a:t>
-            </a:r>
-            <a:r>
-              <a:rPr lang="en-GB" sz="2800" dirty="0">
-                <a:latin typeface="+mj-lt"/>
-                <a:cs typeface="Courier New" panose="02070309020205020404" pitchFamily="49" charset="0"/>
-              </a:rPr>
-              <a:t>The Mat</a:t>
-            </a:r>
-            <a:r>
-              <a:rPr lang="en-GB" sz="2800" dirty="0">
-                <a:solidFill>
-                  <a:schemeClr val="tx2">
-                    <a:lumMod val="50000"/>
-                    <a:lumOff val="50000"/>
-                  </a:schemeClr>
-                </a:solidFill>
-                <a:latin typeface="+mj-lt"/>
-                <a:cs typeface="Courier New" panose="02070309020205020404" pitchFamily="49" charset="0"/>
-              </a:rPr>
-              <a:t>}</a:t>
-            </a:r>
-          </a:p>
-          <a:p>
-            <a:r>
-              <a:rPr lang="en-GB" sz="2800" dirty="0">
-                <a:solidFill>
-                  <a:schemeClr val="tx2">
-                    <a:lumMod val="50000"/>
-                    <a:lumOff val="50000"/>
-                  </a:schemeClr>
-                </a:solidFill>
-                <a:latin typeface="+mj-lt"/>
-                <a:cs typeface="Courier New" panose="02070309020205020404" pitchFamily="49" charset="0"/>
-              </a:rPr>
-              <a:t>\paragraph{</a:t>
-            </a:r>
-            <a:r>
-              <a:rPr lang="en-GB" sz="2800" dirty="0">
-                <a:latin typeface="+mj-lt"/>
-                <a:cs typeface="Courier New" panose="02070309020205020404" pitchFamily="49" charset="0"/>
-              </a:rPr>
-              <a:t>Author</a:t>
-            </a:r>
-            <a:r>
-              <a:rPr lang="en-GB" sz="2800" dirty="0">
-                <a:solidFill>
-                  <a:schemeClr val="tx2">
-                    <a:lumMod val="50000"/>
-                    <a:lumOff val="50000"/>
-                  </a:schemeClr>
-                </a:solidFill>
-                <a:latin typeface="+mj-lt"/>
-                <a:cs typeface="Courier New" panose="02070309020205020404" pitchFamily="49" charset="0"/>
-              </a:rPr>
-              <a:t>}</a:t>
-            </a:r>
-            <a:r>
-              <a:rPr lang="en-GB" sz="2800" dirty="0">
-                <a:latin typeface="+mj-lt"/>
-                <a:cs typeface="Courier New" panose="02070309020205020404" pitchFamily="49" charset="0"/>
-              </a:rPr>
-              <a:t>Chris</a:t>
-            </a:r>
-          </a:p>
-          <a:p>
-            <a:endParaRPr lang="en-GB" sz="3000" dirty="0">
-              <a:solidFill>
-                <a:srgbClr val="0070C0"/>
-              </a:solidFill>
-            </a:endParaRPr>
-          </a:p>
-        </p:txBody>
-      </p:sp>
-      <p:pic>
-        <p:nvPicPr>
-          <p:cNvPr id="10" name="Picture 9">
-            <a:extLst>
-              <a:ext uri="{FF2B5EF4-FFF2-40B4-BE49-F238E27FC236}">
-                <a16:creationId xmlns:a16="http://schemas.microsoft.com/office/drawing/2014/main" id="{15508FF3-872A-4118-8CCE-C4035BAE22CB}"/>
-              </a:ext>
-            </a:extLst>
-          </p:cNvPr>
-          <p:cNvPicPr>
-            <a:picLocks noChangeAspect="1"/>
-          </p:cNvPicPr>
-          <p:nvPr/>
-        </p:nvPicPr>
-        <p:blipFill>
-          <a:blip r:embed="rId3"/>
-          <a:stretch>
-            <a:fillRect/>
-          </a:stretch>
-        </p:blipFill>
-        <p:spPr>
-          <a:xfrm>
-            <a:off x="5132068" y="1109041"/>
-            <a:ext cx="3528668" cy="5440362"/>
-          </a:xfrm>
-          <a:prstGeom prst="rect">
-            <a:avLst/>
-          </a:prstGeom>
-        </p:spPr>
-      </p:pic>
-    </p:spTree>
-    <p:extLst>
-      <p:ext uri="{BB962C8B-B14F-4D97-AF65-F5344CB8AC3E}">
-        <p14:creationId xmlns:p14="http://schemas.microsoft.com/office/powerpoint/2010/main" val="3436705082"/>
       </p:ext>
     </p:extLst>
   </p:cSld>

--- a/Intro to Latex Slides.pptx
+++ b/Intro to Latex Slides.pptx
@@ -195,14 +195,6 @@
     </p:ext>
   </p:extLst>
 </p:presentation>
-</file>
-
-<file path=ppt/revisionInfo.xml><?xml version="1.0" encoding="utf-8"?>
-<p1510:revInfo xmlns:a="http://schemas.openxmlformats.org/drawingml/2006/main" xmlns:r="http://schemas.openxmlformats.org/officeDocument/2006/relationships" xmlns:p1510="http://schemas.microsoft.com/office/powerpoint/2015/10/main">
-  <p1510:revLst>
-    <p1510:client id="{37FCA3D1-6AC0-45F6-BBA3-3C517D740004}" v="11" dt="2022-12-08T09:47:06.524"/>
-  </p1510:revLst>
-</p1510:revInfo>
 </file>
 
 <file path=ppt/changesInfos/changesInfo1.xml><?xml version="1.0" encoding="utf-8"?>
@@ -667,6 +659,46 @@
     </pc:docChg>
   </pc:docChgLst>
   <pc:docChgLst>
+    <pc:chgData name="Cooling, Chris" userId="6dcf99c9-2ba5-410a-8445-0893a3d1421f" providerId="ADAL" clId="{70997B12-B8AB-47B2-9023-7A1D422D744B}"/>
+    <pc:docChg chg="custSel modSld">
+      <pc:chgData name="Cooling, Chris" userId="6dcf99c9-2ba5-410a-8445-0893a3d1421f" providerId="ADAL" clId="{70997B12-B8AB-47B2-9023-7A1D422D744B}" dt="2023-01-23T10:47:24.701" v="365" actId="20577"/>
+      <pc:docMkLst>
+        <pc:docMk/>
+      </pc:docMkLst>
+      <pc:sldChg chg="addSp delSp modSp mod modNotesTx">
+        <pc:chgData name="Cooling, Chris" userId="6dcf99c9-2ba5-410a-8445-0893a3d1421f" providerId="ADAL" clId="{70997B12-B8AB-47B2-9023-7A1D422D744B}" dt="2023-01-23T10:47:24.701" v="365" actId="20577"/>
+        <pc:sldMkLst>
+          <pc:docMk/>
+          <pc:sldMk cId="620016258" sldId="277"/>
+        </pc:sldMkLst>
+        <pc:spChg chg="mod">
+          <ac:chgData name="Cooling, Chris" userId="6dcf99c9-2ba5-410a-8445-0893a3d1421f" providerId="ADAL" clId="{70997B12-B8AB-47B2-9023-7A1D422D744B}" dt="2023-01-23T10:45:09.171" v="16" actId="20577"/>
+          <ac:spMkLst>
+            <pc:docMk/>
+            <pc:sldMk cId="620016258" sldId="277"/>
+            <ac:spMk id="12" creationId="{8289A0AD-7253-40A3-8890-A209343EAF46}"/>
+          </ac:spMkLst>
+        </pc:spChg>
+        <pc:picChg chg="del">
+          <ac:chgData name="Cooling, Chris" userId="6dcf99c9-2ba5-410a-8445-0893a3d1421f" providerId="ADAL" clId="{70997B12-B8AB-47B2-9023-7A1D422D744B}" dt="2023-01-23T10:44:23.410" v="12" actId="478"/>
+          <ac:picMkLst>
+            <pc:docMk/>
+            <pc:sldMk cId="620016258" sldId="277"/>
+            <ac:picMk id="3" creationId="{89372AAC-BE38-4F5A-AC56-DBE110E0A753}"/>
+          </ac:picMkLst>
+        </pc:picChg>
+        <pc:picChg chg="add mod">
+          <ac:chgData name="Cooling, Chris" userId="6dcf99c9-2ba5-410a-8445-0893a3d1421f" providerId="ADAL" clId="{70997B12-B8AB-47B2-9023-7A1D422D744B}" dt="2023-01-23T10:45:31.578" v="18" actId="14100"/>
+          <ac:picMkLst>
+            <pc:docMk/>
+            <pc:sldMk cId="620016258" sldId="277"/>
+            <ac:picMk id="5" creationId="{11460BA4-01DC-9A8A-5FCA-2261A5D647AA}"/>
+          </ac:picMkLst>
+        </pc:picChg>
+      </pc:sldChg>
+    </pc:docChg>
+  </pc:docChgLst>
+  <pc:docChgLst>
     <pc:chgData name="Cooling, Chris" userId="6dcf99c9-2ba5-410a-8445-0893a3d1421f" providerId="ADAL" clId="{2755F62F-D60D-4D06-9949-10248E8090EB}"/>
     <pc:docChg chg="modSld">
       <pc:chgData name="Cooling, Chris" userId="6dcf99c9-2ba5-410a-8445-0893a3d1421f" providerId="ADAL" clId="{2755F62F-D60D-4D06-9949-10248E8090EB}" dt="2022-11-09T10:07:28.877" v="7" actId="20577"/>
@@ -942,7 +974,7 @@
           <a:p>
             <a:fld id="{88EB714B-C3CC-4216-88C1-02913905B1CF}" type="datetimeFigureOut">
               <a:rPr lang="en-GB" smtClean="0"/>
-              <a:t>08/12/2022</a:t>
+              <a:t>23/01/2023</a:t>
             </a:fld>
             <a:endParaRPr lang="en-GB"/>
           </a:p>
@@ -2990,7 +3022,7 @@
           <a:p>
             <a:r>
               <a:rPr lang="en-GB" dirty="0"/>
-              <a:t>LaTeX makes the management of referencing different sections and constructs within the document very easy. The first step is to label the thing you want to reference using the “label” command and specifying the keyword you want to use to reference that entity. If this command is within an equation, figure, table and so on, that is what is being given that label. If it’s not in any of these constructs, the label will be applied to the current section or chapter. The name you label something with can be anything and will not appear anywhere in your final document, but it must be a unique label.</a:t>
+              <a:t>LaTeX makes the management of referencing different sections and constructs within the document very easy. The first step is to label the thing you want to reference using the “label” command and specifying the keyword you want to use to reference that entity. If this command is within an equation, figure, table and so on, that is what is being given that label. If it’s not in any of these constructs, the label will be applied to the current section or chapter.</a:t>
             </a:r>
           </a:p>
           <a:p>
@@ -2999,35 +3031,31 @@
           <a:p>
             <a:r>
               <a:rPr lang="en-GB" dirty="0"/>
-              <a:t>The next step is to reference the entity you labelled. This is typically done using the “ref” command, which is followed by the label of the entity you wish to reference in curly brackets. In the text, this is replaced by the number of the entity referenced. For instance, if you reference the second section, the label command will be replaced by the number “2”. Using “</a:t>
+              <a:t>The name you label something with can be anything and will not appear anywhere in your final document, but it must be a unique label. It is wise to make the label something relevant to the construct it is labelling. You may also want to give a prefix such as “</a:t>
             </a:r>
             <a:r>
               <a:rPr lang="en-GB" dirty="0" err="1"/>
-              <a:t>eqref</a:t>
-            </a:r>
-            <a:r>
-              <a:rPr lang="en-GB" dirty="0"/>
-              <a:t>” to reference equations isn’t mandatory – you may use the “ref” command for equations and the reference number would appear without parentheses. To use the “</a:t>
-            </a:r>
-            <a:r>
-              <a:rPr lang="en-GB" dirty="0" err="1"/>
-              <a:t>eqref</a:t>
-            </a:r>
-            <a:r>
-              <a:rPr lang="en-GB" dirty="0"/>
-              <a:t>” command, you must have used the “</a:t>
-            </a:r>
-            <a:r>
-              <a:rPr lang="en-GB" dirty="0" err="1"/>
-              <a:t>amsmath</a:t>
-            </a:r>
-            <a:r>
-              <a:rPr lang="en-GB" dirty="0"/>
-              <a:t>” package in the preamble.</a:t>
-            </a:r>
-            <a:br>
-              <a:rPr lang="en-GB" dirty="0"/>
-            </a:br>
+              <a:t>eq</a:t>
+            </a:r>
+            <a:r>
+              <a:rPr lang="en-GB" dirty="0"/>
+              <a:t>:” for equations, or “sec:” for sections. This makes it less likely you will accidentally create duplicate labels, and makes it easier to see what labels apply to.</a:t>
+            </a:r>
+          </a:p>
+          <a:p>
+            <a:endParaRPr lang="en-GB" dirty="0"/>
+          </a:p>
+          <a:p>
+            <a:r>
+              <a:rPr lang="en-GB" dirty="0"/>
+              <a:t>The next step is to reference the entity you labelled. This is typically done using the “ref” command, which is followed by the label of the entity you wish to reference in curly brackets. In the text, this is replaced by the number of the entity referenced. For instance, if you reference the second section, the label command will be replaced by the number “2</a:t>
+            </a:r>
+            <a:r>
+              <a:rPr lang="en-GB"/>
+              <a:t>”. </a:t>
+            </a:r>
+          </a:p>
+          <a:p>
             <a:br>
               <a:rPr lang="en-GB" dirty="0"/>
             </a:br>
@@ -5436,7 +5464,7 @@
           <a:p>
             <a:fld id="{EB0080F8-EA1C-491D-963C-2C881B2F918F}" type="datetimeFigureOut">
               <a:rPr lang="en-GB" smtClean="0"/>
-              <a:t>08/12/2022</a:t>
+              <a:t>23/01/2023</a:t>
             </a:fld>
             <a:endParaRPr lang="en-GB"/>
           </a:p>
@@ -5586,7 +5614,7 @@
           <a:p>
             <a:fld id="{EB0080F8-EA1C-491D-963C-2C881B2F918F}" type="datetimeFigureOut">
               <a:rPr lang="en-GB" smtClean="0"/>
-              <a:t>08/12/2022</a:t>
+              <a:t>23/01/2023</a:t>
             </a:fld>
             <a:endParaRPr lang="en-GB"/>
           </a:p>
@@ -7119,7 +7147,7 @@
           <a:p>
             <a:fld id="{EB0080F8-EA1C-491D-963C-2C881B2F918F}" type="datetimeFigureOut">
               <a:rPr lang="en-GB" smtClean="0"/>
-              <a:t>08/12/2022</a:t>
+              <a:t>23/01/2023</a:t>
             </a:fld>
             <a:endParaRPr lang="en-GB"/>
           </a:p>
@@ -13026,7 +13054,7 @@
         <p:spPr>
           <a:xfrm>
             <a:off x="457200" y="1844063"/>
-            <a:ext cx="4190101" cy="4093428"/>
+            <a:ext cx="4190101" cy="4401205"/>
           </a:xfrm>
           <a:prstGeom prst="rect">
             <a:avLst/>
@@ -13051,7 +13079,7 @@
             </a:r>
             <a:r>
               <a:rPr lang="en-GB" sz="2000" dirty="0"/>
-              <a:t>{Referencing...}</a:t>
+              <a:t>{Einstein's Equation}</a:t>
             </a:r>
           </a:p>
           <a:p>
@@ -13090,23 +13118,12 @@
           </a:p>
           <a:p>
             <a:r>
-              <a:rPr lang="en-GB" sz="2000" dirty="0" err="1"/>
-              <a:t>x+y</a:t>
-            </a:r>
-            <a:r>
-              <a:rPr lang="en-GB" sz="2000" dirty="0"/>
-              <a:t>=7</a:t>
-            </a:r>
-            <a:r>
               <a:rPr lang="en-GB" sz="2000" dirty="0">
                 <a:solidFill>
-                  <a:schemeClr val="accent1">
-                    <a:lumMod val="60000"/>
-                    <a:lumOff val="40000"/>
-                  </a:schemeClr>
-                </a:solidFill>
-              </a:rPr>
-              <a:t>\alpha</a:t>
+                  <a:srgbClr val="00B050"/>
+                </a:solidFill>
+              </a:rPr>
+              <a:t>e = mc^{2} </a:t>
             </a:r>
           </a:p>
           <a:p>
@@ -13126,14 +13143,14 @@
               <a:t>{</a:t>
             </a:r>
             <a:r>
-              <a:rPr lang="en-GB" sz="2000" dirty="0">
+              <a:rPr lang="en-GB" sz="2000" dirty="0" err="1">
                 <a:solidFill>
                   <a:schemeClr val="accent4">
                     <a:lumMod val="75000"/>
                   </a:schemeClr>
                 </a:solidFill>
               </a:rPr>
-              <a:t>keyword1</a:t>
+              <a:t>eq:energy_mass</a:t>
             </a:r>
             <a:r>
               <a:rPr lang="en-GB" sz="2000" dirty="0"/>
@@ -13196,14 +13213,14 @@
               <a:t>{</a:t>
             </a:r>
             <a:r>
-              <a:rPr lang="en-GB" sz="2000" dirty="0">
+              <a:rPr lang="en-GB" sz="2000" dirty="0" err="1">
                 <a:solidFill>
                   <a:schemeClr val="accent4">
                     <a:lumMod val="75000"/>
                   </a:schemeClr>
                 </a:solidFill>
               </a:rPr>
-              <a:t>sections</a:t>
+              <a:t>sec:general_relativity</a:t>
             </a:r>
             <a:r>
               <a:rPr lang="en-GB" sz="2000" dirty="0"/>
@@ -13211,9 +13228,6 @@
             </a:r>
           </a:p>
           <a:p>
-            <a:br>
-              <a:rPr lang="en-GB" sz="2000" dirty="0"/>
-            </a:br>
             <a:endParaRPr lang="en-GB" sz="2000" dirty="0"/>
           </a:p>
           <a:p>
@@ -13230,7 +13244,7 @@
             </a:r>
             <a:r>
               <a:rPr lang="en-GB" sz="2000" dirty="0"/>
-              <a:t>{...Sections}</a:t>
+              <a:t>{General Relativity} </a:t>
             </a:r>
             <a:r>
               <a:rPr lang="en-GB" sz="2000" dirty="0">
@@ -13248,14 +13262,14 @@
               <a:t>{</a:t>
             </a:r>
             <a:r>
-              <a:rPr lang="en-GB" sz="2000" dirty="0">
+              <a:rPr lang="en-GB" sz="2000" dirty="0" err="1">
                 <a:solidFill>
                   <a:schemeClr val="accent4">
                     <a:lumMod val="75000"/>
                   </a:schemeClr>
                 </a:solidFill>
               </a:rPr>
-              <a:t>sections</a:t>
+              <a:t>sec:general_relativity</a:t>
             </a:r>
             <a:r>
               <a:rPr lang="en-GB" sz="2000" dirty="0"/>
@@ -13279,32 +13293,21 @@
                   </a:schemeClr>
                 </a:solidFill>
               </a:rPr>
-              <a:t>\</a:t>
-            </a:r>
-            <a:r>
-              <a:rPr lang="en-GB" sz="2000" dirty="0" err="1">
-                <a:solidFill>
-                  <a:schemeClr val="tx2">
-                    <a:lumMod val="50000"/>
-                    <a:lumOff val="50000"/>
-                  </a:schemeClr>
-                </a:solidFill>
-              </a:rPr>
-              <a:t>eqref</a:t>
+              <a:t>\ref</a:t>
             </a:r>
             <a:r>
               <a:rPr lang="en-GB" sz="2000" dirty="0"/>
               <a:t>{</a:t>
             </a:r>
             <a:r>
-              <a:rPr lang="en-GB" sz="2000" dirty="0">
+              <a:rPr lang="en-GB" sz="2000" dirty="0" err="1">
                 <a:solidFill>
                   <a:schemeClr val="accent4">
                     <a:lumMod val="75000"/>
                   </a:schemeClr>
                 </a:solidFill>
               </a:rPr>
-              <a:t>keyword1</a:t>
+              <a:t>eq:energy_mass</a:t>
             </a:r>
             <a:r>
               <a:rPr lang="en-GB" sz="2000" dirty="0"/>
@@ -13354,10 +13357,10 @@
       </p:sp>
       <p:pic>
         <p:nvPicPr>
-          <p:cNvPr id="3" name="Picture 2">
+          <p:cNvPr id="5" name="Picture 4">
             <a:extLst>
               <a:ext uri="{FF2B5EF4-FFF2-40B4-BE49-F238E27FC236}">
-                <a16:creationId xmlns:a16="http://schemas.microsoft.com/office/drawing/2014/main" id="{89372AAC-BE38-4F5A-AC56-DBE110E0A753}"/>
+                <a16:creationId xmlns:a16="http://schemas.microsoft.com/office/drawing/2014/main" id="{11460BA4-01DC-9A8A-5FCA-2261A5D647AA}"/>
               </a:ext>
             </a:extLst>
           </p:cNvPr>
@@ -13374,8 +13377,8 @@
         </p:blipFill>
         <p:spPr>
           <a:xfrm>
-            <a:off x="4756076" y="2628899"/>
-            <a:ext cx="4006025" cy="2356485"/>
+            <a:off x="4718686" y="2917005"/>
+            <a:ext cx="4193663" cy="2313818"/>
           </a:xfrm>
           <a:prstGeom prst="rect">
             <a:avLst/>
@@ -17016,11 +17019,11 @@
   <p:clrMapOvr>
     <a:masterClrMapping/>
   </p:clrMapOvr>
-  <mc:AlternateContent xmlns:mc="http://schemas.openxmlformats.org/markup-compatibility/2006">
-    <mc:Choice xmlns:p14="http://schemas.microsoft.com/office/powerpoint/2010/main" Requires="p14">
+  <mc:AlternateContent xmlns:mc="http://schemas.openxmlformats.org/markup-compatibility/2006" xmlns:p14="http://schemas.microsoft.com/office/powerpoint/2010/main">
+    <mc:Choice Requires="p14">
       <p:transition p14:dur="10"/>
     </mc:Choice>
-    <mc:Fallback>
+    <mc:Fallback xmlns="">
       <p:transition/>
     </mc:Fallback>
   </mc:AlternateContent>

--- a/Intro to Latex Slides.pptx
+++ b/Intro to Latex Slides.pptx
@@ -12,7 +12,7 @@
   </p:handoutMasterIdLst>
   <p:sldIdLst>
     <p:sldId id="264" r:id="rId2"/>
-    <p:sldId id="504" r:id="rId3"/>
+    <p:sldId id="510" r:id="rId3"/>
     <p:sldId id="267" r:id="rId4"/>
     <p:sldId id="505" r:id="rId5"/>
     <p:sldId id="268" r:id="rId6"/>
@@ -144,7 +144,7 @@
         <p14:section name="Introduction" id="{45EEEAF5-8C61-4410-A3AB-B2CD0B57ECF0}">
           <p14:sldIdLst>
             <p14:sldId id="264"/>
-            <p14:sldId id="504"/>
+            <p14:sldId id="510"/>
             <p14:sldId id="267"/>
             <p14:sldId id="505"/>
             <p14:sldId id="268"/>
@@ -195,6 +195,14 @@
     </p:ext>
   </p:extLst>
 </p:presentation>
+</file>
+
+<file path=ppt/revisionInfo.xml><?xml version="1.0" encoding="utf-8"?>
+<p1510:revInfo xmlns:a="http://schemas.openxmlformats.org/drawingml/2006/main" xmlns:r="http://schemas.openxmlformats.org/officeDocument/2006/relationships" xmlns:p1510="http://schemas.microsoft.com/office/powerpoint/2015/10/main">
+  <p1510:revLst>
+    <p1510:client id="{02736F4D-AEB0-4E10-B599-568033275B05}" v="1" dt="2023-02-24T16:46:15.123"/>
+  </p1510:revLst>
+</p1510:revInfo>
 </file>
 
 <file path=ppt/changesInfos/changesInfo1.xml><?xml version="1.0" encoding="utf-8"?>
@@ -722,6 +730,29 @@
       </pc:sldChg>
     </pc:docChg>
   </pc:docChgLst>
+  <pc:docChgLst>
+    <pc:chgData name="Cooling, Chris" userId="6dcf99c9-2ba5-410a-8445-0893a3d1421f" providerId="ADAL" clId="{02736F4D-AEB0-4E10-B599-568033275B05}"/>
+    <pc:docChg chg="addSld delSld modSld modSection">
+      <pc:chgData name="Cooling, Chris" userId="6dcf99c9-2ba5-410a-8445-0893a3d1421f" providerId="ADAL" clId="{02736F4D-AEB0-4E10-B599-568033275B05}" dt="2023-02-24T16:46:17.106" v="1" actId="47"/>
+      <pc:docMkLst>
+        <pc:docMk/>
+      </pc:docMkLst>
+      <pc:sldChg chg="del">
+        <pc:chgData name="Cooling, Chris" userId="6dcf99c9-2ba5-410a-8445-0893a3d1421f" providerId="ADAL" clId="{02736F4D-AEB0-4E10-B599-568033275B05}" dt="2023-02-24T16:46:17.106" v="1" actId="47"/>
+        <pc:sldMkLst>
+          <pc:docMk/>
+          <pc:sldMk cId="3686223621" sldId="504"/>
+        </pc:sldMkLst>
+      </pc:sldChg>
+      <pc:sldChg chg="add">
+        <pc:chgData name="Cooling, Chris" userId="6dcf99c9-2ba5-410a-8445-0893a3d1421f" providerId="ADAL" clId="{02736F4D-AEB0-4E10-B599-568033275B05}" dt="2023-02-24T16:46:15.120" v="0"/>
+        <pc:sldMkLst>
+          <pc:docMk/>
+          <pc:sldMk cId="1605209827" sldId="510"/>
+        </pc:sldMkLst>
+      </pc:sldChg>
+    </pc:docChg>
+  </pc:docChgLst>
 </pc:chgInfo>
 </file>
 
@@ -974,7 +1005,7 @@
           <a:p>
             <a:fld id="{88EB714B-C3CC-4216-88C1-02913905B1CF}" type="datetimeFigureOut">
               <a:rPr lang="en-GB" smtClean="0"/>
-              <a:t>23/01/2023</a:t>
+              <a:t>24/02/2023</a:t>
             </a:fld>
             <a:endParaRPr lang="en-GB"/>
           </a:p>
@@ -1539,15 +1570,36 @@
           <a:p>
             <a:r>
               <a:rPr lang="en-GB" dirty="0"/>
-              <a:t>A Table of Contents may be easily inserted using the command “</a:t>
+              <a:t>You can further use chapters to break up your document into larger sections. The chapter command is an example of a command which is not available in every type of </a:t>
             </a:r>
             <a:r>
               <a:rPr lang="en-GB" dirty="0" err="1"/>
-              <a:t>tableofcontents</a:t>
-            </a:r>
-            <a:r>
-              <a:rPr lang="en-GB" dirty="0"/>
-              <a:t>” command, which automatically detects the page numbers of chapters, sections and so on.</a:t>
+              <a:t>documentclass</a:t>
+            </a:r>
+            <a:r>
+              <a:rPr lang="en-GB" dirty="0"/>
+              <a:t> – it is available in the “report” and “book” </a:t>
+            </a:r>
+            <a:r>
+              <a:rPr lang="en-GB" dirty="0" err="1"/>
+              <a:t>documentclasses</a:t>
+            </a:r>
+            <a:r>
+              <a:rPr lang="en-GB" dirty="0"/>
+              <a:t> but not in the “article” or “slides” document class. </a:t>
+            </a:r>
+          </a:p>
+          <a:p>
+            <a:endParaRPr lang="en-GB"/>
+          </a:p>
+          <a:p>
+            <a:r>
+              <a:rPr lang="en-GB"/>
+              <a:t>Different </a:t>
+            </a:r>
+            <a:r>
+              <a:rPr lang="en-GB" dirty="0"/>
+              <a:t>document classes may also handle chapters, sections and paragraphs differently by default, such as which (if any) begins a new page. For example, the book document class will put a chapter on the first page of a new double-page spread, which can mean a blank page is left before the start of a new chapter.</a:t>
             </a:r>
           </a:p>
           <a:p>
@@ -1556,7 +1608,7 @@
           <a:p>
             <a:r>
               <a:rPr lang="en-GB" dirty="0"/>
-              <a:t>Overleaf example: https://www.overleaf.com/read/gjdnkmkdnnqd</a:t>
+              <a:t>Overleaf example: https://www.overleaf.com/read/cpkybhpfdgsb</a:t>
             </a:r>
           </a:p>
         </p:txBody>
@@ -1578,7 +1630,7 @@
           <a:p>
             <a:fld id="{6A641EC8-C9F8-4A58-A1A7-F7D817526EEC}" type="slidenum">
               <a:rPr lang="en-GB" smtClean="0"/>
-              <a:t>11</a:t>
+              <a:t>10</a:t>
             </a:fld>
             <a:endParaRPr lang="en-GB"/>
           </a:p>
@@ -1643,15 +1695,15 @@
           <a:p>
             <a:r>
               <a:rPr lang="en-GB" dirty="0"/>
-              <a:t>By default, LaTeX will only number sections 3 levels deep (e.g. chapter, section, subsection in the report </a:t>
+              <a:t>A Table of Contents may be easily inserted using the command “</a:t>
             </a:r>
             <a:r>
               <a:rPr lang="en-GB" dirty="0" err="1"/>
-              <a:t>documentclass</a:t>
-            </a:r>
-            <a:r>
-              <a:rPr lang="en-GB" dirty="0"/>
-              <a:t>). So, using the subsubsection command will result in an unnumbered division of the document.</a:t>
+              <a:t>tableofcontents</a:t>
+            </a:r>
+            <a:r>
+              <a:rPr lang="en-GB" dirty="0"/>
+              <a:t>” command, which automatically detects the page numbers of chapters, sections and so on.</a:t>
             </a:r>
           </a:p>
           <a:p>
@@ -1660,7 +1712,7 @@
           <a:p>
             <a:r>
               <a:rPr lang="en-GB" dirty="0"/>
-              <a:t>Tables of contents will also omit sections more than 3 levels deep by default. This mean subsubsections also won’t appear in the Table of Contents by default.</a:t>
+              <a:t>Overleaf example: https://www.overleaf.com/read/gjdnkmkdnnqd</a:t>
             </a:r>
           </a:p>
         </p:txBody>
@@ -1682,7 +1734,7 @@
           <a:p>
             <a:fld id="{6A641EC8-C9F8-4A58-A1A7-F7D817526EEC}" type="slidenum">
               <a:rPr lang="en-GB" smtClean="0"/>
-              <a:t>12</a:t>
+              <a:t>11</a:t>
             </a:fld>
             <a:endParaRPr lang="en-GB"/>
           </a:p>
@@ -1691,7 +1743,7 @@
     </p:spTree>
     <p:extLst>
       <p:ext uri="{BB962C8B-B14F-4D97-AF65-F5344CB8AC3E}">
-        <p14:creationId xmlns:p14="http://schemas.microsoft.com/office/powerpoint/2010/main" val="349486779"/>
+        <p14:creationId xmlns:p14="http://schemas.microsoft.com/office/powerpoint/2010/main" val="310261752"/>
       </p:ext>
     </p:extLst>
   </p:cSld>
@@ -1747,31 +1799,15 @@
           <a:p>
             <a:r>
               <a:rPr lang="en-GB" dirty="0"/>
-              <a:t>We can modify the dept that LaTeX will number sections to by modifying a value called “</a:t>
+              <a:t>By default, LaTeX will only number sections 3 levels deep (e.g. chapter, section, subsection in the report </a:t>
             </a:r>
             <a:r>
               <a:rPr lang="en-GB" dirty="0" err="1"/>
-              <a:t>secnumdepth</a:t>
-            </a:r>
-            <a:r>
-              <a:rPr lang="en-GB" dirty="0"/>
-              <a:t>”. We ca do this by using the /</a:t>
-            </a:r>
-            <a:r>
-              <a:rPr lang="en-GB" dirty="0" err="1"/>
-              <a:t>setcounter</a:t>
-            </a:r>
-            <a:r>
-              <a:rPr lang="en-GB" dirty="0"/>
-              <a:t> command in the preamble. The default value for </a:t>
-            </a:r>
-            <a:r>
-              <a:rPr lang="en-GB" dirty="0" err="1"/>
-              <a:t>secnumdepth</a:t>
-            </a:r>
-            <a:r>
-              <a:rPr lang="en-GB" dirty="0"/>
-              <a:t> is 2 and determines the depth of the lowest-level division which will be numbered. The highest level subdivision of the document is level 0 so, by default, the highest three levels are numbered. Setting this value to 3 means the highest 4 levels are numbered. For our report class, this means subsubsections will now also be numbered.</a:t>
+              <a:t>documentclass</a:t>
+            </a:r>
+            <a:r>
+              <a:rPr lang="en-GB" dirty="0"/>
+              <a:t>). So, using the subsubsection command will result in an unnumbered division of the document.</a:t>
             </a:r>
           </a:p>
           <a:p>
@@ -1780,33 +1816,7 @@
           <a:p>
             <a:r>
               <a:rPr lang="en-GB" dirty="0"/>
-              <a:t>We can also modify the “</a:t>
-            </a:r>
-            <a:r>
-              <a:rPr lang="en-GB" dirty="0" err="1"/>
-              <a:t>tocdepth</a:t>
-            </a:r>
-            <a:r>
-              <a:rPr lang="en-GB" dirty="0"/>
-              <a:t>” value which controls the maximum depth of the contents.</a:t>
-            </a:r>
-          </a:p>
-          <a:p>
-            <a:endParaRPr lang="en-GB" dirty="0"/>
-          </a:p>
-          <a:p>
-            <a:r>
-              <a:rPr lang="en-GB" dirty="0"/>
-              <a:t>Overleaf example: https://www.overleaf.com/read/zbyhyfrjpmzx</a:t>
-            </a:r>
-          </a:p>
-          <a:p>
-            <a:endParaRPr lang="en-GB" dirty="0"/>
-          </a:p>
-          <a:p>
-            <a:r>
-              <a:rPr lang="en-GB" dirty="0"/>
-              <a:t>Break for section 2 of Task Sheet</a:t>
+              <a:t>Tables of contents will also omit sections more than 3 levels deep by default. This mean subsubsections also won’t appear in the Table of Contents by default.</a:t>
             </a:r>
           </a:p>
         </p:txBody>
@@ -1828,7 +1838,7 @@
           <a:p>
             <a:fld id="{6A641EC8-C9F8-4A58-A1A7-F7D817526EEC}" type="slidenum">
               <a:rPr lang="en-GB" smtClean="0"/>
-              <a:t>13</a:t>
+              <a:t>12</a:t>
             </a:fld>
             <a:endParaRPr lang="en-GB"/>
           </a:p>
@@ -1837,7 +1847,7 @@
     </p:spTree>
     <p:extLst>
       <p:ext uri="{BB962C8B-B14F-4D97-AF65-F5344CB8AC3E}">
-        <p14:creationId xmlns:p14="http://schemas.microsoft.com/office/powerpoint/2010/main" val="897640485"/>
+        <p14:creationId xmlns:p14="http://schemas.microsoft.com/office/powerpoint/2010/main" val="349486779"/>
       </p:ext>
     </p:extLst>
   </p:cSld>
@@ -1893,59 +1903,31 @@
           <a:p>
             <a:r>
               <a:rPr lang="en-GB" dirty="0"/>
-              <a:t>Different command may be used in the middle of normally written text which modifies how the text appears in the final pdf.</a:t>
-            </a:r>
-          </a:p>
-          <a:p>
-            <a:r>
-              <a:rPr lang="en-GB" dirty="0"/>
-              <a:t>The “</a:t>
+              <a:t>We can modify the dept that LaTeX will number sections to by modifying a value called “</a:t>
             </a:r>
             <a:r>
               <a:rPr lang="en-GB" dirty="0" err="1"/>
-              <a:t>emph</a:t>
-            </a:r>
-            <a:r>
-              <a:rPr lang="en-GB" dirty="0"/>
-              <a:t>” command italicises text</a:t>
-            </a:r>
-          </a:p>
-          <a:p>
-            <a:r>
-              <a:rPr lang="en-GB" dirty="0"/>
-              <a:t>The “</a:t>
+              <a:t>secnumdepth</a:t>
+            </a:r>
+            <a:r>
+              <a:rPr lang="en-GB" dirty="0"/>
+              <a:t>”. We ca do this by using the /</a:t>
             </a:r>
             <a:r>
               <a:rPr lang="en-GB" dirty="0" err="1"/>
-              <a:t>textbf</a:t>
-            </a:r>
-            <a:r>
-              <a:rPr lang="en-GB" dirty="0"/>
-              <a:t>” command makes a text bold</a:t>
-            </a:r>
-          </a:p>
-          <a:p>
-            <a:r>
-              <a:rPr lang="en-GB" dirty="0"/>
-              <a:t>The “underline” command underlines text</a:t>
-            </a:r>
-          </a:p>
-          <a:p>
-            <a:r>
-              <a:rPr lang="en-GB" dirty="0"/>
-              <a:t>The “huge” command makes text very large</a:t>
-            </a:r>
-          </a:p>
-          <a:p>
-            <a:r>
-              <a:rPr lang="en-GB" dirty="0"/>
-              <a:t>The “large” command makes text large</a:t>
-            </a:r>
-          </a:p>
-          <a:p>
-            <a:r>
-              <a:rPr lang="en-GB" dirty="0"/>
-              <a:t>The “small” command makes text smaller</a:t>
+              <a:t>setcounter</a:t>
+            </a:r>
+            <a:r>
+              <a:rPr lang="en-GB" dirty="0"/>
+              <a:t> command in the preamble. The default value for </a:t>
+            </a:r>
+            <a:r>
+              <a:rPr lang="en-GB" dirty="0" err="1"/>
+              <a:t>secnumdepth</a:t>
+            </a:r>
+            <a:r>
+              <a:rPr lang="en-GB" dirty="0"/>
+              <a:t> is 2 and determines the depth of the lowest-level division which will be numbered. The highest level subdivision of the document is level 0 so, by default, the highest three levels are numbered. Setting this value to 3 means the highest 4 levels are numbered. For our report class, this means subsubsections will now also be numbered.</a:t>
             </a:r>
           </a:p>
           <a:p>
@@ -1954,7 +1936,15 @@
           <a:p>
             <a:r>
               <a:rPr lang="en-GB" dirty="0"/>
-              <a:t>Overleaf example: https://www.overleaf.com/read/bmvnftnttnzk</a:t>
+              <a:t>We can also modify the “</a:t>
+            </a:r>
+            <a:r>
+              <a:rPr lang="en-GB" dirty="0" err="1"/>
+              <a:t>tocdepth</a:t>
+            </a:r>
+            <a:r>
+              <a:rPr lang="en-GB" dirty="0"/>
+              <a:t>” value which controls the maximum depth of the contents.</a:t>
             </a:r>
           </a:p>
           <a:p>
@@ -1963,7 +1953,16 @@
           <a:p>
             <a:r>
               <a:rPr lang="en-GB" dirty="0"/>
-              <a:t>Break for section 3 of Task Sheet</a:t>
+              <a:t>Overleaf example: https://www.overleaf.com/read/zbyhyfrjpmzx</a:t>
+            </a:r>
+          </a:p>
+          <a:p>
+            <a:endParaRPr lang="en-GB" dirty="0"/>
+          </a:p>
+          <a:p>
+            <a:r>
+              <a:rPr lang="en-GB" dirty="0"/>
+              <a:t>Break for section 2 of Task Sheet</a:t>
             </a:r>
           </a:p>
         </p:txBody>
@@ -1985,7 +1984,7 @@
           <a:p>
             <a:fld id="{6A641EC8-C9F8-4A58-A1A7-F7D817526EEC}" type="slidenum">
               <a:rPr lang="en-GB" smtClean="0"/>
-              <a:t>14</a:t>
+              <a:t>13</a:t>
             </a:fld>
             <a:endParaRPr lang="en-GB"/>
           </a:p>
@@ -1994,7 +1993,7 @@
     </p:spTree>
     <p:extLst>
       <p:ext uri="{BB962C8B-B14F-4D97-AF65-F5344CB8AC3E}">
-        <p14:creationId xmlns:p14="http://schemas.microsoft.com/office/powerpoint/2010/main" val="2631880206"/>
+        <p14:creationId xmlns:p14="http://schemas.microsoft.com/office/powerpoint/2010/main" val="897640485"/>
       </p:ext>
     </p:extLst>
   </p:cSld>
@@ -2049,12 +2048,60 @@
           <a:lstStyle/>
           <a:p>
             <a:r>
+              <a:rPr lang="en-GB" dirty="0"/>
+              <a:t>Different command may be used in the middle of normally written text which modifies how the text appears in the final pdf.</a:t>
+            </a:r>
+          </a:p>
+          <a:p>
+            <a:r>
+              <a:rPr lang="en-GB" dirty="0"/>
+              <a:t>The “</a:t>
+            </a:r>
+            <a:r>
               <a:rPr lang="en-GB" dirty="0" err="1"/>
-              <a:t>Bulletpoint</a:t>
-            </a:r>
-            <a:r>
-              <a:rPr lang="en-GB" dirty="0"/>
-              <a:t> and numbered lists can be created easily in LaTeX using the “itemize” and “enumerate” commands respectively. In each case the environment is begun and ended using the “begin” and “end” commands. New items belonging to the list are then signified using the “item” command which is followed by the text associated with that item.</a:t>
+              <a:t>emph</a:t>
+            </a:r>
+            <a:r>
+              <a:rPr lang="en-GB" dirty="0"/>
+              <a:t>” command italicises text</a:t>
+            </a:r>
+          </a:p>
+          <a:p>
+            <a:r>
+              <a:rPr lang="en-GB" dirty="0"/>
+              <a:t>The “</a:t>
+            </a:r>
+            <a:r>
+              <a:rPr lang="en-GB" dirty="0" err="1"/>
+              <a:t>textbf</a:t>
+            </a:r>
+            <a:r>
+              <a:rPr lang="en-GB" dirty="0"/>
+              <a:t>” command makes a text bold</a:t>
+            </a:r>
+          </a:p>
+          <a:p>
+            <a:r>
+              <a:rPr lang="en-GB" dirty="0"/>
+              <a:t>The “underline” command underlines text</a:t>
+            </a:r>
+          </a:p>
+          <a:p>
+            <a:r>
+              <a:rPr lang="en-GB" dirty="0"/>
+              <a:t>The “huge” command makes text very large</a:t>
+            </a:r>
+          </a:p>
+          <a:p>
+            <a:r>
+              <a:rPr lang="en-GB" dirty="0"/>
+              <a:t>The “large” command makes text large</a:t>
+            </a:r>
+          </a:p>
+          <a:p>
+            <a:r>
+              <a:rPr lang="en-GB" dirty="0"/>
+              <a:t>The “small” command makes text smaller</a:t>
             </a:r>
           </a:p>
           <a:p>
@@ -2063,7 +2110,7 @@
           <a:p>
             <a:r>
               <a:rPr lang="en-GB" dirty="0"/>
-              <a:t>Overleaf example: https://www.overleaf.com/read/rvrgkkhvzpwn</a:t>
+              <a:t>Overleaf example: https://www.overleaf.com/read/bmvnftnttnzk</a:t>
             </a:r>
           </a:p>
           <a:p>
@@ -2072,7 +2119,7 @@
           <a:p>
             <a:r>
               <a:rPr lang="en-GB" dirty="0"/>
-              <a:t>Break for section 4 of Task Sheet</a:t>
+              <a:t>Break for section 3 of Task Sheet</a:t>
             </a:r>
           </a:p>
         </p:txBody>
@@ -2094,7 +2141,7 @@
           <a:p>
             <a:fld id="{6A641EC8-C9F8-4A58-A1A7-F7D817526EEC}" type="slidenum">
               <a:rPr lang="en-GB" smtClean="0"/>
-              <a:t>15</a:t>
+              <a:t>14</a:t>
             </a:fld>
             <a:endParaRPr lang="en-GB"/>
           </a:p>
@@ -2103,7 +2150,7 @@
     </p:spTree>
     <p:extLst>
       <p:ext uri="{BB962C8B-B14F-4D97-AF65-F5344CB8AC3E}">
-        <p14:creationId xmlns:p14="http://schemas.microsoft.com/office/powerpoint/2010/main" val="528293604"/>
+        <p14:creationId xmlns:p14="http://schemas.microsoft.com/office/powerpoint/2010/main" val="2631880206"/>
       </p:ext>
     </p:extLst>
   </p:cSld>
@@ -2158,42 +2205,12 @@
           <a:lstStyle/>
           <a:p>
             <a:r>
-              <a:rPr lang="en-GB" dirty="0"/>
-              <a:t>An equation may be included utilising the equation environment which is, again, started and ended by the “begin” and “end” commands. Text in this environment is interpreted in “</a:t>
-            </a:r>
-            <a:r>
               <a:rPr lang="en-GB" dirty="0" err="1"/>
-              <a:t>mathmode</a:t>
-            </a:r>
-            <a:r>
-              <a:rPr lang="en-GB" dirty="0"/>
-              <a:t>” which changes how the text appears, such as italicising it, and allowing the use of mathematical symbols such as the “alpha” symbol we have included with the “alpha” command. Note that LaTeX automatically numbers equations.</a:t>
-            </a:r>
-            <a:br>
-              <a:rPr lang="en-GB" dirty="0"/>
-            </a:br>
-            <a:br>
-              <a:rPr lang="en-GB" dirty="0"/>
-            </a:br>
-            <a:r>
-              <a:rPr lang="en-GB" dirty="0"/>
-              <a:t>If you want to include “</a:t>
-            </a:r>
-            <a:r>
-              <a:rPr lang="en-GB" dirty="0" err="1"/>
-              <a:t>mathmode</a:t>
-            </a:r>
-            <a:r>
-              <a:rPr lang="en-GB" dirty="0"/>
-              <a:t>” commands inline with normal text, the “dollar” symbol can be used to start and end “</a:t>
-            </a:r>
-            <a:r>
-              <a:rPr lang="en-GB" dirty="0" err="1"/>
-              <a:t>mathmode</a:t>
-            </a:r>
-            <a:r>
-              <a:rPr lang="en-GB" dirty="0"/>
-              <a:t>”.</a:t>
+              <a:t>Bulletpoint</a:t>
+            </a:r>
+            <a:r>
+              <a:rPr lang="en-GB" dirty="0"/>
+              <a:t> and numbered lists can be created easily in LaTeX using the “itemize” and “enumerate” commands respectively. In each case the environment is begun and ended using the “begin” and “end” commands. New items belonging to the list are then signified using the “item” command which is followed by the text associated with that item.</a:t>
             </a:r>
           </a:p>
           <a:p>
@@ -2202,7 +2219,16 @@
           <a:p>
             <a:r>
               <a:rPr lang="en-GB" dirty="0"/>
-              <a:t>Overleaf example: https://www.overleaf.com/8251716838wnbtxwjybszb</a:t>
+              <a:t>Overleaf example: https://www.overleaf.com/read/rvrgkkhvzpwn</a:t>
+            </a:r>
+          </a:p>
+          <a:p>
+            <a:endParaRPr lang="en-GB" dirty="0"/>
+          </a:p>
+          <a:p>
+            <a:r>
+              <a:rPr lang="en-GB" dirty="0"/>
+              <a:t>Break for section 4 of Task Sheet</a:t>
             </a:r>
           </a:p>
         </p:txBody>
@@ -2224,7 +2250,7 @@
           <a:p>
             <a:fld id="{6A641EC8-C9F8-4A58-A1A7-F7D817526EEC}" type="slidenum">
               <a:rPr lang="en-GB" smtClean="0"/>
-              <a:t>16</a:t>
+              <a:t>15</a:t>
             </a:fld>
             <a:endParaRPr lang="en-GB"/>
           </a:p>
@@ -2233,7 +2259,7 @@
     </p:spTree>
     <p:extLst>
       <p:ext uri="{BB962C8B-B14F-4D97-AF65-F5344CB8AC3E}">
-        <p14:creationId xmlns:p14="http://schemas.microsoft.com/office/powerpoint/2010/main" val="2517861951"/>
+        <p14:creationId xmlns:p14="http://schemas.microsoft.com/office/powerpoint/2010/main" val="528293604"/>
       </p:ext>
     </p:extLst>
   </p:cSld>
@@ -2289,7 +2315,7 @@
           <a:p>
             <a:r>
               <a:rPr lang="en-GB" dirty="0"/>
-              <a:t>Here we’ll look at a few examples of </a:t>
+              <a:t>An equation may be included utilising the equation environment which is, again, started and ended by the “begin” and “end” commands. Text in this environment is interpreted in “</a:t>
             </a:r>
             <a:r>
               <a:rPr lang="en-GB" dirty="0" err="1"/>
@@ -2297,41 +2323,17 @@
             </a:r>
             <a:r>
               <a:rPr lang="en-GB" dirty="0"/>
-              <a:t> commands. For many of these, a package (often “</a:t>
-            </a:r>
-            <a:r>
-              <a:rPr lang="en-GB" dirty="0" err="1"/>
-              <a:t>amsmath</a:t>
-            </a:r>
-            <a:r>
-              <a:rPr lang="en-GB" dirty="0"/>
-              <a:t>” and “</a:t>
-            </a:r>
-            <a:r>
-              <a:rPr lang="en-GB" dirty="0" err="1"/>
-              <a:t>amssymb</a:t>
-            </a:r>
-            <a:r>
-              <a:rPr lang="en-GB" dirty="0"/>
-              <a:t>” will be required to make sure the right commands are available.</a:t>
-            </a:r>
-          </a:p>
-          <a:p>
-            <a:endParaRPr lang="en-GB" dirty="0"/>
-          </a:p>
-          <a:p>
-            <a:r>
-              <a:rPr lang="en-GB" dirty="0"/>
-              <a:t>In the first command, the “frac” commands has two sets of curly brackets. The numerator is specified within the first pair of brackets and the denominator is specified in the second. We also see the square root command and the appearance of upper and lower case Greek characters.</a:t>
-            </a:r>
-          </a:p>
-          <a:p>
-            <a:endParaRPr lang="en-GB" dirty="0"/>
-          </a:p>
-          <a:p>
-            <a:r>
-              <a:rPr lang="en-GB" dirty="0"/>
-              <a:t>In the second, we see the integral command. In </a:t>
+              <a:t>” which changes how the text appears, such as italicising it, and allowing the use of mathematical symbols such as the “alpha” symbol we have included with the “alpha” command. Note that LaTeX automatically numbers equations.</a:t>
+            </a:r>
+            <a:br>
+              <a:rPr lang="en-GB" dirty="0"/>
+            </a:br>
+            <a:br>
+              <a:rPr lang="en-GB" dirty="0"/>
+            </a:br>
+            <a:r>
+              <a:rPr lang="en-GB" dirty="0"/>
+              <a:t>If you want to include “</a:t>
             </a:r>
             <a:r>
               <a:rPr lang="en-GB" dirty="0" err="1"/>
@@ -2339,35 +2341,7 @@
             </a:r>
             <a:r>
               <a:rPr lang="en-GB" dirty="0"/>
-              <a:t>, the underscore character, followed by a pair of curly brackets, typically defines text to appear in subscript and the “hat” character typically defines text to appear in super-script.</a:t>
-            </a:r>
-          </a:p>
-          <a:p>
-            <a:endParaRPr lang="en-GB" dirty="0"/>
-          </a:p>
-          <a:p>
-            <a:r>
-              <a:rPr lang="en-GB" dirty="0"/>
-              <a:t>In the third, we see the commands for limit and log, as well as an arrow to signify “tending toward” and infinity.</a:t>
-            </a:r>
-          </a:p>
-          <a:p>
-            <a:endParaRPr lang="en-GB" dirty="0"/>
-          </a:p>
-          <a:p>
-            <a:r>
-              <a:rPr lang="en-GB" dirty="0"/>
-              <a:t>In the fourth we see the summation command. Here, we have also used the “limits” command to cause the limits of the summation to appear above and below the summation symbol rather than to the right of it, as with the integration symbol. The use of the “limits” command is not compulsory, but it does look neater.</a:t>
-            </a:r>
-            <a:br>
-              <a:rPr lang="en-GB" dirty="0"/>
-            </a:br>
-            <a:br>
-              <a:rPr lang="en-GB" dirty="0"/>
-            </a:br>
-            <a:r>
-              <a:rPr lang="en-GB" dirty="0"/>
-              <a:t>There are a large number of </a:t>
+              <a:t>” commands inline with normal text, the “dollar” symbol can be used to start and end “</a:t>
             </a:r>
             <a:r>
               <a:rPr lang="en-GB" dirty="0" err="1"/>
@@ -2375,26 +2349,16 @@
             </a:r>
             <a:r>
               <a:rPr lang="en-GB" dirty="0"/>
-              <a:t> commands and this is a quick sample of them. Google is your friend in finding specific commands. </a:t>
-            </a:r>
-            <a:br>
-              <a:rPr lang="en-GB" dirty="0"/>
-            </a:br>
+              <a:t>”.</a:t>
+            </a:r>
+          </a:p>
+          <a:p>
             <a:endParaRPr lang="en-GB" dirty="0"/>
           </a:p>
           <a:p>
             <a:r>
               <a:rPr lang="en-GB" dirty="0"/>
-              <a:t>Overleaf example: https://www.overleaf.com/read/rwkzhszhmfcd</a:t>
-            </a:r>
-          </a:p>
-          <a:p>
-            <a:br>
-              <a:rPr lang="en-GB" dirty="0"/>
-            </a:br>
-            <a:r>
-              <a:rPr lang="en-GB" dirty="0"/>
-              <a:t>Break for section 5 of Task Sheet</a:t>
+              <a:t>Overleaf example: https://www.overleaf.com/8251716838wnbtxwjybszb</a:t>
             </a:r>
           </a:p>
         </p:txBody>
@@ -2416,7 +2380,7 @@
           <a:p>
             <a:fld id="{6A641EC8-C9F8-4A58-A1A7-F7D817526EEC}" type="slidenum">
               <a:rPr lang="en-GB" smtClean="0"/>
-              <a:t>17</a:t>
+              <a:t>16</a:t>
             </a:fld>
             <a:endParaRPr lang="en-GB"/>
           </a:p>
@@ -2425,7 +2389,7 @@
     </p:spTree>
     <p:extLst>
       <p:ext uri="{BB962C8B-B14F-4D97-AF65-F5344CB8AC3E}">
-        <p14:creationId xmlns:p14="http://schemas.microsoft.com/office/powerpoint/2010/main" val="2909380669"/>
+        <p14:creationId xmlns:p14="http://schemas.microsoft.com/office/powerpoint/2010/main" val="2517861951"/>
       </p:ext>
     </p:extLst>
   </p:cSld>
@@ -2481,15 +2445,31 @@
           <a:p>
             <a:r>
               <a:rPr lang="en-GB" dirty="0"/>
-              <a:t>Some characters require special commands in LaTeX. This may be because they are characters </a:t>
+              <a:t>Here we’ll look at a few examples of </a:t>
             </a:r>
             <a:r>
               <a:rPr lang="en-GB" dirty="0" err="1"/>
-              <a:t>LaTex</a:t>
-            </a:r>
-            <a:r>
-              <a:rPr lang="en-GB" dirty="0"/>
-              <a:t> uses for other purposes, they’re too uncommon to appear on a keyboard, they’re an accented letter or they’re a weird and wonderful mathematical construct that encompasses multiple characters. Again, the list here is completely non-exhaustive and almost anything you can think of is possible. If you don’t know how to achieve a character you can normally find it using Google pretty quickly.</a:t>
+              <a:t>mathmode</a:t>
+            </a:r>
+            <a:r>
+              <a:rPr lang="en-GB" dirty="0"/>
+              <a:t> commands. For many of these, a package (often “</a:t>
+            </a:r>
+            <a:r>
+              <a:rPr lang="en-GB" dirty="0" err="1"/>
+              <a:t>amsmath</a:t>
+            </a:r>
+            <a:r>
+              <a:rPr lang="en-GB" dirty="0"/>
+              <a:t>” and “</a:t>
+            </a:r>
+            <a:r>
+              <a:rPr lang="en-GB" dirty="0" err="1"/>
+              <a:t>amssymb</a:t>
+            </a:r>
+            <a:r>
+              <a:rPr lang="en-GB" dirty="0"/>
+              <a:t>” will be required to make sure the right commands are available.</a:t>
             </a:r>
           </a:p>
           <a:p>
@@ -2498,7 +2478,79 @@
           <a:p>
             <a:r>
               <a:rPr lang="en-GB" dirty="0"/>
-              <a:t>Overleaf example: https://www.overleaf.com/read/jsksjfbyghkk</a:t>
+              <a:t>In the first command, the “frac” commands has two sets of curly brackets. The numerator is specified within the first pair of brackets and the denominator is specified in the second. We also see the square root command and the appearance of upper and lower case Greek characters.</a:t>
+            </a:r>
+          </a:p>
+          <a:p>
+            <a:endParaRPr lang="en-GB" dirty="0"/>
+          </a:p>
+          <a:p>
+            <a:r>
+              <a:rPr lang="en-GB" dirty="0"/>
+              <a:t>In the second, we see the integral command. In </a:t>
+            </a:r>
+            <a:r>
+              <a:rPr lang="en-GB" dirty="0" err="1"/>
+              <a:t>mathmode</a:t>
+            </a:r>
+            <a:r>
+              <a:rPr lang="en-GB" dirty="0"/>
+              <a:t>, the underscore character, followed by a pair of curly brackets, typically defines text to appear in subscript and the “hat” character typically defines text to appear in super-script.</a:t>
+            </a:r>
+          </a:p>
+          <a:p>
+            <a:endParaRPr lang="en-GB" dirty="0"/>
+          </a:p>
+          <a:p>
+            <a:r>
+              <a:rPr lang="en-GB" dirty="0"/>
+              <a:t>In the third, we see the commands for limit and log, as well as an arrow to signify “tending toward” and infinity.</a:t>
+            </a:r>
+          </a:p>
+          <a:p>
+            <a:endParaRPr lang="en-GB" dirty="0"/>
+          </a:p>
+          <a:p>
+            <a:r>
+              <a:rPr lang="en-GB" dirty="0"/>
+              <a:t>In the fourth we see the summation command. Here, we have also used the “limits” command to cause the limits of the summation to appear above and below the summation symbol rather than to the right of it, as with the integration symbol. The use of the “limits” command is not compulsory, but it does look neater.</a:t>
+            </a:r>
+            <a:br>
+              <a:rPr lang="en-GB" dirty="0"/>
+            </a:br>
+            <a:br>
+              <a:rPr lang="en-GB" dirty="0"/>
+            </a:br>
+            <a:r>
+              <a:rPr lang="en-GB" dirty="0"/>
+              <a:t>There are a large number of </a:t>
+            </a:r>
+            <a:r>
+              <a:rPr lang="en-GB" dirty="0" err="1"/>
+              <a:t>mathmode</a:t>
+            </a:r>
+            <a:r>
+              <a:rPr lang="en-GB" dirty="0"/>
+              <a:t> commands and this is a quick sample of them. Google is your friend in finding specific commands. </a:t>
+            </a:r>
+            <a:br>
+              <a:rPr lang="en-GB" dirty="0"/>
+            </a:br>
+            <a:endParaRPr lang="en-GB" dirty="0"/>
+          </a:p>
+          <a:p>
+            <a:r>
+              <a:rPr lang="en-GB" dirty="0"/>
+              <a:t>Overleaf example: https://www.overleaf.com/read/rwkzhszhmfcd</a:t>
+            </a:r>
+          </a:p>
+          <a:p>
+            <a:br>
+              <a:rPr lang="en-GB" dirty="0"/>
+            </a:br>
+            <a:r>
+              <a:rPr lang="en-GB" dirty="0"/>
+              <a:t>Break for section 5 of Task Sheet</a:t>
             </a:r>
           </a:p>
         </p:txBody>
@@ -2520,7 +2572,7 @@
           <a:p>
             <a:fld id="{6A641EC8-C9F8-4A58-A1A7-F7D817526EEC}" type="slidenum">
               <a:rPr lang="en-GB" smtClean="0"/>
-              <a:t>18</a:t>
+              <a:t>17</a:t>
             </a:fld>
             <a:endParaRPr lang="en-GB"/>
           </a:p>
@@ -2585,17 +2637,15 @@
           <a:p>
             <a:r>
               <a:rPr lang="en-GB" dirty="0"/>
-              <a:t>There are a number of ways to include a figure in LaTeX and a wide range of options that you might use. This is one example of something you might consider.</a:t>
-            </a:r>
-            <a:br>
-              <a:rPr lang="en-GB" dirty="0"/>
-            </a:br>
-            <a:br>
-              <a:rPr lang="en-GB" dirty="0"/>
-            </a:br>
-            <a:r>
-              <a:rPr lang="en-GB" dirty="0"/>
-              <a:t>The “\begin{figure}” command tells LaTeX you’re about to define a figure. The “t” in square brackets is an optional argument which tells LaTeX where you would like to put the figure. In this case, you’re asking for the figure to be put on the top of the next page if possible. Conflicts can occur, such as when multiple figures are requested to be included at the same location. LaTeX will do its best to position figures conforming to the locations you’ve specified and also to try and reduce the amount of white space in the document.</a:t>
+              <a:t>Some characters require special commands in LaTeX. This may be because they are characters </a:t>
+            </a:r>
+            <a:r>
+              <a:rPr lang="en-GB" dirty="0" err="1"/>
+              <a:t>LaTex</a:t>
+            </a:r>
+            <a:r>
+              <a:rPr lang="en-GB" dirty="0"/>
+              <a:t> uses for other purposes, they’re too uncommon to appear on a keyboard, they’re an accented letter or they’re a weird and wonderful mathematical construct that encompasses multiple characters. Again, the list here is completely non-exhaustive and almost anything you can think of is possible. If you don’t know how to achieve a character you can normally find it using Google pretty quickly.</a:t>
             </a:r>
           </a:p>
           <a:p>
@@ -2604,86 +2654,7 @@
           <a:p>
             <a:r>
               <a:rPr lang="en-GB" dirty="0"/>
-              <a:t>The “</a:t>
-            </a:r>
-            <a:r>
-              <a:rPr lang="en-GB" dirty="0" err="1"/>
-              <a:t>centering</a:t>
-            </a:r>
-            <a:r>
-              <a:rPr lang="en-GB" dirty="0"/>
-              <a:t>” command lets LaTeX know that you would like the picture to be located centrally horizontally.</a:t>
-            </a:r>
-            <a:br>
-              <a:rPr lang="en-GB" dirty="0"/>
-            </a:br>
-            <a:br>
-              <a:rPr lang="en-GB" dirty="0"/>
-            </a:br>
-            <a:r>
-              <a:rPr lang="en-GB" dirty="0"/>
-              <a:t>The “</a:t>
-            </a:r>
-            <a:r>
-              <a:rPr lang="en-GB" dirty="0" err="1"/>
-              <a:t>includegradphics</a:t>
-            </a:r>
-            <a:r>
-              <a:rPr lang="en-GB" dirty="0"/>
-              <a:t>” command lets LaTeX know you would like to include a picture file with the name in the curly brackets, “</a:t>
-            </a:r>
-            <a:r>
-              <a:rPr lang="en-GB" dirty="0" err="1"/>
-              <a:t>Cat_Box</a:t>
-            </a:r>
-            <a:r>
-              <a:rPr lang="en-GB" dirty="0"/>
-              <a:t>” in this case. Note the file extension is excluded – LaTeX will search for standard image files, e.g. Cat_Box.jpg, Cat_Box.png, etc. By default, this file should be in the same directory as your .</a:t>
-            </a:r>
-            <a:r>
-              <a:rPr lang="en-GB" dirty="0" err="1"/>
-              <a:t>tex</a:t>
-            </a:r>
-            <a:r>
-              <a:rPr lang="en-GB" dirty="0"/>
-              <a:t> file. The “width” statement sets the width of the picture.</a:t>
-            </a:r>
-          </a:p>
-          <a:p>
-            <a:endParaRPr lang="en-GB" dirty="0"/>
-          </a:p>
-          <a:p>
-            <a:r>
-              <a:rPr lang="en-GB" dirty="0"/>
-              <a:t>The caption command allows you to include a caption for the picture which, by default, appears under the picture.</a:t>
-            </a:r>
-          </a:p>
-          <a:p>
-            <a:endParaRPr lang="en-GB" dirty="0"/>
-          </a:p>
-          <a:p>
-            <a:r>
-              <a:rPr lang="en-GB" dirty="0"/>
-              <a:t>Finally, the “\end{figure}” command ends the specification of the figure.</a:t>
-            </a:r>
-            <a:br>
-              <a:rPr lang="en-GB" dirty="0"/>
-            </a:br>
-            <a:endParaRPr lang="en-GB" dirty="0"/>
-          </a:p>
-          <a:p>
-            <a:r>
-              <a:rPr lang="en-GB" dirty="0"/>
-              <a:t>Overleaf example: https://www.overleaf.com/read/ymfkjjdthvwq</a:t>
-            </a:r>
-          </a:p>
-          <a:p>
-            <a:br>
-              <a:rPr lang="en-GB" dirty="0"/>
-            </a:br>
-            <a:r>
-              <a:rPr lang="en-GB" dirty="0"/>
-              <a:t>Break for section 6 of Task Sheet</a:t>
+              <a:t>Overleaf example: https://www.overleaf.com/read/jsksjfbyghkk</a:t>
             </a:r>
           </a:p>
         </p:txBody>
@@ -2705,7 +2676,7 @@
           <a:p>
             <a:fld id="{6A641EC8-C9F8-4A58-A1A7-F7D817526EEC}" type="slidenum">
               <a:rPr lang="en-GB" smtClean="0"/>
-              <a:t>19</a:t>
+              <a:t>18</a:t>
             </a:fld>
             <a:endParaRPr lang="en-GB"/>
           </a:p>
@@ -2714,7 +2685,7 @@
     </p:spTree>
     <p:extLst>
       <p:ext uri="{BB962C8B-B14F-4D97-AF65-F5344CB8AC3E}">
-        <p14:creationId xmlns:p14="http://schemas.microsoft.com/office/powerpoint/2010/main" val="1845881050"/>
+        <p14:creationId xmlns:p14="http://schemas.microsoft.com/office/powerpoint/2010/main" val="2909380669"/>
       </p:ext>
     </p:extLst>
   </p:cSld>
@@ -2770,7 +2741,26 @@
           <a:p>
             <a:r>
               <a:rPr lang="en-GB" dirty="0"/>
-              <a:t>Tables can be included in LaTeX documents in a similar way to figures. The first command “\begin{table}” tells LaTeX to expect a table. In this case, we’ve chosen to include a “h” in square brackets to tell LaTeX to put the table as close as possible to the location it’s been specified in the text. Again, the “</a:t>
+              <a:t>There are a number of ways to include a figure in LaTeX and a wide range of options that you might use. This is one example of something you might consider.</a:t>
+            </a:r>
+            <a:br>
+              <a:rPr lang="en-GB" dirty="0"/>
+            </a:br>
+            <a:br>
+              <a:rPr lang="en-GB" dirty="0"/>
+            </a:br>
+            <a:r>
+              <a:rPr lang="en-GB" dirty="0"/>
+              <a:t>The “\begin{figure}” command tells LaTeX you’re about to define a figure. The “t” in square brackets is an optional argument which tells LaTeX where you would like to put the figure. In this case, you’re asking for the figure to be put on the top of the next page if possible. Conflicts can occur, such as when multiple figures are requested to be included at the same location. LaTeX will do its best to position figures conforming to the locations you’ve specified and also to try and reduce the amount of white space in the document.</a:t>
+            </a:r>
+          </a:p>
+          <a:p>
+            <a:endParaRPr lang="en-GB" dirty="0"/>
+          </a:p>
+          <a:p>
+            <a:r>
+              <a:rPr lang="en-GB" dirty="0"/>
+              <a:t>The “</a:t>
             </a:r>
             <a:r>
               <a:rPr lang="en-GB" dirty="0" err="1"/>
@@ -2778,15 +2768,7 @@
             </a:r>
             <a:r>
               <a:rPr lang="en-GB" dirty="0"/>
-              <a:t>” causes the table to be </a:t>
-            </a:r>
-            <a:r>
-              <a:rPr lang="en-GB" dirty="0" err="1"/>
-              <a:t>centered</a:t>
-            </a:r>
-            <a:r>
-              <a:rPr lang="en-GB" dirty="0"/>
-              <a:t> horizontally on the page.</a:t>
+              <a:t>” command lets LaTeX know that you would like the picture to be located centrally horizontally.</a:t>
             </a:r>
             <a:br>
               <a:rPr lang="en-GB" dirty="0"/>
@@ -2796,17 +2778,23 @@
             </a:br>
             <a:r>
               <a:rPr lang="en-GB" dirty="0"/>
-              <a:t>Within the “tabular” environment we specify the contents of the table. In the curly brackets immediately after we begin this environment we specify the columns, their alignment and any lines between the columns. Here we have specified that we want text in the left column to be left aligned within the column, text in the middle column to be centre-aligned and text in the rightmost column to be right-aligned within that column. The vertical line between the specification of the first and second column specifies that a vertical line is to be included in the table. If we don’t want a vertical line, as between columns 2 and 3, we don’t include a line.</a:t>
-            </a:r>
-            <a:br>
-              <a:rPr lang="en-GB" dirty="0"/>
-            </a:br>
-            <a:br>
-              <a:rPr lang="en-GB" dirty="0"/>
-            </a:br>
-            <a:r>
-              <a:rPr lang="en-GB" dirty="0"/>
-              <a:t>Next, we begin to specify the contents of the table itself. We do this row by row, with rows separated by a double backslash. It’s not required to put each line of the table on a new line of your .</a:t>
+              <a:t>The “</a:t>
+            </a:r>
+            <a:r>
+              <a:rPr lang="en-GB" dirty="0" err="1"/>
+              <a:t>includegradphics</a:t>
+            </a:r>
+            <a:r>
+              <a:rPr lang="en-GB" dirty="0"/>
+              <a:t>” command lets LaTeX know you would like to include a picture file with the name in the curly brackets, “</a:t>
+            </a:r>
+            <a:r>
+              <a:rPr lang="en-GB" dirty="0" err="1"/>
+              <a:t>Cat_Box</a:t>
+            </a:r>
+            <a:r>
+              <a:rPr lang="en-GB" dirty="0"/>
+              <a:t>” in this case. Note the file extension is excluded – LaTeX will search for standard image files, e.g. Cat_Box.jpg, Cat_Box.png, etc. By default, this file should be in the same directory as your .</a:t>
             </a:r>
             <a:r>
               <a:rPr lang="en-GB" dirty="0" err="1"/>
@@ -2814,25 +2802,25 @@
             </a:r>
             <a:r>
               <a:rPr lang="en-GB" dirty="0"/>
-              <a:t> file, but it’s a good idea as it makes your file easier to read. Ampersands separate the specification of material within each column of the current row. In this case, for row 1, we include an ampersand before any text, causing the first column of row 1 to be empty. In rows 2 and 3 we specify something before the ampersand, so column 1 has entries in these rows.</a:t>
-            </a:r>
-            <a:br>
-              <a:rPr lang="en-GB" dirty="0"/>
-            </a:br>
-            <a:br>
-              <a:rPr lang="en-GB" dirty="0"/>
-            </a:br>
-            <a:r>
-              <a:rPr lang="en-GB" dirty="0"/>
-              <a:t>Between the specification of lines 1 and 2 we use the “</a:t>
-            </a:r>
-            <a:r>
-              <a:rPr lang="en-GB" dirty="0" err="1"/>
-              <a:t>hline</a:t>
-            </a:r>
-            <a:r>
-              <a:rPr lang="en-GB" dirty="0"/>
-              <a:t>” command to specify the inclusion of a horizontal line between these rows. Finally, we end the tabular and table environment with the corresponding “end” commands.</a:t>
+              <a:t> file. The “width” statement sets the width of the picture.</a:t>
+            </a:r>
+          </a:p>
+          <a:p>
+            <a:endParaRPr lang="en-GB" dirty="0"/>
+          </a:p>
+          <a:p>
+            <a:r>
+              <a:rPr lang="en-GB" dirty="0"/>
+              <a:t>The caption command allows you to include a caption for the picture which, by default, appears under the picture.</a:t>
+            </a:r>
+          </a:p>
+          <a:p>
+            <a:endParaRPr lang="en-GB" dirty="0"/>
+          </a:p>
+          <a:p>
+            <a:r>
+              <a:rPr lang="en-GB" dirty="0"/>
+              <a:t>Finally, the “\end{figure}” command ends the specification of the figure.</a:t>
             </a:r>
             <a:br>
               <a:rPr lang="en-GB" dirty="0"/>
@@ -2842,7 +2830,7 @@
           <a:p>
             <a:r>
               <a:rPr lang="en-GB" dirty="0"/>
-              <a:t>Overleaf example: https://www.overleaf.com/read/dbmrcfcdhgsg</a:t>
+              <a:t>Overleaf example: https://www.overleaf.com/read/ymfkjjdthvwq</a:t>
             </a:r>
           </a:p>
           <a:p>
@@ -2851,7 +2839,7 @@
             </a:br>
             <a:r>
               <a:rPr lang="en-GB" dirty="0"/>
-              <a:t>Break for section 7 of Task Sheet</a:t>
+              <a:t>Break for section 6 of Task Sheet</a:t>
             </a:r>
           </a:p>
         </p:txBody>
@@ -2873,7 +2861,7 @@
           <a:p>
             <a:fld id="{6A641EC8-C9F8-4A58-A1A7-F7D817526EEC}" type="slidenum">
               <a:rPr lang="en-GB" smtClean="0"/>
-              <a:t>20</a:t>
+              <a:t>19</a:t>
             </a:fld>
             <a:endParaRPr lang="en-GB"/>
           </a:p>
@@ -2882,7 +2870,7 @@
     </p:spTree>
     <p:extLst>
       <p:ext uri="{BB962C8B-B14F-4D97-AF65-F5344CB8AC3E}">
-        <p14:creationId xmlns:p14="http://schemas.microsoft.com/office/powerpoint/2010/main" val="286372603"/>
+        <p14:creationId xmlns:p14="http://schemas.microsoft.com/office/powerpoint/2010/main" val="1845881050"/>
       </p:ext>
     </p:extLst>
   </p:cSld>
@@ -2936,6 +2924,29 @@
           <a:bodyPr/>
           <a:lstStyle/>
           <a:p>
+            <a:pPr marL="0" marR="0" lvl="0" indent="0" algn="l" defTabSz="914400" rtl="0" eaLnBrk="1" fontAlgn="auto" latinLnBrk="0" hangingPunct="1">
+              <a:lnSpc>
+                <a:spcPct val="100000"/>
+              </a:lnSpc>
+              <a:spcBef>
+                <a:spcPts val="0"/>
+              </a:spcBef>
+              <a:spcAft>
+                <a:spcPts val="0"/>
+              </a:spcAft>
+              <a:buClrTx/>
+              <a:buSzTx/>
+              <a:buFontTx/>
+              <a:buNone/>
+              <a:tabLst/>
+              <a:defRPr/>
+            </a:pPr>
+            <a:r>
+              <a:rPr lang="en-GB" dirty="0"/>
+              <a:t>No additional notes.</a:t>
+            </a:r>
+          </a:p>
+          <a:p>
             <a:endParaRPr lang="en-GB" dirty="0"/>
           </a:p>
         </p:txBody>
@@ -2947,7 +2958,7 @@
             <a:spLocks noGrp="1"/>
           </p:cNvSpPr>
           <p:nvPr>
-            <p:ph type="sldNum" sz="quarter" idx="10"/>
+            <p:ph type="sldNum" sz="quarter" idx="5"/>
           </p:nvPr>
         </p:nvSpPr>
         <p:spPr/>
@@ -2955,9 +2966,9 @@
           <a:bodyPr/>
           <a:lstStyle/>
           <a:p>
-            <a:fld id="{6A641EC8-C9F8-4A58-A1A7-F7D817526EEC}" type="slidenum">
+            <a:fld id="{3AE2EC8F-0D0C-480E-9701-891381D03195}" type="slidenum">
               <a:rPr lang="en-GB" smtClean="0"/>
-              <a:t>3</a:t>
+              <a:t>2</a:t>
             </a:fld>
             <a:endParaRPr lang="en-GB"/>
           </a:p>
@@ -2966,7 +2977,7 @@
     </p:spTree>
     <p:extLst>
       <p:ext uri="{BB962C8B-B14F-4D97-AF65-F5344CB8AC3E}">
-        <p14:creationId xmlns:p14="http://schemas.microsoft.com/office/powerpoint/2010/main" val="2283586298"/>
+        <p14:creationId xmlns:p14="http://schemas.microsoft.com/office/powerpoint/2010/main" val="2116338273"/>
       </p:ext>
     </p:extLst>
   </p:cSld>
@@ -3022,46 +3033,43 @@
           <a:p>
             <a:r>
               <a:rPr lang="en-GB" dirty="0"/>
-              <a:t>LaTeX makes the management of referencing different sections and constructs within the document very easy. The first step is to label the thing you want to reference using the “label” command and specifying the keyword you want to use to reference that entity. If this command is within an equation, figure, table and so on, that is what is being given that label. If it’s not in any of these constructs, the label will be applied to the current section or chapter.</a:t>
-            </a:r>
-          </a:p>
-          <a:p>
-            <a:endParaRPr lang="en-GB" dirty="0"/>
-          </a:p>
-          <a:p>
-            <a:r>
-              <a:rPr lang="en-GB" dirty="0"/>
-              <a:t>The name you label something with can be anything and will not appear anywhere in your final document, but it must be a unique label. It is wise to make the label something relevant to the construct it is labelling. You may also want to give a prefix such as “</a:t>
+              <a:t>Tables can be included in LaTeX documents in a similar way to figures. The first command “\begin{table}” tells LaTeX to expect a table. In this case, we’ve chosen to include a “h” in square brackets to tell LaTeX to put the table as close as possible to the location it’s been specified in the text. Again, the “</a:t>
             </a:r>
             <a:r>
               <a:rPr lang="en-GB" dirty="0" err="1"/>
-              <a:t>eq</a:t>
-            </a:r>
-            <a:r>
-              <a:rPr lang="en-GB" dirty="0"/>
-              <a:t>:” for equations, or “sec:” for sections. This makes it less likely you will accidentally create duplicate labels, and makes it easier to see what labels apply to.</a:t>
-            </a:r>
-          </a:p>
-          <a:p>
-            <a:endParaRPr lang="en-GB" dirty="0"/>
-          </a:p>
-          <a:p>
-            <a:r>
-              <a:rPr lang="en-GB" dirty="0"/>
-              <a:t>The next step is to reference the entity you labelled. This is typically done using the “ref” command, which is followed by the label of the entity you wish to reference in curly brackets. In the text, this is replaced by the number of the entity referenced. For instance, if you reference the second section, the label command will be replaced by the number “2</a:t>
-            </a:r>
-            <a:r>
-              <a:rPr lang="en-GB"/>
-              <a:t>”. </a:t>
-            </a:r>
-          </a:p>
-          <a:p>
+              <a:t>centering</a:t>
+            </a:r>
+            <a:r>
+              <a:rPr lang="en-GB" dirty="0"/>
+              <a:t>” causes the table to be </a:t>
+            </a:r>
+            <a:r>
+              <a:rPr lang="en-GB" dirty="0" err="1"/>
+              <a:t>centered</a:t>
+            </a:r>
+            <a:r>
+              <a:rPr lang="en-GB" dirty="0"/>
+              <a:t> horizontally on the page.</a:t>
+            </a:r>
             <a:br>
               <a:rPr lang="en-GB" dirty="0"/>
             </a:br>
-            <a:r>
-              <a:rPr lang="en-GB" dirty="0"/>
-              <a:t>Note that you can reference labelled entities that occur before or after the reference in the .</a:t>
+            <a:br>
+              <a:rPr lang="en-GB" dirty="0"/>
+            </a:br>
+            <a:r>
+              <a:rPr lang="en-GB" dirty="0"/>
+              <a:t>Within the “tabular” environment we specify the contents of the table. In the curly brackets immediately after we begin this environment we specify the columns, their alignment and any lines between the columns. Here we have specified that we want text in the left column to be left aligned within the column, text in the middle column to be centre-aligned and text in the rightmost column to be right-aligned within that column. The vertical line between the specification of the first and second column specifies that a vertical line is to be included in the table. If we don’t want a vertical line, as between columns 2 and 3, we don’t include a line.</a:t>
+            </a:r>
+            <a:br>
+              <a:rPr lang="en-GB" dirty="0"/>
+            </a:br>
+            <a:br>
+              <a:rPr lang="en-GB" dirty="0"/>
+            </a:br>
+            <a:r>
+              <a:rPr lang="en-GB" dirty="0"/>
+              <a:t>Next, we begin to specify the contents of the table itself. We do this row by row, with rows separated by a double backslash. It’s not required to put each line of the table on a new line of your .</a:t>
             </a:r>
             <a:r>
               <a:rPr lang="en-GB" dirty="0" err="1"/>
@@ -3069,24 +3077,44 @@
             </a:r>
             <a:r>
               <a:rPr lang="en-GB" dirty="0"/>
-              <a:t> file. If you update your </a:t>
+              <a:t> file, but it’s a good idea as it makes your file easier to read. Ampersands separate the specification of material within each column of the current row. In this case, for row 1, we include an ampersand before any text, causing the first column of row 1 to be empty. In rows 2 and 3 we specify something before the ampersand, so column 1 has entries in these rows.</a:t>
+            </a:r>
+            <a:br>
+              <a:rPr lang="en-GB" dirty="0"/>
+            </a:br>
+            <a:br>
+              <a:rPr lang="en-GB" dirty="0"/>
+            </a:br>
+            <a:r>
+              <a:rPr lang="en-GB" dirty="0"/>
+              <a:t>Between the specification of lines 1 and 2 we use the “</a:t>
             </a:r>
             <a:r>
               <a:rPr lang="en-GB" dirty="0" err="1"/>
-              <a:t>tex</a:t>
-            </a:r>
-            <a:r>
-              <a:rPr lang="en-GB" dirty="0"/>
-              <a:t> file to include more equations, causing the number of the referenced equation to change, the number which appears in the reference will also change in your pdf when you recompile it. This means you can undertake wide-ranging restructuring of your document and references will still automatically point to the right place.</a:t>
-            </a:r>
-          </a:p>
-          <a:p>
+              <a:t>hline</a:t>
+            </a:r>
+            <a:r>
+              <a:rPr lang="en-GB" dirty="0"/>
+              <a:t>” command to specify the inclusion of a horizontal line between these rows. Finally, we end the tabular and table environment with the corresponding “end” commands.</a:t>
+            </a:r>
+            <a:br>
+              <a:rPr lang="en-GB" dirty="0"/>
+            </a:br>
             <a:endParaRPr lang="en-GB" dirty="0"/>
           </a:p>
           <a:p>
             <a:r>
               <a:rPr lang="en-GB" dirty="0"/>
-              <a:t>Overleaf example: https://www.overleaf.com/read/xcdwqnttrqzp</a:t>
+              <a:t>Overleaf example: https://www.overleaf.com/read/dbmrcfcdhgsg</a:t>
+            </a:r>
+          </a:p>
+          <a:p>
+            <a:br>
+              <a:rPr lang="en-GB" dirty="0"/>
+            </a:br>
+            <a:r>
+              <a:rPr lang="en-GB" dirty="0"/>
+              <a:t>Break for section 7 of Task Sheet</a:t>
             </a:r>
           </a:p>
         </p:txBody>
@@ -3108,7 +3136,7 @@
           <a:p>
             <a:fld id="{6A641EC8-C9F8-4A58-A1A7-F7D817526EEC}" type="slidenum">
               <a:rPr lang="en-GB" smtClean="0"/>
-              <a:t>21</a:t>
+              <a:t>20</a:t>
             </a:fld>
             <a:endParaRPr lang="en-GB"/>
           </a:p>
@@ -3117,7 +3145,7 @@
     </p:spTree>
     <p:extLst>
       <p:ext uri="{BB962C8B-B14F-4D97-AF65-F5344CB8AC3E}">
-        <p14:creationId xmlns:p14="http://schemas.microsoft.com/office/powerpoint/2010/main" val="1655301024"/>
+        <p14:creationId xmlns:p14="http://schemas.microsoft.com/office/powerpoint/2010/main" val="286372603"/>
       </p:ext>
     </p:extLst>
   </p:cSld>
@@ -3173,25 +3201,71 @@
           <a:p>
             <a:r>
               <a:rPr lang="en-GB" dirty="0"/>
-              <a:t>Publications often have dozens of citations and your thesis is likely to have dozens or hundreds of references and so a good way to manage with your references is desirable. There are many ways to manage your references and many ways to personalise your citations. We’re going to run through one way to achieve a streamlined approach to referencing.</a:t>
-            </a:r>
+              <a:t>LaTeX makes the management of referencing different sections and constructs within the document very easy. The first step is to label the thing you want to reference using the “label” command and specifying the keyword you want to use to reference that entity. If this command is within an equation, figure, table and so on, that is what is being given that label. If it’s not in any of these constructs, the label will be applied to the current section or chapter.</a:t>
+            </a:r>
+          </a:p>
+          <a:p>
+            <a:endParaRPr lang="en-GB" dirty="0"/>
+          </a:p>
+          <a:p>
+            <a:r>
+              <a:rPr lang="en-GB" dirty="0"/>
+              <a:t>The name you label something with can be anything and will not appear anywhere in your final document, but it must be a unique label. It is wise to make the label something relevant to the construct it is labelling. You may also want to give a prefix such as “</a:t>
+            </a:r>
+            <a:r>
+              <a:rPr lang="en-GB" dirty="0" err="1"/>
+              <a:t>eq</a:t>
+            </a:r>
+            <a:r>
+              <a:rPr lang="en-GB" dirty="0"/>
+              <a:t>:” for equations, or “sec:” for sections. This makes it less likely you will accidentally create duplicate labels, and makes it easier to see what labels apply to.</a:t>
+            </a:r>
+          </a:p>
+          <a:p>
+            <a:endParaRPr lang="en-GB" dirty="0"/>
+          </a:p>
+          <a:p>
+            <a:r>
+              <a:rPr lang="en-GB" dirty="0"/>
+              <a:t>The next step is to reference the entity you labelled. This is typically done using the “ref” command, which is followed by the label of the entity you wish to reference in curly brackets. In the text, this is replaced by the number of the entity referenced. For instance, if you reference the second section, the label command will be replaced by the number “2</a:t>
+            </a:r>
+            <a:r>
+              <a:rPr lang="en-GB"/>
+              <a:t>”. </a:t>
+            </a:r>
+          </a:p>
+          <a:p>
             <a:br>
               <a:rPr lang="en-GB" dirty="0"/>
             </a:br>
-            <a:br>
-              <a:rPr lang="en-GB" dirty="0"/>
-            </a:br>
-            <a:r>
-              <a:rPr lang="en-GB" dirty="0"/>
-              <a:t>Many reference managers such as EndNote, Mendeley and </a:t>
+            <a:r>
+              <a:rPr lang="en-GB" dirty="0"/>
+              <a:t>Note that you can reference labelled entities that occur before or after the reference in the .</a:t>
             </a:r>
             <a:r>
               <a:rPr lang="en-GB" dirty="0" err="1"/>
-              <a:t>JabRef</a:t>
-            </a:r>
-            <a:r>
-              <a:rPr lang="en-GB" dirty="0"/>
-              <a:t> allow for your database of references to be exported as a “.bib” file. This is essentially a database of your references that LaTeX can interact with directly. This means you only need to enter your reference details once in your reference manager and it will feed through to your LaTeX documents including your thesis. If you combine this with the automatic population of fields in your reference manager you will never need to manually write the author of a reference again. This saves a lot of time and effort you can better spend elsewhere.</a:t>
+              <a:t>tex</a:t>
+            </a:r>
+            <a:r>
+              <a:rPr lang="en-GB" dirty="0"/>
+              <a:t> file. If you update your </a:t>
+            </a:r>
+            <a:r>
+              <a:rPr lang="en-GB" dirty="0" err="1"/>
+              <a:t>tex</a:t>
+            </a:r>
+            <a:r>
+              <a:rPr lang="en-GB" dirty="0"/>
+              <a:t> file to include more equations, causing the number of the referenced equation to change, the number which appears in the reference will also change in your pdf when you recompile it. This means you can undertake wide-ranging restructuring of your document and references will still automatically point to the right place.</a:t>
+            </a:r>
+          </a:p>
+          <a:p>
+            <a:endParaRPr lang="en-GB" dirty="0"/>
+          </a:p>
+          <a:p>
+            <a:r>
+              <a:rPr lang="en-GB" dirty="0"/>
+              <a:t>Overleaf example: https://www.overleaf.com/read/xcdwqnttrqzp</a:t>
             </a:r>
           </a:p>
         </p:txBody>
@@ -3213,7 +3287,7 @@
           <a:p>
             <a:fld id="{6A641EC8-C9F8-4A58-A1A7-F7D817526EEC}" type="slidenum">
               <a:rPr lang="en-GB" smtClean="0"/>
-              <a:t>22</a:t>
+              <a:t>21</a:t>
             </a:fld>
             <a:endParaRPr lang="en-GB"/>
           </a:p>
@@ -3222,7 +3296,7 @@
     </p:spTree>
     <p:extLst>
       <p:ext uri="{BB962C8B-B14F-4D97-AF65-F5344CB8AC3E}">
-        <p14:creationId xmlns:p14="http://schemas.microsoft.com/office/powerpoint/2010/main" val="1094947271"/>
+        <p14:creationId xmlns:p14="http://schemas.microsoft.com/office/powerpoint/2010/main" val="1655301024"/>
       </p:ext>
     </p:extLst>
   </p:cSld>
@@ -3278,31 +3352,7 @@
           <a:p>
             <a:r>
               <a:rPr lang="en-GB" dirty="0"/>
-              <a:t>A “.bib” file consists of one entry for each reference. An new entry is begun with a “@” symbol and the name of the type of entry it is. Here, we have one article and one book. There are many other types such as “report”, “conference” and even “</a:t>
-            </a:r>
-            <a:r>
-              <a:rPr lang="en-GB" dirty="0" err="1"/>
-              <a:t>phdthesis</a:t>
-            </a:r>
-            <a:r>
-              <a:rPr lang="en-GB" dirty="0"/>
-              <a:t>”. See here for some more examples: </a:t>
-            </a:r>
-            <a:r>
-              <a:rPr lang="en-GB" dirty="0">
-                <a:hlinkClick r:id="rId3"/>
-              </a:rPr>
-              <a:t>https://www.verbosus.com/bibtex-style-examples.html</a:t>
-            </a:r>
-            <a:endParaRPr lang="en-GB" dirty="0"/>
-          </a:p>
-          <a:p>
-            <a:endParaRPr lang="en-GB" dirty="0"/>
-          </a:p>
-          <a:p>
-            <a:r>
-              <a:rPr lang="en-GB" dirty="0"/>
-              <a:t> Within curly brackets, the first entry is a label for your reference. Following that, we then have a series of fields which define the contents of the reference. These come in the format “field name = field value” and are separated by commas. Different entries are valid for different entry types. For instance, both our entries here have “author”, “title” and “year” fields but the article has the fields “journal”, “volume”, “number” and “pages” fields whilst the book has a “publisher” field.</a:t>
+              <a:t>Publications often have dozens of citations and your thesis is likely to have dozens or hundreds of references and so a good way to manage with your references is desirable. There are many ways to manage your references and many ways to personalise your citations. We’re going to run through one way to achieve a streamlined approach to referencing.</a:t>
             </a:r>
             <a:br>
               <a:rPr lang="en-GB" dirty="0"/>
@@ -3312,24 +3362,15 @@
             </a:br>
             <a:r>
               <a:rPr lang="en-GB" dirty="0"/>
-              <a:t>When you compile your main .</a:t>
+              <a:t>Many reference managers such as EndNote, Mendeley and </a:t>
             </a:r>
             <a:r>
               <a:rPr lang="en-GB" dirty="0" err="1"/>
-              <a:t>tex</a:t>
-            </a:r>
-            <a:r>
-              <a:rPr lang="en-GB" dirty="0"/>
-              <a:t> file, your bibliography will appear and any entries that are cited will appear in your bibliography. By default, entries you have not cited will not be included.</a:t>
-            </a:r>
-          </a:p>
-          <a:p>
-            <a:endParaRPr lang="en-GB" dirty="0"/>
-          </a:p>
-          <a:p>
-            <a:r>
-              <a:rPr lang="en-GB" dirty="0"/>
-              <a:t>Overleaf example: https://www.overleaf.com/read/tfrbytxxqszf</a:t>
+              <a:t>JabRef</a:t>
+            </a:r>
+            <a:r>
+              <a:rPr lang="en-GB" dirty="0"/>
+              <a:t> allow for your database of references to be exported as a “.bib” file. This is essentially a database of your references that LaTeX can interact with directly. This means you only need to enter your reference details once in your reference manager and it will feed through to your LaTeX documents including your thesis. If you combine this with the automatic population of fields in your reference manager you will never need to manually write the author of a reference again. This saves a lot of time and effort you can better spend elsewhere.</a:t>
             </a:r>
           </a:p>
         </p:txBody>
@@ -3351,7 +3392,7 @@
           <a:p>
             <a:fld id="{6A641EC8-C9F8-4A58-A1A7-F7D817526EEC}" type="slidenum">
               <a:rPr lang="en-GB" smtClean="0"/>
-              <a:t>23</a:t>
+              <a:t>22</a:t>
             </a:fld>
             <a:endParaRPr lang="en-GB"/>
           </a:p>
@@ -3360,7 +3401,7 @@
     </p:spTree>
     <p:extLst>
       <p:ext uri="{BB962C8B-B14F-4D97-AF65-F5344CB8AC3E}">
-        <p14:creationId xmlns:p14="http://schemas.microsoft.com/office/powerpoint/2010/main" val="2985834625"/>
+        <p14:creationId xmlns:p14="http://schemas.microsoft.com/office/powerpoint/2010/main" val="1094947271"/>
       </p:ext>
     </p:extLst>
   </p:cSld>
@@ -3416,7 +3457,41 @@
           <a:p>
             <a:r>
               <a:rPr lang="en-GB" dirty="0"/>
-              <a:t>In your main .</a:t>
+              <a:t>A “.bib” file consists of one entry for each reference. An new entry is begun with a “@” symbol and the name of the type of entry it is. Here, we have one article and one book. There are many other types such as “report”, “conference” and even “</a:t>
+            </a:r>
+            <a:r>
+              <a:rPr lang="en-GB" dirty="0" err="1"/>
+              <a:t>phdthesis</a:t>
+            </a:r>
+            <a:r>
+              <a:rPr lang="en-GB" dirty="0"/>
+              <a:t>”. See here for some more examples: </a:t>
+            </a:r>
+            <a:r>
+              <a:rPr lang="en-GB" dirty="0">
+                <a:hlinkClick r:id="rId3"/>
+              </a:rPr>
+              <a:t>https://www.verbosus.com/bibtex-style-examples.html</a:t>
+            </a:r>
+            <a:endParaRPr lang="en-GB" dirty="0"/>
+          </a:p>
+          <a:p>
+            <a:endParaRPr lang="en-GB" dirty="0"/>
+          </a:p>
+          <a:p>
+            <a:r>
+              <a:rPr lang="en-GB" dirty="0"/>
+              <a:t> Within curly brackets, the first entry is a label for your reference. Following that, we then have a series of fields which define the contents of the reference. These come in the format “field name = field value” and are separated by commas. Different entries are valid for different entry types. For instance, both our entries here have “author”, “title” and “year” fields but the article has the fields “journal”, “volume”, “number” and “pages” fields whilst the book has a “publisher” field.</a:t>
+            </a:r>
+            <a:br>
+              <a:rPr lang="en-GB" dirty="0"/>
+            </a:br>
+            <a:br>
+              <a:rPr lang="en-GB" dirty="0"/>
+            </a:br>
+            <a:r>
+              <a:rPr lang="en-GB" dirty="0"/>
+              <a:t>When you compile your main .</a:t>
             </a:r>
             <a:r>
               <a:rPr lang="en-GB" dirty="0" err="1"/>
@@ -3424,79 +3499,17 @@
             </a:r>
             <a:r>
               <a:rPr lang="en-GB" dirty="0"/>
-              <a:t> file, you need to use the package “</a:t>
-            </a:r>
-            <a:r>
-              <a:rPr lang="en-GB" dirty="0" err="1"/>
-              <a:t>natbib</a:t>
-            </a:r>
-            <a:r>
-              <a:rPr lang="en-GB" dirty="0"/>
-              <a:t>” in your preamble. You can then cite a reference using the “</a:t>
-            </a:r>
-            <a:r>
-              <a:rPr lang="en-GB" dirty="0" err="1"/>
-              <a:t>citet</a:t>
-            </a:r>
-            <a:r>
-              <a:rPr lang="en-GB" dirty="0"/>
-              <a:t>” command with the label of the reference. This produces a reference which is “textual” in the sense that the author name is written in normal text as if it’s being read as part of the sentence. You can also use “</a:t>
-            </a:r>
-            <a:r>
-              <a:rPr lang="en-GB" dirty="0" err="1"/>
-              <a:t>citep</a:t>
-            </a:r>
-            <a:r>
-              <a:rPr lang="en-GB" dirty="0"/>
-              <a:t>” to include the entire reference within brackets. This can be useful for when you don’t intend for the reference to be read as part of the sentence, but to act as an addendum.</a:t>
-            </a:r>
-            <a:br>
-              <a:rPr lang="en-GB" dirty="0"/>
-            </a:br>
-            <a:br>
-              <a:rPr lang="en-GB" dirty="0"/>
-            </a:br>
-            <a:r>
-              <a:rPr lang="en-GB" dirty="0"/>
-              <a:t>After the main body of your text, select a bibliography style (we’ll use “</a:t>
-            </a:r>
-            <a:r>
-              <a:rPr lang="en-GB" dirty="0" err="1"/>
-              <a:t>plainnat</a:t>
-            </a:r>
-            <a:r>
-              <a:rPr lang="en-GB" dirty="0"/>
-              <a:t>” for now). Then, use the “\bibliography” command to actually insert your bibliography into your text. This is followed by the name of your “.bib” file in curly brackets (do not include the “.bib” extension here).</a:t>
+              <a:t> file, your bibliography will appear and any entries that are cited will appear in your bibliography. By default, entries you have not cited will not be included.</a:t>
             </a:r>
           </a:p>
           <a:p>
             <a:endParaRPr lang="en-GB" dirty="0"/>
           </a:p>
           <a:p>
-            <a:pPr marL="0" marR="0" lvl="0" indent="0" algn="l" defTabSz="914400" rtl="0" eaLnBrk="1" fontAlgn="auto" latinLnBrk="0" hangingPunct="1">
-              <a:lnSpc>
-                <a:spcPct val="100000"/>
-              </a:lnSpc>
-              <a:spcBef>
-                <a:spcPts val="0"/>
-              </a:spcBef>
-              <a:spcAft>
-                <a:spcPts val="0"/>
-              </a:spcAft>
-              <a:buClrTx/>
-              <a:buSzTx/>
-              <a:buFontTx/>
-              <a:buNone/>
-              <a:tabLst/>
-              <a:defRPr/>
-            </a:pPr>
             <a:r>
               <a:rPr lang="en-GB" dirty="0"/>
               <a:t>Overleaf example: https://www.overleaf.com/read/tfrbytxxqszf</a:t>
             </a:r>
-          </a:p>
-          <a:p>
-            <a:endParaRPr lang="en-GB" dirty="0"/>
           </a:p>
         </p:txBody>
       </p:sp>
@@ -3517,7 +3530,7 @@
           <a:p>
             <a:fld id="{6A641EC8-C9F8-4A58-A1A7-F7D817526EEC}" type="slidenum">
               <a:rPr lang="en-GB" smtClean="0"/>
-              <a:t>24</a:t>
+              <a:t>23</a:t>
             </a:fld>
             <a:endParaRPr lang="en-GB"/>
           </a:p>
@@ -3526,7 +3539,7 @@
     </p:spTree>
     <p:extLst>
       <p:ext uri="{BB962C8B-B14F-4D97-AF65-F5344CB8AC3E}">
-        <p14:creationId xmlns:p14="http://schemas.microsoft.com/office/powerpoint/2010/main" val="529073958"/>
+        <p14:creationId xmlns:p14="http://schemas.microsoft.com/office/powerpoint/2010/main" val="2985834625"/>
       </p:ext>
     </p:extLst>
   </p:cSld>
@@ -3582,16 +3595,39 @@
           <a:p>
             <a:r>
               <a:rPr lang="en-GB" dirty="0"/>
-              <a:t>As LaTeX runs, it keeps a log of what it’s doing. Most of these messages can be safely ignored. However, one class of message that is very helpful is the error message. Overleaf, like all LaTeX compilers will keep a log of all messages is generated. When LaTeX hits a section of code with an error, it will typically generate a number of useful messages and then stop progressing further. If you carefully read the messages, they often lead you straight to the source of the error.</a:t>
-            </a:r>
-          </a:p>
-          <a:p>
-            <a:endParaRPr lang="en-GB" dirty="0"/>
-          </a:p>
-          <a:p>
-            <a:r>
-              <a:rPr lang="en-GB" dirty="0"/>
-              <a:t>LaTeX will normally tell you what the error is and on what line of the file the error occurred. Overleaf takes this a step further and shows you a small error symbol next to the line number. You can hover over this to read the error message. The full message log can be read by clicking the “Log and Output Files” button next to the “Recompile” button just above where the pdf is normally displayed. </a:t>
+              <a:t>In your main .</a:t>
+            </a:r>
+            <a:r>
+              <a:rPr lang="en-GB" dirty="0" err="1"/>
+              <a:t>tex</a:t>
+            </a:r>
+            <a:r>
+              <a:rPr lang="en-GB" dirty="0"/>
+              <a:t> file, you need to use the package “</a:t>
+            </a:r>
+            <a:r>
+              <a:rPr lang="en-GB" dirty="0" err="1"/>
+              <a:t>natbib</a:t>
+            </a:r>
+            <a:r>
+              <a:rPr lang="en-GB" dirty="0"/>
+              <a:t>” in your preamble. You can then cite a reference using the “</a:t>
+            </a:r>
+            <a:r>
+              <a:rPr lang="en-GB" dirty="0" err="1"/>
+              <a:t>citet</a:t>
+            </a:r>
+            <a:r>
+              <a:rPr lang="en-GB" dirty="0"/>
+              <a:t>” command with the label of the reference. This produces a reference which is “textual” in the sense that the author name is written in normal text as if it’s being read as part of the sentence. You can also use “</a:t>
+            </a:r>
+            <a:r>
+              <a:rPr lang="en-GB" dirty="0" err="1"/>
+              <a:t>citep</a:t>
+            </a:r>
+            <a:r>
+              <a:rPr lang="en-GB" dirty="0"/>
+              <a:t>” to include the entire reference within brackets. This can be useful for when you don’t intend for the reference to be read as part of the sentence, but to act as an addendum.</a:t>
             </a:r>
             <a:br>
               <a:rPr lang="en-GB" dirty="0"/>
@@ -3601,54 +3637,45 @@
             </a:br>
             <a:r>
               <a:rPr lang="en-GB" dirty="0"/>
-              <a:t>When you receive an error from LaTeX (in Overleaf, or from whatever LaTeX compiler you’re using), read the error message, edit your </a:t>
+              <a:t>After the main body of your text, select a bibliography style (we’ll use “</a:t>
             </a:r>
             <a:r>
               <a:rPr lang="en-GB" dirty="0" err="1"/>
-              <a:t>tex</a:t>
-            </a:r>
-            <a:r>
-              <a:rPr lang="en-GB" dirty="0"/>
-              <a:t> file to correct the error and recompile the pdf. Hopefully you will have fixed the error. Otherwise, you’ll receive another error message.</a:t>
-            </a:r>
-            <a:br>
-              <a:rPr lang="en-GB" dirty="0"/>
-            </a:br>
-            <a:br>
-              <a:rPr lang="en-GB" dirty="0"/>
-            </a:br>
-            <a:r>
-              <a:rPr lang="en-GB" dirty="0"/>
-              <a:t>LaTeX will also give you warnings, telling you if there was something it wasn’t sure what to do with, but was able to complete the document in any case. It’s also a good idea to look through the entire pdf by eye for anywhere that you’ve given a valid instruction, but one that has produced a different result to what you wanted.</a:t>
+              <a:t>plainnat</a:t>
+            </a:r>
+            <a:r>
+              <a:rPr lang="en-GB" dirty="0"/>
+              <a:t>” for now). Then, use the “\bibliography” command to actually insert your bibliography into your text. This is followed by the name of your “.bib” file in curly brackets (do not include the “.bib” extension here).</a:t>
             </a:r>
           </a:p>
           <a:p>
             <a:endParaRPr lang="en-GB" dirty="0"/>
           </a:p>
           <a:p>
-            <a:r>
-              <a:rPr lang="en-GB" dirty="0"/>
-              <a:t>When tackling errors, it’s often worth correcting the earliest error first – sometimes doing so will fix subsequent errors.</a:t>
-            </a:r>
-            <a:br>
-              <a:rPr lang="en-GB" dirty="0"/>
-            </a:br>
+            <a:pPr marL="0" marR="0" lvl="0" indent="0" algn="l" defTabSz="914400" rtl="0" eaLnBrk="1" fontAlgn="auto" latinLnBrk="0" hangingPunct="1">
+              <a:lnSpc>
+                <a:spcPct val="100000"/>
+              </a:lnSpc>
+              <a:spcBef>
+                <a:spcPts val="0"/>
+              </a:spcBef>
+              <a:spcAft>
+                <a:spcPts val="0"/>
+              </a:spcAft>
+              <a:buClrTx/>
+              <a:buSzTx/>
+              <a:buFontTx/>
+              <a:buNone/>
+              <a:tabLst/>
+              <a:defRPr/>
+            </a:pPr>
+            <a:r>
+              <a:rPr lang="en-GB" dirty="0"/>
+              <a:t>Overleaf example: https://www.overleaf.com/read/tfrbytxxqszf</a:t>
+            </a:r>
+          </a:p>
+          <a:p>
             <a:endParaRPr lang="en-GB" dirty="0"/>
-          </a:p>
-          <a:p>
-            <a:r>
-              <a:rPr lang="en-GB" dirty="0"/>
-              <a:t>Latex example: https://www.overleaf.com/read/gnzphcnqgfvf</a:t>
-            </a:r>
-          </a:p>
-          <a:p>
-            <a:br>
-              <a:rPr lang="en-GB" dirty="0"/>
-            </a:br>
-            <a:r>
-              <a:rPr lang="en-GB" dirty="0"/>
-              <a:t>Break for section 10 of Task Sheet. </a:t>
-            </a:r>
           </a:p>
         </p:txBody>
       </p:sp>
@@ -3669,7 +3696,7 @@
           <a:p>
             <a:fld id="{6A641EC8-C9F8-4A58-A1A7-F7D817526EEC}" type="slidenum">
               <a:rPr lang="en-GB" smtClean="0"/>
-              <a:t>25</a:t>
+              <a:t>24</a:t>
             </a:fld>
             <a:endParaRPr lang="en-GB"/>
           </a:p>
@@ -3678,7 +3705,7 @@
     </p:spTree>
     <p:extLst>
       <p:ext uri="{BB962C8B-B14F-4D97-AF65-F5344CB8AC3E}">
-        <p14:creationId xmlns:p14="http://schemas.microsoft.com/office/powerpoint/2010/main" val="2643096923"/>
+        <p14:creationId xmlns:p14="http://schemas.microsoft.com/office/powerpoint/2010/main" val="529073958"/>
       </p:ext>
     </p:extLst>
   </p:cSld>
@@ -3734,23 +3761,16 @@
           <a:p>
             <a:r>
               <a:rPr lang="en-GB" dirty="0"/>
-              <a:t>If you’re working on a document to submit to a journal, there are a number of things to bear in mind. Many journals have custom </a:t>
-            </a:r>
-            <a:r>
-              <a:rPr lang="en-GB" dirty="0" err="1"/>
-              <a:t>documentclasses</a:t>
-            </a:r>
-            <a:r>
-              <a:rPr lang="en-GB" dirty="0"/>
-              <a:t> which they make available and you can chose to use when submitting. Some journals might require you to use their </a:t>
-            </a:r>
-            <a:r>
-              <a:rPr lang="en-GB" dirty="0" err="1"/>
-              <a:t>documentclass</a:t>
-            </a:r>
-            <a:r>
-              <a:rPr lang="en-GB" dirty="0"/>
-              <a:t> when submitting.</a:t>
+              <a:t>As LaTeX runs, it keeps a log of what it’s doing. Most of these messages can be safely ignored. However, one class of message that is very helpful is the error message. Overleaf, like all LaTeX compilers will keep a log of all messages is generated. When LaTeX hits a section of code with an error, it will typically generate a number of useful messages and then stop progressing further. If you carefully read the messages, they often lead you straight to the source of the error.</a:t>
+            </a:r>
+          </a:p>
+          <a:p>
+            <a:endParaRPr lang="en-GB" dirty="0"/>
+          </a:p>
+          <a:p>
+            <a:r>
+              <a:rPr lang="en-GB" dirty="0"/>
+              <a:t>LaTeX will normally tell you what the error is and on what line of the file the error occurred. Overleaf takes this a step further and shows you a small error symbol next to the line number. You can hover over this to read the error message. The full message log can be read by clicking the “Log and Output Files” button next to the “Recompile” button just above where the pdf is normally displayed. </a:t>
             </a:r>
             <a:br>
               <a:rPr lang="en-GB" dirty="0"/>
@@ -3760,15 +3780,53 @@
             </a:br>
             <a:r>
               <a:rPr lang="en-GB" dirty="0"/>
-              <a:t>In many cases you can submit your LaTeX source files to the journal as well. This aids the typesetters at the journal in working on your document. For many journals, </a:t>
+              <a:t>When you receive an error from LaTeX (in Overleaf, or from whatever LaTeX compiler you’re using), read the error message, edit your </a:t>
             </a:r>
             <a:r>
               <a:rPr lang="en-GB" dirty="0" err="1"/>
-              <a:t>typsetters</a:t>
-            </a:r>
-            <a:r>
-              <a:rPr lang="en-GB" dirty="0"/>
-              <a:t> will alter your script substantially to make sure it fits the standards and style of the journal. This means that you don’t need to make your document look perfect when you submit it. You need it to be easily legible for the reviewers and editors to read, but spending days tweaking fine details might not be a good use of your time. Check the process and requirements of the journal you’re submitting to so you fulfil all their requirements but don’t put in effort that will ultimately be wasted.</a:t>
+              <a:t>tex</a:t>
+            </a:r>
+            <a:r>
+              <a:rPr lang="en-GB" dirty="0"/>
+              <a:t> file to correct the error and recompile the pdf. Hopefully you will have fixed the error. Otherwise, you’ll receive another error message.</a:t>
+            </a:r>
+            <a:br>
+              <a:rPr lang="en-GB" dirty="0"/>
+            </a:br>
+            <a:br>
+              <a:rPr lang="en-GB" dirty="0"/>
+            </a:br>
+            <a:r>
+              <a:rPr lang="en-GB" dirty="0"/>
+              <a:t>LaTeX will also give you warnings, telling you if there was something it wasn’t sure what to do with, but was able to complete the document in any case. It’s also a good idea to look through the entire pdf by eye for anywhere that you’ve given a valid instruction, but one that has produced a different result to what you wanted.</a:t>
+            </a:r>
+          </a:p>
+          <a:p>
+            <a:endParaRPr lang="en-GB" dirty="0"/>
+          </a:p>
+          <a:p>
+            <a:r>
+              <a:rPr lang="en-GB" dirty="0"/>
+              <a:t>When tackling errors, it’s often worth correcting the earliest error first – sometimes doing so will fix subsequent errors.</a:t>
+            </a:r>
+            <a:br>
+              <a:rPr lang="en-GB" dirty="0"/>
+            </a:br>
+            <a:endParaRPr lang="en-GB" dirty="0"/>
+          </a:p>
+          <a:p>
+            <a:r>
+              <a:rPr lang="en-GB" dirty="0"/>
+              <a:t>Latex example: https://www.overleaf.com/read/gnzphcnqgfvf</a:t>
+            </a:r>
+          </a:p>
+          <a:p>
+            <a:br>
+              <a:rPr lang="en-GB" dirty="0"/>
+            </a:br>
+            <a:r>
+              <a:rPr lang="en-GB" dirty="0"/>
+              <a:t>Break for section 10 of Task Sheet. </a:t>
             </a:r>
           </a:p>
         </p:txBody>
@@ -3790,7 +3848,7 @@
           <a:p>
             <a:fld id="{6A641EC8-C9F8-4A58-A1A7-F7D817526EEC}" type="slidenum">
               <a:rPr lang="en-GB" smtClean="0"/>
-              <a:t>26</a:t>
+              <a:t>25</a:t>
             </a:fld>
             <a:endParaRPr lang="en-GB"/>
           </a:p>
@@ -3799,7 +3857,7 @@
     </p:spTree>
     <p:extLst>
       <p:ext uri="{BB962C8B-B14F-4D97-AF65-F5344CB8AC3E}">
-        <p14:creationId xmlns:p14="http://schemas.microsoft.com/office/powerpoint/2010/main" val="3430040987"/>
+        <p14:creationId xmlns:p14="http://schemas.microsoft.com/office/powerpoint/2010/main" val="2643096923"/>
       </p:ext>
     </p:extLst>
   </p:cSld>
@@ -3855,23 +3913,41 @@
           <a:p>
             <a:r>
               <a:rPr lang="en-GB" dirty="0"/>
-              <a:t>If you want to do something in LaTeX but don’t know how, the first thing to do is to Google it. Somebody has almost certainly had your problem/desire before and you can copy their solution most of the time. On many occasions, you’ll find the answer of </a:t>
+              <a:t>If you’re working on a document to submit to a journal, there are a number of things to bear in mind. Many journals have custom </a:t>
             </a:r>
             <a:r>
               <a:rPr lang="en-GB" dirty="0" err="1"/>
-              <a:t>stackexchange</a:t>
-            </a:r>
-            <a:r>
-              <a:rPr lang="en-GB" dirty="0"/>
-              <a:t>. As well as being a useful environment to develop and run LaTeX, Overleaf has an extensive library of documentation on LaTeX’s functions. There’s also a very good </a:t>
+              <a:t>documentclasses</a:t>
+            </a:r>
+            <a:r>
+              <a:rPr lang="en-GB" dirty="0"/>
+              <a:t> which they make available and you can chose to use when submitting. Some journals might require you to use their </a:t>
             </a:r>
             <a:r>
               <a:rPr lang="en-GB" dirty="0" err="1"/>
-              <a:t>wikibook</a:t>
-            </a:r>
-            <a:r>
-              <a:rPr lang="en-GB" dirty="0"/>
-              <a:t> that contains a good description of the functionality of LaTeX. There’s also a good table maker which allows you to define tables in a more natural and graphical way and have it return the equivalent LaTeX code. Finally, there’s an equation editor which allows you to define equations in a more graphical fashion and have it return the equivalent LaTeX code.</a:t>
+              <a:t>documentclass</a:t>
+            </a:r>
+            <a:r>
+              <a:rPr lang="en-GB" dirty="0"/>
+              <a:t> when submitting.</a:t>
+            </a:r>
+            <a:br>
+              <a:rPr lang="en-GB" dirty="0"/>
+            </a:br>
+            <a:br>
+              <a:rPr lang="en-GB" dirty="0"/>
+            </a:br>
+            <a:r>
+              <a:rPr lang="en-GB" dirty="0"/>
+              <a:t>In many cases you can submit your LaTeX source files to the journal as well. This aids the typesetters at the journal in working on your document. For many journals, </a:t>
+            </a:r>
+            <a:r>
+              <a:rPr lang="en-GB" dirty="0" err="1"/>
+              <a:t>typsetters</a:t>
+            </a:r>
+            <a:r>
+              <a:rPr lang="en-GB" dirty="0"/>
+              <a:t> will alter your script substantially to make sure it fits the standards and style of the journal. This means that you don’t need to make your document look perfect when you submit it. You need it to be easily legible for the reviewers and editors to read, but spending days tweaking fine details might not be a good use of your time. Check the process and requirements of the journal you’re submitting to so you fulfil all their requirements but don’t put in effort that will ultimately be wasted.</a:t>
             </a:r>
           </a:p>
         </p:txBody>
@@ -3893,7 +3969,7 @@
           <a:p>
             <a:fld id="{6A641EC8-C9F8-4A58-A1A7-F7D817526EEC}" type="slidenum">
               <a:rPr lang="en-GB" smtClean="0"/>
-              <a:t>27</a:t>
+              <a:t>26</a:t>
             </a:fld>
             <a:endParaRPr lang="en-GB"/>
           </a:p>
@@ -3902,7 +3978,7 @@
     </p:spTree>
     <p:extLst>
       <p:ext uri="{BB962C8B-B14F-4D97-AF65-F5344CB8AC3E}">
-        <p14:creationId xmlns:p14="http://schemas.microsoft.com/office/powerpoint/2010/main" val="1445805806"/>
+        <p14:creationId xmlns:p14="http://schemas.microsoft.com/office/powerpoint/2010/main" val="3430040987"/>
       </p:ext>
     </p:extLst>
   </p:cSld>
@@ -3956,6 +4032,109 @@
           <a:bodyPr/>
           <a:lstStyle/>
           <a:p>
+            <a:r>
+              <a:rPr lang="en-GB" dirty="0"/>
+              <a:t>If you want to do something in LaTeX but don’t know how, the first thing to do is to Google it. Somebody has almost certainly had your problem/desire before and you can copy their solution most of the time. On many occasions, you’ll find the answer of </a:t>
+            </a:r>
+            <a:r>
+              <a:rPr lang="en-GB" dirty="0" err="1"/>
+              <a:t>stackexchange</a:t>
+            </a:r>
+            <a:r>
+              <a:rPr lang="en-GB" dirty="0"/>
+              <a:t>. As well as being a useful environment to develop and run LaTeX, Overleaf has an extensive library of documentation on LaTeX’s functions. There’s also a very good </a:t>
+            </a:r>
+            <a:r>
+              <a:rPr lang="en-GB" dirty="0" err="1"/>
+              <a:t>wikibook</a:t>
+            </a:r>
+            <a:r>
+              <a:rPr lang="en-GB" dirty="0"/>
+              <a:t> that contains a good description of the functionality of LaTeX. There’s also a good table maker which allows you to define tables in a more natural and graphical way and have it return the equivalent LaTeX code. Finally, there’s an equation editor which allows you to define equations in a more graphical fashion and have it return the equivalent LaTeX code.</a:t>
+            </a:r>
+          </a:p>
+        </p:txBody>
+      </p:sp>
+      <p:sp>
+        <p:nvSpPr>
+          <p:cNvPr id="4" name="Slide Number Placeholder 3"/>
+          <p:cNvSpPr>
+            <a:spLocks noGrp="1"/>
+          </p:cNvSpPr>
+          <p:nvPr>
+            <p:ph type="sldNum" sz="quarter" idx="10"/>
+          </p:nvPr>
+        </p:nvSpPr>
+        <p:spPr/>
+        <p:txBody>
+          <a:bodyPr/>
+          <a:lstStyle/>
+          <a:p>
+            <a:fld id="{6A641EC8-C9F8-4A58-A1A7-F7D817526EEC}" type="slidenum">
+              <a:rPr lang="en-GB" smtClean="0"/>
+              <a:t>27</a:t>
+            </a:fld>
+            <a:endParaRPr lang="en-GB"/>
+          </a:p>
+        </p:txBody>
+      </p:sp>
+    </p:spTree>
+    <p:extLst>
+      <p:ext uri="{BB962C8B-B14F-4D97-AF65-F5344CB8AC3E}">
+        <p14:creationId xmlns:p14="http://schemas.microsoft.com/office/powerpoint/2010/main" val="1445805806"/>
+      </p:ext>
+    </p:extLst>
+  </p:cSld>
+  <p:clrMapOvr>
+    <a:masterClrMapping/>
+  </p:clrMapOvr>
+</p:notes>
+</file>
+
+<file path=ppt/notesSlides/notesSlide28.xml><?xml version="1.0" encoding="utf-8"?>
+<p:notes xmlns:a="http://schemas.openxmlformats.org/drawingml/2006/main" xmlns:r="http://schemas.openxmlformats.org/officeDocument/2006/relationships" xmlns:p="http://schemas.openxmlformats.org/presentationml/2006/main">
+  <p:cSld>
+    <p:spTree>
+      <p:nvGrpSpPr>
+        <p:cNvPr id="1" name=""/>
+        <p:cNvGrpSpPr/>
+        <p:nvPr/>
+      </p:nvGrpSpPr>
+      <p:grpSpPr>
+        <a:xfrm>
+          <a:off x="0" y="0"/>
+          <a:ext cx="0" cy="0"/>
+          <a:chOff x="0" y="0"/>
+          <a:chExt cx="0" cy="0"/>
+        </a:xfrm>
+      </p:grpSpPr>
+      <p:sp>
+        <p:nvSpPr>
+          <p:cNvPr id="2" name="Slide Image Placeholder 1"/>
+          <p:cNvSpPr>
+            <a:spLocks noGrp="1" noRot="1" noChangeAspect="1"/>
+          </p:cNvSpPr>
+          <p:nvPr>
+            <p:ph type="sldImg"/>
+          </p:nvPr>
+        </p:nvSpPr>
+        <p:spPr/>
+      </p:sp>
+      <p:sp>
+        <p:nvSpPr>
+          <p:cNvPr id="3" name="Notes Placeholder 2"/>
+          <p:cNvSpPr>
+            <a:spLocks noGrp="1"/>
+          </p:cNvSpPr>
+          <p:nvPr>
+            <p:ph type="body" idx="1"/>
+          </p:nvPr>
+        </p:nvSpPr>
+        <p:spPr/>
+        <p:txBody>
+          <a:bodyPr/>
+          <a:lstStyle/>
+          <a:p>
             <a:endParaRPr lang="en-GB" dirty="0"/>
           </a:p>
         </p:txBody>
@@ -3996,7 +4175,7 @@
 </p:notes>
 </file>
 
-<file path=ppt/notesSlides/notesSlide28.xml><?xml version="1.0" encoding="utf-8"?>
+<file path=ppt/notesSlides/notesSlide29.xml><?xml version="1.0" encoding="utf-8"?>
 <p:notes xmlns:a="http://schemas.openxmlformats.org/drawingml/2006/main" xmlns:r="http://schemas.openxmlformats.org/officeDocument/2006/relationships" xmlns:p="http://schemas.openxmlformats.org/presentationml/2006/main">
   <p:cSld>
     <p:spTree>
@@ -4312,7 +4491,7 @@
           <a:p>
             <a:fld id="{6A641EC8-C9F8-4A58-A1A7-F7D817526EEC}" type="slidenum">
               <a:rPr lang="en-GB" smtClean="0"/>
-              <a:t>4</a:t>
+              <a:t>3</a:t>
             </a:fld>
             <a:endParaRPr lang="en-GB"/>
           </a:p>
@@ -4321,7 +4500,7 @@
     </p:spTree>
     <p:extLst>
       <p:ext uri="{BB962C8B-B14F-4D97-AF65-F5344CB8AC3E}">
-        <p14:creationId xmlns:p14="http://schemas.microsoft.com/office/powerpoint/2010/main" val="251121805"/>
+        <p14:creationId xmlns:p14="http://schemas.microsoft.com/office/powerpoint/2010/main" val="2283586298"/>
       </p:ext>
     </p:extLst>
   </p:cSld>
@@ -4375,58 +4554,7 @@
           <a:bodyPr/>
           <a:lstStyle/>
           <a:p>
-            <a:r>
-              <a:rPr lang="en-GB" dirty="0"/>
-              <a:t>LaTeX is a powerful and versatile typesetting tool. It’s exceptionally well-suited to the production of high quality technical reports including journal articles and theses. It provides advanced tools to include and customise equations, figures, references, bibliographies including the automation of many tasks. In addition, a large number of optional extensions exist to provide specialist functionality. And if something suiting you doesn’t exist, you can create it yourself.</a:t>
-            </a:r>
-            <a:br>
-              <a:rPr lang="en-GB" dirty="0"/>
-            </a:br>
-            <a:br>
-              <a:rPr lang="en-GB" dirty="0"/>
-            </a:br>
-            <a:r>
-              <a:rPr lang="en-GB" dirty="0"/>
-              <a:t>To use LaTeX, you create a </a:t>
-            </a:r>
-            <a:r>
-              <a:rPr lang="en-GB" dirty="0" err="1"/>
-              <a:t>tex</a:t>
-            </a:r>
-            <a:r>
-              <a:rPr lang="en-GB" dirty="0"/>
-              <a:t> file and then compile it into a pdf. This may be done by invoking terminal commands or through the use of a LaTeX editor, such as </a:t>
-            </a:r>
-            <a:r>
-              <a:rPr lang="en-GB" dirty="0" err="1"/>
-              <a:t>MikTex</a:t>
-            </a:r>
-            <a:r>
-              <a:rPr lang="en-GB" dirty="0"/>
-              <a:t> which can be installed locally on your machine or through an online editor such as Overleaf. You may then edit the </a:t>
-            </a:r>
-            <a:r>
-              <a:rPr lang="en-GB" dirty="0" err="1"/>
-              <a:t>tex</a:t>
-            </a:r>
-            <a:r>
-              <a:rPr lang="en-GB" dirty="0"/>
-              <a:t> file and recompile the pdf and repeat until you’re happy with your final document. Most of this introduction to LaTeX will focus on what may be written into your .</a:t>
-            </a:r>
-            <a:r>
-              <a:rPr lang="en-GB" dirty="0" err="1"/>
-              <a:t>tex</a:t>
-            </a:r>
-            <a:r>
-              <a:rPr lang="en-GB" dirty="0"/>
-              <a:t> file to create different effects in the final pdf.</a:t>
-            </a:r>
-          </a:p>
-          <a:p>
-            <a:r>
-              <a:rPr lang="en-GB" dirty="0"/>
-              <a:t>	</a:t>
-            </a:r>
+            <a:endParaRPr lang="en-GB" dirty="0"/>
           </a:p>
         </p:txBody>
       </p:sp>
@@ -4447,7 +4575,7 @@
           <a:p>
             <a:fld id="{6A641EC8-C9F8-4A58-A1A7-F7D817526EEC}" type="slidenum">
               <a:rPr lang="en-GB" smtClean="0"/>
-              <a:t>5</a:t>
+              <a:t>4</a:t>
             </a:fld>
             <a:endParaRPr lang="en-GB"/>
           </a:p>
@@ -4456,7 +4584,7 @@
     </p:spTree>
     <p:extLst>
       <p:ext uri="{BB962C8B-B14F-4D97-AF65-F5344CB8AC3E}">
-        <p14:creationId xmlns:p14="http://schemas.microsoft.com/office/powerpoint/2010/main" val="2283586298"/>
+        <p14:creationId xmlns:p14="http://schemas.microsoft.com/office/powerpoint/2010/main" val="251121805"/>
       </p:ext>
     </p:extLst>
   </p:cSld>
@@ -4512,11 +4640,7 @@
           <a:p>
             <a:r>
               <a:rPr lang="en-GB" dirty="0"/>
-              <a:t>Overleaf is the online environment which we’ll be using to create and compile your LaTeX documents. College has a subscription to it so, if you sign up with your college email address, you can get the pro-version. </a:t>
-            </a:r>
-            <a:r>
-              <a:rPr lang="en-GB"/>
-              <a:t>You should have already made an account as indicated in the pre-course instructions.</a:t>
+              <a:t>LaTeX is a powerful and versatile typesetting tool. It’s exceptionally well-suited to the production of high quality technical reports including journal articles and theses. It provides advanced tools to include and customise equations, figures, references, bibliographies including the automation of many tasks. In addition, a large number of optional extensions exist to provide specialist functionality. And if something suiting you doesn’t exist, you can create it yourself.</a:t>
             </a:r>
             <a:br>
               <a:rPr lang="en-GB" dirty="0"/>
@@ -4526,25 +4650,45 @@
             </a:br>
             <a:r>
               <a:rPr lang="en-GB" dirty="0"/>
-              <a:t>Overleaf is cross-platform (in the sense it will work on Windows, Mac, Linux, etc). It’s already complete in the sense that all the packages you might need are already installed. It’s easy to use, including auto-complete and a visual indication of where errors have occurred in compilation. It has the ability for collaborative working and allows synchronisation with Dropbox and </a:t>
+              <a:t>To use LaTeX, you create a </a:t>
             </a:r>
             <a:r>
               <a:rPr lang="en-GB" dirty="0" err="1"/>
-              <a:t>github</a:t>
-            </a:r>
-            <a:r>
-              <a:rPr lang="en-GB" dirty="0"/>
-              <a:t> which can allow you carry on working on your documents offline using an offline editor. Overleaf also has an integrated “review system” which might allow your supervisor or collaborator to review your document in the same place that you’re writing it, saving a lot of flipping between documents.</a:t>
-            </a:r>
-            <a:br>
-              <a:rPr lang="en-GB" dirty="0"/>
-            </a:br>
-            <a:br>
-              <a:rPr lang="en-GB" dirty="0"/>
-            </a:br>
-            <a:r>
-              <a:rPr lang="en-GB" dirty="0"/>
-              <a:t>However, the editor itself is only available with an internet connection. Your files are also stored online. If you’re dealing with commercially sensitive data or sensitive data such as patient records, you may not be able to use Overleaf if there are restrictions on where you can store data.</a:t>
+              <a:t>tex</a:t>
+            </a:r>
+            <a:r>
+              <a:rPr lang="en-GB" dirty="0"/>
+              <a:t> file and then compile it into a pdf. This may be done by invoking terminal commands or through the use of a LaTeX editor, such as </a:t>
+            </a:r>
+            <a:r>
+              <a:rPr lang="en-GB" dirty="0" err="1"/>
+              <a:t>MikTex</a:t>
+            </a:r>
+            <a:r>
+              <a:rPr lang="en-GB" dirty="0"/>
+              <a:t> which can be installed locally on your machine or through an online editor such as Overleaf. You may then edit the </a:t>
+            </a:r>
+            <a:r>
+              <a:rPr lang="en-GB" dirty="0" err="1"/>
+              <a:t>tex</a:t>
+            </a:r>
+            <a:r>
+              <a:rPr lang="en-GB" dirty="0"/>
+              <a:t> file and recompile the pdf and repeat until you’re happy with your final document. Most of this introduction to LaTeX will focus on what may be written into your .</a:t>
+            </a:r>
+            <a:r>
+              <a:rPr lang="en-GB" dirty="0" err="1"/>
+              <a:t>tex</a:t>
+            </a:r>
+            <a:r>
+              <a:rPr lang="en-GB" dirty="0"/>
+              <a:t> file to create different effects in the final pdf.</a:t>
+            </a:r>
+          </a:p>
+          <a:p>
+            <a:r>
+              <a:rPr lang="en-GB" dirty="0"/>
+              <a:t>	</a:t>
             </a:r>
           </a:p>
         </p:txBody>
@@ -4566,7 +4710,7 @@
           <a:p>
             <a:fld id="{6A641EC8-C9F8-4A58-A1A7-F7D817526EEC}" type="slidenum">
               <a:rPr lang="en-GB" smtClean="0"/>
-              <a:t>6</a:t>
+              <a:t>5</a:t>
             </a:fld>
             <a:endParaRPr lang="en-GB"/>
           </a:p>
@@ -4575,7 +4719,7 @@
     </p:spTree>
     <p:extLst>
       <p:ext uri="{BB962C8B-B14F-4D97-AF65-F5344CB8AC3E}">
-        <p14:creationId xmlns:p14="http://schemas.microsoft.com/office/powerpoint/2010/main" val="1864279570"/>
+        <p14:creationId xmlns:p14="http://schemas.microsoft.com/office/powerpoint/2010/main" val="2283586298"/>
       </p:ext>
     </p:extLst>
   </p:cSld>
@@ -4631,79 +4775,11 @@
           <a:p>
             <a:r>
               <a:rPr lang="en-GB" dirty="0"/>
-              <a:t>A .</a:t>
-            </a:r>
-            <a:r>
-              <a:rPr lang="en-GB" dirty="0" err="1"/>
-              <a:t>tex</a:t>
-            </a:r>
-            <a:r>
-              <a:rPr lang="en-GB" dirty="0"/>
-              <a:t> document is split into two sections – the preamble and the main body. The preamble includes specification of settings for LaTeX to use in your document, but does not include any content which will appear in the document. The preamble will always include a declaration of the </a:t>
-            </a:r>
-            <a:r>
-              <a:rPr lang="en-GB" dirty="0" err="1"/>
-              <a:t>documentclass</a:t>
-            </a:r>
-            <a:r>
-              <a:rPr lang="en-GB" dirty="0"/>
-              <a:t>. This tells LaTeX what type of document you are creating, which enables certain features and helps define how your final pdf will look. Common </a:t>
-            </a:r>
-            <a:r>
-              <a:rPr lang="en-GB" dirty="0" err="1"/>
-              <a:t>documentclasses</a:t>
-            </a:r>
-            <a:r>
-              <a:rPr lang="en-GB" dirty="0"/>
-              <a:t> include “report”, “article”, “book” and “slides”. Within the preamble, you will normally specify a number of “\</a:t>
-            </a:r>
-            <a:r>
-              <a:rPr lang="en-GB" dirty="0" err="1"/>
-              <a:t>usepackage</a:t>
-            </a:r>
-            <a:r>
-              <a:rPr lang="en-GB" dirty="0"/>
-              <a:t>” commands which specify which optional LaTeX features you want use. It’s relatively common to have a few dozen packages used in a complex document, but you don’t need to use many (or, indeed, any). Within the preamble both the “</a:t>
-            </a:r>
-            <a:r>
-              <a:rPr lang="en-GB" dirty="0" err="1"/>
-              <a:t>documentclass</a:t>
-            </a:r>
-            <a:r>
-              <a:rPr lang="en-GB" dirty="0"/>
-              <a:t>” and “</a:t>
-            </a:r>
-            <a:r>
-              <a:rPr lang="en-GB" dirty="0" err="1"/>
-              <a:t>usepackage</a:t>
-            </a:r>
-            <a:r>
-              <a:rPr lang="en-GB" dirty="0"/>
-              <a:t>” commands may contain options within square brackets which allow other details to be set by the user. You can quickly change how your document looks by changing the content of your pre-amble. Throughout the exercises we’ll be doing today, you will need to use the packages “</a:t>
-            </a:r>
-            <a:r>
-              <a:rPr lang="en-GB" dirty="0" err="1"/>
-              <a:t>graphicx</a:t>
-            </a:r>
-            <a:r>
-              <a:rPr lang="en-GB" dirty="0"/>
-              <a:t>”, “</a:t>
-            </a:r>
-            <a:r>
-              <a:rPr lang="en-GB" dirty="0" err="1"/>
-              <a:t>amssymb</a:t>
-            </a:r>
-            <a:r>
-              <a:rPr lang="en-GB" dirty="0"/>
-              <a:t>” and </a:t>
-            </a:r>
-            <a:r>
-              <a:rPr lang="en-GB" dirty="0" err="1"/>
-              <a:t>amsmath</a:t>
-            </a:r>
-            <a:r>
-              <a:rPr lang="en-GB" dirty="0"/>
-              <a:t>”.</a:t>
+              <a:t>Overleaf is the online environment which we’ll be using to create and compile your LaTeX documents. College has a subscription to it so, if you sign up with your college email address, you can get the pro-version. </a:t>
+            </a:r>
+            <a:r>
+              <a:rPr lang="en-GB"/>
+              <a:t>You should have already made an account as indicated in the pre-course instructions.</a:t>
             </a:r>
             <a:br>
               <a:rPr lang="en-GB" dirty="0"/>
@@ -4713,16 +4789,25 @@
             </a:br>
             <a:r>
               <a:rPr lang="en-GB" dirty="0"/>
-              <a:t>The description of the text that actually appears in your document falls between the “begin document” and “end document” statements. If you include a “percent” symbol any characters following it will be treated as a “comment”, meaning it will not be used when your pdf file is created. This can be useful for keeping notes about the contents of your file to make it easier to understand.</a:t>
-            </a:r>
-          </a:p>
-          <a:p>
-            <a:endParaRPr lang="en-GB" dirty="0"/>
-          </a:p>
-          <a:p>
-            <a:r>
-              <a:rPr lang="en-GB" dirty="0"/>
-              <a:t>Break for section 1 of Task Sheet</a:t>
+              <a:t>Overleaf is cross-platform (in the sense it will work on Windows, Mac, Linux, etc). It’s already complete in the sense that all the packages you might need are already installed. It’s easy to use, including auto-complete and a visual indication of where errors have occurred in compilation. It has the ability for collaborative working and allows synchronisation with Dropbox and </a:t>
+            </a:r>
+            <a:r>
+              <a:rPr lang="en-GB" dirty="0" err="1"/>
+              <a:t>github</a:t>
+            </a:r>
+            <a:r>
+              <a:rPr lang="en-GB" dirty="0"/>
+              <a:t> which can allow you carry on working on your documents offline using an offline editor. Overleaf also has an integrated “review system” which might allow your supervisor or collaborator to review your document in the same place that you’re writing it, saving a lot of flipping between documents.</a:t>
+            </a:r>
+            <a:br>
+              <a:rPr lang="en-GB" dirty="0"/>
+            </a:br>
+            <a:br>
+              <a:rPr lang="en-GB" dirty="0"/>
+            </a:br>
+            <a:r>
+              <a:rPr lang="en-GB" dirty="0"/>
+              <a:t>However, the editor itself is only available with an internet connection. Your files are also stored online. If you’re dealing with commercially sensitive data or sensitive data such as patient records, you may not be able to use Overleaf if there are restrictions on where you can store data.</a:t>
             </a:r>
           </a:p>
         </p:txBody>
@@ -4744,7 +4829,7 @@
           <a:p>
             <a:fld id="{6A641EC8-C9F8-4A58-A1A7-F7D817526EEC}" type="slidenum">
               <a:rPr lang="en-GB" smtClean="0"/>
-              <a:t>7</a:t>
+              <a:t>6</a:t>
             </a:fld>
             <a:endParaRPr lang="en-GB"/>
           </a:p>
@@ -4753,7 +4838,7 @@
     </p:spTree>
     <p:extLst>
       <p:ext uri="{BB962C8B-B14F-4D97-AF65-F5344CB8AC3E}">
-        <p14:creationId xmlns:p14="http://schemas.microsoft.com/office/powerpoint/2010/main" val="179363707"/>
+        <p14:creationId xmlns:p14="http://schemas.microsoft.com/office/powerpoint/2010/main" val="1864279570"/>
       </p:ext>
     </p:extLst>
   </p:cSld>
@@ -4809,7 +4894,7 @@
           <a:p>
             <a:r>
               <a:rPr lang="en-GB" dirty="0"/>
-              <a:t>In LaTeX, a line break in the .</a:t>
+              <a:t>A .</a:t>
             </a:r>
             <a:r>
               <a:rPr lang="en-GB" dirty="0" err="1"/>
@@ -4817,15 +4902,81 @@
             </a:r>
             <a:r>
               <a:rPr lang="en-GB" dirty="0"/>
-              <a:t> file will not produce a line break in the pdf. Instead, we must create a new paragraph. There are a couple of ways to do this, but the simplest and easiest way is to leave a blank line in the .</a:t>
+              <a:t> document is split into two sections – the preamble and the main body. The preamble includes specification of settings for LaTeX to use in your document, but does not include any content which will appear in the document. The preamble will always include a declaration of the </a:t>
             </a:r>
             <a:r>
               <a:rPr lang="en-GB" dirty="0" err="1"/>
-              <a:t>tex</a:t>
-            </a:r>
-            <a:r>
-              <a:rPr lang="en-GB" dirty="0"/>
-              <a:t> file.</a:t>
+              <a:t>documentclass</a:t>
+            </a:r>
+            <a:r>
+              <a:rPr lang="en-GB" dirty="0"/>
+              <a:t>. This tells LaTeX what type of document you are creating, which enables certain features and helps define how your final pdf will look. Common </a:t>
+            </a:r>
+            <a:r>
+              <a:rPr lang="en-GB" dirty="0" err="1"/>
+              <a:t>documentclasses</a:t>
+            </a:r>
+            <a:r>
+              <a:rPr lang="en-GB" dirty="0"/>
+              <a:t> include “report”, “article”, “book” and “slides”. Within the preamble, you will normally specify a number of “\</a:t>
+            </a:r>
+            <a:r>
+              <a:rPr lang="en-GB" dirty="0" err="1"/>
+              <a:t>usepackage</a:t>
+            </a:r>
+            <a:r>
+              <a:rPr lang="en-GB" dirty="0"/>
+              <a:t>” commands which specify which optional LaTeX features you want use. It’s relatively common to have a few dozen packages used in a complex document, but you don’t need to use many (or, indeed, any). Within the preamble both the “</a:t>
+            </a:r>
+            <a:r>
+              <a:rPr lang="en-GB" dirty="0" err="1"/>
+              <a:t>documentclass</a:t>
+            </a:r>
+            <a:r>
+              <a:rPr lang="en-GB" dirty="0"/>
+              <a:t>” and “</a:t>
+            </a:r>
+            <a:r>
+              <a:rPr lang="en-GB" dirty="0" err="1"/>
+              <a:t>usepackage</a:t>
+            </a:r>
+            <a:r>
+              <a:rPr lang="en-GB" dirty="0"/>
+              <a:t>” commands may contain options within square brackets which allow other details to be set by the user. You can quickly change how your document looks by changing the content of your pre-amble. Throughout the exercises we’ll be doing today, you will need to use the packages “</a:t>
+            </a:r>
+            <a:r>
+              <a:rPr lang="en-GB" dirty="0" err="1"/>
+              <a:t>graphicx</a:t>
+            </a:r>
+            <a:r>
+              <a:rPr lang="en-GB" dirty="0"/>
+              <a:t>”, “</a:t>
+            </a:r>
+            <a:r>
+              <a:rPr lang="en-GB" dirty="0" err="1"/>
+              <a:t>amssymb</a:t>
+            </a:r>
+            <a:r>
+              <a:rPr lang="en-GB" dirty="0"/>
+              <a:t>” and </a:t>
+            </a:r>
+            <a:r>
+              <a:rPr lang="en-GB" dirty="0" err="1"/>
+              <a:t>amsmath</a:t>
+            </a:r>
+            <a:r>
+              <a:rPr lang="en-GB" dirty="0"/>
+              <a:t>”.</a:t>
+            </a:r>
+            <a:br>
+              <a:rPr lang="en-GB" dirty="0"/>
+            </a:br>
+            <a:br>
+              <a:rPr lang="en-GB" dirty="0"/>
+            </a:br>
+            <a:r>
+              <a:rPr lang="en-GB" dirty="0"/>
+              <a:t>The description of the text that actually appears in your document falls between the “begin document” and “end document” statements. If you include a “percent” symbol any characters following it will be treated as a “comment”, meaning it will not be used when your pdf file is created. This can be useful for keeping notes about the contents of your file to make it easier to understand.</a:t>
             </a:r>
           </a:p>
           <a:p>
@@ -4834,25 +4985,7 @@
           <a:p>
             <a:r>
               <a:rPr lang="en-GB" dirty="0"/>
-              <a:t>It’s also worth noting that, at the start of a new block to text (such as at the start of a new section) the first paragraph will not be indented. However, subsequent paragraphs will be to make it easier to see where they start. This look a bit odd with single-line paragraphs (such as the ones you might be writing in the exercises), but with longer paragraphs it looks a lot more natural and makes a lot more sense.</a:t>
-            </a:r>
-          </a:p>
-          <a:p>
-            <a:endParaRPr lang="en-GB" dirty="0"/>
-          </a:p>
-          <a:p>
-            <a:r>
-              <a:rPr lang="en-GB" dirty="0"/>
-              <a:t>It is possible to modify the way new paragraphs look, including indentation and white space between paragraphs, but this is beyond the scope of this course.</a:t>
-            </a:r>
-          </a:p>
-          <a:p>
-            <a:endParaRPr lang="en-GB" dirty="0"/>
-          </a:p>
-          <a:p>
-            <a:r>
-              <a:rPr lang="en-GB" dirty="0"/>
-              <a:t>Overleaf example: https://www.overleaf.com/read/ctsdkmwxrfhy</a:t>
+              <a:t>Break for section 1 of Task Sheet</a:t>
             </a:r>
           </a:p>
         </p:txBody>
@@ -4874,7 +5007,7 @@
           <a:p>
             <a:fld id="{6A641EC8-C9F8-4A58-A1A7-F7D817526EEC}" type="slidenum">
               <a:rPr lang="en-GB" smtClean="0"/>
-              <a:t>8</a:t>
+              <a:t>7</a:t>
             </a:fld>
             <a:endParaRPr lang="en-GB"/>
           </a:p>
@@ -4883,7 +5016,7 @@
     </p:spTree>
     <p:extLst>
       <p:ext uri="{BB962C8B-B14F-4D97-AF65-F5344CB8AC3E}">
-        <p14:creationId xmlns:p14="http://schemas.microsoft.com/office/powerpoint/2010/main" val="359075030"/>
+        <p14:creationId xmlns:p14="http://schemas.microsoft.com/office/powerpoint/2010/main" val="179363707"/>
       </p:ext>
     </p:extLst>
   </p:cSld>
@@ -4939,7 +5072,50 @@
           <a:p>
             <a:r>
               <a:rPr lang="en-GB" dirty="0"/>
-              <a:t>You can use sections and subsections to break up and categorise your document. Using the commands “section”, “subsection” and so on allows you to specify the name of a section and then specify the content to be contained within the (sub)section.</a:t>
+              <a:t>In LaTeX, a line break in the .</a:t>
+            </a:r>
+            <a:r>
+              <a:rPr lang="en-GB" dirty="0" err="1"/>
+              <a:t>tex</a:t>
+            </a:r>
+            <a:r>
+              <a:rPr lang="en-GB" dirty="0"/>
+              <a:t> file will not produce a line break in the pdf. Instead, we must create a new paragraph. There are a couple of ways to do this, but the simplest and easiest way is to leave a blank line in the .</a:t>
+            </a:r>
+            <a:r>
+              <a:rPr lang="en-GB" dirty="0" err="1"/>
+              <a:t>tex</a:t>
+            </a:r>
+            <a:r>
+              <a:rPr lang="en-GB" dirty="0"/>
+              <a:t> file.</a:t>
+            </a:r>
+          </a:p>
+          <a:p>
+            <a:endParaRPr lang="en-GB" dirty="0"/>
+          </a:p>
+          <a:p>
+            <a:r>
+              <a:rPr lang="en-GB" dirty="0"/>
+              <a:t>It’s also worth noting that, at the start of a new block to text (such as at the start of a new section) the first paragraph will not be indented. However, subsequent paragraphs will be to make it easier to see where they start. This look a bit odd with single-line paragraphs (such as the ones you might be writing in the exercises), but with longer paragraphs it looks a lot more natural and makes a lot more sense.</a:t>
+            </a:r>
+          </a:p>
+          <a:p>
+            <a:endParaRPr lang="en-GB" dirty="0"/>
+          </a:p>
+          <a:p>
+            <a:r>
+              <a:rPr lang="en-GB" dirty="0"/>
+              <a:t>It is possible to modify the way new paragraphs look, including indentation and white space between paragraphs, but this is beyond the scope of this course.</a:t>
+            </a:r>
+          </a:p>
+          <a:p>
+            <a:endParaRPr lang="en-GB" dirty="0"/>
+          </a:p>
+          <a:p>
+            <a:r>
+              <a:rPr lang="en-GB" dirty="0"/>
+              <a:t>Overleaf example: https://www.overleaf.com/read/ctsdkmwxrfhy</a:t>
             </a:r>
           </a:p>
         </p:txBody>
@@ -4961,7 +5137,7 @@
           <a:p>
             <a:fld id="{6A641EC8-C9F8-4A58-A1A7-F7D817526EEC}" type="slidenum">
               <a:rPr lang="en-GB" smtClean="0"/>
-              <a:t>9</a:t>
+              <a:t>8</a:t>
             </a:fld>
             <a:endParaRPr lang="en-GB"/>
           </a:p>
@@ -4970,7 +5146,7 @@
     </p:spTree>
     <p:extLst>
       <p:ext uri="{BB962C8B-B14F-4D97-AF65-F5344CB8AC3E}">
-        <p14:creationId xmlns:p14="http://schemas.microsoft.com/office/powerpoint/2010/main" val="2803192502"/>
+        <p14:creationId xmlns:p14="http://schemas.microsoft.com/office/powerpoint/2010/main" val="359075030"/>
       </p:ext>
     </p:extLst>
   </p:cSld>
@@ -5026,45 +5202,7 @@
           <a:p>
             <a:r>
               <a:rPr lang="en-GB" dirty="0"/>
-              <a:t>You can further use chapters to break up your document into larger sections. The chapter command is an example of a command which is not available in every type of </a:t>
-            </a:r>
-            <a:r>
-              <a:rPr lang="en-GB" dirty="0" err="1"/>
-              <a:t>documentclass</a:t>
-            </a:r>
-            <a:r>
-              <a:rPr lang="en-GB" dirty="0"/>
-              <a:t> – it is available in the “report” and “book” </a:t>
-            </a:r>
-            <a:r>
-              <a:rPr lang="en-GB" dirty="0" err="1"/>
-              <a:t>documentclasses</a:t>
-            </a:r>
-            <a:r>
-              <a:rPr lang="en-GB" dirty="0"/>
-              <a:t> but not in the “article” or “slides” document class. </a:t>
-            </a:r>
-          </a:p>
-          <a:p>
-            <a:endParaRPr lang="en-GB"/>
-          </a:p>
-          <a:p>
-            <a:r>
-              <a:rPr lang="en-GB"/>
-              <a:t>Different </a:t>
-            </a:r>
-            <a:r>
-              <a:rPr lang="en-GB" dirty="0"/>
-              <a:t>document classes may also handle chapters, sections and paragraphs differently by default, such as which (if any) begins a new page. For example, the book document class will put a chapter on the first page of a new double-page spread, which can mean a blank page is left before the start of a new chapter.</a:t>
-            </a:r>
-          </a:p>
-          <a:p>
-            <a:endParaRPr lang="en-GB" dirty="0"/>
-          </a:p>
-          <a:p>
-            <a:r>
-              <a:rPr lang="en-GB" dirty="0"/>
-              <a:t>Overleaf example: https://www.overleaf.com/read/cpkybhpfdgsb</a:t>
+              <a:t>You can use sections and subsections to break up and categorise your document. Using the commands “section”, “subsection” and so on allows you to specify the name of a section and then specify the content to be contained within the (sub)section.</a:t>
             </a:r>
           </a:p>
         </p:txBody>
@@ -5086,7 +5224,7 @@
           <a:p>
             <a:fld id="{6A641EC8-C9F8-4A58-A1A7-F7D817526EEC}" type="slidenum">
               <a:rPr lang="en-GB" smtClean="0"/>
-              <a:t>10</a:t>
+              <a:t>9</a:t>
             </a:fld>
             <a:endParaRPr lang="en-GB"/>
           </a:p>
@@ -5095,7 +5233,7 @@
     </p:spTree>
     <p:extLst>
       <p:ext uri="{BB962C8B-B14F-4D97-AF65-F5344CB8AC3E}">
-        <p14:creationId xmlns:p14="http://schemas.microsoft.com/office/powerpoint/2010/main" val="310261752"/>
+        <p14:creationId xmlns:p14="http://schemas.microsoft.com/office/powerpoint/2010/main" val="2803192502"/>
       </p:ext>
     </p:extLst>
   </p:cSld>
@@ -5464,7 +5602,7 @@
           <a:p>
             <a:fld id="{EB0080F8-EA1C-491D-963C-2C881B2F918F}" type="datetimeFigureOut">
               <a:rPr lang="en-GB" smtClean="0"/>
-              <a:t>23/01/2023</a:t>
+              <a:t>24/02/2023</a:t>
             </a:fld>
             <a:endParaRPr lang="en-GB"/>
           </a:p>
@@ -5614,7 +5752,7 @@
           <a:p>
             <a:fld id="{EB0080F8-EA1C-491D-963C-2C881B2F918F}" type="datetimeFigureOut">
               <a:rPr lang="en-GB" smtClean="0"/>
-              <a:t>23/01/2023</a:t>
+              <a:t>24/02/2023</a:t>
             </a:fld>
             <a:endParaRPr lang="en-GB"/>
           </a:p>
@@ -7147,7 +7285,7 @@
           <a:p>
             <a:fld id="{EB0080F8-EA1C-491D-963C-2C881B2F918F}" type="datetimeFigureOut">
               <a:rPr lang="en-GB" smtClean="0"/>
-              <a:t>23/01/2023</a:t>
+              <a:t>24/02/2023</a:t>
             </a:fld>
             <a:endParaRPr lang="en-GB"/>
           </a:p>
@@ -12441,7 +12579,7 @@
         <p:spPr>
           <a:xfrm>
             <a:off x="401319" y="1431416"/>
-            <a:ext cx="8388117" cy="4569334"/>
+            <a:ext cx="8388117" cy="4549506"/>
           </a:xfrm>
         </p:spPr>
         <p:txBody>
@@ -12481,7 +12619,7 @@
                 <a:ea typeface="Times New Roman" panose="02020603050405020304" pitchFamily="18" charset="0"/>
                 <a:cs typeface="Calibri" panose="020F0502020204030204" pitchFamily="34" charset="0"/>
               </a:rPr>
-              <a:t>If you are not a Postgraduate Research student and didn’t book via Inkpath, your attendance will be marked on a separate database.</a:t>
+              <a:t>If you are a Postgraduate Research student, this is required for receiving your Graduate School credit for this course.</a:t>
             </a:r>
             <a:endParaRPr lang="en-GB" sz="2800" dirty="0"/>
           </a:p>
@@ -12527,7 +12665,7 @@
     </p:spTree>
     <p:extLst>
       <p:ext uri="{BB962C8B-B14F-4D97-AF65-F5344CB8AC3E}">
-        <p14:creationId xmlns:p14="http://schemas.microsoft.com/office/powerpoint/2010/main" val="3686223621"/>
+        <p14:creationId xmlns:p14="http://schemas.microsoft.com/office/powerpoint/2010/main" val="1605209827"/>
       </p:ext>
     </p:extLst>
   </p:cSld>

--- a/Intro to Latex Slides.pptx
+++ b/Intro to Latex Slides.pptx
@@ -197,16 +197,32 @@
 </p:presentation>
 </file>
 
-<file path=ppt/revisionInfo.xml><?xml version="1.0" encoding="utf-8"?>
-<p1510:revInfo xmlns:a="http://schemas.openxmlformats.org/drawingml/2006/main" xmlns:r="http://schemas.openxmlformats.org/officeDocument/2006/relationships" xmlns:p1510="http://schemas.microsoft.com/office/powerpoint/2015/10/main">
-  <p1510:revLst>
-    <p1510:client id="{02736F4D-AEB0-4E10-B599-568033275B05}" v="1" dt="2023-02-24T16:46:15.123"/>
-  </p1510:revLst>
-</p1510:revInfo>
-</file>
-
 <file path=ppt/changesInfos/changesInfo1.xml><?xml version="1.0" encoding="utf-8"?>
 <pc:chgInfo xmlns:a="http://schemas.openxmlformats.org/drawingml/2006/main" xmlns:r="http://schemas.openxmlformats.org/officeDocument/2006/relationships" xmlns:ac="http://schemas.microsoft.com/office/drawing/2013/main/command" xmlns:pc="http://schemas.microsoft.com/office/powerpoint/2013/main/command">
+  <pc:docChgLst>
+    <pc:chgData name="Cooling, Chris" userId="6dcf99c9-2ba5-410a-8445-0893a3d1421f" providerId="ADAL" clId="{0AEEDC4B-6518-4382-924D-A2C9C7BB48EC}"/>
+    <pc:docChg chg="modSld">
+      <pc:chgData name="Cooling, Chris" userId="6dcf99c9-2ba5-410a-8445-0893a3d1421f" providerId="ADAL" clId="{0AEEDC4B-6518-4382-924D-A2C9C7BB48EC}" dt="2023-11-03T15:55:52.125" v="0"/>
+      <pc:docMkLst>
+        <pc:docMk/>
+      </pc:docMkLst>
+      <pc:sldChg chg="modSp mod">
+        <pc:chgData name="Cooling, Chris" userId="6dcf99c9-2ba5-410a-8445-0893a3d1421f" providerId="ADAL" clId="{0AEEDC4B-6518-4382-924D-A2C9C7BB48EC}" dt="2023-11-03T15:55:52.125" v="0"/>
+        <pc:sldMkLst>
+          <pc:docMk/>
+          <pc:sldMk cId="466020703" sldId="335"/>
+        </pc:sldMkLst>
+        <pc:spChg chg="mod">
+          <ac:chgData name="Cooling, Chris" userId="6dcf99c9-2ba5-410a-8445-0893a3d1421f" providerId="ADAL" clId="{0AEEDC4B-6518-4382-924D-A2C9C7BB48EC}" dt="2023-11-03T15:55:52.125" v="0"/>
+          <ac:spMkLst>
+            <pc:docMk/>
+            <pc:sldMk cId="466020703" sldId="335"/>
+            <ac:spMk id="3" creationId="{00000000-0000-0000-0000-000000000000}"/>
+          </ac:spMkLst>
+        </pc:spChg>
+      </pc:sldChg>
+    </pc:docChg>
+  </pc:docChgLst>
   <pc:docChgLst>
     <pc:chgData name="Cooling, Chris" userId="6dcf99c9-2ba5-410a-8445-0893a3d1421f" providerId="ADAL" clId="{99A4F19C-454B-4D6F-8788-E5B990F556FB}"/>
     <pc:docChg chg="undo custSel addSld delSld modSld modSection">
@@ -1005,7 +1021,7 @@
           <a:p>
             <a:fld id="{88EB714B-C3CC-4216-88C1-02913905B1CF}" type="datetimeFigureOut">
               <a:rPr lang="en-GB" smtClean="0"/>
-              <a:t>24/02/2023</a:t>
+              <a:t>03/11/2023</a:t>
             </a:fld>
             <a:endParaRPr lang="en-GB"/>
           </a:p>
@@ -5602,7 +5618,7 @@
           <a:p>
             <a:fld id="{EB0080F8-EA1C-491D-963C-2C881B2F918F}" type="datetimeFigureOut">
               <a:rPr lang="en-GB" smtClean="0"/>
-              <a:t>24/02/2023</a:t>
+              <a:t>03/11/2023</a:t>
             </a:fld>
             <a:endParaRPr lang="en-GB"/>
           </a:p>
@@ -5752,7 +5768,7 @@
           <a:p>
             <a:fld id="{EB0080F8-EA1C-491D-963C-2C881B2F918F}" type="datetimeFigureOut">
               <a:rPr lang="en-GB" smtClean="0"/>
-              <a:t>24/02/2023</a:t>
+              <a:t>03/11/2023</a:t>
             </a:fld>
             <a:endParaRPr lang="en-GB"/>
           </a:p>
@@ -7285,7 +7301,7 @@
           <a:p>
             <a:fld id="{EB0080F8-EA1C-491D-963C-2C881B2F918F}" type="datetimeFigureOut">
               <a:rPr lang="en-GB" smtClean="0"/>
-              <a:t>24/02/2023</a:t>
+              <a:t>03/11/2023</a:t>
             </a:fld>
             <a:endParaRPr lang="en-GB"/>
           </a:p>
@@ -15324,21 +15340,38 @@
             <a:pPr lvl="1"/>
             <a:r>
               <a:rPr lang="en-GB" sz="2600" dirty="0"/>
-              <a:t>The link is </a:t>
-            </a:r>
-            <a:r>
-              <a:rPr lang="en-GB" sz="2600" dirty="0">
+              <a:t>The link </a:t>
+            </a:r>
+            <a:r>
+              <a:rPr lang="en-GB" sz="2600"/>
+              <a:t>is </a:t>
+            </a:r>
+            <a:r>
+              <a:rPr lang="en-GB" sz="2600" b="0" i="0" u="sng">
+                <a:solidFill>
+                  <a:srgbClr val="0563C1"/>
+                </a:solidFill>
+                <a:effectLst/>
                 <a:hlinkClick r:id="rId4"/>
               </a:rPr>
-              <a:t>https://tinyurl.com/rcds2022-23</a:t>
-            </a:r>
-            <a:endParaRPr lang="en-GB" sz="2600" dirty="0"/>
+              <a:t>https://tinyurl.com/feedback-rcds</a:t>
+            </a:r>
+            <a:endParaRPr lang="en-GB" sz="2600" b="0" i="0" u="sng">
+              <a:solidFill>
+                <a:srgbClr val="0563C1"/>
+              </a:solidFill>
+              <a:effectLst/>
+            </a:endParaRPr>
           </a:p>
           <a:p>
             <a:pPr lvl="1"/>
             <a:r>
+              <a:rPr lang="en-GB" sz="2600"/>
+              <a:t>You </a:t>
+            </a:r>
+            <a:r>
               <a:rPr lang="en-GB" sz="2600" dirty="0"/>
-              <a:t>You should also have received an email with this link</a:t>
+              <a:t>should also have received an email with this link</a:t>
             </a:r>
           </a:p>
           <a:p>

--- a/Intro to Latex Slides.pptx
+++ b/Intro to Latex Slides.pptx
@@ -195,6 +195,14 @@
     </p:ext>
   </p:extLst>
 </p:presentation>
+</file>
+
+<file path=ppt/revisionInfo.xml><?xml version="1.0" encoding="utf-8"?>
+<p1510:revInfo xmlns:a="http://schemas.openxmlformats.org/drawingml/2006/main" xmlns:r="http://schemas.openxmlformats.org/officeDocument/2006/relationships" xmlns:p1510="http://schemas.microsoft.com/office/powerpoint/2015/10/main">
+  <p1510:revLst>
+    <p1510:client id="{4444CFD2-6B08-4F5E-830C-F73E3611A601}" v="1" dt="2024-03-27T15:41:09.880"/>
+  </p1510:revLst>
+</p1510:revInfo>
 </file>
 
 <file path=ppt/changesInfos/changesInfo1.xml><?xml version="1.0" encoding="utf-8"?>
@@ -769,6 +777,29 @@
       </pc:sldChg>
     </pc:docChg>
   </pc:docChgLst>
+  <pc:docChgLst>
+    <pc:chgData name="Cooling, Chris" userId="6dcf99c9-2ba5-410a-8445-0893a3d1421f" providerId="ADAL" clId="{4444CFD2-6B08-4F5E-830C-F73E3611A601}"/>
+    <pc:docChg chg="addSld delSld modSld modSection">
+      <pc:chgData name="Cooling, Chris" userId="6dcf99c9-2ba5-410a-8445-0893a3d1421f" providerId="ADAL" clId="{4444CFD2-6B08-4F5E-830C-F73E3611A601}" dt="2024-03-27T15:41:09.872" v="1"/>
+      <pc:docMkLst>
+        <pc:docMk/>
+      </pc:docMkLst>
+      <pc:sldChg chg="add del">
+        <pc:chgData name="Cooling, Chris" userId="6dcf99c9-2ba5-410a-8445-0893a3d1421f" providerId="ADAL" clId="{4444CFD2-6B08-4F5E-830C-F73E3611A601}" dt="2024-03-27T15:41:09.872" v="1"/>
+        <pc:sldMkLst>
+          <pc:docMk/>
+          <pc:sldMk cId="46157443" sldId="321"/>
+        </pc:sldMkLst>
+      </pc:sldChg>
+      <pc:sldChg chg="add del">
+        <pc:chgData name="Cooling, Chris" userId="6dcf99c9-2ba5-410a-8445-0893a3d1421f" providerId="ADAL" clId="{4444CFD2-6B08-4F5E-830C-F73E3611A601}" dt="2024-03-27T15:41:09.872" v="1"/>
+        <pc:sldMkLst>
+          <pc:docMk/>
+          <pc:sldMk cId="687175056" sldId="322"/>
+        </pc:sldMkLst>
+      </pc:sldChg>
+    </pc:docChg>
+  </pc:docChgLst>
 </pc:chgInfo>
 </file>
 
@@ -1021,7 +1052,7 @@
           <a:p>
             <a:fld id="{88EB714B-C3CC-4216-88C1-02913905B1CF}" type="datetimeFigureOut">
               <a:rPr lang="en-GB" smtClean="0"/>
-              <a:t>03/11/2023</a:t>
+              <a:t>27/03/2024</a:t>
             </a:fld>
             <a:endParaRPr lang="en-GB"/>
           </a:p>
@@ -3515,7 +3546,7 @@
             </a:r>
             <a:r>
               <a:rPr lang="en-GB" dirty="0"/>
-              <a:t> file, your bibliography will appear and any entries that are cited will appear in your bibliography. By default, entries you have not cited will not be included.</a:t>
+              <a:t> file, your bibliography will appear and any entries that are cited will appear in your bibliography. Entries you have not cited will not be included by default.</a:t>
             </a:r>
           </a:p>
           <a:p>
@@ -5618,7 +5649,7 @@
           <a:p>
             <a:fld id="{EB0080F8-EA1C-491D-963C-2C881B2F918F}" type="datetimeFigureOut">
               <a:rPr lang="en-GB" smtClean="0"/>
-              <a:t>03/11/2023</a:t>
+              <a:t>27/03/2024</a:t>
             </a:fld>
             <a:endParaRPr lang="en-GB"/>
           </a:p>
@@ -5768,7 +5799,7 @@
           <a:p>
             <a:fld id="{EB0080F8-EA1C-491D-963C-2C881B2F918F}" type="datetimeFigureOut">
               <a:rPr lang="en-GB" smtClean="0"/>
-              <a:t>03/11/2023</a:t>
+              <a:t>27/03/2024</a:t>
             </a:fld>
             <a:endParaRPr lang="en-GB"/>
           </a:p>
@@ -7301,7 +7332,7 @@
           <a:p>
             <a:fld id="{EB0080F8-EA1C-491D-963C-2C881B2F918F}" type="datetimeFigureOut">
               <a:rPr lang="en-GB" smtClean="0"/>
-              <a:t>03/11/2023</a:t>
+              <a:t>27/03/2024</a:t>
             </a:fld>
             <a:endParaRPr lang="en-GB"/>
           </a:p>
@@ -13822,7 +13853,7 @@
                     </a:schemeClr>
                   </a:solidFill>
                 </a:rPr>
-                <a:t>thor_2011</a:t>
+                <a:t>Thor_2011</a:t>
               </a:r>
               <a:r>
                 <a:rPr lang="en-GB" sz="2000" dirty="0"/>
@@ -13975,7 +14006,7 @@
                     </a:schemeClr>
                   </a:solidFill>
                 </a:rPr>
-                <a:t>rowling_1997</a:t>
+                <a:t>Weir_2011</a:t>
               </a:r>
               <a:r>
                 <a:rPr lang="en-GB" sz="2000" dirty="0"/>
@@ -13996,7 +14027,7 @@
               </a:r>
               <a:r>
                 <a:rPr lang="en-GB" sz="2000" dirty="0"/>
-                <a:t>"J.K. Rowling",</a:t>
+                <a:t>“Andy Weir",</a:t>
               </a:r>
             </a:p>
             <a:p>
@@ -14013,7 +14044,7 @@
               </a:r>
               <a:r>
                 <a:rPr lang="en-GB" sz="2000" dirty="0"/>
-                <a:t>"Philosopher's Stone",</a:t>
+                <a:t>“The Martian",</a:t>
               </a:r>
             </a:p>
             <a:p>
@@ -14030,7 +14061,7 @@
               </a:r>
               <a:r>
                 <a:rPr lang="en-GB" sz="2000" dirty="0"/>
-                <a:t>"1997",</a:t>
+                <a:t>“2011",</a:t>
               </a:r>
             </a:p>
             <a:p>
@@ -14047,7 +14078,7 @@
               </a:r>
               <a:r>
                 <a:rPr lang="en-GB" sz="2000" dirty="0"/>
-                <a:t>"Bloomsbury"}</a:t>
+                <a:t>“Crown"}</a:t>
               </a:r>
             </a:p>
           </p:txBody>
@@ -14099,10 +14130,10 @@
       </p:grpSp>
       <p:pic>
         <p:nvPicPr>
-          <p:cNvPr id="7" name="Picture 6">
+          <p:cNvPr id="8" name="Picture 7">
             <a:extLst>
               <a:ext uri="{FF2B5EF4-FFF2-40B4-BE49-F238E27FC236}">
-                <a16:creationId xmlns:a16="http://schemas.microsoft.com/office/drawing/2014/main" id="{49A708A5-B26B-476D-9BA0-FA6D6B6DBC6A}"/>
+                <a16:creationId xmlns:a16="http://schemas.microsoft.com/office/drawing/2014/main" id="{851A7C52-619C-7CD8-7E75-1CED7171D1D5}"/>
               </a:ext>
             </a:extLst>
           </p:cNvPr>
@@ -14119,8 +14150,8 @@
         </p:blipFill>
         <p:spPr>
           <a:xfrm>
-            <a:off x="4740972" y="3402556"/>
-            <a:ext cx="4040680" cy="1159500"/>
+            <a:off x="4697169" y="3151207"/>
+            <a:ext cx="4255444" cy="1277479"/>
           </a:xfrm>
           <a:prstGeom prst="rect">
             <a:avLst/>
@@ -14190,15 +14221,13 @@
       <p:cxnSp>
         <p:nvCxnSpPr>
           <p:cNvPr id="11" name="Straight Connector 10"/>
-          <p:cNvCxnSpPr>
-            <a:cxnSpLocks/>
-          </p:cNvCxnSpPr>
+          <p:cNvCxnSpPr/>
           <p:nvPr/>
         </p:nvCxnSpPr>
         <p:spPr>
           <a:xfrm>
             <a:off x="4572000" y="1417638"/>
-            <a:ext cx="0" cy="4506663"/>
+            <a:ext cx="0" cy="5440362"/>
           </a:xfrm>
           <a:prstGeom prst="line">
             <a:avLst/>
@@ -14219,36 +14248,6 @@
           </a:fontRef>
         </p:style>
       </p:cxnSp>
-      <p:pic>
-        <p:nvPicPr>
-          <p:cNvPr id="10" name="Picture 9" descr="A close up of a logo&#10;&#10;Description automatically generated">
-            <a:extLst>
-              <a:ext uri="{FF2B5EF4-FFF2-40B4-BE49-F238E27FC236}">
-                <a16:creationId xmlns:a16="http://schemas.microsoft.com/office/drawing/2014/main" id="{4D78C260-C796-47C0-B4E0-8CBE71F4DAFD}"/>
-              </a:ext>
-            </a:extLst>
-          </p:cNvPr>
-          <p:cNvPicPr>
-            <a:picLocks noChangeAspect="1"/>
-          </p:cNvPicPr>
-          <p:nvPr/>
-        </p:nvPicPr>
-        <p:blipFill>
-          <a:blip r:embed="rId3"/>
-          <a:stretch>
-            <a:fillRect/>
-          </a:stretch>
-        </p:blipFill>
-        <p:spPr>
-          <a:xfrm>
-            <a:off x="4730767" y="3189415"/>
-            <a:ext cx="4221846" cy="861135"/>
-          </a:xfrm>
-          <a:prstGeom prst="rect">
-            <a:avLst/>
-          </a:prstGeom>
-        </p:spPr>
-      </p:pic>
       <p:grpSp>
         <p:nvGrpSpPr>
           <p:cNvPr id="5" name="Group 4">
@@ -14263,7 +14262,7 @@
         </p:nvGrpSpPr>
         <p:grpSpPr>
           <a:xfrm>
-            <a:off x="191387" y="1345191"/>
+            <a:off x="191387" y="1756683"/>
             <a:ext cx="4221840" cy="4167618"/>
             <a:chOff x="191387" y="1449022"/>
             <a:chExt cx="4221840" cy="4167618"/>
@@ -14390,6 +14389,17 @@
                 <a:t>citet</a:t>
               </a:r>
               <a:r>
+                <a:rPr lang="en-GB" sz="2400" dirty="0">
+                  <a:solidFill>
+                    <a:schemeClr val="tx2">
+                      <a:lumMod val="50000"/>
+                      <a:lumOff val="50000"/>
+                    </a:schemeClr>
+                  </a:solidFill>
+                </a:rPr>
+                <a:t> </a:t>
+              </a:r>
+              <a:r>
                 <a:rPr lang="en-GB" sz="2400" dirty="0"/>
                 <a:t>{</a:t>
               </a:r>
@@ -14401,7 +14411,7 @@
                     </a:schemeClr>
                   </a:solidFill>
                 </a:rPr>
-                <a:t>thor_2011</a:t>
+                <a:t>Thor_2011</a:t>
               </a:r>
               <a:r>
                 <a:rPr lang="en-GB" sz="2400" dirty="0"/>
@@ -14430,6 +14440,17 @@
                 <a:t>citep</a:t>
               </a:r>
               <a:r>
+                <a:rPr lang="en-GB" sz="2400" dirty="0">
+                  <a:solidFill>
+                    <a:schemeClr val="tx2">
+                      <a:lumMod val="50000"/>
+                      <a:lumOff val="50000"/>
+                    </a:schemeClr>
+                  </a:solidFill>
+                </a:rPr>
+                <a:t> </a:t>
+              </a:r>
+              <a:r>
                 <a:rPr lang="en-GB" sz="2400" dirty="0"/>
                 <a:t>{</a:t>
               </a:r>
@@ -14441,7 +14462,7 @@
                     </a:schemeClr>
                   </a:solidFill>
                 </a:rPr>
-                <a:t>rowling_1997</a:t>
+                <a:t>Rowling_1997</a:t>
               </a:r>
               <a:r>
                 <a:rPr lang="en-GB" sz="2400" dirty="0"/>
@@ -14559,184 +14580,36 @@
           </p:txBody>
         </p:sp>
       </p:grpSp>
-      <p:sp>
-        <p:nvSpPr>
-          <p:cNvPr id="8" name="TextBox 7">
+      <p:pic>
+        <p:nvPicPr>
+          <p:cNvPr id="7" name="Picture 6">
             <a:extLst>
               <a:ext uri="{FF2B5EF4-FFF2-40B4-BE49-F238E27FC236}">
-                <a16:creationId xmlns:a16="http://schemas.microsoft.com/office/drawing/2014/main" id="{FD4DF245-9E47-4747-8785-FFADE20129CC}"/>
+                <a16:creationId xmlns:a16="http://schemas.microsoft.com/office/drawing/2014/main" id="{4059D58D-CD17-7022-9AFB-6DCFE1A5FDF2}"/>
               </a:ext>
             </a:extLst>
           </p:cNvPr>
-          <p:cNvSpPr txBox="1"/>
+          <p:cNvPicPr>
+            <a:picLocks noChangeAspect="1"/>
+          </p:cNvPicPr>
           <p:nvPr/>
-        </p:nvSpPr>
+        </p:nvPicPr>
+        <p:blipFill>
+          <a:blip r:embed="rId3"/>
+          <a:stretch>
+            <a:fillRect/>
+          </a:stretch>
+        </p:blipFill>
         <p:spPr>
           <a:xfrm>
-            <a:off x="7357241" y="6498021"/>
-            <a:ext cx="1697422" cy="369332"/>
+            <a:off x="4826643" y="3080993"/>
+            <a:ext cx="4125969" cy="696014"/>
           </a:xfrm>
           <a:prstGeom prst="rect">
             <a:avLst/>
           </a:prstGeom>
-          <a:noFill/>
         </p:spPr>
-        <p:txBody>
-          <a:bodyPr wrap="square" rtlCol="0">
-            <a:spAutoFit/>
-          </a:bodyPr>
-          <a:lstStyle/>
-          <a:p>
-            <a:r>
-              <a:rPr lang="en-GB" dirty="0">
-                <a:solidFill>
-                  <a:schemeClr val="accent2"/>
-                </a:solidFill>
-              </a:rPr>
-              <a:t>Problem Sheet</a:t>
-            </a:r>
-          </a:p>
-        </p:txBody>
-      </p:sp>
-      <p:sp>
-        <p:nvSpPr>
-          <p:cNvPr id="9" name="TextBox 5">
-            <a:extLst>
-              <a:ext uri="{FF2B5EF4-FFF2-40B4-BE49-F238E27FC236}">
-                <a16:creationId xmlns:a16="http://schemas.microsoft.com/office/drawing/2014/main" id="{88768E05-69A0-4EFF-ACE3-CC70E7CED5AA}"/>
-              </a:ext>
-            </a:extLst>
-          </p:cNvPr>
-          <p:cNvSpPr txBox="1"/>
-          <p:nvPr/>
-        </p:nvSpPr>
-        <p:spPr>
-          <a:xfrm>
-            <a:off x="192167" y="5943601"/>
-            <a:ext cx="8494633" cy="369332"/>
-          </a:xfrm>
-          <a:prstGeom prst="rect">
-            <a:avLst/>
-          </a:prstGeom>
-          <a:noFill/>
-        </p:spPr>
-        <p:txBody>
-          <a:bodyPr wrap="none" rtlCol="0">
-            <a:spAutoFit/>
-          </a:bodyPr>
-          <a:lstStyle>
-            <a:defPPr>
-              <a:defRPr lang="en-US"/>
-            </a:defPPr>
-            <a:lvl1pPr marL="0" algn="l" defTabSz="457200" rtl="0" eaLnBrk="1" latinLnBrk="0" hangingPunct="1">
-              <a:defRPr sz="1800" kern="1200">
-                <a:solidFill>
-                  <a:schemeClr val="tx1"/>
-                </a:solidFill>
-                <a:latin typeface="+mn-lt"/>
-                <a:ea typeface="+mn-ea"/>
-                <a:cs typeface="+mn-cs"/>
-              </a:defRPr>
-            </a:lvl1pPr>
-            <a:lvl2pPr marL="457200" algn="l" defTabSz="457200" rtl="0" eaLnBrk="1" latinLnBrk="0" hangingPunct="1">
-              <a:defRPr sz="1800" kern="1200">
-                <a:solidFill>
-                  <a:schemeClr val="tx1"/>
-                </a:solidFill>
-                <a:latin typeface="+mn-lt"/>
-                <a:ea typeface="+mn-ea"/>
-                <a:cs typeface="+mn-cs"/>
-              </a:defRPr>
-            </a:lvl2pPr>
-            <a:lvl3pPr marL="914400" algn="l" defTabSz="457200" rtl="0" eaLnBrk="1" latinLnBrk="0" hangingPunct="1">
-              <a:defRPr sz="1800" kern="1200">
-                <a:solidFill>
-                  <a:schemeClr val="tx1"/>
-                </a:solidFill>
-                <a:latin typeface="+mn-lt"/>
-                <a:ea typeface="+mn-ea"/>
-                <a:cs typeface="+mn-cs"/>
-              </a:defRPr>
-            </a:lvl3pPr>
-            <a:lvl4pPr marL="1371600" algn="l" defTabSz="457200" rtl="0" eaLnBrk="1" latinLnBrk="0" hangingPunct="1">
-              <a:defRPr sz="1800" kern="1200">
-                <a:solidFill>
-                  <a:schemeClr val="tx1"/>
-                </a:solidFill>
-                <a:latin typeface="+mn-lt"/>
-                <a:ea typeface="+mn-ea"/>
-                <a:cs typeface="+mn-cs"/>
-              </a:defRPr>
-            </a:lvl4pPr>
-            <a:lvl5pPr marL="1828800" algn="l" defTabSz="457200" rtl="0" eaLnBrk="1" latinLnBrk="0" hangingPunct="1">
-              <a:defRPr sz="1800" kern="1200">
-                <a:solidFill>
-                  <a:schemeClr val="tx1"/>
-                </a:solidFill>
-                <a:latin typeface="+mn-lt"/>
-                <a:ea typeface="+mn-ea"/>
-                <a:cs typeface="+mn-cs"/>
-              </a:defRPr>
-            </a:lvl5pPr>
-            <a:lvl6pPr marL="2286000" algn="l" defTabSz="457200" rtl="0" eaLnBrk="1" latinLnBrk="0" hangingPunct="1">
-              <a:defRPr sz="1800" kern="1200">
-                <a:solidFill>
-                  <a:schemeClr val="tx1"/>
-                </a:solidFill>
-                <a:latin typeface="+mn-lt"/>
-                <a:ea typeface="+mn-ea"/>
-                <a:cs typeface="+mn-cs"/>
-              </a:defRPr>
-            </a:lvl6pPr>
-            <a:lvl7pPr marL="2743200" algn="l" defTabSz="457200" rtl="0" eaLnBrk="1" latinLnBrk="0" hangingPunct="1">
-              <a:defRPr sz="1800" kern="1200">
-                <a:solidFill>
-                  <a:schemeClr val="tx1"/>
-                </a:solidFill>
-                <a:latin typeface="+mn-lt"/>
-                <a:ea typeface="+mn-ea"/>
-                <a:cs typeface="+mn-cs"/>
-              </a:defRPr>
-            </a:lvl7pPr>
-            <a:lvl8pPr marL="3200400" algn="l" defTabSz="457200" rtl="0" eaLnBrk="1" latinLnBrk="0" hangingPunct="1">
-              <a:defRPr sz="1800" kern="1200">
-                <a:solidFill>
-                  <a:schemeClr val="tx1"/>
-                </a:solidFill>
-                <a:latin typeface="+mn-lt"/>
-                <a:ea typeface="+mn-ea"/>
-                <a:cs typeface="+mn-cs"/>
-              </a:defRPr>
-            </a:lvl8pPr>
-            <a:lvl9pPr marL="3657600" algn="l" defTabSz="457200" rtl="0" eaLnBrk="1" latinLnBrk="0" hangingPunct="1">
-              <a:defRPr sz="1800" kern="1200">
-                <a:solidFill>
-                  <a:schemeClr val="tx1"/>
-                </a:solidFill>
-                <a:latin typeface="+mn-lt"/>
-                <a:ea typeface="+mn-ea"/>
-                <a:cs typeface="+mn-cs"/>
-              </a:defRPr>
-            </a:lvl9pPr>
-          </a:lstStyle>
-          <a:p>
-            <a:r>
-              <a:rPr lang="en-GB" dirty="0"/>
-              <a:t>The library provides </a:t>
-            </a:r>
-            <a:r>
-              <a:rPr lang="en-GB" dirty="0">
-                <a:hlinkClick r:id="rId4"/>
-              </a:rPr>
-              <a:t>some guidance </a:t>
-            </a:r>
-            <a:r>
-              <a:rPr lang="en-GB" dirty="0"/>
-              <a:t>on matching some specific referencing styles</a:t>
-            </a:r>
-          </a:p>
-        </p:txBody>
-      </p:sp>
+      </p:pic>
     </p:spTree>
     <p:extLst>
       <p:ext uri="{BB962C8B-B14F-4D97-AF65-F5344CB8AC3E}">

--- a/Intro to Latex Slides.pptx
+++ b/Intro to Latex Slides.pptx
@@ -200,7 +200,7 @@
 <file path=ppt/revisionInfo.xml><?xml version="1.0" encoding="utf-8"?>
 <p1510:revInfo xmlns:a="http://schemas.openxmlformats.org/drawingml/2006/main" xmlns:r="http://schemas.openxmlformats.org/officeDocument/2006/relationships" xmlns:p1510="http://schemas.microsoft.com/office/powerpoint/2015/10/main">
   <p1510:revLst>
-    <p1510:client id="{4444CFD2-6B08-4F5E-830C-F73E3611A601}" v="1" dt="2024-03-27T15:41:09.880"/>
+    <p1510:client id="{961B416C-CA3E-48DD-A984-2479A7DE5978}" v="1" dt="2024-04-30T15:05:52.479"/>
   </p1510:revLst>
 </p1510:revInfo>
 </file>
@@ -691,6 +691,30 @@
     </pc:docChg>
   </pc:docChgLst>
   <pc:docChgLst>
+    <pc:chgData name="Cooling, Chris" userId="6dcf99c9-2ba5-410a-8445-0893a3d1421f" providerId="ADAL" clId="{961B416C-CA3E-48DD-A984-2479A7DE5978}"/>
+    <pc:docChg chg="modSld">
+      <pc:chgData name="Cooling, Chris" userId="6dcf99c9-2ba5-410a-8445-0893a3d1421f" providerId="ADAL" clId="{961B416C-CA3E-48DD-A984-2479A7DE5978}" dt="2024-04-30T15:05:52.479" v="0"/>
+      <pc:docMkLst>
+        <pc:docMk/>
+      </pc:docMkLst>
+      <pc:sldChg chg="addSp modSp">
+        <pc:chgData name="Cooling, Chris" userId="6dcf99c9-2ba5-410a-8445-0893a3d1421f" providerId="ADAL" clId="{961B416C-CA3E-48DD-A984-2479A7DE5978}" dt="2024-04-30T15:05:52.479" v="0"/>
+        <pc:sldMkLst>
+          <pc:docMk/>
+          <pc:sldMk cId="687175056" sldId="322"/>
+        </pc:sldMkLst>
+        <pc:spChg chg="add mod">
+          <ac:chgData name="Cooling, Chris" userId="6dcf99c9-2ba5-410a-8445-0893a3d1421f" providerId="ADAL" clId="{961B416C-CA3E-48DD-A984-2479A7DE5978}" dt="2024-04-30T15:05:52.479" v="0"/>
+          <ac:spMkLst>
+            <pc:docMk/>
+            <pc:sldMk cId="687175056" sldId="322"/>
+            <ac:spMk id="6" creationId="{D86C6FB8-7A1B-C355-5E09-83B2D69EDB44}"/>
+          </ac:spMkLst>
+        </pc:spChg>
+      </pc:sldChg>
+    </pc:docChg>
+  </pc:docChgLst>
+  <pc:docChgLst>
     <pc:chgData name="Cooling, Chris" userId="6dcf99c9-2ba5-410a-8445-0893a3d1421f" providerId="ADAL" clId="{70997B12-B8AB-47B2-9023-7A1D422D744B}"/>
     <pc:docChg chg="custSel modSld">
       <pc:chgData name="Cooling, Chris" userId="6dcf99c9-2ba5-410a-8445-0893a3d1421f" providerId="ADAL" clId="{70997B12-B8AB-47B2-9023-7A1D422D744B}" dt="2023-01-23T10:47:24.701" v="365" actId="20577"/>
@@ -1052,7 +1076,7 @@
           <a:p>
             <a:fld id="{88EB714B-C3CC-4216-88C1-02913905B1CF}" type="datetimeFigureOut">
               <a:rPr lang="en-GB" smtClean="0"/>
-              <a:t>27/03/2024</a:t>
+              <a:t>30/04/2024</a:t>
             </a:fld>
             <a:endParaRPr lang="en-GB"/>
           </a:p>
@@ -5649,7 +5673,7 @@
           <a:p>
             <a:fld id="{EB0080F8-EA1C-491D-963C-2C881B2F918F}" type="datetimeFigureOut">
               <a:rPr lang="en-GB" smtClean="0"/>
-              <a:t>27/03/2024</a:t>
+              <a:t>30/04/2024</a:t>
             </a:fld>
             <a:endParaRPr lang="en-GB"/>
           </a:p>
@@ -5799,7 +5823,7 @@
           <a:p>
             <a:fld id="{EB0080F8-EA1C-491D-963C-2C881B2F918F}" type="datetimeFigureOut">
               <a:rPr lang="en-GB" smtClean="0"/>
-              <a:t>27/03/2024</a:t>
+              <a:t>30/04/2024</a:t>
             </a:fld>
             <a:endParaRPr lang="en-GB"/>
           </a:p>
@@ -7332,7 +7356,7 @@
           <a:p>
             <a:fld id="{EB0080F8-EA1C-491D-963C-2C881B2F918F}" type="datetimeFigureOut">
               <a:rPr lang="en-GB" smtClean="0"/>
-              <a:t>27/03/2024</a:t>
+              <a:t>30/04/2024</a:t>
             </a:fld>
             <a:endParaRPr lang="en-GB"/>
           </a:p>
@@ -14610,6 +14634,45 @@
           </a:prstGeom>
         </p:spPr>
       </p:pic>
+      <p:sp>
+        <p:nvSpPr>
+          <p:cNvPr id="6" name="TextBox 5">
+            <a:extLst>
+              <a:ext uri="{FF2B5EF4-FFF2-40B4-BE49-F238E27FC236}">
+                <a16:creationId xmlns:a16="http://schemas.microsoft.com/office/drawing/2014/main" id="{D86C6FB8-7A1B-C355-5E09-83B2D69EDB44}"/>
+              </a:ext>
+            </a:extLst>
+          </p:cNvPr>
+          <p:cNvSpPr txBox="1"/>
+          <p:nvPr/>
+        </p:nvSpPr>
+        <p:spPr>
+          <a:xfrm>
+            <a:off x="7357241" y="6498021"/>
+            <a:ext cx="1697422" cy="369332"/>
+          </a:xfrm>
+          <a:prstGeom prst="rect">
+            <a:avLst/>
+          </a:prstGeom>
+          <a:noFill/>
+        </p:spPr>
+        <p:txBody>
+          <a:bodyPr wrap="square" rtlCol="0">
+            <a:spAutoFit/>
+          </a:bodyPr>
+          <a:lstStyle/>
+          <a:p>
+            <a:r>
+              <a:rPr lang="en-GB" dirty="0">
+                <a:solidFill>
+                  <a:schemeClr val="accent2"/>
+                </a:solidFill>
+              </a:rPr>
+              <a:t>Problem Sheet</a:t>
+            </a:r>
+          </a:p>
+        </p:txBody>
+      </p:sp>
     </p:spTree>
     <p:extLst>
       <p:ext uri="{BB962C8B-B14F-4D97-AF65-F5344CB8AC3E}">

--- a/Intro to Latex Slides.pptx
+++ b/Intro to Latex Slides.pptx
@@ -200,7 +200,7 @@
 <file path=ppt/revisionInfo.xml><?xml version="1.0" encoding="utf-8"?>
 <p1510:revInfo xmlns:a="http://schemas.openxmlformats.org/drawingml/2006/main" xmlns:r="http://schemas.openxmlformats.org/officeDocument/2006/relationships" xmlns:p1510="http://schemas.microsoft.com/office/powerpoint/2015/10/main">
   <p1510:revLst>
-    <p1510:client id="{961B416C-CA3E-48DD-A984-2479A7DE5978}" v="1" dt="2024-04-30T15:05:52.479"/>
+    <p1510:client id="{147E613D-C08C-45A9-AEA2-BDB01C2A9B0B}" v="1" dt="2024-06-04T08:34:00.552"/>
   </p1510:revLst>
 </p1510:revInfo>
 </file>
@@ -779,6 +779,92 @@
     </pc:docChg>
   </pc:docChgLst>
   <pc:docChgLst>
+    <pc:chgData name="Cooling, Chris" userId="6dcf99c9-2ba5-410a-8445-0893a3d1421f" providerId="ADAL" clId="{147E613D-C08C-45A9-AEA2-BDB01C2A9B0B}"/>
+    <pc:docChg chg="undo custSel modSld">
+      <pc:chgData name="Cooling, Chris" userId="6dcf99c9-2ba5-410a-8445-0893a3d1421f" providerId="ADAL" clId="{147E613D-C08C-45A9-AEA2-BDB01C2A9B0B}" dt="2024-06-04T08:34:29.679" v="862" actId="20577"/>
+      <pc:docMkLst>
+        <pc:docMk/>
+      </pc:docMkLst>
+      <pc:sldChg chg="modNotesTx">
+        <pc:chgData name="Cooling, Chris" userId="6dcf99c9-2ba5-410a-8445-0893a3d1421f" providerId="ADAL" clId="{147E613D-C08C-45A9-AEA2-BDB01C2A9B0B}" dt="2024-06-04T08:19:42.977" v="417" actId="33524"/>
+        <pc:sldMkLst>
+          <pc:docMk/>
+          <pc:sldMk cId="1113536892" sldId="269"/>
+        </pc:sldMkLst>
+      </pc:sldChg>
+      <pc:sldChg chg="addSp modSp mod modNotesTx">
+        <pc:chgData name="Cooling, Chris" userId="6dcf99c9-2ba5-410a-8445-0893a3d1421f" providerId="ADAL" clId="{147E613D-C08C-45A9-AEA2-BDB01C2A9B0B}" dt="2024-06-04T08:26:40.794" v="707" actId="20577"/>
+        <pc:sldMkLst>
+          <pc:docMk/>
+          <pc:sldMk cId="3909134183" sldId="281"/>
+        </pc:sldMkLst>
+        <pc:graphicFrameChg chg="add mod modGraphic">
+          <ac:chgData name="Cooling, Chris" userId="6dcf99c9-2ba5-410a-8445-0893a3d1421f" providerId="ADAL" clId="{147E613D-C08C-45A9-AEA2-BDB01C2A9B0B}" dt="2024-06-04T08:24:56.339" v="486" actId="1076"/>
+          <ac:graphicFrameMkLst>
+            <pc:docMk/>
+            <pc:sldMk cId="3909134183" sldId="281"/>
+            <ac:graphicFrameMk id="9" creationId="{ECE36D06-3878-D447-9249-6E2220A69B9F}"/>
+          </ac:graphicFrameMkLst>
+        </pc:graphicFrameChg>
+        <pc:picChg chg="mod">
+          <ac:chgData name="Cooling, Chris" userId="6dcf99c9-2ba5-410a-8445-0893a3d1421f" providerId="ADAL" clId="{147E613D-C08C-45A9-AEA2-BDB01C2A9B0B}" dt="2024-06-04T08:24:59.073" v="487" actId="1076"/>
+          <ac:picMkLst>
+            <pc:docMk/>
+            <pc:sldMk cId="3909134183" sldId="281"/>
+            <ac:picMk id="8" creationId="{19C8688E-6465-4D4C-8894-9B699849AFA4}"/>
+          </ac:picMkLst>
+        </pc:picChg>
+        <pc:cxnChg chg="add mod">
+          <ac:chgData name="Cooling, Chris" userId="6dcf99c9-2ba5-410a-8445-0893a3d1421f" providerId="ADAL" clId="{147E613D-C08C-45A9-AEA2-BDB01C2A9B0B}" dt="2024-06-04T08:25:47.259" v="490" actId="14100"/>
+          <ac:cxnSpMkLst>
+            <pc:docMk/>
+            <pc:sldMk cId="3909134183" sldId="281"/>
+            <ac:cxnSpMk id="12" creationId="{F42A0912-81C4-74DA-E448-64D97ED6FD9C}"/>
+          </ac:cxnSpMkLst>
+        </pc:cxnChg>
+      </pc:sldChg>
+      <pc:sldChg chg="addSp delSp modSp mod modNotesTx">
+        <pc:chgData name="Cooling, Chris" userId="6dcf99c9-2ba5-410a-8445-0893a3d1421f" providerId="ADAL" clId="{147E613D-C08C-45A9-AEA2-BDB01C2A9B0B}" dt="2024-06-04T08:34:29.679" v="862" actId="20577"/>
+        <pc:sldMkLst>
+          <pc:docMk/>
+          <pc:sldMk cId="1642117548" sldId="282"/>
+        </pc:sldMkLst>
+        <pc:spChg chg="mod">
+          <ac:chgData name="Cooling, Chris" userId="6dcf99c9-2ba5-410a-8445-0893a3d1421f" providerId="ADAL" clId="{147E613D-C08C-45A9-AEA2-BDB01C2A9B0B}" dt="2024-06-04T08:31:27.280" v="713" actId="20577"/>
+          <ac:spMkLst>
+            <pc:docMk/>
+            <pc:sldMk cId="1642117548" sldId="282"/>
+            <ac:spMk id="3" creationId="{03BDC0A6-3D59-4E9B-AC76-89681080B7D9}"/>
+          </ac:spMkLst>
+        </pc:spChg>
+        <pc:picChg chg="add del mod">
+          <ac:chgData name="Cooling, Chris" userId="6dcf99c9-2ba5-410a-8445-0893a3d1421f" providerId="ADAL" clId="{147E613D-C08C-45A9-AEA2-BDB01C2A9B0B}" dt="2024-06-04T08:32:57.433" v="717" actId="478"/>
+          <ac:picMkLst>
+            <pc:docMk/>
+            <pc:sldMk cId="1642117548" sldId="282"/>
+            <ac:picMk id="5" creationId="{89D2C4FE-DEF6-F241-0B37-819ED3D85B8C}"/>
+          </ac:picMkLst>
+        </pc:picChg>
+        <pc:picChg chg="del">
+          <ac:chgData name="Cooling, Chris" userId="6dcf99c9-2ba5-410a-8445-0893a3d1421f" providerId="ADAL" clId="{147E613D-C08C-45A9-AEA2-BDB01C2A9B0B}" dt="2024-06-04T08:32:42.181" v="714" actId="478"/>
+          <ac:picMkLst>
+            <pc:docMk/>
+            <pc:sldMk cId="1642117548" sldId="282"/>
+            <ac:picMk id="7" creationId="{68365574-040D-4652-9C6D-207C456D91F1}"/>
+          </ac:picMkLst>
+        </pc:picChg>
+        <pc:picChg chg="add mod">
+          <ac:chgData name="Cooling, Chris" userId="6dcf99c9-2ba5-410a-8445-0893a3d1421f" providerId="ADAL" clId="{147E613D-C08C-45A9-AEA2-BDB01C2A9B0B}" dt="2024-06-04T08:33:06.603" v="722" actId="1076"/>
+          <ac:picMkLst>
+            <pc:docMk/>
+            <pc:sldMk cId="1642117548" sldId="282"/>
+            <ac:picMk id="9" creationId="{5DA665EF-F39A-9704-96E2-1D2F75C85CC3}"/>
+          </ac:picMkLst>
+        </pc:picChg>
+      </pc:sldChg>
+    </pc:docChg>
+  </pc:docChgLst>
+  <pc:docChgLst>
     <pc:chgData name="Cooling, Chris" userId="6dcf99c9-2ba5-410a-8445-0893a3d1421f" providerId="ADAL" clId="{02736F4D-AEB0-4E10-B599-568033275B05}"/>
     <pc:docChg chg="addSld delSld modSld modSection">
       <pc:chgData name="Cooling, Chris" userId="6dcf99c9-2ba5-410a-8445-0893a3d1421f" providerId="ADAL" clId="{02736F4D-AEB0-4E10-B599-568033275B05}" dt="2023-02-24T16:46:17.106" v="1" actId="47"/>
@@ -1076,7 +1162,7 @@
           <a:p>
             <a:fld id="{88EB714B-C3CC-4216-88C1-02913905B1CF}" type="datetimeFigureOut">
               <a:rPr lang="en-GB" smtClean="0"/>
-              <a:t>30/04/2024</a:t>
+              <a:t>04/06/2024</a:t>
             </a:fld>
             <a:endParaRPr lang="en-GB"/>
           </a:p>
@@ -2822,7 +2908,7 @@
             </a:br>
             <a:r>
               <a:rPr lang="en-GB" dirty="0"/>
-              <a:t>The “\begin{figure}” command tells LaTeX you’re about to define a figure. The “t” in square brackets is an optional argument which tells LaTeX where you would like to put the figure. In this case, you’re asking for the figure to be put on the top of the next page if possible. Conflicts can occur, such as when multiple figures are requested to be included at the same location. LaTeX will do its best to position figures conforming to the locations you’ve specified and also to try and reduce the amount of white space in the document.</a:t>
+              <a:t>The “\begin{figure}” command tells LaTeX you’re about to define a figure. The “t” in square brackets is an optional argument which tells LaTeX where you would like to put the figure. In this case, you’re asking for the figure to be put on the top of the next page if possible. Conflicts can occur, such as when multiple figures are requested to be included at the same location. LaTeX will do its best to position figures conforming to the locations you’ve specified and also to try and reduce the amount of white space in the document. Other options to be used are “h” which asks the figure to be placed as close as possible to the text above the figure, including the middle of the page. “b” requests the image is placed at the bottom of the page.</a:t>
             </a:r>
           </a:p>
           <a:p>
@@ -3130,7 +3216,15 @@
             </a:br>
             <a:r>
               <a:rPr lang="en-GB" dirty="0"/>
-              <a:t>Within the “tabular” environment we specify the contents of the table. In the curly brackets immediately after we begin this environment we specify the columns, their alignment and any lines between the columns. Here we have specified that we want text in the left column to be left aligned within the column, text in the middle column to be centre-aligned and text in the rightmost column to be right-aligned within that column. The vertical line between the specification of the first and second column specifies that a vertical line is to be included in the table. If we don’t want a vertical line, as between columns 2 and 3, we don’t include a line.</a:t>
+              <a:t>Within the “tabular” environment we specify the contents of the table. In the curly brackets immediately after we begin this environment we specify the columns, their alignment and any lines between the columns. The number of these characters determines the number of columns, and which characters we use specifies </a:t>
+            </a:r>
+            <a:r>
+              <a:rPr lang="en-GB"/>
+              <a:t>the alignment. </a:t>
+            </a:r>
+            <a:r>
+              <a:rPr lang="en-GB" dirty="0"/>
+              <a:t>Here we have specified that we want text in the left column to be right-aligned within the column, text in the middle column to be left-aligned and text in the rightmost column to be centre-aligned within that column. The vertical line between the specification of the first and second column specifies that a vertical line is to be included in the table. If we don’t want a vertical line, as between columns 2 and 3, we don’t include a line.</a:t>
             </a:r>
             <a:br>
               <a:rPr lang="en-GB" dirty="0"/>
@@ -4973,7 +5067,7 @@
             </a:r>
             <a:r>
               <a:rPr lang="en-GB" dirty="0"/>
-              <a:t> document is split into two sections – the preamble and the main body. The preamble includes specification of settings for LaTeX to use in your document, but does not include any content which will appear in the document. The preamble will always include a declaration of the </a:t>
+              <a:t> document is split into two sections – the preamble and the main body. The preamble includes specification of settings for LaTeX to use in your document but does not include any content which will appear in the document. The preamble will always include a declaration of the </a:t>
             </a:r>
             <a:r>
               <a:rPr lang="en-GB" dirty="0" err="1"/>
@@ -5013,31 +5107,24 @@
             </a:r>
             <a:r>
               <a:rPr lang="en-GB" dirty="0"/>
-              <a:t>” commands may contain options within square brackets which allow other details to be set by the user. You can quickly change how your document looks by changing the content of your pre-amble. Throughout the exercises we’ll be doing today, you will need to use the packages “</a:t>
+              <a:t>” commands may contain options within square brackets which allow other details to be set by the user. You can quickly change how your document looks by changing the content of your pre-amble.</a:t>
+            </a:r>
+          </a:p>
+          <a:p>
+            <a:endParaRPr lang="en-GB" dirty="0"/>
+          </a:p>
+          <a:p>
+            <a:r>
+              <a:rPr lang="en-GB" dirty="0"/>
+              <a:t>In the example above, we set the default font-size of the document to be 12pt and choose to use A4 paper (this is the default, so we could have omitted this option). Different </a:t>
             </a:r>
             <a:r>
               <a:rPr lang="en-GB" dirty="0" err="1"/>
-              <a:t>graphicx</a:t>
-            </a:r>
-            <a:r>
-              <a:rPr lang="en-GB" dirty="0"/>
-              <a:t>”, “</a:t>
-            </a:r>
-            <a:r>
-              <a:rPr lang="en-GB" dirty="0" err="1"/>
-              <a:t>amssymb</a:t>
-            </a:r>
-            <a:r>
-              <a:rPr lang="en-GB" dirty="0"/>
-              <a:t>” and </a:t>
-            </a:r>
-            <a:r>
-              <a:rPr lang="en-GB" dirty="0" err="1"/>
-              <a:t>amsmath</a:t>
-            </a:r>
-            <a:r>
-              <a:rPr lang="en-GB" dirty="0"/>
-              <a:t>”.</a:t>
+              <a:t>documentclasses</a:t>
+            </a:r>
+            <a:r>
+              <a:rPr lang="en-GB" dirty="0"/>
+              <a:t> support different default font-sizes. For an article, the sizes 10pt, 11pt, and 12pt are supported.</a:t>
             </a:r>
             <a:br>
               <a:rPr lang="en-GB" dirty="0"/>
@@ -5673,7 +5760,7 @@
           <a:p>
             <a:fld id="{EB0080F8-EA1C-491D-963C-2C881B2F918F}" type="datetimeFigureOut">
               <a:rPr lang="en-GB" smtClean="0"/>
-              <a:t>30/04/2024</a:t>
+              <a:t>04/06/2024</a:t>
             </a:fld>
             <a:endParaRPr lang="en-GB"/>
           </a:p>
@@ -5823,7 +5910,7 @@
           <a:p>
             <a:fld id="{EB0080F8-EA1C-491D-963C-2C881B2F918F}" type="datetimeFigureOut">
               <a:rPr lang="en-GB" smtClean="0"/>
-              <a:t>30/04/2024</a:t>
+              <a:t>04/06/2024</a:t>
             </a:fld>
             <a:endParaRPr lang="en-GB"/>
           </a:p>
@@ -7356,7 +7443,7 @@
           <a:p>
             <a:fld id="{EB0080F8-EA1C-491D-963C-2C881B2F918F}" type="datetimeFigureOut">
               <a:rPr lang="en-GB" smtClean="0"/>
-              <a:t>30/04/2024</a:t>
+              <a:t>04/06/2024</a:t>
             </a:fld>
             <a:endParaRPr lang="en-GB"/>
           </a:p>
@@ -12410,7 +12497,7 @@
         </p:blipFill>
         <p:spPr>
           <a:xfrm>
-            <a:off x="4749023" y="2670503"/>
+            <a:off x="4749023" y="3226845"/>
             <a:ext cx="4072126" cy="2934232"/>
           </a:xfrm>
           <a:prstGeom prst="rect">
@@ -12599,6 +12686,232 @@
           </p:txBody>
         </p:sp>
       </p:grpSp>
+      <p:graphicFrame>
+        <p:nvGraphicFramePr>
+          <p:cNvPr id="9" name="Table 8">
+            <a:extLst>
+              <a:ext uri="{FF2B5EF4-FFF2-40B4-BE49-F238E27FC236}">
+                <a16:creationId xmlns:a16="http://schemas.microsoft.com/office/drawing/2014/main" id="{ECE36D06-3878-D447-9249-6E2220A69B9F}"/>
+              </a:ext>
+            </a:extLst>
+          </p:cNvPr>
+          <p:cNvGraphicFramePr>
+            <a:graphicFrameLocks noGrp="1"/>
+          </p:cNvGraphicFramePr>
+          <p:nvPr>
+            <p:extLst>
+              <p:ext uri="{D42A27DB-BD31-4B8C-83A1-F6EECF244321}">
+                <p14:modId xmlns:p14="http://schemas.microsoft.com/office/powerpoint/2010/main" val="192185445"/>
+              </p:ext>
+            </p:extLst>
+          </p:nvPr>
+        </p:nvGraphicFramePr>
+        <p:xfrm>
+          <a:off x="4749023" y="1035537"/>
+          <a:ext cx="3613484" cy="1483360"/>
+        </p:xfrm>
+        <a:graphic>
+          <a:graphicData uri="http://schemas.openxmlformats.org/drawingml/2006/table">
+            <a:tbl>
+              <a:tblPr firstRow="1" bandRow="1">
+                <a:tableStyleId>{5C22544A-7EE6-4342-B048-85BDC9FD1C3A}</a:tableStyleId>
+              </a:tblPr>
+              <a:tblGrid>
+                <a:gridCol w="1806742">
+                  <a:extLst>
+                    <a:ext uri="{9D8B030D-6E8A-4147-A177-3AD203B41FA5}">
+                      <a16:colId xmlns:a16="http://schemas.microsoft.com/office/drawing/2014/main" val="1481811616"/>
+                    </a:ext>
+                  </a:extLst>
+                </a:gridCol>
+                <a:gridCol w="1806742">
+                  <a:extLst>
+                    <a:ext uri="{9D8B030D-6E8A-4147-A177-3AD203B41FA5}">
+                      <a16:colId xmlns:a16="http://schemas.microsoft.com/office/drawing/2014/main" val="1642681238"/>
+                    </a:ext>
+                  </a:extLst>
+                </a:gridCol>
+              </a:tblGrid>
+              <a:tr h="370840">
+                <a:tc>
+                  <a:txBody>
+                    <a:bodyPr/>
+                    <a:lstStyle/>
+                    <a:p>
+                      <a:r>
+                        <a:rPr lang="en-GB" dirty="0"/>
+                        <a:t>Specifier</a:t>
+                      </a:r>
+                    </a:p>
+                  </a:txBody>
+                  <a:tcPr/>
+                </a:tc>
+                <a:tc>
+                  <a:txBody>
+                    <a:bodyPr/>
+                    <a:lstStyle/>
+                    <a:p>
+                      <a:r>
+                        <a:rPr lang="en-GB" dirty="0"/>
+                        <a:t>Position</a:t>
+                      </a:r>
+                    </a:p>
+                  </a:txBody>
+                  <a:tcPr/>
+                </a:tc>
+                <a:extLst>
+                  <a:ext uri="{0D108BD9-81ED-4DB2-BD59-A6C34878D82A}">
+                    <a16:rowId xmlns:a16="http://schemas.microsoft.com/office/drawing/2014/main" val="1192857270"/>
+                  </a:ext>
+                </a:extLst>
+              </a:tr>
+              <a:tr h="370840">
+                <a:tc>
+                  <a:txBody>
+                    <a:bodyPr/>
+                    <a:lstStyle/>
+                    <a:p>
+                      <a:r>
+                        <a:rPr lang="en-GB" dirty="0"/>
+                        <a:t>h</a:t>
+                      </a:r>
+                    </a:p>
+                  </a:txBody>
+                  <a:tcPr/>
+                </a:tc>
+                <a:tc>
+                  <a:txBody>
+                    <a:bodyPr/>
+                    <a:lstStyle/>
+                    <a:p>
+                      <a:r>
+                        <a:rPr lang="en-GB" dirty="0"/>
+                        <a:t>“Here”</a:t>
+                      </a:r>
+                    </a:p>
+                  </a:txBody>
+                  <a:tcPr/>
+                </a:tc>
+                <a:extLst>
+                  <a:ext uri="{0D108BD9-81ED-4DB2-BD59-A6C34878D82A}">
+                    <a16:rowId xmlns:a16="http://schemas.microsoft.com/office/drawing/2014/main" val="838115744"/>
+                  </a:ext>
+                </a:extLst>
+              </a:tr>
+              <a:tr h="370840">
+                <a:tc>
+                  <a:txBody>
+                    <a:bodyPr/>
+                    <a:lstStyle/>
+                    <a:p>
+                      <a:r>
+                        <a:rPr lang="en-GB" dirty="0"/>
+                        <a:t>t</a:t>
+                      </a:r>
+                    </a:p>
+                  </a:txBody>
+                  <a:tcPr/>
+                </a:tc>
+                <a:tc>
+                  <a:txBody>
+                    <a:bodyPr/>
+                    <a:lstStyle/>
+                    <a:p>
+                      <a:r>
+                        <a:rPr lang="en-GB" dirty="0"/>
+                        <a:t>Top of page</a:t>
+                      </a:r>
+                    </a:p>
+                  </a:txBody>
+                  <a:tcPr/>
+                </a:tc>
+                <a:extLst>
+                  <a:ext uri="{0D108BD9-81ED-4DB2-BD59-A6C34878D82A}">
+                    <a16:rowId xmlns:a16="http://schemas.microsoft.com/office/drawing/2014/main" val="2308305670"/>
+                  </a:ext>
+                </a:extLst>
+              </a:tr>
+              <a:tr h="370840">
+                <a:tc>
+                  <a:txBody>
+                    <a:bodyPr/>
+                    <a:lstStyle/>
+                    <a:p>
+                      <a:r>
+                        <a:rPr lang="en-GB" dirty="0"/>
+                        <a:t>b</a:t>
+                      </a:r>
+                    </a:p>
+                  </a:txBody>
+                  <a:tcPr/>
+                </a:tc>
+                <a:tc>
+                  <a:txBody>
+                    <a:bodyPr/>
+                    <a:lstStyle/>
+                    <a:p>
+                      <a:r>
+                        <a:rPr lang="en-GB" dirty="0"/>
+                        <a:t>Bottom of page</a:t>
+                      </a:r>
+                    </a:p>
+                  </a:txBody>
+                  <a:tcPr/>
+                </a:tc>
+                <a:extLst>
+                  <a:ext uri="{0D108BD9-81ED-4DB2-BD59-A6C34878D82A}">
+                    <a16:rowId xmlns:a16="http://schemas.microsoft.com/office/drawing/2014/main" val="1956674032"/>
+                  </a:ext>
+                </a:extLst>
+              </a:tr>
+            </a:tbl>
+          </a:graphicData>
+        </a:graphic>
+      </p:graphicFrame>
+      <p:cxnSp>
+        <p:nvCxnSpPr>
+          <p:cNvPr id="12" name="Straight Arrow Connector 11">
+            <a:extLst>
+              <a:ext uri="{FF2B5EF4-FFF2-40B4-BE49-F238E27FC236}">
+                <a16:creationId xmlns:a16="http://schemas.microsoft.com/office/drawing/2014/main" id="{F42A0912-81C4-74DA-E448-64D97ED6FD9C}"/>
+              </a:ext>
+            </a:extLst>
+          </p:cNvPr>
+          <p:cNvCxnSpPr>
+            <a:cxnSpLocks/>
+          </p:cNvCxnSpPr>
+          <p:nvPr/>
+        </p:nvCxnSpPr>
+        <p:spPr>
+          <a:xfrm flipH="1">
+            <a:off x="2534940" y="1754582"/>
+            <a:ext cx="2214083" cy="600905"/>
+          </a:xfrm>
+          <a:prstGeom prst="straightConnector1">
+            <a:avLst/>
+          </a:prstGeom>
+          <a:ln>
+            <a:solidFill>
+              <a:srgbClr val="FF0000"/>
+            </a:solidFill>
+            <a:tailEnd type="triangle"/>
+          </a:ln>
+        </p:spPr>
+        <p:style>
+          <a:lnRef idx="2">
+            <a:schemeClr val="accent1"/>
+          </a:lnRef>
+          <a:fillRef idx="0">
+            <a:schemeClr val="accent1"/>
+          </a:fillRef>
+          <a:effectRef idx="1">
+            <a:schemeClr val="accent1"/>
+          </a:effectRef>
+          <a:fontRef idx="minor">
+            <a:schemeClr val="tx1"/>
+          </a:fontRef>
+        </p:style>
+      </p:cxnSp>
     </p:spTree>
     <p:extLst>
       <p:ext uri="{BB962C8B-B14F-4D97-AF65-F5344CB8AC3E}">
@@ -12935,7 +13248,7 @@
             </a:r>
             <a:r>
               <a:rPr lang="en-GB" sz="2400" dirty="0"/>
-              <a:t>}{ l |  c  r }</a:t>
+              <a:t>}{ r |  l  c }</a:t>
             </a:r>
           </a:p>
           <a:p>
@@ -13130,10 +13443,10 @@
       </p:sp>
       <p:pic>
         <p:nvPicPr>
-          <p:cNvPr id="7" name="Picture 6">
+          <p:cNvPr id="9" name="Picture 8">
             <a:extLst>
               <a:ext uri="{FF2B5EF4-FFF2-40B4-BE49-F238E27FC236}">
-                <a16:creationId xmlns:a16="http://schemas.microsoft.com/office/drawing/2014/main" id="{68365574-040D-4652-9C6D-207C456D91F1}"/>
+                <a16:creationId xmlns:a16="http://schemas.microsoft.com/office/drawing/2014/main" id="{5DA665EF-F39A-9704-96E2-1D2F75C85CC3}"/>
               </a:ext>
             </a:extLst>
           </p:cNvPr>
@@ -13150,8 +13463,8 @@
         </p:blipFill>
         <p:spPr>
           <a:xfrm>
-            <a:off x="4599355" y="2880359"/>
-            <a:ext cx="4455308" cy="1903095"/>
+            <a:off x="4781849" y="2815389"/>
+            <a:ext cx="3904952" cy="1705492"/>
           </a:xfrm>
           <a:prstGeom prst="rect">
             <a:avLst/>

--- a/Intro to Latex Slides.pptx
+++ b/Intro to Latex Slides.pptx
@@ -781,7 +781,7 @@
   <pc:docChgLst>
     <pc:chgData name="Cooling, Chris" userId="6dcf99c9-2ba5-410a-8445-0893a3d1421f" providerId="ADAL" clId="{147E613D-C08C-45A9-AEA2-BDB01C2A9B0B}"/>
     <pc:docChg chg="undo custSel modSld">
-      <pc:chgData name="Cooling, Chris" userId="6dcf99c9-2ba5-410a-8445-0893a3d1421f" providerId="ADAL" clId="{147E613D-C08C-45A9-AEA2-BDB01C2A9B0B}" dt="2024-06-04T08:34:29.679" v="862" actId="20577"/>
+      <pc:chgData name="Cooling, Chris" userId="6dcf99c9-2ba5-410a-8445-0893a3d1421f" providerId="ADAL" clId="{147E613D-C08C-45A9-AEA2-BDB01C2A9B0B}" dt="2024-06-05T14:22:56.716" v="871" actId="20577"/>
       <pc:docMkLst>
         <pc:docMk/>
       </pc:docMkLst>
@@ -862,6 +862,21 @@
           </ac:picMkLst>
         </pc:picChg>
       </pc:sldChg>
+      <pc:sldChg chg="modSp mod">
+        <pc:chgData name="Cooling, Chris" userId="6dcf99c9-2ba5-410a-8445-0893a3d1421f" providerId="ADAL" clId="{147E613D-C08C-45A9-AEA2-BDB01C2A9B0B}" dt="2024-06-05T14:22:56.716" v="871" actId="20577"/>
+        <pc:sldMkLst>
+          <pc:docMk/>
+          <pc:sldMk cId="687175056" sldId="322"/>
+        </pc:sldMkLst>
+        <pc:spChg chg="mod">
+          <ac:chgData name="Cooling, Chris" userId="6dcf99c9-2ba5-410a-8445-0893a3d1421f" providerId="ADAL" clId="{147E613D-C08C-45A9-AEA2-BDB01C2A9B0B}" dt="2024-06-05T14:22:56.716" v="871" actId="20577"/>
+          <ac:spMkLst>
+            <pc:docMk/>
+            <pc:sldMk cId="687175056" sldId="322"/>
+            <ac:spMk id="3" creationId="{603AC519-287E-431C-AC14-B4D6EEF203DB}"/>
+          </ac:spMkLst>
+        </pc:spChg>
+      </pc:sldChg>
     </pc:docChg>
   </pc:docChgLst>
   <pc:docChgLst>
@@ -1162,7 +1177,7 @@
           <a:p>
             <a:fld id="{88EB714B-C3CC-4216-88C1-02913905B1CF}" type="datetimeFigureOut">
               <a:rPr lang="en-GB" smtClean="0"/>
-              <a:t>04/06/2024</a:t>
+              <a:t>05/06/2024</a:t>
             </a:fld>
             <a:endParaRPr lang="en-GB"/>
           </a:p>
@@ -5760,7 +5775,7 @@
           <a:p>
             <a:fld id="{EB0080F8-EA1C-491D-963C-2C881B2F918F}" type="datetimeFigureOut">
               <a:rPr lang="en-GB" smtClean="0"/>
-              <a:t>04/06/2024</a:t>
+              <a:t>05/06/2024</a:t>
             </a:fld>
             <a:endParaRPr lang="en-GB"/>
           </a:p>
@@ -5910,7 +5925,7 @@
           <a:p>
             <a:fld id="{EB0080F8-EA1C-491D-963C-2C881B2F918F}" type="datetimeFigureOut">
               <a:rPr lang="en-GB" smtClean="0"/>
-              <a:t>04/06/2024</a:t>
+              <a:t>05/06/2024</a:t>
             </a:fld>
             <a:endParaRPr lang="en-GB"/>
           </a:p>
@@ -7443,7 +7458,7 @@
           <a:p>
             <a:fld id="{EB0080F8-EA1C-491D-963C-2C881B2F918F}" type="datetimeFigureOut">
               <a:rPr lang="en-GB" smtClean="0"/>
-              <a:t>04/06/2024</a:t>
+              <a:t>05/06/2024</a:t>
             </a:fld>
             <a:endParaRPr lang="en-GB"/>
           </a:p>
@@ -14777,7 +14792,7 @@
                 <a:t>citep</a:t>
               </a:r>
               <a:r>
-                <a:rPr lang="en-GB" sz="2400" dirty="0">
+                <a:rPr lang="en-GB" sz="2400">
                   <a:solidFill>
                     <a:schemeClr val="tx2">
                       <a:lumMod val="50000"/>
@@ -14788,23 +14803,24 @@
                 <a:t> </a:t>
               </a:r>
               <a:r>
-                <a:rPr lang="en-GB" sz="2400" dirty="0"/>
+                <a:rPr lang="en-GB" sz="2400"/>
                 <a:t>{</a:t>
               </a:r>
               <a:r>
-                <a:rPr lang="en-GB" sz="2400" dirty="0">
+                <a:rPr lang="en-GB" sz="2400">
                   <a:solidFill>
                     <a:schemeClr val="accent4">
                       <a:lumMod val="75000"/>
                     </a:schemeClr>
                   </a:solidFill>
                 </a:rPr>
-                <a:t>Rowling_1997</a:t>
+                <a:t>Weir_2011</a:t>
               </a:r>
               <a:r>
-                <a:rPr lang="en-GB" sz="2400" dirty="0"/>
+                <a:rPr lang="en-GB" sz="2400"/>
                 <a:t>}</a:t>
               </a:r>
+              <a:endParaRPr lang="en-GB" sz="2400" dirty="0"/>
             </a:p>
             <a:p>
               <a:endParaRPr lang="en-GB" sz="2400" dirty="0"/>
